--- a/Documentation/SchémaModificationMilieudeStage.pptx
+++ b/Documentation/SchémaModificationMilieudeStage.pptx
@@ -207,7 +207,7 @@
           <a:p>
             <a:fld id="{DDBC4D3D-7E0D-4ED3-B610-3E5FDACC8A4D}" type="datetimeFigureOut">
               <a:rPr lang="fr-CA" smtClean="0"/>
-              <a:t>2020-03-12</a:t>
+              <a:t>2020-03-13</a:t>
             </a:fld>
             <a:endParaRPr lang="fr-CA"/>
           </a:p>
@@ -606,7 +606,7 @@
           <a:p>
             <a:fld id="{952D37C9-57C9-4E74-9BE9-5A5CF4DA06F6}" type="datetimeFigureOut">
               <a:rPr lang="fr-CA" smtClean="0"/>
-              <a:t>2020-03-12</a:t>
+              <a:t>2020-03-13</a:t>
             </a:fld>
             <a:endParaRPr lang="fr-CA"/>
           </a:p>
@@ -776,7 +776,7 @@
           <a:p>
             <a:fld id="{952D37C9-57C9-4E74-9BE9-5A5CF4DA06F6}" type="datetimeFigureOut">
               <a:rPr lang="fr-CA" smtClean="0"/>
-              <a:t>2020-03-12</a:t>
+              <a:t>2020-03-13</a:t>
             </a:fld>
             <a:endParaRPr lang="fr-CA"/>
           </a:p>
@@ -956,7 +956,7 @@
           <a:p>
             <a:fld id="{952D37C9-57C9-4E74-9BE9-5A5CF4DA06F6}" type="datetimeFigureOut">
               <a:rPr lang="fr-CA" smtClean="0"/>
-              <a:t>2020-03-12</a:t>
+              <a:t>2020-03-13</a:t>
             </a:fld>
             <a:endParaRPr lang="fr-CA"/>
           </a:p>
@@ -1126,7 +1126,7 @@
           <a:p>
             <a:fld id="{952D37C9-57C9-4E74-9BE9-5A5CF4DA06F6}" type="datetimeFigureOut">
               <a:rPr lang="fr-CA" smtClean="0"/>
-              <a:t>2020-03-12</a:t>
+              <a:t>2020-03-13</a:t>
             </a:fld>
             <a:endParaRPr lang="fr-CA"/>
           </a:p>
@@ -1372,7 +1372,7 @@
           <a:p>
             <a:fld id="{952D37C9-57C9-4E74-9BE9-5A5CF4DA06F6}" type="datetimeFigureOut">
               <a:rPr lang="fr-CA" smtClean="0"/>
-              <a:t>2020-03-12</a:t>
+              <a:t>2020-03-13</a:t>
             </a:fld>
             <a:endParaRPr lang="fr-CA"/>
           </a:p>
@@ -1604,7 +1604,7 @@
           <a:p>
             <a:fld id="{952D37C9-57C9-4E74-9BE9-5A5CF4DA06F6}" type="datetimeFigureOut">
               <a:rPr lang="fr-CA" smtClean="0"/>
-              <a:t>2020-03-12</a:t>
+              <a:t>2020-03-13</a:t>
             </a:fld>
             <a:endParaRPr lang="fr-CA"/>
           </a:p>
@@ -1971,7 +1971,7 @@
           <a:p>
             <a:fld id="{952D37C9-57C9-4E74-9BE9-5A5CF4DA06F6}" type="datetimeFigureOut">
               <a:rPr lang="fr-CA" smtClean="0"/>
-              <a:t>2020-03-12</a:t>
+              <a:t>2020-03-13</a:t>
             </a:fld>
             <a:endParaRPr lang="fr-CA"/>
           </a:p>
@@ -2089,7 +2089,7 @@
           <a:p>
             <a:fld id="{952D37C9-57C9-4E74-9BE9-5A5CF4DA06F6}" type="datetimeFigureOut">
               <a:rPr lang="fr-CA" smtClean="0"/>
-              <a:t>2020-03-12</a:t>
+              <a:t>2020-03-13</a:t>
             </a:fld>
             <a:endParaRPr lang="fr-CA"/>
           </a:p>
@@ -2184,7 +2184,7 @@
           <a:p>
             <a:fld id="{952D37C9-57C9-4E74-9BE9-5A5CF4DA06F6}" type="datetimeFigureOut">
               <a:rPr lang="fr-CA" smtClean="0"/>
-              <a:t>2020-03-12</a:t>
+              <a:t>2020-03-13</a:t>
             </a:fld>
             <a:endParaRPr lang="fr-CA"/>
           </a:p>
@@ -2461,7 +2461,7 @@
           <a:p>
             <a:fld id="{952D37C9-57C9-4E74-9BE9-5A5CF4DA06F6}" type="datetimeFigureOut">
               <a:rPr lang="fr-CA" smtClean="0"/>
-              <a:t>2020-03-12</a:t>
+              <a:t>2020-03-13</a:t>
             </a:fld>
             <a:endParaRPr lang="fr-CA"/>
           </a:p>
@@ -2714,7 +2714,7 @@
           <a:p>
             <a:fld id="{952D37C9-57C9-4E74-9BE9-5A5CF4DA06F6}" type="datetimeFigureOut">
               <a:rPr lang="fr-CA" smtClean="0"/>
-              <a:t>2020-03-12</a:t>
+              <a:t>2020-03-13</a:t>
             </a:fld>
             <a:endParaRPr lang="fr-CA"/>
           </a:p>
@@ -2927,7 +2927,7 @@
           <a:p>
             <a:fld id="{952D37C9-57C9-4E74-9BE9-5A5CF4DA06F6}" type="datetimeFigureOut">
               <a:rPr lang="fr-CA" smtClean="0"/>
-              <a:t>2020-03-12</a:t>
+              <a:t>2020-03-13</a:t>
             </a:fld>
             <a:endParaRPr lang="fr-CA"/>
           </a:p>
@@ -5122,15 +5122,7 @@
                   <a:srgbClr val="036AB1"/>
                 </a:solidFill>
               </a:rPr>
-              <a:t>Assigner </a:t>
-            </a:r>
-            <a:r>
-              <a:rPr lang="fr-CA" dirty="0" smtClean="0">
-                <a:solidFill>
-                  <a:srgbClr val="036AB1"/>
-                </a:solidFill>
-              </a:rPr>
-              <a:t>un stage</a:t>
+              <a:t>Assigner un stage</a:t>
             </a:r>
             <a:endParaRPr lang="fr-CA" dirty="0">
               <a:solidFill>
@@ -5224,7 +5216,6 @@
               <a:rPr lang="fr-CA" dirty="0"/>
               <a:t>Stage</a:t>
             </a:r>
-            <a:endParaRPr lang="fr-CA" dirty="0"/>
           </a:p>
         </p:txBody>
       </p:sp>

--- a/Documentation/SchémaModificationMilieudeStage.pptx
+++ b/Documentation/SchémaModificationMilieudeStage.pptx
@@ -3338,10 +3338,14 @@
           <p:cNvPicPr>
             <a:picLocks noChangeAspect="1"/>
           </p:cNvPicPr>
-          <p:nvPr/>
+          <p:nvPr>
+            <p:custDataLst>
+              <p:tags r:id="rId1"/>
+            </p:custDataLst>
+          </p:nvPr>
         </p:nvPicPr>
         <p:blipFill rotWithShape="1">
-          <a:blip r:embed="rId2"/>
+          <a:blip r:embed="rId29"/>
           <a:srcRect b="74442"/>
           <a:stretch/>
         </p:blipFill>
@@ -3359,7 +3363,11 @@
         <p:nvGrpSpPr>
           <p:cNvPr id="25" name="Groupe 24"/>
           <p:cNvGrpSpPr/>
-          <p:nvPr/>
+          <p:nvPr>
+            <p:custDataLst>
+              <p:tags r:id="rId2"/>
+            </p:custDataLst>
+          </p:nvPr>
         </p:nvGrpSpPr>
         <p:grpSpPr>
           <a:xfrm>
@@ -3378,7 +3386,7 @@
             <p:nvPr/>
           </p:nvPicPr>
           <p:blipFill rotWithShape="1">
-            <a:blip r:embed="rId3"/>
+            <a:blip r:embed="rId30"/>
             <a:srcRect r="89350"/>
             <a:stretch/>
           </p:blipFill>
@@ -3401,7 +3409,7 @@
             <p:nvPr/>
           </p:nvPicPr>
           <p:blipFill rotWithShape="1">
-            <a:blip r:embed="rId4"/>
+            <a:blip r:embed="rId31"/>
             <a:srcRect t="87715"/>
             <a:stretch/>
           </p:blipFill>
@@ -3424,7 +3432,7 @@
             <p:nvPr/>
           </p:nvPicPr>
           <p:blipFill>
-            <a:blip r:embed="rId5"/>
+            <a:blip r:embed="rId32"/>
             <a:stretch>
               <a:fillRect/>
             </a:stretch>
@@ -3446,10 +3454,14 @@
           <p:cNvPicPr>
             <a:picLocks noChangeAspect="1"/>
           </p:cNvPicPr>
-          <p:nvPr/>
+          <p:nvPr>
+            <p:custDataLst>
+              <p:tags r:id="rId3"/>
+            </p:custDataLst>
+          </p:nvPr>
         </p:nvPicPr>
         <p:blipFill>
-          <a:blip r:embed="rId6"/>
+          <a:blip r:embed="rId33"/>
           <a:stretch>
             <a:fillRect/>
           </a:stretch>
@@ -3470,10 +3482,14 @@
           <p:cNvPicPr>
             <a:picLocks noChangeAspect="1"/>
           </p:cNvPicPr>
-          <p:nvPr/>
+          <p:nvPr>
+            <p:custDataLst>
+              <p:tags r:id="rId4"/>
+            </p:custDataLst>
+          </p:nvPr>
         </p:nvPicPr>
         <p:blipFill>
-          <a:blip r:embed="rId7">
+          <a:blip r:embed="rId34">
             <a:duotone>
               <a:schemeClr val="accent3">
                 <a:shade val="45000"/>
@@ -3503,10 +3519,14 @@
           <p:cNvPicPr>
             <a:picLocks noChangeAspect="1"/>
           </p:cNvPicPr>
-          <p:nvPr/>
+          <p:nvPr>
+            <p:custDataLst>
+              <p:tags r:id="rId5"/>
+            </p:custDataLst>
+          </p:nvPr>
         </p:nvPicPr>
         <p:blipFill>
-          <a:blip r:embed="rId8"/>
+          <a:blip r:embed="rId35"/>
           <a:stretch>
             <a:fillRect/>
           </a:stretch>
@@ -3525,7 +3545,11 @@
         <p:nvSpPr>
           <p:cNvPr id="104" name="ZoneTexte 103"/>
           <p:cNvSpPr txBox="1"/>
-          <p:nvPr/>
+          <p:nvPr>
+            <p:custDataLst>
+              <p:tags r:id="rId6"/>
+            </p:custDataLst>
+          </p:nvPr>
         </p:nvSpPr>
         <p:spPr>
           <a:xfrm>
@@ -3549,7 +3573,15 @@
                   <a:srgbClr val="036AB1"/>
                 </a:solidFill>
               </a:rPr>
-              <a:t>Milieu de stages disponibles </a:t>
+              <a:t>Milieu </a:t>
+            </a:r>
+            <a:r>
+              <a:rPr lang="fr-CA" dirty="0" smtClean="0">
+                <a:solidFill>
+                  <a:srgbClr val="036AB1"/>
+                </a:solidFill>
+              </a:rPr>
+              <a:t>de stages disponibles </a:t>
             </a:r>
             <a:endParaRPr lang="fr-CA" dirty="0">
               <a:solidFill>
@@ -3565,10 +3597,14 @@
           <p:cNvPicPr>
             <a:picLocks noChangeAspect="1"/>
           </p:cNvPicPr>
-          <p:nvPr/>
+          <p:nvPr>
+            <p:custDataLst>
+              <p:tags r:id="rId7"/>
+            </p:custDataLst>
+          </p:nvPr>
         </p:nvPicPr>
         <p:blipFill rotWithShape="1">
-          <a:blip r:embed="rId9"/>
+          <a:blip r:embed="rId36"/>
           <a:srcRect l="53265" t="60683" r="5958" b="30747"/>
           <a:stretch/>
         </p:blipFill>
@@ -3588,10 +3624,14 @@
           <p:cNvPicPr>
             <a:picLocks noChangeAspect="1"/>
           </p:cNvPicPr>
-          <p:nvPr/>
+          <p:nvPr>
+            <p:custDataLst>
+              <p:tags r:id="rId8"/>
+            </p:custDataLst>
+          </p:nvPr>
         </p:nvPicPr>
         <p:blipFill>
-          <a:blip r:embed="rId10"/>
+          <a:blip r:embed="rId37"/>
           <a:stretch>
             <a:fillRect/>
           </a:stretch>
@@ -3612,10 +3652,14 @@
           <p:cNvPicPr>
             <a:picLocks noChangeAspect="1"/>
           </p:cNvPicPr>
-          <p:nvPr/>
+          <p:nvPr>
+            <p:custDataLst>
+              <p:tags r:id="rId9"/>
+            </p:custDataLst>
+          </p:nvPr>
         </p:nvPicPr>
         <p:blipFill>
-          <a:blip r:embed="rId11"/>
+          <a:blip r:embed="rId38"/>
           <a:stretch>
             <a:fillRect/>
           </a:stretch>
@@ -3636,10 +3680,14 @@
           <p:cNvPicPr>
             <a:picLocks noChangeAspect="1"/>
           </p:cNvPicPr>
-          <p:nvPr/>
+          <p:nvPr>
+            <p:custDataLst>
+              <p:tags r:id="rId10"/>
+            </p:custDataLst>
+          </p:nvPr>
         </p:nvPicPr>
         <p:blipFill>
-          <a:blip r:embed="rId12"/>
+          <a:blip r:embed="rId39"/>
           <a:stretch>
             <a:fillRect/>
           </a:stretch>
@@ -3658,7 +3706,11 @@
         <p:nvSpPr>
           <p:cNvPr id="17" name="Rectangle 16"/>
           <p:cNvSpPr/>
-          <p:nvPr/>
+          <p:nvPr>
+            <p:custDataLst>
+              <p:tags r:id="rId11"/>
+            </p:custDataLst>
+          </p:nvPr>
         </p:nvSpPr>
         <p:spPr>
           <a:xfrm>
@@ -3718,7 +3770,11 @@
         <p:nvSpPr>
           <p:cNvPr id="18" name="Rectangle 17"/>
           <p:cNvSpPr/>
-          <p:nvPr/>
+          <p:nvPr>
+            <p:custDataLst>
+              <p:tags r:id="rId12"/>
+            </p:custDataLst>
+          </p:nvPr>
         </p:nvSpPr>
         <p:spPr>
           <a:xfrm>
@@ -3766,7 +3822,11 @@
         <p:nvCxnSpPr>
           <p:cNvPr id="20" name="Connecteur droit avec flèche 19"/>
           <p:cNvCxnSpPr/>
-          <p:nvPr/>
+          <p:nvPr>
+            <p:custDataLst>
+              <p:tags r:id="rId13"/>
+            </p:custDataLst>
+          </p:nvPr>
         </p:nvCxnSpPr>
         <p:spPr>
           <a:xfrm flipH="1" flipV="1">
@@ -3804,7 +3864,11 @@
         <p:nvSpPr>
           <p:cNvPr id="26" name="ZoneTexte 25"/>
           <p:cNvSpPr txBox="1"/>
-          <p:nvPr/>
+          <p:nvPr>
+            <p:custDataLst>
+              <p:tags r:id="rId14"/>
+            </p:custDataLst>
+          </p:nvPr>
         </p:nvSpPr>
         <p:spPr>
           <a:xfrm>
@@ -3842,10 +3906,14 @@
           <p:cNvPicPr>
             <a:picLocks noChangeAspect="1"/>
           </p:cNvPicPr>
-          <p:nvPr/>
+          <p:nvPr>
+            <p:custDataLst>
+              <p:tags r:id="rId15"/>
+            </p:custDataLst>
+          </p:nvPr>
         </p:nvPicPr>
         <p:blipFill rotWithShape="1">
-          <a:blip r:embed="rId13"/>
+          <a:blip r:embed="rId40"/>
           <a:srcRect r="16872"/>
           <a:stretch/>
         </p:blipFill>
@@ -3865,10 +3933,14 @@
           <p:cNvPicPr>
             <a:picLocks noChangeAspect="1"/>
           </p:cNvPicPr>
-          <p:nvPr/>
+          <p:nvPr>
+            <p:custDataLst>
+              <p:tags r:id="rId16"/>
+            </p:custDataLst>
+          </p:nvPr>
         </p:nvPicPr>
         <p:blipFill>
-          <a:blip r:embed="rId14"/>
+          <a:blip r:embed="rId41"/>
           <a:stretch>
             <a:fillRect/>
           </a:stretch>
@@ -3889,10 +3961,14 @@
           <p:cNvPicPr>
             <a:picLocks noChangeAspect="1"/>
           </p:cNvPicPr>
-          <p:nvPr/>
+          <p:nvPr>
+            <p:custDataLst>
+              <p:tags r:id="rId17"/>
+            </p:custDataLst>
+          </p:nvPr>
         </p:nvPicPr>
         <p:blipFill>
-          <a:blip r:embed="rId15"/>
+          <a:blip r:embed="rId42"/>
           <a:stretch>
             <a:fillRect/>
           </a:stretch>
@@ -3913,10 +3989,14 @@
           <p:cNvPicPr>
             <a:picLocks noChangeAspect="1"/>
           </p:cNvPicPr>
-          <p:nvPr/>
+          <p:nvPr>
+            <p:custDataLst>
+              <p:tags r:id="rId18"/>
+            </p:custDataLst>
+          </p:nvPr>
         </p:nvPicPr>
         <p:blipFill>
-          <a:blip r:embed="rId15"/>
+          <a:blip r:embed="rId42"/>
           <a:stretch>
             <a:fillRect/>
           </a:stretch>
@@ -3937,10 +4017,14 @@
           <p:cNvPicPr>
             <a:picLocks noChangeAspect="1"/>
           </p:cNvPicPr>
-          <p:nvPr/>
+          <p:nvPr>
+            <p:custDataLst>
+              <p:tags r:id="rId19"/>
+            </p:custDataLst>
+          </p:nvPr>
         </p:nvPicPr>
         <p:blipFill>
-          <a:blip r:embed="rId15"/>
+          <a:blip r:embed="rId42"/>
           <a:stretch>
             <a:fillRect/>
           </a:stretch>
@@ -3959,7 +4043,11 @@
         <p:nvSpPr>
           <p:cNvPr id="56" name="Rectangle 55"/>
           <p:cNvSpPr/>
-          <p:nvPr/>
+          <p:nvPr>
+            <p:custDataLst>
+              <p:tags r:id="rId20"/>
+            </p:custDataLst>
+          </p:nvPr>
         </p:nvSpPr>
         <p:spPr>
           <a:xfrm>
@@ -4011,10 +4099,14 @@
           <p:cNvPicPr>
             <a:picLocks noChangeAspect="1"/>
           </p:cNvPicPr>
-          <p:nvPr/>
+          <p:nvPr>
+            <p:custDataLst>
+              <p:tags r:id="rId21"/>
+            </p:custDataLst>
+          </p:nvPr>
         </p:nvPicPr>
         <p:blipFill>
-          <a:blip r:embed="rId16"/>
+          <a:blip r:embed="rId43"/>
           <a:stretch>
             <a:fillRect/>
           </a:stretch>
@@ -4035,10 +4127,14 @@
           <p:cNvPicPr>
             <a:picLocks noChangeAspect="1"/>
           </p:cNvPicPr>
-          <p:nvPr/>
+          <p:nvPr>
+            <p:custDataLst>
+              <p:tags r:id="rId22"/>
+            </p:custDataLst>
+          </p:nvPr>
         </p:nvPicPr>
         <p:blipFill>
-          <a:blip r:embed="rId17"/>
+          <a:blip r:embed="rId44"/>
           <a:stretch>
             <a:fillRect/>
           </a:stretch>
@@ -4059,10 +4155,14 @@
           <p:cNvPicPr>
             <a:picLocks noChangeAspect="1"/>
           </p:cNvPicPr>
-          <p:nvPr/>
+          <p:nvPr>
+            <p:custDataLst>
+              <p:tags r:id="rId23"/>
+            </p:custDataLst>
+          </p:nvPr>
         </p:nvPicPr>
         <p:blipFill>
-          <a:blip r:embed="rId18"/>
+          <a:blip r:embed="rId45"/>
           <a:stretch>
             <a:fillRect/>
           </a:stretch>
@@ -4083,10 +4183,14 @@
           <p:cNvPicPr>
             <a:picLocks noChangeAspect="1"/>
           </p:cNvPicPr>
-          <p:nvPr/>
+          <p:nvPr>
+            <p:custDataLst>
+              <p:tags r:id="rId24"/>
+            </p:custDataLst>
+          </p:nvPr>
         </p:nvPicPr>
         <p:blipFill>
-          <a:blip r:embed="rId19"/>
+          <a:blip r:embed="rId46"/>
           <a:stretch>
             <a:fillRect/>
           </a:stretch>
@@ -4105,7 +4209,11 @@
         <p:nvSpPr>
           <p:cNvPr id="59" name="ZoneTexte 58"/>
           <p:cNvSpPr txBox="1"/>
-          <p:nvPr/>
+          <p:nvPr>
+            <p:custDataLst>
+              <p:tags r:id="rId25"/>
+            </p:custDataLst>
+          </p:nvPr>
         </p:nvSpPr>
         <p:spPr>
           <a:xfrm>
@@ -4128,6 +4236,64 @@
               <a:t>Visible seulement par le coordonnateur</a:t>
             </a:r>
             <a:endParaRPr lang="fr-CA" sz="1000" dirty="0"/>
+          </a:p>
+        </p:txBody>
+      </p:sp>
+      <p:pic>
+        <p:nvPicPr>
+          <p:cNvPr id="4" name="Image 3"/>
+          <p:cNvPicPr>
+            <a:picLocks noChangeAspect="1"/>
+          </p:cNvPicPr>
+          <p:nvPr>
+            <p:custDataLst>
+              <p:tags r:id="rId26"/>
+            </p:custDataLst>
+          </p:nvPr>
+        </p:nvPicPr>
+        <p:blipFill>
+          <a:blip r:embed="rId47"/>
+          <a:stretch>
+            <a:fillRect/>
+          </a:stretch>
+        </p:blipFill>
+        <p:spPr>
+          <a:xfrm>
+            <a:off x="8317444" y="2486728"/>
+            <a:ext cx="641157" cy="331633"/>
+          </a:xfrm>
+          <a:prstGeom prst="rect">
+            <a:avLst/>
+          </a:prstGeom>
+        </p:spPr>
+      </p:pic>
+      <p:sp>
+        <p:nvSpPr>
+          <p:cNvPr id="6" name="ZoneTexte 5"/>
+          <p:cNvSpPr txBox="1"/>
+          <p:nvPr>
+            <p:custDataLst>
+              <p:tags r:id="rId27"/>
+            </p:custDataLst>
+          </p:nvPr>
+        </p:nvSpPr>
+        <p:spPr>
+          <a:xfrm>
+            <a:off x="0" y="0"/>
+            <a:ext cx="3810000" cy="1270000"/>
+          </a:xfrm>
+          <a:prstGeom prst="rect">
+            <a:avLst/>
+          </a:prstGeom>
+          <a:noFill/>
+        </p:spPr>
+        <p:txBody>
+          <a:bodyPr vert="horz" rtlCol="0">
+            <a:spAutoFit/>
+          </a:bodyPr>
+          <a:lstStyle/>
+          <a:p>
+            <a:endParaRPr lang="fr-CA"/>
           </a:p>
         </p:txBody>
       </p:sp>
@@ -4174,10 +4340,14 @@
           <p:cNvPicPr>
             <a:picLocks noChangeAspect="1"/>
           </p:cNvPicPr>
-          <p:nvPr/>
+          <p:nvPr>
+            <p:custDataLst>
+              <p:tags r:id="rId1"/>
+            </p:custDataLst>
+          </p:nvPr>
         </p:nvPicPr>
         <p:blipFill rotWithShape="1">
-          <a:blip r:embed="rId2"/>
+          <a:blip r:embed="rId22"/>
           <a:srcRect b="74442"/>
           <a:stretch/>
         </p:blipFill>
@@ -4195,7 +4365,11 @@
         <p:nvGrpSpPr>
           <p:cNvPr id="25" name="Groupe 24"/>
           <p:cNvGrpSpPr/>
-          <p:nvPr/>
+          <p:nvPr>
+            <p:custDataLst>
+              <p:tags r:id="rId2"/>
+            </p:custDataLst>
+          </p:nvPr>
         </p:nvGrpSpPr>
         <p:grpSpPr>
           <a:xfrm>
@@ -4214,7 +4388,7 @@
             <p:nvPr/>
           </p:nvPicPr>
           <p:blipFill rotWithShape="1">
-            <a:blip r:embed="rId3"/>
+            <a:blip r:embed="rId23"/>
             <a:srcRect r="89350"/>
             <a:stretch/>
           </p:blipFill>
@@ -4237,7 +4411,7 @@
             <p:nvPr/>
           </p:nvPicPr>
           <p:blipFill rotWithShape="1">
-            <a:blip r:embed="rId4"/>
+            <a:blip r:embed="rId24"/>
             <a:srcRect t="87715"/>
             <a:stretch/>
           </p:blipFill>
@@ -4260,7 +4434,7 @@
             <p:nvPr/>
           </p:nvPicPr>
           <p:blipFill>
-            <a:blip r:embed="rId5"/>
+            <a:blip r:embed="rId25"/>
             <a:stretch>
               <a:fillRect/>
             </a:stretch>
@@ -4282,10 +4456,14 @@
           <p:cNvPicPr>
             <a:picLocks noChangeAspect="1"/>
           </p:cNvPicPr>
-          <p:nvPr/>
+          <p:nvPr>
+            <p:custDataLst>
+              <p:tags r:id="rId3"/>
+            </p:custDataLst>
+          </p:nvPr>
         </p:nvPicPr>
         <p:blipFill>
-          <a:blip r:embed="rId6"/>
+          <a:blip r:embed="rId26"/>
           <a:stretch>
             <a:fillRect/>
           </a:stretch>
@@ -4306,10 +4484,14 @@
           <p:cNvPicPr>
             <a:picLocks noChangeAspect="1"/>
           </p:cNvPicPr>
-          <p:nvPr/>
+          <p:nvPr>
+            <p:custDataLst>
+              <p:tags r:id="rId4"/>
+            </p:custDataLst>
+          </p:nvPr>
         </p:nvPicPr>
         <p:blipFill>
-          <a:blip r:embed="rId7">
+          <a:blip r:embed="rId27">
             <a:duotone>
               <a:schemeClr val="accent3">
                 <a:shade val="45000"/>
@@ -4339,10 +4521,14 @@
           <p:cNvPicPr>
             <a:picLocks noChangeAspect="1"/>
           </p:cNvPicPr>
-          <p:nvPr/>
+          <p:nvPr>
+            <p:custDataLst>
+              <p:tags r:id="rId5"/>
+            </p:custDataLst>
+          </p:nvPr>
         </p:nvPicPr>
         <p:blipFill>
-          <a:blip r:embed="rId8"/>
+          <a:blip r:embed="rId28"/>
           <a:stretch>
             <a:fillRect/>
           </a:stretch>
@@ -4361,7 +4547,11 @@
         <p:nvSpPr>
           <p:cNvPr id="104" name="ZoneTexte 103"/>
           <p:cNvSpPr txBox="1"/>
-          <p:nvPr/>
+          <p:nvPr>
+            <p:custDataLst>
+              <p:tags r:id="rId6"/>
+            </p:custDataLst>
+          </p:nvPr>
         </p:nvSpPr>
         <p:spPr>
           <a:xfrm>
@@ -4401,10 +4591,14 @@
           <p:cNvPicPr>
             <a:picLocks noChangeAspect="1"/>
           </p:cNvPicPr>
-          <p:nvPr/>
+          <p:nvPr>
+            <p:custDataLst>
+              <p:tags r:id="rId7"/>
+            </p:custDataLst>
+          </p:nvPr>
         </p:nvPicPr>
         <p:blipFill rotWithShape="1">
-          <a:blip r:embed="rId9"/>
+          <a:blip r:embed="rId29"/>
           <a:srcRect l="53265" t="60683" r="5958" b="30747"/>
           <a:stretch/>
         </p:blipFill>
@@ -4422,7 +4616,11 @@
         <p:nvSpPr>
           <p:cNvPr id="59" name="ZoneTexte 58"/>
           <p:cNvSpPr txBox="1"/>
-          <p:nvPr/>
+          <p:nvPr>
+            <p:custDataLst>
+              <p:tags r:id="rId8"/>
+            </p:custDataLst>
+          </p:nvPr>
         </p:nvSpPr>
         <p:spPr>
           <a:xfrm>
@@ -4452,7 +4650,11 @@
         <p:nvSpPr>
           <p:cNvPr id="30" name="ZoneTexte 29"/>
           <p:cNvSpPr txBox="1"/>
-          <p:nvPr/>
+          <p:nvPr>
+            <p:custDataLst>
+              <p:tags r:id="rId9"/>
+            </p:custDataLst>
+          </p:nvPr>
         </p:nvSpPr>
         <p:spPr>
           <a:xfrm>
@@ -4482,7 +4684,11 @@
         <p:nvSpPr>
           <p:cNvPr id="34" name="Rectangle 33"/>
           <p:cNvSpPr/>
-          <p:nvPr/>
+          <p:nvPr>
+            <p:custDataLst>
+              <p:tags r:id="rId10"/>
+            </p:custDataLst>
+          </p:nvPr>
         </p:nvSpPr>
         <p:spPr>
           <a:xfrm>
@@ -4532,7 +4738,11 @@
         <p:nvGrpSpPr>
           <p:cNvPr id="9" name="Groupe 8"/>
           <p:cNvGrpSpPr/>
-          <p:nvPr/>
+          <p:nvPr>
+            <p:custDataLst>
+              <p:tags r:id="rId11"/>
+            </p:custDataLst>
+          </p:nvPr>
         </p:nvGrpSpPr>
         <p:grpSpPr>
           <a:xfrm>
@@ -4551,7 +4761,7 @@
             <p:nvPr/>
           </p:nvPicPr>
           <p:blipFill>
-            <a:blip r:embed="rId10"/>
+            <a:blip r:embed="rId30"/>
             <a:stretch>
               <a:fillRect/>
             </a:stretch>
@@ -4575,7 +4785,7 @@
             <p:nvPr/>
           </p:nvPicPr>
           <p:blipFill>
-            <a:blip r:embed="rId11"/>
+            <a:blip r:embed="rId31"/>
             <a:stretch>
               <a:fillRect/>
             </a:stretch>
@@ -4597,10 +4807,14 @@
           <p:cNvPicPr>
             <a:picLocks noChangeAspect="1"/>
           </p:cNvPicPr>
-          <p:nvPr/>
+          <p:nvPr>
+            <p:custDataLst>
+              <p:tags r:id="rId12"/>
+            </p:custDataLst>
+          </p:nvPr>
         </p:nvPicPr>
         <p:blipFill>
-          <a:blip r:embed="rId12"/>
+          <a:blip r:embed="rId32"/>
           <a:stretch>
             <a:fillRect/>
           </a:stretch>
@@ -4621,10 +4835,14 @@
           <p:cNvPicPr>
             <a:picLocks noChangeAspect="1"/>
           </p:cNvPicPr>
-          <p:nvPr/>
+          <p:nvPr>
+            <p:custDataLst>
+              <p:tags r:id="rId13"/>
+            </p:custDataLst>
+          </p:nvPr>
         </p:nvPicPr>
         <p:blipFill>
-          <a:blip r:embed="rId12"/>
+          <a:blip r:embed="rId32"/>
           <a:stretch>
             <a:fillRect/>
           </a:stretch>
@@ -4645,10 +4863,14 @@
           <p:cNvPicPr>
             <a:picLocks noChangeAspect="1"/>
           </p:cNvPicPr>
-          <p:nvPr/>
+          <p:nvPr>
+            <p:custDataLst>
+              <p:tags r:id="rId14"/>
+            </p:custDataLst>
+          </p:nvPr>
         </p:nvPicPr>
         <p:blipFill>
-          <a:blip r:embed="rId12"/>
+          <a:blip r:embed="rId32"/>
           <a:stretch>
             <a:fillRect/>
           </a:stretch>
@@ -4669,10 +4891,14 @@
           <p:cNvPicPr>
             <a:picLocks noChangeAspect="1"/>
           </p:cNvPicPr>
-          <p:nvPr/>
+          <p:nvPr>
+            <p:custDataLst>
+              <p:tags r:id="rId15"/>
+            </p:custDataLst>
+          </p:nvPr>
         </p:nvPicPr>
         <p:blipFill>
-          <a:blip r:embed="rId12"/>
+          <a:blip r:embed="rId32"/>
           <a:stretch>
             <a:fillRect/>
           </a:stretch>
@@ -4693,7 +4919,11 @@
           <p:cNvCxnSpPr>
             <a:endCxn id="11" idx="3"/>
           </p:cNvCxnSpPr>
-          <p:nvPr/>
+          <p:nvPr>
+            <p:custDataLst>
+              <p:tags r:id="rId16"/>
+            </p:custDataLst>
+          </p:nvPr>
         </p:nvCxnSpPr>
         <p:spPr>
           <a:xfrm flipH="1" flipV="1">
@@ -4733,7 +4963,11 @@
           <p:cNvCxnSpPr>
             <a:endCxn id="43" idx="3"/>
           </p:cNvCxnSpPr>
-          <p:nvPr/>
+          <p:nvPr>
+            <p:custDataLst>
+              <p:tags r:id="rId17"/>
+            </p:custDataLst>
+          </p:nvPr>
         </p:nvCxnSpPr>
         <p:spPr>
           <a:xfrm flipH="1">
@@ -4773,7 +5007,11 @@
           <p:cNvCxnSpPr>
             <a:endCxn id="44" idx="3"/>
           </p:cNvCxnSpPr>
-          <p:nvPr/>
+          <p:nvPr>
+            <p:custDataLst>
+              <p:tags r:id="rId18"/>
+            </p:custDataLst>
+          </p:nvPr>
         </p:nvCxnSpPr>
         <p:spPr>
           <a:xfrm flipH="1">
@@ -4813,7 +5051,11 @@
           <p:cNvCxnSpPr>
             <a:endCxn id="45" idx="3"/>
           </p:cNvCxnSpPr>
-          <p:nvPr/>
+          <p:nvPr>
+            <p:custDataLst>
+              <p:tags r:id="rId19"/>
+            </p:custDataLst>
+          </p:nvPr>
         </p:nvCxnSpPr>
         <p:spPr>
           <a:xfrm flipH="1">
@@ -4851,7 +5093,11 @@
         <p:nvSpPr>
           <p:cNvPr id="55" name="ZoneTexte 54"/>
           <p:cNvSpPr txBox="1"/>
-          <p:nvPr/>
+          <p:nvPr>
+            <p:custDataLst>
+              <p:tags r:id="rId20"/>
+            </p:custDataLst>
+          </p:nvPr>
         </p:nvSpPr>
         <p:spPr>
           <a:xfrm>
@@ -4920,10 +5166,14 @@
           <p:cNvPicPr>
             <a:picLocks noChangeAspect="1"/>
           </p:cNvPicPr>
-          <p:nvPr/>
+          <p:nvPr>
+            <p:custDataLst>
+              <p:tags r:id="rId1"/>
+            </p:custDataLst>
+          </p:nvPr>
         </p:nvPicPr>
         <p:blipFill>
-          <a:blip r:embed="rId2"/>
+          <a:blip r:embed="rId34"/>
           <a:stretch>
             <a:fillRect/>
           </a:stretch>
@@ -4944,10 +5194,14 @@
           <p:cNvPicPr>
             <a:picLocks noChangeAspect="1"/>
           </p:cNvPicPr>
-          <p:nvPr/>
+          <p:nvPr>
+            <p:custDataLst>
+              <p:tags r:id="rId2"/>
+            </p:custDataLst>
+          </p:nvPr>
         </p:nvPicPr>
         <p:blipFill>
-          <a:blip r:embed="rId3"/>
+          <a:blip r:embed="rId35"/>
           <a:stretch>
             <a:fillRect/>
           </a:stretch>
@@ -4968,10 +5222,14 @@
           <p:cNvPicPr>
             <a:picLocks noChangeAspect="1"/>
           </p:cNvPicPr>
-          <p:nvPr/>
+          <p:nvPr>
+            <p:custDataLst>
+              <p:tags r:id="rId3"/>
+            </p:custDataLst>
+          </p:nvPr>
         </p:nvPicPr>
         <p:blipFill>
-          <a:blip r:embed="rId4"/>
+          <a:blip r:embed="rId36"/>
           <a:stretch>
             <a:fillRect/>
           </a:stretch>
@@ -4992,10 +5250,14 @@
           <p:cNvPicPr>
             <a:picLocks noChangeAspect="1"/>
           </p:cNvPicPr>
-          <p:nvPr/>
+          <p:nvPr>
+            <p:custDataLst>
+              <p:tags r:id="rId4"/>
+            </p:custDataLst>
+          </p:nvPr>
         </p:nvPicPr>
         <p:blipFill rotWithShape="1">
-          <a:blip r:embed="rId5"/>
+          <a:blip r:embed="rId37"/>
           <a:srcRect b="74442"/>
           <a:stretch/>
         </p:blipFill>
@@ -5013,7 +5275,11 @@
         <p:nvGrpSpPr>
           <p:cNvPr id="25" name="Groupe 24"/>
           <p:cNvGrpSpPr/>
-          <p:nvPr/>
+          <p:nvPr>
+            <p:custDataLst>
+              <p:tags r:id="rId5"/>
+            </p:custDataLst>
+          </p:nvPr>
         </p:nvGrpSpPr>
         <p:grpSpPr>
           <a:xfrm>
@@ -5032,7 +5298,7 @@
             <p:nvPr/>
           </p:nvPicPr>
           <p:blipFill rotWithShape="1">
-            <a:blip r:embed="rId6"/>
+            <a:blip r:embed="rId38"/>
             <a:srcRect r="89350"/>
             <a:stretch/>
           </p:blipFill>
@@ -5055,7 +5321,7 @@
             <p:nvPr/>
           </p:nvPicPr>
           <p:blipFill rotWithShape="1">
-            <a:blip r:embed="rId7"/>
+            <a:blip r:embed="rId39"/>
             <a:srcRect t="87715"/>
             <a:stretch/>
           </p:blipFill>
@@ -5078,7 +5344,7 @@
             <p:nvPr/>
           </p:nvPicPr>
           <p:blipFill>
-            <a:blip r:embed="rId8"/>
+            <a:blip r:embed="rId40"/>
             <a:stretch>
               <a:fillRect/>
             </a:stretch>
@@ -5098,7 +5364,11 @@
         <p:nvSpPr>
           <p:cNvPr id="27" name="ZoneTexte 26"/>
           <p:cNvSpPr txBox="1"/>
-          <p:nvPr/>
+          <p:nvPr>
+            <p:custDataLst>
+              <p:tags r:id="rId6"/>
+            </p:custDataLst>
+          </p:nvPr>
         </p:nvSpPr>
         <p:spPr>
           <a:xfrm>
@@ -5138,10 +5408,14 @@
           <p:cNvPicPr>
             <a:picLocks noChangeAspect="1"/>
           </p:cNvPicPr>
-          <p:nvPr/>
+          <p:nvPr>
+            <p:custDataLst>
+              <p:tags r:id="rId7"/>
+            </p:custDataLst>
+          </p:nvPr>
         </p:nvPicPr>
         <p:blipFill>
-          <a:blip r:embed="rId9"/>
+          <a:blip r:embed="rId41"/>
           <a:stretch>
             <a:fillRect/>
           </a:stretch>
@@ -5162,10 +5436,14 @@
           <p:cNvPicPr>
             <a:picLocks noChangeAspect="1"/>
           </p:cNvPicPr>
-          <p:nvPr/>
+          <p:nvPr>
+            <p:custDataLst>
+              <p:tags r:id="rId8"/>
+            </p:custDataLst>
+          </p:nvPr>
         </p:nvPicPr>
         <p:blipFill rotWithShape="1">
-          <a:blip r:embed="rId10"/>
+          <a:blip r:embed="rId42"/>
           <a:srcRect l="53265" t="60683" r="5958" b="30747"/>
           <a:stretch/>
         </p:blipFill>
@@ -5183,7 +5461,11 @@
         <p:nvSpPr>
           <p:cNvPr id="63" name="ZoneTexte 62"/>
           <p:cNvSpPr txBox="1"/>
-          <p:nvPr/>
+          <p:nvPr>
+            <p:custDataLst>
+              <p:tags r:id="rId9"/>
+            </p:custDataLst>
+          </p:nvPr>
         </p:nvSpPr>
         <p:spPr>
           <a:xfrm>
@@ -5225,10 +5507,14 @@
           <p:cNvPicPr>
             <a:picLocks noChangeAspect="1"/>
           </p:cNvPicPr>
-          <p:nvPr/>
+          <p:nvPr>
+            <p:custDataLst>
+              <p:tags r:id="rId10"/>
+            </p:custDataLst>
+          </p:nvPr>
         </p:nvPicPr>
         <p:blipFill>
-          <a:blip r:embed="rId11">
+          <a:blip r:embed="rId43">
             <a:duotone>
               <a:schemeClr val="accent3">
                 <a:shade val="45000"/>
@@ -5258,10 +5544,14 @@
           <p:cNvPicPr>
             <a:picLocks noChangeAspect="1"/>
           </p:cNvPicPr>
-          <p:nvPr/>
+          <p:nvPr>
+            <p:custDataLst>
+              <p:tags r:id="rId11"/>
+            </p:custDataLst>
+          </p:nvPr>
         </p:nvPicPr>
         <p:blipFill>
-          <a:blip r:embed="rId12"/>
+          <a:blip r:embed="rId44"/>
           <a:stretch>
             <a:fillRect/>
           </a:stretch>
@@ -5280,7 +5570,11 @@
         <p:nvSpPr>
           <p:cNvPr id="43" name="ZoneTexte 42"/>
           <p:cNvSpPr txBox="1"/>
-          <p:nvPr/>
+          <p:nvPr>
+            <p:custDataLst>
+              <p:tags r:id="rId12"/>
+            </p:custDataLst>
+          </p:nvPr>
         </p:nvSpPr>
         <p:spPr>
           <a:xfrm>
@@ -5310,7 +5604,11 @@
         <p:nvSpPr>
           <p:cNvPr id="56" name="Rectangle 55"/>
           <p:cNvSpPr/>
-          <p:nvPr/>
+          <p:nvPr>
+            <p:custDataLst>
+              <p:tags r:id="rId13"/>
+            </p:custDataLst>
+          </p:nvPr>
         </p:nvSpPr>
         <p:spPr>
           <a:xfrm>
@@ -5358,7 +5656,11 @@
         <p:nvGrpSpPr>
           <p:cNvPr id="66" name="Groupe 65"/>
           <p:cNvGrpSpPr/>
-          <p:nvPr/>
+          <p:nvPr>
+            <p:custDataLst>
+              <p:tags r:id="rId14"/>
+            </p:custDataLst>
+          </p:nvPr>
         </p:nvGrpSpPr>
         <p:grpSpPr>
           <a:xfrm>
@@ -5391,7 +5693,7 @@
               <p:nvPr/>
             </p:nvPicPr>
             <p:blipFill>
-              <a:blip r:embed="rId13"/>
+              <a:blip r:embed="rId45"/>
               <a:stretch>
                 <a:fillRect/>
               </a:stretch>
@@ -5415,7 +5717,7 @@
               <p:nvPr/>
             </p:nvPicPr>
             <p:blipFill>
-              <a:blip r:embed="rId14"/>
+              <a:blip r:embed="rId46"/>
               <a:stretch>
                 <a:fillRect/>
               </a:stretch>
@@ -5864,7 +6166,11 @@
         <p:nvSpPr>
           <p:cNvPr id="61" name="Rectangle 60"/>
           <p:cNvSpPr/>
-          <p:nvPr/>
+          <p:nvPr>
+            <p:custDataLst>
+              <p:tags r:id="rId15"/>
+            </p:custDataLst>
+          </p:nvPr>
         </p:nvSpPr>
         <p:spPr>
           <a:xfrm>
@@ -5916,10 +6222,14 @@
           <p:cNvPicPr>
             <a:picLocks noChangeAspect="1"/>
           </p:cNvPicPr>
-          <p:nvPr/>
+          <p:nvPr>
+            <p:custDataLst>
+              <p:tags r:id="rId16"/>
+            </p:custDataLst>
+          </p:nvPr>
         </p:nvPicPr>
         <p:blipFill>
-          <a:blip r:embed="rId15"/>
+          <a:blip r:embed="rId47"/>
           <a:stretch>
             <a:fillRect/>
           </a:stretch>
@@ -5940,10 +6250,14 @@
           <p:cNvPicPr>
             <a:picLocks noChangeAspect="1"/>
           </p:cNvPicPr>
-          <p:nvPr/>
+          <p:nvPr>
+            <p:custDataLst>
+              <p:tags r:id="rId17"/>
+            </p:custDataLst>
+          </p:nvPr>
         </p:nvPicPr>
         <p:blipFill>
-          <a:blip r:embed="rId16"/>
+          <a:blip r:embed="rId48"/>
           <a:stretch>
             <a:fillRect/>
           </a:stretch>
@@ -5962,7 +6276,11 @@
         <p:nvSpPr>
           <p:cNvPr id="83" name="ZoneTexte 82"/>
           <p:cNvSpPr txBox="1"/>
-          <p:nvPr/>
+          <p:nvPr>
+            <p:custDataLst>
+              <p:tags r:id="rId18"/>
+            </p:custDataLst>
+          </p:nvPr>
         </p:nvSpPr>
         <p:spPr>
           <a:xfrm>
@@ -6002,10 +6320,14 @@
           <p:cNvPicPr>
             <a:picLocks noChangeAspect="1"/>
           </p:cNvPicPr>
-          <p:nvPr/>
+          <p:nvPr>
+            <p:custDataLst>
+              <p:tags r:id="rId19"/>
+            </p:custDataLst>
+          </p:nvPr>
         </p:nvPicPr>
         <p:blipFill>
-          <a:blip r:embed="rId17"/>
+          <a:blip r:embed="rId49"/>
           <a:stretch>
             <a:fillRect/>
           </a:stretch>
@@ -6024,7 +6346,11 @@
         <p:nvGrpSpPr>
           <p:cNvPr id="21" name="Groupe 20"/>
           <p:cNvGrpSpPr/>
-          <p:nvPr/>
+          <p:nvPr>
+            <p:custDataLst>
+              <p:tags r:id="rId20"/>
+            </p:custDataLst>
+          </p:nvPr>
         </p:nvGrpSpPr>
         <p:grpSpPr>
           <a:xfrm>
@@ -6043,7 +6369,7 @@
             <p:nvPr/>
           </p:nvPicPr>
           <p:blipFill>
-            <a:blip r:embed="rId18"/>
+            <a:blip r:embed="rId50"/>
             <a:stretch>
               <a:fillRect/>
             </a:stretch>
@@ -6067,7 +6393,7 @@
             <p:nvPr/>
           </p:nvPicPr>
           <p:blipFill>
-            <a:blip r:embed="rId19"/>
+            <a:blip r:embed="rId51"/>
             <a:stretch>
               <a:fillRect/>
             </a:stretch>
@@ -6091,7 +6417,7 @@
             <p:nvPr/>
           </p:nvPicPr>
           <p:blipFill>
-            <a:blip r:embed="rId20"/>
+            <a:blip r:embed="rId52"/>
             <a:stretch>
               <a:fillRect/>
             </a:stretch>
@@ -6115,7 +6441,7 @@
             <p:nvPr/>
           </p:nvPicPr>
           <p:blipFill>
-            <a:blip r:embed="rId20"/>
+            <a:blip r:embed="rId52"/>
             <a:stretch>
               <a:fillRect/>
             </a:stretch>
@@ -6139,7 +6465,7 @@
             <p:nvPr/>
           </p:nvPicPr>
           <p:blipFill>
-            <a:blip r:embed="rId20"/>
+            <a:blip r:embed="rId52"/>
             <a:stretch>
               <a:fillRect/>
             </a:stretch>
@@ -6163,7 +6489,7 @@
             <p:nvPr/>
           </p:nvPicPr>
           <p:blipFill>
-            <a:blip r:embed="rId20"/>
+            <a:blip r:embed="rId52"/>
             <a:stretch>
               <a:fillRect/>
             </a:stretch>
@@ -6187,7 +6513,7 @@
             <p:nvPr/>
           </p:nvPicPr>
           <p:blipFill>
-            <a:blip r:embed="rId20"/>
+            <a:blip r:embed="rId52"/>
             <a:stretch>
               <a:fillRect/>
             </a:stretch>
@@ -6209,10 +6535,14 @@
           <p:cNvPicPr>
             <a:picLocks noChangeAspect="1"/>
           </p:cNvPicPr>
-          <p:nvPr/>
+          <p:nvPr>
+            <p:custDataLst>
+              <p:tags r:id="rId21"/>
+            </p:custDataLst>
+          </p:nvPr>
         </p:nvPicPr>
         <p:blipFill>
-          <a:blip r:embed="rId21"/>
+          <a:blip r:embed="rId53"/>
           <a:stretch>
             <a:fillRect/>
           </a:stretch>
@@ -6233,10 +6563,14 @@
           <p:cNvPicPr>
             <a:picLocks noChangeAspect="1"/>
           </p:cNvPicPr>
-          <p:nvPr/>
+          <p:nvPr>
+            <p:custDataLst>
+              <p:tags r:id="rId22"/>
+            </p:custDataLst>
+          </p:nvPr>
         </p:nvPicPr>
         <p:blipFill rotWithShape="1">
-          <a:blip r:embed="rId10"/>
+          <a:blip r:embed="rId42"/>
           <a:srcRect l="53265" t="60683" r="5958" b="30747"/>
           <a:stretch/>
         </p:blipFill>
@@ -6256,10 +6590,14 @@
           <p:cNvPicPr>
             <a:picLocks noChangeAspect="1"/>
           </p:cNvPicPr>
-          <p:nvPr/>
+          <p:nvPr>
+            <p:custDataLst>
+              <p:tags r:id="rId23"/>
+            </p:custDataLst>
+          </p:nvPr>
         </p:nvPicPr>
         <p:blipFill rotWithShape="1">
-          <a:blip r:embed="rId10"/>
+          <a:blip r:embed="rId42"/>
           <a:srcRect l="53265" t="60683" r="5958" b="30747"/>
           <a:stretch/>
         </p:blipFill>
@@ -6279,10 +6617,14 @@
           <p:cNvPicPr>
             <a:picLocks noChangeAspect="1"/>
           </p:cNvPicPr>
-          <p:nvPr/>
+          <p:nvPr>
+            <p:custDataLst>
+              <p:tags r:id="rId24"/>
+            </p:custDataLst>
+          </p:nvPr>
         </p:nvPicPr>
         <p:blipFill>
-          <a:blip r:embed="rId22"/>
+          <a:blip r:embed="rId54"/>
           <a:stretch>
             <a:fillRect/>
           </a:stretch>
@@ -6301,7 +6643,11 @@
         <p:nvSpPr>
           <p:cNvPr id="93" name="Rectangle 92"/>
           <p:cNvSpPr/>
-          <p:nvPr/>
+          <p:nvPr>
+            <p:custDataLst>
+              <p:tags r:id="rId25"/>
+            </p:custDataLst>
+          </p:nvPr>
         </p:nvSpPr>
         <p:spPr>
           <a:xfrm>
@@ -6361,7 +6707,11 @@
         <p:nvSpPr>
           <p:cNvPr id="94" name="Rectangle 93"/>
           <p:cNvSpPr/>
-          <p:nvPr/>
+          <p:nvPr>
+            <p:custDataLst>
+              <p:tags r:id="rId26"/>
+            </p:custDataLst>
+          </p:nvPr>
         </p:nvSpPr>
         <p:spPr>
           <a:xfrm>
@@ -6421,7 +6771,11 @@
         <p:nvSpPr>
           <p:cNvPr id="95" name="Rectangle 94"/>
           <p:cNvSpPr/>
-          <p:nvPr/>
+          <p:nvPr>
+            <p:custDataLst>
+              <p:tags r:id="rId27"/>
+            </p:custDataLst>
+          </p:nvPr>
         </p:nvSpPr>
         <p:spPr>
           <a:xfrm>
@@ -6481,7 +6835,11 @@
         <p:nvSpPr>
           <p:cNvPr id="96" name="Rectangle 95"/>
           <p:cNvSpPr/>
-          <p:nvPr/>
+          <p:nvPr>
+            <p:custDataLst>
+              <p:tags r:id="rId28"/>
+            </p:custDataLst>
+          </p:nvPr>
         </p:nvSpPr>
         <p:spPr>
           <a:xfrm>
@@ -6543,10 +6901,14 @@
           <p:cNvPicPr>
             <a:picLocks noChangeAspect="1"/>
           </p:cNvPicPr>
-          <p:nvPr/>
+          <p:nvPr>
+            <p:custDataLst>
+              <p:tags r:id="rId29"/>
+            </p:custDataLst>
+          </p:nvPr>
         </p:nvPicPr>
         <p:blipFill>
-          <a:blip r:embed="rId23"/>
+          <a:blip r:embed="rId55"/>
           <a:stretch>
             <a:fillRect/>
           </a:stretch>
@@ -6567,10 +6929,14 @@
           <p:cNvPicPr>
             <a:picLocks noChangeAspect="1"/>
           </p:cNvPicPr>
-          <p:nvPr/>
+          <p:nvPr>
+            <p:custDataLst>
+              <p:tags r:id="rId30"/>
+            </p:custDataLst>
+          </p:nvPr>
         </p:nvPicPr>
         <p:blipFill>
-          <a:blip r:embed="rId24"/>
+          <a:blip r:embed="rId56"/>
           <a:stretch>
             <a:fillRect/>
           </a:stretch>
@@ -6591,10 +6957,14 @@
           <p:cNvPicPr>
             <a:picLocks noChangeAspect="1"/>
           </p:cNvPicPr>
-          <p:nvPr/>
+          <p:nvPr>
+            <p:custDataLst>
+              <p:tags r:id="rId31"/>
+            </p:custDataLst>
+          </p:nvPr>
         </p:nvPicPr>
         <p:blipFill>
-          <a:blip r:embed="rId24"/>
+          <a:blip r:embed="rId56"/>
           <a:stretch>
             <a:fillRect/>
           </a:stretch>
@@ -6613,7 +6983,11 @@
         <p:nvSpPr>
           <p:cNvPr id="99" name="ZoneTexte 98"/>
           <p:cNvSpPr txBox="1"/>
-          <p:nvPr/>
+          <p:nvPr>
+            <p:custDataLst>
+              <p:tags r:id="rId32"/>
+            </p:custDataLst>
+          </p:nvPr>
         </p:nvSpPr>
         <p:spPr>
           <a:xfrm>
@@ -6639,6 +7013,30 @@
           </a:p>
         </p:txBody>
       </p:sp>
+      <p:pic>
+        <p:nvPicPr>
+          <p:cNvPr id="4" name="Image 3"/>
+          <p:cNvPicPr>
+            <a:picLocks noChangeAspect="1"/>
+          </p:cNvPicPr>
+          <p:nvPr/>
+        </p:nvPicPr>
+        <p:blipFill>
+          <a:blip r:embed="rId57"/>
+          <a:stretch>
+            <a:fillRect/>
+          </a:stretch>
+        </p:blipFill>
+        <p:spPr>
+          <a:xfrm>
+            <a:off x="3827726" y="1763499"/>
+            <a:ext cx="1390844" cy="323895"/>
+          </a:xfrm>
+          <a:prstGeom prst="rect">
+            <a:avLst/>
+          </a:prstGeom>
+        </p:spPr>
+      </p:pic>
     </p:spTree>
     <p:extLst>
       <p:ext uri="{BB962C8B-B14F-4D97-AF65-F5344CB8AC3E}">
@@ -6682,10 +7080,14 @@
           <p:cNvPicPr>
             <a:picLocks noChangeAspect="1"/>
           </p:cNvPicPr>
-          <p:nvPr/>
+          <p:nvPr>
+            <p:custDataLst>
+              <p:tags r:id="rId1"/>
+            </p:custDataLst>
+          </p:nvPr>
         </p:nvPicPr>
         <p:blipFill rotWithShape="1">
-          <a:blip r:embed="rId2"/>
+          <a:blip r:embed="rId33"/>
           <a:srcRect b="74442"/>
           <a:stretch/>
         </p:blipFill>
@@ -6703,7 +7105,11 @@
         <p:nvGrpSpPr>
           <p:cNvPr id="25" name="Groupe 24"/>
           <p:cNvGrpSpPr/>
-          <p:nvPr/>
+          <p:nvPr>
+            <p:custDataLst>
+              <p:tags r:id="rId2"/>
+            </p:custDataLst>
+          </p:nvPr>
         </p:nvGrpSpPr>
         <p:grpSpPr>
           <a:xfrm>
@@ -6722,7 +7128,7 @@
             <p:nvPr/>
           </p:nvPicPr>
           <p:blipFill rotWithShape="1">
-            <a:blip r:embed="rId3"/>
+            <a:blip r:embed="rId34"/>
             <a:srcRect r="89350"/>
             <a:stretch/>
           </p:blipFill>
@@ -6745,7 +7151,7 @@
             <p:nvPr/>
           </p:nvPicPr>
           <p:blipFill rotWithShape="1">
-            <a:blip r:embed="rId4"/>
+            <a:blip r:embed="rId35"/>
             <a:srcRect t="87715"/>
             <a:stretch/>
           </p:blipFill>
@@ -6768,7 +7174,7 @@
             <p:nvPr/>
           </p:nvPicPr>
           <p:blipFill>
-            <a:blip r:embed="rId5"/>
+            <a:blip r:embed="rId36"/>
             <a:stretch>
               <a:fillRect/>
             </a:stretch>
@@ -6788,7 +7194,11 @@
         <p:nvSpPr>
           <p:cNvPr id="27" name="ZoneTexte 26"/>
           <p:cNvSpPr txBox="1"/>
-          <p:nvPr/>
+          <p:nvPr>
+            <p:custDataLst>
+              <p:tags r:id="rId3"/>
+            </p:custDataLst>
+          </p:nvPr>
         </p:nvSpPr>
         <p:spPr>
           <a:xfrm>
@@ -6828,10 +7238,14 @@
           <p:cNvPicPr>
             <a:picLocks noChangeAspect="1"/>
           </p:cNvPicPr>
-          <p:nvPr/>
+          <p:nvPr>
+            <p:custDataLst>
+              <p:tags r:id="rId4"/>
+            </p:custDataLst>
+          </p:nvPr>
         </p:nvPicPr>
         <p:blipFill>
-          <a:blip r:embed="rId6"/>
+          <a:blip r:embed="rId37"/>
           <a:stretch>
             <a:fillRect/>
           </a:stretch>
@@ -6852,10 +7266,14 @@
           <p:cNvPicPr>
             <a:picLocks noChangeAspect="1"/>
           </p:cNvPicPr>
-          <p:nvPr/>
+          <p:nvPr>
+            <p:custDataLst>
+              <p:tags r:id="rId5"/>
+            </p:custDataLst>
+          </p:nvPr>
         </p:nvPicPr>
         <p:blipFill rotWithShape="1">
-          <a:blip r:embed="rId7"/>
+          <a:blip r:embed="rId38"/>
           <a:srcRect l="53265" t="60683" r="5958" b="30747"/>
           <a:stretch/>
         </p:blipFill>
@@ -6873,7 +7291,11 @@
         <p:nvSpPr>
           <p:cNvPr id="44" name="ZoneTexte 43"/>
           <p:cNvSpPr txBox="1"/>
-          <p:nvPr/>
+          <p:nvPr>
+            <p:custDataLst>
+              <p:tags r:id="rId6"/>
+            </p:custDataLst>
+          </p:nvPr>
         </p:nvSpPr>
         <p:spPr>
           <a:xfrm>
@@ -6905,10 +7327,14 @@
           <p:cNvPicPr>
             <a:picLocks noChangeAspect="1"/>
           </p:cNvPicPr>
-          <p:nvPr/>
+          <p:nvPr>
+            <p:custDataLst>
+              <p:tags r:id="rId7"/>
+            </p:custDataLst>
+          </p:nvPr>
         </p:nvPicPr>
         <p:blipFill>
-          <a:blip r:embed="rId8"/>
+          <a:blip r:embed="rId39"/>
           <a:stretch>
             <a:fillRect/>
           </a:stretch>
@@ -6927,7 +7353,11 @@
         <p:nvSpPr>
           <p:cNvPr id="47" name="ZoneTexte 46"/>
           <p:cNvSpPr txBox="1"/>
-          <p:nvPr/>
+          <p:nvPr>
+            <p:custDataLst>
+              <p:tags r:id="rId8"/>
+            </p:custDataLst>
+          </p:nvPr>
         </p:nvSpPr>
         <p:spPr>
           <a:xfrm>
@@ -6957,7 +7387,11 @@
         <p:nvSpPr>
           <p:cNvPr id="49" name="ZoneTexte 48"/>
           <p:cNvSpPr txBox="1"/>
-          <p:nvPr/>
+          <p:nvPr>
+            <p:custDataLst>
+              <p:tags r:id="rId9"/>
+            </p:custDataLst>
+          </p:nvPr>
         </p:nvSpPr>
         <p:spPr>
           <a:xfrm>
@@ -6989,10 +7423,14 @@
           <p:cNvPicPr>
             <a:picLocks noChangeAspect="1"/>
           </p:cNvPicPr>
-          <p:nvPr/>
+          <p:nvPr>
+            <p:custDataLst>
+              <p:tags r:id="rId10"/>
+            </p:custDataLst>
+          </p:nvPr>
         </p:nvPicPr>
         <p:blipFill>
-          <a:blip r:embed="rId8"/>
+          <a:blip r:embed="rId39"/>
           <a:stretch>
             <a:fillRect/>
           </a:stretch>
@@ -7013,10 +7451,14 @@
           <p:cNvPicPr>
             <a:picLocks noChangeAspect="1"/>
           </p:cNvPicPr>
-          <p:nvPr/>
+          <p:nvPr>
+            <p:custDataLst>
+              <p:tags r:id="rId11"/>
+            </p:custDataLst>
+          </p:nvPr>
         </p:nvPicPr>
         <p:blipFill>
-          <a:blip r:embed="rId8"/>
+          <a:blip r:embed="rId39"/>
           <a:stretch>
             <a:fillRect/>
           </a:stretch>
@@ -7035,7 +7477,11 @@
         <p:nvSpPr>
           <p:cNvPr id="52" name="ZoneTexte 51"/>
           <p:cNvSpPr txBox="1"/>
-          <p:nvPr/>
+          <p:nvPr>
+            <p:custDataLst>
+              <p:tags r:id="rId12"/>
+            </p:custDataLst>
+          </p:nvPr>
         </p:nvSpPr>
         <p:spPr>
           <a:xfrm>
@@ -7067,10 +7513,14 @@
           <p:cNvPicPr>
             <a:picLocks noChangeAspect="1"/>
           </p:cNvPicPr>
-          <p:nvPr/>
+          <p:nvPr>
+            <p:custDataLst>
+              <p:tags r:id="rId13"/>
+            </p:custDataLst>
+          </p:nvPr>
         </p:nvPicPr>
         <p:blipFill>
-          <a:blip r:embed="rId8"/>
+          <a:blip r:embed="rId39"/>
           <a:stretch>
             <a:fillRect/>
           </a:stretch>
@@ -7091,10 +7541,14 @@
           <p:cNvPicPr>
             <a:picLocks noChangeAspect="1"/>
           </p:cNvPicPr>
-          <p:nvPr/>
+          <p:nvPr>
+            <p:custDataLst>
+              <p:tags r:id="rId14"/>
+            </p:custDataLst>
+          </p:nvPr>
         </p:nvPicPr>
         <p:blipFill>
-          <a:blip r:embed="rId8"/>
+          <a:blip r:embed="rId39"/>
           <a:stretch>
             <a:fillRect/>
           </a:stretch>
@@ -7113,7 +7567,11 @@
         <p:nvSpPr>
           <p:cNvPr id="55" name="ZoneTexte 54"/>
           <p:cNvSpPr txBox="1"/>
-          <p:nvPr/>
+          <p:nvPr>
+            <p:custDataLst>
+              <p:tags r:id="rId15"/>
+            </p:custDataLst>
+          </p:nvPr>
         </p:nvSpPr>
         <p:spPr>
           <a:xfrm>
@@ -7145,10 +7603,14 @@
           <p:cNvPicPr>
             <a:picLocks noChangeAspect="1"/>
           </p:cNvPicPr>
-          <p:nvPr/>
+          <p:nvPr>
+            <p:custDataLst>
+              <p:tags r:id="rId16"/>
+            </p:custDataLst>
+          </p:nvPr>
         </p:nvPicPr>
         <p:blipFill rotWithShape="1">
-          <a:blip r:embed="rId9"/>
+          <a:blip r:embed="rId40"/>
           <a:srcRect l="42620" b="816"/>
           <a:stretch/>
         </p:blipFill>
@@ -7168,10 +7630,14 @@
           <p:cNvPicPr>
             <a:picLocks noChangeAspect="1"/>
           </p:cNvPicPr>
-          <p:nvPr/>
+          <p:nvPr>
+            <p:custDataLst>
+              <p:tags r:id="rId17"/>
+            </p:custDataLst>
+          </p:nvPr>
         </p:nvPicPr>
         <p:blipFill rotWithShape="1">
-          <a:blip r:embed="rId10"/>
+          <a:blip r:embed="rId41"/>
           <a:srcRect r="10325" b="8565"/>
           <a:stretch/>
         </p:blipFill>
@@ -7189,7 +7655,11 @@
         <p:nvSpPr>
           <p:cNvPr id="58" name="ZoneTexte 57"/>
           <p:cNvSpPr txBox="1"/>
-          <p:nvPr/>
+          <p:nvPr>
+            <p:custDataLst>
+              <p:tags r:id="rId18"/>
+            </p:custDataLst>
+          </p:nvPr>
         </p:nvSpPr>
         <p:spPr>
           <a:xfrm>
@@ -7221,10 +7691,14 @@
           <p:cNvPicPr>
             <a:picLocks noChangeAspect="1"/>
           </p:cNvPicPr>
-          <p:nvPr/>
+          <p:nvPr>
+            <p:custDataLst>
+              <p:tags r:id="rId19"/>
+            </p:custDataLst>
+          </p:nvPr>
         </p:nvPicPr>
         <p:blipFill rotWithShape="1">
-          <a:blip r:embed="rId10"/>
+          <a:blip r:embed="rId41"/>
           <a:srcRect r="10325" b="8565"/>
           <a:stretch/>
         </p:blipFill>
@@ -7242,7 +7716,11 @@
         <p:nvSpPr>
           <p:cNvPr id="60" name="ZoneTexte 59"/>
           <p:cNvSpPr txBox="1"/>
-          <p:nvPr/>
+          <p:nvPr>
+            <p:custDataLst>
+              <p:tags r:id="rId20"/>
+            </p:custDataLst>
+          </p:nvPr>
         </p:nvSpPr>
         <p:spPr>
           <a:xfrm>
@@ -7273,10 +7751,14 @@
           <p:cNvPicPr>
             <a:picLocks noChangeAspect="1"/>
           </p:cNvPicPr>
-          <p:nvPr/>
+          <p:nvPr>
+            <p:custDataLst>
+              <p:tags r:id="rId21"/>
+            </p:custDataLst>
+          </p:nvPr>
         </p:nvPicPr>
         <p:blipFill rotWithShape="1">
-          <a:blip r:embed="rId10"/>
+          <a:blip r:embed="rId41"/>
           <a:srcRect r="10325" b="8565"/>
           <a:stretch/>
         </p:blipFill>
@@ -7294,7 +7776,11 @@
         <p:nvSpPr>
           <p:cNvPr id="63" name="ZoneTexte 62"/>
           <p:cNvSpPr txBox="1"/>
-          <p:nvPr/>
+          <p:nvPr>
+            <p:custDataLst>
+              <p:tags r:id="rId22"/>
+            </p:custDataLst>
+          </p:nvPr>
         </p:nvSpPr>
         <p:spPr>
           <a:xfrm>
@@ -7326,10 +7812,14 @@
           <p:cNvPicPr>
             <a:picLocks noChangeAspect="1"/>
           </p:cNvPicPr>
-          <p:nvPr/>
+          <p:nvPr>
+            <p:custDataLst>
+              <p:tags r:id="rId23"/>
+            </p:custDataLst>
+          </p:nvPr>
         </p:nvPicPr>
         <p:blipFill rotWithShape="1">
-          <a:blip r:embed="rId10"/>
+          <a:blip r:embed="rId41"/>
           <a:srcRect r="10325" b="8565"/>
           <a:stretch/>
         </p:blipFill>
@@ -7347,12 +7837,16 @@
         <p:nvSpPr>
           <p:cNvPr id="65" name="ZoneTexte 64"/>
           <p:cNvSpPr txBox="1"/>
-          <p:nvPr/>
+          <p:nvPr>
+            <p:custDataLst>
+              <p:tags r:id="rId24"/>
+            </p:custDataLst>
+          </p:nvPr>
         </p:nvSpPr>
         <p:spPr>
           <a:xfrm>
-            <a:off x="4056611" y="5816855"/>
-            <a:ext cx="1143242" cy="338554"/>
+            <a:off x="4501991" y="5816855"/>
+            <a:ext cx="697861" cy="338554"/>
           </a:xfrm>
           <a:prstGeom prst="rect">
             <a:avLst/>
@@ -7367,7 +7861,7 @@
           <a:p>
             <a:r>
               <a:rPr lang="fr-CA" sz="1600" dirty="0" smtClean="0"/>
-              <a:t>Disponible:</a:t>
+              <a:t>Actif:</a:t>
             </a:r>
             <a:endParaRPr lang="fr-CA" sz="1600" dirty="0"/>
           </a:p>
@@ -7379,10 +7873,14 @@
           <p:cNvPicPr>
             <a:picLocks noChangeAspect="1"/>
           </p:cNvPicPr>
-          <p:nvPr/>
+          <p:nvPr>
+            <p:custDataLst>
+              <p:tags r:id="rId25"/>
+            </p:custDataLst>
+          </p:nvPr>
         </p:nvPicPr>
         <p:blipFill>
-          <a:blip r:embed="rId11">
+          <a:blip r:embed="rId42">
             <a:duotone>
               <a:schemeClr val="accent3">
                 <a:shade val="45000"/>
@@ -7410,7 +7908,11 @@
         <p:nvSpPr>
           <p:cNvPr id="32" name="ZoneTexte 31"/>
           <p:cNvSpPr txBox="1"/>
-          <p:nvPr/>
+          <p:nvPr>
+            <p:custDataLst>
+              <p:tags r:id="rId26"/>
+            </p:custDataLst>
+          </p:nvPr>
         </p:nvSpPr>
         <p:spPr>
           <a:xfrm>
@@ -7436,40 +7938,20 @@
           </a:p>
         </p:txBody>
       </p:sp>
-      <p:pic>
-        <p:nvPicPr>
-          <p:cNvPr id="4" name="Image 3"/>
-          <p:cNvPicPr>
-            <a:picLocks noChangeAspect="1"/>
-          </p:cNvPicPr>
-          <p:nvPr/>
-        </p:nvPicPr>
-        <p:blipFill>
-          <a:blip r:embed="rId12"/>
-          <a:stretch>
-            <a:fillRect/>
-          </a:stretch>
-        </p:blipFill>
-        <p:spPr>
-          <a:xfrm>
-            <a:off x="5348036" y="5800076"/>
-            <a:ext cx="1257475" cy="314369"/>
-          </a:xfrm>
-          <a:prstGeom prst="rect">
-            <a:avLst/>
-          </a:prstGeom>
-        </p:spPr>
-      </p:pic>
       <p:pic>
         <p:nvPicPr>
           <p:cNvPr id="34" name="Image 33"/>
           <p:cNvPicPr>
             <a:picLocks noChangeAspect="1"/>
           </p:cNvPicPr>
-          <p:nvPr/>
+          <p:nvPr>
+            <p:custDataLst>
+              <p:tags r:id="rId27"/>
+            </p:custDataLst>
+          </p:nvPr>
         </p:nvPicPr>
         <p:blipFill>
-          <a:blip r:embed="rId13"/>
+          <a:blip r:embed="rId43"/>
           <a:stretch>
             <a:fillRect/>
           </a:stretch>
@@ -7488,7 +7970,11 @@
         <p:nvCxnSpPr>
           <p:cNvPr id="35" name="Connecteur droit avec flèche 34"/>
           <p:cNvCxnSpPr/>
-          <p:nvPr/>
+          <p:nvPr>
+            <p:custDataLst>
+              <p:tags r:id="rId28"/>
+            </p:custDataLst>
+          </p:nvPr>
         </p:nvCxnSpPr>
         <p:spPr>
           <a:xfrm flipH="1" flipV="1">
@@ -7526,7 +8012,11 @@
         <p:nvSpPr>
           <p:cNvPr id="36" name="ZoneTexte 35"/>
           <p:cNvSpPr txBox="1"/>
-          <p:nvPr/>
+          <p:nvPr>
+            <p:custDataLst>
+              <p:tags r:id="rId29"/>
+            </p:custDataLst>
+          </p:nvPr>
         </p:nvSpPr>
         <p:spPr>
           <a:xfrm>
@@ -7562,10 +8052,14 @@
           <p:cNvPicPr>
             <a:picLocks noChangeAspect="1"/>
           </p:cNvPicPr>
-          <p:nvPr/>
+          <p:nvPr>
+            <p:custDataLst>
+              <p:tags r:id="rId30"/>
+            </p:custDataLst>
+          </p:nvPr>
         </p:nvPicPr>
         <p:blipFill>
-          <a:blip r:embed="rId14"/>
+          <a:blip r:embed="rId44"/>
           <a:stretch>
             <a:fillRect/>
           </a:stretch>
@@ -7584,7 +8078,11 @@
         <p:nvSpPr>
           <p:cNvPr id="39" name="ZoneTexte 38"/>
           <p:cNvSpPr txBox="1"/>
-          <p:nvPr/>
+          <p:nvPr>
+            <p:custDataLst>
+              <p:tags r:id="rId31"/>
+            </p:custDataLst>
+          </p:nvPr>
         </p:nvSpPr>
         <p:spPr>
           <a:xfrm>
@@ -7630,6 +8128,30 @@
           </a:p>
         </p:txBody>
       </p:sp>
+      <p:pic>
+        <p:nvPicPr>
+          <p:cNvPr id="6" name="Image 5"/>
+          <p:cNvPicPr>
+            <a:picLocks noChangeAspect="1"/>
+          </p:cNvPicPr>
+          <p:nvPr/>
+        </p:nvPicPr>
+        <p:blipFill>
+          <a:blip r:embed="rId45"/>
+          <a:stretch>
+            <a:fillRect/>
+          </a:stretch>
+        </p:blipFill>
+        <p:spPr>
+          <a:xfrm>
+            <a:off x="5325124" y="5905784"/>
+            <a:ext cx="1219370" cy="209579"/>
+          </a:xfrm>
+          <a:prstGeom prst="rect">
+            <a:avLst/>
+          </a:prstGeom>
+        </p:spPr>
+      </p:pic>
     </p:spTree>
     <p:extLst>
       <p:ext uri="{BB962C8B-B14F-4D97-AF65-F5344CB8AC3E}">
@@ -7673,10 +8195,14 @@
           <p:cNvPicPr>
             <a:picLocks noChangeAspect="1"/>
           </p:cNvPicPr>
-          <p:nvPr/>
+          <p:nvPr>
+            <p:custDataLst>
+              <p:tags r:id="rId1"/>
+            </p:custDataLst>
+          </p:nvPr>
         </p:nvPicPr>
         <p:blipFill rotWithShape="1">
-          <a:blip r:embed="rId2"/>
+          <a:blip r:embed="rId33"/>
           <a:srcRect b="74442"/>
           <a:stretch/>
         </p:blipFill>
@@ -7694,7 +8220,11 @@
         <p:nvGrpSpPr>
           <p:cNvPr id="25" name="Groupe 24"/>
           <p:cNvGrpSpPr/>
-          <p:nvPr/>
+          <p:nvPr>
+            <p:custDataLst>
+              <p:tags r:id="rId2"/>
+            </p:custDataLst>
+          </p:nvPr>
         </p:nvGrpSpPr>
         <p:grpSpPr>
           <a:xfrm>
@@ -7713,7 +8243,7 @@
             <p:nvPr/>
           </p:nvPicPr>
           <p:blipFill rotWithShape="1">
-            <a:blip r:embed="rId3"/>
+            <a:blip r:embed="rId34"/>
             <a:srcRect r="89350"/>
             <a:stretch/>
           </p:blipFill>
@@ -7736,7 +8266,7 @@
             <p:nvPr/>
           </p:nvPicPr>
           <p:blipFill rotWithShape="1">
-            <a:blip r:embed="rId4"/>
+            <a:blip r:embed="rId35"/>
             <a:srcRect t="87715"/>
             <a:stretch/>
           </p:blipFill>
@@ -7759,7 +8289,7 @@
             <p:nvPr/>
           </p:nvPicPr>
           <p:blipFill>
-            <a:blip r:embed="rId5"/>
+            <a:blip r:embed="rId36"/>
             <a:stretch>
               <a:fillRect/>
             </a:stretch>
@@ -7779,7 +8309,11 @@
         <p:nvSpPr>
           <p:cNvPr id="27" name="ZoneTexte 26"/>
           <p:cNvSpPr txBox="1"/>
-          <p:nvPr/>
+          <p:nvPr>
+            <p:custDataLst>
+              <p:tags r:id="rId3"/>
+            </p:custDataLst>
+          </p:nvPr>
         </p:nvSpPr>
         <p:spPr>
           <a:xfrm>
@@ -7819,10 +8353,14 @@
           <p:cNvPicPr>
             <a:picLocks noChangeAspect="1"/>
           </p:cNvPicPr>
-          <p:nvPr/>
+          <p:nvPr>
+            <p:custDataLst>
+              <p:tags r:id="rId4"/>
+            </p:custDataLst>
+          </p:nvPr>
         </p:nvPicPr>
         <p:blipFill>
-          <a:blip r:embed="rId6"/>
+          <a:blip r:embed="rId37"/>
           <a:stretch>
             <a:fillRect/>
           </a:stretch>
@@ -7843,10 +8381,14 @@
           <p:cNvPicPr>
             <a:picLocks noChangeAspect="1"/>
           </p:cNvPicPr>
-          <p:nvPr/>
+          <p:nvPr>
+            <p:custDataLst>
+              <p:tags r:id="rId5"/>
+            </p:custDataLst>
+          </p:nvPr>
         </p:nvPicPr>
         <p:blipFill rotWithShape="1">
-          <a:blip r:embed="rId7"/>
+          <a:blip r:embed="rId38"/>
           <a:srcRect l="53265" t="60683" r="5958" b="30747"/>
           <a:stretch/>
         </p:blipFill>
@@ -7864,7 +8406,11 @@
         <p:nvSpPr>
           <p:cNvPr id="44" name="ZoneTexte 43"/>
           <p:cNvSpPr txBox="1"/>
-          <p:nvPr/>
+          <p:nvPr>
+            <p:custDataLst>
+              <p:tags r:id="rId6"/>
+            </p:custDataLst>
+          </p:nvPr>
         </p:nvSpPr>
         <p:spPr>
           <a:xfrm>
@@ -7896,10 +8442,14 @@
           <p:cNvPicPr>
             <a:picLocks noChangeAspect="1"/>
           </p:cNvPicPr>
-          <p:nvPr/>
+          <p:nvPr>
+            <p:custDataLst>
+              <p:tags r:id="rId7"/>
+            </p:custDataLst>
+          </p:nvPr>
         </p:nvPicPr>
         <p:blipFill>
-          <a:blip r:embed="rId8"/>
+          <a:blip r:embed="rId39"/>
           <a:stretch>
             <a:fillRect/>
           </a:stretch>
@@ -7918,7 +8468,11 @@
         <p:nvSpPr>
           <p:cNvPr id="47" name="ZoneTexte 46"/>
           <p:cNvSpPr txBox="1"/>
-          <p:nvPr/>
+          <p:nvPr>
+            <p:custDataLst>
+              <p:tags r:id="rId8"/>
+            </p:custDataLst>
+          </p:nvPr>
         </p:nvSpPr>
         <p:spPr>
           <a:xfrm>
@@ -7948,7 +8502,11 @@
         <p:nvSpPr>
           <p:cNvPr id="49" name="ZoneTexte 48"/>
           <p:cNvSpPr txBox="1"/>
-          <p:nvPr/>
+          <p:nvPr>
+            <p:custDataLst>
+              <p:tags r:id="rId9"/>
+            </p:custDataLst>
+          </p:nvPr>
         </p:nvSpPr>
         <p:spPr>
           <a:xfrm>
@@ -7980,10 +8538,14 @@
           <p:cNvPicPr>
             <a:picLocks noChangeAspect="1"/>
           </p:cNvPicPr>
-          <p:nvPr/>
+          <p:nvPr>
+            <p:custDataLst>
+              <p:tags r:id="rId10"/>
+            </p:custDataLst>
+          </p:nvPr>
         </p:nvPicPr>
         <p:blipFill>
-          <a:blip r:embed="rId8"/>
+          <a:blip r:embed="rId39"/>
           <a:stretch>
             <a:fillRect/>
           </a:stretch>
@@ -8004,10 +8566,14 @@
           <p:cNvPicPr>
             <a:picLocks noChangeAspect="1"/>
           </p:cNvPicPr>
-          <p:nvPr/>
+          <p:nvPr>
+            <p:custDataLst>
+              <p:tags r:id="rId11"/>
+            </p:custDataLst>
+          </p:nvPr>
         </p:nvPicPr>
         <p:blipFill>
-          <a:blip r:embed="rId8"/>
+          <a:blip r:embed="rId39"/>
           <a:stretch>
             <a:fillRect/>
           </a:stretch>
@@ -8026,7 +8592,11 @@
         <p:nvSpPr>
           <p:cNvPr id="52" name="ZoneTexte 51"/>
           <p:cNvSpPr txBox="1"/>
-          <p:nvPr/>
+          <p:nvPr>
+            <p:custDataLst>
+              <p:tags r:id="rId12"/>
+            </p:custDataLst>
+          </p:nvPr>
         </p:nvSpPr>
         <p:spPr>
           <a:xfrm>
@@ -8058,10 +8628,14 @@
           <p:cNvPicPr>
             <a:picLocks noChangeAspect="1"/>
           </p:cNvPicPr>
-          <p:nvPr/>
+          <p:nvPr>
+            <p:custDataLst>
+              <p:tags r:id="rId13"/>
+            </p:custDataLst>
+          </p:nvPr>
         </p:nvPicPr>
         <p:blipFill>
-          <a:blip r:embed="rId8"/>
+          <a:blip r:embed="rId39"/>
           <a:stretch>
             <a:fillRect/>
           </a:stretch>
@@ -8082,10 +8656,14 @@
           <p:cNvPicPr>
             <a:picLocks noChangeAspect="1"/>
           </p:cNvPicPr>
-          <p:nvPr/>
+          <p:nvPr>
+            <p:custDataLst>
+              <p:tags r:id="rId14"/>
+            </p:custDataLst>
+          </p:nvPr>
         </p:nvPicPr>
         <p:blipFill>
-          <a:blip r:embed="rId8"/>
+          <a:blip r:embed="rId39"/>
           <a:stretch>
             <a:fillRect/>
           </a:stretch>
@@ -8104,7 +8682,11 @@
         <p:nvSpPr>
           <p:cNvPr id="55" name="ZoneTexte 54"/>
           <p:cNvSpPr txBox="1"/>
-          <p:nvPr/>
+          <p:nvPr>
+            <p:custDataLst>
+              <p:tags r:id="rId15"/>
+            </p:custDataLst>
+          </p:nvPr>
         </p:nvSpPr>
         <p:spPr>
           <a:xfrm>
@@ -8136,10 +8718,14 @@
           <p:cNvPicPr>
             <a:picLocks noChangeAspect="1"/>
           </p:cNvPicPr>
-          <p:nvPr/>
+          <p:nvPr>
+            <p:custDataLst>
+              <p:tags r:id="rId16"/>
+            </p:custDataLst>
+          </p:nvPr>
         </p:nvPicPr>
         <p:blipFill rotWithShape="1">
-          <a:blip r:embed="rId9"/>
+          <a:blip r:embed="rId40"/>
           <a:srcRect l="42620" b="816"/>
           <a:stretch/>
         </p:blipFill>
@@ -8159,10 +8745,14 @@
           <p:cNvPicPr>
             <a:picLocks noChangeAspect="1"/>
           </p:cNvPicPr>
-          <p:nvPr/>
+          <p:nvPr>
+            <p:custDataLst>
+              <p:tags r:id="rId17"/>
+            </p:custDataLst>
+          </p:nvPr>
         </p:nvPicPr>
         <p:blipFill rotWithShape="1">
-          <a:blip r:embed="rId10"/>
+          <a:blip r:embed="rId41"/>
           <a:srcRect r="10325" b="8565"/>
           <a:stretch/>
         </p:blipFill>
@@ -8180,7 +8770,11 @@
         <p:nvSpPr>
           <p:cNvPr id="58" name="ZoneTexte 57"/>
           <p:cNvSpPr txBox="1"/>
-          <p:nvPr/>
+          <p:nvPr>
+            <p:custDataLst>
+              <p:tags r:id="rId18"/>
+            </p:custDataLst>
+          </p:nvPr>
         </p:nvSpPr>
         <p:spPr>
           <a:xfrm>
@@ -8212,10 +8806,14 @@
           <p:cNvPicPr>
             <a:picLocks noChangeAspect="1"/>
           </p:cNvPicPr>
-          <p:nvPr/>
+          <p:nvPr>
+            <p:custDataLst>
+              <p:tags r:id="rId19"/>
+            </p:custDataLst>
+          </p:nvPr>
         </p:nvPicPr>
         <p:blipFill rotWithShape="1">
-          <a:blip r:embed="rId10"/>
+          <a:blip r:embed="rId41"/>
           <a:srcRect r="10325" b="8565"/>
           <a:stretch/>
         </p:blipFill>
@@ -8233,7 +8831,11 @@
         <p:nvSpPr>
           <p:cNvPr id="60" name="ZoneTexte 59"/>
           <p:cNvSpPr txBox="1"/>
-          <p:nvPr/>
+          <p:nvPr>
+            <p:custDataLst>
+              <p:tags r:id="rId20"/>
+            </p:custDataLst>
+          </p:nvPr>
         </p:nvSpPr>
         <p:spPr>
           <a:xfrm>
@@ -8264,10 +8866,14 @@
           <p:cNvPicPr>
             <a:picLocks noChangeAspect="1"/>
           </p:cNvPicPr>
-          <p:nvPr/>
+          <p:nvPr>
+            <p:custDataLst>
+              <p:tags r:id="rId21"/>
+            </p:custDataLst>
+          </p:nvPr>
         </p:nvPicPr>
         <p:blipFill rotWithShape="1">
-          <a:blip r:embed="rId10"/>
+          <a:blip r:embed="rId41"/>
           <a:srcRect r="10325" b="8565"/>
           <a:stretch/>
         </p:blipFill>
@@ -8285,7 +8891,11 @@
         <p:nvSpPr>
           <p:cNvPr id="63" name="ZoneTexte 62"/>
           <p:cNvSpPr txBox="1"/>
-          <p:nvPr/>
+          <p:nvPr>
+            <p:custDataLst>
+              <p:tags r:id="rId22"/>
+            </p:custDataLst>
+          </p:nvPr>
         </p:nvSpPr>
         <p:spPr>
           <a:xfrm>
@@ -8317,10 +8927,14 @@
           <p:cNvPicPr>
             <a:picLocks noChangeAspect="1"/>
           </p:cNvPicPr>
-          <p:nvPr/>
+          <p:nvPr>
+            <p:custDataLst>
+              <p:tags r:id="rId23"/>
+            </p:custDataLst>
+          </p:nvPr>
         </p:nvPicPr>
         <p:blipFill rotWithShape="1">
-          <a:blip r:embed="rId10"/>
+          <a:blip r:embed="rId41"/>
           <a:srcRect r="10325" b="8565"/>
           <a:stretch/>
         </p:blipFill>
@@ -8338,12 +8952,16 @@
         <p:nvSpPr>
           <p:cNvPr id="65" name="ZoneTexte 64"/>
           <p:cNvSpPr txBox="1"/>
-          <p:nvPr/>
+          <p:nvPr>
+            <p:custDataLst>
+              <p:tags r:id="rId24"/>
+            </p:custDataLst>
+          </p:nvPr>
         </p:nvSpPr>
         <p:spPr>
           <a:xfrm>
-            <a:off x="4056611" y="5816855"/>
-            <a:ext cx="1143242" cy="338554"/>
+            <a:off x="4536631" y="5816855"/>
+            <a:ext cx="663222" cy="338554"/>
           </a:xfrm>
           <a:prstGeom prst="rect">
             <a:avLst/>
@@ -8358,7 +8976,7 @@
           <a:p>
             <a:r>
               <a:rPr lang="fr-CA" sz="1600" dirty="0" smtClean="0"/>
-              <a:t>Disponible:</a:t>
+              <a:t>Actif:</a:t>
             </a:r>
             <a:endParaRPr lang="fr-CA" sz="1600" dirty="0"/>
           </a:p>
@@ -8370,10 +8988,14 @@
           <p:cNvPicPr>
             <a:picLocks noChangeAspect="1"/>
           </p:cNvPicPr>
-          <p:nvPr/>
+          <p:nvPr>
+            <p:custDataLst>
+              <p:tags r:id="rId25"/>
+            </p:custDataLst>
+          </p:nvPr>
         </p:nvPicPr>
         <p:blipFill>
-          <a:blip r:embed="rId11">
+          <a:blip r:embed="rId42">
             <a:duotone>
               <a:schemeClr val="accent3">
                 <a:shade val="45000"/>
@@ -8401,7 +9023,11 @@
         <p:nvSpPr>
           <p:cNvPr id="32" name="ZoneTexte 31"/>
           <p:cNvSpPr txBox="1"/>
-          <p:nvPr/>
+          <p:nvPr>
+            <p:custDataLst>
+              <p:tags r:id="rId26"/>
+            </p:custDataLst>
+          </p:nvPr>
         </p:nvSpPr>
         <p:spPr>
           <a:xfrm>
@@ -8427,40 +9053,20 @@
           </a:p>
         </p:txBody>
       </p:sp>
-      <p:pic>
-        <p:nvPicPr>
-          <p:cNvPr id="4" name="Image 3"/>
-          <p:cNvPicPr>
-            <a:picLocks noChangeAspect="1"/>
-          </p:cNvPicPr>
-          <p:nvPr/>
-        </p:nvPicPr>
-        <p:blipFill>
-          <a:blip r:embed="rId12"/>
-          <a:stretch>
-            <a:fillRect/>
-          </a:stretch>
-        </p:blipFill>
-        <p:spPr>
-          <a:xfrm>
-            <a:off x="5348036" y="5800076"/>
-            <a:ext cx="1257475" cy="314369"/>
-          </a:xfrm>
-          <a:prstGeom prst="rect">
-            <a:avLst/>
-          </a:prstGeom>
-        </p:spPr>
-      </p:pic>
       <p:pic>
         <p:nvPicPr>
           <p:cNvPr id="8" name="Image 7"/>
           <p:cNvPicPr>
             <a:picLocks noChangeAspect="1"/>
           </p:cNvPicPr>
-          <p:nvPr/>
+          <p:nvPr>
+            <p:custDataLst>
+              <p:tags r:id="rId27"/>
+            </p:custDataLst>
+          </p:nvPr>
         </p:nvPicPr>
         <p:blipFill>
-          <a:blip r:embed="rId13"/>
+          <a:blip r:embed="rId43"/>
           <a:stretch>
             <a:fillRect/>
           </a:stretch>
@@ -8481,10 +9087,14 @@
           <p:cNvPicPr>
             <a:picLocks noChangeAspect="1"/>
           </p:cNvPicPr>
-          <p:nvPr/>
+          <p:nvPr>
+            <p:custDataLst>
+              <p:tags r:id="rId28"/>
+            </p:custDataLst>
+          </p:nvPr>
         </p:nvPicPr>
         <p:blipFill>
-          <a:blip r:embed="rId14"/>
+          <a:blip r:embed="rId44"/>
           <a:stretch>
             <a:fillRect/>
           </a:stretch>
@@ -8503,7 +9113,11 @@
         <p:nvCxnSpPr>
           <p:cNvPr id="12" name="Connecteur droit avec flèche 11"/>
           <p:cNvCxnSpPr/>
-          <p:nvPr/>
+          <p:nvPr>
+            <p:custDataLst>
+              <p:tags r:id="rId29"/>
+            </p:custDataLst>
+          </p:nvPr>
         </p:nvCxnSpPr>
         <p:spPr>
           <a:xfrm flipH="1" flipV="1">
@@ -8541,7 +9155,11 @@
         <p:nvSpPr>
           <p:cNvPr id="13" name="ZoneTexte 12"/>
           <p:cNvSpPr txBox="1"/>
-          <p:nvPr/>
+          <p:nvPr>
+            <p:custDataLst>
+              <p:tags r:id="rId30"/>
+            </p:custDataLst>
+          </p:nvPr>
         </p:nvSpPr>
         <p:spPr>
           <a:xfrm>
@@ -8575,7 +9193,11 @@
         <p:nvSpPr>
           <p:cNvPr id="37" name="ZoneTexte 36"/>
           <p:cNvSpPr txBox="1"/>
-          <p:nvPr/>
+          <p:nvPr>
+            <p:custDataLst>
+              <p:tags r:id="rId31"/>
+            </p:custDataLst>
+          </p:nvPr>
         </p:nvSpPr>
         <p:spPr>
           <a:xfrm>
@@ -8601,6 +9223,30 @@
           </a:p>
         </p:txBody>
       </p:sp>
+      <p:pic>
+        <p:nvPicPr>
+          <p:cNvPr id="2" name="Image 1"/>
+          <p:cNvPicPr>
+            <a:picLocks noChangeAspect="1"/>
+          </p:cNvPicPr>
+          <p:nvPr/>
+        </p:nvPicPr>
+        <p:blipFill>
+          <a:blip r:embed="rId45"/>
+          <a:stretch>
+            <a:fillRect/>
+          </a:stretch>
+        </p:blipFill>
+        <p:spPr>
+          <a:xfrm>
+            <a:off x="5449274" y="5881342"/>
+            <a:ext cx="1219370" cy="209579"/>
+          </a:xfrm>
+          <a:prstGeom prst="rect">
+            <a:avLst/>
+          </a:prstGeom>
+        </p:spPr>
+      </p:pic>
     </p:spTree>
     <p:extLst>
       <p:ext uri="{BB962C8B-B14F-4D97-AF65-F5344CB8AC3E}">
@@ -8644,10 +9290,14 @@
           <p:cNvPicPr>
             <a:picLocks noChangeAspect="1"/>
           </p:cNvPicPr>
-          <p:nvPr/>
+          <p:nvPr>
+            <p:custDataLst>
+              <p:tags r:id="rId1"/>
+            </p:custDataLst>
+          </p:nvPr>
         </p:nvPicPr>
         <p:blipFill rotWithShape="1">
-          <a:blip r:embed="rId2"/>
+          <a:blip r:embed="rId55"/>
           <a:srcRect b="74442"/>
           <a:stretch/>
         </p:blipFill>
@@ -8665,7 +9315,11 @@
         <p:nvGrpSpPr>
           <p:cNvPr id="25" name="Groupe 24"/>
           <p:cNvGrpSpPr/>
-          <p:nvPr/>
+          <p:nvPr>
+            <p:custDataLst>
+              <p:tags r:id="rId2"/>
+            </p:custDataLst>
+          </p:nvPr>
         </p:nvGrpSpPr>
         <p:grpSpPr>
           <a:xfrm>
@@ -8684,7 +9338,7 @@
             <p:nvPr/>
           </p:nvPicPr>
           <p:blipFill rotWithShape="1">
-            <a:blip r:embed="rId3"/>
+            <a:blip r:embed="rId56"/>
             <a:srcRect r="89350"/>
             <a:stretch/>
           </p:blipFill>
@@ -8707,7 +9361,7 @@
             <p:nvPr/>
           </p:nvPicPr>
           <p:blipFill rotWithShape="1">
-            <a:blip r:embed="rId4"/>
+            <a:blip r:embed="rId57"/>
             <a:srcRect t="87715"/>
             <a:stretch/>
           </p:blipFill>
@@ -8730,7 +9384,7 @@
             <p:nvPr/>
           </p:nvPicPr>
           <p:blipFill>
-            <a:blip r:embed="rId5"/>
+            <a:blip r:embed="rId58"/>
             <a:stretch>
               <a:fillRect/>
             </a:stretch>
@@ -8750,7 +9404,11 @@
         <p:nvSpPr>
           <p:cNvPr id="27" name="ZoneTexte 26"/>
           <p:cNvSpPr txBox="1"/>
-          <p:nvPr/>
+          <p:nvPr>
+            <p:custDataLst>
+              <p:tags r:id="rId3"/>
+            </p:custDataLst>
+          </p:nvPr>
         </p:nvSpPr>
         <p:spPr>
           <a:xfrm>
@@ -8790,10 +9448,14 @@
           <p:cNvPicPr>
             <a:picLocks noChangeAspect="1"/>
           </p:cNvPicPr>
-          <p:nvPr/>
+          <p:nvPr>
+            <p:custDataLst>
+              <p:tags r:id="rId4"/>
+            </p:custDataLst>
+          </p:nvPr>
         </p:nvPicPr>
         <p:blipFill>
-          <a:blip r:embed="rId6"/>
+          <a:blip r:embed="rId59"/>
           <a:stretch>
             <a:fillRect/>
           </a:stretch>
@@ -8814,10 +9476,14 @@
           <p:cNvPicPr>
             <a:picLocks noChangeAspect="1"/>
           </p:cNvPicPr>
-          <p:nvPr/>
+          <p:nvPr>
+            <p:custDataLst>
+              <p:tags r:id="rId5"/>
+            </p:custDataLst>
+          </p:nvPr>
         </p:nvPicPr>
         <p:blipFill rotWithShape="1">
-          <a:blip r:embed="rId7"/>
+          <a:blip r:embed="rId60"/>
           <a:srcRect l="53265" t="60683" r="5958" b="30747"/>
           <a:stretch/>
         </p:blipFill>
@@ -8837,10 +9503,14 @@
           <p:cNvPicPr>
             <a:picLocks noChangeAspect="1"/>
           </p:cNvPicPr>
-          <p:nvPr/>
+          <p:nvPr>
+            <p:custDataLst>
+              <p:tags r:id="rId6"/>
+            </p:custDataLst>
+          </p:nvPr>
         </p:nvPicPr>
         <p:blipFill>
-          <a:blip r:embed="rId8">
+          <a:blip r:embed="rId61">
             <a:duotone>
               <a:schemeClr val="accent3">
                 <a:shade val="45000"/>
@@ -8870,10 +9540,14 @@
           <p:cNvPicPr>
             <a:picLocks noChangeAspect="1"/>
           </p:cNvPicPr>
-          <p:nvPr/>
+          <p:nvPr>
+            <p:custDataLst>
+              <p:tags r:id="rId7"/>
+            </p:custDataLst>
+          </p:nvPr>
         </p:nvPicPr>
         <p:blipFill>
-          <a:blip r:embed="rId9"/>
+          <a:blip r:embed="rId62"/>
           <a:stretch>
             <a:fillRect/>
           </a:stretch>
@@ -8894,10 +9568,14 @@
           <p:cNvPicPr>
             <a:picLocks noChangeAspect="1"/>
           </p:cNvPicPr>
-          <p:nvPr/>
+          <p:nvPr>
+            <p:custDataLst>
+              <p:tags r:id="rId8"/>
+            </p:custDataLst>
+          </p:nvPr>
         </p:nvPicPr>
         <p:blipFill>
-          <a:blip r:embed="rId10"/>
+          <a:blip r:embed="rId63"/>
           <a:stretch>
             <a:fillRect/>
           </a:stretch>
@@ -8916,7 +9594,11 @@
         <p:nvSpPr>
           <p:cNvPr id="83" name="ZoneTexte 82"/>
           <p:cNvSpPr txBox="1"/>
-          <p:nvPr/>
+          <p:nvPr>
+            <p:custDataLst>
+              <p:tags r:id="rId9"/>
+            </p:custDataLst>
+          </p:nvPr>
         </p:nvSpPr>
         <p:spPr>
           <a:xfrm>
@@ -8948,10 +9630,14 @@
           <p:cNvPicPr>
             <a:picLocks noChangeAspect="1"/>
           </p:cNvPicPr>
-          <p:nvPr/>
+          <p:nvPr>
+            <p:custDataLst>
+              <p:tags r:id="rId10"/>
+            </p:custDataLst>
+          </p:nvPr>
         </p:nvPicPr>
         <p:blipFill>
-          <a:blip r:embed="rId11"/>
+          <a:blip r:embed="rId64"/>
           <a:stretch>
             <a:fillRect/>
           </a:stretch>
@@ -8970,7 +9656,11 @@
         <p:nvSpPr>
           <p:cNvPr id="85" name="ZoneTexte 84"/>
           <p:cNvSpPr txBox="1"/>
-          <p:nvPr/>
+          <p:nvPr>
+            <p:custDataLst>
+              <p:tags r:id="rId11"/>
+            </p:custDataLst>
+          </p:nvPr>
         </p:nvSpPr>
         <p:spPr>
           <a:xfrm>
@@ -9000,7 +9690,11 @@
         <p:nvSpPr>
           <p:cNvPr id="86" name="ZoneTexte 85"/>
           <p:cNvSpPr txBox="1"/>
-          <p:nvPr/>
+          <p:nvPr>
+            <p:custDataLst>
+              <p:tags r:id="rId12"/>
+            </p:custDataLst>
+          </p:nvPr>
         </p:nvSpPr>
         <p:spPr>
           <a:xfrm>
@@ -9032,10 +9726,14 @@
           <p:cNvPicPr>
             <a:picLocks noChangeAspect="1"/>
           </p:cNvPicPr>
-          <p:nvPr/>
+          <p:nvPr>
+            <p:custDataLst>
+              <p:tags r:id="rId13"/>
+            </p:custDataLst>
+          </p:nvPr>
         </p:nvPicPr>
         <p:blipFill>
-          <a:blip r:embed="rId11"/>
+          <a:blip r:embed="rId64"/>
           <a:stretch>
             <a:fillRect/>
           </a:stretch>
@@ -9056,10 +9754,14 @@
           <p:cNvPicPr>
             <a:picLocks noChangeAspect="1"/>
           </p:cNvPicPr>
-          <p:nvPr/>
+          <p:nvPr>
+            <p:custDataLst>
+              <p:tags r:id="rId14"/>
+            </p:custDataLst>
+          </p:nvPr>
         </p:nvPicPr>
         <p:blipFill>
-          <a:blip r:embed="rId11"/>
+          <a:blip r:embed="rId64"/>
           <a:stretch>
             <a:fillRect/>
           </a:stretch>
@@ -9078,7 +9780,11 @@
         <p:nvSpPr>
           <p:cNvPr id="89" name="ZoneTexte 88"/>
           <p:cNvSpPr txBox="1"/>
-          <p:nvPr/>
+          <p:nvPr>
+            <p:custDataLst>
+              <p:tags r:id="rId15"/>
+            </p:custDataLst>
+          </p:nvPr>
         </p:nvSpPr>
         <p:spPr>
           <a:xfrm>
@@ -9110,10 +9816,14 @@
           <p:cNvPicPr>
             <a:picLocks noChangeAspect="1"/>
           </p:cNvPicPr>
-          <p:nvPr/>
+          <p:nvPr>
+            <p:custDataLst>
+              <p:tags r:id="rId16"/>
+            </p:custDataLst>
+          </p:nvPr>
         </p:nvPicPr>
         <p:blipFill>
-          <a:blip r:embed="rId11"/>
+          <a:blip r:embed="rId64"/>
           <a:stretch>
             <a:fillRect/>
           </a:stretch>
@@ -9134,10 +9844,14 @@
           <p:cNvPicPr>
             <a:picLocks noChangeAspect="1"/>
           </p:cNvPicPr>
-          <p:nvPr/>
+          <p:nvPr>
+            <p:custDataLst>
+              <p:tags r:id="rId17"/>
+            </p:custDataLst>
+          </p:nvPr>
         </p:nvPicPr>
         <p:blipFill>
-          <a:blip r:embed="rId11"/>
+          <a:blip r:embed="rId64"/>
           <a:stretch>
             <a:fillRect/>
           </a:stretch>
@@ -9156,7 +9870,11 @@
         <p:nvSpPr>
           <p:cNvPr id="92" name="ZoneTexte 91"/>
           <p:cNvSpPr txBox="1"/>
-          <p:nvPr/>
+          <p:nvPr>
+            <p:custDataLst>
+              <p:tags r:id="rId18"/>
+            </p:custDataLst>
+          </p:nvPr>
         </p:nvSpPr>
         <p:spPr>
           <a:xfrm>
@@ -9188,10 +9906,14 @@
           <p:cNvPicPr>
             <a:picLocks noChangeAspect="1"/>
           </p:cNvPicPr>
-          <p:nvPr/>
+          <p:nvPr>
+            <p:custDataLst>
+              <p:tags r:id="rId19"/>
+            </p:custDataLst>
+          </p:nvPr>
         </p:nvPicPr>
         <p:blipFill rotWithShape="1">
-          <a:blip r:embed="rId12"/>
+          <a:blip r:embed="rId65"/>
           <a:srcRect r="10325" b="8565"/>
           <a:stretch/>
         </p:blipFill>
@@ -9209,7 +9931,11 @@
         <p:nvSpPr>
           <p:cNvPr id="94" name="ZoneTexte 93"/>
           <p:cNvSpPr txBox="1"/>
-          <p:nvPr/>
+          <p:nvPr>
+            <p:custDataLst>
+              <p:tags r:id="rId20"/>
+            </p:custDataLst>
+          </p:nvPr>
         </p:nvSpPr>
         <p:spPr>
           <a:xfrm>
@@ -9241,10 +9967,14 @@
           <p:cNvPicPr>
             <a:picLocks noChangeAspect="1"/>
           </p:cNvPicPr>
-          <p:nvPr/>
+          <p:nvPr>
+            <p:custDataLst>
+              <p:tags r:id="rId21"/>
+            </p:custDataLst>
+          </p:nvPr>
         </p:nvPicPr>
         <p:blipFill rotWithShape="1">
-          <a:blip r:embed="rId12"/>
+          <a:blip r:embed="rId65"/>
           <a:srcRect r="10325" b="8565"/>
           <a:stretch/>
         </p:blipFill>
@@ -9262,7 +9992,11 @@
         <p:nvSpPr>
           <p:cNvPr id="96" name="ZoneTexte 95"/>
           <p:cNvSpPr txBox="1"/>
-          <p:nvPr/>
+          <p:nvPr>
+            <p:custDataLst>
+              <p:tags r:id="rId22"/>
+            </p:custDataLst>
+          </p:nvPr>
         </p:nvSpPr>
         <p:spPr>
           <a:xfrm>
@@ -9293,10 +10027,14 @@
           <p:cNvPicPr>
             <a:picLocks noChangeAspect="1"/>
           </p:cNvPicPr>
-          <p:nvPr/>
+          <p:nvPr>
+            <p:custDataLst>
+              <p:tags r:id="rId23"/>
+            </p:custDataLst>
+          </p:nvPr>
         </p:nvPicPr>
         <p:blipFill rotWithShape="1">
-          <a:blip r:embed="rId12"/>
+          <a:blip r:embed="rId65"/>
           <a:srcRect r="10325" b="8565"/>
           <a:stretch/>
         </p:blipFill>
@@ -9314,7 +10052,11 @@
         <p:nvSpPr>
           <p:cNvPr id="98" name="ZoneTexte 97"/>
           <p:cNvSpPr txBox="1"/>
-          <p:nvPr/>
+          <p:nvPr>
+            <p:custDataLst>
+              <p:tags r:id="rId24"/>
+            </p:custDataLst>
+          </p:nvPr>
         </p:nvSpPr>
         <p:spPr>
           <a:xfrm>
@@ -9346,10 +10088,14 @@
           <p:cNvPicPr>
             <a:picLocks noChangeAspect="1"/>
           </p:cNvPicPr>
-          <p:nvPr/>
+          <p:nvPr>
+            <p:custDataLst>
+              <p:tags r:id="rId25"/>
+            </p:custDataLst>
+          </p:nvPr>
         </p:nvPicPr>
         <p:blipFill rotWithShape="1">
-          <a:blip r:embed="rId12"/>
+          <a:blip r:embed="rId65"/>
           <a:srcRect r="10325" b="8565"/>
           <a:stretch/>
         </p:blipFill>
@@ -9367,7 +10113,11 @@
         <p:nvSpPr>
           <p:cNvPr id="101" name="ZoneTexte 100"/>
           <p:cNvSpPr txBox="1"/>
-          <p:nvPr/>
+          <p:nvPr>
+            <p:custDataLst>
+              <p:tags r:id="rId26"/>
+            </p:custDataLst>
+          </p:nvPr>
         </p:nvSpPr>
         <p:spPr>
           <a:xfrm>
@@ -9399,10 +10149,14 @@
           <p:cNvPicPr>
             <a:picLocks noChangeAspect="1"/>
           </p:cNvPicPr>
-          <p:nvPr/>
+          <p:nvPr>
+            <p:custDataLst>
+              <p:tags r:id="rId27"/>
+            </p:custDataLst>
+          </p:nvPr>
         </p:nvPicPr>
         <p:blipFill>
-          <a:blip r:embed="rId13"/>
+          <a:blip r:embed="rId66"/>
           <a:stretch>
             <a:fillRect/>
           </a:stretch>
@@ -9421,7 +10175,11 @@
         <p:nvSpPr>
           <p:cNvPr id="104" name="ZoneTexte 103"/>
           <p:cNvSpPr txBox="1"/>
-          <p:nvPr/>
+          <p:nvPr>
+            <p:custDataLst>
+              <p:tags r:id="rId28"/>
+            </p:custDataLst>
+          </p:nvPr>
         </p:nvSpPr>
         <p:spPr>
           <a:xfrm>
@@ -9461,10 +10219,14 @@
           <p:cNvPicPr>
             <a:picLocks noChangeAspect="1"/>
           </p:cNvPicPr>
-          <p:nvPr/>
+          <p:nvPr>
+            <p:custDataLst>
+              <p:tags r:id="rId29"/>
+            </p:custDataLst>
+          </p:nvPr>
         </p:nvPicPr>
         <p:blipFill rotWithShape="1">
-          <a:blip r:embed="rId7"/>
+          <a:blip r:embed="rId60"/>
           <a:srcRect l="53265" t="60683" r="5958" b="30747"/>
           <a:stretch/>
         </p:blipFill>
@@ -9482,7 +10244,11 @@
         <p:nvSpPr>
           <p:cNvPr id="9" name="Rectangle 8"/>
           <p:cNvSpPr/>
-          <p:nvPr/>
+          <p:nvPr>
+            <p:custDataLst>
+              <p:tags r:id="rId30"/>
+            </p:custDataLst>
+          </p:nvPr>
         </p:nvSpPr>
         <p:spPr>
           <a:xfrm>
@@ -9532,10 +10298,14 @@
           <p:cNvPicPr>
             <a:picLocks noChangeAspect="1"/>
           </p:cNvPicPr>
-          <p:nvPr/>
+          <p:nvPr>
+            <p:custDataLst>
+              <p:tags r:id="rId31"/>
+            </p:custDataLst>
+          </p:nvPr>
         </p:nvPicPr>
         <p:blipFill rotWithShape="1">
-          <a:blip r:embed="rId7"/>
+          <a:blip r:embed="rId60"/>
           <a:srcRect l="53265" t="60683" r="5958" b="30747"/>
           <a:stretch/>
         </p:blipFill>
@@ -9553,7 +10323,11 @@
         <p:nvSpPr>
           <p:cNvPr id="107" name="ZoneTexte 106"/>
           <p:cNvSpPr txBox="1"/>
-          <p:nvPr/>
+          <p:nvPr>
+            <p:custDataLst>
+              <p:tags r:id="rId32"/>
+            </p:custDataLst>
+          </p:nvPr>
         </p:nvSpPr>
         <p:spPr>
           <a:xfrm>
@@ -9595,7 +10369,11 @@
         <p:nvSpPr>
           <p:cNvPr id="108" name="ZoneTexte 107"/>
           <p:cNvSpPr txBox="1"/>
-          <p:nvPr/>
+          <p:nvPr>
+            <p:custDataLst>
+              <p:tags r:id="rId33"/>
+            </p:custDataLst>
+          </p:nvPr>
         </p:nvSpPr>
         <p:spPr>
           <a:xfrm>
@@ -9637,7 +10415,11 @@
         <p:nvSpPr>
           <p:cNvPr id="109" name="ZoneTexte 108"/>
           <p:cNvSpPr txBox="1"/>
-          <p:nvPr/>
+          <p:nvPr>
+            <p:custDataLst>
+              <p:tags r:id="rId34"/>
+            </p:custDataLst>
+          </p:nvPr>
         </p:nvSpPr>
         <p:spPr>
           <a:xfrm>
@@ -9679,7 +10461,11 @@
         <p:nvSpPr>
           <p:cNvPr id="110" name="ZoneTexte 109"/>
           <p:cNvSpPr txBox="1"/>
-          <p:nvPr/>
+          <p:nvPr>
+            <p:custDataLst>
+              <p:tags r:id="rId35"/>
+            </p:custDataLst>
+          </p:nvPr>
         </p:nvSpPr>
         <p:spPr>
           <a:xfrm>
@@ -9721,7 +10507,11 @@
         <p:nvSpPr>
           <p:cNvPr id="111" name="ZoneTexte 110"/>
           <p:cNvSpPr txBox="1"/>
-          <p:nvPr/>
+          <p:nvPr>
+            <p:custDataLst>
+              <p:tags r:id="rId36"/>
+            </p:custDataLst>
+          </p:nvPr>
         </p:nvSpPr>
         <p:spPr>
           <a:xfrm>
@@ -9763,7 +10553,11 @@
         <p:nvSpPr>
           <p:cNvPr id="112" name="ZoneTexte 111"/>
           <p:cNvSpPr txBox="1"/>
-          <p:nvPr/>
+          <p:nvPr>
+            <p:custDataLst>
+              <p:tags r:id="rId37"/>
+            </p:custDataLst>
+          </p:nvPr>
         </p:nvSpPr>
         <p:spPr>
           <a:xfrm>
@@ -9805,7 +10599,11 @@
         <p:nvSpPr>
           <p:cNvPr id="113" name="ZoneTexte 112"/>
           <p:cNvSpPr txBox="1"/>
-          <p:nvPr/>
+          <p:nvPr>
+            <p:custDataLst>
+              <p:tags r:id="rId38"/>
+            </p:custDataLst>
+          </p:nvPr>
         </p:nvSpPr>
         <p:spPr>
           <a:xfrm>
@@ -9847,7 +10645,11 @@
         <p:nvSpPr>
           <p:cNvPr id="114" name="ZoneTexte 113"/>
           <p:cNvSpPr txBox="1"/>
-          <p:nvPr/>
+          <p:nvPr>
+            <p:custDataLst>
+              <p:tags r:id="rId39"/>
+            </p:custDataLst>
+          </p:nvPr>
         </p:nvSpPr>
         <p:spPr>
           <a:xfrm>
@@ -9889,7 +10691,11 @@
         <p:nvSpPr>
           <p:cNvPr id="115" name="ZoneTexte 114"/>
           <p:cNvSpPr txBox="1"/>
-          <p:nvPr/>
+          <p:nvPr>
+            <p:custDataLst>
+              <p:tags r:id="rId40"/>
+            </p:custDataLst>
+          </p:nvPr>
         </p:nvSpPr>
         <p:spPr>
           <a:xfrm>
@@ -9931,7 +10737,11 @@
         <p:nvSpPr>
           <p:cNvPr id="59" name="Rectangle 58"/>
           <p:cNvSpPr/>
-          <p:nvPr/>
+          <p:nvPr>
+            <p:custDataLst>
+              <p:tags r:id="rId41"/>
+            </p:custDataLst>
+          </p:nvPr>
         </p:nvSpPr>
         <p:spPr>
           <a:xfrm>
@@ -9981,7 +10791,11 @@
         <p:nvGrpSpPr>
           <p:cNvPr id="4" name="Groupe 3"/>
           <p:cNvGrpSpPr/>
-          <p:nvPr/>
+          <p:nvPr>
+            <p:custDataLst>
+              <p:tags r:id="rId42"/>
+            </p:custDataLst>
+          </p:nvPr>
         </p:nvGrpSpPr>
         <p:grpSpPr>
           <a:xfrm>
@@ -10014,7 +10828,7 @@
               <p:nvPr/>
             </p:nvPicPr>
             <p:blipFill>
-              <a:blip r:embed="rId14"/>
+              <a:blip r:embed="rId67"/>
               <a:stretch>
                 <a:fillRect/>
               </a:stretch>
@@ -10038,7 +10852,7 @@
               <p:nvPr/>
             </p:nvPicPr>
             <p:blipFill>
-              <a:blip r:embed="rId15"/>
+              <a:blip r:embed="rId68"/>
               <a:stretch>
                 <a:fillRect/>
               </a:stretch>
@@ -10242,7 +11056,7 @@
               <p:nvPr/>
             </p:nvPicPr>
             <p:blipFill>
-              <a:blip r:embed="rId16"/>
+              <a:blip r:embed="rId69"/>
               <a:stretch>
                 <a:fillRect/>
               </a:stretch>
@@ -10266,7 +11080,7 @@
               <p:nvPr/>
             </p:nvPicPr>
             <p:blipFill>
-              <a:blip r:embed="rId16"/>
+              <a:blip r:embed="rId69"/>
               <a:stretch>
                 <a:fillRect/>
               </a:stretch>
@@ -10290,7 +11104,7 @@
               <p:nvPr/>
             </p:nvPicPr>
             <p:blipFill>
-              <a:blip r:embed="rId16"/>
+              <a:blip r:embed="rId69"/>
               <a:stretch>
                 <a:fillRect/>
               </a:stretch>
@@ -10305,74 +11119,6 @@
               </a:prstGeom>
             </p:spPr>
           </p:pic>
-          <p:sp>
-            <p:nvSpPr>
-              <p:cNvPr id="58" name="Rectangle 57"/>
-              <p:cNvSpPr/>
-              <p:nvPr/>
-            </p:nvSpPr>
-            <p:spPr>
-              <a:xfrm>
-                <a:off x="8855700" y="2681238"/>
-                <a:ext cx="666692" cy="390368"/>
-              </a:xfrm>
-              <a:prstGeom prst="rect">
-                <a:avLst/>
-              </a:prstGeom>
-              <a:solidFill>
-                <a:schemeClr val="bg1"/>
-              </a:solidFill>
-              <a:ln>
-                <a:solidFill>
-                  <a:schemeClr val="bg1"/>
-                </a:solidFill>
-              </a:ln>
-            </p:spPr>
-            <p:style>
-              <a:lnRef idx="2">
-                <a:schemeClr val="accent1">
-                  <a:shade val="50000"/>
-                </a:schemeClr>
-              </a:lnRef>
-              <a:fillRef idx="1">
-                <a:schemeClr val="accent1"/>
-              </a:fillRef>
-              <a:effectRef idx="0">
-                <a:schemeClr val="accent1"/>
-              </a:effectRef>
-              <a:fontRef idx="minor">
-                <a:schemeClr val="lt1"/>
-              </a:fontRef>
-            </p:style>
-            <p:txBody>
-              <a:bodyPr rtlCol="0" anchor="t"/>
-              <a:lstStyle/>
-              <a:p>
-                <a:pPr algn="ctr"/>
-                <a:r>
-                  <a:rPr lang="fr-CA" sz="1200" b="1" dirty="0" smtClean="0">
-                    <a:solidFill>
-                      <a:schemeClr val="tx1"/>
-                    </a:solidFill>
-                  </a:rPr>
-                  <a:t>Voir</a:t>
-                </a:r>
-                <a:endParaRPr lang="fr-CA" sz="1200" b="1" dirty="0">
-                  <a:solidFill>
-                    <a:schemeClr val="tx1"/>
-                  </a:solidFill>
-                </a:endParaRPr>
-              </a:p>
-              <a:p>
-                <a:pPr algn="ctr"/>
-                <a:endParaRPr lang="fr-CA" dirty="0">
-                  <a:solidFill>
-                    <a:schemeClr val="tx1"/>
-                  </a:solidFill>
-                </a:endParaRPr>
-              </a:p>
-            </p:txBody>
-          </p:sp>
         </p:grpSp>
         <p:sp>
           <p:nvSpPr>
@@ -10561,10 +11307,14 @@
           <p:cNvPicPr>
             <a:picLocks noChangeAspect="1"/>
           </p:cNvPicPr>
-          <p:nvPr/>
+          <p:nvPr>
+            <p:custDataLst>
+              <p:tags r:id="rId43"/>
+            </p:custDataLst>
+          </p:nvPr>
         </p:nvPicPr>
         <p:blipFill>
-          <a:blip r:embed="rId17"/>
+          <a:blip r:embed="rId70"/>
           <a:stretch>
             <a:fillRect/>
           </a:stretch>
@@ -10585,10 +11335,14 @@
           <p:cNvPicPr>
             <a:picLocks noChangeAspect="1"/>
           </p:cNvPicPr>
-          <p:nvPr/>
+          <p:nvPr>
+            <p:custDataLst>
+              <p:tags r:id="rId44"/>
+            </p:custDataLst>
+          </p:nvPr>
         </p:nvPicPr>
         <p:blipFill>
-          <a:blip r:embed="rId18"/>
+          <a:blip r:embed="rId71"/>
           <a:stretch>
             <a:fillRect/>
           </a:stretch>
@@ -10607,7 +11361,11 @@
         <p:nvSpPr>
           <p:cNvPr id="74" name="ZoneTexte 73"/>
           <p:cNvSpPr txBox="1"/>
-          <p:nvPr/>
+          <p:nvPr>
+            <p:custDataLst>
+              <p:tags r:id="rId45"/>
+            </p:custDataLst>
+          </p:nvPr>
         </p:nvSpPr>
         <p:spPr>
           <a:xfrm>
@@ -10639,10 +11397,14 @@
           <p:cNvPicPr>
             <a:picLocks noChangeAspect="1"/>
           </p:cNvPicPr>
-          <p:nvPr/>
+          <p:nvPr>
+            <p:custDataLst>
+              <p:tags r:id="rId46"/>
+            </p:custDataLst>
+          </p:nvPr>
         </p:nvPicPr>
         <p:blipFill>
-          <a:blip r:embed="rId19"/>
+          <a:blip r:embed="rId72"/>
           <a:stretch>
             <a:fillRect/>
           </a:stretch>
@@ -10661,7 +11423,11 @@
         <p:nvSpPr>
           <p:cNvPr id="8" name="Rectangle 7"/>
           <p:cNvSpPr/>
-          <p:nvPr/>
+          <p:nvPr>
+            <p:custDataLst>
+              <p:tags r:id="rId47"/>
+            </p:custDataLst>
+          </p:nvPr>
         </p:nvSpPr>
         <p:spPr>
           <a:xfrm>
@@ -10721,7 +11487,11 @@
         <p:nvSpPr>
           <p:cNvPr id="65" name="Rectangle 64"/>
           <p:cNvSpPr/>
-          <p:nvPr/>
+          <p:nvPr>
+            <p:custDataLst>
+              <p:tags r:id="rId48"/>
+            </p:custDataLst>
+          </p:nvPr>
         </p:nvSpPr>
         <p:spPr>
           <a:xfrm>
@@ -10781,7 +11551,11 @@
         <p:nvSpPr>
           <p:cNvPr id="67" name="Rectangle 66"/>
           <p:cNvSpPr/>
-          <p:nvPr/>
+          <p:nvPr>
+            <p:custDataLst>
+              <p:tags r:id="rId49"/>
+            </p:custDataLst>
+          </p:nvPr>
         </p:nvSpPr>
         <p:spPr>
           <a:xfrm>
@@ -10841,7 +11615,11 @@
         <p:nvSpPr>
           <p:cNvPr id="68" name="Rectangle 67"/>
           <p:cNvSpPr/>
-          <p:nvPr/>
+          <p:nvPr>
+            <p:custDataLst>
+              <p:tags r:id="rId50"/>
+            </p:custDataLst>
+          </p:nvPr>
         </p:nvSpPr>
         <p:spPr>
           <a:xfrm>
@@ -10903,10 +11681,14 @@
           <p:cNvPicPr>
             <a:picLocks noChangeAspect="1"/>
           </p:cNvPicPr>
-          <p:nvPr/>
+          <p:nvPr>
+            <p:custDataLst>
+              <p:tags r:id="rId51"/>
+            </p:custDataLst>
+          </p:nvPr>
         </p:nvPicPr>
         <p:blipFill>
-          <a:blip r:embed="rId20"/>
+          <a:blip r:embed="rId73"/>
           <a:stretch>
             <a:fillRect/>
           </a:stretch>
@@ -10921,6 +11703,98 @@
           </a:prstGeom>
         </p:spPr>
       </p:pic>
+      <p:pic>
+        <p:nvPicPr>
+          <p:cNvPr id="11" name="Image 10"/>
+          <p:cNvPicPr>
+            <a:picLocks noChangeAspect="1"/>
+          </p:cNvPicPr>
+          <p:nvPr>
+            <p:custDataLst>
+              <p:tags r:id="rId52"/>
+            </p:custDataLst>
+          </p:nvPr>
+        </p:nvPicPr>
+        <p:blipFill>
+          <a:blip r:embed="rId74"/>
+          <a:stretch>
+            <a:fillRect/>
+          </a:stretch>
+        </p:blipFill>
+        <p:spPr>
+          <a:xfrm>
+            <a:off x="10885865" y="1564994"/>
+            <a:ext cx="828791" cy="428685"/>
+          </a:xfrm>
+          <a:prstGeom prst="rect">
+            <a:avLst/>
+          </a:prstGeom>
+        </p:spPr>
+      </p:pic>
+      <p:sp>
+        <p:nvSpPr>
+          <p:cNvPr id="70" name="Rectangle 69"/>
+          <p:cNvSpPr/>
+          <p:nvPr>
+            <p:custDataLst>
+              <p:tags r:id="rId53"/>
+            </p:custDataLst>
+          </p:nvPr>
+        </p:nvSpPr>
+        <p:spPr>
+          <a:xfrm>
+            <a:off x="8467846" y="1664164"/>
+            <a:ext cx="60241" cy="197006"/>
+          </a:xfrm>
+          <a:prstGeom prst="rect">
+            <a:avLst/>
+          </a:prstGeom>
+          <a:solidFill>
+            <a:schemeClr val="bg1"/>
+          </a:solidFill>
+          <a:ln>
+            <a:solidFill>
+              <a:schemeClr val="bg1"/>
+            </a:solidFill>
+          </a:ln>
+        </p:spPr>
+        <p:style>
+          <a:lnRef idx="2">
+            <a:schemeClr val="accent1">
+              <a:shade val="50000"/>
+            </a:schemeClr>
+          </a:lnRef>
+          <a:fillRef idx="1">
+            <a:schemeClr val="accent1"/>
+          </a:fillRef>
+          <a:effectRef idx="0">
+            <a:schemeClr val="accent1"/>
+          </a:effectRef>
+          <a:fontRef idx="minor">
+            <a:schemeClr val="lt1"/>
+          </a:fontRef>
+        </p:style>
+        <p:txBody>
+          <a:bodyPr rtlCol="0" anchor="ctr"/>
+          <a:lstStyle/>
+          <a:p>
+            <a:pPr algn="ctr"/>
+            <a:r>
+              <a:rPr lang="fr-CA" sz="900" b="1" dirty="0" smtClean="0">
+                <a:solidFill>
+                  <a:schemeClr val="tx1"/>
+                </a:solidFill>
+              </a:rPr>
+              <a:t>S</a:t>
+            </a:r>
+            <a:endParaRPr lang="fr-CA" sz="900" b="1" dirty="0">
+              <a:solidFill>
+                <a:schemeClr val="tx1"/>
+              </a:solidFill>
+            </a:endParaRPr>
+          </a:p>
+        </p:txBody>
+      </p:sp>
     </p:spTree>
     <p:extLst>
       <p:ext uri="{BB962C8B-B14F-4D97-AF65-F5344CB8AC3E}">
@@ -10964,10 +11838,14 @@
           <p:cNvPicPr>
             <a:picLocks noChangeAspect="1"/>
           </p:cNvPicPr>
-          <p:nvPr/>
+          <p:nvPr>
+            <p:custDataLst>
+              <p:tags r:id="rId1"/>
+            </p:custDataLst>
+          </p:nvPr>
         </p:nvPicPr>
         <p:blipFill>
-          <a:blip r:embed="rId2"/>
+          <a:blip r:embed="rId52"/>
           <a:stretch>
             <a:fillRect/>
           </a:stretch>
@@ -10988,10 +11866,14 @@
           <p:cNvPicPr>
             <a:picLocks noChangeAspect="1"/>
           </p:cNvPicPr>
-          <p:nvPr/>
+          <p:nvPr>
+            <p:custDataLst>
+              <p:tags r:id="rId2"/>
+            </p:custDataLst>
+          </p:nvPr>
         </p:nvPicPr>
         <p:blipFill rotWithShape="1">
-          <a:blip r:embed="rId3"/>
+          <a:blip r:embed="rId53"/>
           <a:srcRect b="74442"/>
           <a:stretch/>
         </p:blipFill>
@@ -11009,7 +11891,11 @@
         <p:nvGrpSpPr>
           <p:cNvPr id="25" name="Groupe 24"/>
           <p:cNvGrpSpPr/>
-          <p:nvPr/>
+          <p:nvPr>
+            <p:custDataLst>
+              <p:tags r:id="rId3"/>
+            </p:custDataLst>
+          </p:nvPr>
         </p:nvGrpSpPr>
         <p:grpSpPr>
           <a:xfrm>
@@ -11028,7 +11914,7 @@
             <p:nvPr/>
           </p:nvPicPr>
           <p:blipFill rotWithShape="1">
-            <a:blip r:embed="rId4"/>
+            <a:blip r:embed="rId54"/>
             <a:srcRect r="89350"/>
             <a:stretch/>
           </p:blipFill>
@@ -11051,7 +11937,7 @@
             <p:nvPr/>
           </p:nvPicPr>
           <p:blipFill rotWithShape="1">
-            <a:blip r:embed="rId5"/>
+            <a:blip r:embed="rId55"/>
             <a:srcRect t="87715"/>
             <a:stretch/>
           </p:blipFill>
@@ -11074,7 +11960,7 @@
             <p:nvPr/>
           </p:nvPicPr>
           <p:blipFill>
-            <a:blip r:embed="rId6"/>
+            <a:blip r:embed="rId56"/>
             <a:stretch>
               <a:fillRect/>
             </a:stretch>
@@ -11096,10 +11982,14 @@
           <p:cNvPicPr>
             <a:picLocks noChangeAspect="1"/>
           </p:cNvPicPr>
-          <p:nvPr/>
+          <p:nvPr>
+            <p:custDataLst>
+              <p:tags r:id="rId4"/>
+            </p:custDataLst>
+          </p:nvPr>
         </p:nvPicPr>
         <p:blipFill>
-          <a:blip r:embed="rId7"/>
+          <a:blip r:embed="rId57"/>
           <a:stretch>
             <a:fillRect/>
           </a:stretch>
@@ -11118,7 +12008,11 @@
         <p:nvGrpSpPr>
           <p:cNvPr id="50" name="Groupe 49"/>
           <p:cNvGrpSpPr/>
-          <p:nvPr/>
+          <p:nvPr>
+            <p:custDataLst>
+              <p:tags r:id="rId5"/>
+            </p:custDataLst>
+          </p:nvPr>
         </p:nvGrpSpPr>
         <p:grpSpPr>
           <a:xfrm>
@@ -11151,7 +12045,7 @@
               <p:nvPr/>
             </p:nvPicPr>
             <p:blipFill>
-              <a:blip r:embed="rId8"/>
+              <a:blip r:embed="rId58"/>
               <a:stretch>
                 <a:fillRect/>
               </a:stretch>
@@ -11175,7 +12069,7 @@
               <p:nvPr/>
             </p:nvPicPr>
             <p:blipFill>
-              <a:blip r:embed="rId9"/>
+              <a:blip r:embed="rId59"/>
               <a:stretch>
                 <a:fillRect/>
               </a:stretch>
@@ -11379,7 +12273,7 @@
               <p:nvPr/>
             </p:nvPicPr>
             <p:blipFill>
-              <a:blip r:embed="rId10"/>
+              <a:blip r:embed="rId60"/>
               <a:stretch>
                 <a:fillRect/>
               </a:stretch>
@@ -11403,7 +12297,7 @@
               <p:nvPr/>
             </p:nvPicPr>
             <p:blipFill>
-              <a:blip r:embed="rId10"/>
+              <a:blip r:embed="rId60"/>
               <a:stretch>
                 <a:fillRect/>
               </a:stretch>
@@ -11427,7 +12321,7 @@
               <p:nvPr/>
             </p:nvPicPr>
             <p:blipFill>
-              <a:blip r:embed="rId10"/>
+              <a:blip r:embed="rId60"/>
               <a:stretch>
                 <a:fillRect/>
               </a:stretch>
@@ -11442,74 +12336,6 @@
               </a:prstGeom>
             </p:spPr>
           </p:pic>
-          <p:sp>
-            <p:nvSpPr>
-              <p:cNvPr id="119" name="Rectangle 118"/>
-              <p:cNvSpPr/>
-              <p:nvPr/>
-            </p:nvSpPr>
-            <p:spPr>
-              <a:xfrm>
-                <a:off x="8864844" y="2690909"/>
-                <a:ext cx="666692" cy="390369"/>
-              </a:xfrm>
-              <a:prstGeom prst="rect">
-                <a:avLst/>
-              </a:prstGeom>
-              <a:solidFill>
-                <a:schemeClr val="bg1"/>
-              </a:solidFill>
-              <a:ln>
-                <a:solidFill>
-                  <a:schemeClr val="bg1"/>
-                </a:solidFill>
-              </a:ln>
-            </p:spPr>
-            <p:style>
-              <a:lnRef idx="2">
-                <a:schemeClr val="accent1">
-                  <a:shade val="50000"/>
-                </a:schemeClr>
-              </a:lnRef>
-              <a:fillRef idx="1">
-                <a:schemeClr val="accent1"/>
-              </a:fillRef>
-              <a:effectRef idx="0">
-                <a:schemeClr val="accent1"/>
-              </a:effectRef>
-              <a:fontRef idx="minor">
-                <a:schemeClr val="lt1"/>
-              </a:fontRef>
-            </p:style>
-            <p:txBody>
-              <a:bodyPr rtlCol="0" anchor="t"/>
-              <a:lstStyle/>
-              <a:p>
-                <a:pPr algn="ctr"/>
-                <a:r>
-                  <a:rPr lang="fr-CA" sz="1200" b="1" dirty="0" smtClean="0">
-                    <a:solidFill>
-                      <a:schemeClr val="tx1"/>
-                    </a:solidFill>
-                  </a:rPr>
-                  <a:t>Voir</a:t>
-                </a:r>
-                <a:endParaRPr lang="fr-CA" sz="1200" b="1" dirty="0">
-                  <a:solidFill>
-                    <a:schemeClr val="tx1"/>
-                  </a:solidFill>
-                </a:endParaRPr>
-              </a:p>
-              <a:p>
-                <a:pPr algn="ctr"/>
-                <a:endParaRPr lang="fr-CA" dirty="0">
-                  <a:solidFill>
-                    <a:schemeClr val="tx1"/>
-                  </a:solidFill>
-                </a:endParaRPr>
-              </a:p>
-            </p:txBody>
-          </p:sp>
         </p:grpSp>
         <p:sp>
           <p:nvSpPr>
@@ -11698,10 +12524,14 @@
           <p:cNvPicPr>
             <a:picLocks noChangeAspect="1"/>
           </p:cNvPicPr>
-          <p:nvPr/>
+          <p:nvPr>
+            <p:custDataLst>
+              <p:tags r:id="rId6"/>
+            </p:custDataLst>
+          </p:nvPr>
         </p:nvPicPr>
         <p:blipFill>
-          <a:blip r:embed="rId11">
+          <a:blip r:embed="rId61">
             <a:duotone>
               <a:schemeClr val="accent3">
                 <a:shade val="45000"/>
@@ -11731,10 +12561,14 @@
           <p:cNvPicPr>
             <a:picLocks noChangeAspect="1"/>
           </p:cNvPicPr>
-          <p:nvPr/>
+          <p:nvPr>
+            <p:custDataLst>
+              <p:tags r:id="rId7"/>
+            </p:custDataLst>
+          </p:nvPr>
         </p:nvPicPr>
         <p:blipFill>
-          <a:blip r:embed="rId12"/>
+          <a:blip r:embed="rId62"/>
           <a:stretch>
             <a:fillRect/>
           </a:stretch>
@@ -11753,7 +12587,11 @@
         <p:nvSpPr>
           <p:cNvPr id="104" name="ZoneTexte 103"/>
           <p:cNvSpPr txBox="1"/>
-          <p:nvPr/>
+          <p:nvPr>
+            <p:custDataLst>
+              <p:tags r:id="rId8"/>
+            </p:custDataLst>
+          </p:nvPr>
         </p:nvSpPr>
         <p:spPr>
           <a:xfrm>
@@ -11793,10 +12631,14 @@
           <p:cNvPicPr>
             <a:picLocks noChangeAspect="1"/>
           </p:cNvPicPr>
-          <p:nvPr/>
+          <p:nvPr>
+            <p:custDataLst>
+              <p:tags r:id="rId9"/>
+            </p:custDataLst>
+          </p:nvPr>
         </p:nvPicPr>
         <p:blipFill rotWithShape="1">
-          <a:blip r:embed="rId13"/>
+          <a:blip r:embed="rId63"/>
           <a:srcRect l="53265" t="60683" r="5958" b="30747"/>
           <a:stretch/>
         </p:blipFill>
@@ -11814,7 +12656,11 @@
         <p:nvSpPr>
           <p:cNvPr id="51" name="Rectangle 50"/>
           <p:cNvSpPr/>
-          <p:nvPr/>
+          <p:nvPr>
+            <p:custDataLst>
+              <p:tags r:id="rId10"/>
+            </p:custDataLst>
+          </p:nvPr>
         </p:nvSpPr>
         <p:spPr>
           <a:xfrm>
@@ -11866,10 +12712,14 @@
           <p:cNvPicPr>
             <a:picLocks noChangeAspect="1"/>
           </p:cNvPicPr>
-          <p:nvPr/>
+          <p:nvPr>
+            <p:custDataLst>
+              <p:tags r:id="rId11"/>
+            </p:custDataLst>
+          </p:nvPr>
         </p:nvPicPr>
         <p:blipFill>
-          <a:blip r:embed="rId14"/>
+          <a:blip r:embed="rId64"/>
           <a:stretch>
             <a:fillRect/>
           </a:stretch>
@@ -11890,10 +12740,14 @@
           <p:cNvPicPr>
             <a:picLocks noChangeAspect="1"/>
           </p:cNvPicPr>
-          <p:nvPr/>
+          <p:nvPr>
+            <p:custDataLst>
+              <p:tags r:id="rId12"/>
+            </p:custDataLst>
+          </p:nvPr>
         </p:nvPicPr>
         <p:blipFill>
-          <a:blip r:embed="rId15"/>
+          <a:blip r:embed="rId65"/>
           <a:stretch>
             <a:fillRect/>
           </a:stretch>
@@ -11912,7 +12766,11 @@
         <p:nvSpPr>
           <p:cNvPr id="17" name="Rectangle 16"/>
           <p:cNvSpPr/>
-          <p:nvPr/>
+          <p:nvPr>
+            <p:custDataLst>
+              <p:tags r:id="rId13"/>
+            </p:custDataLst>
+          </p:nvPr>
         </p:nvSpPr>
         <p:spPr>
           <a:xfrm>
@@ -11972,7 +12830,11 @@
         <p:nvSpPr>
           <p:cNvPr id="18" name="Rectangle 17"/>
           <p:cNvSpPr/>
-          <p:nvPr/>
+          <p:nvPr>
+            <p:custDataLst>
+              <p:tags r:id="rId14"/>
+            </p:custDataLst>
+          </p:nvPr>
         </p:nvSpPr>
         <p:spPr>
           <a:xfrm>
@@ -12020,7 +12882,11 @@
         <p:nvCxnSpPr>
           <p:cNvPr id="20" name="Connecteur droit avec flèche 19"/>
           <p:cNvCxnSpPr/>
-          <p:nvPr/>
+          <p:nvPr>
+            <p:custDataLst>
+              <p:tags r:id="rId15"/>
+            </p:custDataLst>
+          </p:nvPr>
         </p:nvCxnSpPr>
         <p:spPr>
           <a:xfrm flipH="1" flipV="1">
@@ -12058,7 +12924,11 @@
         <p:nvSpPr>
           <p:cNvPr id="26" name="ZoneTexte 25"/>
           <p:cNvSpPr txBox="1"/>
-          <p:nvPr/>
+          <p:nvPr>
+            <p:custDataLst>
+              <p:tags r:id="rId16"/>
+            </p:custDataLst>
+          </p:nvPr>
         </p:nvSpPr>
         <p:spPr>
           <a:xfrm>
@@ -12096,10 +12966,14 @@
           <p:cNvPicPr>
             <a:picLocks noChangeAspect="1"/>
           </p:cNvPicPr>
-          <p:nvPr/>
+          <p:nvPr>
+            <p:custDataLst>
+              <p:tags r:id="rId17"/>
+            </p:custDataLst>
+          </p:nvPr>
         </p:nvPicPr>
         <p:blipFill>
-          <a:blip r:embed="rId16"/>
+          <a:blip r:embed="rId66"/>
           <a:stretch>
             <a:fillRect/>
           </a:stretch>
@@ -12120,10 +12994,14 @@
           <p:cNvPicPr>
             <a:picLocks noChangeAspect="1"/>
           </p:cNvPicPr>
-          <p:nvPr/>
+          <p:nvPr>
+            <p:custDataLst>
+              <p:tags r:id="rId18"/>
+            </p:custDataLst>
+          </p:nvPr>
         </p:nvPicPr>
         <p:blipFill>
-          <a:blip r:embed="rId17"/>
+          <a:blip r:embed="rId67"/>
           <a:stretch>
             <a:fillRect/>
           </a:stretch>
@@ -12144,10 +13022,14 @@
           <p:cNvPicPr>
             <a:picLocks noChangeAspect="1"/>
           </p:cNvPicPr>
-          <p:nvPr/>
+          <p:nvPr>
+            <p:custDataLst>
+              <p:tags r:id="rId19"/>
+            </p:custDataLst>
+          </p:nvPr>
         </p:nvPicPr>
         <p:blipFill rotWithShape="1">
-          <a:blip r:embed="rId18"/>
+          <a:blip r:embed="rId68"/>
           <a:srcRect t="21870"/>
           <a:stretch/>
         </p:blipFill>
@@ -12167,10 +13049,14 @@
           <p:cNvPicPr>
             <a:picLocks noChangeAspect="1"/>
           </p:cNvPicPr>
-          <p:nvPr/>
+          <p:nvPr>
+            <p:custDataLst>
+              <p:tags r:id="rId20"/>
+            </p:custDataLst>
+          </p:nvPr>
         </p:nvPicPr>
         <p:blipFill>
-          <a:blip r:embed="rId19"/>
+          <a:blip r:embed="rId69"/>
           <a:stretch>
             <a:fillRect/>
           </a:stretch>
@@ -12191,10 +13077,14 @@
           <p:cNvPicPr>
             <a:picLocks noChangeAspect="1"/>
           </p:cNvPicPr>
-          <p:nvPr/>
+          <p:nvPr>
+            <p:custDataLst>
+              <p:tags r:id="rId21"/>
+            </p:custDataLst>
+          </p:nvPr>
         </p:nvPicPr>
         <p:blipFill rotWithShape="1">
-          <a:blip r:embed="rId20"/>
+          <a:blip r:embed="rId70"/>
           <a:srcRect t="25662"/>
           <a:stretch/>
         </p:blipFill>
@@ -12214,10 +13104,14 @@
           <p:cNvPicPr>
             <a:picLocks noChangeAspect="1"/>
           </p:cNvPicPr>
-          <p:nvPr/>
+          <p:nvPr>
+            <p:custDataLst>
+              <p:tags r:id="rId22"/>
+            </p:custDataLst>
+          </p:nvPr>
         </p:nvPicPr>
         <p:blipFill>
-          <a:blip r:embed="rId21"/>
+          <a:blip r:embed="rId71"/>
           <a:stretch>
             <a:fillRect/>
           </a:stretch>
@@ -12238,10 +13132,14 @@
           <p:cNvPicPr>
             <a:picLocks noChangeAspect="1"/>
           </p:cNvPicPr>
-          <p:nvPr/>
+          <p:nvPr>
+            <p:custDataLst>
+              <p:tags r:id="rId23"/>
+            </p:custDataLst>
+          </p:nvPr>
         </p:nvPicPr>
         <p:blipFill>
-          <a:blip r:embed="rId22"/>
+          <a:blip r:embed="rId72"/>
           <a:stretch>
             <a:fillRect/>
           </a:stretch>
@@ -12260,7 +13158,11 @@
         <p:nvSpPr>
           <p:cNvPr id="40" name="ZoneTexte 39"/>
           <p:cNvSpPr txBox="1"/>
-          <p:nvPr/>
+          <p:nvPr>
+            <p:custDataLst>
+              <p:tags r:id="rId24"/>
+            </p:custDataLst>
+          </p:nvPr>
         </p:nvSpPr>
         <p:spPr>
           <a:xfrm>
@@ -12290,7 +13192,11 @@
         <p:nvSpPr>
           <p:cNvPr id="41" name="ZoneTexte 40"/>
           <p:cNvSpPr txBox="1"/>
-          <p:nvPr/>
+          <p:nvPr>
+            <p:custDataLst>
+              <p:tags r:id="rId25"/>
+            </p:custDataLst>
+          </p:nvPr>
         </p:nvSpPr>
         <p:spPr>
           <a:xfrm>
@@ -12322,10 +13228,14 @@
           <p:cNvPicPr>
             <a:picLocks noChangeAspect="1"/>
           </p:cNvPicPr>
-          <p:nvPr/>
+          <p:nvPr>
+            <p:custDataLst>
+              <p:tags r:id="rId26"/>
+            </p:custDataLst>
+          </p:nvPr>
         </p:nvPicPr>
         <p:blipFill>
-          <a:blip r:embed="rId23"/>
+          <a:blip r:embed="rId73"/>
           <a:stretch>
             <a:fillRect/>
           </a:stretch>
@@ -12346,10 +13256,14 @@
           <p:cNvPicPr>
             <a:picLocks noChangeAspect="1"/>
           </p:cNvPicPr>
-          <p:nvPr/>
+          <p:nvPr>
+            <p:custDataLst>
+              <p:tags r:id="rId27"/>
+            </p:custDataLst>
+          </p:nvPr>
         </p:nvPicPr>
         <p:blipFill>
-          <a:blip r:embed="rId24"/>
+          <a:blip r:embed="rId74"/>
           <a:stretch>
             <a:fillRect/>
           </a:stretch>
@@ -12370,10 +13284,14 @@
           <p:cNvPicPr>
             <a:picLocks noChangeAspect="1"/>
           </p:cNvPicPr>
-          <p:nvPr/>
+          <p:nvPr>
+            <p:custDataLst>
+              <p:tags r:id="rId28"/>
+            </p:custDataLst>
+          </p:nvPr>
         </p:nvPicPr>
         <p:blipFill>
-          <a:blip r:embed="rId25"/>
+          <a:blip r:embed="rId75"/>
           <a:stretch>
             <a:fillRect/>
           </a:stretch>
@@ -12394,10 +13312,14 @@
           <p:cNvPicPr>
             <a:picLocks noChangeAspect="1"/>
           </p:cNvPicPr>
-          <p:nvPr/>
+          <p:nvPr>
+            <p:custDataLst>
+              <p:tags r:id="rId29"/>
+            </p:custDataLst>
+          </p:nvPr>
         </p:nvPicPr>
         <p:blipFill>
-          <a:blip r:embed="rId26"/>
+          <a:blip r:embed="rId76"/>
           <a:stretch>
             <a:fillRect/>
           </a:stretch>
@@ -12416,7 +13338,11 @@
         <p:nvSpPr>
           <p:cNvPr id="56" name="ZoneTexte 55"/>
           <p:cNvSpPr txBox="1"/>
-          <p:nvPr/>
+          <p:nvPr>
+            <p:custDataLst>
+              <p:tags r:id="rId30"/>
+            </p:custDataLst>
+          </p:nvPr>
         </p:nvSpPr>
         <p:spPr>
           <a:xfrm>
@@ -12446,7 +13372,11 @@
         <p:nvSpPr>
           <p:cNvPr id="120" name="ZoneTexte 119"/>
           <p:cNvSpPr txBox="1"/>
-          <p:nvPr/>
+          <p:nvPr>
+            <p:custDataLst>
+              <p:tags r:id="rId31"/>
+            </p:custDataLst>
+          </p:nvPr>
         </p:nvSpPr>
         <p:spPr>
           <a:xfrm>
@@ -12478,10 +13408,14 @@
           <p:cNvPicPr>
             <a:picLocks noChangeAspect="1"/>
           </p:cNvPicPr>
-          <p:nvPr/>
+          <p:nvPr>
+            <p:custDataLst>
+              <p:tags r:id="rId32"/>
+            </p:custDataLst>
+          </p:nvPr>
         </p:nvPicPr>
         <p:blipFill>
-          <a:blip r:embed="rId27"/>
+          <a:blip r:embed="rId77"/>
           <a:stretch>
             <a:fillRect/>
           </a:stretch>
@@ -12502,10 +13436,14 @@
           <p:cNvPicPr>
             <a:picLocks noChangeAspect="1"/>
           </p:cNvPicPr>
-          <p:nvPr/>
+          <p:nvPr>
+            <p:custDataLst>
+              <p:tags r:id="rId33"/>
+            </p:custDataLst>
+          </p:nvPr>
         </p:nvPicPr>
         <p:blipFill>
-          <a:blip r:embed="rId28"/>
+          <a:blip r:embed="rId78"/>
           <a:stretch>
             <a:fillRect/>
           </a:stretch>
@@ -12526,10 +13464,14 @@
           <p:cNvPicPr>
             <a:picLocks noChangeAspect="1"/>
           </p:cNvPicPr>
-          <p:nvPr/>
+          <p:nvPr>
+            <p:custDataLst>
+              <p:tags r:id="rId34"/>
+            </p:custDataLst>
+          </p:nvPr>
         </p:nvPicPr>
         <p:blipFill>
-          <a:blip r:embed="rId29"/>
+          <a:blip r:embed="rId79"/>
           <a:stretch>
             <a:fillRect/>
           </a:stretch>
@@ -12548,7 +13490,11 @@
         <p:nvSpPr>
           <p:cNvPr id="121" name="ZoneTexte 120"/>
           <p:cNvSpPr txBox="1"/>
-          <p:nvPr/>
+          <p:nvPr>
+            <p:custDataLst>
+              <p:tags r:id="rId35"/>
+            </p:custDataLst>
+          </p:nvPr>
         </p:nvSpPr>
         <p:spPr>
           <a:xfrm>
@@ -12581,7 +13527,11 @@
             <a:stCxn id="121" idx="3"/>
             <a:endCxn id="53" idx="1"/>
           </p:cNvCxnSpPr>
-          <p:nvPr/>
+          <p:nvPr>
+            <p:custDataLst>
+              <p:tags r:id="rId36"/>
+            </p:custDataLst>
+          </p:nvPr>
         </p:nvCxnSpPr>
         <p:spPr>
           <a:xfrm>
@@ -12624,7 +13574,11 @@
             <a:stCxn id="121" idx="3"/>
             <a:endCxn id="59" idx="1"/>
           </p:cNvCxnSpPr>
-          <p:nvPr/>
+          <p:nvPr>
+            <p:custDataLst>
+              <p:tags r:id="rId37"/>
+            </p:custDataLst>
+          </p:nvPr>
         </p:nvCxnSpPr>
         <p:spPr>
           <a:xfrm>
@@ -12667,7 +13621,11 @@
             <a:stCxn id="121" idx="0"/>
             <a:endCxn id="56" idx="1"/>
           </p:cNvCxnSpPr>
-          <p:nvPr/>
+          <p:nvPr>
+            <p:custDataLst>
+              <p:tags r:id="rId38"/>
+            </p:custDataLst>
+          </p:nvPr>
         </p:nvCxnSpPr>
         <p:spPr>
           <a:xfrm rot="5400000" flipH="1" flipV="1">
@@ -12707,10 +13665,14 @@
           <p:cNvPicPr>
             <a:picLocks noChangeAspect="1"/>
           </p:cNvPicPr>
-          <p:nvPr/>
+          <p:nvPr>
+            <p:custDataLst>
+              <p:tags r:id="rId39"/>
+            </p:custDataLst>
+          </p:nvPr>
         </p:nvPicPr>
         <p:blipFill>
-          <a:blip r:embed="rId30" cstate="print">
+          <a:blip r:embed="rId80" cstate="print">
             <a:extLst>
               <a:ext uri="{28A0092B-C50C-407E-A947-70E740481C1C}">
                 <a14:useLocalDpi xmlns:a14="http://schemas.microsoft.com/office/drawing/2010/main" val="0"/>
@@ -12737,7 +13699,11 @@
           <p:cNvCxnSpPr>
             <a:stCxn id="133" idx="1"/>
           </p:cNvCxnSpPr>
-          <p:nvPr/>
+          <p:nvPr>
+            <p:custDataLst>
+              <p:tags r:id="rId40"/>
+            </p:custDataLst>
+          </p:nvPr>
         </p:nvCxnSpPr>
         <p:spPr>
           <a:xfrm flipH="1">
@@ -12777,7 +13743,11 @@
           <p:cNvCxnSpPr>
             <a:stCxn id="133" idx="1"/>
           </p:cNvCxnSpPr>
-          <p:nvPr/>
+          <p:nvPr>
+            <p:custDataLst>
+              <p:tags r:id="rId41"/>
+            </p:custDataLst>
+          </p:nvPr>
         </p:nvCxnSpPr>
         <p:spPr>
           <a:xfrm flipH="1">
@@ -12817,10 +13787,14 @@
           <p:cNvPicPr>
             <a:picLocks noChangeAspect="1"/>
           </p:cNvPicPr>
-          <p:nvPr/>
+          <p:nvPr>
+            <p:custDataLst>
+              <p:tags r:id="rId42"/>
+            </p:custDataLst>
+          </p:nvPr>
         </p:nvPicPr>
         <p:blipFill>
-          <a:blip r:embed="rId31"/>
+          <a:blip r:embed="rId81"/>
           <a:stretch>
             <a:fillRect/>
           </a:stretch>
@@ -12839,7 +13813,11 @@
         <p:nvSpPr>
           <p:cNvPr id="61" name="Rectangle 60"/>
           <p:cNvSpPr/>
-          <p:nvPr/>
+          <p:nvPr>
+            <p:custDataLst>
+              <p:tags r:id="rId43"/>
+            </p:custDataLst>
+          </p:nvPr>
         </p:nvSpPr>
         <p:spPr>
           <a:xfrm>
@@ -12899,7 +13877,11 @@
         <p:nvSpPr>
           <p:cNvPr id="62" name="Rectangle 61"/>
           <p:cNvSpPr/>
-          <p:nvPr/>
+          <p:nvPr>
+            <p:custDataLst>
+              <p:tags r:id="rId44"/>
+            </p:custDataLst>
+          </p:nvPr>
         </p:nvSpPr>
         <p:spPr>
           <a:xfrm>
@@ -12959,7 +13941,11 @@
         <p:nvSpPr>
           <p:cNvPr id="63" name="Rectangle 62"/>
           <p:cNvSpPr/>
-          <p:nvPr/>
+          <p:nvPr>
+            <p:custDataLst>
+              <p:tags r:id="rId45"/>
+            </p:custDataLst>
+          </p:nvPr>
         </p:nvSpPr>
         <p:spPr>
           <a:xfrm>
@@ -13019,7 +14005,11 @@
         <p:nvSpPr>
           <p:cNvPr id="64" name="Rectangle 63"/>
           <p:cNvSpPr/>
-          <p:nvPr/>
+          <p:nvPr>
+            <p:custDataLst>
+              <p:tags r:id="rId46"/>
+            </p:custDataLst>
+          </p:nvPr>
         </p:nvSpPr>
         <p:spPr>
           <a:xfrm>
@@ -13081,10 +14071,14 @@
           <p:cNvPicPr>
             <a:picLocks noChangeAspect="1"/>
           </p:cNvPicPr>
-          <p:nvPr/>
+          <p:nvPr>
+            <p:custDataLst>
+              <p:tags r:id="rId47"/>
+            </p:custDataLst>
+          </p:nvPr>
         </p:nvPicPr>
         <p:blipFill>
-          <a:blip r:embed="rId32"/>
+          <a:blip r:embed="rId82"/>
           <a:stretch>
             <a:fillRect/>
           </a:stretch>
@@ -13103,7 +14097,11 @@
         <p:nvSpPr>
           <p:cNvPr id="66" name="ZoneTexte 65"/>
           <p:cNvSpPr txBox="1"/>
-          <p:nvPr/>
+          <p:nvPr>
+            <p:custDataLst>
+              <p:tags r:id="rId48"/>
+            </p:custDataLst>
+          </p:nvPr>
         </p:nvSpPr>
         <p:spPr>
           <a:xfrm>
@@ -13135,10 +14133,14 @@
           <p:cNvPicPr>
             <a:picLocks noChangeAspect="1"/>
           </p:cNvPicPr>
-          <p:nvPr/>
+          <p:nvPr>
+            <p:custDataLst>
+              <p:tags r:id="rId49"/>
+            </p:custDataLst>
+          </p:nvPr>
         </p:nvPicPr>
         <p:blipFill>
-          <a:blip r:embed="rId33"/>
+          <a:blip r:embed="rId83"/>
           <a:stretch>
             <a:fillRect/>
           </a:stretch>
@@ -13147,6 +14149,34 @@
           <a:xfrm>
             <a:off x="5391761" y="1772588"/>
             <a:ext cx="606312" cy="350759"/>
+          </a:xfrm>
+          <a:prstGeom prst="rect">
+            <a:avLst/>
+          </a:prstGeom>
+        </p:spPr>
+      </p:pic>
+      <p:pic>
+        <p:nvPicPr>
+          <p:cNvPr id="7" name="Image 6"/>
+          <p:cNvPicPr>
+            <a:picLocks noChangeAspect="1"/>
+          </p:cNvPicPr>
+          <p:nvPr>
+            <p:custDataLst>
+              <p:tags r:id="rId50"/>
+            </p:custDataLst>
+          </p:nvPr>
+        </p:nvPicPr>
+        <p:blipFill>
+          <a:blip r:embed="rId84"/>
+          <a:stretch>
+            <a:fillRect/>
+          </a:stretch>
+        </p:blipFill>
+        <p:spPr>
+          <a:xfrm>
+            <a:off x="8754319" y="2749740"/>
+            <a:ext cx="828791" cy="428685"/>
           </a:xfrm>
           <a:prstGeom prst="rect">
             <a:avLst/>
@@ -13196,10 +14226,14 @@
           <p:cNvPicPr>
             <a:picLocks noChangeAspect="1"/>
           </p:cNvPicPr>
-          <p:nvPr/>
+          <p:nvPr>
+            <p:custDataLst>
+              <p:tags r:id="rId1"/>
+            </p:custDataLst>
+          </p:nvPr>
         </p:nvPicPr>
         <p:blipFill rotWithShape="1">
-          <a:blip r:embed="rId2"/>
+          <a:blip r:embed="rId38"/>
           <a:srcRect b="74442"/>
           <a:stretch/>
         </p:blipFill>
@@ -13217,7 +14251,11 @@
         <p:nvGrpSpPr>
           <p:cNvPr id="25" name="Groupe 24"/>
           <p:cNvGrpSpPr/>
-          <p:nvPr/>
+          <p:nvPr>
+            <p:custDataLst>
+              <p:tags r:id="rId2"/>
+            </p:custDataLst>
+          </p:nvPr>
         </p:nvGrpSpPr>
         <p:grpSpPr>
           <a:xfrm>
@@ -13236,7 +14274,7 @@
             <p:nvPr/>
           </p:nvPicPr>
           <p:blipFill rotWithShape="1">
-            <a:blip r:embed="rId3"/>
+            <a:blip r:embed="rId39"/>
             <a:srcRect r="89350"/>
             <a:stretch/>
           </p:blipFill>
@@ -13259,7 +14297,7 @@
             <p:nvPr/>
           </p:nvPicPr>
           <p:blipFill rotWithShape="1">
-            <a:blip r:embed="rId4"/>
+            <a:blip r:embed="rId40"/>
             <a:srcRect t="87715"/>
             <a:stretch/>
           </p:blipFill>
@@ -13282,7 +14320,7 @@
             <p:nvPr/>
           </p:nvPicPr>
           <p:blipFill>
-            <a:blip r:embed="rId5"/>
+            <a:blip r:embed="rId41"/>
             <a:stretch>
               <a:fillRect/>
             </a:stretch>
@@ -13302,7 +14340,11 @@
         <p:nvSpPr>
           <p:cNvPr id="27" name="ZoneTexte 26"/>
           <p:cNvSpPr txBox="1"/>
-          <p:nvPr/>
+          <p:nvPr>
+            <p:custDataLst>
+              <p:tags r:id="rId3"/>
+            </p:custDataLst>
+          </p:nvPr>
         </p:nvSpPr>
         <p:spPr>
           <a:xfrm>
@@ -13342,10 +14384,14 @@
           <p:cNvPicPr>
             <a:picLocks noChangeAspect="1"/>
           </p:cNvPicPr>
-          <p:nvPr/>
+          <p:nvPr>
+            <p:custDataLst>
+              <p:tags r:id="rId4"/>
+            </p:custDataLst>
+          </p:nvPr>
         </p:nvPicPr>
         <p:blipFill>
-          <a:blip r:embed="rId6"/>
+          <a:blip r:embed="rId42"/>
           <a:stretch>
             <a:fillRect/>
           </a:stretch>
@@ -13366,10 +14412,14 @@
           <p:cNvPicPr>
             <a:picLocks noChangeAspect="1"/>
           </p:cNvPicPr>
-          <p:nvPr/>
+          <p:nvPr>
+            <p:custDataLst>
+              <p:tags r:id="rId5"/>
+            </p:custDataLst>
+          </p:nvPr>
         </p:nvPicPr>
         <p:blipFill rotWithShape="1">
-          <a:blip r:embed="rId7"/>
+          <a:blip r:embed="rId43"/>
           <a:srcRect l="53265" t="60683" r="5958" b="30747"/>
           <a:stretch/>
         </p:blipFill>
@@ -13387,7 +14437,11 @@
         <p:nvSpPr>
           <p:cNvPr id="44" name="ZoneTexte 43"/>
           <p:cNvSpPr txBox="1"/>
-          <p:nvPr/>
+          <p:nvPr>
+            <p:custDataLst>
+              <p:tags r:id="rId6"/>
+            </p:custDataLst>
+          </p:nvPr>
         </p:nvSpPr>
         <p:spPr>
           <a:xfrm>
@@ -13419,10 +14473,14 @@
           <p:cNvPicPr>
             <a:picLocks noChangeAspect="1"/>
           </p:cNvPicPr>
-          <p:nvPr/>
+          <p:nvPr>
+            <p:custDataLst>
+              <p:tags r:id="rId7"/>
+            </p:custDataLst>
+          </p:nvPr>
         </p:nvPicPr>
         <p:blipFill>
-          <a:blip r:embed="rId8"/>
+          <a:blip r:embed="rId44"/>
           <a:stretch>
             <a:fillRect/>
           </a:stretch>
@@ -13441,7 +14499,11 @@
         <p:nvSpPr>
           <p:cNvPr id="47" name="ZoneTexte 46"/>
           <p:cNvSpPr txBox="1"/>
-          <p:nvPr/>
+          <p:nvPr>
+            <p:custDataLst>
+              <p:tags r:id="rId8"/>
+            </p:custDataLst>
+          </p:nvPr>
         </p:nvSpPr>
         <p:spPr>
           <a:xfrm>
@@ -13471,7 +14533,11 @@
         <p:nvSpPr>
           <p:cNvPr id="49" name="ZoneTexte 48"/>
           <p:cNvSpPr txBox="1"/>
-          <p:nvPr/>
+          <p:nvPr>
+            <p:custDataLst>
+              <p:tags r:id="rId9"/>
+            </p:custDataLst>
+          </p:nvPr>
         </p:nvSpPr>
         <p:spPr>
           <a:xfrm>
@@ -13503,10 +14569,14 @@
           <p:cNvPicPr>
             <a:picLocks noChangeAspect="1"/>
           </p:cNvPicPr>
-          <p:nvPr/>
+          <p:nvPr>
+            <p:custDataLst>
+              <p:tags r:id="rId10"/>
+            </p:custDataLst>
+          </p:nvPr>
         </p:nvPicPr>
         <p:blipFill>
-          <a:blip r:embed="rId8"/>
+          <a:blip r:embed="rId44"/>
           <a:stretch>
             <a:fillRect/>
           </a:stretch>
@@ -13527,10 +14597,14 @@
           <p:cNvPicPr>
             <a:picLocks noChangeAspect="1"/>
           </p:cNvPicPr>
-          <p:nvPr/>
+          <p:nvPr>
+            <p:custDataLst>
+              <p:tags r:id="rId11"/>
+            </p:custDataLst>
+          </p:nvPr>
         </p:nvPicPr>
         <p:blipFill>
-          <a:blip r:embed="rId8"/>
+          <a:blip r:embed="rId44"/>
           <a:stretch>
             <a:fillRect/>
           </a:stretch>
@@ -13549,7 +14623,11 @@
         <p:nvSpPr>
           <p:cNvPr id="52" name="ZoneTexte 51"/>
           <p:cNvSpPr txBox="1"/>
-          <p:nvPr/>
+          <p:nvPr>
+            <p:custDataLst>
+              <p:tags r:id="rId12"/>
+            </p:custDataLst>
+          </p:nvPr>
         </p:nvSpPr>
         <p:spPr>
           <a:xfrm>
@@ -13581,10 +14659,14 @@
           <p:cNvPicPr>
             <a:picLocks noChangeAspect="1"/>
           </p:cNvPicPr>
-          <p:nvPr/>
+          <p:nvPr>
+            <p:custDataLst>
+              <p:tags r:id="rId13"/>
+            </p:custDataLst>
+          </p:nvPr>
         </p:nvPicPr>
         <p:blipFill>
-          <a:blip r:embed="rId8"/>
+          <a:blip r:embed="rId44"/>
           <a:stretch>
             <a:fillRect/>
           </a:stretch>
@@ -13605,10 +14687,14 @@
           <p:cNvPicPr>
             <a:picLocks noChangeAspect="1"/>
           </p:cNvPicPr>
-          <p:nvPr/>
+          <p:nvPr>
+            <p:custDataLst>
+              <p:tags r:id="rId14"/>
+            </p:custDataLst>
+          </p:nvPr>
         </p:nvPicPr>
         <p:blipFill>
-          <a:blip r:embed="rId8"/>
+          <a:blip r:embed="rId44"/>
           <a:stretch>
             <a:fillRect/>
           </a:stretch>
@@ -13627,7 +14713,11 @@
         <p:nvSpPr>
           <p:cNvPr id="55" name="ZoneTexte 54"/>
           <p:cNvSpPr txBox="1"/>
-          <p:nvPr/>
+          <p:nvPr>
+            <p:custDataLst>
+              <p:tags r:id="rId15"/>
+            </p:custDataLst>
+          </p:nvPr>
         </p:nvSpPr>
         <p:spPr>
           <a:xfrm>
@@ -13659,10 +14749,14 @@
           <p:cNvPicPr>
             <a:picLocks noChangeAspect="1"/>
           </p:cNvPicPr>
-          <p:nvPr/>
+          <p:nvPr>
+            <p:custDataLst>
+              <p:tags r:id="rId16"/>
+            </p:custDataLst>
+          </p:nvPr>
         </p:nvPicPr>
         <p:blipFill rotWithShape="1">
-          <a:blip r:embed="rId9"/>
+          <a:blip r:embed="rId45"/>
           <a:srcRect r="10325" b="8565"/>
           <a:stretch/>
         </p:blipFill>
@@ -13680,7 +14774,11 @@
         <p:nvSpPr>
           <p:cNvPr id="58" name="ZoneTexte 57"/>
           <p:cNvSpPr txBox="1"/>
-          <p:nvPr/>
+          <p:nvPr>
+            <p:custDataLst>
+              <p:tags r:id="rId17"/>
+            </p:custDataLst>
+          </p:nvPr>
         </p:nvSpPr>
         <p:spPr>
           <a:xfrm>
@@ -13712,10 +14810,14 @@
           <p:cNvPicPr>
             <a:picLocks noChangeAspect="1"/>
           </p:cNvPicPr>
-          <p:nvPr/>
+          <p:nvPr>
+            <p:custDataLst>
+              <p:tags r:id="rId18"/>
+            </p:custDataLst>
+          </p:nvPr>
         </p:nvPicPr>
         <p:blipFill rotWithShape="1">
-          <a:blip r:embed="rId9"/>
+          <a:blip r:embed="rId45"/>
           <a:srcRect r="10325" b="8565"/>
           <a:stretch/>
         </p:blipFill>
@@ -13733,7 +14835,11 @@
         <p:nvSpPr>
           <p:cNvPr id="60" name="ZoneTexte 59"/>
           <p:cNvSpPr txBox="1"/>
-          <p:nvPr/>
+          <p:nvPr>
+            <p:custDataLst>
+              <p:tags r:id="rId19"/>
+            </p:custDataLst>
+          </p:nvPr>
         </p:nvSpPr>
         <p:spPr>
           <a:xfrm>
@@ -13765,10 +14871,14 @@
           <p:cNvPicPr>
             <a:picLocks noChangeAspect="1"/>
           </p:cNvPicPr>
-          <p:nvPr/>
+          <p:nvPr>
+            <p:custDataLst>
+              <p:tags r:id="rId20"/>
+            </p:custDataLst>
+          </p:nvPr>
         </p:nvPicPr>
         <p:blipFill rotWithShape="1">
-          <a:blip r:embed="rId9"/>
+          <a:blip r:embed="rId45"/>
           <a:srcRect r="10325" b="8565"/>
           <a:stretch/>
         </p:blipFill>
@@ -13786,7 +14896,11 @@
         <p:nvSpPr>
           <p:cNvPr id="63" name="ZoneTexte 62"/>
           <p:cNvSpPr txBox="1"/>
-          <p:nvPr/>
+          <p:nvPr>
+            <p:custDataLst>
+              <p:tags r:id="rId21"/>
+            </p:custDataLst>
+          </p:nvPr>
         </p:nvSpPr>
         <p:spPr>
           <a:xfrm>
@@ -13818,10 +14932,14 @@
           <p:cNvPicPr>
             <a:picLocks noChangeAspect="1"/>
           </p:cNvPicPr>
-          <p:nvPr/>
+          <p:nvPr>
+            <p:custDataLst>
+              <p:tags r:id="rId22"/>
+            </p:custDataLst>
+          </p:nvPr>
         </p:nvPicPr>
         <p:blipFill rotWithShape="1">
-          <a:blip r:embed="rId9"/>
+          <a:blip r:embed="rId45"/>
           <a:srcRect r="10325" b="8565"/>
           <a:stretch/>
         </p:blipFill>
@@ -13839,12 +14957,16 @@
         <p:nvSpPr>
           <p:cNvPr id="65" name="ZoneTexte 64"/>
           <p:cNvSpPr txBox="1"/>
-          <p:nvPr/>
+          <p:nvPr>
+            <p:custDataLst>
+              <p:tags r:id="rId23"/>
+            </p:custDataLst>
+          </p:nvPr>
         </p:nvSpPr>
         <p:spPr>
           <a:xfrm>
-            <a:off x="4056611" y="5632023"/>
-            <a:ext cx="1143242" cy="338554"/>
+            <a:off x="4536631" y="5632023"/>
+            <a:ext cx="663222" cy="338554"/>
           </a:xfrm>
           <a:prstGeom prst="rect">
             <a:avLst/>
@@ -13859,7 +14981,7 @@
           <a:p>
             <a:r>
               <a:rPr lang="fr-CA" sz="1600" dirty="0" smtClean="0"/>
-              <a:t>Disponible:</a:t>
+              <a:t>Actif:</a:t>
             </a:r>
             <a:endParaRPr lang="fr-CA" sz="1600" dirty="0"/>
           </a:p>
@@ -13871,10 +14993,14 @@
           <p:cNvPicPr>
             <a:picLocks noChangeAspect="1"/>
           </p:cNvPicPr>
-          <p:nvPr/>
+          <p:nvPr>
+            <p:custDataLst>
+              <p:tags r:id="rId24"/>
+            </p:custDataLst>
+          </p:nvPr>
         </p:nvPicPr>
         <p:blipFill>
-          <a:blip r:embed="rId10">
+          <a:blip r:embed="rId46">
             <a:duotone>
               <a:schemeClr val="accent3">
                 <a:shade val="45000"/>
@@ -13902,7 +15028,11 @@
         <p:nvSpPr>
           <p:cNvPr id="32" name="ZoneTexte 31"/>
           <p:cNvSpPr txBox="1"/>
-          <p:nvPr/>
+          <p:nvPr>
+            <p:custDataLst>
+              <p:tags r:id="rId25"/>
+            </p:custDataLst>
+          </p:nvPr>
         </p:nvSpPr>
         <p:spPr>
           <a:xfrm>
@@ -13928,40 +15058,20 @@
           </a:p>
         </p:txBody>
       </p:sp>
-      <p:pic>
-        <p:nvPicPr>
-          <p:cNvPr id="4" name="Image 3"/>
-          <p:cNvPicPr>
-            <a:picLocks noChangeAspect="1"/>
-          </p:cNvPicPr>
-          <p:nvPr/>
-        </p:nvPicPr>
-        <p:blipFill>
-          <a:blip r:embed="rId11"/>
-          <a:stretch>
-            <a:fillRect/>
-          </a:stretch>
-        </p:blipFill>
-        <p:spPr>
-          <a:xfrm>
-            <a:off x="5348036" y="5654156"/>
-            <a:ext cx="1257475" cy="314369"/>
-          </a:xfrm>
-          <a:prstGeom prst="rect">
-            <a:avLst/>
-          </a:prstGeom>
-        </p:spPr>
-      </p:pic>
       <p:pic>
         <p:nvPicPr>
           <p:cNvPr id="7" name="Image 6"/>
           <p:cNvPicPr>
             <a:picLocks noChangeAspect="1"/>
           </p:cNvPicPr>
-          <p:nvPr/>
+          <p:nvPr>
+            <p:custDataLst>
+              <p:tags r:id="rId26"/>
+            </p:custDataLst>
+          </p:nvPr>
         </p:nvPicPr>
         <p:blipFill rotWithShape="1">
-          <a:blip r:embed="rId12"/>
+          <a:blip r:embed="rId47"/>
           <a:srcRect t="18093" r="9553"/>
           <a:stretch/>
         </p:blipFill>
@@ -13981,10 +15091,14 @@
           <p:cNvPicPr>
             <a:picLocks noChangeAspect="1"/>
           </p:cNvPicPr>
-          <p:nvPr/>
+          <p:nvPr>
+            <p:custDataLst>
+              <p:tags r:id="rId27"/>
+            </p:custDataLst>
+          </p:nvPr>
         </p:nvPicPr>
         <p:blipFill rotWithShape="1">
-          <a:blip r:embed="rId12"/>
+          <a:blip r:embed="rId47"/>
           <a:srcRect t="18093" r="9553"/>
           <a:stretch/>
         </p:blipFill>
@@ -14004,10 +15118,14 @@
           <p:cNvPicPr>
             <a:picLocks noChangeAspect="1"/>
           </p:cNvPicPr>
-          <p:nvPr/>
+          <p:nvPr>
+            <p:custDataLst>
+              <p:tags r:id="rId28"/>
+            </p:custDataLst>
+          </p:nvPr>
         </p:nvPicPr>
         <p:blipFill rotWithShape="1">
-          <a:blip r:embed="rId12"/>
+          <a:blip r:embed="rId47"/>
           <a:srcRect t="18093" r="9553"/>
           <a:stretch/>
         </p:blipFill>
@@ -14025,7 +15143,11 @@
         <p:nvCxnSpPr>
           <p:cNvPr id="10" name="Connecteur droit avec flèche 9"/>
           <p:cNvCxnSpPr/>
-          <p:nvPr/>
+          <p:nvPr>
+            <p:custDataLst>
+              <p:tags r:id="rId29"/>
+            </p:custDataLst>
+          </p:nvPr>
         </p:nvCxnSpPr>
         <p:spPr>
           <a:xfrm flipH="1">
@@ -14065,10 +15187,14 @@
           <p:cNvPicPr>
             <a:picLocks noChangeAspect="1"/>
           </p:cNvPicPr>
-          <p:nvPr/>
+          <p:nvPr>
+            <p:custDataLst>
+              <p:tags r:id="rId30"/>
+            </p:custDataLst>
+          </p:nvPr>
         </p:nvPicPr>
         <p:blipFill>
-          <a:blip r:embed="rId13" cstate="print">
+          <a:blip r:embed="rId48" cstate="print">
             <a:extLst>
               <a:ext uri="{28A0092B-C50C-407E-A947-70E740481C1C}">
                 <a14:useLocalDpi xmlns:a14="http://schemas.microsoft.com/office/drawing/2010/main" val="0"/>
@@ -14093,7 +15219,11 @@
         <p:nvCxnSpPr>
           <p:cNvPr id="46" name="Connecteur droit avec flèche 45"/>
           <p:cNvCxnSpPr/>
-          <p:nvPr/>
+          <p:nvPr>
+            <p:custDataLst>
+              <p:tags r:id="rId31"/>
+            </p:custDataLst>
+          </p:nvPr>
         </p:nvCxnSpPr>
         <p:spPr>
           <a:xfrm flipH="1">
@@ -14133,10 +15263,14 @@
           <p:cNvPicPr>
             <a:picLocks noChangeAspect="1"/>
           </p:cNvPicPr>
-          <p:nvPr/>
+          <p:nvPr>
+            <p:custDataLst>
+              <p:tags r:id="rId32"/>
+            </p:custDataLst>
+          </p:nvPr>
         </p:nvPicPr>
         <p:blipFill>
-          <a:blip r:embed="rId14"/>
+          <a:blip r:embed="rId49"/>
           <a:stretch>
             <a:fillRect/>
           </a:stretch>
@@ -14155,7 +15289,11 @@
         <p:nvCxnSpPr>
           <p:cNvPr id="39" name="Connecteur droit avec flèche 38"/>
           <p:cNvCxnSpPr/>
-          <p:nvPr/>
+          <p:nvPr>
+            <p:custDataLst>
+              <p:tags r:id="rId33"/>
+            </p:custDataLst>
+          </p:nvPr>
         </p:nvCxnSpPr>
         <p:spPr>
           <a:xfrm flipH="1" flipV="1">
@@ -14193,7 +15331,11 @@
         <p:nvSpPr>
           <p:cNvPr id="40" name="ZoneTexte 39"/>
           <p:cNvSpPr txBox="1"/>
-          <p:nvPr/>
+          <p:nvPr>
+            <p:custDataLst>
+              <p:tags r:id="rId34"/>
+            </p:custDataLst>
+          </p:nvPr>
         </p:nvSpPr>
         <p:spPr>
           <a:xfrm>
@@ -14229,10 +15371,14 @@
           <p:cNvPicPr>
             <a:picLocks noChangeAspect="1"/>
           </p:cNvPicPr>
-          <p:nvPr/>
+          <p:nvPr>
+            <p:custDataLst>
+              <p:tags r:id="rId35"/>
+            </p:custDataLst>
+          </p:nvPr>
         </p:nvPicPr>
         <p:blipFill>
-          <a:blip r:embed="rId15"/>
+          <a:blip r:embed="rId50"/>
           <a:stretch>
             <a:fillRect/>
           </a:stretch>
@@ -14251,7 +15397,11 @@
         <p:nvSpPr>
           <p:cNvPr id="43" name="ZoneTexte 42"/>
           <p:cNvSpPr txBox="1"/>
-          <p:nvPr/>
+          <p:nvPr>
+            <p:custDataLst>
+              <p:tags r:id="rId36"/>
+            </p:custDataLst>
+          </p:nvPr>
         </p:nvSpPr>
         <p:spPr>
           <a:xfrm>
@@ -14277,6 +15427,30 @@
           </a:p>
         </p:txBody>
       </p:sp>
+      <p:pic>
+        <p:nvPicPr>
+          <p:cNvPr id="8" name="Image 7"/>
+          <p:cNvPicPr>
+            <a:picLocks noChangeAspect="1"/>
+          </p:cNvPicPr>
+          <p:nvPr/>
+        </p:nvPicPr>
+        <p:blipFill>
+          <a:blip r:embed="rId51"/>
+          <a:stretch>
+            <a:fillRect/>
+          </a:stretch>
+        </p:blipFill>
+        <p:spPr>
+          <a:xfrm>
+            <a:off x="5246312" y="5690773"/>
+            <a:ext cx="1219370" cy="209579"/>
+          </a:xfrm>
+          <a:prstGeom prst="rect">
+            <a:avLst/>
+          </a:prstGeom>
+        </p:spPr>
+      </p:pic>
     </p:spTree>
     <p:extLst>
       <p:ext uri="{BB962C8B-B14F-4D97-AF65-F5344CB8AC3E}">
@@ -14320,10 +15494,14 @@
           <p:cNvPicPr>
             <a:picLocks noChangeAspect="1"/>
           </p:cNvPicPr>
-          <p:nvPr/>
+          <p:nvPr>
+            <p:custDataLst>
+              <p:tags r:id="rId1"/>
+            </p:custDataLst>
+          </p:nvPr>
         </p:nvPicPr>
         <p:blipFill rotWithShape="1">
-          <a:blip r:embed="rId2"/>
+          <a:blip r:embed="rId38"/>
           <a:srcRect b="74442"/>
           <a:stretch/>
         </p:blipFill>
@@ -14341,7 +15519,11 @@
         <p:nvGrpSpPr>
           <p:cNvPr id="25" name="Groupe 24"/>
           <p:cNvGrpSpPr/>
-          <p:nvPr/>
+          <p:nvPr>
+            <p:custDataLst>
+              <p:tags r:id="rId2"/>
+            </p:custDataLst>
+          </p:nvPr>
         </p:nvGrpSpPr>
         <p:grpSpPr>
           <a:xfrm>
@@ -14360,7 +15542,7 @@
             <p:nvPr/>
           </p:nvPicPr>
           <p:blipFill rotWithShape="1">
-            <a:blip r:embed="rId3"/>
+            <a:blip r:embed="rId39"/>
             <a:srcRect r="89350"/>
             <a:stretch/>
           </p:blipFill>
@@ -14383,7 +15565,7 @@
             <p:nvPr/>
           </p:nvPicPr>
           <p:blipFill rotWithShape="1">
-            <a:blip r:embed="rId4"/>
+            <a:blip r:embed="rId40"/>
             <a:srcRect t="87715"/>
             <a:stretch/>
           </p:blipFill>
@@ -14406,7 +15588,7 @@
             <p:nvPr/>
           </p:nvPicPr>
           <p:blipFill>
-            <a:blip r:embed="rId5"/>
+            <a:blip r:embed="rId41"/>
             <a:stretch>
               <a:fillRect/>
             </a:stretch>
@@ -14426,7 +15608,11 @@
         <p:nvSpPr>
           <p:cNvPr id="27" name="ZoneTexte 26"/>
           <p:cNvSpPr txBox="1"/>
-          <p:nvPr/>
+          <p:nvPr>
+            <p:custDataLst>
+              <p:tags r:id="rId3"/>
+            </p:custDataLst>
+          </p:nvPr>
         </p:nvSpPr>
         <p:spPr>
           <a:xfrm>
@@ -14466,10 +15652,14 @@
           <p:cNvPicPr>
             <a:picLocks noChangeAspect="1"/>
           </p:cNvPicPr>
-          <p:nvPr/>
+          <p:nvPr>
+            <p:custDataLst>
+              <p:tags r:id="rId4"/>
+            </p:custDataLst>
+          </p:nvPr>
         </p:nvPicPr>
         <p:blipFill>
-          <a:blip r:embed="rId6"/>
+          <a:blip r:embed="rId42"/>
           <a:stretch>
             <a:fillRect/>
           </a:stretch>
@@ -14490,10 +15680,14 @@
           <p:cNvPicPr>
             <a:picLocks noChangeAspect="1"/>
           </p:cNvPicPr>
-          <p:nvPr/>
+          <p:nvPr>
+            <p:custDataLst>
+              <p:tags r:id="rId5"/>
+            </p:custDataLst>
+          </p:nvPr>
         </p:nvPicPr>
         <p:blipFill rotWithShape="1">
-          <a:blip r:embed="rId7"/>
+          <a:blip r:embed="rId43"/>
           <a:srcRect l="53265" t="60683" r="5958" b="30747"/>
           <a:stretch/>
         </p:blipFill>
@@ -14511,7 +15705,11 @@
         <p:nvSpPr>
           <p:cNvPr id="44" name="ZoneTexte 43"/>
           <p:cNvSpPr txBox="1"/>
-          <p:nvPr/>
+          <p:nvPr>
+            <p:custDataLst>
+              <p:tags r:id="rId6"/>
+            </p:custDataLst>
+          </p:nvPr>
         </p:nvSpPr>
         <p:spPr>
           <a:xfrm>
@@ -14543,10 +15741,14 @@
           <p:cNvPicPr>
             <a:picLocks noChangeAspect="1"/>
           </p:cNvPicPr>
-          <p:nvPr/>
+          <p:nvPr>
+            <p:custDataLst>
+              <p:tags r:id="rId7"/>
+            </p:custDataLst>
+          </p:nvPr>
         </p:nvPicPr>
         <p:blipFill>
-          <a:blip r:embed="rId8"/>
+          <a:blip r:embed="rId44"/>
           <a:stretch>
             <a:fillRect/>
           </a:stretch>
@@ -14565,7 +15767,11 @@
         <p:nvSpPr>
           <p:cNvPr id="47" name="ZoneTexte 46"/>
           <p:cNvSpPr txBox="1"/>
-          <p:nvPr/>
+          <p:nvPr>
+            <p:custDataLst>
+              <p:tags r:id="rId8"/>
+            </p:custDataLst>
+          </p:nvPr>
         </p:nvSpPr>
         <p:spPr>
           <a:xfrm>
@@ -14595,7 +15801,11 @@
         <p:nvSpPr>
           <p:cNvPr id="49" name="ZoneTexte 48"/>
           <p:cNvSpPr txBox="1"/>
-          <p:nvPr/>
+          <p:nvPr>
+            <p:custDataLst>
+              <p:tags r:id="rId9"/>
+            </p:custDataLst>
+          </p:nvPr>
         </p:nvSpPr>
         <p:spPr>
           <a:xfrm>
@@ -14627,10 +15837,14 @@
           <p:cNvPicPr>
             <a:picLocks noChangeAspect="1"/>
           </p:cNvPicPr>
-          <p:nvPr/>
+          <p:nvPr>
+            <p:custDataLst>
+              <p:tags r:id="rId10"/>
+            </p:custDataLst>
+          </p:nvPr>
         </p:nvPicPr>
         <p:blipFill>
-          <a:blip r:embed="rId8"/>
+          <a:blip r:embed="rId44"/>
           <a:stretch>
             <a:fillRect/>
           </a:stretch>
@@ -14651,10 +15865,14 @@
           <p:cNvPicPr>
             <a:picLocks noChangeAspect="1"/>
           </p:cNvPicPr>
-          <p:nvPr/>
+          <p:nvPr>
+            <p:custDataLst>
+              <p:tags r:id="rId11"/>
+            </p:custDataLst>
+          </p:nvPr>
         </p:nvPicPr>
         <p:blipFill>
-          <a:blip r:embed="rId8"/>
+          <a:blip r:embed="rId44"/>
           <a:stretch>
             <a:fillRect/>
           </a:stretch>
@@ -14673,7 +15891,11 @@
         <p:nvSpPr>
           <p:cNvPr id="52" name="ZoneTexte 51"/>
           <p:cNvSpPr txBox="1"/>
-          <p:nvPr/>
+          <p:nvPr>
+            <p:custDataLst>
+              <p:tags r:id="rId12"/>
+            </p:custDataLst>
+          </p:nvPr>
         </p:nvSpPr>
         <p:spPr>
           <a:xfrm>
@@ -14705,10 +15927,14 @@
           <p:cNvPicPr>
             <a:picLocks noChangeAspect="1"/>
           </p:cNvPicPr>
-          <p:nvPr/>
+          <p:nvPr>
+            <p:custDataLst>
+              <p:tags r:id="rId13"/>
+            </p:custDataLst>
+          </p:nvPr>
         </p:nvPicPr>
         <p:blipFill>
-          <a:blip r:embed="rId8"/>
+          <a:blip r:embed="rId44"/>
           <a:stretch>
             <a:fillRect/>
           </a:stretch>
@@ -14729,10 +15955,14 @@
           <p:cNvPicPr>
             <a:picLocks noChangeAspect="1"/>
           </p:cNvPicPr>
-          <p:nvPr/>
+          <p:nvPr>
+            <p:custDataLst>
+              <p:tags r:id="rId14"/>
+            </p:custDataLst>
+          </p:nvPr>
         </p:nvPicPr>
         <p:blipFill>
-          <a:blip r:embed="rId8"/>
+          <a:blip r:embed="rId44"/>
           <a:stretch>
             <a:fillRect/>
           </a:stretch>
@@ -14751,7 +15981,11 @@
         <p:nvSpPr>
           <p:cNvPr id="55" name="ZoneTexte 54"/>
           <p:cNvSpPr txBox="1"/>
-          <p:nvPr/>
+          <p:nvPr>
+            <p:custDataLst>
+              <p:tags r:id="rId15"/>
+            </p:custDataLst>
+          </p:nvPr>
         </p:nvSpPr>
         <p:spPr>
           <a:xfrm>
@@ -14783,10 +16017,14 @@
           <p:cNvPicPr>
             <a:picLocks noChangeAspect="1"/>
           </p:cNvPicPr>
-          <p:nvPr/>
+          <p:nvPr>
+            <p:custDataLst>
+              <p:tags r:id="rId16"/>
+            </p:custDataLst>
+          </p:nvPr>
         </p:nvPicPr>
         <p:blipFill rotWithShape="1">
-          <a:blip r:embed="rId9"/>
+          <a:blip r:embed="rId45"/>
           <a:srcRect r="10325" b="8565"/>
           <a:stretch/>
         </p:blipFill>
@@ -14804,7 +16042,11 @@
         <p:nvSpPr>
           <p:cNvPr id="58" name="ZoneTexte 57"/>
           <p:cNvSpPr txBox="1"/>
-          <p:nvPr/>
+          <p:nvPr>
+            <p:custDataLst>
+              <p:tags r:id="rId17"/>
+            </p:custDataLst>
+          </p:nvPr>
         </p:nvSpPr>
         <p:spPr>
           <a:xfrm>
@@ -14836,10 +16078,14 @@
           <p:cNvPicPr>
             <a:picLocks noChangeAspect="1"/>
           </p:cNvPicPr>
-          <p:nvPr/>
+          <p:nvPr>
+            <p:custDataLst>
+              <p:tags r:id="rId18"/>
+            </p:custDataLst>
+          </p:nvPr>
         </p:nvPicPr>
         <p:blipFill rotWithShape="1">
-          <a:blip r:embed="rId9"/>
+          <a:blip r:embed="rId45"/>
           <a:srcRect r="10325" b="8565"/>
           <a:stretch/>
         </p:blipFill>
@@ -14857,7 +16103,11 @@
         <p:nvSpPr>
           <p:cNvPr id="60" name="ZoneTexte 59"/>
           <p:cNvSpPr txBox="1"/>
-          <p:nvPr/>
+          <p:nvPr>
+            <p:custDataLst>
+              <p:tags r:id="rId19"/>
+            </p:custDataLst>
+          </p:nvPr>
         </p:nvSpPr>
         <p:spPr>
           <a:xfrm>
@@ -14889,10 +16139,14 @@
           <p:cNvPicPr>
             <a:picLocks noChangeAspect="1"/>
           </p:cNvPicPr>
-          <p:nvPr/>
+          <p:nvPr>
+            <p:custDataLst>
+              <p:tags r:id="rId20"/>
+            </p:custDataLst>
+          </p:nvPr>
         </p:nvPicPr>
         <p:blipFill rotWithShape="1">
-          <a:blip r:embed="rId9"/>
+          <a:blip r:embed="rId45"/>
           <a:srcRect r="10325" b="8565"/>
           <a:stretch/>
         </p:blipFill>
@@ -14910,7 +16164,11 @@
         <p:nvSpPr>
           <p:cNvPr id="63" name="ZoneTexte 62"/>
           <p:cNvSpPr txBox="1"/>
-          <p:nvPr/>
+          <p:nvPr>
+            <p:custDataLst>
+              <p:tags r:id="rId21"/>
+            </p:custDataLst>
+          </p:nvPr>
         </p:nvSpPr>
         <p:spPr>
           <a:xfrm>
@@ -14942,10 +16200,14 @@
           <p:cNvPicPr>
             <a:picLocks noChangeAspect="1"/>
           </p:cNvPicPr>
-          <p:nvPr/>
+          <p:nvPr>
+            <p:custDataLst>
+              <p:tags r:id="rId22"/>
+            </p:custDataLst>
+          </p:nvPr>
         </p:nvPicPr>
         <p:blipFill rotWithShape="1">
-          <a:blip r:embed="rId9"/>
+          <a:blip r:embed="rId45"/>
           <a:srcRect r="10325" b="8565"/>
           <a:stretch/>
         </p:blipFill>
@@ -14963,12 +16225,16 @@
         <p:nvSpPr>
           <p:cNvPr id="65" name="ZoneTexte 64"/>
           <p:cNvSpPr txBox="1"/>
-          <p:nvPr/>
+          <p:nvPr>
+            <p:custDataLst>
+              <p:tags r:id="rId23"/>
+            </p:custDataLst>
+          </p:nvPr>
         </p:nvSpPr>
         <p:spPr>
           <a:xfrm>
-            <a:off x="4056611" y="5632023"/>
-            <a:ext cx="1143242" cy="338554"/>
+            <a:off x="4536631" y="5632023"/>
+            <a:ext cx="663222" cy="338554"/>
           </a:xfrm>
           <a:prstGeom prst="rect">
             <a:avLst/>
@@ -14983,7 +16249,7 @@
           <a:p>
             <a:r>
               <a:rPr lang="fr-CA" sz="1600" dirty="0" smtClean="0"/>
-              <a:t>Disponible:</a:t>
+              <a:t>Actif:</a:t>
             </a:r>
             <a:endParaRPr lang="fr-CA" sz="1600" dirty="0"/>
           </a:p>
@@ -14995,10 +16261,14 @@
           <p:cNvPicPr>
             <a:picLocks noChangeAspect="1"/>
           </p:cNvPicPr>
-          <p:nvPr/>
+          <p:nvPr>
+            <p:custDataLst>
+              <p:tags r:id="rId24"/>
+            </p:custDataLst>
+          </p:nvPr>
         </p:nvPicPr>
         <p:blipFill>
-          <a:blip r:embed="rId10">
+          <a:blip r:embed="rId46">
             <a:duotone>
               <a:schemeClr val="accent3">
                 <a:shade val="45000"/>
@@ -15026,7 +16296,11 @@
         <p:nvSpPr>
           <p:cNvPr id="32" name="ZoneTexte 31"/>
           <p:cNvSpPr txBox="1"/>
-          <p:nvPr/>
+          <p:nvPr>
+            <p:custDataLst>
+              <p:tags r:id="rId25"/>
+            </p:custDataLst>
+          </p:nvPr>
         </p:nvSpPr>
         <p:spPr>
           <a:xfrm>
@@ -15052,40 +16326,20 @@
           </a:p>
         </p:txBody>
       </p:sp>
-      <p:pic>
-        <p:nvPicPr>
-          <p:cNvPr id="4" name="Image 3"/>
-          <p:cNvPicPr>
-            <a:picLocks noChangeAspect="1"/>
-          </p:cNvPicPr>
-          <p:nvPr/>
-        </p:nvPicPr>
-        <p:blipFill>
-          <a:blip r:embed="rId11"/>
-          <a:stretch>
-            <a:fillRect/>
-          </a:stretch>
-        </p:blipFill>
-        <p:spPr>
-          <a:xfrm>
-            <a:off x="5348036" y="5654156"/>
-            <a:ext cx="1257475" cy="314369"/>
-          </a:xfrm>
-          <a:prstGeom prst="rect">
-            <a:avLst/>
-          </a:prstGeom>
-        </p:spPr>
-      </p:pic>
       <p:pic>
         <p:nvPicPr>
           <p:cNvPr id="7" name="Image 6"/>
           <p:cNvPicPr>
             <a:picLocks noChangeAspect="1"/>
           </p:cNvPicPr>
-          <p:nvPr/>
+          <p:nvPr>
+            <p:custDataLst>
+              <p:tags r:id="rId26"/>
+            </p:custDataLst>
+          </p:nvPr>
         </p:nvPicPr>
         <p:blipFill rotWithShape="1">
-          <a:blip r:embed="rId12"/>
+          <a:blip r:embed="rId47"/>
           <a:srcRect t="18093" r="9553"/>
           <a:stretch/>
         </p:blipFill>
@@ -15105,10 +16359,14 @@
           <p:cNvPicPr>
             <a:picLocks noChangeAspect="1"/>
           </p:cNvPicPr>
-          <p:nvPr/>
+          <p:nvPr>
+            <p:custDataLst>
+              <p:tags r:id="rId27"/>
+            </p:custDataLst>
+          </p:nvPr>
         </p:nvPicPr>
         <p:blipFill rotWithShape="1">
-          <a:blip r:embed="rId12"/>
+          <a:blip r:embed="rId47"/>
           <a:srcRect t="18093" r="9553"/>
           <a:stretch/>
         </p:blipFill>
@@ -15128,10 +16386,14 @@
           <p:cNvPicPr>
             <a:picLocks noChangeAspect="1"/>
           </p:cNvPicPr>
-          <p:nvPr/>
+          <p:nvPr>
+            <p:custDataLst>
+              <p:tags r:id="rId28"/>
+            </p:custDataLst>
+          </p:nvPr>
         </p:nvPicPr>
         <p:blipFill rotWithShape="1">
-          <a:blip r:embed="rId12"/>
+          <a:blip r:embed="rId47"/>
           <a:srcRect t="18093" r="9553"/>
           <a:stretch/>
         </p:blipFill>
@@ -15149,7 +16411,11 @@
         <p:nvCxnSpPr>
           <p:cNvPr id="10" name="Connecteur droit avec flèche 9"/>
           <p:cNvCxnSpPr/>
-          <p:nvPr/>
+          <p:nvPr>
+            <p:custDataLst>
+              <p:tags r:id="rId29"/>
+            </p:custDataLst>
+          </p:nvPr>
         </p:nvCxnSpPr>
         <p:spPr>
           <a:xfrm flipH="1">
@@ -15189,10 +16455,14 @@
           <p:cNvPicPr>
             <a:picLocks noChangeAspect="1"/>
           </p:cNvPicPr>
-          <p:nvPr/>
+          <p:nvPr>
+            <p:custDataLst>
+              <p:tags r:id="rId30"/>
+            </p:custDataLst>
+          </p:nvPr>
         </p:nvPicPr>
         <p:blipFill>
-          <a:blip r:embed="rId13" cstate="print">
+          <a:blip r:embed="rId48" cstate="print">
             <a:extLst>
               <a:ext uri="{28A0092B-C50C-407E-A947-70E740481C1C}">
                 <a14:useLocalDpi xmlns:a14="http://schemas.microsoft.com/office/drawing/2010/main" val="0"/>
@@ -15217,7 +16487,11 @@
         <p:nvCxnSpPr>
           <p:cNvPr id="46" name="Connecteur droit avec flèche 45"/>
           <p:cNvCxnSpPr/>
-          <p:nvPr/>
+          <p:nvPr>
+            <p:custDataLst>
+              <p:tags r:id="rId31"/>
+            </p:custDataLst>
+          </p:nvPr>
         </p:nvCxnSpPr>
         <p:spPr>
           <a:xfrm flipH="1">
@@ -15257,10 +16531,14 @@
           <p:cNvPicPr>
             <a:picLocks noChangeAspect="1"/>
           </p:cNvPicPr>
-          <p:nvPr/>
+          <p:nvPr>
+            <p:custDataLst>
+              <p:tags r:id="rId32"/>
+            </p:custDataLst>
+          </p:nvPr>
         </p:nvPicPr>
         <p:blipFill>
-          <a:blip r:embed="rId14"/>
+          <a:blip r:embed="rId49"/>
           <a:stretch>
             <a:fillRect/>
           </a:stretch>
@@ -15281,10 +16559,14 @@
           <p:cNvPicPr>
             <a:picLocks noChangeAspect="1"/>
           </p:cNvPicPr>
-          <p:nvPr/>
+          <p:nvPr>
+            <p:custDataLst>
+              <p:tags r:id="rId33"/>
+            </p:custDataLst>
+          </p:nvPr>
         </p:nvPicPr>
         <p:blipFill>
-          <a:blip r:embed="rId15"/>
+          <a:blip r:embed="rId50"/>
           <a:stretch>
             <a:fillRect/>
           </a:stretch>
@@ -15303,7 +16585,11 @@
         <p:nvCxnSpPr>
           <p:cNvPr id="43" name="Connecteur droit avec flèche 42"/>
           <p:cNvCxnSpPr/>
-          <p:nvPr/>
+          <p:nvPr>
+            <p:custDataLst>
+              <p:tags r:id="rId34"/>
+            </p:custDataLst>
+          </p:nvPr>
         </p:nvCxnSpPr>
         <p:spPr>
           <a:xfrm flipH="1" flipV="1">
@@ -15341,7 +16627,11 @@
         <p:nvSpPr>
           <p:cNvPr id="48" name="ZoneTexte 47"/>
           <p:cNvSpPr txBox="1"/>
-          <p:nvPr/>
+          <p:nvPr>
+            <p:custDataLst>
+              <p:tags r:id="rId35"/>
+            </p:custDataLst>
+          </p:nvPr>
         </p:nvSpPr>
         <p:spPr>
           <a:xfrm>
@@ -15375,7 +16665,11 @@
         <p:nvSpPr>
           <p:cNvPr id="56" name="ZoneTexte 55"/>
           <p:cNvSpPr txBox="1"/>
-          <p:nvPr/>
+          <p:nvPr>
+            <p:custDataLst>
+              <p:tags r:id="rId36"/>
+            </p:custDataLst>
+          </p:nvPr>
         </p:nvSpPr>
         <p:spPr>
           <a:xfrm>
@@ -15401,6 +16695,30 @@
           </a:p>
         </p:txBody>
       </p:sp>
+      <p:pic>
+        <p:nvPicPr>
+          <p:cNvPr id="6" name="Image 5"/>
+          <p:cNvPicPr>
+            <a:picLocks noChangeAspect="1"/>
+          </p:cNvPicPr>
+          <p:nvPr/>
+        </p:nvPicPr>
+        <p:blipFill>
+          <a:blip r:embed="rId51"/>
+          <a:stretch>
+            <a:fillRect/>
+          </a:stretch>
+        </p:blipFill>
+        <p:spPr>
+          <a:xfrm>
+            <a:off x="5343440" y="5704531"/>
+            <a:ext cx="1219370" cy="209579"/>
+          </a:xfrm>
+          <a:prstGeom prst="rect">
+            <a:avLst/>
+          </a:prstGeom>
+        </p:spPr>
+      </p:pic>
     </p:spTree>
     <p:extLst>
       <p:ext uri="{BB962C8B-B14F-4D97-AF65-F5344CB8AC3E}">
@@ -15444,10 +16762,14 @@
           <p:cNvPicPr>
             <a:picLocks noChangeAspect="1"/>
           </p:cNvPicPr>
-          <p:nvPr/>
+          <p:nvPr>
+            <p:custDataLst>
+              <p:tags r:id="rId1"/>
+            </p:custDataLst>
+          </p:nvPr>
         </p:nvPicPr>
         <p:blipFill rotWithShape="1">
-          <a:blip r:embed="rId2"/>
+          <a:blip r:embed="rId41"/>
           <a:srcRect b="74442"/>
           <a:stretch/>
         </p:blipFill>
@@ -15465,7 +16787,11 @@
         <p:nvGrpSpPr>
           <p:cNvPr id="25" name="Groupe 24"/>
           <p:cNvGrpSpPr/>
-          <p:nvPr/>
+          <p:nvPr>
+            <p:custDataLst>
+              <p:tags r:id="rId2"/>
+            </p:custDataLst>
+          </p:nvPr>
         </p:nvGrpSpPr>
         <p:grpSpPr>
           <a:xfrm>
@@ -15484,7 +16810,7 @@
             <p:nvPr/>
           </p:nvPicPr>
           <p:blipFill rotWithShape="1">
-            <a:blip r:embed="rId3"/>
+            <a:blip r:embed="rId42"/>
             <a:srcRect r="89350"/>
             <a:stretch/>
           </p:blipFill>
@@ -15507,7 +16833,7 @@
             <p:nvPr/>
           </p:nvPicPr>
           <p:blipFill rotWithShape="1">
-            <a:blip r:embed="rId4"/>
+            <a:blip r:embed="rId43"/>
             <a:srcRect t="87715"/>
             <a:stretch/>
           </p:blipFill>
@@ -15530,7 +16856,7 @@
             <p:nvPr/>
           </p:nvPicPr>
           <p:blipFill>
-            <a:blip r:embed="rId5"/>
+            <a:blip r:embed="rId44"/>
             <a:stretch>
               <a:fillRect/>
             </a:stretch>
@@ -15550,7 +16876,11 @@
         <p:nvSpPr>
           <p:cNvPr id="27" name="ZoneTexte 26"/>
           <p:cNvSpPr txBox="1"/>
-          <p:nvPr/>
+          <p:nvPr>
+            <p:custDataLst>
+              <p:tags r:id="rId3"/>
+            </p:custDataLst>
+          </p:nvPr>
         </p:nvSpPr>
         <p:spPr>
           <a:xfrm>
@@ -15590,10 +16920,14 @@
           <p:cNvPicPr>
             <a:picLocks noChangeAspect="1"/>
           </p:cNvPicPr>
-          <p:nvPr/>
+          <p:nvPr>
+            <p:custDataLst>
+              <p:tags r:id="rId4"/>
+            </p:custDataLst>
+          </p:nvPr>
         </p:nvPicPr>
         <p:blipFill>
-          <a:blip r:embed="rId6"/>
+          <a:blip r:embed="rId45"/>
           <a:stretch>
             <a:fillRect/>
           </a:stretch>
@@ -15614,10 +16948,14 @@
           <p:cNvPicPr>
             <a:picLocks noChangeAspect="1"/>
           </p:cNvPicPr>
-          <p:nvPr/>
+          <p:nvPr>
+            <p:custDataLst>
+              <p:tags r:id="rId5"/>
+            </p:custDataLst>
+          </p:nvPr>
         </p:nvPicPr>
         <p:blipFill rotWithShape="1">
-          <a:blip r:embed="rId7"/>
+          <a:blip r:embed="rId46"/>
           <a:srcRect l="53265" t="60683" r="5958" b="30747"/>
           <a:stretch/>
         </p:blipFill>
@@ -15635,7 +16973,11 @@
         <p:nvSpPr>
           <p:cNvPr id="44" name="ZoneTexte 43"/>
           <p:cNvSpPr txBox="1"/>
-          <p:nvPr/>
+          <p:nvPr>
+            <p:custDataLst>
+              <p:tags r:id="rId6"/>
+            </p:custDataLst>
+          </p:nvPr>
         </p:nvSpPr>
         <p:spPr>
           <a:xfrm>
@@ -15667,10 +17009,14 @@
           <p:cNvPicPr>
             <a:picLocks noChangeAspect="1"/>
           </p:cNvPicPr>
-          <p:nvPr/>
+          <p:nvPr>
+            <p:custDataLst>
+              <p:tags r:id="rId7"/>
+            </p:custDataLst>
+          </p:nvPr>
         </p:nvPicPr>
         <p:blipFill>
-          <a:blip r:embed="rId8"/>
+          <a:blip r:embed="rId47"/>
           <a:stretch>
             <a:fillRect/>
           </a:stretch>
@@ -15689,7 +17035,11 @@
         <p:nvSpPr>
           <p:cNvPr id="47" name="ZoneTexte 46"/>
           <p:cNvSpPr txBox="1"/>
-          <p:nvPr/>
+          <p:nvPr>
+            <p:custDataLst>
+              <p:tags r:id="rId8"/>
+            </p:custDataLst>
+          </p:nvPr>
         </p:nvSpPr>
         <p:spPr>
           <a:xfrm>
@@ -15719,7 +17069,11 @@
         <p:nvSpPr>
           <p:cNvPr id="49" name="ZoneTexte 48"/>
           <p:cNvSpPr txBox="1"/>
-          <p:nvPr/>
+          <p:nvPr>
+            <p:custDataLst>
+              <p:tags r:id="rId9"/>
+            </p:custDataLst>
+          </p:nvPr>
         </p:nvSpPr>
         <p:spPr>
           <a:xfrm>
@@ -15751,10 +17105,14 @@
           <p:cNvPicPr>
             <a:picLocks noChangeAspect="1"/>
           </p:cNvPicPr>
-          <p:nvPr/>
+          <p:nvPr>
+            <p:custDataLst>
+              <p:tags r:id="rId10"/>
+            </p:custDataLst>
+          </p:nvPr>
         </p:nvPicPr>
         <p:blipFill>
-          <a:blip r:embed="rId8"/>
+          <a:blip r:embed="rId47"/>
           <a:stretch>
             <a:fillRect/>
           </a:stretch>
@@ -15775,10 +17133,14 @@
           <p:cNvPicPr>
             <a:picLocks noChangeAspect="1"/>
           </p:cNvPicPr>
-          <p:nvPr/>
+          <p:nvPr>
+            <p:custDataLst>
+              <p:tags r:id="rId11"/>
+            </p:custDataLst>
+          </p:nvPr>
         </p:nvPicPr>
         <p:blipFill>
-          <a:blip r:embed="rId8"/>
+          <a:blip r:embed="rId47"/>
           <a:stretch>
             <a:fillRect/>
           </a:stretch>
@@ -15797,7 +17159,11 @@
         <p:nvSpPr>
           <p:cNvPr id="52" name="ZoneTexte 51"/>
           <p:cNvSpPr txBox="1"/>
-          <p:nvPr/>
+          <p:nvPr>
+            <p:custDataLst>
+              <p:tags r:id="rId12"/>
+            </p:custDataLst>
+          </p:nvPr>
         </p:nvSpPr>
         <p:spPr>
           <a:xfrm>
@@ -15829,10 +17195,14 @@
           <p:cNvPicPr>
             <a:picLocks noChangeAspect="1"/>
           </p:cNvPicPr>
-          <p:nvPr/>
+          <p:nvPr>
+            <p:custDataLst>
+              <p:tags r:id="rId13"/>
+            </p:custDataLst>
+          </p:nvPr>
         </p:nvPicPr>
         <p:blipFill>
-          <a:blip r:embed="rId8"/>
+          <a:blip r:embed="rId47"/>
           <a:stretch>
             <a:fillRect/>
           </a:stretch>
@@ -15853,10 +17223,14 @@
           <p:cNvPicPr>
             <a:picLocks noChangeAspect="1"/>
           </p:cNvPicPr>
-          <p:nvPr/>
+          <p:nvPr>
+            <p:custDataLst>
+              <p:tags r:id="rId14"/>
+            </p:custDataLst>
+          </p:nvPr>
         </p:nvPicPr>
         <p:blipFill>
-          <a:blip r:embed="rId8"/>
+          <a:blip r:embed="rId47"/>
           <a:stretch>
             <a:fillRect/>
           </a:stretch>
@@ -15875,7 +17249,11 @@
         <p:nvSpPr>
           <p:cNvPr id="55" name="ZoneTexte 54"/>
           <p:cNvSpPr txBox="1"/>
-          <p:nvPr/>
+          <p:nvPr>
+            <p:custDataLst>
+              <p:tags r:id="rId15"/>
+            </p:custDataLst>
+          </p:nvPr>
         </p:nvSpPr>
         <p:spPr>
           <a:xfrm>
@@ -15907,10 +17285,14 @@
           <p:cNvPicPr>
             <a:picLocks noChangeAspect="1"/>
           </p:cNvPicPr>
-          <p:nvPr/>
+          <p:nvPr>
+            <p:custDataLst>
+              <p:tags r:id="rId16"/>
+            </p:custDataLst>
+          </p:nvPr>
         </p:nvPicPr>
         <p:blipFill rotWithShape="1">
-          <a:blip r:embed="rId9"/>
+          <a:blip r:embed="rId48"/>
           <a:srcRect r="10325" b="8565"/>
           <a:stretch/>
         </p:blipFill>
@@ -15928,7 +17310,11 @@
         <p:nvSpPr>
           <p:cNvPr id="58" name="ZoneTexte 57"/>
           <p:cNvSpPr txBox="1"/>
-          <p:nvPr/>
+          <p:nvPr>
+            <p:custDataLst>
+              <p:tags r:id="rId17"/>
+            </p:custDataLst>
+          </p:nvPr>
         </p:nvSpPr>
         <p:spPr>
           <a:xfrm>
@@ -15960,10 +17346,14 @@
           <p:cNvPicPr>
             <a:picLocks noChangeAspect="1"/>
           </p:cNvPicPr>
-          <p:nvPr/>
+          <p:nvPr>
+            <p:custDataLst>
+              <p:tags r:id="rId18"/>
+            </p:custDataLst>
+          </p:nvPr>
         </p:nvPicPr>
         <p:blipFill rotWithShape="1">
-          <a:blip r:embed="rId9"/>
+          <a:blip r:embed="rId48"/>
           <a:srcRect r="10325" b="8565"/>
           <a:stretch/>
         </p:blipFill>
@@ -15981,7 +17371,11 @@
         <p:nvSpPr>
           <p:cNvPr id="60" name="ZoneTexte 59"/>
           <p:cNvSpPr txBox="1"/>
-          <p:nvPr/>
+          <p:nvPr>
+            <p:custDataLst>
+              <p:tags r:id="rId19"/>
+            </p:custDataLst>
+          </p:nvPr>
         </p:nvSpPr>
         <p:spPr>
           <a:xfrm>
@@ -16013,10 +17407,14 @@
           <p:cNvPicPr>
             <a:picLocks noChangeAspect="1"/>
           </p:cNvPicPr>
-          <p:nvPr/>
+          <p:nvPr>
+            <p:custDataLst>
+              <p:tags r:id="rId20"/>
+            </p:custDataLst>
+          </p:nvPr>
         </p:nvPicPr>
         <p:blipFill rotWithShape="1">
-          <a:blip r:embed="rId9"/>
+          <a:blip r:embed="rId48"/>
           <a:srcRect r="10325" b="8565"/>
           <a:stretch/>
         </p:blipFill>
@@ -16034,7 +17432,11 @@
         <p:nvSpPr>
           <p:cNvPr id="63" name="ZoneTexte 62"/>
           <p:cNvSpPr txBox="1"/>
-          <p:nvPr/>
+          <p:nvPr>
+            <p:custDataLst>
+              <p:tags r:id="rId21"/>
+            </p:custDataLst>
+          </p:nvPr>
         </p:nvSpPr>
         <p:spPr>
           <a:xfrm>
@@ -16066,10 +17468,14 @@
           <p:cNvPicPr>
             <a:picLocks noChangeAspect="1"/>
           </p:cNvPicPr>
-          <p:nvPr/>
+          <p:nvPr>
+            <p:custDataLst>
+              <p:tags r:id="rId22"/>
+            </p:custDataLst>
+          </p:nvPr>
         </p:nvPicPr>
         <p:blipFill rotWithShape="1">
-          <a:blip r:embed="rId9"/>
+          <a:blip r:embed="rId48"/>
           <a:srcRect r="10325" b="8565"/>
           <a:stretch/>
         </p:blipFill>
@@ -16089,10 +17495,14 @@
           <p:cNvPicPr>
             <a:picLocks noChangeAspect="1"/>
           </p:cNvPicPr>
-          <p:nvPr/>
+          <p:nvPr>
+            <p:custDataLst>
+              <p:tags r:id="rId23"/>
+            </p:custDataLst>
+          </p:nvPr>
         </p:nvPicPr>
         <p:blipFill>
-          <a:blip r:embed="rId10">
+          <a:blip r:embed="rId49">
             <a:duotone>
               <a:schemeClr val="accent3">
                 <a:shade val="45000"/>
@@ -16120,7 +17530,11 @@
         <p:nvSpPr>
           <p:cNvPr id="32" name="ZoneTexte 31"/>
           <p:cNvSpPr txBox="1"/>
-          <p:nvPr/>
+          <p:nvPr>
+            <p:custDataLst>
+              <p:tags r:id="rId24"/>
+            </p:custDataLst>
+          </p:nvPr>
         </p:nvSpPr>
         <p:spPr>
           <a:xfrm>
@@ -16152,10 +17566,14 @@
           <p:cNvPicPr>
             <a:picLocks noChangeAspect="1"/>
           </p:cNvPicPr>
-          <p:nvPr/>
+          <p:nvPr>
+            <p:custDataLst>
+              <p:tags r:id="rId25"/>
+            </p:custDataLst>
+          </p:nvPr>
         </p:nvPicPr>
         <p:blipFill>
-          <a:blip r:embed="rId11"/>
+          <a:blip r:embed="rId50"/>
           <a:stretch>
             <a:fillRect/>
           </a:stretch>
@@ -16174,7 +17592,11 @@
         <p:nvSpPr>
           <p:cNvPr id="41" name="ZoneTexte 40"/>
           <p:cNvSpPr txBox="1"/>
-          <p:nvPr/>
+          <p:nvPr>
+            <p:custDataLst>
+              <p:tags r:id="rId26"/>
+            </p:custDataLst>
+          </p:nvPr>
         </p:nvSpPr>
         <p:spPr>
           <a:xfrm>
@@ -16216,7 +17638,11 @@
         <p:nvSpPr>
           <p:cNvPr id="43" name="ZoneTexte 42"/>
           <p:cNvSpPr txBox="1"/>
-          <p:nvPr/>
+          <p:nvPr>
+            <p:custDataLst>
+              <p:tags r:id="rId27"/>
+            </p:custDataLst>
+          </p:nvPr>
         </p:nvSpPr>
         <p:spPr>
           <a:xfrm>
@@ -16258,7 +17684,11 @@
         <p:nvSpPr>
           <p:cNvPr id="48" name="ZoneTexte 47"/>
           <p:cNvSpPr txBox="1"/>
-          <p:nvPr/>
+          <p:nvPr>
+            <p:custDataLst>
+              <p:tags r:id="rId28"/>
+            </p:custDataLst>
+          </p:nvPr>
         </p:nvSpPr>
         <p:spPr>
           <a:xfrm>
@@ -16300,7 +17730,11 @@
         <p:nvSpPr>
           <p:cNvPr id="56" name="ZoneTexte 55"/>
           <p:cNvSpPr txBox="1"/>
-          <p:nvPr/>
+          <p:nvPr>
+            <p:custDataLst>
+              <p:tags r:id="rId29"/>
+            </p:custDataLst>
+          </p:nvPr>
         </p:nvSpPr>
         <p:spPr>
           <a:xfrm>
@@ -16342,7 +17776,11 @@
         <p:nvSpPr>
           <p:cNvPr id="61" name="ZoneTexte 60"/>
           <p:cNvSpPr txBox="1"/>
-          <p:nvPr/>
+          <p:nvPr>
+            <p:custDataLst>
+              <p:tags r:id="rId30"/>
+            </p:custDataLst>
+          </p:nvPr>
         </p:nvSpPr>
         <p:spPr>
           <a:xfrm>
@@ -16384,7 +17822,11 @@
         <p:nvSpPr>
           <p:cNvPr id="66" name="ZoneTexte 65"/>
           <p:cNvSpPr txBox="1"/>
-          <p:nvPr/>
+          <p:nvPr>
+            <p:custDataLst>
+              <p:tags r:id="rId31"/>
+            </p:custDataLst>
+          </p:nvPr>
         </p:nvSpPr>
         <p:spPr>
           <a:xfrm>
@@ -16426,7 +17868,11 @@
         <p:nvSpPr>
           <p:cNvPr id="67" name="ZoneTexte 66"/>
           <p:cNvSpPr txBox="1"/>
-          <p:nvPr/>
+          <p:nvPr>
+            <p:custDataLst>
+              <p:tags r:id="rId32"/>
+            </p:custDataLst>
+          </p:nvPr>
         </p:nvSpPr>
         <p:spPr>
           <a:xfrm>
@@ -16468,7 +17914,11 @@
         <p:nvSpPr>
           <p:cNvPr id="68" name="ZoneTexte 67"/>
           <p:cNvSpPr txBox="1"/>
-          <p:nvPr/>
+          <p:nvPr>
+            <p:custDataLst>
+              <p:tags r:id="rId33"/>
+            </p:custDataLst>
+          </p:nvPr>
         </p:nvSpPr>
         <p:spPr>
           <a:xfrm>
@@ -16510,7 +17960,11 @@
         <p:nvSpPr>
           <p:cNvPr id="69" name="ZoneTexte 68"/>
           <p:cNvSpPr txBox="1"/>
-          <p:nvPr/>
+          <p:nvPr>
+            <p:custDataLst>
+              <p:tags r:id="rId34"/>
+            </p:custDataLst>
+          </p:nvPr>
         </p:nvSpPr>
         <p:spPr>
           <a:xfrm>
@@ -16554,10 +18008,14 @@
           <p:cNvPicPr>
             <a:picLocks noChangeAspect="1"/>
           </p:cNvPicPr>
-          <p:nvPr/>
+          <p:nvPr>
+            <p:custDataLst>
+              <p:tags r:id="rId35"/>
+            </p:custDataLst>
+          </p:nvPr>
         </p:nvPicPr>
         <p:blipFill>
-          <a:blip r:embed="rId12"/>
+          <a:blip r:embed="rId51"/>
           <a:stretch>
             <a:fillRect/>
           </a:stretch>
@@ -16578,10 +18036,14 @@
           <p:cNvPicPr>
             <a:picLocks noChangeAspect="1"/>
           </p:cNvPicPr>
-          <p:nvPr/>
+          <p:nvPr>
+            <p:custDataLst>
+              <p:tags r:id="rId36"/>
+            </p:custDataLst>
+          </p:nvPr>
         </p:nvPicPr>
         <p:blipFill>
-          <a:blip r:embed="rId13"/>
+          <a:blip r:embed="rId52"/>
           <a:stretch>
             <a:fillRect/>
           </a:stretch>
@@ -16600,7 +18062,11 @@
         <p:nvSpPr>
           <p:cNvPr id="70" name="ZoneTexte 69"/>
           <p:cNvSpPr txBox="1"/>
-          <p:nvPr/>
+          <p:nvPr>
+            <p:custDataLst>
+              <p:tags r:id="rId37"/>
+            </p:custDataLst>
+          </p:nvPr>
         </p:nvSpPr>
         <p:spPr>
           <a:xfrm>
@@ -16633,7 +18099,11 @@
             <a:stCxn id="70" idx="1"/>
             <a:endCxn id="46" idx="0"/>
           </p:cNvCxnSpPr>
-          <p:nvPr/>
+          <p:nvPr>
+            <p:custDataLst>
+              <p:tags r:id="rId38"/>
+            </p:custDataLst>
+          </p:nvPr>
         </p:nvCxnSpPr>
         <p:spPr>
           <a:xfrm rot="10800000" flipV="1">
@@ -16674,7 +18144,11 @@
             <a:stCxn id="70" idx="1"/>
             <a:endCxn id="8" idx="0"/>
           </p:cNvCxnSpPr>
-          <p:nvPr/>
+          <p:nvPr>
+            <p:custDataLst>
+              <p:tags r:id="rId39"/>
+            </p:custDataLst>
+          </p:nvPr>
         </p:nvCxnSpPr>
         <p:spPr>
           <a:xfrm rot="10800000" flipV="1">
@@ -16751,10 +18225,14 @@
           <p:cNvPicPr>
             <a:picLocks noChangeAspect="1"/>
           </p:cNvPicPr>
-          <p:nvPr/>
+          <p:nvPr>
+            <p:custDataLst>
+              <p:tags r:id="rId1"/>
+            </p:custDataLst>
+          </p:nvPr>
         </p:nvPicPr>
         <p:blipFill rotWithShape="1">
-          <a:blip r:embed="rId2"/>
+          <a:blip r:embed="rId31"/>
           <a:srcRect b="74442"/>
           <a:stretch/>
         </p:blipFill>
@@ -16772,7 +18250,11 @@
         <p:nvGrpSpPr>
           <p:cNvPr id="25" name="Groupe 24"/>
           <p:cNvGrpSpPr/>
-          <p:nvPr/>
+          <p:nvPr>
+            <p:custDataLst>
+              <p:tags r:id="rId2"/>
+            </p:custDataLst>
+          </p:nvPr>
         </p:nvGrpSpPr>
         <p:grpSpPr>
           <a:xfrm>
@@ -16791,7 +18273,7 @@
             <p:nvPr/>
           </p:nvPicPr>
           <p:blipFill rotWithShape="1">
-            <a:blip r:embed="rId3"/>
+            <a:blip r:embed="rId32"/>
             <a:srcRect r="89350"/>
             <a:stretch/>
           </p:blipFill>
@@ -16814,7 +18296,7 @@
             <p:nvPr/>
           </p:nvPicPr>
           <p:blipFill rotWithShape="1">
-            <a:blip r:embed="rId4"/>
+            <a:blip r:embed="rId33"/>
             <a:srcRect t="87715"/>
             <a:stretch/>
           </p:blipFill>
@@ -16837,7 +18319,7 @@
             <p:nvPr/>
           </p:nvPicPr>
           <p:blipFill>
-            <a:blip r:embed="rId5"/>
+            <a:blip r:embed="rId34"/>
             <a:stretch>
               <a:fillRect/>
             </a:stretch>
@@ -16859,10 +18341,14 @@
           <p:cNvPicPr>
             <a:picLocks noChangeAspect="1"/>
           </p:cNvPicPr>
-          <p:nvPr/>
+          <p:nvPr>
+            <p:custDataLst>
+              <p:tags r:id="rId3"/>
+            </p:custDataLst>
+          </p:nvPr>
         </p:nvPicPr>
         <p:blipFill>
-          <a:blip r:embed="rId6"/>
+          <a:blip r:embed="rId35"/>
           <a:stretch>
             <a:fillRect/>
           </a:stretch>
@@ -16883,10 +18369,14 @@
           <p:cNvPicPr>
             <a:picLocks noChangeAspect="1"/>
           </p:cNvPicPr>
-          <p:nvPr/>
+          <p:nvPr>
+            <p:custDataLst>
+              <p:tags r:id="rId4"/>
+            </p:custDataLst>
+          </p:nvPr>
         </p:nvPicPr>
         <p:blipFill>
-          <a:blip r:embed="rId7">
+          <a:blip r:embed="rId36">
             <a:duotone>
               <a:schemeClr val="accent3">
                 <a:shade val="45000"/>
@@ -16916,10 +18406,14 @@
           <p:cNvPicPr>
             <a:picLocks noChangeAspect="1"/>
           </p:cNvPicPr>
-          <p:nvPr/>
+          <p:nvPr>
+            <p:custDataLst>
+              <p:tags r:id="rId5"/>
+            </p:custDataLst>
+          </p:nvPr>
         </p:nvPicPr>
         <p:blipFill>
-          <a:blip r:embed="rId8"/>
+          <a:blip r:embed="rId37"/>
           <a:stretch>
             <a:fillRect/>
           </a:stretch>
@@ -16938,7 +18432,11 @@
         <p:nvSpPr>
           <p:cNvPr id="104" name="ZoneTexte 103"/>
           <p:cNvSpPr txBox="1"/>
-          <p:nvPr/>
+          <p:nvPr>
+            <p:custDataLst>
+              <p:tags r:id="rId6"/>
+            </p:custDataLst>
+          </p:nvPr>
         </p:nvSpPr>
         <p:spPr>
           <a:xfrm>
@@ -16978,10 +18476,14 @@
           <p:cNvPicPr>
             <a:picLocks noChangeAspect="1"/>
           </p:cNvPicPr>
-          <p:nvPr/>
+          <p:nvPr>
+            <p:custDataLst>
+              <p:tags r:id="rId7"/>
+            </p:custDataLst>
+          </p:nvPr>
         </p:nvPicPr>
         <p:blipFill rotWithShape="1">
-          <a:blip r:embed="rId9"/>
+          <a:blip r:embed="rId38"/>
           <a:srcRect l="53265" t="60683" r="5958" b="30747"/>
           <a:stretch/>
         </p:blipFill>
@@ -16999,7 +18501,11 @@
         <p:nvCxnSpPr>
           <p:cNvPr id="20" name="Connecteur droit avec flèche 19"/>
           <p:cNvCxnSpPr/>
-          <p:nvPr/>
+          <p:nvPr>
+            <p:custDataLst>
+              <p:tags r:id="rId8"/>
+            </p:custDataLst>
+          </p:nvPr>
         </p:nvCxnSpPr>
         <p:spPr>
           <a:xfrm flipH="1" flipV="1">
@@ -17037,7 +18543,11 @@
         <p:nvSpPr>
           <p:cNvPr id="26" name="ZoneTexte 25"/>
           <p:cNvSpPr txBox="1"/>
-          <p:nvPr/>
+          <p:nvPr>
+            <p:custDataLst>
+              <p:tags r:id="rId9"/>
+            </p:custDataLst>
+          </p:nvPr>
         </p:nvSpPr>
         <p:spPr>
           <a:xfrm>
@@ -17073,7 +18583,11 @@
         <p:nvSpPr>
           <p:cNvPr id="59" name="ZoneTexte 58"/>
           <p:cNvSpPr txBox="1"/>
-          <p:nvPr/>
+          <p:nvPr>
+            <p:custDataLst>
+              <p:tags r:id="rId10"/>
+            </p:custDataLst>
+          </p:nvPr>
         </p:nvSpPr>
         <p:spPr>
           <a:xfrm>
@@ -17105,10 +18619,14 @@
           <p:cNvPicPr>
             <a:picLocks noChangeAspect="1"/>
           </p:cNvPicPr>
-          <p:nvPr/>
+          <p:nvPr>
+            <p:custDataLst>
+              <p:tags r:id="rId11"/>
+            </p:custDataLst>
+          </p:nvPr>
         </p:nvPicPr>
         <p:blipFill>
-          <a:blip r:embed="rId10"/>
+          <a:blip r:embed="rId39"/>
           <a:stretch>
             <a:fillRect/>
           </a:stretch>
@@ -17129,10 +18647,14 @@
           <p:cNvPicPr>
             <a:picLocks noChangeAspect="1"/>
           </p:cNvPicPr>
-          <p:nvPr/>
+          <p:nvPr>
+            <p:custDataLst>
+              <p:tags r:id="rId12"/>
+            </p:custDataLst>
+          </p:nvPr>
         </p:nvPicPr>
         <p:blipFill>
-          <a:blip r:embed="rId11"/>
+          <a:blip r:embed="rId40"/>
           <a:stretch>
             <a:fillRect/>
           </a:stretch>
@@ -17151,7 +18673,11 @@
         <p:nvSpPr>
           <p:cNvPr id="29" name="ZoneTexte 28"/>
           <p:cNvSpPr txBox="1"/>
-          <p:nvPr/>
+          <p:nvPr>
+            <p:custDataLst>
+              <p:tags r:id="rId13"/>
+            </p:custDataLst>
+          </p:nvPr>
         </p:nvSpPr>
         <p:spPr>
           <a:xfrm>
@@ -17181,7 +18707,11 @@
         <p:nvSpPr>
           <p:cNvPr id="30" name="ZoneTexte 29"/>
           <p:cNvSpPr txBox="1"/>
-          <p:nvPr/>
+          <p:nvPr>
+            <p:custDataLst>
+              <p:tags r:id="rId14"/>
+            </p:custDataLst>
+          </p:nvPr>
         </p:nvSpPr>
         <p:spPr>
           <a:xfrm>
@@ -17211,7 +18741,11 @@
         <p:nvSpPr>
           <p:cNvPr id="36" name="ZoneTexte 35"/>
           <p:cNvSpPr txBox="1"/>
-          <p:nvPr/>
+          <p:nvPr>
+            <p:custDataLst>
+              <p:tags r:id="rId15"/>
+            </p:custDataLst>
+          </p:nvPr>
         </p:nvSpPr>
         <p:spPr>
           <a:xfrm>
@@ -17243,10 +18777,14 @@
           <p:cNvPicPr>
             <a:picLocks noChangeAspect="1"/>
           </p:cNvPicPr>
-          <p:nvPr/>
+          <p:nvPr>
+            <p:custDataLst>
+              <p:tags r:id="rId16"/>
+            </p:custDataLst>
+          </p:nvPr>
         </p:nvPicPr>
         <p:blipFill>
-          <a:blip r:embed="rId12"/>
+          <a:blip r:embed="rId41"/>
           <a:stretch>
             <a:fillRect/>
           </a:stretch>
@@ -17267,10 +18805,14 @@
           <p:cNvPicPr>
             <a:picLocks noChangeAspect="1"/>
           </p:cNvPicPr>
-          <p:nvPr/>
+          <p:nvPr>
+            <p:custDataLst>
+              <p:tags r:id="rId17"/>
+            </p:custDataLst>
+          </p:nvPr>
         </p:nvPicPr>
         <p:blipFill>
-          <a:blip r:embed="rId13"/>
+          <a:blip r:embed="rId42"/>
           <a:stretch>
             <a:fillRect/>
           </a:stretch>
@@ -17291,10 +18833,14 @@
           <p:cNvPicPr>
             <a:picLocks noChangeAspect="1"/>
           </p:cNvPicPr>
-          <p:nvPr/>
+          <p:nvPr>
+            <p:custDataLst>
+              <p:tags r:id="rId18"/>
+            </p:custDataLst>
+          </p:nvPr>
         </p:nvPicPr>
         <p:blipFill>
-          <a:blip r:embed="rId14"/>
+          <a:blip r:embed="rId43"/>
           <a:stretch>
             <a:fillRect/>
           </a:stretch>
@@ -17315,10 +18861,14 @@
           <p:cNvPicPr>
             <a:picLocks noChangeAspect="1"/>
           </p:cNvPicPr>
-          <p:nvPr/>
+          <p:nvPr>
+            <p:custDataLst>
+              <p:tags r:id="rId19"/>
+            </p:custDataLst>
+          </p:nvPr>
         </p:nvPicPr>
         <p:blipFill>
-          <a:blip r:embed="rId14"/>
+          <a:blip r:embed="rId43"/>
           <a:stretch>
             <a:fillRect/>
           </a:stretch>
@@ -17339,10 +18889,14 @@
           <p:cNvPicPr>
             <a:picLocks noChangeAspect="1"/>
           </p:cNvPicPr>
-          <p:nvPr/>
+          <p:nvPr>
+            <p:custDataLst>
+              <p:tags r:id="rId20"/>
+            </p:custDataLst>
+          </p:nvPr>
         </p:nvPicPr>
         <p:blipFill>
-          <a:blip r:embed="rId15"/>
+          <a:blip r:embed="rId44"/>
           <a:stretch>
             <a:fillRect/>
           </a:stretch>
@@ -17363,10 +18917,14 @@
           <p:cNvPicPr>
             <a:picLocks noChangeAspect="1"/>
           </p:cNvPicPr>
-          <p:nvPr/>
+          <p:nvPr>
+            <p:custDataLst>
+              <p:tags r:id="rId21"/>
+            </p:custDataLst>
+          </p:nvPr>
         </p:nvPicPr>
         <p:blipFill>
-          <a:blip r:embed="rId15"/>
+          <a:blip r:embed="rId44"/>
           <a:stretch>
             <a:fillRect/>
           </a:stretch>
@@ -17387,10 +18945,14 @@
           <p:cNvPicPr>
             <a:picLocks noChangeAspect="1"/>
           </p:cNvPicPr>
-          <p:nvPr/>
+          <p:nvPr>
+            <p:custDataLst>
+              <p:tags r:id="rId22"/>
+            </p:custDataLst>
+          </p:nvPr>
         </p:nvPicPr>
         <p:blipFill>
-          <a:blip r:embed="rId16"/>
+          <a:blip r:embed="rId45"/>
           <a:stretch>
             <a:fillRect/>
           </a:stretch>
@@ -17411,10 +18973,14 @@
           <p:cNvPicPr>
             <a:picLocks noChangeAspect="1"/>
           </p:cNvPicPr>
-          <p:nvPr/>
+          <p:nvPr>
+            <p:custDataLst>
+              <p:tags r:id="rId23"/>
+            </p:custDataLst>
+          </p:nvPr>
         </p:nvPicPr>
         <p:blipFill>
-          <a:blip r:embed="rId16"/>
+          <a:blip r:embed="rId45"/>
           <a:stretch>
             <a:fillRect/>
           </a:stretch>
@@ -17435,10 +19001,14 @@
           <p:cNvPicPr>
             <a:picLocks noChangeAspect="1"/>
           </p:cNvPicPr>
-          <p:nvPr/>
+          <p:nvPr>
+            <p:custDataLst>
+              <p:tags r:id="rId24"/>
+            </p:custDataLst>
+          </p:nvPr>
         </p:nvPicPr>
         <p:blipFill>
-          <a:blip r:embed="rId16"/>
+          <a:blip r:embed="rId45"/>
           <a:stretch>
             <a:fillRect/>
           </a:stretch>
@@ -17459,10 +19029,14 @@
           <p:cNvPicPr>
             <a:picLocks noChangeAspect="1"/>
           </p:cNvPicPr>
-          <p:nvPr/>
+          <p:nvPr>
+            <p:custDataLst>
+              <p:tags r:id="rId25"/>
+            </p:custDataLst>
+          </p:nvPr>
         </p:nvPicPr>
         <p:blipFill>
-          <a:blip r:embed="rId16"/>
+          <a:blip r:embed="rId45"/>
           <a:stretch>
             <a:fillRect/>
           </a:stretch>
@@ -17481,7 +19055,11 @@
         <p:nvCxnSpPr>
           <p:cNvPr id="41" name="Connecteur droit avec flèche 40"/>
           <p:cNvCxnSpPr/>
-          <p:nvPr/>
+          <p:nvPr>
+            <p:custDataLst>
+              <p:tags r:id="rId26"/>
+            </p:custDataLst>
+          </p:nvPr>
         </p:nvCxnSpPr>
         <p:spPr>
           <a:xfrm>
@@ -17519,7 +19097,11 @@
         <p:nvCxnSpPr>
           <p:cNvPr id="45" name="Connecteur droit avec flèche 44"/>
           <p:cNvCxnSpPr/>
-          <p:nvPr/>
+          <p:nvPr>
+            <p:custDataLst>
+              <p:tags r:id="rId27"/>
+            </p:custDataLst>
+          </p:nvPr>
         </p:nvCxnSpPr>
         <p:spPr>
           <a:xfrm flipV="1">
@@ -17559,10 +19141,14 @@
           <p:cNvPicPr>
             <a:picLocks noChangeAspect="1"/>
           </p:cNvPicPr>
-          <p:nvPr/>
+          <p:nvPr>
+            <p:custDataLst>
+              <p:tags r:id="rId28"/>
+            </p:custDataLst>
+          </p:nvPr>
         </p:nvPicPr>
         <p:blipFill>
-          <a:blip r:embed="rId17"/>
+          <a:blip r:embed="rId46"/>
           <a:stretch>
             <a:fillRect/>
           </a:stretch>
@@ -17583,10 +19169,14 @@
           <p:cNvPicPr>
             <a:picLocks noChangeAspect="1"/>
           </p:cNvPicPr>
-          <p:nvPr/>
+          <p:nvPr>
+            <p:custDataLst>
+              <p:tags r:id="rId29"/>
+            </p:custDataLst>
+          </p:nvPr>
         </p:nvPicPr>
         <p:blipFill>
-          <a:blip r:embed="rId18"/>
+          <a:blip r:embed="rId47"/>
           <a:stretch>
             <a:fillRect/>
           </a:stretch>
@@ -17619,6 +19209,2310 @@
     </p:tnLst>
   </p:timing>
 </p:sld>
+</file>
+
+<file path=ppt/tags/tag1.xml><?xml version="1.0" encoding="utf-8"?>
+<p:tagLst xmlns:a="http://schemas.openxmlformats.org/drawingml/2006/main" xmlns:r="http://schemas.openxmlformats.org/officeDocument/2006/relationships" xmlns:p="http://schemas.openxmlformats.org/presentationml/2006/main">
+  <p:tag name="NUM" val="1"/>
+</p:tagLst>
+</file>
+
+<file path=ppt/tags/tag10.xml><?xml version="1.0" encoding="utf-8"?>
+<p:tagLst xmlns:a="http://schemas.openxmlformats.org/drawingml/2006/main" xmlns:r="http://schemas.openxmlformats.org/officeDocument/2006/relationships" xmlns:p="http://schemas.openxmlformats.org/presentationml/2006/main">
+  <p:tag name="NUM" val="10"/>
+</p:tagLst>
+</file>
+
+<file path=ppt/tags/tag100.xml><?xml version="1.0" encoding="utf-8"?>
+<p:tagLst xmlns:a="http://schemas.openxmlformats.org/drawingml/2006/main" xmlns:r="http://schemas.openxmlformats.org/officeDocument/2006/relationships" xmlns:p="http://schemas.openxmlformats.org/presentationml/2006/main">
+  <p:tag name="NUM" val="11"/>
+</p:tagLst>
+</file>
+
+<file path=ppt/tags/tag101.xml><?xml version="1.0" encoding="utf-8"?>
+<p:tagLst xmlns:a="http://schemas.openxmlformats.org/drawingml/2006/main" xmlns:r="http://schemas.openxmlformats.org/officeDocument/2006/relationships" xmlns:p="http://schemas.openxmlformats.org/presentationml/2006/main">
+  <p:tag name="NUM" val="12"/>
+</p:tagLst>
+</file>
+
+<file path=ppt/tags/tag102.xml><?xml version="1.0" encoding="utf-8"?>
+<p:tagLst xmlns:a="http://schemas.openxmlformats.org/drawingml/2006/main" xmlns:r="http://schemas.openxmlformats.org/officeDocument/2006/relationships" xmlns:p="http://schemas.openxmlformats.org/presentationml/2006/main">
+  <p:tag name="NUM" val="13"/>
+</p:tagLst>
+</file>
+
+<file path=ppt/tags/tag103.xml><?xml version="1.0" encoding="utf-8"?>
+<p:tagLst xmlns:a="http://schemas.openxmlformats.org/drawingml/2006/main" xmlns:r="http://schemas.openxmlformats.org/officeDocument/2006/relationships" xmlns:p="http://schemas.openxmlformats.org/presentationml/2006/main">
+  <p:tag name="NUM" val="14"/>
+</p:tagLst>
+</file>
+
+<file path=ppt/tags/tag104.xml><?xml version="1.0" encoding="utf-8"?>
+<p:tagLst xmlns:a="http://schemas.openxmlformats.org/drawingml/2006/main" xmlns:r="http://schemas.openxmlformats.org/officeDocument/2006/relationships" xmlns:p="http://schemas.openxmlformats.org/presentationml/2006/main">
+  <p:tag name="NUM" val="15"/>
+</p:tagLst>
+</file>
+
+<file path=ppt/tags/tag105.xml><?xml version="1.0" encoding="utf-8"?>
+<p:tagLst xmlns:a="http://schemas.openxmlformats.org/drawingml/2006/main" xmlns:r="http://schemas.openxmlformats.org/officeDocument/2006/relationships" xmlns:p="http://schemas.openxmlformats.org/presentationml/2006/main">
+  <p:tag name="NUM" val="16"/>
+</p:tagLst>
+</file>
+
+<file path=ppt/tags/tag106.xml><?xml version="1.0" encoding="utf-8"?>
+<p:tagLst xmlns:a="http://schemas.openxmlformats.org/drawingml/2006/main" xmlns:r="http://schemas.openxmlformats.org/officeDocument/2006/relationships" xmlns:p="http://schemas.openxmlformats.org/presentationml/2006/main">
+  <p:tag name="NUM" val="17"/>
+</p:tagLst>
+</file>
+
+<file path=ppt/tags/tag107.xml><?xml version="1.0" encoding="utf-8"?>
+<p:tagLst xmlns:a="http://schemas.openxmlformats.org/drawingml/2006/main" xmlns:r="http://schemas.openxmlformats.org/officeDocument/2006/relationships" xmlns:p="http://schemas.openxmlformats.org/presentationml/2006/main">
+  <p:tag name="NUM" val="18"/>
+</p:tagLst>
+</file>
+
+<file path=ppt/tags/tag108.xml><?xml version="1.0" encoding="utf-8"?>
+<p:tagLst xmlns:a="http://schemas.openxmlformats.org/drawingml/2006/main" xmlns:r="http://schemas.openxmlformats.org/officeDocument/2006/relationships" xmlns:p="http://schemas.openxmlformats.org/presentationml/2006/main">
+  <p:tag name="NUM" val="19"/>
+</p:tagLst>
+</file>
+
+<file path=ppt/tags/tag109.xml><?xml version="1.0" encoding="utf-8"?>
+<p:tagLst xmlns:a="http://schemas.openxmlformats.org/drawingml/2006/main" xmlns:r="http://schemas.openxmlformats.org/officeDocument/2006/relationships" xmlns:p="http://schemas.openxmlformats.org/presentationml/2006/main">
+  <p:tag name="NUM" val="20"/>
+</p:tagLst>
+</file>
+
+<file path=ppt/tags/tag11.xml><?xml version="1.0" encoding="utf-8"?>
+<p:tagLst xmlns:a="http://schemas.openxmlformats.org/drawingml/2006/main" xmlns:r="http://schemas.openxmlformats.org/officeDocument/2006/relationships" xmlns:p="http://schemas.openxmlformats.org/presentationml/2006/main">
+  <p:tag name="NUM" val="11"/>
+</p:tagLst>
+</file>
+
+<file path=ppt/tags/tag110.xml><?xml version="1.0" encoding="utf-8"?>
+<p:tagLst xmlns:a="http://schemas.openxmlformats.org/drawingml/2006/main" xmlns:r="http://schemas.openxmlformats.org/officeDocument/2006/relationships" xmlns:p="http://schemas.openxmlformats.org/presentationml/2006/main">
+  <p:tag name="NUM" val="21"/>
+</p:tagLst>
+</file>
+
+<file path=ppt/tags/tag111.xml><?xml version="1.0" encoding="utf-8"?>
+<p:tagLst xmlns:a="http://schemas.openxmlformats.org/drawingml/2006/main" xmlns:r="http://schemas.openxmlformats.org/officeDocument/2006/relationships" xmlns:p="http://schemas.openxmlformats.org/presentationml/2006/main">
+  <p:tag name="NUM" val="22"/>
+</p:tagLst>
+</file>
+
+<file path=ppt/tags/tag112.xml><?xml version="1.0" encoding="utf-8"?>
+<p:tagLst xmlns:a="http://schemas.openxmlformats.org/drawingml/2006/main" xmlns:r="http://schemas.openxmlformats.org/officeDocument/2006/relationships" xmlns:p="http://schemas.openxmlformats.org/presentationml/2006/main">
+  <p:tag name="NUM" val="23"/>
+</p:tagLst>
+</file>
+
+<file path=ppt/tags/tag113.xml><?xml version="1.0" encoding="utf-8"?>
+<p:tagLst xmlns:a="http://schemas.openxmlformats.org/drawingml/2006/main" xmlns:r="http://schemas.openxmlformats.org/officeDocument/2006/relationships" xmlns:p="http://schemas.openxmlformats.org/presentationml/2006/main">
+  <p:tag name="NUM" val="24"/>
+</p:tagLst>
+</file>
+
+<file path=ppt/tags/tag114.xml><?xml version="1.0" encoding="utf-8"?>
+<p:tagLst xmlns:a="http://schemas.openxmlformats.org/drawingml/2006/main" xmlns:r="http://schemas.openxmlformats.org/officeDocument/2006/relationships" xmlns:p="http://schemas.openxmlformats.org/presentationml/2006/main">
+  <p:tag name="NUM" val="25"/>
+</p:tagLst>
+</file>
+
+<file path=ppt/tags/tag115.xml><?xml version="1.0" encoding="utf-8"?>
+<p:tagLst xmlns:a="http://schemas.openxmlformats.org/drawingml/2006/main" xmlns:r="http://schemas.openxmlformats.org/officeDocument/2006/relationships" xmlns:p="http://schemas.openxmlformats.org/presentationml/2006/main">
+  <p:tag name="NUM" val="26"/>
+</p:tagLst>
+</file>
+
+<file path=ppt/tags/tag116.xml><?xml version="1.0" encoding="utf-8"?>
+<p:tagLst xmlns:a="http://schemas.openxmlformats.org/drawingml/2006/main" xmlns:r="http://schemas.openxmlformats.org/officeDocument/2006/relationships" xmlns:p="http://schemas.openxmlformats.org/presentationml/2006/main">
+  <p:tag name="NUM" val="27"/>
+</p:tagLst>
+</file>
+
+<file path=ppt/tags/tag117.xml><?xml version="1.0" encoding="utf-8"?>
+<p:tagLst xmlns:a="http://schemas.openxmlformats.org/drawingml/2006/main" xmlns:r="http://schemas.openxmlformats.org/officeDocument/2006/relationships" xmlns:p="http://schemas.openxmlformats.org/presentationml/2006/main">
+  <p:tag name="NUM" val="28"/>
+</p:tagLst>
+</file>
+
+<file path=ppt/tags/tag118.xml><?xml version="1.0" encoding="utf-8"?>
+<p:tagLst xmlns:a="http://schemas.openxmlformats.org/drawingml/2006/main" xmlns:r="http://schemas.openxmlformats.org/officeDocument/2006/relationships" xmlns:p="http://schemas.openxmlformats.org/presentationml/2006/main">
+  <p:tag name="NUM" val="29"/>
+</p:tagLst>
+</file>
+
+<file path=ppt/tags/tag119.xml><?xml version="1.0" encoding="utf-8"?>
+<p:tagLst xmlns:a="http://schemas.openxmlformats.org/drawingml/2006/main" xmlns:r="http://schemas.openxmlformats.org/officeDocument/2006/relationships" xmlns:p="http://schemas.openxmlformats.org/presentationml/2006/main">
+  <p:tag name="NUM" val="30"/>
+</p:tagLst>
+</file>
+
+<file path=ppt/tags/tag12.xml><?xml version="1.0" encoding="utf-8"?>
+<p:tagLst xmlns:a="http://schemas.openxmlformats.org/drawingml/2006/main" xmlns:r="http://schemas.openxmlformats.org/officeDocument/2006/relationships" xmlns:p="http://schemas.openxmlformats.org/presentationml/2006/main">
+  <p:tag name="NUM" val="12"/>
+</p:tagLst>
+</file>
+
+<file path=ppt/tags/tag120.xml><?xml version="1.0" encoding="utf-8"?>
+<p:tagLst xmlns:a="http://schemas.openxmlformats.org/drawingml/2006/main" xmlns:r="http://schemas.openxmlformats.org/officeDocument/2006/relationships" xmlns:p="http://schemas.openxmlformats.org/presentationml/2006/main">
+  <p:tag name="NUM" val="31"/>
+</p:tagLst>
+</file>
+
+<file path=ppt/tags/tag121.xml><?xml version="1.0" encoding="utf-8"?>
+<p:tagLst xmlns:a="http://schemas.openxmlformats.org/drawingml/2006/main" xmlns:r="http://schemas.openxmlformats.org/officeDocument/2006/relationships" xmlns:p="http://schemas.openxmlformats.org/presentationml/2006/main">
+  <p:tag name="NUM" val="32"/>
+</p:tagLst>
+</file>
+
+<file path=ppt/tags/tag122.xml><?xml version="1.0" encoding="utf-8"?>
+<p:tagLst xmlns:a="http://schemas.openxmlformats.org/drawingml/2006/main" xmlns:r="http://schemas.openxmlformats.org/officeDocument/2006/relationships" xmlns:p="http://schemas.openxmlformats.org/presentationml/2006/main">
+  <p:tag name="NUM" val="33"/>
+</p:tagLst>
+</file>
+
+<file path=ppt/tags/tag123.xml><?xml version="1.0" encoding="utf-8"?>
+<p:tagLst xmlns:a="http://schemas.openxmlformats.org/drawingml/2006/main" xmlns:r="http://schemas.openxmlformats.org/officeDocument/2006/relationships" xmlns:p="http://schemas.openxmlformats.org/presentationml/2006/main">
+  <p:tag name="NUM" val="34"/>
+</p:tagLst>
+</file>
+
+<file path=ppt/tags/tag124.xml><?xml version="1.0" encoding="utf-8"?>
+<p:tagLst xmlns:a="http://schemas.openxmlformats.org/drawingml/2006/main" xmlns:r="http://schemas.openxmlformats.org/officeDocument/2006/relationships" xmlns:p="http://schemas.openxmlformats.org/presentationml/2006/main">
+  <p:tag name="NUM" val="35"/>
+</p:tagLst>
+</file>
+
+<file path=ppt/tags/tag125.xml><?xml version="1.0" encoding="utf-8"?>
+<p:tagLst xmlns:a="http://schemas.openxmlformats.org/drawingml/2006/main" xmlns:r="http://schemas.openxmlformats.org/officeDocument/2006/relationships" xmlns:p="http://schemas.openxmlformats.org/presentationml/2006/main">
+  <p:tag name="NUM" val="36"/>
+</p:tagLst>
+</file>
+
+<file path=ppt/tags/tag126.xml><?xml version="1.0" encoding="utf-8"?>
+<p:tagLst xmlns:a="http://schemas.openxmlformats.org/drawingml/2006/main" xmlns:r="http://schemas.openxmlformats.org/officeDocument/2006/relationships" xmlns:p="http://schemas.openxmlformats.org/presentationml/2006/main">
+  <p:tag name="NUM" val="37"/>
+</p:tagLst>
+</file>
+
+<file path=ppt/tags/tag127.xml><?xml version="1.0" encoding="utf-8"?>
+<p:tagLst xmlns:a="http://schemas.openxmlformats.org/drawingml/2006/main" xmlns:r="http://schemas.openxmlformats.org/officeDocument/2006/relationships" xmlns:p="http://schemas.openxmlformats.org/presentationml/2006/main">
+  <p:tag name="NUM" val="38"/>
+</p:tagLst>
+</file>
+
+<file path=ppt/tags/tag128.xml><?xml version="1.0" encoding="utf-8"?>
+<p:tagLst xmlns:a="http://schemas.openxmlformats.org/drawingml/2006/main" xmlns:r="http://schemas.openxmlformats.org/officeDocument/2006/relationships" xmlns:p="http://schemas.openxmlformats.org/presentationml/2006/main">
+  <p:tag name="NUM" val="39"/>
+</p:tagLst>
+</file>
+
+<file path=ppt/tags/tag129.xml><?xml version="1.0" encoding="utf-8"?>
+<p:tagLst xmlns:a="http://schemas.openxmlformats.org/drawingml/2006/main" xmlns:r="http://schemas.openxmlformats.org/officeDocument/2006/relationships" xmlns:p="http://schemas.openxmlformats.org/presentationml/2006/main">
+  <p:tag name="NUM" val="40"/>
+</p:tagLst>
+</file>
+
+<file path=ppt/tags/tag13.xml><?xml version="1.0" encoding="utf-8"?>
+<p:tagLst xmlns:a="http://schemas.openxmlformats.org/drawingml/2006/main" xmlns:r="http://schemas.openxmlformats.org/officeDocument/2006/relationships" xmlns:p="http://schemas.openxmlformats.org/presentationml/2006/main">
+  <p:tag name="NUM" val="13"/>
+</p:tagLst>
+</file>
+
+<file path=ppt/tags/tag130.xml><?xml version="1.0" encoding="utf-8"?>
+<p:tagLst xmlns:a="http://schemas.openxmlformats.org/drawingml/2006/main" xmlns:r="http://schemas.openxmlformats.org/officeDocument/2006/relationships" xmlns:p="http://schemas.openxmlformats.org/presentationml/2006/main">
+  <p:tag name="NUM" val="41"/>
+</p:tagLst>
+</file>
+
+<file path=ppt/tags/tag131.xml><?xml version="1.0" encoding="utf-8"?>
+<p:tagLst xmlns:a="http://schemas.openxmlformats.org/drawingml/2006/main" xmlns:r="http://schemas.openxmlformats.org/officeDocument/2006/relationships" xmlns:p="http://schemas.openxmlformats.org/presentationml/2006/main">
+  <p:tag name="NUM" val="42"/>
+</p:tagLst>
+</file>
+
+<file path=ppt/tags/tag132.xml><?xml version="1.0" encoding="utf-8"?>
+<p:tagLst xmlns:a="http://schemas.openxmlformats.org/drawingml/2006/main" xmlns:r="http://schemas.openxmlformats.org/officeDocument/2006/relationships" xmlns:p="http://schemas.openxmlformats.org/presentationml/2006/main">
+  <p:tag name="NUM" val="43"/>
+</p:tagLst>
+</file>
+
+<file path=ppt/tags/tag133.xml><?xml version="1.0" encoding="utf-8"?>
+<p:tagLst xmlns:a="http://schemas.openxmlformats.org/drawingml/2006/main" xmlns:r="http://schemas.openxmlformats.org/officeDocument/2006/relationships" xmlns:p="http://schemas.openxmlformats.org/presentationml/2006/main">
+  <p:tag name="NUM" val="44"/>
+</p:tagLst>
+</file>
+
+<file path=ppt/tags/tag134.xml><?xml version="1.0" encoding="utf-8"?>
+<p:tagLst xmlns:a="http://schemas.openxmlformats.org/drawingml/2006/main" xmlns:r="http://schemas.openxmlformats.org/officeDocument/2006/relationships" xmlns:p="http://schemas.openxmlformats.org/presentationml/2006/main">
+  <p:tag name="NUM" val="45"/>
+</p:tagLst>
+</file>
+
+<file path=ppt/tags/tag135.xml><?xml version="1.0" encoding="utf-8"?>
+<p:tagLst xmlns:a="http://schemas.openxmlformats.org/drawingml/2006/main" xmlns:r="http://schemas.openxmlformats.org/officeDocument/2006/relationships" xmlns:p="http://schemas.openxmlformats.org/presentationml/2006/main">
+  <p:tag name="NUM" val="46"/>
+</p:tagLst>
+</file>
+
+<file path=ppt/tags/tag136.xml><?xml version="1.0" encoding="utf-8"?>
+<p:tagLst xmlns:a="http://schemas.openxmlformats.org/drawingml/2006/main" xmlns:r="http://schemas.openxmlformats.org/officeDocument/2006/relationships" xmlns:p="http://schemas.openxmlformats.org/presentationml/2006/main">
+  <p:tag name="NUM" val="47"/>
+</p:tagLst>
+</file>
+
+<file path=ppt/tags/tag137.xml><?xml version="1.0" encoding="utf-8"?>
+<p:tagLst xmlns:a="http://schemas.openxmlformats.org/drawingml/2006/main" xmlns:r="http://schemas.openxmlformats.org/officeDocument/2006/relationships" xmlns:p="http://schemas.openxmlformats.org/presentationml/2006/main">
+  <p:tag name="NUM" val="48"/>
+</p:tagLst>
+</file>
+
+<file path=ppt/tags/tag138.xml><?xml version="1.0" encoding="utf-8"?>
+<p:tagLst xmlns:a="http://schemas.openxmlformats.org/drawingml/2006/main" xmlns:r="http://schemas.openxmlformats.org/officeDocument/2006/relationships" xmlns:p="http://schemas.openxmlformats.org/presentationml/2006/main">
+  <p:tag name="NUM" val="49"/>
+</p:tagLst>
+</file>
+
+<file path=ppt/tags/tag139.xml><?xml version="1.0" encoding="utf-8"?>
+<p:tagLst xmlns:a="http://schemas.openxmlformats.org/drawingml/2006/main" xmlns:r="http://schemas.openxmlformats.org/officeDocument/2006/relationships" xmlns:p="http://schemas.openxmlformats.org/presentationml/2006/main">
+  <p:tag name="NUM" val="50"/>
+</p:tagLst>
+</file>
+
+<file path=ppt/tags/tag14.xml><?xml version="1.0" encoding="utf-8"?>
+<p:tagLst xmlns:a="http://schemas.openxmlformats.org/drawingml/2006/main" xmlns:r="http://schemas.openxmlformats.org/officeDocument/2006/relationships" xmlns:p="http://schemas.openxmlformats.org/presentationml/2006/main">
+  <p:tag name="NUM" val="14"/>
+</p:tagLst>
+</file>
+
+<file path=ppt/tags/tag140.xml><?xml version="1.0" encoding="utf-8"?>
+<p:tagLst xmlns:a="http://schemas.openxmlformats.org/drawingml/2006/main" xmlns:r="http://schemas.openxmlformats.org/officeDocument/2006/relationships" xmlns:p="http://schemas.openxmlformats.org/presentationml/2006/main">
+  <p:tag name="NUM" val="51"/>
+</p:tagLst>
+</file>
+
+<file path=ppt/tags/tag141.xml><?xml version="1.0" encoding="utf-8"?>
+<p:tagLst xmlns:a="http://schemas.openxmlformats.org/drawingml/2006/main" xmlns:r="http://schemas.openxmlformats.org/officeDocument/2006/relationships" xmlns:p="http://schemas.openxmlformats.org/presentationml/2006/main">
+  <p:tag name="NUM" val="52"/>
+</p:tagLst>
+</file>
+
+<file path=ppt/tags/tag142.xml><?xml version="1.0" encoding="utf-8"?>
+<p:tagLst xmlns:a="http://schemas.openxmlformats.org/drawingml/2006/main" xmlns:r="http://schemas.openxmlformats.org/officeDocument/2006/relationships" xmlns:p="http://schemas.openxmlformats.org/presentationml/2006/main">
+  <p:tag name="NUM" val="47"/>
+</p:tagLst>
+</file>
+
+<file path=ppt/tags/tag143.xml><?xml version="1.0" encoding="utf-8"?>
+<p:tagLst xmlns:a="http://schemas.openxmlformats.org/drawingml/2006/main" xmlns:r="http://schemas.openxmlformats.org/officeDocument/2006/relationships" xmlns:p="http://schemas.openxmlformats.org/presentationml/2006/main">
+  <p:tag name="NUM" val="1"/>
+</p:tagLst>
+</file>
+
+<file path=ppt/tags/tag144.xml><?xml version="1.0" encoding="utf-8"?>
+<p:tagLst xmlns:a="http://schemas.openxmlformats.org/drawingml/2006/main" xmlns:r="http://schemas.openxmlformats.org/officeDocument/2006/relationships" xmlns:p="http://schemas.openxmlformats.org/presentationml/2006/main">
+  <p:tag name="NUM" val="2"/>
+</p:tagLst>
+</file>
+
+<file path=ppt/tags/tag145.xml><?xml version="1.0" encoding="utf-8"?>
+<p:tagLst xmlns:a="http://schemas.openxmlformats.org/drawingml/2006/main" xmlns:r="http://schemas.openxmlformats.org/officeDocument/2006/relationships" xmlns:p="http://schemas.openxmlformats.org/presentationml/2006/main">
+  <p:tag name="NUM" val="3"/>
+</p:tagLst>
+</file>
+
+<file path=ppt/tags/tag146.xml><?xml version="1.0" encoding="utf-8"?>
+<p:tagLst xmlns:a="http://schemas.openxmlformats.org/drawingml/2006/main" xmlns:r="http://schemas.openxmlformats.org/officeDocument/2006/relationships" xmlns:p="http://schemas.openxmlformats.org/presentationml/2006/main">
+  <p:tag name="NUM" val="4"/>
+</p:tagLst>
+</file>
+
+<file path=ppt/tags/tag147.xml><?xml version="1.0" encoding="utf-8"?>
+<p:tagLst xmlns:a="http://schemas.openxmlformats.org/drawingml/2006/main" xmlns:r="http://schemas.openxmlformats.org/officeDocument/2006/relationships" xmlns:p="http://schemas.openxmlformats.org/presentationml/2006/main">
+  <p:tag name="NUM" val="5"/>
+</p:tagLst>
+</file>
+
+<file path=ppt/tags/tag148.xml><?xml version="1.0" encoding="utf-8"?>
+<p:tagLst xmlns:a="http://schemas.openxmlformats.org/drawingml/2006/main" xmlns:r="http://schemas.openxmlformats.org/officeDocument/2006/relationships" xmlns:p="http://schemas.openxmlformats.org/presentationml/2006/main">
+  <p:tag name="NUM" val="6"/>
+</p:tagLst>
+</file>
+
+<file path=ppt/tags/tag149.xml><?xml version="1.0" encoding="utf-8"?>
+<p:tagLst xmlns:a="http://schemas.openxmlformats.org/drawingml/2006/main" xmlns:r="http://schemas.openxmlformats.org/officeDocument/2006/relationships" xmlns:p="http://schemas.openxmlformats.org/presentationml/2006/main">
+  <p:tag name="NUM" val="7"/>
+</p:tagLst>
+</file>
+
+<file path=ppt/tags/tag15.xml><?xml version="1.0" encoding="utf-8"?>
+<p:tagLst xmlns:a="http://schemas.openxmlformats.org/drawingml/2006/main" xmlns:r="http://schemas.openxmlformats.org/officeDocument/2006/relationships" xmlns:p="http://schemas.openxmlformats.org/presentationml/2006/main">
+  <p:tag name="NUM" val="15"/>
+</p:tagLst>
+</file>
+
+<file path=ppt/tags/tag150.xml><?xml version="1.0" encoding="utf-8"?>
+<p:tagLst xmlns:a="http://schemas.openxmlformats.org/drawingml/2006/main" xmlns:r="http://schemas.openxmlformats.org/officeDocument/2006/relationships" xmlns:p="http://schemas.openxmlformats.org/presentationml/2006/main">
+  <p:tag name="NUM" val="8"/>
+</p:tagLst>
+</file>
+
+<file path=ppt/tags/tag151.xml><?xml version="1.0" encoding="utf-8"?>
+<p:tagLst xmlns:a="http://schemas.openxmlformats.org/drawingml/2006/main" xmlns:r="http://schemas.openxmlformats.org/officeDocument/2006/relationships" xmlns:p="http://schemas.openxmlformats.org/presentationml/2006/main">
+  <p:tag name="NUM" val="9"/>
+</p:tagLst>
+</file>
+
+<file path=ppt/tags/tag152.xml><?xml version="1.0" encoding="utf-8"?>
+<p:tagLst xmlns:a="http://schemas.openxmlformats.org/drawingml/2006/main" xmlns:r="http://schemas.openxmlformats.org/officeDocument/2006/relationships" xmlns:p="http://schemas.openxmlformats.org/presentationml/2006/main">
+  <p:tag name="NUM" val="10"/>
+</p:tagLst>
+</file>
+
+<file path=ppt/tags/tag153.xml><?xml version="1.0" encoding="utf-8"?>
+<p:tagLst xmlns:a="http://schemas.openxmlformats.org/drawingml/2006/main" xmlns:r="http://schemas.openxmlformats.org/officeDocument/2006/relationships" xmlns:p="http://schemas.openxmlformats.org/presentationml/2006/main">
+  <p:tag name="NUM" val="11"/>
+</p:tagLst>
+</file>
+
+<file path=ppt/tags/tag154.xml><?xml version="1.0" encoding="utf-8"?>
+<p:tagLst xmlns:a="http://schemas.openxmlformats.org/drawingml/2006/main" xmlns:r="http://schemas.openxmlformats.org/officeDocument/2006/relationships" xmlns:p="http://schemas.openxmlformats.org/presentationml/2006/main">
+  <p:tag name="NUM" val="12"/>
+</p:tagLst>
+</file>
+
+<file path=ppt/tags/tag155.xml><?xml version="1.0" encoding="utf-8"?>
+<p:tagLst xmlns:a="http://schemas.openxmlformats.org/drawingml/2006/main" xmlns:r="http://schemas.openxmlformats.org/officeDocument/2006/relationships" xmlns:p="http://schemas.openxmlformats.org/presentationml/2006/main">
+  <p:tag name="NUM" val="13"/>
+</p:tagLst>
+</file>
+
+<file path=ppt/tags/tag156.xml><?xml version="1.0" encoding="utf-8"?>
+<p:tagLst xmlns:a="http://schemas.openxmlformats.org/drawingml/2006/main" xmlns:r="http://schemas.openxmlformats.org/officeDocument/2006/relationships" xmlns:p="http://schemas.openxmlformats.org/presentationml/2006/main">
+  <p:tag name="NUM" val="14"/>
+</p:tagLst>
+</file>
+
+<file path=ppt/tags/tag157.xml><?xml version="1.0" encoding="utf-8"?>
+<p:tagLst xmlns:a="http://schemas.openxmlformats.org/drawingml/2006/main" xmlns:r="http://schemas.openxmlformats.org/officeDocument/2006/relationships" xmlns:p="http://schemas.openxmlformats.org/presentationml/2006/main">
+  <p:tag name="NUM" val="15"/>
+</p:tagLst>
+</file>
+
+<file path=ppt/tags/tag158.xml><?xml version="1.0" encoding="utf-8"?>
+<p:tagLst xmlns:a="http://schemas.openxmlformats.org/drawingml/2006/main" xmlns:r="http://schemas.openxmlformats.org/officeDocument/2006/relationships" xmlns:p="http://schemas.openxmlformats.org/presentationml/2006/main">
+  <p:tag name="NUM" val="16"/>
+</p:tagLst>
+</file>
+
+<file path=ppt/tags/tag159.xml><?xml version="1.0" encoding="utf-8"?>
+<p:tagLst xmlns:a="http://schemas.openxmlformats.org/drawingml/2006/main" xmlns:r="http://schemas.openxmlformats.org/officeDocument/2006/relationships" xmlns:p="http://schemas.openxmlformats.org/presentationml/2006/main">
+  <p:tag name="NUM" val="17"/>
+</p:tagLst>
+</file>
+
+<file path=ppt/tags/tag16.xml><?xml version="1.0" encoding="utf-8"?>
+<p:tagLst xmlns:a="http://schemas.openxmlformats.org/drawingml/2006/main" xmlns:r="http://schemas.openxmlformats.org/officeDocument/2006/relationships" xmlns:p="http://schemas.openxmlformats.org/presentationml/2006/main">
+  <p:tag name="NUM" val="16"/>
+</p:tagLst>
+</file>
+
+<file path=ppt/tags/tag160.xml><?xml version="1.0" encoding="utf-8"?>
+<p:tagLst xmlns:a="http://schemas.openxmlformats.org/drawingml/2006/main" xmlns:r="http://schemas.openxmlformats.org/officeDocument/2006/relationships" xmlns:p="http://schemas.openxmlformats.org/presentationml/2006/main">
+  <p:tag name="NUM" val="18"/>
+</p:tagLst>
+</file>
+
+<file path=ppt/tags/tag161.xml><?xml version="1.0" encoding="utf-8"?>
+<p:tagLst xmlns:a="http://schemas.openxmlformats.org/drawingml/2006/main" xmlns:r="http://schemas.openxmlformats.org/officeDocument/2006/relationships" xmlns:p="http://schemas.openxmlformats.org/presentationml/2006/main">
+  <p:tag name="NUM" val="19"/>
+</p:tagLst>
+</file>
+
+<file path=ppt/tags/tag162.xml><?xml version="1.0" encoding="utf-8"?>
+<p:tagLst xmlns:a="http://schemas.openxmlformats.org/drawingml/2006/main" xmlns:r="http://schemas.openxmlformats.org/officeDocument/2006/relationships" xmlns:p="http://schemas.openxmlformats.org/presentationml/2006/main">
+  <p:tag name="NUM" val="20"/>
+</p:tagLst>
+</file>
+
+<file path=ppt/tags/tag163.xml><?xml version="1.0" encoding="utf-8"?>
+<p:tagLst xmlns:a="http://schemas.openxmlformats.org/drawingml/2006/main" xmlns:r="http://schemas.openxmlformats.org/officeDocument/2006/relationships" xmlns:p="http://schemas.openxmlformats.org/presentationml/2006/main">
+  <p:tag name="NUM" val="21"/>
+</p:tagLst>
+</file>
+
+<file path=ppt/tags/tag164.xml><?xml version="1.0" encoding="utf-8"?>
+<p:tagLst xmlns:a="http://schemas.openxmlformats.org/drawingml/2006/main" xmlns:r="http://schemas.openxmlformats.org/officeDocument/2006/relationships" xmlns:p="http://schemas.openxmlformats.org/presentationml/2006/main">
+  <p:tag name="NUM" val="22"/>
+</p:tagLst>
+</file>
+
+<file path=ppt/tags/tag165.xml><?xml version="1.0" encoding="utf-8"?>
+<p:tagLst xmlns:a="http://schemas.openxmlformats.org/drawingml/2006/main" xmlns:r="http://schemas.openxmlformats.org/officeDocument/2006/relationships" xmlns:p="http://schemas.openxmlformats.org/presentationml/2006/main">
+  <p:tag name="NUM" val="23"/>
+</p:tagLst>
+</file>
+
+<file path=ppt/tags/tag166.xml><?xml version="1.0" encoding="utf-8"?>
+<p:tagLst xmlns:a="http://schemas.openxmlformats.org/drawingml/2006/main" xmlns:r="http://schemas.openxmlformats.org/officeDocument/2006/relationships" xmlns:p="http://schemas.openxmlformats.org/presentationml/2006/main">
+  <p:tag name="NUM" val="24"/>
+</p:tagLst>
+</file>
+
+<file path=ppt/tags/tag167.xml><?xml version="1.0" encoding="utf-8"?>
+<p:tagLst xmlns:a="http://schemas.openxmlformats.org/drawingml/2006/main" xmlns:r="http://schemas.openxmlformats.org/officeDocument/2006/relationships" xmlns:p="http://schemas.openxmlformats.org/presentationml/2006/main">
+  <p:tag name="NUM" val="25"/>
+</p:tagLst>
+</file>
+
+<file path=ppt/tags/tag168.xml><?xml version="1.0" encoding="utf-8"?>
+<p:tagLst xmlns:a="http://schemas.openxmlformats.org/drawingml/2006/main" xmlns:r="http://schemas.openxmlformats.org/officeDocument/2006/relationships" xmlns:p="http://schemas.openxmlformats.org/presentationml/2006/main">
+  <p:tag name="NUM" val="26"/>
+</p:tagLst>
+</file>
+
+<file path=ppt/tags/tag169.xml><?xml version="1.0" encoding="utf-8"?>
+<p:tagLst xmlns:a="http://schemas.openxmlformats.org/drawingml/2006/main" xmlns:r="http://schemas.openxmlformats.org/officeDocument/2006/relationships" xmlns:p="http://schemas.openxmlformats.org/presentationml/2006/main">
+  <p:tag name="NUM" val="27"/>
+</p:tagLst>
+</file>
+
+<file path=ppt/tags/tag17.xml><?xml version="1.0" encoding="utf-8"?>
+<p:tagLst xmlns:a="http://schemas.openxmlformats.org/drawingml/2006/main" xmlns:r="http://schemas.openxmlformats.org/officeDocument/2006/relationships" xmlns:p="http://schemas.openxmlformats.org/presentationml/2006/main">
+  <p:tag name="NUM" val="17"/>
+</p:tagLst>
+</file>
+
+<file path=ppt/tags/tag170.xml><?xml version="1.0" encoding="utf-8"?>
+<p:tagLst xmlns:a="http://schemas.openxmlformats.org/drawingml/2006/main" xmlns:r="http://schemas.openxmlformats.org/officeDocument/2006/relationships" xmlns:p="http://schemas.openxmlformats.org/presentationml/2006/main">
+  <p:tag name="NUM" val="28"/>
+</p:tagLst>
+</file>
+
+<file path=ppt/tags/tag171.xml><?xml version="1.0" encoding="utf-8"?>
+<p:tagLst xmlns:a="http://schemas.openxmlformats.org/drawingml/2006/main" xmlns:r="http://schemas.openxmlformats.org/officeDocument/2006/relationships" xmlns:p="http://schemas.openxmlformats.org/presentationml/2006/main">
+  <p:tag name="NUM" val="29"/>
+</p:tagLst>
+</file>
+
+<file path=ppt/tags/tag172.xml><?xml version="1.0" encoding="utf-8"?>
+<p:tagLst xmlns:a="http://schemas.openxmlformats.org/drawingml/2006/main" xmlns:r="http://schemas.openxmlformats.org/officeDocument/2006/relationships" xmlns:p="http://schemas.openxmlformats.org/presentationml/2006/main">
+  <p:tag name="NUM" val="30"/>
+</p:tagLst>
+</file>
+
+<file path=ppt/tags/tag173.xml><?xml version="1.0" encoding="utf-8"?>
+<p:tagLst xmlns:a="http://schemas.openxmlformats.org/drawingml/2006/main" xmlns:r="http://schemas.openxmlformats.org/officeDocument/2006/relationships" xmlns:p="http://schemas.openxmlformats.org/presentationml/2006/main">
+  <p:tag name="NUM" val="31"/>
+</p:tagLst>
+</file>
+
+<file path=ppt/tags/tag174.xml><?xml version="1.0" encoding="utf-8"?>
+<p:tagLst xmlns:a="http://schemas.openxmlformats.org/drawingml/2006/main" xmlns:r="http://schemas.openxmlformats.org/officeDocument/2006/relationships" xmlns:p="http://schemas.openxmlformats.org/presentationml/2006/main">
+  <p:tag name="NUM" val="32"/>
+</p:tagLst>
+</file>
+
+<file path=ppt/tags/tag175.xml><?xml version="1.0" encoding="utf-8"?>
+<p:tagLst xmlns:a="http://schemas.openxmlformats.org/drawingml/2006/main" xmlns:r="http://schemas.openxmlformats.org/officeDocument/2006/relationships" xmlns:p="http://schemas.openxmlformats.org/presentationml/2006/main">
+  <p:tag name="NUM" val="33"/>
+</p:tagLst>
+</file>
+
+<file path=ppt/tags/tag176.xml><?xml version="1.0" encoding="utf-8"?>
+<p:tagLst xmlns:a="http://schemas.openxmlformats.org/drawingml/2006/main" xmlns:r="http://schemas.openxmlformats.org/officeDocument/2006/relationships" xmlns:p="http://schemas.openxmlformats.org/presentationml/2006/main">
+  <p:tag name="NUM" val="34"/>
+</p:tagLst>
+</file>
+
+<file path=ppt/tags/tag177.xml><?xml version="1.0" encoding="utf-8"?>
+<p:tagLst xmlns:a="http://schemas.openxmlformats.org/drawingml/2006/main" xmlns:r="http://schemas.openxmlformats.org/officeDocument/2006/relationships" xmlns:p="http://schemas.openxmlformats.org/presentationml/2006/main">
+  <p:tag name="NUM" val="35"/>
+</p:tagLst>
+</file>
+
+<file path=ppt/tags/tag178.xml><?xml version="1.0" encoding="utf-8"?>
+<p:tagLst xmlns:a="http://schemas.openxmlformats.org/drawingml/2006/main" xmlns:r="http://schemas.openxmlformats.org/officeDocument/2006/relationships" xmlns:p="http://schemas.openxmlformats.org/presentationml/2006/main">
+  <p:tag name="NUM" val="36"/>
+</p:tagLst>
+</file>
+
+<file path=ppt/tags/tag179.xml><?xml version="1.0" encoding="utf-8"?>
+<p:tagLst xmlns:a="http://schemas.openxmlformats.org/drawingml/2006/main" xmlns:r="http://schemas.openxmlformats.org/officeDocument/2006/relationships" xmlns:p="http://schemas.openxmlformats.org/presentationml/2006/main">
+  <p:tag name="NUM" val="37"/>
+</p:tagLst>
+</file>
+
+<file path=ppt/tags/tag18.xml><?xml version="1.0" encoding="utf-8"?>
+<p:tagLst xmlns:a="http://schemas.openxmlformats.org/drawingml/2006/main" xmlns:r="http://schemas.openxmlformats.org/officeDocument/2006/relationships" xmlns:p="http://schemas.openxmlformats.org/presentationml/2006/main">
+  <p:tag name="NUM" val="18"/>
+</p:tagLst>
+</file>
+
+<file path=ppt/tags/tag180.xml><?xml version="1.0" encoding="utf-8"?>
+<p:tagLst xmlns:a="http://schemas.openxmlformats.org/drawingml/2006/main" xmlns:r="http://schemas.openxmlformats.org/officeDocument/2006/relationships" xmlns:p="http://schemas.openxmlformats.org/presentationml/2006/main">
+  <p:tag name="NUM" val="38"/>
+</p:tagLst>
+</file>
+
+<file path=ppt/tags/tag181.xml><?xml version="1.0" encoding="utf-8"?>
+<p:tagLst xmlns:a="http://schemas.openxmlformats.org/drawingml/2006/main" xmlns:r="http://schemas.openxmlformats.org/officeDocument/2006/relationships" xmlns:p="http://schemas.openxmlformats.org/presentationml/2006/main">
+  <p:tag name="NUM" val="39"/>
+</p:tagLst>
+</file>
+
+<file path=ppt/tags/tag182.xml><?xml version="1.0" encoding="utf-8"?>
+<p:tagLst xmlns:a="http://schemas.openxmlformats.org/drawingml/2006/main" xmlns:r="http://schemas.openxmlformats.org/officeDocument/2006/relationships" xmlns:p="http://schemas.openxmlformats.org/presentationml/2006/main">
+  <p:tag name="NUM" val="40"/>
+</p:tagLst>
+</file>
+
+<file path=ppt/tags/tag183.xml><?xml version="1.0" encoding="utf-8"?>
+<p:tagLst xmlns:a="http://schemas.openxmlformats.org/drawingml/2006/main" xmlns:r="http://schemas.openxmlformats.org/officeDocument/2006/relationships" xmlns:p="http://schemas.openxmlformats.org/presentationml/2006/main">
+  <p:tag name="NUM" val="41"/>
+</p:tagLst>
+</file>
+
+<file path=ppt/tags/tag184.xml><?xml version="1.0" encoding="utf-8"?>
+<p:tagLst xmlns:a="http://schemas.openxmlformats.org/drawingml/2006/main" xmlns:r="http://schemas.openxmlformats.org/officeDocument/2006/relationships" xmlns:p="http://schemas.openxmlformats.org/presentationml/2006/main">
+  <p:tag name="NUM" val="42"/>
+</p:tagLst>
+</file>
+
+<file path=ppt/tags/tag185.xml><?xml version="1.0" encoding="utf-8"?>
+<p:tagLst xmlns:a="http://schemas.openxmlformats.org/drawingml/2006/main" xmlns:r="http://schemas.openxmlformats.org/officeDocument/2006/relationships" xmlns:p="http://schemas.openxmlformats.org/presentationml/2006/main">
+  <p:tag name="NUM" val="43"/>
+</p:tagLst>
+</file>
+
+<file path=ppt/tags/tag186.xml><?xml version="1.0" encoding="utf-8"?>
+<p:tagLst xmlns:a="http://schemas.openxmlformats.org/drawingml/2006/main" xmlns:r="http://schemas.openxmlformats.org/officeDocument/2006/relationships" xmlns:p="http://schemas.openxmlformats.org/presentationml/2006/main">
+  <p:tag name="NUM" val="44"/>
+</p:tagLst>
+</file>
+
+<file path=ppt/tags/tag187.xml><?xml version="1.0" encoding="utf-8"?>
+<p:tagLst xmlns:a="http://schemas.openxmlformats.org/drawingml/2006/main" xmlns:r="http://schemas.openxmlformats.org/officeDocument/2006/relationships" xmlns:p="http://schemas.openxmlformats.org/presentationml/2006/main">
+  <p:tag name="NUM" val="45"/>
+</p:tagLst>
+</file>
+
+<file path=ppt/tags/tag188.xml><?xml version="1.0" encoding="utf-8"?>
+<p:tagLst xmlns:a="http://schemas.openxmlformats.org/drawingml/2006/main" xmlns:r="http://schemas.openxmlformats.org/officeDocument/2006/relationships" xmlns:p="http://schemas.openxmlformats.org/presentationml/2006/main">
+  <p:tag name="NUM" val="46"/>
+</p:tagLst>
+</file>
+
+<file path=ppt/tags/tag189.xml><?xml version="1.0" encoding="utf-8"?>
+<p:tagLst xmlns:a="http://schemas.openxmlformats.org/drawingml/2006/main" xmlns:r="http://schemas.openxmlformats.org/officeDocument/2006/relationships" xmlns:p="http://schemas.openxmlformats.org/presentationml/2006/main">
+  <p:tag name="NUM" val="47"/>
+</p:tagLst>
+</file>
+
+<file path=ppt/tags/tag19.xml><?xml version="1.0" encoding="utf-8"?>
+<p:tagLst xmlns:a="http://schemas.openxmlformats.org/drawingml/2006/main" xmlns:r="http://schemas.openxmlformats.org/officeDocument/2006/relationships" xmlns:p="http://schemas.openxmlformats.org/presentationml/2006/main">
+  <p:tag name="NUM" val="19"/>
+</p:tagLst>
+</file>
+
+<file path=ppt/tags/tag190.xml><?xml version="1.0" encoding="utf-8"?>
+<p:tagLst xmlns:a="http://schemas.openxmlformats.org/drawingml/2006/main" xmlns:r="http://schemas.openxmlformats.org/officeDocument/2006/relationships" xmlns:p="http://schemas.openxmlformats.org/presentationml/2006/main">
+  <p:tag name="NUM" val="48"/>
+</p:tagLst>
+</file>
+
+<file path=ppt/tags/tag191.xml><?xml version="1.0" encoding="utf-8"?>
+<p:tagLst xmlns:a="http://schemas.openxmlformats.org/drawingml/2006/main" xmlns:r="http://schemas.openxmlformats.org/officeDocument/2006/relationships" xmlns:p="http://schemas.openxmlformats.org/presentationml/2006/main">
+  <p:tag name="NUM" val="49"/>
+</p:tagLst>
+</file>
+
+<file path=ppt/tags/tag192.xml><?xml version="1.0" encoding="utf-8"?>
+<p:tagLst xmlns:a="http://schemas.openxmlformats.org/drawingml/2006/main" xmlns:r="http://schemas.openxmlformats.org/officeDocument/2006/relationships" xmlns:p="http://schemas.openxmlformats.org/presentationml/2006/main">
+  <p:tag name="NUM" val="50"/>
+</p:tagLst>
+</file>
+
+<file path=ppt/tags/tag193.xml><?xml version="1.0" encoding="utf-8"?>
+<p:tagLst xmlns:a="http://schemas.openxmlformats.org/drawingml/2006/main" xmlns:r="http://schemas.openxmlformats.org/officeDocument/2006/relationships" xmlns:p="http://schemas.openxmlformats.org/presentationml/2006/main">
+  <p:tag name="NUM" val="1"/>
+</p:tagLst>
+</file>
+
+<file path=ppt/tags/tag194.xml><?xml version="1.0" encoding="utf-8"?>
+<p:tagLst xmlns:a="http://schemas.openxmlformats.org/drawingml/2006/main" xmlns:r="http://schemas.openxmlformats.org/officeDocument/2006/relationships" xmlns:p="http://schemas.openxmlformats.org/presentationml/2006/main">
+  <p:tag name="NUM" val="2"/>
+</p:tagLst>
+</file>
+
+<file path=ppt/tags/tag195.xml><?xml version="1.0" encoding="utf-8"?>
+<p:tagLst xmlns:a="http://schemas.openxmlformats.org/drawingml/2006/main" xmlns:r="http://schemas.openxmlformats.org/officeDocument/2006/relationships" xmlns:p="http://schemas.openxmlformats.org/presentationml/2006/main">
+  <p:tag name="NUM" val="3"/>
+</p:tagLst>
+</file>
+
+<file path=ppt/tags/tag196.xml><?xml version="1.0" encoding="utf-8"?>
+<p:tagLst xmlns:a="http://schemas.openxmlformats.org/drawingml/2006/main" xmlns:r="http://schemas.openxmlformats.org/officeDocument/2006/relationships" xmlns:p="http://schemas.openxmlformats.org/presentationml/2006/main">
+  <p:tag name="NUM" val="4"/>
+</p:tagLst>
+</file>
+
+<file path=ppt/tags/tag197.xml><?xml version="1.0" encoding="utf-8"?>
+<p:tagLst xmlns:a="http://schemas.openxmlformats.org/drawingml/2006/main" xmlns:r="http://schemas.openxmlformats.org/officeDocument/2006/relationships" xmlns:p="http://schemas.openxmlformats.org/presentationml/2006/main">
+  <p:tag name="NUM" val="5"/>
+</p:tagLst>
+</file>
+
+<file path=ppt/tags/tag198.xml><?xml version="1.0" encoding="utf-8"?>
+<p:tagLst xmlns:a="http://schemas.openxmlformats.org/drawingml/2006/main" xmlns:r="http://schemas.openxmlformats.org/officeDocument/2006/relationships" xmlns:p="http://schemas.openxmlformats.org/presentationml/2006/main">
+  <p:tag name="NUM" val="6"/>
+</p:tagLst>
+</file>
+
+<file path=ppt/tags/tag199.xml><?xml version="1.0" encoding="utf-8"?>
+<p:tagLst xmlns:a="http://schemas.openxmlformats.org/drawingml/2006/main" xmlns:r="http://schemas.openxmlformats.org/officeDocument/2006/relationships" xmlns:p="http://schemas.openxmlformats.org/presentationml/2006/main">
+  <p:tag name="NUM" val="7"/>
+</p:tagLst>
+</file>
+
+<file path=ppt/tags/tag2.xml><?xml version="1.0" encoding="utf-8"?>
+<p:tagLst xmlns:a="http://schemas.openxmlformats.org/drawingml/2006/main" xmlns:r="http://schemas.openxmlformats.org/officeDocument/2006/relationships" xmlns:p="http://schemas.openxmlformats.org/presentationml/2006/main">
+  <p:tag name="NUM" val="2"/>
+</p:tagLst>
+</file>
+
+<file path=ppt/tags/tag20.xml><?xml version="1.0" encoding="utf-8"?>
+<p:tagLst xmlns:a="http://schemas.openxmlformats.org/drawingml/2006/main" xmlns:r="http://schemas.openxmlformats.org/officeDocument/2006/relationships" xmlns:p="http://schemas.openxmlformats.org/presentationml/2006/main">
+  <p:tag name="NUM" val="20"/>
+</p:tagLst>
+</file>
+
+<file path=ppt/tags/tag200.xml><?xml version="1.0" encoding="utf-8"?>
+<p:tagLst xmlns:a="http://schemas.openxmlformats.org/drawingml/2006/main" xmlns:r="http://schemas.openxmlformats.org/officeDocument/2006/relationships" xmlns:p="http://schemas.openxmlformats.org/presentationml/2006/main">
+  <p:tag name="NUM" val="8"/>
+</p:tagLst>
+</file>
+
+<file path=ppt/tags/tag201.xml><?xml version="1.0" encoding="utf-8"?>
+<p:tagLst xmlns:a="http://schemas.openxmlformats.org/drawingml/2006/main" xmlns:r="http://schemas.openxmlformats.org/officeDocument/2006/relationships" xmlns:p="http://schemas.openxmlformats.org/presentationml/2006/main">
+  <p:tag name="NUM" val="9"/>
+</p:tagLst>
+</file>
+
+<file path=ppt/tags/tag202.xml><?xml version="1.0" encoding="utf-8"?>
+<p:tagLst xmlns:a="http://schemas.openxmlformats.org/drawingml/2006/main" xmlns:r="http://schemas.openxmlformats.org/officeDocument/2006/relationships" xmlns:p="http://schemas.openxmlformats.org/presentationml/2006/main">
+  <p:tag name="NUM" val="10"/>
+</p:tagLst>
+</file>
+
+<file path=ppt/tags/tag203.xml><?xml version="1.0" encoding="utf-8"?>
+<p:tagLst xmlns:a="http://schemas.openxmlformats.org/drawingml/2006/main" xmlns:r="http://schemas.openxmlformats.org/officeDocument/2006/relationships" xmlns:p="http://schemas.openxmlformats.org/presentationml/2006/main">
+  <p:tag name="NUM" val="11"/>
+</p:tagLst>
+</file>
+
+<file path=ppt/tags/tag204.xml><?xml version="1.0" encoding="utf-8"?>
+<p:tagLst xmlns:a="http://schemas.openxmlformats.org/drawingml/2006/main" xmlns:r="http://schemas.openxmlformats.org/officeDocument/2006/relationships" xmlns:p="http://schemas.openxmlformats.org/presentationml/2006/main">
+  <p:tag name="NUM" val="12"/>
+</p:tagLst>
+</file>
+
+<file path=ppt/tags/tag205.xml><?xml version="1.0" encoding="utf-8"?>
+<p:tagLst xmlns:a="http://schemas.openxmlformats.org/drawingml/2006/main" xmlns:r="http://schemas.openxmlformats.org/officeDocument/2006/relationships" xmlns:p="http://schemas.openxmlformats.org/presentationml/2006/main">
+  <p:tag name="NUM" val="13"/>
+</p:tagLst>
+</file>
+
+<file path=ppt/tags/tag206.xml><?xml version="1.0" encoding="utf-8"?>
+<p:tagLst xmlns:a="http://schemas.openxmlformats.org/drawingml/2006/main" xmlns:r="http://schemas.openxmlformats.org/officeDocument/2006/relationships" xmlns:p="http://schemas.openxmlformats.org/presentationml/2006/main">
+  <p:tag name="NUM" val="14"/>
+</p:tagLst>
+</file>
+
+<file path=ppt/tags/tag207.xml><?xml version="1.0" encoding="utf-8"?>
+<p:tagLst xmlns:a="http://schemas.openxmlformats.org/drawingml/2006/main" xmlns:r="http://schemas.openxmlformats.org/officeDocument/2006/relationships" xmlns:p="http://schemas.openxmlformats.org/presentationml/2006/main">
+  <p:tag name="NUM" val="15"/>
+</p:tagLst>
+</file>
+
+<file path=ppt/tags/tag208.xml><?xml version="1.0" encoding="utf-8"?>
+<p:tagLst xmlns:a="http://schemas.openxmlformats.org/drawingml/2006/main" xmlns:r="http://schemas.openxmlformats.org/officeDocument/2006/relationships" xmlns:p="http://schemas.openxmlformats.org/presentationml/2006/main">
+  <p:tag name="NUM" val="16"/>
+</p:tagLst>
+</file>
+
+<file path=ppt/tags/tag209.xml><?xml version="1.0" encoding="utf-8"?>
+<p:tagLst xmlns:a="http://schemas.openxmlformats.org/drawingml/2006/main" xmlns:r="http://schemas.openxmlformats.org/officeDocument/2006/relationships" xmlns:p="http://schemas.openxmlformats.org/presentationml/2006/main">
+  <p:tag name="NUM" val="17"/>
+</p:tagLst>
+</file>
+
+<file path=ppt/tags/tag21.xml><?xml version="1.0" encoding="utf-8"?>
+<p:tagLst xmlns:a="http://schemas.openxmlformats.org/drawingml/2006/main" xmlns:r="http://schemas.openxmlformats.org/officeDocument/2006/relationships" xmlns:p="http://schemas.openxmlformats.org/presentationml/2006/main">
+  <p:tag name="NUM" val="21"/>
+</p:tagLst>
+</file>
+
+<file path=ppt/tags/tag210.xml><?xml version="1.0" encoding="utf-8"?>
+<p:tagLst xmlns:a="http://schemas.openxmlformats.org/drawingml/2006/main" xmlns:r="http://schemas.openxmlformats.org/officeDocument/2006/relationships" xmlns:p="http://schemas.openxmlformats.org/presentationml/2006/main">
+  <p:tag name="NUM" val="18"/>
+</p:tagLst>
+</file>
+
+<file path=ppt/tags/tag211.xml><?xml version="1.0" encoding="utf-8"?>
+<p:tagLst xmlns:a="http://schemas.openxmlformats.org/drawingml/2006/main" xmlns:r="http://schemas.openxmlformats.org/officeDocument/2006/relationships" xmlns:p="http://schemas.openxmlformats.org/presentationml/2006/main">
+  <p:tag name="NUM" val="19"/>
+</p:tagLst>
+</file>
+
+<file path=ppt/tags/tag212.xml><?xml version="1.0" encoding="utf-8"?>
+<p:tagLst xmlns:a="http://schemas.openxmlformats.org/drawingml/2006/main" xmlns:r="http://schemas.openxmlformats.org/officeDocument/2006/relationships" xmlns:p="http://schemas.openxmlformats.org/presentationml/2006/main">
+  <p:tag name="NUM" val="20"/>
+</p:tagLst>
+</file>
+
+<file path=ppt/tags/tag213.xml><?xml version="1.0" encoding="utf-8"?>
+<p:tagLst xmlns:a="http://schemas.openxmlformats.org/drawingml/2006/main" xmlns:r="http://schemas.openxmlformats.org/officeDocument/2006/relationships" xmlns:p="http://schemas.openxmlformats.org/presentationml/2006/main">
+  <p:tag name="NUM" val="21"/>
+</p:tagLst>
+</file>
+
+<file path=ppt/tags/tag214.xml><?xml version="1.0" encoding="utf-8"?>
+<p:tagLst xmlns:a="http://schemas.openxmlformats.org/drawingml/2006/main" xmlns:r="http://schemas.openxmlformats.org/officeDocument/2006/relationships" xmlns:p="http://schemas.openxmlformats.org/presentationml/2006/main">
+  <p:tag name="NUM" val="22"/>
+</p:tagLst>
+</file>
+
+<file path=ppt/tags/tag215.xml><?xml version="1.0" encoding="utf-8"?>
+<p:tagLst xmlns:a="http://schemas.openxmlformats.org/drawingml/2006/main" xmlns:r="http://schemas.openxmlformats.org/officeDocument/2006/relationships" xmlns:p="http://schemas.openxmlformats.org/presentationml/2006/main">
+  <p:tag name="NUM" val="23"/>
+</p:tagLst>
+</file>
+
+<file path=ppt/tags/tag216.xml><?xml version="1.0" encoding="utf-8"?>
+<p:tagLst xmlns:a="http://schemas.openxmlformats.org/drawingml/2006/main" xmlns:r="http://schemas.openxmlformats.org/officeDocument/2006/relationships" xmlns:p="http://schemas.openxmlformats.org/presentationml/2006/main">
+  <p:tag name="NUM" val="24"/>
+</p:tagLst>
+</file>
+
+<file path=ppt/tags/tag217.xml><?xml version="1.0" encoding="utf-8"?>
+<p:tagLst xmlns:a="http://schemas.openxmlformats.org/drawingml/2006/main" xmlns:r="http://schemas.openxmlformats.org/officeDocument/2006/relationships" xmlns:p="http://schemas.openxmlformats.org/presentationml/2006/main">
+  <p:tag name="NUM" val="25"/>
+</p:tagLst>
+</file>
+
+<file path=ppt/tags/tag218.xml><?xml version="1.0" encoding="utf-8"?>
+<p:tagLst xmlns:a="http://schemas.openxmlformats.org/drawingml/2006/main" xmlns:r="http://schemas.openxmlformats.org/officeDocument/2006/relationships" xmlns:p="http://schemas.openxmlformats.org/presentationml/2006/main">
+  <p:tag name="NUM" val="27"/>
+</p:tagLst>
+</file>
+
+<file path=ppt/tags/tag219.xml><?xml version="1.0" encoding="utf-8"?>
+<p:tagLst xmlns:a="http://schemas.openxmlformats.org/drawingml/2006/main" xmlns:r="http://schemas.openxmlformats.org/officeDocument/2006/relationships" xmlns:p="http://schemas.openxmlformats.org/presentationml/2006/main">
+  <p:tag name="NUM" val="28"/>
+</p:tagLst>
+</file>
+
+<file path=ppt/tags/tag22.xml><?xml version="1.0" encoding="utf-8"?>
+<p:tagLst xmlns:a="http://schemas.openxmlformats.org/drawingml/2006/main" xmlns:r="http://schemas.openxmlformats.org/officeDocument/2006/relationships" xmlns:p="http://schemas.openxmlformats.org/presentationml/2006/main">
+  <p:tag name="NUM" val="22"/>
+</p:tagLst>
+</file>
+
+<file path=ppt/tags/tag220.xml><?xml version="1.0" encoding="utf-8"?>
+<p:tagLst xmlns:a="http://schemas.openxmlformats.org/drawingml/2006/main" xmlns:r="http://schemas.openxmlformats.org/officeDocument/2006/relationships" xmlns:p="http://schemas.openxmlformats.org/presentationml/2006/main">
+  <p:tag name="NUM" val="29"/>
+</p:tagLst>
+</file>
+
+<file path=ppt/tags/tag221.xml><?xml version="1.0" encoding="utf-8"?>
+<p:tagLst xmlns:a="http://schemas.openxmlformats.org/drawingml/2006/main" xmlns:r="http://schemas.openxmlformats.org/officeDocument/2006/relationships" xmlns:p="http://schemas.openxmlformats.org/presentationml/2006/main">
+  <p:tag name="NUM" val="30"/>
+</p:tagLst>
+</file>
+
+<file path=ppt/tags/tag222.xml><?xml version="1.0" encoding="utf-8"?>
+<p:tagLst xmlns:a="http://schemas.openxmlformats.org/drawingml/2006/main" xmlns:r="http://schemas.openxmlformats.org/officeDocument/2006/relationships" xmlns:p="http://schemas.openxmlformats.org/presentationml/2006/main">
+  <p:tag name="NUM" val="31"/>
+</p:tagLst>
+</file>
+
+<file path=ppt/tags/tag223.xml><?xml version="1.0" encoding="utf-8"?>
+<p:tagLst xmlns:a="http://schemas.openxmlformats.org/drawingml/2006/main" xmlns:r="http://schemas.openxmlformats.org/officeDocument/2006/relationships" xmlns:p="http://schemas.openxmlformats.org/presentationml/2006/main">
+  <p:tag name="NUM" val="32"/>
+</p:tagLst>
+</file>
+
+<file path=ppt/tags/tag224.xml><?xml version="1.0" encoding="utf-8"?>
+<p:tagLst xmlns:a="http://schemas.openxmlformats.org/drawingml/2006/main" xmlns:r="http://schemas.openxmlformats.org/officeDocument/2006/relationships" xmlns:p="http://schemas.openxmlformats.org/presentationml/2006/main">
+  <p:tag name="NUM" val="33"/>
+</p:tagLst>
+</file>
+
+<file path=ppt/tags/tag225.xml><?xml version="1.0" encoding="utf-8"?>
+<p:tagLst xmlns:a="http://schemas.openxmlformats.org/drawingml/2006/main" xmlns:r="http://schemas.openxmlformats.org/officeDocument/2006/relationships" xmlns:p="http://schemas.openxmlformats.org/presentationml/2006/main">
+  <p:tag name="NUM" val="34"/>
+</p:tagLst>
+</file>
+
+<file path=ppt/tags/tag226.xml><?xml version="1.0" encoding="utf-8"?>
+<p:tagLst xmlns:a="http://schemas.openxmlformats.org/drawingml/2006/main" xmlns:r="http://schemas.openxmlformats.org/officeDocument/2006/relationships" xmlns:p="http://schemas.openxmlformats.org/presentationml/2006/main">
+  <p:tag name="NUM" val="35"/>
+</p:tagLst>
+</file>
+
+<file path=ppt/tags/tag227.xml><?xml version="1.0" encoding="utf-8"?>
+<p:tagLst xmlns:a="http://schemas.openxmlformats.org/drawingml/2006/main" xmlns:r="http://schemas.openxmlformats.org/officeDocument/2006/relationships" xmlns:p="http://schemas.openxmlformats.org/presentationml/2006/main">
+  <p:tag name="NUM" val="36"/>
+</p:tagLst>
+</file>
+
+<file path=ppt/tags/tag228.xml><?xml version="1.0" encoding="utf-8"?>
+<p:tagLst xmlns:a="http://schemas.openxmlformats.org/drawingml/2006/main" xmlns:r="http://schemas.openxmlformats.org/officeDocument/2006/relationships" xmlns:p="http://schemas.openxmlformats.org/presentationml/2006/main">
+  <p:tag name="NUM" val="37"/>
+</p:tagLst>
+</file>
+
+<file path=ppt/tags/tag229.xml><?xml version="1.0" encoding="utf-8"?>
+<p:tagLst xmlns:a="http://schemas.openxmlformats.org/drawingml/2006/main" xmlns:r="http://schemas.openxmlformats.org/officeDocument/2006/relationships" xmlns:p="http://schemas.openxmlformats.org/presentationml/2006/main">
+  <p:tag name="NUM" val="1"/>
+</p:tagLst>
+</file>
+
+<file path=ppt/tags/tag23.xml><?xml version="1.0" encoding="utf-8"?>
+<p:tagLst xmlns:a="http://schemas.openxmlformats.org/drawingml/2006/main" xmlns:r="http://schemas.openxmlformats.org/officeDocument/2006/relationships" xmlns:p="http://schemas.openxmlformats.org/presentationml/2006/main">
+  <p:tag name="NUM" val="23"/>
+</p:tagLst>
+</file>
+
+<file path=ppt/tags/tag230.xml><?xml version="1.0" encoding="utf-8"?>
+<p:tagLst xmlns:a="http://schemas.openxmlformats.org/drawingml/2006/main" xmlns:r="http://schemas.openxmlformats.org/officeDocument/2006/relationships" xmlns:p="http://schemas.openxmlformats.org/presentationml/2006/main">
+  <p:tag name="NUM" val="2"/>
+</p:tagLst>
+</file>
+
+<file path=ppt/tags/tag231.xml><?xml version="1.0" encoding="utf-8"?>
+<p:tagLst xmlns:a="http://schemas.openxmlformats.org/drawingml/2006/main" xmlns:r="http://schemas.openxmlformats.org/officeDocument/2006/relationships" xmlns:p="http://schemas.openxmlformats.org/presentationml/2006/main">
+  <p:tag name="NUM" val="3"/>
+</p:tagLst>
+</file>
+
+<file path=ppt/tags/tag232.xml><?xml version="1.0" encoding="utf-8"?>
+<p:tagLst xmlns:a="http://schemas.openxmlformats.org/drawingml/2006/main" xmlns:r="http://schemas.openxmlformats.org/officeDocument/2006/relationships" xmlns:p="http://schemas.openxmlformats.org/presentationml/2006/main">
+  <p:tag name="NUM" val="4"/>
+</p:tagLst>
+</file>
+
+<file path=ppt/tags/tag233.xml><?xml version="1.0" encoding="utf-8"?>
+<p:tagLst xmlns:a="http://schemas.openxmlformats.org/drawingml/2006/main" xmlns:r="http://schemas.openxmlformats.org/officeDocument/2006/relationships" xmlns:p="http://schemas.openxmlformats.org/presentationml/2006/main">
+  <p:tag name="NUM" val="5"/>
+</p:tagLst>
+</file>
+
+<file path=ppt/tags/tag234.xml><?xml version="1.0" encoding="utf-8"?>
+<p:tagLst xmlns:a="http://schemas.openxmlformats.org/drawingml/2006/main" xmlns:r="http://schemas.openxmlformats.org/officeDocument/2006/relationships" xmlns:p="http://schemas.openxmlformats.org/presentationml/2006/main">
+  <p:tag name="NUM" val="6"/>
+</p:tagLst>
+</file>
+
+<file path=ppt/tags/tag235.xml><?xml version="1.0" encoding="utf-8"?>
+<p:tagLst xmlns:a="http://schemas.openxmlformats.org/drawingml/2006/main" xmlns:r="http://schemas.openxmlformats.org/officeDocument/2006/relationships" xmlns:p="http://schemas.openxmlformats.org/presentationml/2006/main">
+  <p:tag name="NUM" val="7"/>
+</p:tagLst>
+</file>
+
+<file path=ppt/tags/tag236.xml><?xml version="1.0" encoding="utf-8"?>
+<p:tagLst xmlns:a="http://schemas.openxmlformats.org/drawingml/2006/main" xmlns:r="http://schemas.openxmlformats.org/officeDocument/2006/relationships" xmlns:p="http://schemas.openxmlformats.org/presentationml/2006/main">
+  <p:tag name="NUM" val="8"/>
+</p:tagLst>
+</file>
+
+<file path=ppt/tags/tag237.xml><?xml version="1.0" encoding="utf-8"?>
+<p:tagLst xmlns:a="http://schemas.openxmlformats.org/drawingml/2006/main" xmlns:r="http://schemas.openxmlformats.org/officeDocument/2006/relationships" xmlns:p="http://schemas.openxmlformats.org/presentationml/2006/main">
+  <p:tag name="NUM" val="9"/>
+</p:tagLst>
+</file>
+
+<file path=ppt/tags/tag238.xml><?xml version="1.0" encoding="utf-8"?>
+<p:tagLst xmlns:a="http://schemas.openxmlformats.org/drawingml/2006/main" xmlns:r="http://schemas.openxmlformats.org/officeDocument/2006/relationships" xmlns:p="http://schemas.openxmlformats.org/presentationml/2006/main">
+  <p:tag name="NUM" val="10"/>
+</p:tagLst>
+</file>
+
+<file path=ppt/tags/tag239.xml><?xml version="1.0" encoding="utf-8"?>
+<p:tagLst xmlns:a="http://schemas.openxmlformats.org/drawingml/2006/main" xmlns:r="http://schemas.openxmlformats.org/officeDocument/2006/relationships" xmlns:p="http://schemas.openxmlformats.org/presentationml/2006/main">
+  <p:tag name="NUM" val="11"/>
+</p:tagLst>
+</file>
+
+<file path=ppt/tags/tag24.xml><?xml version="1.0" encoding="utf-8"?>
+<p:tagLst xmlns:a="http://schemas.openxmlformats.org/drawingml/2006/main" xmlns:r="http://schemas.openxmlformats.org/officeDocument/2006/relationships" xmlns:p="http://schemas.openxmlformats.org/presentationml/2006/main">
+  <p:tag name="NUM" val="24"/>
+</p:tagLst>
+</file>
+
+<file path=ppt/tags/tag240.xml><?xml version="1.0" encoding="utf-8"?>
+<p:tagLst xmlns:a="http://schemas.openxmlformats.org/drawingml/2006/main" xmlns:r="http://schemas.openxmlformats.org/officeDocument/2006/relationships" xmlns:p="http://schemas.openxmlformats.org/presentationml/2006/main">
+  <p:tag name="NUM" val="12"/>
+</p:tagLst>
+</file>
+
+<file path=ppt/tags/tag241.xml><?xml version="1.0" encoding="utf-8"?>
+<p:tagLst xmlns:a="http://schemas.openxmlformats.org/drawingml/2006/main" xmlns:r="http://schemas.openxmlformats.org/officeDocument/2006/relationships" xmlns:p="http://schemas.openxmlformats.org/presentationml/2006/main">
+  <p:tag name="NUM" val="13"/>
+</p:tagLst>
+</file>
+
+<file path=ppt/tags/tag242.xml><?xml version="1.0" encoding="utf-8"?>
+<p:tagLst xmlns:a="http://schemas.openxmlformats.org/drawingml/2006/main" xmlns:r="http://schemas.openxmlformats.org/officeDocument/2006/relationships" xmlns:p="http://schemas.openxmlformats.org/presentationml/2006/main">
+  <p:tag name="NUM" val="14"/>
+</p:tagLst>
+</file>
+
+<file path=ppt/tags/tag243.xml><?xml version="1.0" encoding="utf-8"?>
+<p:tagLst xmlns:a="http://schemas.openxmlformats.org/drawingml/2006/main" xmlns:r="http://schemas.openxmlformats.org/officeDocument/2006/relationships" xmlns:p="http://schemas.openxmlformats.org/presentationml/2006/main">
+  <p:tag name="NUM" val="15"/>
+</p:tagLst>
+</file>
+
+<file path=ppt/tags/tag244.xml><?xml version="1.0" encoding="utf-8"?>
+<p:tagLst xmlns:a="http://schemas.openxmlformats.org/drawingml/2006/main" xmlns:r="http://schemas.openxmlformats.org/officeDocument/2006/relationships" xmlns:p="http://schemas.openxmlformats.org/presentationml/2006/main">
+  <p:tag name="NUM" val="16"/>
+</p:tagLst>
+</file>
+
+<file path=ppt/tags/tag245.xml><?xml version="1.0" encoding="utf-8"?>
+<p:tagLst xmlns:a="http://schemas.openxmlformats.org/drawingml/2006/main" xmlns:r="http://schemas.openxmlformats.org/officeDocument/2006/relationships" xmlns:p="http://schemas.openxmlformats.org/presentationml/2006/main">
+  <p:tag name="NUM" val="17"/>
+</p:tagLst>
+</file>
+
+<file path=ppt/tags/tag246.xml><?xml version="1.0" encoding="utf-8"?>
+<p:tagLst xmlns:a="http://schemas.openxmlformats.org/drawingml/2006/main" xmlns:r="http://schemas.openxmlformats.org/officeDocument/2006/relationships" xmlns:p="http://schemas.openxmlformats.org/presentationml/2006/main">
+  <p:tag name="NUM" val="18"/>
+</p:tagLst>
+</file>
+
+<file path=ppt/tags/tag247.xml><?xml version="1.0" encoding="utf-8"?>
+<p:tagLst xmlns:a="http://schemas.openxmlformats.org/drawingml/2006/main" xmlns:r="http://schemas.openxmlformats.org/officeDocument/2006/relationships" xmlns:p="http://schemas.openxmlformats.org/presentationml/2006/main">
+  <p:tag name="NUM" val="19"/>
+</p:tagLst>
+</file>
+
+<file path=ppt/tags/tag248.xml><?xml version="1.0" encoding="utf-8"?>
+<p:tagLst xmlns:a="http://schemas.openxmlformats.org/drawingml/2006/main" xmlns:r="http://schemas.openxmlformats.org/officeDocument/2006/relationships" xmlns:p="http://schemas.openxmlformats.org/presentationml/2006/main">
+  <p:tag name="NUM" val="20"/>
+</p:tagLst>
+</file>
+
+<file path=ppt/tags/tag249.xml><?xml version="1.0" encoding="utf-8"?>
+<p:tagLst xmlns:a="http://schemas.openxmlformats.org/drawingml/2006/main" xmlns:r="http://schemas.openxmlformats.org/officeDocument/2006/relationships" xmlns:p="http://schemas.openxmlformats.org/presentationml/2006/main">
+  <p:tag name="NUM" val="21"/>
+</p:tagLst>
+</file>
+
+<file path=ppt/tags/tag25.xml><?xml version="1.0" encoding="utf-8"?>
+<p:tagLst xmlns:a="http://schemas.openxmlformats.org/drawingml/2006/main" xmlns:r="http://schemas.openxmlformats.org/officeDocument/2006/relationships" xmlns:p="http://schemas.openxmlformats.org/presentationml/2006/main">
+  <p:tag name="NUM" val="25"/>
+</p:tagLst>
+</file>
+
+<file path=ppt/tags/tag250.xml><?xml version="1.0" encoding="utf-8"?>
+<p:tagLst xmlns:a="http://schemas.openxmlformats.org/drawingml/2006/main" xmlns:r="http://schemas.openxmlformats.org/officeDocument/2006/relationships" xmlns:p="http://schemas.openxmlformats.org/presentationml/2006/main">
+  <p:tag name="NUM" val="22"/>
+</p:tagLst>
+</file>
+
+<file path=ppt/tags/tag251.xml><?xml version="1.0" encoding="utf-8"?>
+<p:tagLst xmlns:a="http://schemas.openxmlformats.org/drawingml/2006/main" xmlns:r="http://schemas.openxmlformats.org/officeDocument/2006/relationships" xmlns:p="http://schemas.openxmlformats.org/presentationml/2006/main">
+  <p:tag name="NUM" val="23"/>
+</p:tagLst>
+</file>
+
+<file path=ppt/tags/tag252.xml><?xml version="1.0" encoding="utf-8"?>
+<p:tagLst xmlns:a="http://schemas.openxmlformats.org/drawingml/2006/main" xmlns:r="http://schemas.openxmlformats.org/officeDocument/2006/relationships" xmlns:p="http://schemas.openxmlformats.org/presentationml/2006/main">
+  <p:tag name="NUM" val="24"/>
+</p:tagLst>
+</file>
+
+<file path=ppt/tags/tag253.xml><?xml version="1.0" encoding="utf-8"?>
+<p:tagLst xmlns:a="http://schemas.openxmlformats.org/drawingml/2006/main" xmlns:r="http://schemas.openxmlformats.org/officeDocument/2006/relationships" xmlns:p="http://schemas.openxmlformats.org/presentationml/2006/main">
+  <p:tag name="NUM" val="25"/>
+</p:tagLst>
+</file>
+
+<file path=ppt/tags/tag254.xml><?xml version="1.0" encoding="utf-8"?>
+<p:tagLst xmlns:a="http://schemas.openxmlformats.org/drawingml/2006/main" xmlns:r="http://schemas.openxmlformats.org/officeDocument/2006/relationships" xmlns:p="http://schemas.openxmlformats.org/presentationml/2006/main">
+  <p:tag name="NUM" val="27"/>
+</p:tagLst>
+</file>
+
+<file path=ppt/tags/tag255.xml><?xml version="1.0" encoding="utf-8"?>
+<p:tagLst xmlns:a="http://schemas.openxmlformats.org/drawingml/2006/main" xmlns:r="http://schemas.openxmlformats.org/officeDocument/2006/relationships" xmlns:p="http://schemas.openxmlformats.org/presentationml/2006/main">
+  <p:tag name="NUM" val="28"/>
+</p:tagLst>
+</file>
+
+<file path=ppt/tags/tag256.xml><?xml version="1.0" encoding="utf-8"?>
+<p:tagLst xmlns:a="http://schemas.openxmlformats.org/drawingml/2006/main" xmlns:r="http://schemas.openxmlformats.org/officeDocument/2006/relationships" xmlns:p="http://schemas.openxmlformats.org/presentationml/2006/main">
+  <p:tag name="NUM" val="29"/>
+</p:tagLst>
+</file>
+
+<file path=ppt/tags/tag257.xml><?xml version="1.0" encoding="utf-8"?>
+<p:tagLst xmlns:a="http://schemas.openxmlformats.org/drawingml/2006/main" xmlns:r="http://schemas.openxmlformats.org/officeDocument/2006/relationships" xmlns:p="http://schemas.openxmlformats.org/presentationml/2006/main">
+  <p:tag name="NUM" val="30"/>
+</p:tagLst>
+</file>
+
+<file path=ppt/tags/tag258.xml><?xml version="1.0" encoding="utf-8"?>
+<p:tagLst xmlns:a="http://schemas.openxmlformats.org/drawingml/2006/main" xmlns:r="http://schemas.openxmlformats.org/officeDocument/2006/relationships" xmlns:p="http://schemas.openxmlformats.org/presentationml/2006/main">
+  <p:tag name="NUM" val="31"/>
+</p:tagLst>
+</file>
+
+<file path=ppt/tags/tag259.xml><?xml version="1.0" encoding="utf-8"?>
+<p:tagLst xmlns:a="http://schemas.openxmlformats.org/drawingml/2006/main" xmlns:r="http://schemas.openxmlformats.org/officeDocument/2006/relationships" xmlns:p="http://schemas.openxmlformats.org/presentationml/2006/main">
+  <p:tag name="NUM" val="32"/>
+</p:tagLst>
+</file>
+
+<file path=ppt/tags/tag26.xml><?xml version="1.0" encoding="utf-8"?>
+<p:tagLst xmlns:a="http://schemas.openxmlformats.org/drawingml/2006/main" xmlns:r="http://schemas.openxmlformats.org/officeDocument/2006/relationships" xmlns:p="http://schemas.openxmlformats.org/presentationml/2006/main">
+  <p:tag name="NUM" val="26"/>
+</p:tagLst>
+</file>
+
+<file path=ppt/tags/tag260.xml><?xml version="1.0" encoding="utf-8"?>
+<p:tagLst xmlns:a="http://schemas.openxmlformats.org/drawingml/2006/main" xmlns:r="http://schemas.openxmlformats.org/officeDocument/2006/relationships" xmlns:p="http://schemas.openxmlformats.org/presentationml/2006/main">
+  <p:tag name="NUM" val="33"/>
+</p:tagLst>
+</file>
+
+<file path=ppt/tags/tag261.xml><?xml version="1.0" encoding="utf-8"?>
+<p:tagLst xmlns:a="http://schemas.openxmlformats.org/drawingml/2006/main" xmlns:r="http://schemas.openxmlformats.org/officeDocument/2006/relationships" xmlns:p="http://schemas.openxmlformats.org/presentationml/2006/main">
+  <p:tag name="NUM" val="34"/>
+</p:tagLst>
+</file>
+
+<file path=ppt/tags/tag262.xml><?xml version="1.0" encoding="utf-8"?>
+<p:tagLst xmlns:a="http://schemas.openxmlformats.org/drawingml/2006/main" xmlns:r="http://schemas.openxmlformats.org/officeDocument/2006/relationships" xmlns:p="http://schemas.openxmlformats.org/presentationml/2006/main">
+  <p:tag name="NUM" val="35"/>
+</p:tagLst>
+</file>
+
+<file path=ppt/tags/tag263.xml><?xml version="1.0" encoding="utf-8"?>
+<p:tagLst xmlns:a="http://schemas.openxmlformats.org/drawingml/2006/main" xmlns:r="http://schemas.openxmlformats.org/officeDocument/2006/relationships" xmlns:p="http://schemas.openxmlformats.org/presentationml/2006/main">
+  <p:tag name="NUM" val="36"/>
+</p:tagLst>
+</file>
+
+<file path=ppt/tags/tag264.xml><?xml version="1.0" encoding="utf-8"?>
+<p:tagLst xmlns:a="http://schemas.openxmlformats.org/drawingml/2006/main" xmlns:r="http://schemas.openxmlformats.org/officeDocument/2006/relationships" xmlns:p="http://schemas.openxmlformats.org/presentationml/2006/main">
+  <p:tag name="NUM" val="37"/>
+</p:tagLst>
+</file>
+
+<file path=ppt/tags/tag265.xml><?xml version="1.0" encoding="utf-8"?>
+<p:tagLst xmlns:a="http://schemas.openxmlformats.org/drawingml/2006/main" xmlns:r="http://schemas.openxmlformats.org/officeDocument/2006/relationships" xmlns:p="http://schemas.openxmlformats.org/presentationml/2006/main">
+  <p:tag name="NUM" val="1"/>
+</p:tagLst>
+</file>
+
+<file path=ppt/tags/tag266.xml><?xml version="1.0" encoding="utf-8"?>
+<p:tagLst xmlns:a="http://schemas.openxmlformats.org/drawingml/2006/main" xmlns:r="http://schemas.openxmlformats.org/officeDocument/2006/relationships" xmlns:p="http://schemas.openxmlformats.org/presentationml/2006/main">
+  <p:tag name="NUM" val="2"/>
+</p:tagLst>
+</file>
+
+<file path=ppt/tags/tag267.xml><?xml version="1.0" encoding="utf-8"?>
+<p:tagLst xmlns:a="http://schemas.openxmlformats.org/drawingml/2006/main" xmlns:r="http://schemas.openxmlformats.org/officeDocument/2006/relationships" xmlns:p="http://schemas.openxmlformats.org/presentationml/2006/main">
+  <p:tag name="NUM" val="3"/>
+</p:tagLst>
+</file>
+
+<file path=ppt/tags/tag268.xml><?xml version="1.0" encoding="utf-8"?>
+<p:tagLst xmlns:a="http://schemas.openxmlformats.org/drawingml/2006/main" xmlns:r="http://schemas.openxmlformats.org/officeDocument/2006/relationships" xmlns:p="http://schemas.openxmlformats.org/presentationml/2006/main">
+  <p:tag name="NUM" val="4"/>
+</p:tagLst>
+</file>
+
+<file path=ppt/tags/tag269.xml><?xml version="1.0" encoding="utf-8"?>
+<p:tagLst xmlns:a="http://schemas.openxmlformats.org/drawingml/2006/main" xmlns:r="http://schemas.openxmlformats.org/officeDocument/2006/relationships" xmlns:p="http://schemas.openxmlformats.org/presentationml/2006/main">
+  <p:tag name="NUM" val="5"/>
+</p:tagLst>
+</file>
+
+<file path=ppt/tags/tag27.xml><?xml version="1.0" encoding="utf-8"?>
+<p:tagLst xmlns:a="http://schemas.openxmlformats.org/drawingml/2006/main" xmlns:r="http://schemas.openxmlformats.org/officeDocument/2006/relationships" xmlns:p="http://schemas.openxmlformats.org/presentationml/2006/main">
+  <p:tag name="NUM" val="27"/>
+</p:tagLst>
+</file>
+
+<file path=ppt/tags/tag270.xml><?xml version="1.0" encoding="utf-8"?>
+<p:tagLst xmlns:a="http://schemas.openxmlformats.org/drawingml/2006/main" xmlns:r="http://schemas.openxmlformats.org/officeDocument/2006/relationships" xmlns:p="http://schemas.openxmlformats.org/presentationml/2006/main">
+  <p:tag name="NUM" val="6"/>
+</p:tagLst>
+</file>
+
+<file path=ppt/tags/tag271.xml><?xml version="1.0" encoding="utf-8"?>
+<p:tagLst xmlns:a="http://schemas.openxmlformats.org/drawingml/2006/main" xmlns:r="http://schemas.openxmlformats.org/officeDocument/2006/relationships" xmlns:p="http://schemas.openxmlformats.org/presentationml/2006/main">
+  <p:tag name="NUM" val="7"/>
+</p:tagLst>
+</file>
+
+<file path=ppt/tags/tag272.xml><?xml version="1.0" encoding="utf-8"?>
+<p:tagLst xmlns:a="http://schemas.openxmlformats.org/drawingml/2006/main" xmlns:r="http://schemas.openxmlformats.org/officeDocument/2006/relationships" xmlns:p="http://schemas.openxmlformats.org/presentationml/2006/main">
+  <p:tag name="NUM" val="8"/>
+</p:tagLst>
+</file>
+
+<file path=ppt/tags/tag273.xml><?xml version="1.0" encoding="utf-8"?>
+<p:tagLst xmlns:a="http://schemas.openxmlformats.org/drawingml/2006/main" xmlns:r="http://schemas.openxmlformats.org/officeDocument/2006/relationships" xmlns:p="http://schemas.openxmlformats.org/presentationml/2006/main">
+  <p:tag name="NUM" val="9"/>
+</p:tagLst>
+</file>
+
+<file path=ppt/tags/tag274.xml><?xml version="1.0" encoding="utf-8"?>
+<p:tagLst xmlns:a="http://schemas.openxmlformats.org/drawingml/2006/main" xmlns:r="http://schemas.openxmlformats.org/officeDocument/2006/relationships" xmlns:p="http://schemas.openxmlformats.org/presentationml/2006/main">
+  <p:tag name="NUM" val="10"/>
+</p:tagLst>
+</file>
+
+<file path=ppt/tags/tag275.xml><?xml version="1.0" encoding="utf-8"?>
+<p:tagLst xmlns:a="http://schemas.openxmlformats.org/drawingml/2006/main" xmlns:r="http://schemas.openxmlformats.org/officeDocument/2006/relationships" xmlns:p="http://schemas.openxmlformats.org/presentationml/2006/main">
+  <p:tag name="NUM" val="11"/>
+</p:tagLst>
+</file>
+
+<file path=ppt/tags/tag276.xml><?xml version="1.0" encoding="utf-8"?>
+<p:tagLst xmlns:a="http://schemas.openxmlformats.org/drawingml/2006/main" xmlns:r="http://schemas.openxmlformats.org/officeDocument/2006/relationships" xmlns:p="http://schemas.openxmlformats.org/presentationml/2006/main">
+  <p:tag name="NUM" val="12"/>
+</p:tagLst>
+</file>
+
+<file path=ppt/tags/tag277.xml><?xml version="1.0" encoding="utf-8"?>
+<p:tagLst xmlns:a="http://schemas.openxmlformats.org/drawingml/2006/main" xmlns:r="http://schemas.openxmlformats.org/officeDocument/2006/relationships" xmlns:p="http://schemas.openxmlformats.org/presentationml/2006/main">
+  <p:tag name="NUM" val="13"/>
+</p:tagLst>
+</file>
+
+<file path=ppt/tags/tag278.xml><?xml version="1.0" encoding="utf-8"?>
+<p:tagLst xmlns:a="http://schemas.openxmlformats.org/drawingml/2006/main" xmlns:r="http://schemas.openxmlformats.org/officeDocument/2006/relationships" xmlns:p="http://schemas.openxmlformats.org/presentationml/2006/main">
+  <p:tag name="NUM" val="14"/>
+</p:tagLst>
+</file>
+
+<file path=ppt/tags/tag279.xml><?xml version="1.0" encoding="utf-8"?>
+<p:tagLst xmlns:a="http://schemas.openxmlformats.org/drawingml/2006/main" xmlns:r="http://schemas.openxmlformats.org/officeDocument/2006/relationships" xmlns:p="http://schemas.openxmlformats.org/presentationml/2006/main">
+  <p:tag name="NUM" val="15"/>
+</p:tagLst>
+</file>
+
+<file path=ppt/tags/tag28.xml><?xml version="1.0" encoding="utf-8"?>
+<p:tagLst xmlns:a="http://schemas.openxmlformats.org/drawingml/2006/main" xmlns:r="http://schemas.openxmlformats.org/officeDocument/2006/relationships" xmlns:p="http://schemas.openxmlformats.org/presentationml/2006/main">
+  <p:tag name="NUM" val="1"/>
+</p:tagLst>
+</file>
+
+<file path=ppt/tags/tag280.xml><?xml version="1.0" encoding="utf-8"?>
+<p:tagLst xmlns:a="http://schemas.openxmlformats.org/drawingml/2006/main" xmlns:r="http://schemas.openxmlformats.org/officeDocument/2006/relationships" xmlns:p="http://schemas.openxmlformats.org/presentationml/2006/main">
+  <p:tag name="NUM" val="16"/>
+</p:tagLst>
+</file>
+
+<file path=ppt/tags/tag281.xml><?xml version="1.0" encoding="utf-8"?>
+<p:tagLst xmlns:a="http://schemas.openxmlformats.org/drawingml/2006/main" xmlns:r="http://schemas.openxmlformats.org/officeDocument/2006/relationships" xmlns:p="http://schemas.openxmlformats.org/presentationml/2006/main">
+  <p:tag name="NUM" val="17"/>
+</p:tagLst>
+</file>
+
+<file path=ppt/tags/tag282.xml><?xml version="1.0" encoding="utf-8"?>
+<p:tagLst xmlns:a="http://schemas.openxmlformats.org/drawingml/2006/main" xmlns:r="http://schemas.openxmlformats.org/officeDocument/2006/relationships" xmlns:p="http://schemas.openxmlformats.org/presentationml/2006/main">
+  <p:tag name="NUM" val="18"/>
+</p:tagLst>
+</file>
+
+<file path=ppt/tags/tag283.xml><?xml version="1.0" encoding="utf-8"?>
+<p:tagLst xmlns:a="http://schemas.openxmlformats.org/drawingml/2006/main" xmlns:r="http://schemas.openxmlformats.org/officeDocument/2006/relationships" xmlns:p="http://schemas.openxmlformats.org/presentationml/2006/main">
+  <p:tag name="NUM" val="19"/>
+</p:tagLst>
+</file>
+
+<file path=ppt/tags/tag284.xml><?xml version="1.0" encoding="utf-8"?>
+<p:tagLst xmlns:a="http://schemas.openxmlformats.org/drawingml/2006/main" xmlns:r="http://schemas.openxmlformats.org/officeDocument/2006/relationships" xmlns:p="http://schemas.openxmlformats.org/presentationml/2006/main">
+  <p:tag name="NUM" val="20"/>
+</p:tagLst>
+</file>
+
+<file path=ppt/tags/tag285.xml><?xml version="1.0" encoding="utf-8"?>
+<p:tagLst xmlns:a="http://schemas.openxmlformats.org/drawingml/2006/main" xmlns:r="http://schemas.openxmlformats.org/officeDocument/2006/relationships" xmlns:p="http://schemas.openxmlformats.org/presentationml/2006/main">
+  <p:tag name="NUM" val="21"/>
+</p:tagLst>
+</file>
+
+<file path=ppt/tags/tag286.xml><?xml version="1.0" encoding="utf-8"?>
+<p:tagLst xmlns:a="http://schemas.openxmlformats.org/drawingml/2006/main" xmlns:r="http://schemas.openxmlformats.org/officeDocument/2006/relationships" xmlns:p="http://schemas.openxmlformats.org/presentationml/2006/main">
+  <p:tag name="NUM" val="22"/>
+</p:tagLst>
+</file>
+
+<file path=ppt/tags/tag287.xml><?xml version="1.0" encoding="utf-8"?>
+<p:tagLst xmlns:a="http://schemas.openxmlformats.org/drawingml/2006/main" xmlns:r="http://schemas.openxmlformats.org/officeDocument/2006/relationships" xmlns:p="http://schemas.openxmlformats.org/presentationml/2006/main">
+  <p:tag name="NUM" val="23"/>
+</p:tagLst>
+</file>
+
+<file path=ppt/tags/tag288.xml><?xml version="1.0" encoding="utf-8"?>
+<p:tagLst xmlns:a="http://schemas.openxmlformats.org/drawingml/2006/main" xmlns:r="http://schemas.openxmlformats.org/officeDocument/2006/relationships" xmlns:p="http://schemas.openxmlformats.org/presentationml/2006/main">
+  <p:tag name="NUM" val="24"/>
+</p:tagLst>
+</file>
+
+<file path=ppt/tags/tag289.xml><?xml version="1.0" encoding="utf-8"?>
+<p:tagLst xmlns:a="http://schemas.openxmlformats.org/drawingml/2006/main" xmlns:r="http://schemas.openxmlformats.org/officeDocument/2006/relationships" xmlns:p="http://schemas.openxmlformats.org/presentationml/2006/main">
+  <p:tag name="NUM" val="25"/>
+</p:tagLst>
+</file>
+
+<file path=ppt/tags/tag29.xml><?xml version="1.0" encoding="utf-8"?>
+<p:tagLst xmlns:a="http://schemas.openxmlformats.org/drawingml/2006/main" xmlns:r="http://schemas.openxmlformats.org/officeDocument/2006/relationships" xmlns:p="http://schemas.openxmlformats.org/presentationml/2006/main">
+  <p:tag name="NUM" val="2"/>
+</p:tagLst>
+</file>
+
+<file path=ppt/tags/tag290.xml><?xml version="1.0" encoding="utf-8"?>
+<p:tagLst xmlns:a="http://schemas.openxmlformats.org/drawingml/2006/main" xmlns:r="http://schemas.openxmlformats.org/officeDocument/2006/relationships" xmlns:p="http://schemas.openxmlformats.org/presentationml/2006/main">
+  <p:tag name="NUM" val="26"/>
+</p:tagLst>
+</file>
+
+<file path=ppt/tags/tag291.xml><?xml version="1.0" encoding="utf-8"?>
+<p:tagLst xmlns:a="http://schemas.openxmlformats.org/drawingml/2006/main" xmlns:r="http://schemas.openxmlformats.org/officeDocument/2006/relationships" xmlns:p="http://schemas.openxmlformats.org/presentationml/2006/main">
+  <p:tag name="NUM" val="27"/>
+</p:tagLst>
+</file>
+
+<file path=ppt/tags/tag292.xml><?xml version="1.0" encoding="utf-8"?>
+<p:tagLst xmlns:a="http://schemas.openxmlformats.org/drawingml/2006/main" xmlns:r="http://schemas.openxmlformats.org/officeDocument/2006/relationships" xmlns:p="http://schemas.openxmlformats.org/presentationml/2006/main">
+  <p:tag name="NUM" val="28"/>
+</p:tagLst>
+</file>
+
+<file path=ppt/tags/tag293.xml><?xml version="1.0" encoding="utf-8"?>
+<p:tagLst xmlns:a="http://schemas.openxmlformats.org/drawingml/2006/main" xmlns:r="http://schemas.openxmlformats.org/officeDocument/2006/relationships" xmlns:p="http://schemas.openxmlformats.org/presentationml/2006/main">
+  <p:tag name="NUM" val="29"/>
+</p:tagLst>
+</file>
+
+<file path=ppt/tags/tag294.xml><?xml version="1.0" encoding="utf-8"?>
+<p:tagLst xmlns:a="http://schemas.openxmlformats.org/drawingml/2006/main" xmlns:r="http://schemas.openxmlformats.org/officeDocument/2006/relationships" xmlns:p="http://schemas.openxmlformats.org/presentationml/2006/main">
+  <p:tag name="NUM" val="30"/>
+</p:tagLst>
+</file>
+
+<file path=ppt/tags/tag295.xml><?xml version="1.0" encoding="utf-8"?>
+<p:tagLst xmlns:a="http://schemas.openxmlformats.org/drawingml/2006/main" xmlns:r="http://schemas.openxmlformats.org/officeDocument/2006/relationships" xmlns:p="http://schemas.openxmlformats.org/presentationml/2006/main">
+  <p:tag name="NUM" val="31"/>
+</p:tagLst>
+</file>
+
+<file path=ppt/tags/tag296.xml><?xml version="1.0" encoding="utf-8"?>
+<p:tagLst xmlns:a="http://schemas.openxmlformats.org/drawingml/2006/main" xmlns:r="http://schemas.openxmlformats.org/officeDocument/2006/relationships" xmlns:p="http://schemas.openxmlformats.org/presentationml/2006/main">
+  <p:tag name="NUM" val="32"/>
+</p:tagLst>
+</file>
+
+<file path=ppt/tags/tag297.xml><?xml version="1.0" encoding="utf-8"?>
+<p:tagLst xmlns:a="http://schemas.openxmlformats.org/drawingml/2006/main" xmlns:r="http://schemas.openxmlformats.org/officeDocument/2006/relationships" xmlns:p="http://schemas.openxmlformats.org/presentationml/2006/main">
+  <p:tag name="NUM" val="33"/>
+</p:tagLst>
+</file>
+
+<file path=ppt/tags/tag298.xml><?xml version="1.0" encoding="utf-8"?>
+<p:tagLst xmlns:a="http://schemas.openxmlformats.org/drawingml/2006/main" xmlns:r="http://schemas.openxmlformats.org/officeDocument/2006/relationships" xmlns:p="http://schemas.openxmlformats.org/presentationml/2006/main">
+  <p:tag name="NUM" val="34"/>
+</p:tagLst>
+</file>
+
+<file path=ppt/tags/tag299.xml><?xml version="1.0" encoding="utf-8"?>
+<p:tagLst xmlns:a="http://schemas.openxmlformats.org/drawingml/2006/main" xmlns:r="http://schemas.openxmlformats.org/officeDocument/2006/relationships" xmlns:p="http://schemas.openxmlformats.org/presentationml/2006/main">
+  <p:tag name="NUM" val="35"/>
+</p:tagLst>
+</file>
+
+<file path=ppt/tags/tag3.xml><?xml version="1.0" encoding="utf-8"?>
+<p:tagLst xmlns:a="http://schemas.openxmlformats.org/drawingml/2006/main" xmlns:r="http://schemas.openxmlformats.org/officeDocument/2006/relationships" xmlns:p="http://schemas.openxmlformats.org/presentationml/2006/main">
+  <p:tag name="NUM" val="3"/>
+</p:tagLst>
+</file>
+
+<file path=ppt/tags/tag30.xml><?xml version="1.0" encoding="utf-8"?>
+<p:tagLst xmlns:a="http://schemas.openxmlformats.org/drawingml/2006/main" xmlns:r="http://schemas.openxmlformats.org/officeDocument/2006/relationships" xmlns:p="http://schemas.openxmlformats.org/presentationml/2006/main">
+  <p:tag name="NUM" val="3"/>
+</p:tagLst>
+</file>
+
+<file path=ppt/tags/tag300.xml><?xml version="1.0" encoding="utf-8"?>
+<p:tagLst xmlns:a="http://schemas.openxmlformats.org/drawingml/2006/main" xmlns:r="http://schemas.openxmlformats.org/officeDocument/2006/relationships" xmlns:p="http://schemas.openxmlformats.org/presentationml/2006/main">
+  <p:tag name="NUM" val="36"/>
+</p:tagLst>
+</file>
+
+<file path=ppt/tags/tag301.xml><?xml version="1.0" encoding="utf-8"?>
+<p:tagLst xmlns:a="http://schemas.openxmlformats.org/drawingml/2006/main" xmlns:r="http://schemas.openxmlformats.org/officeDocument/2006/relationships" xmlns:p="http://schemas.openxmlformats.org/presentationml/2006/main">
+  <p:tag name="NUM" val="37"/>
+</p:tagLst>
+</file>
+
+<file path=ppt/tags/tag302.xml><?xml version="1.0" encoding="utf-8"?>
+<p:tagLst xmlns:a="http://schemas.openxmlformats.org/drawingml/2006/main" xmlns:r="http://schemas.openxmlformats.org/officeDocument/2006/relationships" xmlns:p="http://schemas.openxmlformats.org/presentationml/2006/main">
+  <p:tag name="NUM" val="38"/>
+</p:tagLst>
+</file>
+
+<file path=ppt/tags/tag303.xml><?xml version="1.0" encoding="utf-8"?>
+<p:tagLst xmlns:a="http://schemas.openxmlformats.org/drawingml/2006/main" xmlns:r="http://schemas.openxmlformats.org/officeDocument/2006/relationships" xmlns:p="http://schemas.openxmlformats.org/presentationml/2006/main">
+  <p:tag name="NUM" val="39"/>
+</p:tagLst>
+</file>
+
+<file path=ppt/tags/tag304.xml><?xml version="1.0" encoding="utf-8"?>
+<p:tagLst xmlns:a="http://schemas.openxmlformats.org/drawingml/2006/main" xmlns:r="http://schemas.openxmlformats.org/officeDocument/2006/relationships" xmlns:p="http://schemas.openxmlformats.org/presentationml/2006/main">
+  <p:tag name="NUM" val="1"/>
+</p:tagLst>
+</file>
+
+<file path=ppt/tags/tag305.xml><?xml version="1.0" encoding="utf-8"?>
+<p:tagLst xmlns:a="http://schemas.openxmlformats.org/drawingml/2006/main" xmlns:r="http://schemas.openxmlformats.org/officeDocument/2006/relationships" xmlns:p="http://schemas.openxmlformats.org/presentationml/2006/main">
+  <p:tag name="NUM" val="2"/>
+</p:tagLst>
+</file>
+
+<file path=ppt/tags/tag306.xml><?xml version="1.0" encoding="utf-8"?>
+<p:tagLst xmlns:a="http://schemas.openxmlformats.org/drawingml/2006/main" xmlns:r="http://schemas.openxmlformats.org/officeDocument/2006/relationships" xmlns:p="http://schemas.openxmlformats.org/presentationml/2006/main">
+  <p:tag name="NUM" val="3"/>
+</p:tagLst>
+</file>
+
+<file path=ppt/tags/tag307.xml><?xml version="1.0" encoding="utf-8"?>
+<p:tagLst xmlns:a="http://schemas.openxmlformats.org/drawingml/2006/main" xmlns:r="http://schemas.openxmlformats.org/officeDocument/2006/relationships" xmlns:p="http://schemas.openxmlformats.org/presentationml/2006/main">
+  <p:tag name="NUM" val="4"/>
+</p:tagLst>
+</file>
+
+<file path=ppt/tags/tag308.xml><?xml version="1.0" encoding="utf-8"?>
+<p:tagLst xmlns:a="http://schemas.openxmlformats.org/drawingml/2006/main" xmlns:r="http://schemas.openxmlformats.org/officeDocument/2006/relationships" xmlns:p="http://schemas.openxmlformats.org/presentationml/2006/main">
+  <p:tag name="NUM" val="5"/>
+</p:tagLst>
+</file>
+
+<file path=ppt/tags/tag309.xml><?xml version="1.0" encoding="utf-8"?>
+<p:tagLst xmlns:a="http://schemas.openxmlformats.org/drawingml/2006/main" xmlns:r="http://schemas.openxmlformats.org/officeDocument/2006/relationships" xmlns:p="http://schemas.openxmlformats.org/presentationml/2006/main">
+  <p:tag name="NUM" val="6"/>
+</p:tagLst>
+</file>
+
+<file path=ppt/tags/tag31.xml><?xml version="1.0" encoding="utf-8"?>
+<p:tagLst xmlns:a="http://schemas.openxmlformats.org/drawingml/2006/main" xmlns:r="http://schemas.openxmlformats.org/officeDocument/2006/relationships" xmlns:p="http://schemas.openxmlformats.org/presentationml/2006/main">
+  <p:tag name="NUM" val="4"/>
+</p:tagLst>
+</file>
+
+<file path=ppt/tags/tag310.xml><?xml version="1.0" encoding="utf-8"?>
+<p:tagLst xmlns:a="http://schemas.openxmlformats.org/drawingml/2006/main" xmlns:r="http://schemas.openxmlformats.org/officeDocument/2006/relationships" xmlns:p="http://schemas.openxmlformats.org/presentationml/2006/main">
+  <p:tag name="NUM" val="7"/>
+</p:tagLst>
+</file>
+
+<file path=ppt/tags/tag311.xml><?xml version="1.0" encoding="utf-8"?>
+<p:tagLst xmlns:a="http://schemas.openxmlformats.org/drawingml/2006/main" xmlns:r="http://schemas.openxmlformats.org/officeDocument/2006/relationships" xmlns:p="http://schemas.openxmlformats.org/presentationml/2006/main">
+  <p:tag name="NUM" val="8"/>
+</p:tagLst>
+</file>
+
+<file path=ppt/tags/tag312.xml><?xml version="1.0" encoding="utf-8"?>
+<p:tagLst xmlns:a="http://schemas.openxmlformats.org/drawingml/2006/main" xmlns:r="http://schemas.openxmlformats.org/officeDocument/2006/relationships" xmlns:p="http://schemas.openxmlformats.org/presentationml/2006/main">
+  <p:tag name="NUM" val="9"/>
+</p:tagLst>
+</file>
+
+<file path=ppt/tags/tag313.xml><?xml version="1.0" encoding="utf-8"?>
+<p:tagLst xmlns:a="http://schemas.openxmlformats.org/drawingml/2006/main" xmlns:r="http://schemas.openxmlformats.org/officeDocument/2006/relationships" xmlns:p="http://schemas.openxmlformats.org/presentationml/2006/main">
+  <p:tag name="NUM" val="10"/>
+</p:tagLst>
+</file>
+
+<file path=ppt/tags/tag314.xml><?xml version="1.0" encoding="utf-8"?>
+<p:tagLst xmlns:a="http://schemas.openxmlformats.org/drawingml/2006/main" xmlns:r="http://schemas.openxmlformats.org/officeDocument/2006/relationships" xmlns:p="http://schemas.openxmlformats.org/presentationml/2006/main">
+  <p:tag name="NUM" val="11"/>
+</p:tagLst>
+</file>
+
+<file path=ppt/tags/tag315.xml><?xml version="1.0" encoding="utf-8"?>
+<p:tagLst xmlns:a="http://schemas.openxmlformats.org/drawingml/2006/main" xmlns:r="http://schemas.openxmlformats.org/officeDocument/2006/relationships" xmlns:p="http://schemas.openxmlformats.org/presentationml/2006/main">
+  <p:tag name="NUM" val="12"/>
+</p:tagLst>
+</file>
+
+<file path=ppt/tags/tag316.xml><?xml version="1.0" encoding="utf-8"?>
+<p:tagLst xmlns:a="http://schemas.openxmlformats.org/drawingml/2006/main" xmlns:r="http://schemas.openxmlformats.org/officeDocument/2006/relationships" xmlns:p="http://schemas.openxmlformats.org/presentationml/2006/main">
+  <p:tag name="NUM" val="13"/>
+</p:tagLst>
+</file>
+
+<file path=ppt/tags/tag317.xml><?xml version="1.0" encoding="utf-8"?>
+<p:tagLst xmlns:a="http://schemas.openxmlformats.org/drawingml/2006/main" xmlns:r="http://schemas.openxmlformats.org/officeDocument/2006/relationships" xmlns:p="http://schemas.openxmlformats.org/presentationml/2006/main">
+  <p:tag name="NUM" val="14"/>
+</p:tagLst>
+</file>
+
+<file path=ppt/tags/tag318.xml><?xml version="1.0" encoding="utf-8"?>
+<p:tagLst xmlns:a="http://schemas.openxmlformats.org/drawingml/2006/main" xmlns:r="http://schemas.openxmlformats.org/officeDocument/2006/relationships" xmlns:p="http://schemas.openxmlformats.org/presentationml/2006/main">
+  <p:tag name="NUM" val="15"/>
+</p:tagLst>
+</file>
+
+<file path=ppt/tags/tag319.xml><?xml version="1.0" encoding="utf-8"?>
+<p:tagLst xmlns:a="http://schemas.openxmlformats.org/drawingml/2006/main" xmlns:r="http://schemas.openxmlformats.org/officeDocument/2006/relationships" xmlns:p="http://schemas.openxmlformats.org/presentationml/2006/main">
+  <p:tag name="NUM" val="16"/>
+</p:tagLst>
+</file>
+
+<file path=ppt/tags/tag32.xml><?xml version="1.0" encoding="utf-8"?>
+<p:tagLst xmlns:a="http://schemas.openxmlformats.org/drawingml/2006/main" xmlns:r="http://schemas.openxmlformats.org/officeDocument/2006/relationships" xmlns:p="http://schemas.openxmlformats.org/presentationml/2006/main">
+  <p:tag name="NUM" val="5"/>
+</p:tagLst>
+</file>
+
+<file path=ppt/tags/tag320.xml><?xml version="1.0" encoding="utf-8"?>
+<p:tagLst xmlns:a="http://schemas.openxmlformats.org/drawingml/2006/main" xmlns:r="http://schemas.openxmlformats.org/officeDocument/2006/relationships" xmlns:p="http://schemas.openxmlformats.org/presentationml/2006/main">
+  <p:tag name="NUM" val="17"/>
+</p:tagLst>
+</file>
+
+<file path=ppt/tags/tag321.xml><?xml version="1.0" encoding="utf-8"?>
+<p:tagLst xmlns:a="http://schemas.openxmlformats.org/drawingml/2006/main" xmlns:r="http://schemas.openxmlformats.org/officeDocument/2006/relationships" xmlns:p="http://schemas.openxmlformats.org/presentationml/2006/main">
+  <p:tag name="NUM" val="18"/>
+</p:tagLst>
+</file>
+
+<file path=ppt/tags/tag322.xml><?xml version="1.0" encoding="utf-8"?>
+<p:tagLst xmlns:a="http://schemas.openxmlformats.org/drawingml/2006/main" xmlns:r="http://schemas.openxmlformats.org/officeDocument/2006/relationships" xmlns:p="http://schemas.openxmlformats.org/presentationml/2006/main">
+  <p:tag name="NUM" val="19"/>
+</p:tagLst>
+</file>
+
+<file path=ppt/tags/tag323.xml><?xml version="1.0" encoding="utf-8"?>
+<p:tagLst xmlns:a="http://schemas.openxmlformats.org/drawingml/2006/main" xmlns:r="http://schemas.openxmlformats.org/officeDocument/2006/relationships" xmlns:p="http://schemas.openxmlformats.org/presentationml/2006/main">
+  <p:tag name="NUM" val="20"/>
+</p:tagLst>
+</file>
+
+<file path=ppt/tags/tag324.xml><?xml version="1.0" encoding="utf-8"?>
+<p:tagLst xmlns:a="http://schemas.openxmlformats.org/drawingml/2006/main" xmlns:r="http://schemas.openxmlformats.org/officeDocument/2006/relationships" xmlns:p="http://schemas.openxmlformats.org/presentationml/2006/main">
+  <p:tag name="NUM" val="21"/>
+</p:tagLst>
+</file>
+
+<file path=ppt/tags/tag325.xml><?xml version="1.0" encoding="utf-8"?>
+<p:tagLst xmlns:a="http://schemas.openxmlformats.org/drawingml/2006/main" xmlns:r="http://schemas.openxmlformats.org/officeDocument/2006/relationships" xmlns:p="http://schemas.openxmlformats.org/presentationml/2006/main">
+  <p:tag name="NUM" val="22"/>
+</p:tagLst>
+</file>
+
+<file path=ppt/tags/tag326.xml><?xml version="1.0" encoding="utf-8"?>
+<p:tagLst xmlns:a="http://schemas.openxmlformats.org/drawingml/2006/main" xmlns:r="http://schemas.openxmlformats.org/officeDocument/2006/relationships" xmlns:p="http://schemas.openxmlformats.org/presentationml/2006/main">
+  <p:tag name="NUM" val="23"/>
+</p:tagLst>
+</file>
+
+<file path=ppt/tags/tag327.xml><?xml version="1.0" encoding="utf-8"?>
+<p:tagLst xmlns:a="http://schemas.openxmlformats.org/drawingml/2006/main" xmlns:r="http://schemas.openxmlformats.org/officeDocument/2006/relationships" xmlns:p="http://schemas.openxmlformats.org/presentationml/2006/main">
+  <p:tag name="NUM" val="24"/>
+</p:tagLst>
+</file>
+
+<file path=ppt/tags/tag328.xml><?xml version="1.0" encoding="utf-8"?>
+<p:tagLst xmlns:a="http://schemas.openxmlformats.org/drawingml/2006/main" xmlns:r="http://schemas.openxmlformats.org/officeDocument/2006/relationships" xmlns:p="http://schemas.openxmlformats.org/presentationml/2006/main">
+  <p:tag name="NUM" val="25"/>
+</p:tagLst>
+</file>
+
+<file path=ppt/tags/tag329.xml><?xml version="1.0" encoding="utf-8"?>
+<p:tagLst xmlns:a="http://schemas.openxmlformats.org/drawingml/2006/main" xmlns:r="http://schemas.openxmlformats.org/officeDocument/2006/relationships" xmlns:p="http://schemas.openxmlformats.org/presentationml/2006/main">
+  <p:tag name="NUM" val="26"/>
+</p:tagLst>
+</file>
+
+<file path=ppt/tags/tag33.xml><?xml version="1.0" encoding="utf-8"?>
+<p:tagLst xmlns:a="http://schemas.openxmlformats.org/drawingml/2006/main" xmlns:r="http://schemas.openxmlformats.org/officeDocument/2006/relationships" xmlns:p="http://schemas.openxmlformats.org/presentationml/2006/main">
+  <p:tag name="NUM" val="6"/>
+</p:tagLst>
+</file>
+
+<file path=ppt/tags/tag330.xml><?xml version="1.0" encoding="utf-8"?>
+<p:tagLst xmlns:a="http://schemas.openxmlformats.org/drawingml/2006/main" xmlns:r="http://schemas.openxmlformats.org/officeDocument/2006/relationships" xmlns:p="http://schemas.openxmlformats.org/presentationml/2006/main">
+  <p:tag name="NUM" val="27"/>
+</p:tagLst>
+</file>
+
+<file path=ppt/tags/tag331.xml><?xml version="1.0" encoding="utf-8"?>
+<p:tagLst xmlns:a="http://schemas.openxmlformats.org/drawingml/2006/main" xmlns:r="http://schemas.openxmlformats.org/officeDocument/2006/relationships" xmlns:p="http://schemas.openxmlformats.org/presentationml/2006/main">
+  <p:tag name="NUM" val="28"/>
+</p:tagLst>
+</file>
+
+<file path=ppt/tags/tag332.xml><?xml version="1.0" encoding="utf-8"?>
+<p:tagLst xmlns:a="http://schemas.openxmlformats.org/drawingml/2006/main" xmlns:r="http://schemas.openxmlformats.org/officeDocument/2006/relationships" xmlns:p="http://schemas.openxmlformats.org/presentationml/2006/main">
+  <p:tag name="NUM" val="29"/>
+</p:tagLst>
+</file>
+
+<file path=ppt/tags/tag333.xml><?xml version="1.0" encoding="utf-8"?>
+<p:tagLst xmlns:a="http://schemas.openxmlformats.org/drawingml/2006/main" xmlns:r="http://schemas.openxmlformats.org/officeDocument/2006/relationships" xmlns:p="http://schemas.openxmlformats.org/presentationml/2006/main">
+  <p:tag name="NUM" val="1"/>
+</p:tagLst>
+</file>
+
+<file path=ppt/tags/tag334.xml><?xml version="1.0" encoding="utf-8"?>
+<p:tagLst xmlns:a="http://schemas.openxmlformats.org/drawingml/2006/main" xmlns:r="http://schemas.openxmlformats.org/officeDocument/2006/relationships" xmlns:p="http://schemas.openxmlformats.org/presentationml/2006/main">
+  <p:tag name="NUM" val="2"/>
+</p:tagLst>
+</file>
+
+<file path=ppt/tags/tag335.xml><?xml version="1.0" encoding="utf-8"?>
+<p:tagLst xmlns:a="http://schemas.openxmlformats.org/drawingml/2006/main" xmlns:r="http://schemas.openxmlformats.org/officeDocument/2006/relationships" xmlns:p="http://schemas.openxmlformats.org/presentationml/2006/main">
+  <p:tag name="NUM" val="3"/>
+</p:tagLst>
+</file>
+
+<file path=ppt/tags/tag336.xml><?xml version="1.0" encoding="utf-8"?>
+<p:tagLst xmlns:a="http://schemas.openxmlformats.org/drawingml/2006/main" xmlns:r="http://schemas.openxmlformats.org/officeDocument/2006/relationships" xmlns:p="http://schemas.openxmlformats.org/presentationml/2006/main">
+  <p:tag name="NUM" val="4"/>
+</p:tagLst>
+</file>
+
+<file path=ppt/tags/tag337.xml><?xml version="1.0" encoding="utf-8"?>
+<p:tagLst xmlns:a="http://schemas.openxmlformats.org/drawingml/2006/main" xmlns:r="http://schemas.openxmlformats.org/officeDocument/2006/relationships" xmlns:p="http://schemas.openxmlformats.org/presentationml/2006/main">
+  <p:tag name="NUM" val="5"/>
+</p:tagLst>
+</file>
+
+<file path=ppt/tags/tag338.xml><?xml version="1.0" encoding="utf-8"?>
+<p:tagLst xmlns:a="http://schemas.openxmlformats.org/drawingml/2006/main" xmlns:r="http://schemas.openxmlformats.org/officeDocument/2006/relationships" xmlns:p="http://schemas.openxmlformats.org/presentationml/2006/main">
+  <p:tag name="NUM" val="6"/>
+</p:tagLst>
+</file>
+
+<file path=ppt/tags/tag339.xml><?xml version="1.0" encoding="utf-8"?>
+<p:tagLst xmlns:a="http://schemas.openxmlformats.org/drawingml/2006/main" xmlns:r="http://schemas.openxmlformats.org/officeDocument/2006/relationships" xmlns:p="http://schemas.openxmlformats.org/presentationml/2006/main">
+  <p:tag name="NUM" val="7"/>
+</p:tagLst>
+</file>
+
+<file path=ppt/tags/tag34.xml><?xml version="1.0" encoding="utf-8"?>
+<p:tagLst xmlns:a="http://schemas.openxmlformats.org/drawingml/2006/main" xmlns:r="http://schemas.openxmlformats.org/officeDocument/2006/relationships" xmlns:p="http://schemas.openxmlformats.org/presentationml/2006/main">
+  <p:tag name="NUM" val="7"/>
+</p:tagLst>
+</file>
+
+<file path=ppt/tags/tag340.xml><?xml version="1.0" encoding="utf-8"?>
+<p:tagLst xmlns:a="http://schemas.openxmlformats.org/drawingml/2006/main" xmlns:r="http://schemas.openxmlformats.org/officeDocument/2006/relationships" xmlns:p="http://schemas.openxmlformats.org/presentationml/2006/main">
+  <p:tag name="NUM" val="8"/>
+</p:tagLst>
+</file>
+
+<file path=ppt/tags/tag341.xml><?xml version="1.0" encoding="utf-8"?>
+<p:tagLst xmlns:a="http://schemas.openxmlformats.org/drawingml/2006/main" xmlns:r="http://schemas.openxmlformats.org/officeDocument/2006/relationships" xmlns:p="http://schemas.openxmlformats.org/presentationml/2006/main">
+  <p:tag name="NUM" val="9"/>
+</p:tagLst>
+</file>
+
+<file path=ppt/tags/tag342.xml><?xml version="1.0" encoding="utf-8"?>
+<p:tagLst xmlns:a="http://schemas.openxmlformats.org/drawingml/2006/main" xmlns:r="http://schemas.openxmlformats.org/officeDocument/2006/relationships" xmlns:p="http://schemas.openxmlformats.org/presentationml/2006/main">
+  <p:tag name="NUM" val="10"/>
+</p:tagLst>
+</file>
+
+<file path=ppt/tags/tag343.xml><?xml version="1.0" encoding="utf-8"?>
+<p:tagLst xmlns:a="http://schemas.openxmlformats.org/drawingml/2006/main" xmlns:r="http://schemas.openxmlformats.org/officeDocument/2006/relationships" xmlns:p="http://schemas.openxmlformats.org/presentationml/2006/main">
+  <p:tag name="NUM" val="11"/>
+</p:tagLst>
+</file>
+
+<file path=ppt/tags/tag344.xml><?xml version="1.0" encoding="utf-8"?>
+<p:tagLst xmlns:a="http://schemas.openxmlformats.org/drawingml/2006/main" xmlns:r="http://schemas.openxmlformats.org/officeDocument/2006/relationships" xmlns:p="http://schemas.openxmlformats.org/presentationml/2006/main">
+  <p:tag name="NUM" val="12"/>
+</p:tagLst>
+</file>
+
+<file path=ppt/tags/tag345.xml><?xml version="1.0" encoding="utf-8"?>
+<p:tagLst xmlns:a="http://schemas.openxmlformats.org/drawingml/2006/main" xmlns:r="http://schemas.openxmlformats.org/officeDocument/2006/relationships" xmlns:p="http://schemas.openxmlformats.org/presentationml/2006/main">
+  <p:tag name="NUM" val="13"/>
+</p:tagLst>
+</file>
+
+<file path=ppt/tags/tag346.xml><?xml version="1.0" encoding="utf-8"?>
+<p:tagLst xmlns:a="http://schemas.openxmlformats.org/drawingml/2006/main" xmlns:r="http://schemas.openxmlformats.org/officeDocument/2006/relationships" xmlns:p="http://schemas.openxmlformats.org/presentationml/2006/main">
+  <p:tag name="NUM" val="14"/>
+</p:tagLst>
+</file>
+
+<file path=ppt/tags/tag347.xml><?xml version="1.0" encoding="utf-8"?>
+<p:tagLst xmlns:a="http://schemas.openxmlformats.org/drawingml/2006/main" xmlns:r="http://schemas.openxmlformats.org/officeDocument/2006/relationships" xmlns:p="http://schemas.openxmlformats.org/presentationml/2006/main">
+  <p:tag name="NUM" val="15"/>
+</p:tagLst>
+</file>
+
+<file path=ppt/tags/tag348.xml><?xml version="1.0" encoding="utf-8"?>
+<p:tagLst xmlns:a="http://schemas.openxmlformats.org/drawingml/2006/main" xmlns:r="http://schemas.openxmlformats.org/officeDocument/2006/relationships" xmlns:p="http://schemas.openxmlformats.org/presentationml/2006/main">
+  <p:tag name="NUM" val="16"/>
+</p:tagLst>
+</file>
+
+<file path=ppt/tags/tag349.xml><?xml version="1.0" encoding="utf-8"?>
+<p:tagLst xmlns:a="http://schemas.openxmlformats.org/drawingml/2006/main" xmlns:r="http://schemas.openxmlformats.org/officeDocument/2006/relationships" xmlns:p="http://schemas.openxmlformats.org/presentationml/2006/main">
+  <p:tag name="NUM" val="17"/>
+</p:tagLst>
+</file>
+
+<file path=ppt/tags/tag35.xml><?xml version="1.0" encoding="utf-8"?>
+<p:tagLst xmlns:a="http://schemas.openxmlformats.org/drawingml/2006/main" xmlns:r="http://schemas.openxmlformats.org/officeDocument/2006/relationships" xmlns:p="http://schemas.openxmlformats.org/presentationml/2006/main">
+  <p:tag name="NUM" val="8"/>
+</p:tagLst>
+</file>
+
+<file path=ppt/tags/tag350.xml><?xml version="1.0" encoding="utf-8"?>
+<p:tagLst xmlns:a="http://schemas.openxmlformats.org/drawingml/2006/main" xmlns:r="http://schemas.openxmlformats.org/officeDocument/2006/relationships" xmlns:p="http://schemas.openxmlformats.org/presentationml/2006/main">
+  <p:tag name="NUM" val="18"/>
+</p:tagLst>
+</file>
+
+<file path=ppt/tags/tag351.xml><?xml version="1.0" encoding="utf-8"?>
+<p:tagLst xmlns:a="http://schemas.openxmlformats.org/drawingml/2006/main" xmlns:r="http://schemas.openxmlformats.org/officeDocument/2006/relationships" xmlns:p="http://schemas.openxmlformats.org/presentationml/2006/main">
+  <p:tag name="NUM" val="19"/>
+</p:tagLst>
+</file>
+
+<file path=ppt/tags/tag352.xml><?xml version="1.0" encoding="utf-8"?>
+<p:tagLst xmlns:a="http://schemas.openxmlformats.org/drawingml/2006/main" xmlns:r="http://schemas.openxmlformats.org/officeDocument/2006/relationships" xmlns:p="http://schemas.openxmlformats.org/presentationml/2006/main">
+  <p:tag name="NUM" val="20"/>
+</p:tagLst>
+</file>
+
+<file path=ppt/tags/tag353.xml><?xml version="1.0" encoding="utf-8"?>
+<p:tagLst xmlns:a="http://schemas.openxmlformats.org/drawingml/2006/main" xmlns:r="http://schemas.openxmlformats.org/officeDocument/2006/relationships" xmlns:p="http://schemas.openxmlformats.org/presentationml/2006/main">
+  <p:tag name="NUM" val="1"/>
+</p:tagLst>
+</file>
+
+<file path=ppt/tags/tag354.xml><?xml version="1.0" encoding="utf-8"?>
+<p:tagLst xmlns:a="http://schemas.openxmlformats.org/drawingml/2006/main" xmlns:r="http://schemas.openxmlformats.org/officeDocument/2006/relationships" xmlns:p="http://schemas.openxmlformats.org/presentationml/2006/main">
+  <p:tag name="NUM" val="2"/>
+</p:tagLst>
+</file>
+
+<file path=ppt/tags/tag355.xml><?xml version="1.0" encoding="utf-8"?>
+<p:tagLst xmlns:a="http://schemas.openxmlformats.org/drawingml/2006/main" xmlns:r="http://schemas.openxmlformats.org/officeDocument/2006/relationships" xmlns:p="http://schemas.openxmlformats.org/presentationml/2006/main">
+  <p:tag name="NUM" val="3"/>
+</p:tagLst>
+</file>
+
+<file path=ppt/tags/tag356.xml><?xml version="1.0" encoding="utf-8"?>
+<p:tagLst xmlns:a="http://schemas.openxmlformats.org/drawingml/2006/main" xmlns:r="http://schemas.openxmlformats.org/officeDocument/2006/relationships" xmlns:p="http://schemas.openxmlformats.org/presentationml/2006/main">
+  <p:tag name="NUM" val="4"/>
+</p:tagLst>
+</file>
+
+<file path=ppt/tags/tag357.xml><?xml version="1.0" encoding="utf-8"?>
+<p:tagLst xmlns:a="http://schemas.openxmlformats.org/drawingml/2006/main" xmlns:r="http://schemas.openxmlformats.org/officeDocument/2006/relationships" xmlns:p="http://schemas.openxmlformats.org/presentationml/2006/main">
+  <p:tag name="NUM" val="5"/>
+</p:tagLst>
+</file>
+
+<file path=ppt/tags/tag358.xml><?xml version="1.0" encoding="utf-8"?>
+<p:tagLst xmlns:a="http://schemas.openxmlformats.org/drawingml/2006/main" xmlns:r="http://schemas.openxmlformats.org/officeDocument/2006/relationships" xmlns:p="http://schemas.openxmlformats.org/presentationml/2006/main">
+  <p:tag name="NUM" val="6"/>
+</p:tagLst>
+</file>
+
+<file path=ppt/tags/tag359.xml><?xml version="1.0" encoding="utf-8"?>
+<p:tagLst xmlns:a="http://schemas.openxmlformats.org/drawingml/2006/main" xmlns:r="http://schemas.openxmlformats.org/officeDocument/2006/relationships" xmlns:p="http://schemas.openxmlformats.org/presentationml/2006/main">
+  <p:tag name="NUM" val="7"/>
+</p:tagLst>
+</file>
+
+<file path=ppt/tags/tag36.xml><?xml version="1.0" encoding="utf-8"?>
+<p:tagLst xmlns:a="http://schemas.openxmlformats.org/drawingml/2006/main" xmlns:r="http://schemas.openxmlformats.org/officeDocument/2006/relationships" xmlns:p="http://schemas.openxmlformats.org/presentationml/2006/main">
+  <p:tag name="NUM" val="9"/>
+</p:tagLst>
+</file>
+
+<file path=ppt/tags/tag360.xml><?xml version="1.0" encoding="utf-8"?>
+<p:tagLst xmlns:a="http://schemas.openxmlformats.org/drawingml/2006/main" xmlns:r="http://schemas.openxmlformats.org/officeDocument/2006/relationships" xmlns:p="http://schemas.openxmlformats.org/presentationml/2006/main">
+  <p:tag name="NUM" val="8"/>
+</p:tagLst>
+</file>
+
+<file path=ppt/tags/tag361.xml><?xml version="1.0" encoding="utf-8"?>
+<p:tagLst xmlns:a="http://schemas.openxmlformats.org/drawingml/2006/main" xmlns:r="http://schemas.openxmlformats.org/officeDocument/2006/relationships" xmlns:p="http://schemas.openxmlformats.org/presentationml/2006/main">
+  <p:tag name="NUM" val="9"/>
+</p:tagLst>
+</file>
+
+<file path=ppt/tags/tag362.xml><?xml version="1.0" encoding="utf-8"?>
+<p:tagLst xmlns:a="http://schemas.openxmlformats.org/drawingml/2006/main" xmlns:r="http://schemas.openxmlformats.org/officeDocument/2006/relationships" xmlns:p="http://schemas.openxmlformats.org/presentationml/2006/main">
+  <p:tag name="NUM" val="10"/>
+</p:tagLst>
+</file>
+
+<file path=ppt/tags/tag363.xml><?xml version="1.0" encoding="utf-8"?>
+<p:tagLst xmlns:a="http://schemas.openxmlformats.org/drawingml/2006/main" xmlns:r="http://schemas.openxmlformats.org/officeDocument/2006/relationships" xmlns:p="http://schemas.openxmlformats.org/presentationml/2006/main">
+  <p:tag name="NUM" val="11"/>
+</p:tagLst>
+</file>
+
+<file path=ppt/tags/tag364.xml><?xml version="1.0" encoding="utf-8"?>
+<p:tagLst xmlns:a="http://schemas.openxmlformats.org/drawingml/2006/main" xmlns:r="http://schemas.openxmlformats.org/officeDocument/2006/relationships" xmlns:p="http://schemas.openxmlformats.org/presentationml/2006/main">
+  <p:tag name="NUM" val="12"/>
+</p:tagLst>
+</file>
+
+<file path=ppt/tags/tag365.xml><?xml version="1.0" encoding="utf-8"?>
+<p:tagLst xmlns:a="http://schemas.openxmlformats.org/drawingml/2006/main" xmlns:r="http://schemas.openxmlformats.org/officeDocument/2006/relationships" xmlns:p="http://schemas.openxmlformats.org/presentationml/2006/main">
+  <p:tag name="NUM" val="13"/>
+</p:tagLst>
+</file>
+
+<file path=ppt/tags/tag366.xml><?xml version="1.0" encoding="utf-8"?>
+<p:tagLst xmlns:a="http://schemas.openxmlformats.org/drawingml/2006/main" xmlns:r="http://schemas.openxmlformats.org/officeDocument/2006/relationships" xmlns:p="http://schemas.openxmlformats.org/presentationml/2006/main">
+  <p:tag name="NUM" val="14"/>
+</p:tagLst>
+</file>
+
+<file path=ppt/tags/tag367.xml><?xml version="1.0" encoding="utf-8"?>
+<p:tagLst xmlns:a="http://schemas.openxmlformats.org/drawingml/2006/main" xmlns:r="http://schemas.openxmlformats.org/officeDocument/2006/relationships" xmlns:p="http://schemas.openxmlformats.org/presentationml/2006/main">
+  <p:tag name="NUM" val="15"/>
+</p:tagLst>
+</file>
+
+<file path=ppt/tags/tag368.xml><?xml version="1.0" encoding="utf-8"?>
+<p:tagLst xmlns:a="http://schemas.openxmlformats.org/drawingml/2006/main" xmlns:r="http://schemas.openxmlformats.org/officeDocument/2006/relationships" xmlns:p="http://schemas.openxmlformats.org/presentationml/2006/main">
+  <p:tag name="NUM" val="16"/>
+</p:tagLst>
+</file>
+
+<file path=ppt/tags/tag369.xml><?xml version="1.0" encoding="utf-8"?>
+<p:tagLst xmlns:a="http://schemas.openxmlformats.org/drawingml/2006/main" xmlns:r="http://schemas.openxmlformats.org/officeDocument/2006/relationships" xmlns:p="http://schemas.openxmlformats.org/presentationml/2006/main">
+  <p:tag name="NUM" val="17"/>
+</p:tagLst>
+</file>
+
+<file path=ppt/tags/tag37.xml><?xml version="1.0" encoding="utf-8"?>
+<p:tagLst xmlns:a="http://schemas.openxmlformats.org/drawingml/2006/main" xmlns:r="http://schemas.openxmlformats.org/officeDocument/2006/relationships" xmlns:p="http://schemas.openxmlformats.org/presentationml/2006/main">
+  <p:tag name="NUM" val="10"/>
+</p:tagLst>
+</file>
+
+<file path=ppt/tags/tag370.xml><?xml version="1.0" encoding="utf-8"?>
+<p:tagLst xmlns:a="http://schemas.openxmlformats.org/drawingml/2006/main" xmlns:r="http://schemas.openxmlformats.org/officeDocument/2006/relationships" xmlns:p="http://schemas.openxmlformats.org/presentationml/2006/main">
+  <p:tag name="NUM" val="18"/>
+</p:tagLst>
+</file>
+
+<file path=ppt/tags/tag371.xml><?xml version="1.0" encoding="utf-8"?>
+<p:tagLst xmlns:a="http://schemas.openxmlformats.org/drawingml/2006/main" xmlns:r="http://schemas.openxmlformats.org/officeDocument/2006/relationships" xmlns:p="http://schemas.openxmlformats.org/presentationml/2006/main">
+  <p:tag name="NUM" val="19"/>
+</p:tagLst>
+</file>
+
+<file path=ppt/tags/tag372.xml><?xml version="1.0" encoding="utf-8"?>
+<p:tagLst xmlns:a="http://schemas.openxmlformats.org/drawingml/2006/main" xmlns:r="http://schemas.openxmlformats.org/officeDocument/2006/relationships" xmlns:p="http://schemas.openxmlformats.org/presentationml/2006/main">
+  <p:tag name="NUM" val="20"/>
+</p:tagLst>
+</file>
+
+<file path=ppt/tags/tag373.xml><?xml version="1.0" encoding="utf-8"?>
+<p:tagLst xmlns:a="http://schemas.openxmlformats.org/drawingml/2006/main" xmlns:r="http://schemas.openxmlformats.org/officeDocument/2006/relationships" xmlns:p="http://schemas.openxmlformats.org/presentationml/2006/main">
+  <p:tag name="NUM" val="21"/>
+</p:tagLst>
+</file>
+
+<file path=ppt/tags/tag374.xml><?xml version="1.0" encoding="utf-8"?>
+<p:tagLst xmlns:a="http://schemas.openxmlformats.org/drawingml/2006/main" xmlns:r="http://schemas.openxmlformats.org/officeDocument/2006/relationships" xmlns:p="http://schemas.openxmlformats.org/presentationml/2006/main">
+  <p:tag name="NUM" val="22"/>
+</p:tagLst>
+</file>
+
+<file path=ppt/tags/tag375.xml><?xml version="1.0" encoding="utf-8"?>
+<p:tagLst xmlns:a="http://schemas.openxmlformats.org/drawingml/2006/main" xmlns:r="http://schemas.openxmlformats.org/officeDocument/2006/relationships" xmlns:p="http://schemas.openxmlformats.org/presentationml/2006/main">
+  <p:tag name="NUM" val="23"/>
+</p:tagLst>
+</file>
+
+<file path=ppt/tags/tag376.xml><?xml version="1.0" encoding="utf-8"?>
+<p:tagLst xmlns:a="http://schemas.openxmlformats.org/drawingml/2006/main" xmlns:r="http://schemas.openxmlformats.org/officeDocument/2006/relationships" xmlns:p="http://schemas.openxmlformats.org/presentationml/2006/main">
+  <p:tag name="NUM" val="24"/>
+</p:tagLst>
+</file>
+
+<file path=ppt/tags/tag377.xml><?xml version="1.0" encoding="utf-8"?>
+<p:tagLst xmlns:a="http://schemas.openxmlformats.org/drawingml/2006/main" xmlns:r="http://schemas.openxmlformats.org/officeDocument/2006/relationships" xmlns:p="http://schemas.openxmlformats.org/presentationml/2006/main">
+  <p:tag name="NUM" val="25"/>
+</p:tagLst>
+</file>
+
+<file path=ppt/tags/tag378.xml><?xml version="1.0" encoding="utf-8"?>
+<p:tagLst xmlns:a="http://schemas.openxmlformats.org/drawingml/2006/main" xmlns:r="http://schemas.openxmlformats.org/officeDocument/2006/relationships" xmlns:p="http://schemas.openxmlformats.org/presentationml/2006/main">
+  <p:tag name="NUM" val="26"/>
+</p:tagLst>
+</file>
+
+<file path=ppt/tags/tag379.xml><?xml version="1.0" encoding="utf-8"?>
+<p:tagLst xmlns:a="http://schemas.openxmlformats.org/drawingml/2006/main" xmlns:r="http://schemas.openxmlformats.org/officeDocument/2006/relationships" xmlns:p="http://schemas.openxmlformats.org/presentationml/2006/main">
+  <p:tag name="NUM" val="27"/>
+</p:tagLst>
+</file>
+
+<file path=ppt/tags/tag38.xml><?xml version="1.0" encoding="utf-8"?>
+<p:tagLst xmlns:a="http://schemas.openxmlformats.org/drawingml/2006/main" xmlns:r="http://schemas.openxmlformats.org/officeDocument/2006/relationships" xmlns:p="http://schemas.openxmlformats.org/presentationml/2006/main">
+  <p:tag name="NUM" val="11"/>
+</p:tagLst>
+</file>
+
+<file path=ppt/tags/tag380.xml><?xml version="1.0" encoding="utf-8"?>
+<p:tagLst xmlns:a="http://schemas.openxmlformats.org/drawingml/2006/main" xmlns:r="http://schemas.openxmlformats.org/officeDocument/2006/relationships" xmlns:p="http://schemas.openxmlformats.org/presentationml/2006/main">
+  <p:tag name="NUM" val="28"/>
+</p:tagLst>
+</file>
+
+<file path=ppt/tags/tag381.xml><?xml version="1.0" encoding="utf-8"?>
+<p:tagLst xmlns:a="http://schemas.openxmlformats.org/drawingml/2006/main" xmlns:r="http://schemas.openxmlformats.org/officeDocument/2006/relationships" xmlns:p="http://schemas.openxmlformats.org/presentationml/2006/main">
+  <p:tag name="NUM" val="29"/>
+</p:tagLst>
+</file>
+
+<file path=ppt/tags/tag382.xml><?xml version="1.0" encoding="utf-8"?>
+<p:tagLst xmlns:a="http://schemas.openxmlformats.org/drawingml/2006/main" xmlns:r="http://schemas.openxmlformats.org/officeDocument/2006/relationships" xmlns:p="http://schemas.openxmlformats.org/presentationml/2006/main">
+  <p:tag name="NUM" val="30"/>
+</p:tagLst>
+</file>
+
+<file path=ppt/tags/tag383.xml><?xml version="1.0" encoding="utf-8"?>
+<p:tagLst xmlns:a="http://schemas.openxmlformats.org/drawingml/2006/main" xmlns:r="http://schemas.openxmlformats.org/officeDocument/2006/relationships" xmlns:p="http://schemas.openxmlformats.org/presentationml/2006/main">
+  <p:tag name="NUM" val="31"/>
+</p:tagLst>
+</file>
+
+<file path=ppt/tags/tag384.xml><?xml version="1.0" encoding="utf-8"?>
+<p:tagLst xmlns:a="http://schemas.openxmlformats.org/drawingml/2006/main" xmlns:r="http://schemas.openxmlformats.org/officeDocument/2006/relationships" xmlns:p="http://schemas.openxmlformats.org/presentationml/2006/main">
+  <p:tag name="NUM" val="32"/>
+</p:tagLst>
+</file>
+
+<file path=ppt/tags/tag39.xml><?xml version="1.0" encoding="utf-8"?>
+<p:tagLst xmlns:a="http://schemas.openxmlformats.org/drawingml/2006/main" xmlns:r="http://schemas.openxmlformats.org/officeDocument/2006/relationships" xmlns:p="http://schemas.openxmlformats.org/presentationml/2006/main">
+  <p:tag name="NUM" val="12"/>
+</p:tagLst>
+</file>
+
+<file path=ppt/tags/tag4.xml><?xml version="1.0" encoding="utf-8"?>
+<p:tagLst xmlns:a="http://schemas.openxmlformats.org/drawingml/2006/main" xmlns:r="http://schemas.openxmlformats.org/officeDocument/2006/relationships" xmlns:p="http://schemas.openxmlformats.org/presentationml/2006/main">
+  <p:tag name="NUM" val="4"/>
+</p:tagLst>
+</file>
+
+<file path=ppt/tags/tag40.xml><?xml version="1.0" encoding="utf-8"?>
+<p:tagLst xmlns:a="http://schemas.openxmlformats.org/drawingml/2006/main" xmlns:r="http://schemas.openxmlformats.org/officeDocument/2006/relationships" xmlns:p="http://schemas.openxmlformats.org/presentationml/2006/main">
+  <p:tag name="NUM" val="13"/>
+</p:tagLst>
+</file>
+
+<file path=ppt/tags/tag41.xml><?xml version="1.0" encoding="utf-8"?>
+<p:tagLst xmlns:a="http://schemas.openxmlformats.org/drawingml/2006/main" xmlns:r="http://schemas.openxmlformats.org/officeDocument/2006/relationships" xmlns:p="http://schemas.openxmlformats.org/presentationml/2006/main">
+  <p:tag name="NUM" val="14"/>
+</p:tagLst>
+</file>
+
+<file path=ppt/tags/tag42.xml><?xml version="1.0" encoding="utf-8"?>
+<p:tagLst xmlns:a="http://schemas.openxmlformats.org/drawingml/2006/main" xmlns:r="http://schemas.openxmlformats.org/officeDocument/2006/relationships" xmlns:p="http://schemas.openxmlformats.org/presentationml/2006/main">
+  <p:tag name="NUM" val="15"/>
+</p:tagLst>
+</file>
+
+<file path=ppt/tags/tag43.xml><?xml version="1.0" encoding="utf-8"?>
+<p:tagLst xmlns:a="http://schemas.openxmlformats.org/drawingml/2006/main" xmlns:r="http://schemas.openxmlformats.org/officeDocument/2006/relationships" xmlns:p="http://schemas.openxmlformats.org/presentationml/2006/main">
+  <p:tag name="NUM" val="16"/>
+</p:tagLst>
+</file>
+
+<file path=ppt/tags/tag44.xml><?xml version="1.0" encoding="utf-8"?>
+<p:tagLst xmlns:a="http://schemas.openxmlformats.org/drawingml/2006/main" xmlns:r="http://schemas.openxmlformats.org/officeDocument/2006/relationships" xmlns:p="http://schemas.openxmlformats.org/presentationml/2006/main">
+  <p:tag name="NUM" val="17"/>
+</p:tagLst>
+</file>
+
+<file path=ppt/tags/tag45.xml><?xml version="1.0" encoding="utf-8"?>
+<p:tagLst xmlns:a="http://schemas.openxmlformats.org/drawingml/2006/main" xmlns:r="http://schemas.openxmlformats.org/officeDocument/2006/relationships" xmlns:p="http://schemas.openxmlformats.org/presentationml/2006/main">
+  <p:tag name="NUM" val="18"/>
+</p:tagLst>
+</file>
+
+<file path=ppt/tags/tag46.xml><?xml version="1.0" encoding="utf-8"?>
+<p:tagLst xmlns:a="http://schemas.openxmlformats.org/drawingml/2006/main" xmlns:r="http://schemas.openxmlformats.org/officeDocument/2006/relationships" xmlns:p="http://schemas.openxmlformats.org/presentationml/2006/main">
+  <p:tag name="NUM" val="19"/>
+</p:tagLst>
+</file>
+
+<file path=ppt/tags/tag47.xml><?xml version="1.0" encoding="utf-8"?>
+<p:tagLst xmlns:a="http://schemas.openxmlformats.org/drawingml/2006/main" xmlns:r="http://schemas.openxmlformats.org/officeDocument/2006/relationships" xmlns:p="http://schemas.openxmlformats.org/presentationml/2006/main">
+  <p:tag name="NUM" val="20"/>
+</p:tagLst>
+</file>
+
+<file path=ppt/tags/tag48.xml><?xml version="1.0" encoding="utf-8"?>
+<p:tagLst xmlns:a="http://schemas.openxmlformats.org/drawingml/2006/main" xmlns:r="http://schemas.openxmlformats.org/officeDocument/2006/relationships" xmlns:p="http://schemas.openxmlformats.org/presentationml/2006/main">
+  <p:tag name="NUM" val="21"/>
+</p:tagLst>
+</file>
+
+<file path=ppt/tags/tag49.xml><?xml version="1.0" encoding="utf-8"?>
+<p:tagLst xmlns:a="http://schemas.openxmlformats.org/drawingml/2006/main" xmlns:r="http://schemas.openxmlformats.org/officeDocument/2006/relationships" xmlns:p="http://schemas.openxmlformats.org/presentationml/2006/main">
+  <p:tag name="NUM" val="22"/>
+</p:tagLst>
+</file>
+
+<file path=ppt/tags/tag5.xml><?xml version="1.0" encoding="utf-8"?>
+<p:tagLst xmlns:a="http://schemas.openxmlformats.org/drawingml/2006/main" xmlns:r="http://schemas.openxmlformats.org/officeDocument/2006/relationships" xmlns:p="http://schemas.openxmlformats.org/presentationml/2006/main">
+  <p:tag name="NUM" val="5"/>
+</p:tagLst>
+</file>
+
+<file path=ppt/tags/tag50.xml><?xml version="1.0" encoding="utf-8"?>
+<p:tagLst xmlns:a="http://schemas.openxmlformats.org/drawingml/2006/main" xmlns:r="http://schemas.openxmlformats.org/officeDocument/2006/relationships" xmlns:p="http://schemas.openxmlformats.org/presentationml/2006/main">
+  <p:tag name="NUM" val="23"/>
+</p:tagLst>
+</file>
+
+<file path=ppt/tags/tag51.xml><?xml version="1.0" encoding="utf-8"?>
+<p:tagLst xmlns:a="http://schemas.openxmlformats.org/drawingml/2006/main" xmlns:r="http://schemas.openxmlformats.org/officeDocument/2006/relationships" xmlns:p="http://schemas.openxmlformats.org/presentationml/2006/main">
+  <p:tag name="NUM" val="24"/>
+</p:tagLst>
+</file>
+
+<file path=ppt/tags/tag52.xml><?xml version="1.0" encoding="utf-8"?>
+<p:tagLst xmlns:a="http://schemas.openxmlformats.org/drawingml/2006/main" xmlns:r="http://schemas.openxmlformats.org/officeDocument/2006/relationships" xmlns:p="http://schemas.openxmlformats.org/presentationml/2006/main">
+  <p:tag name="NUM" val="25"/>
+</p:tagLst>
+</file>
+
+<file path=ppt/tags/tag53.xml><?xml version="1.0" encoding="utf-8"?>
+<p:tagLst xmlns:a="http://schemas.openxmlformats.org/drawingml/2006/main" xmlns:r="http://schemas.openxmlformats.org/officeDocument/2006/relationships" xmlns:p="http://schemas.openxmlformats.org/presentationml/2006/main">
+  <p:tag name="NUM" val="26"/>
+</p:tagLst>
+</file>
+
+<file path=ppt/tags/tag54.xml><?xml version="1.0" encoding="utf-8"?>
+<p:tagLst xmlns:a="http://schemas.openxmlformats.org/drawingml/2006/main" xmlns:r="http://schemas.openxmlformats.org/officeDocument/2006/relationships" xmlns:p="http://schemas.openxmlformats.org/presentationml/2006/main">
+  <p:tag name="NUM" val="28"/>
+</p:tagLst>
+</file>
+
+<file path=ppt/tags/tag55.xml><?xml version="1.0" encoding="utf-8"?>
+<p:tagLst xmlns:a="http://schemas.openxmlformats.org/drawingml/2006/main" xmlns:r="http://schemas.openxmlformats.org/officeDocument/2006/relationships" xmlns:p="http://schemas.openxmlformats.org/presentationml/2006/main">
+  <p:tag name="NUM" val="29"/>
+</p:tagLst>
+</file>
+
+<file path=ppt/tags/tag56.xml><?xml version="1.0" encoding="utf-8"?>
+<p:tagLst xmlns:a="http://schemas.openxmlformats.org/drawingml/2006/main" xmlns:r="http://schemas.openxmlformats.org/officeDocument/2006/relationships" xmlns:p="http://schemas.openxmlformats.org/presentationml/2006/main">
+  <p:tag name="NUM" val="30"/>
+</p:tagLst>
+</file>
+
+<file path=ppt/tags/tag57.xml><?xml version="1.0" encoding="utf-8"?>
+<p:tagLst xmlns:a="http://schemas.openxmlformats.org/drawingml/2006/main" xmlns:r="http://schemas.openxmlformats.org/officeDocument/2006/relationships" xmlns:p="http://schemas.openxmlformats.org/presentationml/2006/main">
+  <p:tag name="NUM" val="31"/>
+</p:tagLst>
+</file>
+
+<file path=ppt/tags/tag58.xml><?xml version="1.0" encoding="utf-8"?>
+<p:tagLst xmlns:a="http://schemas.openxmlformats.org/drawingml/2006/main" xmlns:r="http://schemas.openxmlformats.org/officeDocument/2006/relationships" xmlns:p="http://schemas.openxmlformats.org/presentationml/2006/main">
+  <p:tag name="NUM" val="32"/>
+</p:tagLst>
+</file>
+
+<file path=ppt/tags/tag59.xml><?xml version="1.0" encoding="utf-8"?>
+<p:tagLst xmlns:a="http://schemas.openxmlformats.org/drawingml/2006/main" xmlns:r="http://schemas.openxmlformats.org/officeDocument/2006/relationships" xmlns:p="http://schemas.openxmlformats.org/presentationml/2006/main">
+  <p:tag name="NUM" val="1"/>
+</p:tagLst>
+</file>
+
+<file path=ppt/tags/tag6.xml><?xml version="1.0" encoding="utf-8"?>
+<p:tagLst xmlns:a="http://schemas.openxmlformats.org/drawingml/2006/main" xmlns:r="http://schemas.openxmlformats.org/officeDocument/2006/relationships" xmlns:p="http://schemas.openxmlformats.org/presentationml/2006/main">
+  <p:tag name="NUM" val="6"/>
+</p:tagLst>
+</file>
+
+<file path=ppt/tags/tag60.xml><?xml version="1.0" encoding="utf-8"?>
+<p:tagLst xmlns:a="http://schemas.openxmlformats.org/drawingml/2006/main" xmlns:r="http://schemas.openxmlformats.org/officeDocument/2006/relationships" xmlns:p="http://schemas.openxmlformats.org/presentationml/2006/main">
+  <p:tag name="NUM" val="2"/>
+</p:tagLst>
+</file>
+
+<file path=ppt/tags/tag61.xml><?xml version="1.0" encoding="utf-8"?>
+<p:tagLst xmlns:a="http://schemas.openxmlformats.org/drawingml/2006/main" xmlns:r="http://schemas.openxmlformats.org/officeDocument/2006/relationships" xmlns:p="http://schemas.openxmlformats.org/presentationml/2006/main">
+  <p:tag name="NUM" val="3"/>
+</p:tagLst>
+</file>
+
+<file path=ppt/tags/tag62.xml><?xml version="1.0" encoding="utf-8"?>
+<p:tagLst xmlns:a="http://schemas.openxmlformats.org/drawingml/2006/main" xmlns:r="http://schemas.openxmlformats.org/officeDocument/2006/relationships" xmlns:p="http://schemas.openxmlformats.org/presentationml/2006/main">
+  <p:tag name="NUM" val="4"/>
+</p:tagLst>
+</file>
+
+<file path=ppt/tags/tag63.xml><?xml version="1.0" encoding="utf-8"?>
+<p:tagLst xmlns:a="http://schemas.openxmlformats.org/drawingml/2006/main" xmlns:r="http://schemas.openxmlformats.org/officeDocument/2006/relationships" xmlns:p="http://schemas.openxmlformats.org/presentationml/2006/main">
+  <p:tag name="NUM" val="5"/>
+</p:tagLst>
+</file>
+
+<file path=ppt/tags/tag64.xml><?xml version="1.0" encoding="utf-8"?>
+<p:tagLst xmlns:a="http://schemas.openxmlformats.org/drawingml/2006/main" xmlns:r="http://schemas.openxmlformats.org/officeDocument/2006/relationships" xmlns:p="http://schemas.openxmlformats.org/presentationml/2006/main">
+  <p:tag name="NUM" val="6"/>
+</p:tagLst>
+</file>
+
+<file path=ppt/tags/tag65.xml><?xml version="1.0" encoding="utf-8"?>
+<p:tagLst xmlns:a="http://schemas.openxmlformats.org/drawingml/2006/main" xmlns:r="http://schemas.openxmlformats.org/officeDocument/2006/relationships" xmlns:p="http://schemas.openxmlformats.org/presentationml/2006/main">
+  <p:tag name="NUM" val="7"/>
+</p:tagLst>
+</file>
+
+<file path=ppt/tags/tag66.xml><?xml version="1.0" encoding="utf-8"?>
+<p:tagLst xmlns:a="http://schemas.openxmlformats.org/drawingml/2006/main" xmlns:r="http://schemas.openxmlformats.org/officeDocument/2006/relationships" xmlns:p="http://schemas.openxmlformats.org/presentationml/2006/main">
+  <p:tag name="NUM" val="8"/>
+</p:tagLst>
+</file>
+
+<file path=ppt/tags/tag67.xml><?xml version="1.0" encoding="utf-8"?>
+<p:tagLst xmlns:a="http://schemas.openxmlformats.org/drawingml/2006/main" xmlns:r="http://schemas.openxmlformats.org/officeDocument/2006/relationships" xmlns:p="http://schemas.openxmlformats.org/presentationml/2006/main">
+  <p:tag name="NUM" val="9"/>
+</p:tagLst>
+</file>
+
+<file path=ppt/tags/tag68.xml><?xml version="1.0" encoding="utf-8"?>
+<p:tagLst xmlns:a="http://schemas.openxmlformats.org/drawingml/2006/main" xmlns:r="http://schemas.openxmlformats.org/officeDocument/2006/relationships" xmlns:p="http://schemas.openxmlformats.org/presentationml/2006/main">
+  <p:tag name="NUM" val="10"/>
+</p:tagLst>
+</file>
+
+<file path=ppt/tags/tag69.xml><?xml version="1.0" encoding="utf-8"?>
+<p:tagLst xmlns:a="http://schemas.openxmlformats.org/drawingml/2006/main" xmlns:r="http://schemas.openxmlformats.org/officeDocument/2006/relationships" xmlns:p="http://schemas.openxmlformats.org/presentationml/2006/main">
+  <p:tag name="NUM" val="11"/>
+</p:tagLst>
+</file>
+
+<file path=ppt/tags/tag7.xml><?xml version="1.0" encoding="utf-8"?>
+<p:tagLst xmlns:a="http://schemas.openxmlformats.org/drawingml/2006/main" xmlns:r="http://schemas.openxmlformats.org/officeDocument/2006/relationships" xmlns:p="http://schemas.openxmlformats.org/presentationml/2006/main">
+  <p:tag name="NUM" val="7"/>
+</p:tagLst>
+</file>
+
+<file path=ppt/tags/tag70.xml><?xml version="1.0" encoding="utf-8"?>
+<p:tagLst xmlns:a="http://schemas.openxmlformats.org/drawingml/2006/main" xmlns:r="http://schemas.openxmlformats.org/officeDocument/2006/relationships" xmlns:p="http://schemas.openxmlformats.org/presentationml/2006/main">
+  <p:tag name="NUM" val="12"/>
+</p:tagLst>
+</file>
+
+<file path=ppt/tags/tag71.xml><?xml version="1.0" encoding="utf-8"?>
+<p:tagLst xmlns:a="http://schemas.openxmlformats.org/drawingml/2006/main" xmlns:r="http://schemas.openxmlformats.org/officeDocument/2006/relationships" xmlns:p="http://schemas.openxmlformats.org/presentationml/2006/main">
+  <p:tag name="NUM" val="13"/>
+</p:tagLst>
+</file>
+
+<file path=ppt/tags/tag72.xml><?xml version="1.0" encoding="utf-8"?>
+<p:tagLst xmlns:a="http://schemas.openxmlformats.org/drawingml/2006/main" xmlns:r="http://schemas.openxmlformats.org/officeDocument/2006/relationships" xmlns:p="http://schemas.openxmlformats.org/presentationml/2006/main">
+  <p:tag name="NUM" val="14"/>
+</p:tagLst>
+</file>
+
+<file path=ppt/tags/tag73.xml><?xml version="1.0" encoding="utf-8"?>
+<p:tagLst xmlns:a="http://schemas.openxmlformats.org/drawingml/2006/main" xmlns:r="http://schemas.openxmlformats.org/officeDocument/2006/relationships" xmlns:p="http://schemas.openxmlformats.org/presentationml/2006/main">
+  <p:tag name="NUM" val="15"/>
+</p:tagLst>
+</file>
+
+<file path=ppt/tags/tag74.xml><?xml version="1.0" encoding="utf-8"?>
+<p:tagLst xmlns:a="http://schemas.openxmlformats.org/drawingml/2006/main" xmlns:r="http://schemas.openxmlformats.org/officeDocument/2006/relationships" xmlns:p="http://schemas.openxmlformats.org/presentationml/2006/main">
+  <p:tag name="NUM" val="16"/>
+</p:tagLst>
+</file>
+
+<file path=ppt/tags/tag75.xml><?xml version="1.0" encoding="utf-8"?>
+<p:tagLst xmlns:a="http://schemas.openxmlformats.org/drawingml/2006/main" xmlns:r="http://schemas.openxmlformats.org/officeDocument/2006/relationships" xmlns:p="http://schemas.openxmlformats.org/presentationml/2006/main">
+  <p:tag name="NUM" val="17"/>
+</p:tagLst>
+</file>
+
+<file path=ppt/tags/tag76.xml><?xml version="1.0" encoding="utf-8"?>
+<p:tagLst xmlns:a="http://schemas.openxmlformats.org/drawingml/2006/main" xmlns:r="http://schemas.openxmlformats.org/officeDocument/2006/relationships" xmlns:p="http://schemas.openxmlformats.org/presentationml/2006/main">
+  <p:tag name="NUM" val="18"/>
+</p:tagLst>
+</file>
+
+<file path=ppt/tags/tag77.xml><?xml version="1.0" encoding="utf-8"?>
+<p:tagLst xmlns:a="http://schemas.openxmlformats.org/drawingml/2006/main" xmlns:r="http://schemas.openxmlformats.org/officeDocument/2006/relationships" xmlns:p="http://schemas.openxmlformats.org/presentationml/2006/main">
+  <p:tag name="NUM" val="19"/>
+</p:tagLst>
+</file>
+
+<file path=ppt/tags/tag78.xml><?xml version="1.0" encoding="utf-8"?>
+<p:tagLst xmlns:a="http://schemas.openxmlformats.org/drawingml/2006/main" xmlns:r="http://schemas.openxmlformats.org/officeDocument/2006/relationships" xmlns:p="http://schemas.openxmlformats.org/presentationml/2006/main">
+  <p:tag name="NUM" val="20"/>
+</p:tagLst>
+</file>
+
+<file path=ppt/tags/tag79.xml><?xml version="1.0" encoding="utf-8"?>
+<p:tagLst xmlns:a="http://schemas.openxmlformats.org/drawingml/2006/main" xmlns:r="http://schemas.openxmlformats.org/officeDocument/2006/relationships" xmlns:p="http://schemas.openxmlformats.org/presentationml/2006/main">
+  <p:tag name="NUM" val="21"/>
+</p:tagLst>
+</file>
+
+<file path=ppt/tags/tag8.xml><?xml version="1.0" encoding="utf-8"?>
+<p:tagLst xmlns:a="http://schemas.openxmlformats.org/drawingml/2006/main" xmlns:r="http://schemas.openxmlformats.org/officeDocument/2006/relationships" xmlns:p="http://schemas.openxmlformats.org/presentationml/2006/main">
+  <p:tag name="NUM" val="8"/>
+</p:tagLst>
+</file>
+
+<file path=ppt/tags/tag80.xml><?xml version="1.0" encoding="utf-8"?>
+<p:tagLst xmlns:a="http://schemas.openxmlformats.org/drawingml/2006/main" xmlns:r="http://schemas.openxmlformats.org/officeDocument/2006/relationships" xmlns:p="http://schemas.openxmlformats.org/presentationml/2006/main">
+  <p:tag name="NUM" val="22"/>
+</p:tagLst>
+</file>
+
+<file path=ppt/tags/tag81.xml><?xml version="1.0" encoding="utf-8"?>
+<p:tagLst xmlns:a="http://schemas.openxmlformats.org/drawingml/2006/main" xmlns:r="http://schemas.openxmlformats.org/officeDocument/2006/relationships" xmlns:p="http://schemas.openxmlformats.org/presentationml/2006/main">
+  <p:tag name="NUM" val="23"/>
+</p:tagLst>
+</file>
+
+<file path=ppt/tags/tag82.xml><?xml version="1.0" encoding="utf-8"?>
+<p:tagLst xmlns:a="http://schemas.openxmlformats.org/drawingml/2006/main" xmlns:r="http://schemas.openxmlformats.org/officeDocument/2006/relationships" xmlns:p="http://schemas.openxmlformats.org/presentationml/2006/main">
+  <p:tag name="NUM" val="24"/>
+</p:tagLst>
+</file>
+
+<file path=ppt/tags/tag83.xml><?xml version="1.0" encoding="utf-8"?>
+<p:tagLst xmlns:a="http://schemas.openxmlformats.org/drawingml/2006/main" xmlns:r="http://schemas.openxmlformats.org/officeDocument/2006/relationships" xmlns:p="http://schemas.openxmlformats.org/presentationml/2006/main">
+  <p:tag name="NUM" val="25"/>
+</p:tagLst>
+</file>
+
+<file path=ppt/tags/tag84.xml><?xml version="1.0" encoding="utf-8"?>
+<p:tagLst xmlns:a="http://schemas.openxmlformats.org/drawingml/2006/main" xmlns:r="http://schemas.openxmlformats.org/officeDocument/2006/relationships" xmlns:p="http://schemas.openxmlformats.org/presentationml/2006/main">
+  <p:tag name="NUM" val="26"/>
+</p:tagLst>
+</file>
+
+<file path=ppt/tags/tag85.xml><?xml version="1.0" encoding="utf-8"?>
+<p:tagLst xmlns:a="http://schemas.openxmlformats.org/drawingml/2006/main" xmlns:r="http://schemas.openxmlformats.org/officeDocument/2006/relationships" xmlns:p="http://schemas.openxmlformats.org/presentationml/2006/main">
+  <p:tag name="NUM" val="28"/>
+</p:tagLst>
+</file>
+
+<file path=ppt/tags/tag86.xml><?xml version="1.0" encoding="utf-8"?>
+<p:tagLst xmlns:a="http://schemas.openxmlformats.org/drawingml/2006/main" xmlns:r="http://schemas.openxmlformats.org/officeDocument/2006/relationships" xmlns:p="http://schemas.openxmlformats.org/presentationml/2006/main">
+  <p:tag name="NUM" val="29"/>
+</p:tagLst>
+</file>
+
+<file path=ppt/tags/tag87.xml><?xml version="1.0" encoding="utf-8"?>
+<p:tagLst xmlns:a="http://schemas.openxmlformats.org/drawingml/2006/main" xmlns:r="http://schemas.openxmlformats.org/officeDocument/2006/relationships" xmlns:p="http://schemas.openxmlformats.org/presentationml/2006/main">
+  <p:tag name="NUM" val="30"/>
+</p:tagLst>
+</file>
+
+<file path=ppt/tags/tag88.xml><?xml version="1.0" encoding="utf-8"?>
+<p:tagLst xmlns:a="http://schemas.openxmlformats.org/drawingml/2006/main" xmlns:r="http://schemas.openxmlformats.org/officeDocument/2006/relationships" xmlns:p="http://schemas.openxmlformats.org/presentationml/2006/main">
+  <p:tag name="NUM" val="31"/>
+</p:tagLst>
+</file>
+
+<file path=ppt/tags/tag89.xml><?xml version="1.0" encoding="utf-8"?>
+<p:tagLst xmlns:a="http://schemas.openxmlformats.org/drawingml/2006/main" xmlns:r="http://schemas.openxmlformats.org/officeDocument/2006/relationships" xmlns:p="http://schemas.openxmlformats.org/presentationml/2006/main">
+  <p:tag name="NUM" val="32"/>
+</p:tagLst>
+</file>
+
+<file path=ppt/tags/tag9.xml><?xml version="1.0" encoding="utf-8"?>
+<p:tagLst xmlns:a="http://schemas.openxmlformats.org/drawingml/2006/main" xmlns:r="http://schemas.openxmlformats.org/officeDocument/2006/relationships" xmlns:p="http://schemas.openxmlformats.org/presentationml/2006/main">
+  <p:tag name="NUM" val="9"/>
+</p:tagLst>
+</file>
+
+<file path=ppt/tags/tag90.xml><?xml version="1.0" encoding="utf-8"?>
+<p:tagLst xmlns:a="http://schemas.openxmlformats.org/drawingml/2006/main" xmlns:r="http://schemas.openxmlformats.org/officeDocument/2006/relationships" xmlns:p="http://schemas.openxmlformats.org/presentationml/2006/main">
+  <p:tag name="NUM" val="1"/>
+</p:tagLst>
+</file>
+
+<file path=ppt/tags/tag91.xml><?xml version="1.0" encoding="utf-8"?>
+<p:tagLst xmlns:a="http://schemas.openxmlformats.org/drawingml/2006/main" xmlns:r="http://schemas.openxmlformats.org/officeDocument/2006/relationships" xmlns:p="http://schemas.openxmlformats.org/presentationml/2006/main">
+  <p:tag name="NUM" val="2"/>
+</p:tagLst>
+</file>
+
+<file path=ppt/tags/tag92.xml><?xml version="1.0" encoding="utf-8"?>
+<p:tagLst xmlns:a="http://schemas.openxmlformats.org/drawingml/2006/main" xmlns:r="http://schemas.openxmlformats.org/officeDocument/2006/relationships" xmlns:p="http://schemas.openxmlformats.org/presentationml/2006/main">
+  <p:tag name="NUM" val="3"/>
+</p:tagLst>
+</file>
+
+<file path=ppt/tags/tag93.xml><?xml version="1.0" encoding="utf-8"?>
+<p:tagLst xmlns:a="http://schemas.openxmlformats.org/drawingml/2006/main" xmlns:r="http://schemas.openxmlformats.org/officeDocument/2006/relationships" xmlns:p="http://schemas.openxmlformats.org/presentationml/2006/main">
+  <p:tag name="NUM" val="4"/>
+</p:tagLst>
+</file>
+
+<file path=ppt/tags/tag94.xml><?xml version="1.0" encoding="utf-8"?>
+<p:tagLst xmlns:a="http://schemas.openxmlformats.org/drawingml/2006/main" xmlns:r="http://schemas.openxmlformats.org/officeDocument/2006/relationships" xmlns:p="http://schemas.openxmlformats.org/presentationml/2006/main">
+  <p:tag name="NUM" val="5"/>
+</p:tagLst>
+</file>
+
+<file path=ppt/tags/tag95.xml><?xml version="1.0" encoding="utf-8"?>
+<p:tagLst xmlns:a="http://schemas.openxmlformats.org/drawingml/2006/main" xmlns:r="http://schemas.openxmlformats.org/officeDocument/2006/relationships" xmlns:p="http://schemas.openxmlformats.org/presentationml/2006/main">
+  <p:tag name="NUM" val="6"/>
+</p:tagLst>
+</file>
+
+<file path=ppt/tags/tag96.xml><?xml version="1.0" encoding="utf-8"?>
+<p:tagLst xmlns:a="http://schemas.openxmlformats.org/drawingml/2006/main" xmlns:r="http://schemas.openxmlformats.org/officeDocument/2006/relationships" xmlns:p="http://schemas.openxmlformats.org/presentationml/2006/main">
+  <p:tag name="NUM" val="7"/>
+</p:tagLst>
+</file>
+
+<file path=ppt/tags/tag97.xml><?xml version="1.0" encoding="utf-8"?>
+<p:tagLst xmlns:a="http://schemas.openxmlformats.org/drawingml/2006/main" xmlns:r="http://schemas.openxmlformats.org/officeDocument/2006/relationships" xmlns:p="http://schemas.openxmlformats.org/presentationml/2006/main">
+  <p:tag name="NUM" val="8"/>
+</p:tagLst>
+</file>
+
+<file path=ppt/tags/tag98.xml><?xml version="1.0" encoding="utf-8"?>
+<p:tagLst xmlns:a="http://schemas.openxmlformats.org/drawingml/2006/main" xmlns:r="http://schemas.openxmlformats.org/officeDocument/2006/relationships" xmlns:p="http://schemas.openxmlformats.org/presentationml/2006/main">
+  <p:tag name="NUM" val="9"/>
+</p:tagLst>
+</file>
+
+<file path=ppt/tags/tag99.xml><?xml version="1.0" encoding="utf-8"?>
+<p:tagLst xmlns:a="http://schemas.openxmlformats.org/drawingml/2006/main" xmlns:r="http://schemas.openxmlformats.org/officeDocument/2006/relationships" xmlns:p="http://schemas.openxmlformats.org/presentationml/2006/main">
+  <p:tag name="NUM" val="10"/>
+</p:tagLst>
 </file>
 
 <file path=ppt/theme/theme1.xml><?xml version="1.0" encoding="utf-8"?>

--- a/Documentation/SchémaModificationMilieudeStage.pptx
+++ b/Documentation/SchémaModificationMilieudeStage.pptx
@@ -207,7 +207,7 @@
           <a:p>
             <a:fld id="{DDBC4D3D-7E0D-4ED3-B610-3E5FDACC8A4D}" type="datetimeFigureOut">
               <a:rPr lang="fr-CA" smtClean="0"/>
-              <a:t>2020-03-13</a:t>
+              <a:t>2020-04-07</a:t>
             </a:fld>
             <a:endParaRPr lang="fr-CA"/>
           </a:p>
@@ -271,35 +271,35 @@
           <a:p>
             <a:pPr lvl="0"/>
             <a:r>
-              <a:rPr lang="fr-FR" smtClean="0"/>
+              <a:rPr lang="fr-FR"/>
               <a:t>Modifier les styles du texte du masque</a:t>
             </a:r>
           </a:p>
           <a:p>
             <a:pPr lvl="1"/>
             <a:r>
-              <a:rPr lang="fr-FR" smtClean="0"/>
+              <a:rPr lang="fr-FR"/>
               <a:t>Deuxième niveau</a:t>
             </a:r>
           </a:p>
           <a:p>
             <a:pPr lvl="2"/>
             <a:r>
-              <a:rPr lang="fr-FR" smtClean="0"/>
+              <a:rPr lang="fr-FR"/>
               <a:t>Troisième niveau</a:t>
             </a:r>
           </a:p>
           <a:p>
             <a:pPr lvl="3"/>
             <a:r>
-              <a:rPr lang="fr-FR" smtClean="0"/>
+              <a:rPr lang="fr-FR"/>
               <a:t>Quatrième niveau</a:t>
             </a:r>
           </a:p>
           <a:p>
             <a:pPr lvl="4"/>
             <a:r>
-              <a:rPr lang="fr-FR" smtClean="0"/>
+              <a:rPr lang="fr-FR"/>
               <a:t>Cinquième niveau</a:t>
             </a:r>
             <a:endParaRPr lang="fr-CA"/>
@@ -517,7 +517,7 @@
           </a:lstStyle>
           <a:p>
             <a:r>
-              <a:rPr lang="fr-FR" smtClean="0"/>
+              <a:rPr lang="fr-FR"/>
               <a:t>Modifiez le style du titre</a:t>
             </a:r>
             <a:endParaRPr lang="fr-CA"/>
@@ -582,7 +582,7 @@
           </a:lstStyle>
           <a:p>
             <a:r>
-              <a:rPr lang="fr-FR" smtClean="0"/>
+              <a:rPr lang="fr-FR"/>
               <a:t>Modifier le style des sous-titres du masque</a:t>
             </a:r>
             <a:endParaRPr lang="fr-CA"/>
@@ -606,7 +606,7 @@
           <a:p>
             <a:fld id="{952D37C9-57C9-4E74-9BE9-5A5CF4DA06F6}" type="datetimeFigureOut">
               <a:rPr lang="fr-CA" smtClean="0"/>
-              <a:t>2020-03-13</a:t>
+              <a:t>2020-04-07</a:t>
             </a:fld>
             <a:endParaRPr lang="fr-CA"/>
           </a:p>
@@ -700,7 +700,7 @@
           <a:lstStyle/>
           <a:p>
             <a:r>
-              <a:rPr lang="fr-FR" smtClean="0"/>
+              <a:rPr lang="fr-FR"/>
               <a:t>Modifiez le style du titre</a:t>
             </a:r>
             <a:endParaRPr lang="fr-CA"/>
@@ -724,35 +724,35 @@
           <a:p>
             <a:pPr lvl="0"/>
             <a:r>
-              <a:rPr lang="fr-FR" smtClean="0"/>
+              <a:rPr lang="fr-FR"/>
               <a:t>Modifier les styles du texte du masque</a:t>
             </a:r>
           </a:p>
           <a:p>
             <a:pPr lvl="1"/>
             <a:r>
-              <a:rPr lang="fr-FR" smtClean="0"/>
+              <a:rPr lang="fr-FR"/>
               <a:t>Deuxième niveau</a:t>
             </a:r>
           </a:p>
           <a:p>
             <a:pPr lvl="2"/>
             <a:r>
-              <a:rPr lang="fr-FR" smtClean="0"/>
+              <a:rPr lang="fr-FR"/>
               <a:t>Troisième niveau</a:t>
             </a:r>
           </a:p>
           <a:p>
             <a:pPr lvl="3"/>
             <a:r>
-              <a:rPr lang="fr-FR" smtClean="0"/>
+              <a:rPr lang="fr-FR"/>
               <a:t>Quatrième niveau</a:t>
             </a:r>
           </a:p>
           <a:p>
             <a:pPr lvl="4"/>
             <a:r>
-              <a:rPr lang="fr-FR" smtClean="0"/>
+              <a:rPr lang="fr-FR"/>
               <a:t>Cinquième niveau</a:t>
             </a:r>
             <a:endParaRPr lang="fr-CA"/>
@@ -776,7 +776,7 @@
           <a:p>
             <a:fld id="{952D37C9-57C9-4E74-9BE9-5A5CF4DA06F6}" type="datetimeFigureOut">
               <a:rPr lang="fr-CA" smtClean="0"/>
-              <a:t>2020-03-13</a:t>
+              <a:t>2020-04-07</a:t>
             </a:fld>
             <a:endParaRPr lang="fr-CA"/>
           </a:p>
@@ -875,7 +875,7 @@
           <a:lstStyle/>
           <a:p>
             <a:r>
-              <a:rPr lang="fr-FR" smtClean="0"/>
+              <a:rPr lang="fr-FR"/>
               <a:t>Modifiez le style du titre</a:t>
             </a:r>
             <a:endParaRPr lang="fr-CA"/>
@@ -904,35 +904,35 @@
           <a:p>
             <a:pPr lvl="0"/>
             <a:r>
-              <a:rPr lang="fr-FR" smtClean="0"/>
+              <a:rPr lang="fr-FR"/>
               <a:t>Modifier les styles du texte du masque</a:t>
             </a:r>
           </a:p>
           <a:p>
             <a:pPr lvl="1"/>
             <a:r>
-              <a:rPr lang="fr-FR" smtClean="0"/>
+              <a:rPr lang="fr-FR"/>
               <a:t>Deuxième niveau</a:t>
             </a:r>
           </a:p>
           <a:p>
             <a:pPr lvl="2"/>
             <a:r>
-              <a:rPr lang="fr-FR" smtClean="0"/>
+              <a:rPr lang="fr-FR"/>
               <a:t>Troisième niveau</a:t>
             </a:r>
           </a:p>
           <a:p>
             <a:pPr lvl="3"/>
             <a:r>
-              <a:rPr lang="fr-FR" smtClean="0"/>
+              <a:rPr lang="fr-FR"/>
               <a:t>Quatrième niveau</a:t>
             </a:r>
           </a:p>
           <a:p>
             <a:pPr lvl="4"/>
             <a:r>
-              <a:rPr lang="fr-FR" smtClean="0"/>
+              <a:rPr lang="fr-FR"/>
               <a:t>Cinquième niveau</a:t>
             </a:r>
             <a:endParaRPr lang="fr-CA"/>
@@ -956,7 +956,7 @@
           <a:p>
             <a:fld id="{952D37C9-57C9-4E74-9BE9-5A5CF4DA06F6}" type="datetimeFigureOut">
               <a:rPr lang="fr-CA" smtClean="0"/>
-              <a:t>2020-03-13</a:t>
+              <a:t>2020-04-07</a:t>
             </a:fld>
             <a:endParaRPr lang="fr-CA"/>
           </a:p>
@@ -1050,7 +1050,7 @@
           <a:lstStyle/>
           <a:p>
             <a:r>
-              <a:rPr lang="fr-FR" smtClean="0"/>
+              <a:rPr lang="fr-FR"/>
               <a:t>Modifiez le style du titre</a:t>
             </a:r>
             <a:endParaRPr lang="fr-CA"/>
@@ -1074,35 +1074,35 @@
           <a:p>
             <a:pPr lvl="0"/>
             <a:r>
-              <a:rPr lang="fr-FR" smtClean="0"/>
+              <a:rPr lang="fr-FR"/>
               <a:t>Modifier les styles du texte du masque</a:t>
             </a:r>
           </a:p>
           <a:p>
             <a:pPr lvl="1"/>
             <a:r>
-              <a:rPr lang="fr-FR" smtClean="0"/>
+              <a:rPr lang="fr-FR"/>
               <a:t>Deuxième niveau</a:t>
             </a:r>
           </a:p>
           <a:p>
             <a:pPr lvl="2"/>
             <a:r>
-              <a:rPr lang="fr-FR" smtClean="0"/>
+              <a:rPr lang="fr-FR"/>
               <a:t>Troisième niveau</a:t>
             </a:r>
           </a:p>
           <a:p>
             <a:pPr lvl="3"/>
             <a:r>
-              <a:rPr lang="fr-FR" smtClean="0"/>
+              <a:rPr lang="fr-FR"/>
               <a:t>Quatrième niveau</a:t>
             </a:r>
           </a:p>
           <a:p>
             <a:pPr lvl="4"/>
             <a:r>
-              <a:rPr lang="fr-FR" smtClean="0"/>
+              <a:rPr lang="fr-FR"/>
               <a:t>Cinquième niveau</a:t>
             </a:r>
             <a:endParaRPr lang="fr-CA"/>
@@ -1126,7 +1126,7 @@
           <a:p>
             <a:fld id="{952D37C9-57C9-4E74-9BE9-5A5CF4DA06F6}" type="datetimeFigureOut">
               <a:rPr lang="fr-CA" smtClean="0"/>
-              <a:t>2020-03-13</a:t>
+              <a:t>2020-04-07</a:t>
             </a:fld>
             <a:endParaRPr lang="fr-CA"/>
           </a:p>
@@ -1229,7 +1229,7 @@
           </a:lstStyle>
           <a:p>
             <a:r>
-              <a:rPr lang="fr-FR" smtClean="0"/>
+              <a:rPr lang="fr-FR"/>
               <a:t>Modifiez le style du titre</a:t>
             </a:r>
             <a:endParaRPr lang="fr-CA"/>
@@ -1349,7 +1349,7 @@
           <a:p>
             <a:pPr lvl="0"/>
             <a:r>
-              <a:rPr lang="fr-FR" smtClean="0"/>
+              <a:rPr lang="fr-FR"/>
               <a:t>Modifier les styles du texte du masque</a:t>
             </a:r>
           </a:p>
@@ -1372,7 +1372,7 @@
           <a:p>
             <a:fld id="{952D37C9-57C9-4E74-9BE9-5A5CF4DA06F6}" type="datetimeFigureOut">
               <a:rPr lang="fr-CA" smtClean="0"/>
-              <a:t>2020-03-13</a:t>
+              <a:t>2020-04-07</a:t>
             </a:fld>
             <a:endParaRPr lang="fr-CA"/>
           </a:p>
@@ -1466,7 +1466,7 @@
           <a:lstStyle/>
           <a:p>
             <a:r>
-              <a:rPr lang="fr-FR" smtClean="0"/>
+              <a:rPr lang="fr-FR"/>
               <a:t>Modifiez le style du titre</a:t>
             </a:r>
             <a:endParaRPr lang="fr-CA"/>
@@ -1495,35 +1495,35 @@
           <a:p>
             <a:pPr lvl="0"/>
             <a:r>
-              <a:rPr lang="fr-FR" smtClean="0"/>
+              <a:rPr lang="fr-FR"/>
               <a:t>Modifier les styles du texte du masque</a:t>
             </a:r>
           </a:p>
           <a:p>
             <a:pPr lvl="1"/>
             <a:r>
-              <a:rPr lang="fr-FR" smtClean="0"/>
+              <a:rPr lang="fr-FR"/>
               <a:t>Deuxième niveau</a:t>
             </a:r>
           </a:p>
           <a:p>
             <a:pPr lvl="2"/>
             <a:r>
-              <a:rPr lang="fr-FR" smtClean="0"/>
+              <a:rPr lang="fr-FR"/>
               <a:t>Troisième niveau</a:t>
             </a:r>
           </a:p>
           <a:p>
             <a:pPr lvl="3"/>
             <a:r>
-              <a:rPr lang="fr-FR" smtClean="0"/>
+              <a:rPr lang="fr-FR"/>
               <a:t>Quatrième niveau</a:t>
             </a:r>
           </a:p>
           <a:p>
             <a:pPr lvl="4"/>
             <a:r>
-              <a:rPr lang="fr-FR" smtClean="0"/>
+              <a:rPr lang="fr-FR"/>
               <a:t>Cinquième niveau</a:t>
             </a:r>
             <a:endParaRPr lang="fr-CA"/>
@@ -1552,35 +1552,35 @@
           <a:p>
             <a:pPr lvl="0"/>
             <a:r>
-              <a:rPr lang="fr-FR" smtClean="0"/>
+              <a:rPr lang="fr-FR"/>
               <a:t>Modifier les styles du texte du masque</a:t>
             </a:r>
           </a:p>
           <a:p>
             <a:pPr lvl="1"/>
             <a:r>
-              <a:rPr lang="fr-FR" smtClean="0"/>
+              <a:rPr lang="fr-FR"/>
               <a:t>Deuxième niveau</a:t>
             </a:r>
           </a:p>
           <a:p>
             <a:pPr lvl="2"/>
             <a:r>
-              <a:rPr lang="fr-FR" smtClean="0"/>
+              <a:rPr lang="fr-FR"/>
               <a:t>Troisième niveau</a:t>
             </a:r>
           </a:p>
           <a:p>
             <a:pPr lvl="3"/>
             <a:r>
-              <a:rPr lang="fr-FR" smtClean="0"/>
+              <a:rPr lang="fr-FR"/>
               <a:t>Quatrième niveau</a:t>
             </a:r>
           </a:p>
           <a:p>
             <a:pPr lvl="4"/>
             <a:r>
-              <a:rPr lang="fr-FR" smtClean="0"/>
+              <a:rPr lang="fr-FR"/>
               <a:t>Cinquième niveau</a:t>
             </a:r>
             <a:endParaRPr lang="fr-CA"/>
@@ -1604,7 +1604,7 @@
           <a:p>
             <a:fld id="{952D37C9-57C9-4E74-9BE9-5A5CF4DA06F6}" type="datetimeFigureOut">
               <a:rPr lang="fr-CA" smtClean="0"/>
-              <a:t>2020-03-13</a:t>
+              <a:t>2020-04-07</a:t>
             </a:fld>
             <a:endParaRPr lang="fr-CA"/>
           </a:p>
@@ -1703,7 +1703,7 @@
           <a:lstStyle/>
           <a:p>
             <a:r>
-              <a:rPr lang="fr-FR" smtClean="0"/>
+              <a:rPr lang="fr-FR"/>
               <a:t>Modifiez le style du titre</a:t>
             </a:r>
             <a:endParaRPr lang="fr-CA"/>
@@ -1769,7 +1769,7 @@
           <a:p>
             <a:pPr lvl="0"/>
             <a:r>
-              <a:rPr lang="fr-FR" smtClean="0"/>
+              <a:rPr lang="fr-FR"/>
               <a:t>Modifier les styles du texte du masque</a:t>
             </a:r>
           </a:p>
@@ -1797,35 +1797,35 @@
           <a:p>
             <a:pPr lvl="0"/>
             <a:r>
-              <a:rPr lang="fr-FR" smtClean="0"/>
+              <a:rPr lang="fr-FR"/>
               <a:t>Modifier les styles du texte du masque</a:t>
             </a:r>
           </a:p>
           <a:p>
             <a:pPr lvl="1"/>
             <a:r>
-              <a:rPr lang="fr-FR" smtClean="0"/>
+              <a:rPr lang="fr-FR"/>
               <a:t>Deuxième niveau</a:t>
             </a:r>
           </a:p>
           <a:p>
             <a:pPr lvl="2"/>
             <a:r>
-              <a:rPr lang="fr-FR" smtClean="0"/>
+              <a:rPr lang="fr-FR"/>
               <a:t>Troisième niveau</a:t>
             </a:r>
           </a:p>
           <a:p>
             <a:pPr lvl="3"/>
             <a:r>
-              <a:rPr lang="fr-FR" smtClean="0"/>
+              <a:rPr lang="fr-FR"/>
               <a:t>Quatrième niveau</a:t>
             </a:r>
           </a:p>
           <a:p>
             <a:pPr lvl="4"/>
             <a:r>
-              <a:rPr lang="fr-FR" smtClean="0"/>
+              <a:rPr lang="fr-FR"/>
               <a:t>Cinquième niveau</a:t>
             </a:r>
             <a:endParaRPr lang="fr-CA"/>
@@ -1891,7 +1891,7 @@
           <a:p>
             <a:pPr lvl="0"/>
             <a:r>
-              <a:rPr lang="fr-FR" smtClean="0"/>
+              <a:rPr lang="fr-FR"/>
               <a:t>Modifier les styles du texte du masque</a:t>
             </a:r>
           </a:p>
@@ -1919,35 +1919,35 @@
           <a:p>
             <a:pPr lvl="0"/>
             <a:r>
-              <a:rPr lang="fr-FR" smtClean="0"/>
+              <a:rPr lang="fr-FR"/>
               <a:t>Modifier les styles du texte du masque</a:t>
             </a:r>
           </a:p>
           <a:p>
             <a:pPr lvl="1"/>
             <a:r>
-              <a:rPr lang="fr-FR" smtClean="0"/>
+              <a:rPr lang="fr-FR"/>
               <a:t>Deuxième niveau</a:t>
             </a:r>
           </a:p>
           <a:p>
             <a:pPr lvl="2"/>
             <a:r>
-              <a:rPr lang="fr-FR" smtClean="0"/>
+              <a:rPr lang="fr-FR"/>
               <a:t>Troisième niveau</a:t>
             </a:r>
           </a:p>
           <a:p>
             <a:pPr lvl="3"/>
             <a:r>
-              <a:rPr lang="fr-FR" smtClean="0"/>
+              <a:rPr lang="fr-FR"/>
               <a:t>Quatrième niveau</a:t>
             </a:r>
           </a:p>
           <a:p>
             <a:pPr lvl="4"/>
             <a:r>
-              <a:rPr lang="fr-FR" smtClean="0"/>
+              <a:rPr lang="fr-FR"/>
               <a:t>Cinquième niveau</a:t>
             </a:r>
             <a:endParaRPr lang="fr-CA"/>
@@ -1971,7 +1971,7 @@
           <a:p>
             <a:fld id="{952D37C9-57C9-4E74-9BE9-5A5CF4DA06F6}" type="datetimeFigureOut">
               <a:rPr lang="fr-CA" smtClean="0"/>
-              <a:t>2020-03-13</a:t>
+              <a:t>2020-04-07</a:t>
             </a:fld>
             <a:endParaRPr lang="fr-CA"/>
           </a:p>
@@ -2065,7 +2065,7 @@
           <a:lstStyle/>
           <a:p>
             <a:r>
-              <a:rPr lang="fr-FR" smtClean="0"/>
+              <a:rPr lang="fr-FR"/>
               <a:t>Modifiez le style du titre</a:t>
             </a:r>
             <a:endParaRPr lang="fr-CA"/>
@@ -2089,7 +2089,7 @@
           <a:p>
             <a:fld id="{952D37C9-57C9-4E74-9BE9-5A5CF4DA06F6}" type="datetimeFigureOut">
               <a:rPr lang="fr-CA" smtClean="0"/>
-              <a:t>2020-03-13</a:t>
+              <a:t>2020-04-07</a:t>
             </a:fld>
             <a:endParaRPr lang="fr-CA"/>
           </a:p>
@@ -2184,7 +2184,7 @@
           <a:p>
             <a:fld id="{952D37C9-57C9-4E74-9BE9-5A5CF4DA06F6}" type="datetimeFigureOut">
               <a:rPr lang="fr-CA" smtClean="0"/>
-              <a:t>2020-03-13</a:t>
+              <a:t>2020-04-07</a:t>
             </a:fld>
             <a:endParaRPr lang="fr-CA"/>
           </a:p>
@@ -2287,7 +2287,7 @@
           </a:lstStyle>
           <a:p>
             <a:r>
-              <a:rPr lang="fr-FR" smtClean="0"/>
+              <a:rPr lang="fr-FR"/>
               <a:t>Modifiez le style du titre</a:t>
             </a:r>
             <a:endParaRPr lang="fr-CA"/>
@@ -2344,35 +2344,35 @@
           <a:p>
             <a:pPr lvl="0"/>
             <a:r>
-              <a:rPr lang="fr-FR" smtClean="0"/>
+              <a:rPr lang="fr-FR"/>
               <a:t>Modifier les styles du texte du masque</a:t>
             </a:r>
           </a:p>
           <a:p>
             <a:pPr lvl="1"/>
             <a:r>
-              <a:rPr lang="fr-FR" smtClean="0"/>
+              <a:rPr lang="fr-FR"/>
               <a:t>Deuxième niveau</a:t>
             </a:r>
           </a:p>
           <a:p>
             <a:pPr lvl="2"/>
             <a:r>
-              <a:rPr lang="fr-FR" smtClean="0"/>
+              <a:rPr lang="fr-FR"/>
               <a:t>Troisième niveau</a:t>
             </a:r>
           </a:p>
           <a:p>
             <a:pPr lvl="3"/>
             <a:r>
-              <a:rPr lang="fr-FR" smtClean="0"/>
+              <a:rPr lang="fr-FR"/>
               <a:t>Quatrième niveau</a:t>
             </a:r>
           </a:p>
           <a:p>
             <a:pPr lvl="4"/>
             <a:r>
-              <a:rPr lang="fr-FR" smtClean="0"/>
+              <a:rPr lang="fr-FR"/>
               <a:t>Cinquième niveau</a:t>
             </a:r>
             <a:endParaRPr lang="fr-CA"/>
@@ -2438,7 +2438,7 @@
           <a:p>
             <a:pPr lvl="0"/>
             <a:r>
-              <a:rPr lang="fr-FR" smtClean="0"/>
+              <a:rPr lang="fr-FR"/>
               <a:t>Modifier les styles du texte du masque</a:t>
             </a:r>
           </a:p>
@@ -2461,7 +2461,7 @@
           <a:p>
             <a:fld id="{952D37C9-57C9-4E74-9BE9-5A5CF4DA06F6}" type="datetimeFigureOut">
               <a:rPr lang="fr-CA" smtClean="0"/>
-              <a:t>2020-03-13</a:t>
+              <a:t>2020-04-07</a:t>
             </a:fld>
             <a:endParaRPr lang="fr-CA"/>
           </a:p>
@@ -2564,7 +2564,7 @@
           </a:lstStyle>
           <a:p>
             <a:r>
-              <a:rPr lang="fr-FR" smtClean="0"/>
+              <a:rPr lang="fr-FR"/>
               <a:t>Modifiez le style du titre</a:t>
             </a:r>
             <a:endParaRPr lang="fr-CA"/>
@@ -2691,7 +2691,7 @@
           <a:p>
             <a:pPr lvl="0"/>
             <a:r>
-              <a:rPr lang="fr-FR" smtClean="0"/>
+              <a:rPr lang="fr-FR"/>
               <a:t>Modifier les styles du texte du masque</a:t>
             </a:r>
           </a:p>
@@ -2714,7 +2714,7 @@
           <a:p>
             <a:fld id="{952D37C9-57C9-4E74-9BE9-5A5CF4DA06F6}" type="datetimeFigureOut">
               <a:rPr lang="fr-CA" smtClean="0"/>
-              <a:t>2020-03-13</a:t>
+              <a:t>2020-04-07</a:t>
             </a:fld>
             <a:endParaRPr lang="fr-CA"/>
           </a:p>
@@ -2823,7 +2823,7 @@
           <a:lstStyle/>
           <a:p>
             <a:r>
-              <a:rPr lang="fr-FR" smtClean="0"/>
+              <a:rPr lang="fr-FR"/>
               <a:t>Modifiez le style du titre</a:t>
             </a:r>
             <a:endParaRPr lang="fr-CA"/>
@@ -2857,35 +2857,35 @@
           <a:p>
             <a:pPr lvl="0"/>
             <a:r>
-              <a:rPr lang="fr-FR" smtClean="0"/>
+              <a:rPr lang="fr-FR"/>
               <a:t>Modifier les styles du texte du masque</a:t>
             </a:r>
           </a:p>
           <a:p>
             <a:pPr lvl="1"/>
             <a:r>
-              <a:rPr lang="fr-FR" smtClean="0"/>
+              <a:rPr lang="fr-FR"/>
               <a:t>Deuxième niveau</a:t>
             </a:r>
           </a:p>
           <a:p>
             <a:pPr lvl="2"/>
             <a:r>
-              <a:rPr lang="fr-FR" smtClean="0"/>
+              <a:rPr lang="fr-FR"/>
               <a:t>Troisième niveau</a:t>
             </a:r>
           </a:p>
           <a:p>
             <a:pPr lvl="3"/>
             <a:r>
-              <a:rPr lang="fr-FR" smtClean="0"/>
+              <a:rPr lang="fr-FR"/>
               <a:t>Quatrième niveau</a:t>
             </a:r>
           </a:p>
           <a:p>
             <a:pPr lvl="4"/>
             <a:r>
-              <a:rPr lang="fr-FR" smtClean="0"/>
+              <a:rPr lang="fr-FR"/>
               <a:t>Cinquième niveau</a:t>
             </a:r>
             <a:endParaRPr lang="fr-CA"/>
@@ -2927,7 +2927,7 @@
           <a:p>
             <a:fld id="{952D37C9-57C9-4E74-9BE9-5A5CF4DA06F6}" type="datetimeFigureOut">
               <a:rPr lang="fr-CA" smtClean="0"/>
-              <a:t>2020-03-13</a:t>
+              <a:t>2020-04-07</a:t>
             </a:fld>
             <a:endParaRPr lang="fr-CA"/>
           </a:p>
@@ -3497,7 +3497,6 @@
               </a:schemeClr>
               <a:prstClr val="white"/>
             </a:duotone>
-            <a:extLst/>
           </a:blip>
           <a:stretch>
             <a:fillRect/>
@@ -3568,26 +3567,13 @@
           <a:lstStyle/>
           <a:p>
             <a:r>
-              <a:rPr lang="fr-CA" dirty="0" smtClean="0">
+              <a:rPr lang="fr-CA" dirty="0">
                 <a:solidFill>
                   <a:srgbClr val="036AB1"/>
                 </a:solidFill>
               </a:rPr>
-              <a:t>Milieu </a:t>
+              <a:t>Milieu de stages disponibles </a:t>
             </a:r>
-            <a:r>
-              <a:rPr lang="fr-CA" dirty="0" smtClean="0">
-                <a:solidFill>
-                  <a:srgbClr val="036AB1"/>
-                </a:solidFill>
-              </a:rPr>
-              <a:t>de stages disponibles </a:t>
-            </a:r>
-            <a:endParaRPr lang="fr-CA" dirty="0">
-              <a:solidFill>
-                <a:srgbClr val="036AB1"/>
-              </a:solidFill>
-            </a:endParaRPr>
           </a:p>
         </p:txBody>
       </p:sp>
@@ -3751,18 +3737,13 @@
           <a:p>
             <a:pPr algn="ctr"/>
             <a:r>
-              <a:rPr lang="fr-CA" sz="800" dirty="0" smtClean="0">
+              <a:rPr lang="fr-CA" sz="800" dirty="0">
                 <a:solidFill>
                   <a:sysClr val="windowText" lastClr="000000"/>
                 </a:solidFill>
               </a:rPr>
               <a:t>Filtre de recherche</a:t>
             </a:r>
-            <a:endParaRPr lang="fr-CA" sz="800" dirty="0">
-              <a:solidFill>
-                <a:sysClr val="windowText" lastClr="000000"/>
-              </a:solidFill>
-            </a:endParaRPr>
           </a:p>
         </p:txBody>
       </p:sp>
@@ -3887,16 +3868,15 @@
           <a:lstStyle/>
           <a:p>
             <a:r>
-              <a:rPr lang="fr-CA" sz="1100" dirty="0" smtClean="0"/>
+              <a:rPr lang="fr-CA" sz="1100" dirty="0"/>
               <a:t>Peut être agrandi et rapetisser</a:t>
             </a:r>
           </a:p>
           <a:p>
             <a:r>
-              <a:rPr lang="fr-CA" sz="1100" dirty="0" smtClean="0"/>
+              <a:rPr lang="fr-CA" sz="1100" dirty="0"/>
               <a:t>(collapse)</a:t>
             </a:r>
-            <a:endParaRPr lang="fr-CA" sz="1100" dirty="0"/>
           </a:p>
         </p:txBody>
       </p:sp>
@@ -4232,10 +4212,9 @@
           <a:lstStyle/>
           <a:p>
             <a:r>
-              <a:rPr lang="fr-CA" sz="1000" dirty="0" smtClean="0"/>
+              <a:rPr lang="fr-CA" sz="1000" dirty="0"/>
               <a:t>Visible seulement par le coordonnateur</a:t>
             </a:r>
-            <a:endParaRPr lang="fr-CA" sz="1000" dirty="0"/>
           </a:p>
         </p:txBody>
       </p:sp>
@@ -4307,13 +4286,6 @@
   <p:clrMapOvr>
     <a:masterClrMapping/>
   </p:clrMapOvr>
-  <p:timing>
-    <p:tnLst>
-      <p:par>
-        <p:cTn id="1" dur="indefinite" restart="never" nodeType="tmRoot"/>
-      </p:par>
-    </p:tnLst>
-  </p:timing>
 </p:sld>
 </file>
 
@@ -4499,7 +4471,6 @@
               </a:schemeClr>
               <a:prstClr val="white"/>
             </a:duotone>
-            <a:extLst/>
           </a:blip>
           <a:stretch>
             <a:fillRect/>
@@ -4570,18 +4541,13 @@
           <a:lstStyle/>
           <a:p>
             <a:r>
-              <a:rPr lang="fr-CA" dirty="0" smtClean="0">
+              <a:rPr lang="fr-CA" dirty="0">
                 <a:solidFill>
                   <a:srgbClr val="036AB1"/>
                 </a:solidFill>
               </a:rPr>
               <a:t>Étudiants en attente d’assignation</a:t>
             </a:r>
-            <a:endParaRPr lang="fr-CA" dirty="0">
-              <a:solidFill>
-                <a:srgbClr val="036AB1"/>
-              </a:solidFill>
-            </a:endParaRPr>
           </a:p>
         </p:txBody>
       </p:sp>
@@ -4639,10 +4605,9 @@
           <a:lstStyle/>
           <a:p>
             <a:r>
-              <a:rPr lang="fr-CA" sz="1000" dirty="0" smtClean="0"/>
+              <a:rPr lang="fr-CA" sz="1000" dirty="0"/>
               <a:t>Visible seulement par le coordonnateur</a:t>
             </a:r>
-            <a:endParaRPr lang="fr-CA" sz="1000" dirty="0"/>
           </a:p>
         </p:txBody>
       </p:sp>
@@ -4673,10 +4638,9 @@
           <a:lstStyle/>
           <a:p>
             <a:r>
-              <a:rPr lang="fr-CA" dirty="0" smtClean="0"/>
+              <a:rPr lang="fr-CA" dirty="0"/>
               <a:t>Option 2</a:t>
             </a:r>
-            <a:endParaRPr lang="fr-CA" dirty="0"/>
           </a:p>
         </p:txBody>
       </p:sp>
@@ -5116,10 +5080,9 @@
           <a:lstStyle/>
           <a:p>
             <a:r>
-              <a:rPr lang="fr-CA" sz="1000" dirty="0" smtClean="0"/>
+              <a:rPr lang="fr-CA" sz="1000" dirty="0"/>
               <a:t>Amène à la prochaine diapo/page</a:t>
             </a:r>
-            <a:endParaRPr lang="fr-CA" sz="1000" dirty="0"/>
           </a:p>
         </p:txBody>
       </p:sp>
@@ -5133,13 +5096,6 @@
   <p:clrMapOvr>
     <a:masterClrMapping/>
   </p:clrMapOvr>
-  <p:timing>
-    <p:tnLst>
-      <p:par>
-        <p:cTn id="1" dur="indefinite" restart="never" nodeType="tmRoot"/>
-      </p:par>
-    </p:tnLst>
-  </p:timing>
 </p:sld>
 </file>
 
@@ -5387,18 +5343,13 @@
           <a:lstStyle/>
           <a:p>
             <a:r>
-              <a:rPr lang="fr-CA" dirty="0" smtClean="0">
+              <a:rPr lang="fr-CA" dirty="0">
                 <a:solidFill>
                   <a:srgbClr val="036AB1"/>
                 </a:solidFill>
               </a:rPr>
               <a:t>Assigner un stage</a:t>
             </a:r>
-            <a:endParaRPr lang="fr-CA" dirty="0">
-              <a:solidFill>
-                <a:srgbClr val="036AB1"/>
-              </a:solidFill>
-            </a:endParaRPr>
           </a:p>
         </p:txBody>
       </p:sp>
@@ -5522,7 +5473,6 @@
               </a:schemeClr>
               <a:prstClr val="white"/>
             </a:duotone>
-            <a:extLst/>
           </a:blip>
           <a:stretch>
             <a:fillRect/>
@@ -5593,10 +5543,9 @@
           <a:lstStyle/>
           <a:p>
             <a:r>
-              <a:rPr lang="fr-CA" sz="1000" dirty="0" smtClean="0"/>
+              <a:rPr lang="fr-CA" sz="1000" dirty="0"/>
               <a:t>Visible seulement par le coordonnateur</a:t>
             </a:r>
-            <a:endParaRPr lang="fr-CA" sz="1000" dirty="0"/>
           </a:p>
         </p:txBody>
       </p:sp>
@@ -5957,7 +5906,7 @@
               <a:p>
                 <a:pPr algn="ctr"/>
                 <a:r>
-                  <a:rPr lang="fr-CA" sz="700" b="1" dirty="0" smtClean="0">
+                  <a:rPr lang="fr-CA" sz="700" b="1" dirty="0">
                     <a:solidFill>
                       <a:schemeClr val="tx1"/>
                     </a:solidFill>
@@ -6026,7 +5975,7 @@
             <a:p>
               <a:pPr algn="ctr"/>
               <a:r>
-                <a:rPr lang="fr-CA" sz="1050" dirty="0" smtClean="0">
+                <a:rPr lang="fr-CA" sz="1050" dirty="0">
                   <a:solidFill>
                     <a:schemeClr val="tx1"/>
                   </a:solidFill>
@@ -6086,7 +6035,7 @@
             <a:p>
               <a:pPr algn="ctr"/>
               <a:r>
-                <a:rPr lang="fr-CA" sz="1050" dirty="0" smtClean="0">
+                <a:rPr lang="fr-CA" sz="1050" dirty="0">
                   <a:solidFill>
                     <a:schemeClr val="tx1"/>
                   </a:solidFill>
@@ -6146,7 +6095,7 @@
             <a:p>
               <a:pPr algn="ctr"/>
               <a:r>
-                <a:rPr lang="fr-CA" sz="1050" dirty="0" smtClean="0">
+                <a:rPr lang="fr-CA" sz="1050" dirty="0">
                   <a:solidFill>
                     <a:schemeClr val="tx1"/>
                   </a:solidFill>
@@ -6688,18 +6637,13 @@
           <a:p>
             <a:pPr algn="ctr"/>
             <a:r>
-              <a:rPr lang="fr-CA" sz="1050" b="1" dirty="0" smtClean="0">
+              <a:rPr lang="fr-CA" sz="1050" b="1" dirty="0">
                 <a:solidFill>
                   <a:schemeClr val="tx1"/>
                 </a:solidFill>
               </a:rPr>
               <a:t>Statut</a:t>
             </a:r>
-            <a:endParaRPr lang="fr-CA" sz="1050" b="1" dirty="0">
-              <a:solidFill>
-                <a:schemeClr val="tx1"/>
-              </a:solidFill>
-            </a:endParaRPr>
           </a:p>
         </p:txBody>
       </p:sp>
@@ -6752,7 +6696,7 @@
           <a:p>
             <a:pPr algn="ctr"/>
             <a:r>
-              <a:rPr lang="fr-CA" sz="1000" dirty="0" smtClean="0">
+              <a:rPr lang="fr-CA" sz="1000" dirty="0">
                 <a:solidFill>
                   <a:schemeClr val="tx1"/>
                 </a:solidFill>
@@ -6816,7 +6760,7 @@
           <a:p>
             <a:pPr algn="ctr"/>
             <a:r>
-              <a:rPr lang="fr-CA" sz="1000" dirty="0" smtClean="0">
+              <a:rPr lang="fr-CA" sz="1000" dirty="0">
                 <a:solidFill>
                   <a:schemeClr val="tx1"/>
                 </a:solidFill>
@@ -6880,7 +6824,7 @@
           <a:p>
             <a:pPr algn="ctr"/>
             <a:r>
-              <a:rPr lang="fr-CA" sz="1000" dirty="0" smtClean="0">
+              <a:rPr lang="fr-CA" sz="1000" dirty="0">
                 <a:solidFill>
                   <a:schemeClr val="tx1"/>
                 </a:solidFill>
@@ -7006,10 +6950,9 @@
           <a:lstStyle/>
           <a:p>
             <a:r>
-              <a:rPr lang="fr-CA" dirty="0" smtClean="0"/>
+              <a:rPr lang="fr-CA" dirty="0"/>
               <a:t>Option 2</a:t>
             </a:r>
-            <a:endParaRPr lang="fr-CA" dirty="0"/>
           </a:p>
         </p:txBody>
       </p:sp>
@@ -7047,13 +6990,6 @@
   <p:clrMapOvr>
     <a:masterClrMapping/>
   </p:clrMapOvr>
-  <p:timing>
-    <p:tnLst>
-      <p:par>
-        <p:cTn id="1" dur="indefinite" restart="never" nodeType="tmRoot"/>
-      </p:par>
-    </p:tnLst>
-  </p:timing>
 </p:sld>
 </file>
 
@@ -7217,18 +7153,13 @@
           <a:lstStyle/>
           <a:p>
             <a:r>
-              <a:rPr lang="fr-CA" dirty="0" smtClean="0">
+              <a:rPr lang="fr-CA" dirty="0">
                 <a:solidFill>
                   <a:srgbClr val="036AB1"/>
                 </a:solidFill>
               </a:rPr>
               <a:t>Ajouter un milieu de stage</a:t>
             </a:r>
-            <a:endParaRPr lang="fr-CA" dirty="0">
-              <a:solidFill>
-                <a:srgbClr val="036AB1"/>
-              </a:solidFill>
-            </a:endParaRPr>
           </a:p>
         </p:txBody>
       </p:sp>
@@ -7314,10 +7245,9 @@
           <a:lstStyle/>
           <a:p>
             <a:r>
-              <a:rPr lang="fr-CA" sz="1600" dirty="0" smtClean="0"/>
+              <a:rPr lang="fr-CA" sz="1600" dirty="0"/>
               <a:t>Titre:</a:t>
             </a:r>
-            <a:endParaRPr lang="fr-CA" sz="1600" dirty="0"/>
           </a:p>
         </p:txBody>
       </p:sp>
@@ -7376,10 +7306,9 @@
           <a:lstStyle/>
           <a:p>
             <a:r>
-              <a:rPr lang="fr-CA" sz="1600" dirty="0" smtClean="0"/>
+              <a:rPr lang="fr-CA" sz="1600" dirty="0"/>
               <a:t>Description:</a:t>
             </a:r>
-            <a:endParaRPr lang="fr-CA" sz="1600" dirty="0"/>
           </a:p>
         </p:txBody>
       </p:sp>
@@ -7410,10 +7339,9 @@
           <a:lstStyle/>
           <a:p>
             <a:r>
-              <a:rPr lang="fr-CA" sz="1600" dirty="0" smtClean="0"/>
+              <a:rPr lang="fr-CA" sz="1600" dirty="0"/>
               <a:t>Numéro civique:</a:t>
             </a:r>
-            <a:endParaRPr lang="fr-CA" sz="1600" dirty="0"/>
           </a:p>
         </p:txBody>
       </p:sp>
@@ -7500,10 +7428,9 @@
           <a:lstStyle/>
           <a:p>
             <a:r>
-              <a:rPr lang="fr-CA" sz="1600" dirty="0" smtClean="0"/>
+              <a:rPr lang="fr-CA" sz="1600" dirty="0"/>
               <a:t>Rue:</a:t>
             </a:r>
-            <a:endParaRPr lang="fr-CA" sz="1600" dirty="0"/>
           </a:p>
         </p:txBody>
       </p:sp>
@@ -7590,10 +7517,9 @@
           <a:lstStyle/>
           <a:p>
             <a:r>
-              <a:rPr lang="fr-CA" sz="1600" dirty="0" smtClean="0"/>
+              <a:rPr lang="fr-CA" sz="1600" dirty="0"/>
               <a:t>Code postal:</a:t>
             </a:r>
-            <a:endParaRPr lang="fr-CA" sz="1600" dirty="0"/>
           </a:p>
         </p:txBody>
       </p:sp>
@@ -7678,10 +7604,9 @@
           <a:lstStyle/>
           <a:p>
             <a:r>
-              <a:rPr lang="fr-CA" sz="1600" dirty="0" smtClean="0"/>
+              <a:rPr lang="fr-CA" sz="1600" dirty="0"/>
               <a:t>Ville:</a:t>
             </a:r>
-            <a:endParaRPr lang="fr-CA" sz="1600" dirty="0"/>
           </a:p>
         </p:txBody>
       </p:sp>
@@ -7799,10 +7724,9 @@
           <a:lstStyle/>
           <a:p>
             <a:r>
-              <a:rPr lang="fr-CA" sz="1600" dirty="0" smtClean="0"/>
+              <a:rPr lang="fr-CA" sz="1600" dirty="0"/>
               <a:t>Numéro de téléphone:</a:t>
             </a:r>
-            <a:endParaRPr lang="fr-CA" sz="1600" dirty="0"/>
           </a:p>
         </p:txBody>
       </p:sp>
@@ -7860,10 +7784,9 @@
           <a:lstStyle/>
           <a:p>
             <a:r>
-              <a:rPr lang="fr-CA" sz="1600" dirty="0" smtClean="0"/>
+              <a:rPr lang="fr-CA" sz="1600" dirty="0"/>
               <a:t>Actif:</a:t>
             </a:r>
-            <a:endParaRPr lang="fr-CA" sz="1600" dirty="0"/>
           </a:p>
         </p:txBody>
       </p:sp>
@@ -7888,7 +7811,6 @@
               </a:schemeClr>
               <a:prstClr val="white"/>
             </a:duotone>
-            <a:extLst/>
           </a:blip>
           <a:stretch>
             <a:fillRect/>
@@ -7931,10 +7853,9 @@
           <a:lstStyle/>
           <a:p>
             <a:r>
-              <a:rPr lang="fr-CA" sz="1600" dirty="0" smtClean="0"/>
+              <a:rPr lang="fr-CA" sz="1600" dirty="0"/>
               <a:t>Pays:</a:t>
             </a:r>
-            <a:endParaRPr lang="fr-CA" sz="1600" dirty="0"/>
           </a:p>
         </p:txBody>
       </p:sp>
@@ -8035,14 +7956,13 @@
           <a:lstStyle/>
           <a:p>
             <a:r>
-              <a:rPr lang="fr-CA" sz="1000" dirty="0" err="1" smtClean="0"/>
+              <a:rPr lang="fr-CA" sz="1000" dirty="0" err="1"/>
               <a:t>Text</a:t>
             </a:r>
             <a:r>
-              <a:rPr lang="fr-CA" sz="1000" dirty="0" smtClean="0"/>
+              <a:rPr lang="fr-CA" sz="1000" dirty="0"/>
               <a:t> area</a:t>
             </a:r>
-            <a:endParaRPr lang="fr-CA" sz="1000" dirty="0"/>
           </a:p>
         </p:txBody>
       </p:sp>
@@ -8101,30 +8021,29 @@
           <a:lstStyle/>
           <a:p>
             <a:r>
-              <a:rPr lang="fr-CA" sz="1000" dirty="0" smtClean="0"/>
+              <a:rPr lang="fr-CA" sz="1000" dirty="0"/>
               <a:t>Visible seulement par le coordonnateur</a:t>
             </a:r>
           </a:p>
           <a:p>
             <a:r>
-              <a:rPr lang="fr-CA" sz="1000" dirty="0" smtClean="0"/>
+              <a:rPr lang="fr-CA" sz="1000" dirty="0"/>
               <a:t>Si </a:t>
             </a:r>
             <a:r>
-              <a:rPr lang="fr-CA" sz="1000" smtClean="0"/>
+              <a:rPr lang="fr-CA" sz="1000"/>
               <a:t>aucune flèche</a:t>
             </a:r>
             <a:r>
-              <a:rPr lang="fr-CA" sz="1000" dirty="0" smtClean="0"/>
+              <a:rPr lang="fr-CA" sz="1000" dirty="0"/>
               <a:t>: Toute la page</a:t>
             </a:r>
           </a:p>
           <a:p>
             <a:r>
-              <a:rPr lang="fr-CA" sz="1000" dirty="0" smtClean="0"/>
+              <a:rPr lang="fr-CA" sz="1000" dirty="0"/>
               <a:t>Si flèche: Élément pointé seulement</a:t>
             </a:r>
-            <a:endParaRPr lang="fr-CA" sz="1000" dirty="0"/>
           </a:p>
         </p:txBody>
       </p:sp>
@@ -8162,13 +8081,6 @@
   <p:clrMapOvr>
     <a:masterClrMapping/>
   </p:clrMapOvr>
-  <p:timing>
-    <p:tnLst>
-      <p:par>
-        <p:cTn id="1" dur="indefinite" restart="never" nodeType="tmRoot"/>
-      </p:par>
-    </p:tnLst>
-  </p:timing>
 </p:sld>
 </file>
 
@@ -8332,18 +8244,13 @@
           <a:lstStyle/>
           <a:p>
             <a:r>
-              <a:rPr lang="fr-CA" dirty="0" smtClean="0">
+              <a:rPr lang="fr-CA" dirty="0">
                 <a:solidFill>
                   <a:srgbClr val="036AB1"/>
                 </a:solidFill>
               </a:rPr>
               <a:t>Modifier un milieu de stage</a:t>
             </a:r>
-            <a:endParaRPr lang="fr-CA" dirty="0">
-              <a:solidFill>
-                <a:srgbClr val="036AB1"/>
-              </a:solidFill>
-            </a:endParaRPr>
           </a:p>
         </p:txBody>
       </p:sp>
@@ -8429,10 +8336,9 @@
           <a:lstStyle/>
           <a:p>
             <a:r>
-              <a:rPr lang="fr-CA" sz="1600" dirty="0" smtClean="0"/>
+              <a:rPr lang="fr-CA" sz="1600" dirty="0"/>
               <a:t>Titre:</a:t>
             </a:r>
-            <a:endParaRPr lang="fr-CA" sz="1600" dirty="0"/>
           </a:p>
         </p:txBody>
       </p:sp>
@@ -8491,10 +8397,9 @@
           <a:lstStyle/>
           <a:p>
             <a:r>
-              <a:rPr lang="fr-CA" sz="1600" dirty="0" smtClean="0"/>
+              <a:rPr lang="fr-CA" sz="1600" dirty="0"/>
               <a:t>Description:</a:t>
             </a:r>
-            <a:endParaRPr lang="fr-CA" sz="1600" dirty="0"/>
           </a:p>
         </p:txBody>
       </p:sp>
@@ -8525,10 +8430,9 @@
           <a:lstStyle/>
           <a:p>
             <a:r>
-              <a:rPr lang="fr-CA" sz="1600" dirty="0" smtClean="0"/>
+              <a:rPr lang="fr-CA" sz="1600" dirty="0"/>
               <a:t>Numéro civique:</a:t>
             </a:r>
-            <a:endParaRPr lang="fr-CA" sz="1600" dirty="0"/>
           </a:p>
         </p:txBody>
       </p:sp>
@@ -8615,10 +8519,9 @@
           <a:lstStyle/>
           <a:p>
             <a:r>
-              <a:rPr lang="fr-CA" sz="1600" dirty="0" smtClean="0"/>
+              <a:rPr lang="fr-CA" sz="1600" dirty="0"/>
               <a:t>Rue:</a:t>
             </a:r>
-            <a:endParaRPr lang="fr-CA" sz="1600" dirty="0"/>
           </a:p>
         </p:txBody>
       </p:sp>
@@ -8705,10 +8608,9 @@
           <a:lstStyle/>
           <a:p>
             <a:r>
-              <a:rPr lang="fr-CA" sz="1600" dirty="0" smtClean="0"/>
+              <a:rPr lang="fr-CA" sz="1600" dirty="0"/>
               <a:t>Code postal:</a:t>
             </a:r>
-            <a:endParaRPr lang="fr-CA" sz="1600" dirty="0"/>
           </a:p>
         </p:txBody>
       </p:sp>
@@ -8793,10 +8695,9 @@
           <a:lstStyle/>
           <a:p>
             <a:r>
-              <a:rPr lang="fr-CA" sz="1600" dirty="0" smtClean="0"/>
+              <a:rPr lang="fr-CA" sz="1600" dirty="0"/>
               <a:t>Ville:</a:t>
             </a:r>
-            <a:endParaRPr lang="fr-CA" sz="1600" dirty="0"/>
           </a:p>
         </p:txBody>
       </p:sp>
@@ -8914,10 +8815,9 @@
           <a:lstStyle/>
           <a:p>
             <a:r>
-              <a:rPr lang="fr-CA" sz="1600" dirty="0" smtClean="0"/>
+              <a:rPr lang="fr-CA" sz="1600" dirty="0"/>
               <a:t>Numéro de téléphone:</a:t>
             </a:r>
-            <a:endParaRPr lang="fr-CA" sz="1600" dirty="0"/>
           </a:p>
         </p:txBody>
       </p:sp>
@@ -8975,10 +8875,9 @@
           <a:lstStyle/>
           <a:p>
             <a:r>
-              <a:rPr lang="fr-CA" sz="1600" dirty="0" smtClean="0"/>
+              <a:rPr lang="fr-CA" sz="1600" dirty="0"/>
               <a:t>Actif:</a:t>
             </a:r>
-            <a:endParaRPr lang="fr-CA" sz="1600" dirty="0"/>
           </a:p>
         </p:txBody>
       </p:sp>
@@ -9003,7 +8902,6 @@
               </a:schemeClr>
               <a:prstClr val="white"/>
             </a:duotone>
-            <a:extLst/>
           </a:blip>
           <a:stretch>
             <a:fillRect/>
@@ -9011,7 +8909,7 @@
         </p:blipFill>
         <p:spPr>
           <a:xfrm>
-            <a:off x="4711262" y="6159454"/>
+            <a:off x="3651470" y="6063988"/>
             <a:ext cx="1009791" cy="438211"/>
           </a:xfrm>
           <a:prstGeom prst="rect">
@@ -9046,16 +8944,15 @@
           <a:lstStyle/>
           <a:p>
             <a:r>
-              <a:rPr lang="fr-CA" sz="1600" dirty="0" smtClean="0"/>
+              <a:rPr lang="fr-CA" sz="1600" dirty="0"/>
               <a:t>Pays:</a:t>
             </a:r>
-            <a:endParaRPr lang="fr-CA" sz="1600" dirty="0"/>
           </a:p>
         </p:txBody>
       </p:sp>
       <p:pic>
         <p:nvPicPr>
-          <p:cNvPr id="8" name="Image 7"/>
+          <p:cNvPr id="10" name="Image 9"/>
           <p:cNvPicPr>
             <a:picLocks noChangeAspect="1"/>
           </p:cNvPicPr>
@@ -9073,34 +8970,6 @@
         </p:blipFill>
         <p:spPr>
           <a:xfrm>
-            <a:off x="6112628" y="6208479"/>
-            <a:ext cx="1343212" cy="371527"/>
-          </a:xfrm>
-          <a:prstGeom prst="rect">
-            <a:avLst/>
-          </a:prstGeom>
-        </p:spPr>
-      </p:pic>
-      <p:pic>
-        <p:nvPicPr>
-          <p:cNvPr id="10" name="Image 9"/>
-          <p:cNvPicPr>
-            <a:picLocks noChangeAspect="1"/>
-          </p:cNvPicPr>
-          <p:nvPr>
-            <p:custDataLst>
-              <p:tags r:id="rId28"/>
-            </p:custDataLst>
-          </p:nvPr>
-        </p:nvPicPr>
-        <p:blipFill>
-          <a:blip r:embed="rId44"/>
-          <a:stretch>
-            <a:fillRect/>
-          </a:stretch>
-        </p:blipFill>
-        <p:spPr>
-          <a:xfrm>
             <a:off x="4241315" y="622402"/>
             <a:ext cx="590632" cy="543001"/>
           </a:xfrm>
@@ -9115,7 +8984,7 @@
           <p:cNvCxnSpPr/>
           <p:nvPr>
             <p:custDataLst>
-              <p:tags r:id="rId29"/>
+              <p:tags r:id="rId28"/>
             </p:custDataLst>
           </p:nvPr>
         </p:nvCxnSpPr>
@@ -9157,7 +9026,7 @@
           <p:cNvSpPr txBox="1"/>
           <p:nvPr>
             <p:custDataLst>
-              <p:tags r:id="rId30"/>
+              <p:tags r:id="rId29"/>
             </p:custDataLst>
           </p:nvPr>
         </p:nvSpPr>
@@ -9178,14 +9047,13 @@
           <a:lstStyle/>
           <a:p>
             <a:r>
-              <a:rPr lang="fr-CA" sz="1000" dirty="0" err="1" smtClean="0"/>
+              <a:rPr lang="fr-CA" sz="1000" dirty="0" err="1"/>
               <a:t>Text</a:t>
             </a:r>
             <a:r>
-              <a:rPr lang="fr-CA" sz="1000" dirty="0" smtClean="0"/>
+              <a:rPr lang="fr-CA" sz="1000" dirty="0"/>
               <a:t> area</a:t>
             </a:r>
-            <a:endParaRPr lang="fr-CA" sz="1000" dirty="0"/>
           </a:p>
         </p:txBody>
       </p:sp>
@@ -9195,7 +9063,7 @@
           <p:cNvSpPr txBox="1"/>
           <p:nvPr>
             <p:custDataLst>
-              <p:tags r:id="rId31"/>
+              <p:tags r:id="rId30"/>
             </p:custDataLst>
           </p:nvPr>
         </p:nvSpPr>
@@ -9216,10 +9084,9 @@
           <a:lstStyle/>
           <a:p>
             <a:r>
-              <a:rPr lang="fr-CA" sz="1000" dirty="0" smtClean="0"/>
+              <a:rPr lang="fr-CA" sz="1000" dirty="0"/>
               <a:t>Visible seulement par le coordonnateur</a:t>
             </a:r>
-            <a:endParaRPr lang="fr-CA" sz="1000" dirty="0"/>
           </a:p>
         </p:txBody>
       </p:sp>
@@ -9232,6 +9099,40 @@
           <p:nvPr/>
         </p:nvPicPr>
         <p:blipFill>
+          <a:blip r:embed="rId44"/>
+          <a:stretch>
+            <a:fillRect/>
+          </a:stretch>
+        </p:blipFill>
+        <p:spPr>
+          <a:xfrm>
+            <a:off x="5449274" y="5881342"/>
+            <a:ext cx="1219370" cy="209579"/>
+          </a:xfrm>
+          <a:prstGeom prst="rect">
+            <a:avLst/>
+          </a:prstGeom>
+        </p:spPr>
+      </p:pic>
+      <p:pic>
+        <p:nvPicPr>
+          <p:cNvPr id="38" name="Image 37">
+            <a:extLst>
+              <a:ext uri="{FF2B5EF4-FFF2-40B4-BE49-F238E27FC236}">
+                <a16:creationId xmlns:a16="http://schemas.microsoft.com/office/drawing/2014/main" id="{1A82D987-9109-485F-AA25-E84618ED5C5E}"/>
+              </a:ext>
+            </a:extLst>
+          </p:cNvPr>
+          <p:cNvPicPr>
+            <a:picLocks noChangeAspect="1"/>
+          </p:cNvPicPr>
+          <p:nvPr>
+            <p:custDataLst>
+              <p:tags r:id="rId31"/>
+            </p:custDataLst>
+          </p:nvPr>
+        </p:nvPicPr>
+        <p:blipFill>
           <a:blip r:embed="rId45"/>
           <a:stretch>
             <a:fillRect/>
@@ -9239,8 +9140,8 @@
         </p:blipFill>
         <p:spPr>
           <a:xfrm>
-            <a:off x="5449274" y="5881342"/>
-            <a:ext cx="1219370" cy="209579"/>
+            <a:off x="6992149" y="6115739"/>
+            <a:ext cx="1295581" cy="362001"/>
           </a:xfrm>
           <a:prstGeom prst="rect">
             <a:avLst/>
@@ -9257,13 +9158,6 @@
   <p:clrMapOvr>
     <a:masterClrMapping/>
   </p:clrMapOvr>
-  <p:timing>
-    <p:tnLst>
-      <p:par>
-        <p:cTn id="1" dur="indefinite" restart="never" nodeType="tmRoot"/>
-      </p:par>
-    </p:tnLst>
-  </p:timing>
 </p:sld>
 </file>
 
@@ -9427,18 +9321,13 @@
           <a:lstStyle/>
           <a:p>
             <a:r>
-              <a:rPr lang="fr-CA" dirty="0" smtClean="0">
+              <a:rPr lang="fr-CA" dirty="0">
                 <a:solidFill>
                   <a:srgbClr val="036AB1"/>
                 </a:solidFill>
               </a:rPr>
               <a:t>Visionner un milieu de stage</a:t>
             </a:r>
-            <a:endParaRPr lang="fr-CA" dirty="0">
-              <a:solidFill>
-                <a:srgbClr val="036AB1"/>
-              </a:solidFill>
-            </a:endParaRPr>
           </a:p>
         </p:txBody>
       </p:sp>
@@ -9518,7 +9407,6 @@
               </a:schemeClr>
               <a:prstClr val="white"/>
             </a:duotone>
-            <a:extLst/>
           </a:blip>
           <a:stretch>
             <a:fillRect/>
@@ -9617,10 +9505,9 @@
           <a:lstStyle/>
           <a:p>
             <a:r>
-              <a:rPr lang="fr-CA" sz="1600" dirty="0" smtClean="0"/>
+              <a:rPr lang="fr-CA" sz="1600" dirty="0"/>
               <a:t>Titre:</a:t>
             </a:r>
-            <a:endParaRPr lang="fr-CA" sz="1600" dirty="0"/>
           </a:p>
         </p:txBody>
       </p:sp>
@@ -9679,10 +9566,9 @@
           <a:lstStyle/>
           <a:p>
             <a:r>
-              <a:rPr lang="fr-CA" sz="1600" dirty="0" smtClean="0"/>
+              <a:rPr lang="fr-CA" sz="1600" dirty="0"/>
               <a:t>Description:</a:t>
             </a:r>
-            <a:endParaRPr lang="fr-CA" sz="1600" dirty="0"/>
           </a:p>
         </p:txBody>
       </p:sp>
@@ -9713,10 +9599,9 @@
           <a:lstStyle/>
           <a:p>
             <a:r>
-              <a:rPr lang="fr-CA" sz="1600" dirty="0" smtClean="0"/>
+              <a:rPr lang="fr-CA" sz="1600" dirty="0"/>
               <a:t>Numéro civique:</a:t>
             </a:r>
-            <a:endParaRPr lang="fr-CA" sz="1600" dirty="0"/>
           </a:p>
         </p:txBody>
       </p:sp>
@@ -9803,10 +9688,9 @@
           <a:lstStyle/>
           <a:p>
             <a:r>
-              <a:rPr lang="fr-CA" sz="1600" dirty="0" smtClean="0"/>
+              <a:rPr lang="fr-CA" sz="1600" dirty="0"/>
               <a:t>Rue:</a:t>
             </a:r>
-            <a:endParaRPr lang="fr-CA" sz="1600" dirty="0"/>
           </a:p>
         </p:txBody>
       </p:sp>
@@ -9893,10 +9777,9 @@
           <a:lstStyle/>
           <a:p>
             <a:r>
-              <a:rPr lang="fr-CA" sz="1600" dirty="0" smtClean="0"/>
+              <a:rPr lang="fr-CA" sz="1600" dirty="0"/>
               <a:t>Code postal:</a:t>
             </a:r>
-            <a:endParaRPr lang="fr-CA" sz="1600" dirty="0"/>
           </a:p>
         </p:txBody>
       </p:sp>
@@ -9954,10 +9837,9 @@
           <a:lstStyle/>
           <a:p>
             <a:r>
-              <a:rPr lang="fr-CA" sz="1600" dirty="0" smtClean="0"/>
+              <a:rPr lang="fr-CA" sz="1600" dirty="0"/>
               <a:t>Ville:</a:t>
             </a:r>
-            <a:endParaRPr lang="fr-CA" sz="1600" dirty="0"/>
           </a:p>
         </p:txBody>
       </p:sp>
@@ -10075,10 +9957,9 @@
           <a:lstStyle/>
           <a:p>
             <a:r>
-              <a:rPr lang="fr-CA" sz="1600" dirty="0" smtClean="0"/>
+              <a:rPr lang="fr-CA" sz="1600" dirty="0"/>
               <a:t>Numéro de téléphone:</a:t>
             </a:r>
-            <a:endParaRPr lang="fr-CA" sz="1600" dirty="0"/>
           </a:p>
         </p:txBody>
       </p:sp>
@@ -10136,10 +10017,9 @@
           <a:lstStyle/>
           <a:p>
             <a:r>
-              <a:rPr lang="fr-CA" sz="1600" dirty="0" smtClean="0"/>
+              <a:rPr lang="fr-CA" sz="1600" dirty="0"/>
               <a:t>Pays:</a:t>
             </a:r>
-            <a:endParaRPr lang="fr-CA" sz="1600" dirty="0"/>
           </a:p>
         </p:txBody>
       </p:sp>
@@ -10198,18 +10078,13 @@
           <a:lstStyle/>
           <a:p>
             <a:r>
-              <a:rPr lang="fr-CA" dirty="0" smtClean="0">
+              <a:rPr lang="fr-CA" dirty="0">
                 <a:solidFill>
                   <a:srgbClr val="036AB1"/>
                 </a:solidFill>
               </a:rPr>
               <a:t>Stages disponibles dans ce milieu</a:t>
             </a:r>
-            <a:endParaRPr lang="fr-CA" dirty="0">
-              <a:solidFill>
-                <a:srgbClr val="036AB1"/>
-              </a:solidFill>
-            </a:endParaRPr>
           </a:p>
         </p:txBody>
       </p:sp>
@@ -10346,7 +10221,7 @@
           <a:lstStyle/>
           <a:p>
             <a:r>
-              <a:rPr lang="fr-CA" sz="1600" dirty="0" smtClean="0">
+              <a:rPr lang="fr-CA" sz="1600" dirty="0">
                 <a:solidFill>
                   <a:schemeClr val="bg1">
                     <a:lumMod val="75000"/>
@@ -10355,13 +10230,6 @@
               </a:rPr>
               <a:t>Titre</a:t>
             </a:r>
-            <a:endParaRPr lang="fr-CA" sz="1600" dirty="0">
-              <a:solidFill>
-                <a:schemeClr val="bg1">
-                  <a:lumMod val="75000"/>
-                </a:schemeClr>
-              </a:solidFill>
-            </a:endParaRPr>
           </a:p>
         </p:txBody>
       </p:sp>
@@ -10392,7 +10260,7 @@
           <a:lstStyle/>
           <a:p>
             <a:r>
-              <a:rPr lang="fr-CA" sz="1600" dirty="0" smtClean="0">
+              <a:rPr lang="fr-CA" sz="1600" dirty="0">
                 <a:solidFill>
                   <a:schemeClr val="bg1">
                     <a:lumMod val="75000"/>
@@ -10401,13 +10269,6 @@
               </a:rPr>
               <a:t>Description</a:t>
             </a:r>
-            <a:endParaRPr lang="fr-CA" sz="1600" dirty="0">
-              <a:solidFill>
-                <a:schemeClr val="bg1">
-                  <a:lumMod val="75000"/>
-                </a:schemeClr>
-              </a:solidFill>
-            </a:endParaRPr>
           </a:p>
         </p:txBody>
       </p:sp>
@@ -10438,7 +10299,7 @@
           <a:lstStyle/>
           <a:p>
             <a:r>
-              <a:rPr lang="fr-CA" sz="1600" dirty="0" smtClean="0">
+              <a:rPr lang="fr-CA" sz="1600" dirty="0">
                 <a:solidFill>
                   <a:schemeClr val="bg1">
                     <a:lumMod val="75000"/>
@@ -10447,13 +10308,6 @@
               </a:rPr>
               <a:t>Numéro civique</a:t>
             </a:r>
-            <a:endParaRPr lang="fr-CA" sz="1600" dirty="0">
-              <a:solidFill>
-                <a:schemeClr val="bg1">
-                  <a:lumMod val="75000"/>
-                </a:schemeClr>
-              </a:solidFill>
-            </a:endParaRPr>
           </a:p>
         </p:txBody>
       </p:sp>
@@ -10484,7 +10338,7 @@
           <a:lstStyle/>
           <a:p>
             <a:r>
-              <a:rPr lang="fr-CA" sz="1600" dirty="0" smtClean="0">
+              <a:rPr lang="fr-CA" sz="1600" dirty="0">
                 <a:solidFill>
                   <a:schemeClr val="bg1">
                     <a:lumMod val="75000"/>
@@ -10493,13 +10347,6 @@
               </a:rPr>
               <a:t>Rue</a:t>
             </a:r>
-            <a:endParaRPr lang="fr-CA" sz="1600" dirty="0">
-              <a:solidFill>
-                <a:schemeClr val="bg1">
-                  <a:lumMod val="75000"/>
-                </a:schemeClr>
-              </a:solidFill>
-            </a:endParaRPr>
           </a:p>
         </p:txBody>
       </p:sp>
@@ -10530,7 +10377,7 @@
           <a:lstStyle/>
           <a:p>
             <a:r>
-              <a:rPr lang="fr-CA" sz="1600" dirty="0" smtClean="0">
+              <a:rPr lang="fr-CA" sz="1600" dirty="0">
                 <a:solidFill>
                   <a:schemeClr val="bg1">
                     <a:lumMod val="75000"/>
@@ -10539,13 +10386,6 @@
               </a:rPr>
               <a:t>Code postal</a:t>
             </a:r>
-            <a:endParaRPr lang="fr-CA" sz="1600" dirty="0">
-              <a:solidFill>
-                <a:schemeClr val="bg1">
-                  <a:lumMod val="75000"/>
-                </a:schemeClr>
-              </a:solidFill>
-            </a:endParaRPr>
           </a:p>
         </p:txBody>
       </p:sp>
@@ -10576,7 +10416,7 @@
           <a:lstStyle/>
           <a:p>
             <a:r>
-              <a:rPr lang="fr-CA" sz="1600" dirty="0" smtClean="0">
+              <a:rPr lang="fr-CA" sz="1600" dirty="0">
                 <a:solidFill>
                   <a:schemeClr val="bg1">
                     <a:lumMod val="75000"/>
@@ -10585,13 +10425,6 @@
               </a:rPr>
               <a:t>Ville</a:t>
             </a:r>
-            <a:endParaRPr lang="fr-CA" sz="1600" dirty="0">
-              <a:solidFill>
-                <a:schemeClr val="bg1">
-                  <a:lumMod val="75000"/>
-                </a:schemeClr>
-              </a:solidFill>
-            </a:endParaRPr>
           </a:p>
         </p:txBody>
       </p:sp>
@@ -10622,7 +10455,7 @@
           <a:lstStyle/>
           <a:p>
             <a:r>
-              <a:rPr lang="fr-CA" sz="1600" dirty="0" smtClean="0">
+              <a:rPr lang="fr-CA" sz="1600" dirty="0">
                 <a:solidFill>
                   <a:schemeClr val="bg1">
                     <a:lumMod val="75000"/>
@@ -10631,13 +10464,6 @@
               </a:rPr>
               <a:t>Province</a:t>
             </a:r>
-            <a:endParaRPr lang="fr-CA" sz="1600" dirty="0">
-              <a:solidFill>
-                <a:schemeClr val="bg1">
-                  <a:lumMod val="75000"/>
-                </a:schemeClr>
-              </a:solidFill>
-            </a:endParaRPr>
           </a:p>
         </p:txBody>
       </p:sp>
@@ -10668,7 +10494,7 @@
           <a:lstStyle/>
           <a:p>
             <a:r>
-              <a:rPr lang="fr-CA" sz="1600" dirty="0" smtClean="0">
+              <a:rPr lang="fr-CA" sz="1600" dirty="0">
                 <a:solidFill>
                   <a:schemeClr val="bg1">
                     <a:lumMod val="75000"/>
@@ -10677,13 +10503,6 @@
               </a:rPr>
               <a:t>Pays</a:t>
             </a:r>
-            <a:endParaRPr lang="fr-CA" sz="1600" dirty="0">
-              <a:solidFill>
-                <a:schemeClr val="bg1">
-                  <a:lumMod val="75000"/>
-                </a:schemeClr>
-              </a:solidFill>
-            </a:endParaRPr>
           </a:p>
         </p:txBody>
       </p:sp>
@@ -10714,7 +10533,7 @@
           <a:lstStyle/>
           <a:p>
             <a:r>
-              <a:rPr lang="fr-CA" sz="1600" dirty="0" smtClean="0">
+              <a:rPr lang="fr-CA" sz="1600" dirty="0">
                 <a:solidFill>
                   <a:schemeClr val="bg1">
                     <a:lumMod val="75000"/>
@@ -10723,13 +10542,6 @@
               </a:rPr>
               <a:t># de téléphone</a:t>
             </a:r>
-            <a:endParaRPr lang="fr-CA" sz="1600" dirty="0">
-              <a:solidFill>
-                <a:schemeClr val="bg1">
-                  <a:lumMod val="75000"/>
-                </a:schemeClr>
-              </a:solidFill>
-            </a:endParaRPr>
           </a:p>
         </p:txBody>
       </p:sp>
@@ -11165,7 +10977,7 @@
             <a:p>
               <a:pPr algn="ctr"/>
               <a:r>
-                <a:rPr lang="fr-CA" sz="1200" dirty="0" smtClean="0">
+                <a:rPr lang="fr-CA" sz="1200" dirty="0">
                   <a:solidFill>
                     <a:schemeClr val="tx1"/>
                   </a:solidFill>
@@ -11225,7 +11037,7 @@
             <a:p>
               <a:pPr algn="ctr"/>
               <a:r>
-                <a:rPr lang="fr-CA" sz="1200" dirty="0" smtClean="0">
+                <a:rPr lang="fr-CA" sz="1200" dirty="0">
                   <a:solidFill>
                     <a:schemeClr val="tx1"/>
                   </a:solidFill>
@@ -11285,7 +11097,7 @@
             <a:p>
               <a:pPr algn="ctr"/>
               <a:r>
-                <a:rPr lang="fr-CA" sz="1200" dirty="0" smtClean="0">
+                <a:rPr lang="fr-CA" sz="1200" dirty="0">
                   <a:solidFill>
                     <a:schemeClr val="tx1"/>
                   </a:solidFill>
@@ -11384,10 +11196,9 @@
           <a:lstStyle/>
           <a:p>
             <a:r>
-              <a:rPr lang="fr-CA" sz="1000" dirty="0" smtClean="0"/>
+              <a:rPr lang="fr-CA" sz="1000" dirty="0"/>
               <a:t>Visible seulement par le coordonnateur</a:t>
             </a:r>
-            <a:endParaRPr lang="fr-CA" sz="1000" dirty="0"/>
           </a:p>
         </p:txBody>
       </p:sp>
@@ -11468,18 +11279,13 @@
           <a:p>
             <a:pPr algn="ctr"/>
             <a:r>
-              <a:rPr lang="fr-CA" sz="1400" b="1" dirty="0" smtClean="0">
+              <a:rPr lang="fr-CA" sz="1400" b="1" dirty="0">
                 <a:solidFill>
                   <a:schemeClr val="tx1"/>
                 </a:solidFill>
               </a:rPr>
               <a:t>Statut</a:t>
             </a:r>
-            <a:endParaRPr lang="fr-CA" sz="1400" b="1" dirty="0">
-              <a:solidFill>
-                <a:schemeClr val="tx1"/>
-              </a:solidFill>
-            </a:endParaRPr>
           </a:p>
         </p:txBody>
       </p:sp>
@@ -11532,7 +11338,7 @@
           <a:p>
             <a:pPr algn="ctr"/>
             <a:r>
-              <a:rPr lang="fr-CA" sz="1200" dirty="0" smtClean="0">
+              <a:rPr lang="fr-CA" sz="1200" dirty="0">
                 <a:solidFill>
                   <a:schemeClr val="tx1"/>
                 </a:solidFill>
@@ -11596,7 +11402,7 @@
           <a:p>
             <a:pPr algn="ctr"/>
             <a:r>
-              <a:rPr lang="fr-CA" sz="1200" dirty="0" smtClean="0">
+              <a:rPr lang="fr-CA" sz="1200" dirty="0">
                 <a:solidFill>
                   <a:schemeClr val="tx1"/>
                 </a:solidFill>
@@ -11660,7 +11466,7 @@
           <a:p>
             <a:pPr algn="ctr"/>
             <a:r>
-              <a:rPr lang="fr-CA" sz="1200" dirty="0" smtClean="0">
+              <a:rPr lang="fr-CA" sz="1200" dirty="0">
                 <a:solidFill>
                   <a:schemeClr val="tx1"/>
                 </a:solidFill>
@@ -11780,18 +11586,13 @@
           <a:p>
             <a:pPr algn="ctr"/>
             <a:r>
-              <a:rPr lang="fr-CA" sz="900" b="1" dirty="0" smtClean="0">
+              <a:rPr lang="fr-CA" sz="900" b="1" dirty="0">
                 <a:solidFill>
                   <a:schemeClr val="tx1"/>
                 </a:solidFill>
               </a:rPr>
               <a:t>S</a:t>
             </a:r>
-            <a:endParaRPr lang="fr-CA" sz="900" b="1" dirty="0">
-              <a:solidFill>
-                <a:schemeClr val="tx1"/>
-              </a:solidFill>
-            </a:endParaRPr>
           </a:p>
         </p:txBody>
       </p:sp>
@@ -11805,13 +11606,6 @@
   <p:clrMapOvr>
     <a:masterClrMapping/>
   </p:clrMapOvr>
-  <p:timing>
-    <p:tnLst>
-      <p:par>
-        <p:cTn id="1" dur="indefinite" restart="never" nodeType="tmRoot"/>
-      </p:par>
-    </p:tnLst>
-  </p:timing>
 </p:sld>
 </file>
 
@@ -12382,7 +12176,7 @@
             <a:p>
               <a:pPr algn="ctr"/>
               <a:r>
-                <a:rPr lang="fr-CA" sz="1200" dirty="0" smtClean="0">
+                <a:rPr lang="fr-CA" sz="1200" dirty="0">
                   <a:solidFill>
                     <a:schemeClr val="tx1"/>
                   </a:solidFill>
@@ -12442,7 +12236,7 @@
             <a:p>
               <a:pPr algn="ctr"/>
               <a:r>
-                <a:rPr lang="fr-CA" sz="1200" dirty="0" smtClean="0">
+                <a:rPr lang="fr-CA" sz="1200" dirty="0">
                   <a:solidFill>
                     <a:schemeClr val="tx1"/>
                   </a:solidFill>
@@ -12502,7 +12296,7 @@
             <a:p>
               <a:pPr algn="ctr"/>
               <a:r>
-                <a:rPr lang="fr-CA" sz="1200" dirty="0" smtClean="0">
+                <a:rPr lang="fr-CA" sz="1200" dirty="0">
                   <a:solidFill>
                     <a:schemeClr val="tx1"/>
                   </a:solidFill>
@@ -12539,7 +12333,6 @@
               </a:schemeClr>
               <a:prstClr val="white"/>
             </a:duotone>
-            <a:extLst/>
           </a:blip>
           <a:stretch>
             <a:fillRect/>
@@ -12610,18 +12403,13 @@
           <a:lstStyle/>
           <a:p>
             <a:r>
-              <a:rPr lang="fr-CA" dirty="0" smtClean="0">
+              <a:rPr lang="fr-CA" dirty="0">
                 <a:solidFill>
                   <a:srgbClr val="036AB1"/>
                 </a:solidFill>
               </a:rPr>
               <a:t>Stages disponibles </a:t>
             </a:r>
-            <a:endParaRPr lang="fr-CA" dirty="0">
-              <a:solidFill>
-                <a:srgbClr val="036AB1"/>
-              </a:solidFill>
-            </a:endParaRPr>
           </a:p>
         </p:txBody>
       </p:sp>
@@ -12811,18 +12599,13 @@
           <a:p>
             <a:pPr algn="ctr"/>
             <a:r>
-              <a:rPr lang="fr-CA" sz="800" dirty="0" smtClean="0">
+              <a:rPr lang="fr-CA" sz="800" dirty="0">
                 <a:solidFill>
                   <a:sysClr val="windowText" lastClr="000000"/>
                 </a:solidFill>
               </a:rPr>
               <a:t>Filtre de recherche</a:t>
             </a:r>
-            <a:endParaRPr lang="fr-CA" sz="800" dirty="0">
-              <a:solidFill>
-                <a:sysClr val="windowText" lastClr="000000"/>
-              </a:solidFill>
-            </a:endParaRPr>
           </a:p>
         </p:txBody>
       </p:sp>
@@ -12947,16 +12730,15 @@
           <a:lstStyle/>
           <a:p>
             <a:r>
-              <a:rPr lang="fr-CA" sz="1100" dirty="0" smtClean="0"/>
+              <a:rPr lang="fr-CA" sz="1100" dirty="0"/>
               <a:t>Peut être agrandi et rapetisser</a:t>
             </a:r>
           </a:p>
           <a:p>
             <a:r>
-              <a:rPr lang="fr-CA" sz="1100" dirty="0" smtClean="0"/>
+              <a:rPr lang="fr-CA" sz="1100" dirty="0"/>
               <a:t>(collapse)</a:t>
             </a:r>
-            <a:endParaRPr lang="fr-CA" sz="1100" dirty="0"/>
           </a:p>
         </p:txBody>
       </p:sp>
@@ -13181,10 +12963,9 @@
           <a:lstStyle/>
           <a:p>
             <a:r>
-              <a:rPr lang="fr-CA" sz="1100" dirty="0" smtClean="0"/>
+              <a:rPr lang="fr-CA" sz="1100" dirty="0"/>
               <a:t>Et</a:t>
             </a:r>
-            <a:endParaRPr lang="fr-CA" sz="1100" dirty="0"/>
           </a:p>
         </p:txBody>
       </p:sp>
@@ -13215,10 +12996,9 @@
           <a:lstStyle/>
           <a:p>
             <a:r>
-              <a:rPr lang="fr-CA" sz="1200" dirty="0" smtClean="0"/>
+              <a:rPr lang="fr-CA" sz="1200" dirty="0"/>
               <a:t>Stage entre :</a:t>
             </a:r>
-            <a:endParaRPr lang="fr-CA" sz="1200" dirty="0"/>
           </a:p>
         </p:txBody>
       </p:sp>
@@ -13361,10 +13141,9 @@
           <a:lstStyle/>
           <a:p>
             <a:r>
-              <a:rPr lang="fr-CA" sz="1000" dirty="0" smtClean="0"/>
+              <a:rPr lang="fr-CA" sz="1000" dirty="0"/>
               <a:t>Actif:</a:t>
             </a:r>
-            <a:endParaRPr lang="fr-CA" sz="1000" dirty="0"/>
           </a:p>
         </p:txBody>
       </p:sp>
@@ -13395,10 +13174,9 @@
           <a:lstStyle/>
           <a:p>
             <a:r>
-              <a:rPr lang="fr-CA" sz="1000" dirty="0" smtClean="0"/>
+              <a:rPr lang="fr-CA" sz="1000" dirty="0"/>
               <a:t>Période:</a:t>
             </a:r>
-            <a:endParaRPr lang="fr-CA" sz="1000" dirty="0"/>
           </a:p>
         </p:txBody>
       </p:sp>
@@ -13513,10 +13291,9 @@
           <a:lstStyle/>
           <a:p>
             <a:r>
-              <a:rPr lang="fr-CA" sz="1000" dirty="0" smtClean="0"/>
+              <a:rPr lang="fr-CA" sz="1000" dirty="0"/>
               <a:t>Visible seulement par le coordonnateur</a:t>
             </a:r>
-            <a:endParaRPr lang="fr-CA" sz="1000" dirty="0"/>
           </a:p>
         </p:txBody>
       </p:sp>
@@ -13858,18 +13635,13 @@
           <a:p>
             <a:pPr algn="ctr"/>
             <a:r>
-              <a:rPr lang="fr-CA" sz="1400" b="1" dirty="0" smtClean="0">
+              <a:rPr lang="fr-CA" sz="1400" b="1" dirty="0">
                 <a:solidFill>
                   <a:schemeClr val="tx1"/>
                 </a:solidFill>
               </a:rPr>
               <a:t>Statut</a:t>
             </a:r>
-            <a:endParaRPr lang="fr-CA" sz="1400" b="1" dirty="0">
-              <a:solidFill>
-                <a:schemeClr val="tx1"/>
-              </a:solidFill>
-            </a:endParaRPr>
           </a:p>
         </p:txBody>
       </p:sp>
@@ -13922,7 +13694,7 @@
           <a:p>
             <a:pPr algn="ctr"/>
             <a:r>
-              <a:rPr lang="fr-CA" sz="1200" dirty="0" smtClean="0">
+              <a:rPr lang="fr-CA" sz="1200" dirty="0">
                 <a:solidFill>
                   <a:schemeClr val="tx1"/>
                 </a:solidFill>
@@ -13986,7 +13758,7 @@
           <a:p>
             <a:pPr algn="ctr"/>
             <a:r>
-              <a:rPr lang="fr-CA" sz="1200" dirty="0" smtClean="0">
+              <a:rPr lang="fr-CA" sz="1200" dirty="0">
                 <a:solidFill>
                   <a:schemeClr val="tx1"/>
                 </a:solidFill>
@@ -14050,7 +13822,7 @@
           <a:p>
             <a:pPr algn="ctr"/>
             <a:r>
-              <a:rPr lang="fr-CA" sz="1200" dirty="0" smtClean="0">
+              <a:rPr lang="fr-CA" sz="1200" dirty="0">
                 <a:solidFill>
                   <a:schemeClr val="tx1"/>
                 </a:solidFill>
@@ -14120,10 +13892,9 @@
           <a:lstStyle/>
           <a:p>
             <a:r>
-              <a:rPr lang="fr-CA" sz="1000" dirty="0" smtClean="0"/>
+              <a:rPr lang="fr-CA" sz="1000" dirty="0"/>
               <a:t>Statut:</a:t>
             </a:r>
-            <a:endParaRPr lang="fr-CA" sz="1000" dirty="0"/>
           </a:p>
         </p:txBody>
       </p:sp>
@@ -14193,13 +13964,6 @@
   <p:clrMapOvr>
     <a:masterClrMapping/>
   </p:clrMapOvr>
-  <p:timing>
-    <p:tnLst>
-      <p:par>
-        <p:cTn id="1" dur="indefinite" restart="never" nodeType="tmRoot"/>
-      </p:par>
-    </p:tnLst>
-  </p:timing>
 </p:sld>
 </file>
 
@@ -14363,18 +14127,13 @@
           <a:lstStyle/>
           <a:p>
             <a:r>
-              <a:rPr lang="fr-CA" dirty="0" smtClean="0">
+              <a:rPr lang="fr-CA" dirty="0">
                 <a:solidFill>
                   <a:srgbClr val="036AB1"/>
                 </a:solidFill>
               </a:rPr>
               <a:t>Ajouter un stage</a:t>
             </a:r>
-            <a:endParaRPr lang="fr-CA" dirty="0">
-              <a:solidFill>
-                <a:srgbClr val="036AB1"/>
-              </a:solidFill>
-            </a:endParaRPr>
           </a:p>
         </p:txBody>
       </p:sp>
@@ -14460,10 +14219,9 @@
           <a:lstStyle/>
           <a:p>
             <a:r>
-              <a:rPr lang="fr-CA" sz="1600" dirty="0" smtClean="0"/>
+              <a:rPr lang="fr-CA" sz="1600" dirty="0"/>
               <a:t>Titre:</a:t>
             </a:r>
-            <a:endParaRPr lang="fr-CA" sz="1600" dirty="0"/>
           </a:p>
         </p:txBody>
       </p:sp>
@@ -14522,10 +14280,9 @@
           <a:lstStyle/>
           <a:p>
             <a:r>
-              <a:rPr lang="fr-CA" sz="1600" dirty="0" smtClean="0"/>
+              <a:rPr lang="fr-CA" sz="1600" dirty="0"/>
               <a:t>Description:</a:t>
             </a:r>
-            <a:endParaRPr lang="fr-CA" sz="1600" dirty="0"/>
           </a:p>
         </p:txBody>
       </p:sp>
@@ -14556,10 +14313,9 @@
           <a:lstStyle/>
           <a:p>
             <a:r>
-              <a:rPr lang="fr-CA" sz="1600" dirty="0" smtClean="0"/>
+              <a:rPr lang="fr-CA" sz="1600" dirty="0"/>
               <a:t>Nombre de poste:</a:t>
             </a:r>
-            <a:endParaRPr lang="fr-CA" sz="1600" dirty="0"/>
           </a:p>
         </p:txBody>
       </p:sp>
@@ -14646,10 +14402,9 @@
           <a:lstStyle/>
           <a:p>
             <a:r>
-              <a:rPr lang="fr-CA" sz="1600" dirty="0" smtClean="0"/>
+              <a:rPr lang="fr-CA" sz="1600" dirty="0"/>
               <a:t>Statut:</a:t>
             </a:r>
-            <a:endParaRPr lang="fr-CA" sz="1600" dirty="0"/>
           </a:p>
         </p:txBody>
       </p:sp>
@@ -14736,10 +14491,9 @@
           <a:lstStyle/>
           <a:p>
             <a:r>
-              <a:rPr lang="fr-CA" sz="1600" dirty="0" smtClean="0"/>
+              <a:rPr lang="fr-CA" sz="1600" dirty="0"/>
               <a:t>Période de travail:</a:t>
             </a:r>
-            <a:endParaRPr lang="fr-CA" sz="1600" dirty="0"/>
           </a:p>
         </p:txBody>
       </p:sp>
@@ -14797,10 +14551,9 @@
           <a:lstStyle/>
           <a:p>
             <a:r>
-              <a:rPr lang="fr-CA" sz="1600" dirty="0" smtClean="0"/>
+              <a:rPr lang="fr-CA" sz="1600" dirty="0"/>
               <a:t>Nombre d’heures par semaine:</a:t>
             </a:r>
-            <a:endParaRPr lang="fr-CA" sz="1600" dirty="0"/>
           </a:p>
         </p:txBody>
       </p:sp>
@@ -14858,10 +14611,9 @@
           <a:lstStyle/>
           <a:p>
             <a:r>
-              <a:rPr lang="fr-CA" sz="1600" dirty="0" smtClean="0"/>
+              <a:rPr lang="fr-CA" sz="1600" dirty="0"/>
               <a:t>Date début:</a:t>
             </a:r>
-            <a:endParaRPr lang="fr-CA" sz="1600" dirty="0"/>
           </a:p>
         </p:txBody>
       </p:sp>
@@ -14919,10 +14671,9 @@
           <a:lstStyle/>
           <a:p>
             <a:r>
-              <a:rPr lang="fr-CA" sz="1600" dirty="0" smtClean="0"/>
+              <a:rPr lang="fr-CA" sz="1600" dirty="0"/>
               <a:t>Milieu de stage:</a:t>
             </a:r>
-            <a:endParaRPr lang="fr-CA" sz="1600" dirty="0"/>
           </a:p>
         </p:txBody>
       </p:sp>
@@ -14980,10 +14731,9 @@
           <a:lstStyle/>
           <a:p>
             <a:r>
-              <a:rPr lang="fr-CA" sz="1600" dirty="0" smtClean="0"/>
+              <a:rPr lang="fr-CA" sz="1600" dirty="0"/>
               <a:t>Actif:</a:t>
             </a:r>
-            <a:endParaRPr lang="fr-CA" sz="1600" dirty="0"/>
           </a:p>
         </p:txBody>
       </p:sp>
@@ -15008,7 +14758,6 @@
               </a:schemeClr>
               <a:prstClr val="white"/>
             </a:duotone>
-            <a:extLst/>
           </a:blip>
           <a:stretch>
             <a:fillRect/>
@@ -15051,10 +14800,9 @@
           <a:lstStyle/>
           <a:p>
             <a:r>
-              <a:rPr lang="fr-CA" sz="1600" dirty="0" smtClean="0"/>
+              <a:rPr lang="fr-CA" sz="1600" dirty="0"/>
               <a:t>Date fin:</a:t>
             </a:r>
-            <a:endParaRPr lang="fr-CA" sz="1600" dirty="0"/>
           </a:p>
         </p:txBody>
       </p:sp>
@@ -15354,14 +15102,13 @@
           <a:lstStyle/>
           <a:p>
             <a:r>
-              <a:rPr lang="fr-CA" sz="1000" dirty="0" err="1" smtClean="0"/>
+              <a:rPr lang="fr-CA" sz="1000" dirty="0" err="1"/>
               <a:t>Text</a:t>
             </a:r>
             <a:r>
-              <a:rPr lang="fr-CA" sz="1000" dirty="0" smtClean="0"/>
+              <a:rPr lang="fr-CA" sz="1000" dirty="0"/>
               <a:t> area</a:t>
             </a:r>
-            <a:endParaRPr lang="fr-CA" sz="1000" dirty="0"/>
           </a:p>
         </p:txBody>
       </p:sp>
@@ -15420,10 +15167,9 @@
           <a:lstStyle/>
           <a:p>
             <a:r>
-              <a:rPr lang="fr-CA" sz="1000" dirty="0" smtClean="0"/>
+              <a:rPr lang="fr-CA" sz="1000" dirty="0"/>
               <a:t>Visible seulement par le coordonnateur</a:t>
             </a:r>
-            <a:endParaRPr lang="fr-CA" sz="1000" dirty="0"/>
           </a:p>
         </p:txBody>
       </p:sp>
@@ -15461,13 +15207,6 @@
   <p:clrMapOvr>
     <a:masterClrMapping/>
   </p:clrMapOvr>
-  <p:timing>
-    <p:tnLst>
-      <p:par>
-        <p:cTn id="1" dur="indefinite" restart="never" nodeType="tmRoot"/>
-      </p:par>
-    </p:tnLst>
-  </p:timing>
 </p:sld>
 </file>
 
@@ -15631,18 +15370,13 @@
           <a:lstStyle/>
           <a:p>
             <a:r>
-              <a:rPr lang="fr-CA" dirty="0" smtClean="0">
+              <a:rPr lang="fr-CA" dirty="0">
                 <a:solidFill>
                   <a:srgbClr val="036AB1"/>
                 </a:solidFill>
               </a:rPr>
               <a:t>Modifier un stage</a:t>
             </a:r>
-            <a:endParaRPr lang="fr-CA" dirty="0">
-              <a:solidFill>
-                <a:srgbClr val="036AB1"/>
-              </a:solidFill>
-            </a:endParaRPr>
           </a:p>
         </p:txBody>
       </p:sp>
@@ -15728,10 +15462,9 @@
           <a:lstStyle/>
           <a:p>
             <a:r>
-              <a:rPr lang="fr-CA" sz="1600" dirty="0" smtClean="0"/>
+              <a:rPr lang="fr-CA" sz="1600" dirty="0"/>
               <a:t>Titre:</a:t>
             </a:r>
-            <a:endParaRPr lang="fr-CA" sz="1600" dirty="0"/>
           </a:p>
         </p:txBody>
       </p:sp>
@@ -15790,10 +15523,9 @@
           <a:lstStyle/>
           <a:p>
             <a:r>
-              <a:rPr lang="fr-CA" sz="1600" dirty="0" smtClean="0"/>
+              <a:rPr lang="fr-CA" sz="1600" dirty="0"/>
               <a:t>Description:</a:t>
             </a:r>
-            <a:endParaRPr lang="fr-CA" sz="1600" dirty="0"/>
           </a:p>
         </p:txBody>
       </p:sp>
@@ -15824,10 +15556,9 @@
           <a:lstStyle/>
           <a:p>
             <a:r>
-              <a:rPr lang="fr-CA" sz="1600" dirty="0" smtClean="0"/>
+              <a:rPr lang="fr-CA" sz="1600" dirty="0"/>
               <a:t>Nombre de poste:</a:t>
             </a:r>
-            <a:endParaRPr lang="fr-CA" sz="1600" dirty="0"/>
           </a:p>
         </p:txBody>
       </p:sp>
@@ -15914,10 +15645,9 @@
           <a:lstStyle/>
           <a:p>
             <a:r>
-              <a:rPr lang="fr-CA" sz="1600" dirty="0" smtClean="0"/>
+              <a:rPr lang="fr-CA" sz="1600" dirty="0"/>
               <a:t>Statut:</a:t>
             </a:r>
-            <a:endParaRPr lang="fr-CA" sz="1600" dirty="0"/>
           </a:p>
         </p:txBody>
       </p:sp>
@@ -16004,10 +15734,9 @@
           <a:lstStyle/>
           <a:p>
             <a:r>
-              <a:rPr lang="fr-CA" sz="1600" dirty="0" smtClean="0"/>
+              <a:rPr lang="fr-CA" sz="1600" dirty="0"/>
               <a:t>Période de travail:</a:t>
             </a:r>
-            <a:endParaRPr lang="fr-CA" sz="1600" dirty="0"/>
           </a:p>
         </p:txBody>
       </p:sp>
@@ -16065,10 +15794,9 @@
           <a:lstStyle/>
           <a:p>
             <a:r>
-              <a:rPr lang="fr-CA" sz="1600" dirty="0" smtClean="0"/>
+              <a:rPr lang="fr-CA" sz="1600" dirty="0"/>
               <a:t>Nombre d’heures par semaine:</a:t>
             </a:r>
-            <a:endParaRPr lang="fr-CA" sz="1600" dirty="0"/>
           </a:p>
         </p:txBody>
       </p:sp>
@@ -16126,10 +15854,9 @@
           <a:lstStyle/>
           <a:p>
             <a:r>
-              <a:rPr lang="fr-CA" sz="1600" dirty="0" smtClean="0"/>
+              <a:rPr lang="fr-CA" sz="1600" dirty="0"/>
               <a:t>Date début:</a:t>
             </a:r>
-            <a:endParaRPr lang="fr-CA" sz="1600" dirty="0"/>
           </a:p>
         </p:txBody>
       </p:sp>
@@ -16187,10 +15914,9 @@
           <a:lstStyle/>
           <a:p>
             <a:r>
-              <a:rPr lang="fr-CA" sz="1600" dirty="0" smtClean="0"/>
+              <a:rPr lang="fr-CA" sz="1600" dirty="0"/>
               <a:t>Milieu de stage:</a:t>
             </a:r>
-            <a:endParaRPr lang="fr-CA" sz="1600" dirty="0"/>
           </a:p>
         </p:txBody>
       </p:sp>
@@ -16248,10 +15974,9 @@
           <a:lstStyle/>
           <a:p>
             <a:r>
-              <a:rPr lang="fr-CA" sz="1600" dirty="0" smtClean="0"/>
+              <a:rPr lang="fr-CA" sz="1600" dirty="0"/>
               <a:t>Actif:</a:t>
             </a:r>
-            <a:endParaRPr lang="fr-CA" sz="1600" dirty="0"/>
           </a:p>
         </p:txBody>
       </p:sp>
@@ -16276,7 +16001,6 @@
               </a:schemeClr>
               <a:prstClr val="white"/>
             </a:duotone>
-            <a:extLst/>
           </a:blip>
           <a:stretch>
             <a:fillRect/>
@@ -16319,10 +16043,9 @@
           <a:lstStyle/>
           <a:p>
             <a:r>
-              <a:rPr lang="fr-CA" sz="1600" dirty="0" smtClean="0"/>
+              <a:rPr lang="fr-CA" sz="1600" dirty="0"/>
               <a:t>Date fin:</a:t>
             </a:r>
-            <a:endParaRPr lang="fr-CA" sz="1600" dirty="0"/>
           </a:p>
         </p:txBody>
       </p:sp>
@@ -16527,7 +16250,7 @@
       </p:cxnSp>
       <p:pic>
         <p:nvPicPr>
-          <p:cNvPr id="40" name="Image 39"/>
+          <p:cNvPr id="2" name="Image 1"/>
           <p:cNvPicPr>
             <a:picLocks noChangeAspect="1"/>
           </p:cNvPicPr>
@@ -16545,34 +16268,6 @@
         </p:blipFill>
         <p:spPr>
           <a:xfrm>
-            <a:off x="6237996" y="6182941"/>
-            <a:ext cx="1343212" cy="371527"/>
-          </a:xfrm>
-          <a:prstGeom prst="rect">
-            <a:avLst/>
-          </a:prstGeom>
-        </p:spPr>
-      </p:pic>
-      <p:pic>
-        <p:nvPicPr>
-          <p:cNvPr id="2" name="Image 1"/>
-          <p:cNvPicPr>
-            <a:picLocks noChangeAspect="1"/>
-          </p:cNvPicPr>
-          <p:nvPr>
-            <p:custDataLst>
-              <p:tags r:id="rId33"/>
-            </p:custDataLst>
-          </p:nvPr>
-        </p:nvPicPr>
-        <p:blipFill>
-          <a:blip r:embed="rId50"/>
-          <a:stretch>
-            <a:fillRect/>
-          </a:stretch>
-        </p:blipFill>
-        <p:spPr>
-          <a:xfrm>
             <a:off x="4246531" y="582956"/>
             <a:ext cx="590632" cy="543001"/>
           </a:xfrm>
@@ -16587,7 +16282,7 @@
           <p:cNvCxnSpPr/>
           <p:nvPr>
             <p:custDataLst>
-              <p:tags r:id="rId34"/>
+              <p:tags r:id="rId33"/>
             </p:custDataLst>
           </p:nvPr>
         </p:nvCxnSpPr>
@@ -16629,7 +16324,7 @@
           <p:cNvSpPr txBox="1"/>
           <p:nvPr>
             <p:custDataLst>
-              <p:tags r:id="rId35"/>
+              <p:tags r:id="rId34"/>
             </p:custDataLst>
           </p:nvPr>
         </p:nvSpPr>
@@ -16650,14 +16345,13 @@
           <a:lstStyle/>
           <a:p>
             <a:r>
-              <a:rPr lang="fr-CA" sz="1000" dirty="0" err="1" smtClean="0"/>
+              <a:rPr lang="fr-CA" sz="1000" dirty="0" err="1"/>
               <a:t>Text</a:t>
             </a:r>
             <a:r>
-              <a:rPr lang="fr-CA" sz="1000" dirty="0" smtClean="0"/>
+              <a:rPr lang="fr-CA" sz="1000" dirty="0"/>
               <a:t> area</a:t>
             </a:r>
-            <a:endParaRPr lang="fr-CA" sz="1000" dirty="0"/>
           </a:p>
         </p:txBody>
       </p:sp>
@@ -16667,7 +16361,7 @@
           <p:cNvSpPr txBox="1"/>
           <p:nvPr>
             <p:custDataLst>
-              <p:tags r:id="rId36"/>
+              <p:tags r:id="rId35"/>
             </p:custDataLst>
           </p:nvPr>
         </p:nvSpPr>
@@ -16688,10 +16382,9 @@
           <a:lstStyle/>
           <a:p>
             <a:r>
-              <a:rPr lang="fr-CA" sz="1000" dirty="0" smtClean="0"/>
+              <a:rPr lang="fr-CA" sz="1000" dirty="0"/>
               <a:t>Visible seulement par le coordonnateur</a:t>
             </a:r>
-            <a:endParaRPr lang="fr-CA" sz="1000" dirty="0"/>
           </a:p>
         </p:txBody>
       </p:sp>
@@ -16704,6 +16397,40 @@
           <p:nvPr/>
         </p:nvPicPr>
         <p:blipFill>
+          <a:blip r:embed="rId50"/>
+          <a:stretch>
+            <a:fillRect/>
+          </a:stretch>
+        </p:blipFill>
+        <p:spPr>
+          <a:xfrm>
+            <a:off x="5343440" y="5704531"/>
+            <a:ext cx="1219370" cy="209579"/>
+          </a:xfrm>
+          <a:prstGeom prst="rect">
+            <a:avLst/>
+          </a:prstGeom>
+        </p:spPr>
+      </p:pic>
+      <p:pic>
+        <p:nvPicPr>
+          <p:cNvPr id="61" name="Image 60">
+            <a:extLst>
+              <a:ext uri="{FF2B5EF4-FFF2-40B4-BE49-F238E27FC236}">
+                <a16:creationId xmlns:a16="http://schemas.microsoft.com/office/drawing/2014/main" id="{DA043B88-DDB1-411F-A882-48ED23C967FB}"/>
+              </a:ext>
+            </a:extLst>
+          </p:cNvPr>
+          <p:cNvPicPr>
+            <a:picLocks noChangeAspect="1"/>
+          </p:cNvPicPr>
+          <p:nvPr>
+            <p:custDataLst>
+              <p:tags r:id="rId36"/>
+            </p:custDataLst>
+          </p:nvPr>
+        </p:nvPicPr>
+        <p:blipFill>
           <a:blip r:embed="rId51"/>
           <a:stretch>
             <a:fillRect/>
@@ -16711,8 +16438,8 @@
         </p:blipFill>
         <p:spPr>
           <a:xfrm>
-            <a:off x="5343440" y="5704531"/>
-            <a:ext cx="1219370" cy="209579"/>
+            <a:off x="6553019" y="6198598"/>
+            <a:ext cx="1295581" cy="362001"/>
           </a:xfrm>
           <a:prstGeom prst="rect">
             <a:avLst/>
@@ -16729,13 +16456,6 @@
   <p:clrMapOvr>
     <a:masterClrMapping/>
   </p:clrMapOvr>
-  <p:timing>
-    <p:tnLst>
-      <p:par>
-        <p:cTn id="1" dur="indefinite" restart="never" nodeType="tmRoot"/>
-      </p:par>
-    </p:tnLst>
-  </p:timing>
 </p:sld>
 </file>
 
@@ -16899,18 +16619,13 @@
           <a:lstStyle/>
           <a:p>
             <a:r>
-              <a:rPr lang="fr-CA" dirty="0" smtClean="0">
+              <a:rPr lang="fr-CA" dirty="0">
                 <a:solidFill>
                   <a:srgbClr val="036AB1"/>
                 </a:solidFill>
               </a:rPr>
               <a:t>Visionner un stage</a:t>
             </a:r>
-            <a:endParaRPr lang="fr-CA" dirty="0">
-              <a:solidFill>
-                <a:srgbClr val="036AB1"/>
-              </a:solidFill>
-            </a:endParaRPr>
           </a:p>
         </p:txBody>
       </p:sp>
@@ -16996,10 +16711,9 @@
           <a:lstStyle/>
           <a:p>
             <a:r>
-              <a:rPr lang="fr-CA" sz="1600" dirty="0" smtClean="0"/>
+              <a:rPr lang="fr-CA" sz="1600" dirty="0"/>
               <a:t>Titre:</a:t>
             </a:r>
-            <a:endParaRPr lang="fr-CA" sz="1600" dirty="0"/>
           </a:p>
         </p:txBody>
       </p:sp>
@@ -17058,10 +16772,9 @@
           <a:lstStyle/>
           <a:p>
             <a:r>
-              <a:rPr lang="fr-CA" sz="1600" dirty="0" smtClean="0"/>
+              <a:rPr lang="fr-CA" sz="1600" dirty="0"/>
               <a:t>Description:</a:t>
             </a:r>
-            <a:endParaRPr lang="fr-CA" sz="1600" dirty="0"/>
           </a:p>
         </p:txBody>
       </p:sp>
@@ -17092,10 +16805,9 @@
           <a:lstStyle/>
           <a:p>
             <a:r>
-              <a:rPr lang="fr-CA" sz="1600" dirty="0" smtClean="0"/>
+              <a:rPr lang="fr-CA" sz="1600" dirty="0"/>
               <a:t>Nombre de poste:</a:t>
             </a:r>
-            <a:endParaRPr lang="fr-CA" sz="1600" dirty="0"/>
           </a:p>
         </p:txBody>
       </p:sp>
@@ -17182,10 +16894,9 @@
           <a:lstStyle/>
           <a:p>
             <a:r>
-              <a:rPr lang="fr-CA" sz="1600" dirty="0" smtClean="0"/>
+              <a:rPr lang="fr-CA" sz="1600" dirty="0"/>
               <a:t>Statut:</a:t>
             </a:r>
-            <a:endParaRPr lang="fr-CA" sz="1600" dirty="0"/>
           </a:p>
         </p:txBody>
       </p:sp>
@@ -17272,10 +16983,9 @@
           <a:lstStyle/>
           <a:p>
             <a:r>
-              <a:rPr lang="fr-CA" sz="1600" dirty="0" smtClean="0"/>
+              <a:rPr lang="fr-CA" sz="1600" dirty="0"/>
               <a:t>Période de travail:</a:t>
             </a:r>
-            <a:endParaRPr lang="fr-CA" sz="1600" dirty="0"/>
           </a:p>
         </p:txBody>
       </p:sp>
@@ -17333,10 +17043,9 @@
           <a:lstStyle/>
           <a:p>
             <a:r>
-              <a:rPr lang="fr-CA" sz="1600" dirty="0" smtClean="0"/>
+              <a:rPr lang="fr-CA" sz="1600" dirty="0"/>
               <a:t>Nombre d’heures par semaine:</a:t>
             </a:r>
-            <a:endParaRPr lang="fr-CA" sz="1600" dirty="0"/>
           </a:p>
         </p:txBody>
       </p:sp>
@@ -17394,10 +17103,9 @@
           <a:lstStyle/>
           <a:p>
             <a:r>
-              <a:rPr lang="fr-CA" sz="1600" dirty="0" smtClean="0"/>
+              <a:rPr lang="fr-CA" sz="1600" dirty="0"/>
               <a:t>Date début:</a:t>
             </a:r>
-            <a:endParaRPr lang="fr-CA" sz="1600" dirty="0"/>
           </a:p>
         </p:txBody>
       </p:sp>
@@ -17455,10 +17163,9 @@
           <a:lstStyle/>
           <a:p>
             <a:r>
-              <a:rPr lang="fr-CA" sz="1600" dirty="0" smtClean="0"/>
+              <a:rPr lang="fr-CA" sz="1600" dirty="0"/>
               <a:t>Milieu de stage:</a:t>
             </a:r>
-            <a:endParaRPr lang="fr-CA" sz="1600" dirty="0"/>
           </a:p>
         </p:txBody>
       </p:sp>
@@ -17510,7 +17217,6 @@
               </a:schemeClr>
               <a:prstClr val="white"/>
             </a:duotone>
-            <a:extLst/>
           </a:blip>
           <a:stretch>
             <a:fillRect/>
@@ -17553,10 +17259,9 @@
           <a:lstStyle/>
           <a:p>
             <a:r>
-              <a:rPr lang="fr-CA" sz="1600" dirty="0" smtClean="0"/>
+              <a:rPr lang="fr-CA" sz="1600" dirty="0"/>
               <a:t>Date fin:</a:t>
             </a:r>
-            <a:endParaRPr lang="fr-CA" sz="1600" dirty="0"/>
           </a:p>
         </p:txBody>
       </p:sp>
@@ -17615,7 +17320,7 @@
           <a:lstStyle/>
           <a:p>
             <a:r>
-              <a:rPr lang="fr-CA" sz="1600" dirty="0" smtClean="0">
+              <a:rPr lang="fr-CA" sz="1600" dirty="0">
                 <a:solidFill>
                   <a:schemeClr val="bg1">
                     <a:lumMod val="75000"/>
@@ -17624,13 +17329,6 @@
               </a:rPr>
               <a:t>Milieu de stage</a:t>
             </a:r>
-            <a:endParaRPr lang="fr-CA" sz="1600" dirty="0">
-              <a:solidFill>
-                <a:schemeClr val="bg1">
-                  <a:lumMod val="75000"/>
-                </a:schemeClr>
-              </a:solidFill>
-            </a:endParaRPr>
           </a:p>
         </p:txBody>
       </p:sp>
@@ -17661,7 +17359,7 @@
           <a:lstStyle/>
           <a:p>
             <a:r>
-              <a:rPr lang="fr-CA" sz="1600" dirty="0" smtClean="0">
+              <a:rPr lang="fr-CA" sz="1600" dirty="0">
                 <a:solidFill>
                   <a:schemeClr val="bg1">
                     <a:lumMod val="75000"/>
@@ -17670,13 +17368,6 @@
               </a:rPr>
               <a:t>Titre</a:t>
             </a:r>
-            <a:endParaRPr lang="fr-CA" sz="1600" dirty="0">
-              <a:solidFill>
-                <a:schemeClr val="bg1">
-                  <a:lumMod val="75000"/>
-                </a:schemeClr>
-              </a:solidFill>
-            </a:endParaRPr>
           </a:p>
         </p:txBody>
       </p:sp>
@@ -17707,7 +17398,7 @@
           <a:lstStyle/>
           <a:p>
             <a:r>
-              <a:rPr lang="fr-CA" sz="1600" dirty="0" smtClean="0">
+              <a:rPr lang="fr-CA" sz="1600" dirty="0">
                 <a:solidFill>
                   <a:schemeClr val="bg1">
                     <a:lumMod val="75000"/>
@@ -17716,13 +17407,6 @@
               </a:rPr>
               <a:t>Description</a:t>
             </a:r>
-            <a:endParaRPr lang="fr-CA" sz="1600" dirty="0">
-              <a:solidFill>
-                <a:schemeClr val="bg1">
-                  <a:lumMod val="75000"/>
-                </a:schemeClr>
-              </a:solidFill>
-            </a:endParaRPr>
           </a:p>
         </p:txBody>
       </p:sp>
@@ -17753,7 +17437,7 @@
           <a:lstStyle/>
           <a:p>
             <a:r>
-              <a:rPr lang="fr-CA" sz="1600" dirty="0" smtClean="0">
+              <a:rPr lang="fr-CA" sz="1600" dirty="0">
                 <a:solidFill>
                   <a:schemeClr val="bg1">
                     <a:lumMod val="75000"/>
@@ -17762,13 +17446,6 @@
               </a:rPr>
               <a:t>Nombre de poste</a:t>
             </a:r>
-            <a:endParaRPr lang="fr-CA" sz="1600" dirty="0">
-              <a:solidFill>
-                <a:schemeClr val="bg1">
-                  <a:lumMod val="75000"/>
-                </a:schemeClr>
-              </a:solidFill>
-            </a:endParaRPr>
           </a:p>
         </p:txBody>
       </p:sp>
@@ -17799,7 +17476,7 @@
           <a:lstStyle/>
           <a:p>
             <a:r>
-              <a:rPr lang="fr-CA" sz="1600" dirty="0" smtClean="0">
+              <a:rPr lang="fr-CA" sz="1600" dirty="0">
                 <a:solidFill>
                   <a:schemeClr val="bg1">
                     <a:lumMod val="75000"/>
@@ -17808,13 +17485,6 @@
               </a:rPr>
               <a:t>Statut</a:t>
             </a:r>
-            <a:endParaRPr lang="fr-CA" sz="1600" dirty="0">
-              <a:solidFill>
-                <a:schemeClr val="bg1">
-                  <a:lumMod val="75000"/>
-                </a:schemeClr>
-              </a:solidFill>
-            </a:endParaRPr>
           </a:p>
         </p:txBody>
       </p:sp>
@@ -17845,7 +17515,7 @@
           <a:lstStyle/>
           <a:p>
             <a:r>
-              <a:rPr lang="fr-CA" sz="1600" dirty="0" smtClean="0">
+              <a:rPr lang="fr-CA" sz="1600" dirty="0">
                 <a:solidFill>
                   <a:schemeClr val="bg1">
                     <a:lumMod val="75000"/>
@@ -17854,13 +17524,6 @@
               </a:rPr>
               <a:t>Période de travail</a:t>
             </a:r>
-            <a:endParaRPr lang="fr-CA" sz="1600" dirty="0">
-              <a:solidFill>
-                <a:schemeClr val="bg1">
-                  <a:lumMod val="75000"/>
-                </a:schemeClr>
-              </a:solidFill>
-            </a:endParaRPr>
           </a:p>
         </p:txBody>
       </p:sp>
@@ -17891,7 +17554,7 @@
           <a:lstStyle/>
           <a:p>
             <a:r>
-              <a:rPr lang="fr-CA" sz="1600" dirty="0" smtClean="0">
+              <a:rPr lang="fr-CA" sz="1600" dirty="0">
                 <a:solidFill>
                   <a:schemeClr val="bg1">
                     <a:lumMod val="75000"/>
@@ -17900,13 +17563,6 @@
               </a:rPr>
               <a:t>Nombres d’heures</a:t>
             </a:r>
-            <a:endParaRPr lang="fr-CA" sz="1600" dirty="0">
-              <a:solidFill>
-                <a:schemeClr val="bg1">
-                  <a:lumMod val="75000"/>
-                </a:schemeClr>
-              </a:solidFill>
-            </a:endParaRPr>
           </a:p>
         </p:txBody>
       </p:sp>
@@ -17937,7 +17593,7 @@
           <a:lstStyle/>
           <a:p>
             <a:r>
-              <a:rPr lang="fr-CA" sz="1600" dirty="0" smtClean="0">
+              <a:rPr lang="fr-CA" sz="1600" dirty="0">
                 <a:solidFill>
                   <a:schemeClr val="bg1">
                     <a:lumMod val="75000"/>
@@ -17946,13 +17602,6 @@
               </a:rPr>
               <a:t>Date début</a:t>
             </a:r>
-            <a:endParaRPr lang="fr-CA" sz="1600" dirty="0">
-              <a:solidFill>
-                <a:schemeClr val="bg1">
-                  <a:lumMod val="75000"/>
-                </a:schemeClr>
-              </a:solidFill>
-            </a:endParaRPr>
           </a:p>
         </p:txBody>
       </p:sp>
@@ -17983,7 +17632,7 @@
           <a:lstStyle/>
           <a:p>
             <a:r>
-              <a:rPr lang="fr-CA" sz="1600" dirty="0" smtClean="0">
+              <a:rPr lang="fr-CA" sz="1600" dirty="0">
                 <a:solidFill>
                   <a:schemeClr val="bg1">
                     <a:lumMod val="75000"/>
@@ -17992,13 +17641,6 @@
               </a:rPr>
               <a:t>Date fin</a:t>
             </a:r>
-            <a:endParaRPr lang="fr-CA" sz="1600" dirty="0">
-              <a:solidFill>
-                <a:schemeClr val="bg1">
-                  <a:lumMod val="75000"/>
-                </a:schemeClr>
-              </a:solidFill>
-            </a:endParaRPr>
           </a:p>
         </p:txBody>
       </p:sp>
@@ -18085,10 +17727,9 @@
           <a:lstStyle/>
           <a:p>
             <a:r>
-              <a:rPr lang="fr-CA" sz="1000" dirty="0" smtClean="0"/>
+              <a:rPr lang="fr-CA" sz="1000" dirty="0"/>
               <a:t>Visible seulement par le coordonnateur</a:t>
             </a:r>
-            <a:endParaRPr lang="fr-CA" sz="1000" dirty="0"/>
           </a:p>
         </p:txBody>
       </p:sp>
@@ -18192,13 +17833,6 @@
   <p:clrMapOvr>
     <a:masterClrMapping/>
   </p:clrMapOvr>
-  <p:timing>
-    <p:tnLst>
-      <p:par>
-        <p:cTn id="1" dur="indefinite" restart="never" nodeType="tmRoot"/>
-      </p:par>
-    </p:tnLst>
-  </p:timing>
 </p:sld>
 </file>
 
@@ -18384,7 +18018,6 @@
               </a:schemeClr>
               <a:prstClr val="white"/>
             </a:duotone>
-            <a:extLst/>
           </a:blip>
           <a:stretch>
             <a:fillRect/>
@@ -18455,18 +18088,13 @@
           <a:lstStyle/>
           <a:p>
             <a:r>
-              <a:rPr lang="fr-CA" dirty="0" smtClean="0">
+              <a:rPr lang="fr-CA" dirty="0">
                 <a:solidFill>
                   <a:srgbClr val="036AB1"/>
                 </a:solidFill>
               </a:rPr>
               <a:t>Stage en attente d’assignation</a:t>
             </a:r>
-            <a:endParaRPr lang="fr-CA" dirty="0">
-              <a:solidFill>
-                <a:srgbClr val="036AB1"/>
-              </a:solidFill>
-            </a:endParaRPr>
           </a:p>
         </p:txBody>
       </p:sp>
@@ -18566,16 +18194,15 @@
           <a:lstStyle/>
           <a:p>
             <a:r>
-              <a:rPr lang="fr-CA" sz="1100" dirty="0" smtClean="0"/>
+              <a:rPr lang="fr-CA" sz="1100" dirty="0"/>
               <a:t>Peut être agrandi et rapetisser</a:t>
             </a:r>
           </a:p>
           <a:p>
             <a:r>
-              <a:rPr lang="fr-CA" sz="1100" dirty="0" smtClean="0"/>
+              <a:rPr lang="fr-CA" sz="1100" dirty="0"/>
               <a:t>(collapse)</a:t>
             </a:r>
-            <a:endParaRPr lang="fr-CA" sz="1100" dirty="0"/>
           </a:p>
         </p:txBody>
       </p:sp>
@@ -18606,10 +18233,9 @@
           <a:lstStyle/>
           <a:p>
             <a:r>
-              <a:rPr lang="fr-CA" sz="1000" dirty="0" smtClean="0"/>
+              <a:rPr lang="fr-CA" sz="1000" dirty="0"/>
               <a:t>Visible seulement par le coordonnateur</a:t>
             </a:r>
-            <a:endParaRPr lang="fr-CA" sz="1000" dirty="0"/>
           </a:p>
         </p:txBody>
       </p:sp>
@@ -18696,10 +18322,9 @@
           <a:lstStyle/>
           <a:p>
             <a:r>
-              <a:rPr lang="fr-CA" dirty="0" smtClean="0"/>
+              <a:rPr lang="fr-CA" dirty="0"/>
               <a:t>Postes occupés : 2/3</a:t>
             </a:r>
-            <a:endParaRPr lang="fr-CA" dirty="0"/>
           </a:p>
         </p:txBody>
       </p:sp>
@@ -18730,10 +18355,9 @@
           <a:lstStyle/>
           <a:p>
             <a:r>
-              <a:rPr lang="fr-CA" dirty="0" smtClean="0"/>
+              <a:rPr lang="fr-CA" dirty="0"/>
               <a:t>Option 1</a:t>
             </a:r>
-            <a:endParaRPr lang="fr-CA" dirty="0"/>
           </a:p>
         </p:txBody>
       </p:sp>
@@ -18764,10 +18388,9 @@
           <a:lstStyle/>
           <a:p>
             <a:r>
-              <a:rPr lang="fr-CA" sz="900" dirty="0" smtClean="0"/>
+              <a:rPr lang="fr-CA" sz="900" dirty="0"/>
               <a:t>Non disponible tant que le livrable 2 n’est pas commencé </a:t>
             </a:r>
-            <a:endParaRPr lang="fr-CA" sz="900" dirty="0"/>
           </a:p>
         </p:txBody>
       </p:sp>
@@ -19201,13 +18824,6 @@
   <p:clrMapOvr>
     <a:masterClrMapping/>
   </p:clrMapOvr>
-  <p:timing>
-    <p:tnLst>
-      <p:par>
-        <p:cTn id="1" dur="indefinite" restart="never" nodeType="tmRoot"/>
-      </p:par>
-    </p:tnLst>
-  </p:timing>
 </p:sld>
 </file>
 
@@ -20287,1165 +19903,1165 @@
 
 <file path=ppt/tags/tag260.xml><?xml version="1.0" encoding="utf-8"?>
 <p:tagLst xmlns:a="http://schemas.openxmlformats.org/drawingml/2006/main" xmlns:r="http://schemas.openxmlformats.org/officeDocument/2006/relationships" xmlns:p="http://schemas.openxmlformats.org/presentationml/2006/main">
+  <p:tag name="NUM" val="34"/>
+</p:tagLst>
+</file>
+
+<file path=ppt/tags/tag261.xml><?xml version="1.0" encoding="utf-8"?>
+<p:tagLst xmlns:a="http://schemas.openxmlformats.org/drawingml/2006/main" xmlns:r="http://schemas.openxmlformats.org/officeDocument/2006/relationships" xmlns:p="http://schemas.openxmlformats.org/presentationml/2006/main">
+  <p:tag name="NUM" val="35"/>
+</p:tagLst>
+</file>
+
+<file path=ppt/tags/tag262.xml><?xml version="1.0" encoding="utf-8"?>
+<p:tagLst xmlns:a="http://schemas.openxmlformats.org/drawingml/2006/main" xmlns:r="http://schemas.openxmlformats.org/officeDocument/2006/relationships" xmlns:p="http://schemas.openxmlformats.org/presentationml/2006/main">
+  <p:tag name="NUM" val="36"/>
+</p:tagLst>
+</file>
+
+<file path=ppt/tags/tag263.xml><?xml version="1.0" encoding="utf-8"?>
+<p:tagLst xmlns:a="http://schemas.openxmlformats.org/drawingml/2006/main" xmlns:r="http://schemas.openxmlformats.org/officeDocument/2006/relationships" xmlns:p="http://schemas.openxmlformats.org/presentationml/2006/main">
+  <p:tag name="NUM" val="37"/>
+</p:tagLst>
+</file>
+
+<file path=ppt/tags/tag264.xml><?xml version="1.0" encoding="utf-8"?>
+<p:tagLst xmlns:a="http://schemas.openxmlformats.org/drawingml/2006/main" xmlns:r="http://schemas.openxmlformats.org/officeDocument/2006/relationships" xmlns:p="http://schemas.openxmlformats.org/presentationml/2006/main">
+  <p:tag name="NUM" val="27"/>
+</p:tagLst>
+</file>
+
+<file path=ppt/tags/tag265.xml><?xml version="1.0" encoding="utf-8"?>
+<p:tagLst xmlns:a="http://schemas.openxmlformats.org/drawingml/2006/main" xmlns:r="http://schemas.openxmlformats.org/officeDocument/2006/relationships" xmlns:p="http://schemas.openxmlformats.org/presentationml/2006/main">
+  <p:tag name="NUM" val="1"/>
+</p:tagLst>
+</file>
+
+<file path=ppt/tags/tag266.xml><?xml version="1.0" encoding="utf-8"?>
+<p:tagLst xmlns:a="http://schemas.openxmlformats.org/drawingml/2006/main" xmlns:r="http://schemas.openxmlformats.org/officeDocument/2006/relationships" xmlns:p="http://schemas.openxmlformats.org/presentationml/2006/main">
+  <p:tag name="NUM" val="2"/>
+</p:tagLst>
+</file>
+
+<file path=ppt/tags/tag267.xml><?xml version="1.0" encoding="utf-8"?>
+<p:tagLst xmlns:a="http://schemas.openxmlformats.org/drawingml/2006/main" xmlns:r="http://schemas.openxmlformats.org/officeDocument/2006/relationships" xmlns:p="http://schemas.openxmlformats.org/presentationml/2006/main">
+  <p:tag name="NUM" val="3"/>
+</p:tagLst>
+</file>
+
+<file path=ppt/tags/tag268.xml><?xml version="1.0" encoding="utf-8"?>
+<p:tagLst xmlns:a="http://schemas.openxmlformats.org/drawingml/2006/main" xmlns:r="http://schemas.openxmlformats.org/officeDocument/2006/relationships" xmlns:p="http://schemas.openxmlformats.org/presentationml/2006/main">
+  <p:tag name="NUM" val="4"/>
+</p:tagLst>
+</file>
+
+<file path=ppt/tags/tag269.xml><?xml version="1.0" encoding="utf-8"?>
+<p:tagLst xmlns:a="http://schemas.openxmlformats.org/drawingml/2006/main" xmlns:r="http://schemas.openxmlformats.org/officeDocument/2006/relationships" xmlns:p="http://schemas.openxmlformats.org/presentationml/2006/main">
+  <p:tag name="NUM" val="5"/>
+</p:tagLst>
+</file>
+
+<file path=ppt/tags/tag27.xml><?xml version="1.0" encoding="utf-8"?>
+<p:tagLst xmlns:a="http://schemas.openxmlformats.org/drawingml/2006/main" xmlns:r="http://schemas.openxmlformats.org/officeDocument/2006/relationships" xmlns:p="http://schemas.openxmlformats.org/presentationml/2006/main">
+  <p:tag name="NUM" val="27"/>
+</p:tagLst>
+</file>
+
+<file path=ppt/tags/tag270.xml><?xml version="1.0" encoding="utf-8"?>
+<p:tagLst xmlns:a="http://schemas.openxmlformats.org/drawingml/2006/main" xmlns:r="http://schemas.openxmlformats.org/officeDocument/2006/relationships" xmlns:p="http://schemas.openxmlformats.org/presentationml/2006/main">
+  <p:tag name="NUM" val="6"/>
+</p:tagLst>
+</file>
+
+<file path=ppt/tags/tag271.xml><?xml version="1.0" encoding="utf-8"?>
+<p:tagLst xmlns:a="http://schemas.openxmlformats.org/drawingml/2006/main" xmlns:r="http://schemas.openxmlformats.org/officeDocument/2006/relationships" xmlns:p="http://schemas.openxmlformats.org/presentationml/2006/main">
+  <p:tag name="NUM" val="7"/>
+</p:tagLst>
+</file>
+
+<file path=ppt/tags/tag272.xml><?xml version="1.0" encoding="utf-8"?>
+<p:tagLst xmlns:a="http://schemas.openxmlformats.org/drawingml/2006/main" xmlns:r="http://schemas.openxmlformats.org/officeDocument/2006/relationships" xmlns:p="http://schemas.openxmlformats.org/presentationml/2006/main">
+  <p:tag name="NUM" val="8"/>
+</p:tagLst>
+</file>
+
+<file path=ppt/tags/tag273.xml><?xml version="1.0" encoding="utf-8"?>
+<p:tagLst xmlns:a="http://schemas.openxmlformats.org/drawingml/2006/main" xmlns:r="http://schemas.openxmlformats.org/officeDocument/2006/relationships" xmlns:p="http://schemas.openxmlformats.org/presentationml/2006/main">
+  <p:tag name="NUM" val="9"/>
+</p:tagLst>
+</file>
+
+<file path=ppt/tags/tag274.xml><?xml version="1.0" encoding="utf-8"?>
+<p:tagLst xmlns:a="http://schemas.openxmlformats.org/drawingml/2006/main" xmlns:r="http://schemas.openxmlformats.org/officeDocument/2006/relationships" xmlns:p="http://schemas.openxmlformats.org/presentationml/2006/main">
+  <p:tag name="NUM" val="10"/>
+</p:tagLst>
+</file>
+
+<file path=ppt/tags/tag275.xml><?xml version="1.0" encoding="utf-8"?>
+<p:tagLst xmlns:a="http://schemas.openxmlformats.org/drawingml/2006/main" xmlns:r="http://schemas.openxmlformats.org/officeDocument/2006/relationships" xmlns:p="http://schemas.openxmlformats.org/presentationml/2006/main">
+  <p:tag name="NUM" val="11"/>
+</p:tagLst>
+</file>
+
+<file path=ppt/tags/tag276.xml><?xml version="1.0" encoding="utf-8"?>
+<p:tagLst xmlns:a="http://schemas.openxmlformats.org/drawingml/2006/main" xmlns:r="http://schemas.openxmlformats.org/officeDocument/2006/relationships" xmlns:p="http://schemas.openxmlformats.org/presentationml/2006/main">
+  <p:tag name="NUM" val="12"/>
+</p:tagLst>
+</file>
+
+<file path=ppt/tags/tag277.xml><?xml version="1.0" encoding="utf-8"?>
+<p:tagLst xmlns:a="http://schemas.openxmlformats.org/drawingml/2006/main" xmlns:r="http://schemas.openxmlformats.org/officeDocument/2006/relationships" xmlns:p="http://schemas.openxmlformats.org/presentationml/2006/main">
+  <p:tag name="NUM" val="13"/>
+</p:tagLst>
+</file>
+
+<file path=ppt/tags/tag278.xml><?xml version="1.0" encoding="utf-8"?>
+<p:tagLst xmlns:a="http://schemas.openxmlformats.org/drawingml/2006/main" xmlns:r="http://schemas.openxmlformats.org/officeDocument/2006/relationships" xmlns:p="http://schemas.openxmlformats.org/presentationml/2006/main">
+  <p:tag name="NUM" val="14"/>
+</p:tagLst>
+</file>
+
+<file path=ppt/tags/tag279.xml><?xml version="1.0" encoding="utf-8"?>
+<p:tagLst xmlns:a="http://schemas.openxmlformats.org/drawingml/2006/main" xmlns:r="http://schemas.openxmlformats.org/officeDocument/2006/relationships" xmlns:p="http://schemas.openxmlformats.org/presentationml/2006/main">
+  <p:tag name="NUM" val="15"/>
+</p:tagLst>
+</file>
+
+<file path=ppt/tags/tag28.xml><?xml version="1.0" encoding="utf-8"?>
+<p:tagLst xmlns:a="http://schemas.openxmlformats.org/drawingml/2006/main" xmlns:r="http://schemas.openxmlformats.org/officeDocument/2006/relationships" xmlns:p="http://schemas.openxmlformats.org/presentationml/2006/main">
+  <p:tag name="NUM" val="1"/>
+</p:tagLst>
+</file>
+
+<file path=ppt/tags/tag280.xml><?xml version="1.0" encoding="utf-8"?>
+<p:tagLst xmlns:a="http://schemas.openxmlformats.org/drawingml/2006/main" xmlns:r="http://schemas.openxmlformats.org/officeDocument/2006/relationships" xmlns:p="http://schemas.openxmlformats.org/presentationml/2006/main">
+  <p:tag name="NUM" val="16"/>
+</p:tagLst>
+</file>
+
+<file path=ppt/tags/tag281.xml><?xml version="1.0" encoding="utf-8"?>
+<p:tagLst xmlns:a="http://schemas.openxmlformats.org/drawingml/2006/main" xmlns:r="http://schemas.openxmlformats.org/officeDocument/2006/relationships" xmlns:p="http://schemas.openxmlformats.org/presentationml/2006/main">
+  <p:tag name="NUM" val="17"/>
+</p:tagLst>
+</file>
+
+<file path=ppt/tags/tag282.xml><?xml version="1.0" encoding="utf-8"?>
+<p:tagLst xmlns:a="http://schemas.openxmlformats.org/drawingml/2006/main" xmlns:r="http://schemas.openxmlformats.org/officeDocument/2006/relationships" xmlns:p="http://schemas.openxmlformats.org/presentationml/2006/main">
+  <p:tag name="NUM" val="18"/>
+</p:tagLst>
+</file>
+
+<file path=ppt/tags/tag283.xml><?xml version="1.0" encoding="utf-8"?>
+<p:tagLst xmlns:a="http://schemas.openxmlformats.org/drawingml/2006/main" xmlns:r="http://schemas.openxmlformats.org/officeDocument/2006/relationships" xmlns:p="http://schemas.openxmlformats.org/presentationml/2006/main">
+  <p:tag name="NUM" val="19"/>
+</p:tagLst>
+</file>
+
+<file path=ppt/tags/tag284.xml><?xml version="1.0" encoding="utf-8"?>
+<p:tagLst xmlns:a="http://schemas.openxmlformats.org/drawingml/2006/main" xmlns:r="http://schemas.openxmlformats.org/officeDocument/2006/relationships" xmlns:p="http://schemas.openxmlformats.org/presentationml/2006/main">
+  <p:tag name="NUM" val="20"/>
+</p:tagLst>
+</file>
+
+<file path=ppt/tags/tag285.xml><?xml version="1.0" encoding="utf-8"?>
+<p:tagLst xmlns:a="http://schemas.openxmlformats.org/drawingml/2006/main" xmlns:r="http://schemas.openxmlformats.org/officeDocument/2006/relationships" xmlns:p="http://schemas.openxmlformats.org/presentationml/2006/main">
+  <p:tag name="NUM" val="21"/>
+</p:tagLst>
+</file>
+
+<file path=ppt/tags/tag286.xml><?xml version="1.0" encoding="utf-8"?>
+<p:tagLst xmlns:a="http://schemas.openxmlformats.org/drawingml/2006/main" xmlns:r="http://schemas.openxmlformats.org/officeDocument/2006/relationships" xmlns:p="http://schemas.openxmlformats.org/presentationml/2006/main">
+  <p:tag name="NUM" val="22"/>
+</p:tagLst>
+</file>
+
+<file path=ppt/tags/tag287.xml><?xml version="1.0" encoding="utf-8"?>
+<p:tagLst xmlns:a="http://schemas.openxmlformats.org/drawingml/2006/main" xmlns:r="http://schemas.openxmlformats.org/officeDocument/2006/relationships" xmlns:p="http://schemas.openxmlformats.org/presentationml/2006/main">
+  <p:tag name="NUM" val="23"/>
+</p:tagLst>
+</file>
+
+<file path=ppt/tags/tag288.xml><?xml version="1.0" encoding="utf-8"?>
+<p:tagLst xmlns:a="http://schemas.openxmlformats.org/drawingml/2006/main" xmlns:r="http://schemas.openxmlformats.org/officeDocument/2006/relationships" xmlns:p="http://schemas.openxmlformats.org/presentationml/2006/main">
+  <p:tag name="NUM" val="24"/>
+</p:tagLst>
+</file>
+
+<file path=ppt/tags/tag289.xml><?xml version="1.0" encoding="utf-8"?>
+<p:tagLst xmlns:a="http://schemas.openxmlformats.org/drawingml/2006/main" xmlns:r="http://schemas.openxmlformats.org/officeDocument/2006/relationships" xmlns:p="http://schemas.openxmlformats.org/presentationml/2006/main">
+  <p:tag name="NUM" val="25"/>
+</p:tagLst>
+</file>
+
+<file path=ppt/tags/tag29.xml><?xml version="1.0" encoding="utf-8"?>
+<p:tagLst xmlns:a="http://schemas.openxmlformats.org/drawingml/2006/main" xmlns:r="http://schemas.openxmlformats.org/officeDocument/2006/relationships" xmlns:p="http://schemas.openxmlformats.org/presentationml/2006/main">
+  <p:tag name="NUM" val="2"/>
+</p:tagLst>
+</file>
+
+<file path=ppt/tags/tag290.xml><?xml version="1.0" encoding="utf-8"?>
+<p:tagLst xmlns:a="http://schemas.openxmlformats.org/drawingml/2006/main" xmlns:r="http://schemas.openxmlformats.org/officeDocument/2006/relationships" xmlns:p="http://schemas.openxmlformats.org/presentationml/2006/main">
+  <p:tag name="NUM" val="26"/>
+</p:tagLst>
+</file>
+
+<file path=ppt/tags/tag291.xml><?xml version="1.0" encoding="utf-8"?>
+<p:tagLst xmlns:a="http://schemas.openxmlformats.org/drawingml/2006/main" xmlns:r="http://schemas.openxmlformats.org/officeDocument/2006/relationships" xmlns:p="http://schemas.openxmlformats.org/presentationml/2006/main">
+  <p:tag name="NUM" val="27"/>
+</p:tagLst>
+</file>
+
+<file path=ppt/tags/tag292.xml><?xml version="1.0" encoding="utf-8"?>
+<p:tagLst xmlns:a="http://schemas.openxmlformats.org/drawingml/2006/main" xmlns:r="http://schemas.openxmlformats.org/officeDocument/2006/relationships" xmlns:p="http://schemas.openxmlformats.org/presentationml/2006/main">
+  <p:tag name="NUM" val="28"/>
+</p:tagLst>
+</file>
+
+<file path=ppt/tags/tag293.xml><?xml version="1.0" encoding="utf-8"?>
+<p:tagLst xmlns:a="http://schemas.openxmlformats.org/drawingml/2006/main" xmlns:r="http://schemas.openxmlformats.org/officeDocument/2006/relationships" xmlns:p="http://schemas.openxmlformats.org/presentationml/2006/main">
+  <p:tag name="NUM" val="29"/>
+</p:tagLst>
+</file>
+
+<file path=ppt/tags/tag294.xml><?xml version="1.0" encoding="utf-8"?>
+<p:tagLst xmlns:a="http://schemas.openxmlformats.org/drawingml/2006/main" xmlns:r="http://schemas.openxmlformats.org/officeDocument/2006/relationships" xmlns:p="http://schemas.openxmlformats.org/presentationml/2006/main">
+  <p:tag name="NUM" val="30"/>
+</p:tagLst>
+</file>
+
+<file path=ppt/tags/tag295.xml><?xml version="1.0" encoding="utf-8"?>
+<p:tagLst xmlns:a="http://schemas.openxmlformats.org/drawingml/2006/main" xmlns:r="http://schemas.openxmlformats.org/officeDocument/2006/relationships" xmlns:p="http://schemas.openxmlformats.org/presentationml/2006/main">
+  <p:tag name="NUM" val="31"/>
+</p:tagLst>
+</file>
+
+<file path=ppt/tags/tag296.xml><?xml version="1.0" encoding="utf-8"?>
+<p:tagLst xmlns:a="http://schemas.openxmlformats.org/drawingml/2006/main" xmlns:r="http://schemas.openxmlformats.org/officeDocument/2006/relationships" xmlns:p="http://schemas.openxmlformats.org/presentationml/2006/main">
+  <p:tag name="NUM" val="32"/>
+</p:tagLst>
+</file>
+
+<file path=ppt/tags/tag297.xml><?xml version="1.0" encoding="utf-8"?>
+<p:tagLst xmlns:a="http://schemas.openxmlformats.org/drawingml/2006/main" xmlns:r="http://schemas.openxmlformats.org/officeDocument/2006/relationships" xmlns:p="http://schemas.openxmlformats.org/presentationml/2006/main">
   <p:tag name="NUM" val="33"/>
 </p:tagLst>
 </file>
 
-<file path=ppt/tags/tag261.xml><?xml version="1.0" encoding="utf-8"?>
+<file path=ppt/tags/tag298.xml><?xml version="1.0" encoding="utf-8"?>
 <p:tagLst xmlns:a="http://schemas.openxmlformats.org/drawingml/2006/main" xmlns:r="http://schemas.openxmlformats.org/officeDocument/2006/relationships" xmlns:p="http://schemas.openxmlformats.org/presentationml/2006/main">
   <p:tag name="NUM" val="34"/>
 </p:tagLst>
 </file>
 
-<file path=ppt/tags/tag262.xml><?xml version="1.0" encoding="utf-8"?>
+<file path=ppt/tags/tag299.xml><?xml version="1.0" encoding="utf-8"?>
 <p:tagLst xmlns:a="http://schemas.openxmlformats.org/drawingml/2006/main" xmlns:r="http://schemas.openxmlformats.org/officeDocument/2006/relationships" xmlns:p="http://schemas.openxmlformats.org/presentationml/2006/main">
   <p:tag name="NUM" val="35"/>
 </p:tagLst>
 </file>
 
-<file path=ppt/tags/tag263.xml><?xml version="1.0" encoding="utf-8"?>
+<file path=ppt/tags/tag3.xml><?xml version="1.0" encoding="utf-8"?>
+<p:tagLst xmlns:a="http://schemas.openxmlformats.org/drawingml/2006/main" xmlns:r="http://schemas.openxmlformats.org/officeDocument/2006/relationships" xmlns:p="http://schemas.openxmlformats.org/presentationml/2006/main">
+  <p:tag name="NUM" val="3"/>
+</p:tagLst>
+</file>
+
+<file path=ppt/tags/tag30.xml><?xml version="1.0" encoding="utf-8"?>
+<p:tagLst xmlns:a="http://schemas.openxmlformats.org/drawingml/2006/main" xmlns:r="http://schemas.openxmlformats.org/officeDocument/2006/relationships" xmlns:p="http://schemas.openxmlformats.org/presentationml/2006/main">
+  <p:tag name="NUM" val="3"/>
+</p:tagLst>
+</file>
+
+<file path=ppt/tags/tag300.xml><?xml version="1.0" encoding="utf-8"?>
 <p:tagLst xmlns:a="http://schemas.openxmlformats.org/drawingml/2006/main" xmlns:r="http://schemas.openxmlformats.org/officeDocument/2006/relationships" xmlns:p="http://schemas.openxmlformats.org/presentationml/2006/main">
   <p:tag name="NUM" val="36"/>
 </p:tagLst>
 </file>
 
-<file path=ppt/tags/tag264.xml><?xml version="1.0" encoding="utf-8"?>
+<file path=ppt/tags/tag301.xml><?xml version="1.0" encoding="utf-8"?>
 <p:tagLst xmlns:a="http://schemas.openxmlformats.org/drawingml/2006/main" xmlns:r="http://schemas.openxmlformats.org/officeDocument/2006/relationships" xmlns:p="http://schemas.openxmlformats.org/presentationml/2006/main">
   <p:tag name="NUM" val="37"/>
 </p:tagLst>
 </file>
 
-<file path=ppt/tags/tag265.xml><?xml version="1.0" encoding="utf-8"?>
+<file path=ppt/tags/tag302.xml><?xml version="1.0" encoding="utf-8"?>
+<p:tagLst xmlns:a="http://schemas.openxmlformats.org/drawingml/2006/main" xmlns:r="http://schemas.openxmlformats.org/officeDocument/2006/relationships" xmlns:p="http://schemas.openxmlformats.org/presentationml/2006/main">
+  <p:tag name="NUM" val="38"/>
+</p:tagLst>
+</file>
+
+<file path=ppt/tags/tag303.xml><?xml version="1.0" encoding="utf-8"?>
+<p:tagLst xmlns:a="http://schemas.openxmlformats.org/drawingml/2006/main" xmlns:r="http://schemas.openxmlformats.org/officeDocument/2006/relationships" xmlns:p="http://schemas.openxmlformats.org/presentationml/2006/main">
+  <p:tag name="NUM" val="39"/>
+</p:tagLst>
+</file>
+
+<file path=ppt/tags/tag304.xml><?xml version="1.0" encoding="utf-8"?>
 <p:tagLst xmlns:a="http://schemas.openxmlformats.org/drawingml/2006/main" xmlns:r="http://schemas.openxmlformats.org/officeDocument/2006/relationships" xmlns:p="http://schemas.openxmlformats.org/presentationml/2006/main">
   <p:tag name="NUM" val="1"/>
 </p:tagLst>
 </file>
 
-<file path=ppt/tags/tag266.xml><?xml version="1.0" encoding="utf-8"?>
+<file path=ppt/tags/tag305.xml><?xml version="1.0" encoding="utf-8"?>
 <p:tagLst xmlns:a="http://schemas.openxmlformats.org/drawingml/2006/main" xmlns:r="http://schemas.openxmlformats.org/officeDocument/2006/relationships" xmlns:p="http://schemas.openxmlformats.org/presentationml/2006/main">
   <p:tag name="NUM" val="2"/>
 </p:tagLst>
 </file>
 
-<file path=ppt/tags/tag267.xml><?xml version="1.0" encoding="utf-8"?>
+<file path=ppt/tags/tag306.xml><?xml version="1.0" encoding="utf-8"?>
 <p:tagLst xmlns:a="http://schemas.openxmlformats.org/drawingml/2006/main" xmlns:r="http://schemas.openxmlformats.org/officeDocument/2006/relationships" xmlns:p="http://schemas.openxmlformats.org/presentationml/2006/main">
   <p:tag name="NUM" val="3"/>
 </p:tagLst>
 </file>
 
-<file path=ppt/tags/tag268.xml><?xml version="1.0" encoding="utf-8"?>
+<file path=ppt/tags/tag307.xml><?xml version="1.0" encoding="utf-8"?>
 <p:tagLst xmlns:a="http://schemas.openxmlformats.org/drawingml/2006/main" xmlns:r="http://schemas.openxmlformats.org/officeDocument/2006/relationships" xmlns:p="http://schemas.openxmlformats.org/presentationml/2006/main">
   <p:tag name="NUM" val="4"/>
 </p:tagLst>
 </file>
 
-<file path=ppt/tags/tag269.xml><?xml version="1.0" encoding="utf-8"?>
+<file path=ppt/tags/tag308.xml><?xml version="1.0" encoding="utf-8"?>
 <p:tagLst xmlns:a="http://schemas.openxmlformats.org/drawingml/2006/main" xmlns:r="http://schemas.openxmlformats.org/officeDocument/2006/relationships" xmlns:p="http://schemas.openxmlformats.org/presentationml/2006/main">
   <p:tag name="NUM" val="5"/>
 </p:tagLst>
 </file>
 
-<file path=ppt/tags/tag27.xml><?xml version="1.0" encoding="utf-8"?>
+<file path=ppt/tags/tag309.xml><?xml version="1.0" encoding="utf-8"?>
+<p:tagLst xmlns:a="http://schemas.openxmlformats.org/drawingml/2006/main" xmlns:r="http://schemas.openxmlformats.org/officeDocument/2006/relationships" xmlns:p="http://schemas.openxmlformats.org/presentationml/2006/main">
+  <p:tag name="NUM" val="6"/>
+</p:tagLst>
+</file>
+
+<file path=ppt/tags/tag31.xml><?xml version="1.0" encoding="utf-8"?>
+<p:tagLst xmlns:a="http://schemas.openxmlformats.org/drawingml/2006/main" xmlns:r="http://schemas.openxmlformats.org/officeDocument/2006/relationships" xmlns:p="http://schemas.openxmlformats.org/presentationml/2006/main">
+  <p:tag name="NUM" val="4"/>
+</p:tagLst>
+</file>
+
+<file path=ppt/tags/tag310.xml><?xml version="1.0" encoding="utf-8"?>
+<p:tagLst xmlns:a="http://schemas.openxmlformats.org/drawingml/2006/main" xmlns:r="http://schemas.openxmlformats.org/officeDocument/2006/relationships" xmlns:p="http://schemas.openxmlformats.org/presentationml/2006/main">
+  <p:tag name="NUM" val="7"/>
+</p:tagLst>
+</file>
+
+<file path=ppt/tags/tag311.xml><?xml version="1.0" encoding="utf-8"?>
+<p:tagLst xmlns:a="http://schemas.openxmlformats.org/drawingml/2006/main" xmlns:r="http://schemas.openxmlformats.org/officeDocument/2006/relationships" xmlns:p="http://schemas.openxmlformats.org/presentationml/2006/main">
+  <p:tag name="NUM" val="8"/>
+</p:tagLst>
+</file>
+
+<file path=ppt/tags/tag312.xml><?xml version="1.0" encoding="utf-8"?>
+<p:tagLst xmlns:a="http://schemas.openxmlformats.org/drawingml/2006/main" xmlns:r="http://schemas.openxmlformats.org/officeDocument/2006/relationships" xmlns:p="http://schemas.openxmlformats.org/presentationml/2006/main">
+  <p:tag name="NUM" val="9"/>
+</p:tagLst>
+</file>
+
+<file path=ppt/tags/tag313.xml><?xml version="1.0" encoding="utf-8"?>
+<p:tagLst xmlns:a="http://schemas.openxmlformats.org/drawingml/2006/main" xmlns:r="http://schemas.openxmlformats.org/officeDocument/2006/relationships" xmlns:p="http://schemas.openxmlformats.org/presentationml/2006/main">
+  <p:tag name="NUM" val="10"/>
+</p:tagLst>
+</file>
+
+<file path=ppt/tags/tag314.xml><?xml version="1.0" encoding="utf-8"?>
+<p:tagLst xmlns:a="http://schemas.openxmlformats.org/drawingml/2006/main" xmlns:r="http://schemas.openxmlformats.org/officeDocument/2006/relationships" xmlns:p="http://schemas.openxmlformats.org/presentationml/2006/main">
+  <p:tag name="NUM" val="11"/>
+</p:tagLst>
+</file>
+
+<file path=ppt/tags/tag315.xml><?xml version="1.0" encoding="utf-8"?>
+<p:tagLst xmlns:a="http://schemas.openxmlformats.org/drawingml/2006/main" xmlns:r="http://schemas.openxmlformats.org/officeDocument/2006/relationships" xmlns:p="http://schemas.openxmlformats.org/presentationml/2006/main">
+  <p:tag name="NUM" val="12"/>
+</p:tagLst>
+</file>
+
+<file path=ppt/tags/tag316.xml><?xml version="1.0" encoding="utf-8"?>
+<p:tagLst xmlns:a="http://schemas.openxmlformats.org/drawingml/2006/main" xmlns:r="http://schemas.openxmlformats.org/officeDocument/2006/relationships" xmlns:p="http://schemas.openxmlformats.org/presentationml/2006/main">
+  <p:tag name="NUM" val="13"/>
+</p:tagLst>
+</file>
+
+<file path=ppt/tags/tag317.xml><?xml version="1.0" encoding="utf-8"?>
+<p:tagLst xmlns:a="http://schemas.openxmlformats.org/drawingml/2006/main" xmlns:r="http://schemas.openxmlformats.org/officeDocument/2006/relationships" xmlns:p="http://schemas.openxmlformats.org/presentationml/2006/main">
+  <p:tag name="NUM" val="14"/>
+</p:tagLst>
+</file>
+
+<file path=ppt/tags/tag318.xml><?xml version="1.0" encoding="utf-8"?>
+<p:tagLst xmlns:a="http://schemas.openxmlformats.org/drawingml/2006/main" xmlns:r="http://schemas.openxmlformats.org/officeDocument/2006/relationships" xmlns:p="http://schemas.openxmlformats.org/presentationml/2006/main">
+  <p:tag name="NUM" val="15"/>
+</p:tagLst>
+</file>
+
+<file path=ppt/tags/tag319.xml><?xml version="1.0" encoding="utf-8"?>
+<p:tagLst xmlns:a="http://schemas.openxmlformats.org/drawingml/2006/main" xmlns:r="http://schemas.openxmlformats.org/officeDocument/2006/relationships" xmlns:p="http://schemas.openxmlformats.org/presentationml/2006/main">
+  <p:tag name="NUM" val="16"/>
+</p:tagLst>
+</file>
+
+<file path=ppt/tags/tag32.xml><?xml version="1.0" encoding="utf-8"?>
+<p:tagLst xmlns:a="http://schemas.openxmlformats.org/drawingml/2006/main" xmlns:r="http://schemas.openxmlformats.org/officeDocument/2006/relationships" xmlns:p="http://schemas.openxmlformats.org/presentationml/2006/main">
+  <p:tag name="NUM" val="5"/>
+</p:tagLst>
+</file>
+
+<file path=ppt/tags/tag320.xml><?xml version="1.0" encoding="utf-8"?>
+<p:tagLst xmlns:a="http://schemas.openxmlformats.org/drawingml/2006/main" xmlns:r="http://schemas.openxmlformats.org/officeDocument/2006/relationships" xmlns:p="http://schemas.openxmlformats.org/presentationml/2006/main">
+  <p:tag name="NUM" val="17"/>
+</p:tagLst>
+</file>
+
+<file path=ppt/tags/tag321.xml><?xml version="1.0" encoding="utf-8"?>
+<p:tagLst xmlns:a="http://schemas.openxmlformats.org/drawingml/2006/main" xmlns:r="http://schemas.openxmlformats.org/officeDocument/2006/relationships" xmlns:p="http://schemas.openxmlformats.org/presentationml/2006/main">
+  <p:tag name="NUM" val="18"/>
+</p:tagLst>
+</file>
+
+<file path=ppt/tags/tag322.xml><?xml version="1.0" encoding="utf-8"?>
+<p:tagLst xmlns:a="http://schemas.openxmlformats.org/drawingml/2006/main" xmlns:r="http://schemas.openxmlformats.org/officeDocument/2006/relationships" xmlns:p="http://schemas.openxmlformats.org/presentationml/2006/main">
+  <p:tag name="NUM" val="19"/>
+</p:tagLst>
+</file>
+
+<file path=ppt/tags/tag323.xml><?xml version="1.0" encoding="utf-8"?>
+<p:tagLst xmlns:a="http://schemas.openxmlformats.org/drawingml/2006/main" xmlns:r="http://schemas.openxmlformats.org/officeDocument/2006/relationships" xmlns:p="http://schemas.openxmlformats.org/presentationml/2006/main">
+  <p:tag name="NUM" val="20"/>
+</p:tagLst>
+</file>
+
+<file path=ppt/tags/tag324.xml><?xml version="1.0" encoding="utf-8"?>
+<p:tagLst xmlns:a="http://schemas.openxmlformats.org/drawingml/2006/main" xmlns:r="http://schemas.openxmlformats.org/officeDocument/2006/relationships" xmlns:p="http://schemas.openxmlformats.org/presentationml/2006/main">
+  <p:tag name="NUM" val="21"/>
+</p:tagLst>
+</file>
+
+<file path=ppt/tags/tag325.xml><?xml version="1.0" encoding="utf-8"?>
+<p:tagLst xmlns:a="http://schemas.openxmlformats.org/drawingml/2006/main" xmlns:r="http://schemas.openxmlformats.org/officeDocument/2006/relationships" xmlns:p="http://schemas.openxmlformats.org/presentationml/2006/main">
+  <p:tag name="NUM" val="22"/>
+</p:tagLst>
+</file>
+
+<file path=ppt/tags/tag326.xml><?xml version="1.0" encoding="utf-8"?>
+<p:tagLst xmlns:a="http://schemas.openxmlformats.org/drawingml/2006/main" xmlns:r="http://schemas.openxmlformats.org/officeDocument/2006/relationships" xmlns:p="http://schemas.openxmlformats.org/presentationml/2006/main">
+  <p:tag name="NUM" val="23"/>
+</p:tagLst>
+</file>
+
+<file path=ppt/tags/tag327.xml><?xml version="1.0" encoding="utf-8"?>
+<p:tagLst xmlns:a="http://schemas.openxmlformats.org/drawingml/2006/main" xmlns:r="http://schemas.openxmlformats.org/officeDocument/2006/relationships" xmlns:p="http://schemas.openxmlformats.org/presentationml/2006/main">
+  <p:tag name="NUM" val="24"/>
+</p:tagLst>
+</file>
+
+<file path=ppt/tags/tag328.xml><?xml version="1.0" encoding="utf-8"?>
+<p:tagLst xmlns:a="http://schemas.openxmlformats.org/drawingml/2006/main" xmlns:r="http://schemas.openxmlformats.org/officeDocument/2006/relationships" xmlns:p="http://schemas.openxmlformats.org/presentationml/2006/main">
+  <p:tag name="NUM" val="25"/>
+</p:tagLst>
+</file>
+
+<file path=ppt/tags/tag329.xml><?xml version="1.0" encoding="utf-8"?>
+<p:tagLst xmlns:a="http://schemas.openxmlformats.org/drawingml/2006/main" xmlns:r="http://schemas.openxmlformats.org/officeDocument/2006/relationships" xmlns:p="http://schemas.openxmlformats.org/presentationml/2006/main">
+  <p:tag name="NUM" val="26"/>
+</p:tagLst>
+</file>
+
+<file path=ppt/tags/tag33.xml><?xml version="1.0" encoding="utf-8"?>
+<p:tagLst xmlns:a="http://schemas.openxmlformats.org/drawingml/2006/main" xmlns:r="http://schemas.openxmlformats.org/officeDocument/2006/relationships" xmlns:p="http://schemas.openxmlformats.org/presentationml/2006/main">
+  <p:tag name="NUM" val="6"/>
+</p:tagLst>
+</file>
+
+<file path=ppt/tags/tag330.xml><?xml version="1.0" encoding="utf-8"?>
 <p:tagLst xmlns:a="http://schemas.openxmlformats.org/drawingml/2006/main" xmlns:r="http://schemas.openxmlformats.org/officeDocument/2006/relationships" xmlns:p="http://schemas.openxmlformats.org/presentationml/2006/main">
   <p:tag name="NUM" val="27"/>
 </p:tagLst>
 </file>
 
-<file path=ppt/tags/tag270.xml><?xml version="1.0" encoding="utf-8"?>
+<file path=ppt/tags/tag331.xml><?xml version="1.0" encoding="utf-8"?>
+<p:tagLst xmlns:a="http://schemas.openxmlformats.org/drawingml/2006/main" xmlns:r="http://schemas.openxmlformats.org/officeDocument/2006/relationships" xmlns:p="http://schemas.openxmlformats.org/presentationml/2006/main">
+  <p:tag name="NUM" val="28"/>
+</p:tagLst>
+</file>
+
+<file path=ppt/tags/tag332.xml><?xml version="1.0" encoding="utf-8"?>
+<p:tagLst xmlns:a="http://schemas.openxmlformats.org/drawingml/2006/main" xmlns:r="http://schemas.openxmlformats.org/officeDocument/2006/relationships" xmlns:p="http://schemas.openxmlformats.org/presentationml/2006/main">
+  <p:tag name="NUM" val="29"/>
+</p:tagLst>
+</file>
+
+<file path=ppt/tags/tag333.xml><?xml version="1.0" encoding="utf-8"?>
+<p:tagLst xmlns:a="http://schemas.openxmlformats.org/drawingml/2006/main" xmlns:r="http://schemas.openxmlformats.org/officeDocument/2006/relationships" xmlns:p="http://schemas.openxmlformats.org/presentationml/2006/main">
+  <p:tag name="NUM" val="1"/>
+</p:tagLst>
+</file>
+
+<file path=ppt/tags/tag334.xml><?xml version="1.0" encoding="utf-8"?>
+<p:tagLst xmlns:a="http://schemas.openxmlformats.org/drawingml/2006/main" xmlns:r="http://schemas.openxmlformats.org/officeDocument/2006/relationships" xmlns:p="http://schemas.openxmlformats.org/presentationml/2006/main">
+  <p:tag name="NUM" val="2"/>
+</p:tagLst>
+</file>
+
+<file path=ppt/tags/tag335.xml><?xml version="1.0" encoding="utf-8"?>
+<p:tagLst xmlns:a="http://schemas.openxmlformats.org/drawingml/2006/main" xmlns:r="http://schemas.openxmlformats.org/officeDocument/2006/relationships" xmlns:p="http://schemas.openxmlformats.org/presentationml/2006/main">
+  <p:tag name="NUM" val="3"/>
+</p:tagLst>
+</file>
+
+<file path=ppt/tags/tag336.xml><?xml version="1.0" encoding="utf-8"?>
+<p:tagLst xmlns:a="http://schemas.openxmlformats.org/drawingml/2006/main" xmlns:r="http://schemas.openxmlformats.org/officeDocument/2006/relationships" xmlns:p="http://schemas.openxmlformats.org/presentationml/2006/main">
+  <p:tag name="NUM" val="4"/>
+</p:tagLst>
+</file>
+
+<file path=ppt/tags/tag337.xml><?xml version="1.0" encoding="utf-8"?>
+<p:tagLst xmlns:a="http://schemas.openxmlformats.org/drawingml/2006/main" xmlns:r="http://schemas.openxmlformats.org/officeDocument/2006/relationships" xmlns:p="http://schemas.openxmlformats.org/presentationml/2006/main">
+  <p:tag name="NUM" val="5"/>
+</p:tagLst>
+</file>
+
+<file path=ppt/tags/tag338.xml><?xml version="1.0" encoding="utf-8"?>
 <p:tagLst xmlns:a="http://schemas.openxmlformats.org/drawingml/2006/main" xmlns:r="http://schemas.openxmlformats.org/officeDocument/2006/relationships" xmlns:p="http://schemas.openxmlformats.org/presentationml/2006/main">
   <p:tag name="NUM" val="6"/>
 </p:tagLst>
 </file>
 
-<file path=ppt/tags/tag271.xml><?xml version="1.0" encoding="utf-8"?>
+<file path=ppt/tags/tag339.xml><?xml version="1.0" encoding="utf-8"?>
 <p:tagLst xmlns:a="http://schemas.openxmlformats.org/drawingml/2006/main" xmlns:r="http://schemas.openxmlformats.org/officeDocument/2006/relationships" xmlns:p="http://schemas.openxmlformats.org/presentationml/2006/main">
   <p:tag name="NUM" val="7"/>
 </p:tagLst>
 </file>
 
-<file path=ppt/tags/tag272.xml><?xml version="1.0" encoding="utf-8"?>
+<file path=ppt/tags/tag34.xml><?xml version="1.0" encoding="utf-8"?>
+<p:tagLst xmlns:a="http://schemas.openxmlformats.org/drawingml/2006/main" xmlns:r="http://schemas.openxmlformats.org/officeDocument/2006/relationships" xmlns:p="http://schemas.openxmlformats.org/presentationml/2006/main">
+  <p:tag name="NUM" val="7"/>
+</p:tagLst>
+</file>
+
+<file path=ppt/tags/tag340.xml><?xml version="1.0" encoding="utf-8"?>
 <p:tagLst xmlns:a="http://schemas.openxmlformats.org/drawingml/2006/main" xmlns:r="http://schemas.openxmlformats.org/officeDocument/2006/relationships" xmlns:p="http://schemas.openxmlformats.org/presentationml/2006/main">
   <p:tag name="NUM" val="8"/>
 </p:tagLst>
 </file>
 
-<file path=ppt/tags/tag273.xml><?xml version="1.0" encoding="utf-8"?>
+<file path=ppt/tags/tag341.xml><?xml version="1.0" encoding="utf-8"?>
 <p:tagLst xmlns:a="http://schemas.openxmlformats.org/drawingml/2006/main" xmlns:r="http://schemas.openxmlformats.org/officeDocument/2006/relationships" xmlns:p="http://schemas.openxmlformats.org/presentationml/2006/main">
   <p:tag name="NUM" val="9"/>
 </p:tagLst>
 </file>
 
-<file path=ppt/tags/tag274.xml><?xml version="1.0" encoding="utf-8"?>
+<file path=ppt/tags/tag342.xml><?xml version="1.0" encoding="utf-8"?>
 <p:tagLst xmlns:a="http://schemas.openxmlformats.org/drawingml/2006/main" xmlns:r="http://schemas.openxmlformats.org/officeDocument/2006/relationships" xmlns:p="http://schemas.openxmlformats.org/presentationml/2006/main">
   <p:tag name="NUM" val="10"/>
 </p:tagLst>
 </file>
 
-<file path=ppt/tags/tag275.xml><?xml version="1.0" encoding="utf-8"?>
+<file path=ppt/tags/tag343.xml><?xml version="1.0" encoding="utf-8"?>
 <p:tagLst xmlns:a="http://schemas.openxmlformats.org/drawingml/2006/main" xmlns:r="http://schemas.openxmlformats.org/officeDocument/2006/relationships" xmlns:p="http://schemas.openxmlformats.org/presentationml/2006/main">
   <p:tag name="NUM" val="11"/>
 </p:tagLst>
 </file>
 
-<file path=ppt/tags/tag276.xml><?xml version="1.0" encoding="utf-8"?>
+<file path=ppt/tags/tag344.xml><?xml version="1.0" encoding="utf-8"?>
 <p:tagLst xmlns:a="http://schemas.openxmlformats.org/drawingml/2006/main" xmlns:r="http://schemas.openxmlformats.org/officeDocument/2006/relationships" xmlns:p="http://schemas.openxmlformats.org/presentationml/2006/main">
   <p:tag name="NUM" val="12"/>
 </p:tagLst>
 </file>
 
-<file path=ppt/tags/tag277.xml><?xml version="1.0" encoding="utf-8"?>
+<file path=ppt/tags/tag345.xml><?xml version="1.0" encoding="utf-8"?>
 <p:tagLst xmlns:a="http://schemas.openxmlformats.org/drawingml/2006/main" xmlns:r="http://schemas.openxmlformats.org/officeDocument/2006/relationships" xmlns:p="http://schemas.openxmlformats.org/presentationml/2006/main">
   <p:tag name="NUM" val="13"/>
 </p:tagLst>
 </file>
 
-<file path=ppt/tags/tag278.xml><?xml version="1.0" encoding="utf-8"?>
+<file path=ppt/tags/tag346.xml><?xml version="1.0" encoding="utf-8"?>
 <p:tagLst xmlns:a="http://schemas.openxmlformats.org/drawingml/2006/main" xmlns:r="http://schemas.openxmlformats.org/officeDocument/2006/relationships" xmlns:p="http://schemas.openxmlformats.org/presentationml/2006/main">
   <p:tag name="NUM" val="14"/>
 </p:tagLst>
 </file>
 
-<file path=ppt/tags/tag279.xml><?xml version="1.0" encoding="utf-8"?>
+<file path=ppt/tags/tag347.xml><?xml version="1.0" encoding="utf-8"?>
 <p:tagLst xmlns:a="http://schemas.openxmlformats.org/drawingml/2006/main" xmlns:r="http://schemas.openxmlformats.org/officeDocument/2006/relationships" xmlns:p="http://schemas.openxmlformats.org/presentationml/2006/main">
   <p:tag name="NUM" val="15"/>
 </p:tagLst>
 </file>
 
-<file path=ppt/tags/tag28.xml><?xml version="1.0" encoding="utf-8"?>
+<file path=ppt/tags/tag348.xml><?xml version="1.0" encoding="utf-8"?>
+<p:tagLst xmlns:a="http://schemas.openxmlformats.org/drawingml/2006/main" xmlns:r="http://schemas.openxmlformats.org/officeDocument/2006/relationships" xmlns:p="http://schemas.openxmlformats.org/presentationml/2006/main">
+  <p:tag name="NUM" val="16"/>
+</p:tagLst>
+</file>
+
+<file path=ppt/tags/tag349.xml><?xml version="1.0" encoding="utf-8"?>
+<p:tagLst xmlns:a="http://schemas.openxmlformats.org/drawingml/2006/main" xmlns:r="http://schemas.openxmlformats.org/officeDocument/2006/relationships" xmlns:p="http://schemas.openxmlformats.org/presentationml/2006/main">
+  <p:tag name="NUM" val="17"/>
+</p:tagLst>
+</file>
+
+<file path=ppt/tags/tag35.xml><?xml version="1.0" encoding="utf-8"?>
+<p:tagLst xmlns:a="http://schemas.openxmlformats.org/drawingml/2006/main" xmlns:r="http://schemas.openxmlformats.org/officeDocument/2006/relationships" xmlns:p="http://schemas.openxmlformats.org/presentationml/2006/main">
+  <p:tag name="NUM" val="8"/>
+</p:tagLst>
+</file>
+
+<file path=ppt/tags/tag350.xml><?xml version="1.0" encoding="utf-8"?>
+<p:tagLst xmlns:a="http://schemas.openxmlformats.org/drawingml/2006/main" xmlns:r="http://schemas.openxmlformats.org/officeDocument/2006/relationships" xmlns:p="http://schemas.openxmlformats.org/presentationml/2006/main">
+  <p:tag name="NUM" val="18"/>
+</p:tagLst>
+</file>
+
+<file path=ppt/tags/tag351.xml><?xml version="1.0" encoding="utf-8"?>
+<p:tagLst xmlns:a="http://schemas.openxmlformats.org/drawingml/2006/main" xmlns:r="http://schemas.openxmlformats.org/officeDocument/2006/relationships" xmlns:p="http://schemas.openxmlformats.org/presentationml/2006/main">
+  <p:tag name="NUM" val="19"/>
+</p:tagLst>
+</file>
+
+<file path=ppt/tags/tag352.xml><?xml version="1.0" encoding="utf-8"?>
+<p:tagLst xmlns:a="http://schemas.openxmlformats.org/drawingml/2006/main" xmlns:r="http://schemas.openxmlformats.org/officeDocument/2006/relationships" xmlns:p="http://schemas.openxmlformats.org/presentationml/2006/main">
+  <p:tag name="NUM" val="20"/>
+</p:tagLst>
+</file>
+
+<file path=ppt/tags/tag353.xml><?xml version="1.0" encoding="utf-8"?>
 <p:tagLst xmlns:a="http://schemas.openxmlformats.org/drawingml/2006/main" xmlns:r="http://schemas.openxmlformats.org/officeDocument/2006/relationships" xmlns:p="http://schemas.openxmlformats.org/presentationml/2006/main">
   <p:tag name="NUM" val="1"/>
 </p:tagLst>
 </file>
 
-<file path=ppt/tags/tag280.xml><?xml version="1.0" encoding="utf-8"?>
+<file path=ppt/tags/tag354.xml><?xml version="1.0" encoding="utf-8"?>
+<p:tagLst xmlns:a="http://schemas.openxmlformats.org/drawingml/2006/main" xmlns:r="http://schemas.openxmlformats.org/officeDocument/2006/relationships" xmlns:p="http://schemas.openxmlformats.org/presentationml/2006/main">
+  <p:tag name="NUM" val="2"/>
+</p:tagLst>
+</file>
+
+<file path=ppt/tags/tag355.xml><?xml version="1.0" encoding="utf-8"?>
+<p:tagLst xmlns:a="http://schemas.openxmlformats.org/drawingml/2006/main" xmlns:r="http://schemas.openxmlformats.org/officeDocument/2006/relationships" xmlns:p="http://schemas.openxmlformats.org/presentationml/2006/main">
+  <p:tag name="NUM" val="3"/>
+</p:tagLst>
+</file>
+
+<file path=ppt/tags/tag356.xml><?xml version="1.0" encoding="utf-8"?>
+<p:tagLst xmlns:a="http://schemas.openxmlformats.org/drawingml/2006/main" xmlns:r="http://schemas.openxmlformats.org/officeDocument/2006/relationships" xmlns:p="http://schemas.openxmlformats.org/presentationml/2006/main">
+  <p:tag name="NUM" val="4"/>
+</p:tagLst>
+</file>
+
+<file path=ppt/tags/tag357.xml><?xml version="1.0" encoding="utf-8"?>
+<p:tagLst xmlns:a="http://schemas.openxmlformats.org/drawingml/2006/main" xmlns:r="http://schemas.openxmlformats.org/officeDocument/2006/relationships" xmlns:p="http://schemas.openxmlformats.org/presentationml/2006/main">
+  <p:tag name="NUM" val="5"/>
+</p:tagLst>
+</file>
+
+<file path=ppt/tags/tag358.xml><?xml version="1.0" encoding="utf-8"?>
+<p:tagLst xmlns:a="http://schemas.openxmlformats.org/drawingml/2006/main" xmlns:r="http://schemas.openxmlformats.org/officeDocument/2006/relationships" xmlns:p="http://schemas.openxmlformats.org/presentationml/2006/main">
+  <p:tag name="NUM" val="6"/>
+</p:tagLst>
+</file>
+
+<file path=ppt/tags/tag359.xml><?xml version="1.0" encoding="utf-8"?>
+<p:tagLst xmlns:a="http://schemas.openxmlformats.org/drawingml/2006/main" xmlns:r="http://schemas.openxmlformats.org/officeDocument/2006/relationships" xmlns:p="http://schemas.openxmlformats.org/presentationml/2006/main">
+  <p:tag name="NUM" val="7"/>
+</p:tagLst>
+</file>
+
+<file path=ppt/tags/tag36.xml><?xml version="1.0" encoding="utf-8"?>
+<p:tagLst xmlns:a="http://schemas.openxmlformats.org/drawingml/2006/main" xmlns:r="http://schemas.openxmlformats.org/officeDocument/2006/relationships" xmlns:p="http://schemas.openxmlformats.org/presentationml/2006/main">
+  <p:tag name="NUM" val="9"/>
+</p:tagLst>
+</file>
+
+<file path=ppt/tags/tag360.xml><?xml version="1.0" encoding="utf-8"?>
+<p:tagLst xmlns:a="http://schemas.openxmlformats.org/drawingml/2006/main" xmlns:r="http://schemas.openxmlformats.org/officeDocument/2006/relationships" xmlns:p="http://schemas.openxmlformats.org/presentationml/2006/main">
+  <p:tag name="NUM" val="8"/>
+</p:tagLst>
+</file>
+
+<file path=ppt/tags/tag361.xml><?xml version="1.0" encoding="utf-8"?>
+<p:tagLst xmlns:a="http://schemas.openxmlformats.org/drawingml/2006/main" xmlns:r="http://schemas.openxmlformats.org/officeDocument/2006/relationships" xmlns:p="http://schemas.openxmlformats.org/presentationml/2006/main">
+  <p:tag name="NUM" val="9"/>
+</p:tagLst>
+</file>
+
+<file path=ppt/tags/tag362.xml><?xml version="1.0" encoding="utf-8"?>
+<p:tagLst xmlns:a="http://schemas.openxmlformats.org/drawingml/2006/main" xmlns:r="http://schemas.openxmlformats.org/officeDocument/2006/relationships" xmlns:p="http://schemas.openxmlformats.org/presentationml/2006/main">
+  <p:tag name="NUM" val="10"/>
+</p:tagLst>
+</file>
+
+<file path=ppt/tags/tag363.xml><?xml version="1.0" encoding="utf-8"?>
+<p:tagLst xmlns:a="http://schemas.openxmlformats.org/drawingml/2006/main" xmlns:r="http://schemas.openxmlformats.org/officeDocument/2006/relationships" xmlns:p="http://schemas.openxmlformats.org/presentationml/2006/main">
+  <p:tag name="NUM" val="11"/>
+</p:tagLst>
+</file>
+
+<file path=ppt/tags/tag364.xml><?xml version="1.0" encoding="utf-8"?>
+<p:tagLst xmlns:a="http://schemas.openxmlformats.org/drawingml/2006/main" xmlns:r="http://schemas.openxmlformats.org/officeDocument/2006/relationships" xmlns:p="http://schemas.openxmlformats.org/presentationml/2006/main">
+  <p:tag name="NUM" val="12"/>
+</p:tagLst>
+</file>
+
+<file path=ppt/tags/tag365.xml><?xml version="1.0" encoding="utf-8"?>
+<p:tagLst xmlns:a="http://schemas.openxmlformats.org/drawingml/2006/main" xmlns:r="http://schemas.openxmlformats.org/officeDocument/2006/relationships" xmlns:p="http://schemas.openxmlformats.org/presentationml/2006/main">
+  <p:tag name="NUM" val="13"/>
+</p:tagLst>
+</file>
+
+<file path=ppt/tags/tag366.xml><?xml version="1.0" encoding="utf-8"?>
+<p:tagLst xmlns:a="http://schemas.openxmlformats.org/drawingml/2006/main" xmlns:r="http://schemas.openxmlformats.org/officeDocument/2006/relationships" xmlns:p="http://schemas.openxmlformats.org/presentationml/2006/main">
+  <p:tag name="NUM" val="14"/>
+</p:tagLst>
+</file>
+
+<file path=ppt/tags/tag367.xml><?xml version="1.0" encoding="utf-8"?>
+<p:tagLst xmlns:a="http://schemas.openxmlformats.org/drawingml/2006/main" xmlns:r="http://schemas.openxmlformats.org/officeDocument/2006/relationships" xmlns:p="http://schemas.openxmlformats.org/presentationml/2006/main">
+  <p:tag name="NUM" val="15"/>
+</p:tagLst>
+</file>
+
+<file path=ppt/tags/tag368.xml><?xml version="1.0" encoding="utf-8"?>
 <p:tagLst xmlns:a="http://schemas.openxmlformats.org/drawingml/2006/main" xmlns:r="http://schemas.openxmlformats.org/officeDocument/2006/relationships" xmlns:p="http://schemas.openxmlformats.org/presentationml/2006/main">
   <p:tag name="NUM" val="16"/>
 </p:tagLst>
 </file>
 
-<file path=ppt/tags/tag281.xml><?xml version="1.0" encoding="utf-8"?>
+<file path=ppt/tags/tag369.xml><?xml version="1.0" encoding="utf-8"?>
 <p:tagLst xmlns:a="http://schemas.openxmlformats.org/drawingml/2006/main" xmlns:r="http://schemas.openxmlformats.org/officeDocument/2006/relationships" xmlns:p="http://schemas.openxmlformats.org/presentationml/2006/main">
   <p:tag name="NUM" val="17"/>
 </p:tagLst>
 </file>
 
-<file path=ppt/tags/tag282.xml><?xml version="1.0" encoding="utf-8"?>
+<file path=ppt/tags/tag37.xml><?xml version="1.0" encoding="utf-8"?>
+<p:tagLst xmlns:a="http://schemas.openxmlformats.org/drawingml/2006/main" xmlns:r="http://schemas.openxmlformats.org/officeDocument/2006/relationships" xmlns:p="http://schemas.openxmlformats.org/presentationml/2006/main">
+  <p:tag name="NUM" val="10"/>
+</p:tagLst>
+</file>
+
+<file path=ppt/tags/tag370.xml><?xml version="1.0" encoding="utf-8"?>
 <p:tagLst xmlns:a="http://schemas.openxmlformats.org/drawingml/2006/main" xmlns:r="http://schemas.openxmlformats.org/officeDocument/2006/relationships" xmlns:p="http://schemas.openxmlformats.org/presentationml/2006/main">
   <p:tag name="NUM" val="18"/>
 </p:tagLst>
 </file>
 
-<file path=ppt/tags/tag283.xml><?xml version="1.0" encoding="utf-8"?>
+<file path=ppt/tags/tag371.xml><?xml version="1.0" encoding="utf-8"?>
 <p:tagLst xmlns:a="http://schemas.openxmlformats.org/drawingml/2006/main" xmlns:r="http://schemas.openxmlformats.org/officeDocument/2006/relationships" xmlns:p="http://schemas.openxmlformats.org/presentationml/2006/main">
   <p:tag name="NUM" val="19"/>
 </p:tagLst>
 </file>
 
-<file path=ppt/tags/tag284.xml><?xml version="1.0" encoding="utf-8"?>
+<file path=ppt/tags/tag372.xml><?xml version="1.0" encoding="utf-8"?>
 <p:tagLst xmlns:a="http://schemas.openxmlformats.org/drawingml/2006/main" xmlns:r="http://schemas.openxmlformats.org/officeDocument/2006/relationships" xmlns:p="http://schemas.openxmlformats.org/presentationml/2006/main">
   <p:tag name="NUM" val="20"/>
 </p:tagLst>
 </file>
 
-<file path=ppt/tags/tag285.xml><?xml version="1.0" encoding="utf-8"?>
+<file path=ppt/tags/tag373.xml><?xml version="1.0" encoding="utf-8"?>
 <p:tagLst xmlns:a="http://schemas.openxmlformats.org/drawingml/2006/main" xmlns:r="http://schemas.openxmlformats.org/officeDocument/2006/relationships" xmlns:p="http://schemas.openxmlformats.org/presentationml/2006/main">
   <p:tag name="NUM" val="21"/>
 </p:tagLst>
 </file>
 
-<file path=ppt/tags/tag286.xml><?xml version="1.0" encoding="utf-8"?>
+<file path=ppt/tags/tag374.xml><?xml version="1.0" encoding="utf-8"?>
 <p:tagLst xmlns:a="http://schemas.openxmlformats.org/drawingml/2006/main" xmlns:r="http://schemas.openxmlformats.org/officeDocument/2006/relationships" xmlns:p="http://schemas.openxmlformats.org/presentationml/2006/main">
   <p:tag name="NUM" val="22"/>
 </p:tagLst>
 </file>
 
-<file path=ppt/tags/tag287.xml><?xml version="1.0" encoding="utf-8"?>
+<file path=ppt/tags/tag375.xml><?xml version="1.0" encoding="utf-8"?>
 <p:tagLst xmlns:a="http://schemas.openxmlformats.org/drawingml/2006/main" xmlns:r="http://schemas.openxmlformats.org/officeDocument/2006/relationships" xmlns:p="http://schemas.openxmlformats.org/presentationml/2006/main">
   <p:tag name="NUM" val="23"/>
 </p:tagLst>
 </file>
 
-<file path=ppt/tags/tag288.xml><?xml version="1.0" encoding="utf-8"?>
+<file path=ppt/tags/tag376.xml><?xml version="1.0" encoding="utf-8"?>
 <p:tagLst xmlns:a="http://schemas.openxmlformats.org/drawingml/2006/main" xmlns:r="http://schemas.openxmlformats.org/officeDocument/2006/relationships" xmlns:p="http://schemas.openxmlformats.org/presentationml/2006/main">
   <p:tag name="NUM" val="24"/>
 </p:tagLst>
 </file>
 
-<file path=ppt/tags/tag289.xml><?xml version="1.0" encoding="utf-8"?>
+<file path=ppt/tags/tag377.xml><?xml version="1.0" encoding="utf-8"?>
 <p:tagLst xmlns:a="http://schemas.openxmlformats.org/drawingml/2006/main" xmlns:r="http://schemas.openxmlformats.org/officeDocument/2006/relationships" xmlns:p="http://schemas.openxmlformats.org/presentationml/2006/main">
   <p:tag name="NUM" val="25"/>
 </p:tagLst>
 </file>
 
-<file path=ppt/tags/tag29.xml><?xml version="1.0" encoding="utf-8"?>
+<file path=ppt/tags/tag378.xml><?xml version="1.0" encoding="utf-8"?>
+<p:tagLst xmlns:a="http://schemas.openxmlformats.org/drawingml/2006/main" xmlns:r="http://schemas.openxmlformats.org/officeDocument/2006/relationships" xmlns:p="http://schemas.openxmlformats.org/presentationml/2006/main">
+  <p:tag name="NUM" val="26"/>
+</p:tagLst>
+</file>
+
+<file path=ppt/tags/tag379.xml><?xml version="1.0" encoding="utf-8"?>
+<p:tagLst xmlns:a="http://schemas.openxmlformats.org/drawingml/2006/main" xmlns:r="http://schemas.openxmlformats.org/officeDocument/2006/relationships" xmlns:p="http://schemas.openxmlformats.org/presentationml/2006/main">
+  <p:tag name="NUM" val="27"/>
+</p:tagLst>
+</file>
+
+<file path=ppt/tags/tag38.xml><?xml version="1.0" encoding="utf-8"?>
+<p:tagLst xmlns:a="http://schemas.openxmlformats.org/drawingml/2006/main" xmlns:r="http://schemas.openxmlformats.org/officeDocument/2006/relationships" xmlns:p="http://schemas.openxmlformats.org/presentationml/2006/main">
+  <p:tag name="NUM" val="11"/>
+</p:tagLst>
+</file>
+
+<file path=ppt/tags/tag380.xml><?xml version="1.0" encoding="utf-8"?>
+<p:tagLst xmlns:a="http://schemas.openxmlformats.org/drawingml/2006/main" xmlns:r="http://schemas.openxmlformats.org/officeDocument/2006/relationships" xmlns:p="http://schemas.openxmlformats.org/presentationml/2006/main">
+  <p:tag name="NUM" val="28"/>
+</p:tagLst>
+</file>
+
+<file path=ppt/tags/tag381.xml><?xml version="1.0" encoding="utf-8"?>
+<p:tagLst xmlns:a="http://schemas.openxmlformats.org/drawingml/2006/main" xmlns:r="http://schemas.openxmlformats.org/officeDocument/2006/relationships" xmlns:p="http://schemas.openxmlformats.org/presentationml/2006/main">
+  <p:tag name="NUM" val="29"/>
+</p:tagLst>
+</file>
+
+<file path=ppt/tags/tag382.xml><?xml version="1.0" encoding="utf-8"?>
+<p:tagLst xmlns:a="http://schemas.openxmlformats.org/drawingml/2006/main" xmlns:r="http://schemas.openxmlformats.org/officeDocument/2006/relationships" xmlns:p="http://schemas.openxmlformats.org/presentationml/2006/main">
+  <p:tag name="NUM" val="30"/>
+</p:tagLst>
+</file>
+
+<file path=ppt/tags/tag383.xml><?xml version="1.0" encoding="utf-8"?>
+<p:tagLst xmlns:a="http://schemas.openxmlformats.org/drawingml/2006/main" xmlns:r="http://schemas.openxmlformats.org/officeDocument/2006/relationships" xmlns:p="http://schemas.openxmlformats.org/presentationml/2006/main">
+  <p:tag name="NUM" val="31"/>
+</p:tagLst>
+</file>
+
+<file path=ppt/tags/tag384.xml><?xml version="1.0" encoding="utf-8"?>
+<p:tagLst xmlns:a="http://schemas.openxmlformats.org/drawingml/2006/main" xmlns:r="http://schemas.openxmlformats.org/officeDocument/2006/relationships" xmlns:p="http://schemas.openxmlformats.org/presentationml/2006/main">
+  <p:tag name="NUM" val="32"/>
+</p:tagLst>
+</file>
+
+<file path=ppt/tags/tag39.xml><?xml version="1.0" encoding="utf-8"?>
+<p:tagLst xmlns:a="http://schemas.openxmlformats.org/drawingml/2006/main" xmlns:r="http://schemas.openxmlformats.org/officeDocument/2006/relationships" xmlns:p="http://schemas.openxmlformats.org/presentationml/2006/main">
+  <p:tag name="NUM" val="12"/>
+</p:tagLst>
+</file>
+
+<file path=ppt/tags/tag4.xml><?xml version="1.0" encoding="utf-8"?>
+<p:tagLst xmlns:a="http://schemas.openxmlformats.org/drawingml/2006/main" xmlns:r="http://schemas.openxmlformats.org/officeDocument/2006/relationships" xmlns:p="http://schemas.openxmlformats.org/presentationml/2006/main">
+  <p:tag name="NUM" val="4"/>
+</p:tagLst>
+</file>
+
+<file path=ppt/tags/tag40.xml><?xml version="1.0" encoding="utf-8"?>
+<p:tagLst xmlns:a="http://schemas.openxmlformats.org/drawingml/2006/main" xmlns:r="http://schemas.openxmlformats.org/officeDocument/2006/relationships" xmlns:p="http://schemas.openxmlformats.org/presentationml/2006/main">
+  <p:tag name="NUM" val="13"/>
+</p:tagLst>
+</file>
+
+<file path=ppt/tags/tag41.xml><?xml version="1.0" encoding="utf-8"?>
+<p:tagLst xmlns:a="http://schemas.openxmlformats.org/drawingml/2006/main" xmlns:r="http://schemas.openxmlformats.org/officeDocument/2006/relationships" xmlns:p="http://schemas.openxmlformats.org/presentationml/2006/main">
+  <p:tag name="NUM" val="14"/>
+</p:tagLst>
+</file>
+
+<file path=ppt/tags/tag42.xml><?xml version="1.0" encoding="utf-8"?>
+<p:tagLst xmlns:a="http://schemas.openxmlformats.org/drawingml/2006/main" xmlns:r="http://schemas.openxmlformats.org/officeDocument/2006/relationships" xmlns:p="http://schemas.openxmlformats.org/presentationml/2006/main">
+  <p:tag name="NUM" val="15"/>
+</p:tagLst>
+</file>
+
+<file path=ppt/tags/tag43.xml><?xml version="1.0" encoding="utf-8"?>
+<p:tagLst xmlns:a="http://schemas.openxmlformats.org/drawingml/2006/main" xmlns:r="http://schemas.openxmlformats.org/officeDocument/2006/relationships" xmlns:p="http://schemas.openxmlformats.org/presentationml/2006/main">
+  <p:tag name="NUM" val="16"/>
+</p:tagLst>
+</file>
+
+<file path=ppt/tags/tag44.xml><?xml version="1.0" encoding="utf-8"?>
+<p:tagLst xmlns:a="http://schemas.openxmlformats.org/drawingml/2006/main" xmlns:r="http://schemas.openxmlformats.org/officeDocument/2006/relationships" xmlns:p="http://schemas.openxmlformats.org/presentationml/2006/main">
+  <p:tag name="NUM" val="17"/>
+</p:tagLst>
+</file>
+
+<file path=ppt/tags/tag45.xml><?xml version="1.0" encoding="utf-8"?>
+<p:tagLst xmlns:a="http://schemas.openxmlformats.org/drawingml/2006/main" xmlns:r="http://schemas.openxmlformats.org/officeDocument/2006/relationships" xmlns:p="http://schemas.openxmlformats.org/presentationml/2006/main">
+  <p:tag name="NUM" val="18"/>
+</p:tagLst>
+</file>
+
+<file path=ppt/tags/tag46.xml><?xml version="1.0" encoding="utf-8"?>
+<p:tagLst xmlns:a="http://schemas.openxmlformats.org/drawingml/2006/main" xmlns:r="http://schemas.openxmlformats.org/officeDocument/2006/relationships" xmlns:p="http://schemas.openxmlformats.org/presentationml/2006/main">
+  <p:tag name="NUM" val="19"/>
+</p:tagLst>
+</file>
+
+<file path=ppt/tags/tag47.xml><?xml version="1.0" encoding="utf-8"?>
+<p:tagLst xmlns:a="http://schemas.openxmlformats.org/drawingml/2006/main" xmlns:r="http://schemas.openxmlformats.org/officeDocument/2006/relationships" xmlns:p="http://schemas.openxmlformats.org/presentationml/2006/main">
+  <p:tag name="NUM" val="20"/>
+</p:tagLst>
+</file>
+
+<file path=ppt/tags/tag48.xml><?xml version="1.0" encoding="utf-8"?>
+<p:tagLst xmlns:a="http://schemas.openxmlformats.org/drawingml/2006/main" xmlns:r="http://schemas.openxmlformats.org/officeDocument/2006/relationships" xmlns:p="http://schemas.openxmlformats.org/presentationml/2006/main">
+  <p:tag name="NUM" val="21"/>
+</p:tagLst>
+</file>
+
+<file path=ppt/tags/tag49.xml><?xml version="1.0" encoding="utf-8"?>
+<p:tagLst xmlns:a="http://schemas.openxmlformats.org/drawingml/2006/main" xmlns:r="http://schemas.openxmlformats.org/officeDocument/2006/relationships" xmlns:p="http://schemas.openxmlformats.org/presentationml/2006/main">
+  <p:tag name="NUM" val="22"/>
+</p:tagLst>
+</file>
+
+<file path=ppt/tags/tag5.xml><?xml version="1.0" encoding="utf-8"?>
+<p:tagLst xmlns:a="http://schemas.openxmlformats.org/drawingml/2006/main" xmlns:r="http://schemas.openxmlformats.org/officeDocument/2006/relationships" xmlns:p="http://schemas.openxmlformats.org/presentationml/2006/main">
+  <p:tag name="NUM" val="5"/>
+</p:tagLst>
+</file>
+
+<file path=ppt/tags/tag50.xml><?xml version="1.0" encoding="utf-8"?>
+<p:tagLst xmlns:a="http://schemas.openxmlformats.org/drawingml/2006/main" xmlns:r="http://schemas.openxmlformats.org/officeDocument/2006/relationships" xmlns:p="http://schemas.openxmlformats.org/presentationml/2006/main">
+  <p:tag name="NUM" val="23"/>
+</p:tagLst>
+</file>
+
+<file path=ppt/tags/tag51.xml><?xml version="1.0" encoding="utf-8"?>
+<p:tagLst xmlns:a="http://schemas.openxmlformats.org/drawingml/2006/main" xmlns:r="http://schemas.openxmlformats.org/officeDocument/2006/relationships" xmlns:p="http://schemas.openxmlformats.org/presentationml/2006/main">
+  <p:tag name="NUM" val="24"/>
+</p:tagLst>
+</file>
+
+<file path=ppt/tags/tag52.xml><?xml version="1.0" encoding="utf-8"?>
+<p:tagLst xmlns:a="http://schemas.openxmlformats.org/drawingml/2006/main" xmlns:r="http://schemas.openxmlformats.org/officeDocument/2006/relationships" xmlns:p="http://schemas.openxmlformats.org/presentationml/2006/main">
+  <p:tag name="NUM" val="25"/>
+</p:tagLst>
+</file>
+
+<file path=ppt/tags/tag53.xml><?xml version="1.0" encoding="utf-8"?>
+<p:tagLst xmlns:a="http://schemas.openxmlformats.org/drawingml/2006/main" xmlns:r="http://schemas.openxmlformats.org/officeDocument/2006/relationships" xmlns:p="http://schemas.openxmlformats.org/presentationml/2006/main">
+  <p:tag name="NUM" val="26"/>
+</p:tagLst>
+</file>
+
+<file path=ppt/tags/tag54.xml><?xml version="1.0" encoding="utf-8"?>
+<p:tagLst xmlns:a="http://schemas.openxmlformats.org/drawingml/2006/main" xmlns:r="http://schemas.openxmlformats.org/officeDocument/2006/relationships" xmlns:p="http://schemas.openxmlformats.org/presentationml/2006/main">
+  <p:tag name="NUM" val="28"/>
+</p:tagLst>
+</file>
+
+<file path=ppt/tags/tag55.xml><?xml version="1.0" encoding="utf-8"?>
+<p:tagLst xmlns:a="http://schemas.openxmlformats.org/drawingml/2006/main" xmlns:r="http://schemas.openxmlformats.org/officeDocument/2006/relationships" xmlns:p="http://schemas.openxmlformats.org/presentationml/2006/main">
+  <p:tag name="NUM" val="29"/>
+</p:tagLst>
+</file>
+
+<file path=ppt/tags/tag56.xml><?xml version="1.0" encoding="utf-8"?>
+<p:tagLst xmlns:a="http://schemas.openxmlformats.org/drawingml/2006/main" xmlns:r="http://schemas.openxmlformats.org/officeDocument/2006/relationships" xmlns:p="http://schemas.openxmlformats.org/presentationml/2006/main">
+  <p:tag name="NUM" val="30"/>
+</p:tagLst>
+</file>
+
+<file path=ppt/tags/tag57.xml><?xml version="1.0" encoding="utf-8"?>
+<p:tagLst xmlns:a="http://schemas.openxmlformats.org/drawingml/2006/main" xmlns:r="http://schemas.openxmlformats.org/officeDocument/2006/relationships" xmlns:p="http://schemas.openxmlformats.org/presentationml/2006/main">
+  <p:tag name="NUM" val="31"/>
+</p:tagLst>
+</file>
+
+<file path=ppt/tags/tag58.xml><?xml version="1.0" encoding="utf-8"?>
+<p:tagLst xmlns:a="http://schemas.openxmlformats.org/drawingml/2006/main" xmlns:r="http://schemas.openxmlformats.org/officeDocument/2006/relationships" xmlns:p="http://schemas.openxmlformats.org/presentationml/2006/main">
+  <p:tag name="NUM" val="32"/>
+</p:tagLst>
+</file>
+
+<file path=ppt/tags/tag59.xml><?xml version="1.0" encoding="utf-8"?>
+<p:tagLst xmlns:a="http://schemas.openxmlformats.org/drawingml/2006/main" xmlns:r="http://schemas.openxmlformats.org/officeDocument/2006/relationships" xmlns:p="http://schemas.openxmlformats.org/presentationml/2006/main">
+  <p:tag name="NUM" val="1"/>
+</p:tagLst>
+</file>
+
+<file path=ppt/tags/tag6.xml><?xml version="1.0" encoding="utf-8"?>
+<p:tagLst xmlns:a="http://schemas.openxmlformats.org/drawingml/2006/main" xmlns:r="http://schemas.openxmlformats.org/officeDocument/2006/relationships" xmlns:p="http://schemas.openxmlformats.org/presentationml/2006/main">
+  <p:tag name="NUM" val="6"/>
+</p:tagLst>
+</file>
+
+<file path=ppt/tags/tag60.xml><?xml version="1.0" encoding="utf-8"?>
 <p:tagLst xmlns:a="http://schemas.openxmlformats.org/drawingml/2006/main" xmlns:r="http://schemas.openxmlformats.org/officeDocument/2006/relationships" xmlns:p="http://schemas.openxmlformats.org/presentationml/2006/main">
   <p:tag name="NUM" val="2"/>
 </p:tagLst>
 </file>
 
-<file path=ppt/tags/tag290.xml><?xml version="1.0" encoding="utf-8"?>
+<file path=ppt/tags/tag61.xml><?xml version="1.0" encoding="utf-8"?>
+<p:tagLst xmlns:a="http://schemas.openxmlformats.org/drawingml/2006/main" xmlns:r="http://schemas.openxmlformats.org/officeDocument/2006/relationships" xmlns:p="http://schemas.openxmlformats.org/presentationml/2006/main">
+  <p:tag name="NUM" val="3"/>
+</p:tagLst>
+</file>
+
+<file path=ppt/tags/tag62.xml><?xml version="1.0" encoding="utf-8"?>
+<p:tagLst xmlns:a="http://schemas.openxmlformats.org/drawingml/2006/main" xmlns:r="http://schemas.openxmlformats.org/officeDocument/2006/relationships" xmlns:p="http://schemas.openxmlformats.org/presentationml/2006/main">
+  <p:tag name="NUM" val="4"/>
+</p:tagLst>
+</file>
+
+<file path=ppt/tags/tag63.xml><?xml version="1.0" encoding="utf-8"?>
+<p:tagLst xmlns:a="http://schemas.openxmlformats.org/drawingml/2006/main" xmlns:r="http://schemas.openxmlformats.org/officeDocument/2006/relationships" xmlns:p="http://schemas.openxmlformats.org/presentationml/2006/main">
+  <p:tag name="NUM" val="5"/>
+</p:tagLst>
+</file>
+
+<file path=ppt/tags/tag64.xml><?xml version="1.0" encoding="utf-8"?>
+<p:tagLst xmlns:a="http://schemas.openxmlformats.org/drawingml/2006/main" xmlns:r="http://schemas.openxmlformats.org/officeDocument/2006/relationships" xmlns:p="http://schemas.openxmlformats.org/presentationml/2006/main">
+  <p:tag name="NUM" val="6"/>
+</p:tagLst>
+</file>
+
+<file path=ppt/tags/tag65.xml><?xml version="1.0" encoding="utf-8"?>
+<p:tagLst xmlns:a="http://schemas.openxmlformats.org/drawingml/2006/main" xmlns:r="http://schemas.openxmlformats.org/officeDocument/2006/relationships" xmlns:p="http://schemas.openxmlformats.org/presentationml/2006/main">
+  <p:tag name="NUM" val="7"/>
+</p:tagLst>
+</file>
+
+<file path=ppt/tags/tag66.xml><?xml version="1.0" encoding="utf-8"?>
+<p:tagLst xmlns:a="http://schemas.openxmlformats.org/drawingml/2006/main" xmlns:r="http://schemas.openxmlformats.org/officeDocument/2006/relationships" xmlns:p="http://schemas.openxmlformats.org/presentationml/2006/main">
+  <p:tag name="NUM" val="8"/>
+</p:tagLst>
+</file>
+
+<file path=ppt/tags/tag67.xml><?xml version="1.0" encoding="utf-8"?>
+<p:tagLst xmlns:a="http://schemas.openxmlformats.org/drawingml/2006/main" xmlns:r="http://schemas.openxmlformats.org/officeDocument/2006/relationships" xmlns:p="http://schemas.openxmlformats.org/presentationml/2006/main">
+  <p:tag name="NUM" val="9"/>
+</p:tagLst>
+</file>
+
+<file path=ppt/tags/tag68.xml><?xml version="1.0" encoding="utf-8"?>
+<p:tagLst xmlns:a="http://schemas.openxmlformats.org/drawingml/2006/main" xmlns:r="http://schemas.openxmlformats.org/officeDocument/2006/relationships" xmlns:p="http://schemas.openxmlformats.org/presentationml/2006/main">
+  <p:tag name="NUM" val="10"/>
+</p:tagLst>
+</file>
+
+<file path=ppt/tags/tag69.xml><?xml version="1.0" encoding="utf-8"?>
+<p:tagLst xmlns:a="http://schemas.openxmlformats.org/drawingml/2006/main" xmlns:r="http://schemas.openxmlformats.org/officeDocument/2006/relationships" xmlns:p="http://schemas.openxmlformats.org/presentationml/2006/main">
+  <p:tag name="NUM" val="11"/>
+</p:tagLst>
+</file>
+
+<file path=ppt/tags/tag7.xml><?xml version="1.0" encoding="utf-8"?>
+<p:tagLst xmlns:a="http://schemas.openxmlformats.org/drawingml/2006/main" xmlns:r="http://schemas.openxmlformats.org/officeDocument/2006/relationships" xmlns:p="http://schemas.openxmlformats.org/presentationml/2006/main">
+  <p:tag name="NUM" val="7"/>
+</p:tagLst>
+</file>
+
+<file path=ppt/tags/tag70.xml><?xml version="1.0" encoding="utf-8"?>
+<p:tagLst xmlns:a="http://schemas.openxmlformats.org/drawingml/2006/main" xmlns:r="http://schemas.openxmlformats.org/officeDocument/2006/relationships" xmlns:p="http://schemas.openxmlformats.org/presentationml/2006/main">
+  <p:tag name="NUM" val="12"/>
+</p:tagLst>
+</file>
+
+<file path=ppt/tags/tag71.xml><?xml version="1.0" encoding="utf-8"?>
+<p:tagLst xmlns:a="http://schemas.openxmlformats.org/drawingml/2006/main" xmlns:r="http://schemas.openxmlformats.org/officeDocument/2006/relationships" xmlns:p="http://schemas.openxmlformats.org/presentationml/2006/main">
+  <p:tag name="NUM" val="13"/>
+</p:tagLst>
+</file>
+
+<file path=ppt/tags/tag72.xml><?xml version="1.0" encoding="utf-8"?>
+<p:tagLst xmlns:a="http://schemas.openxmlformats.org/drawingml/2006/main" xmlns:r="http://schemas.openxmlformats.org/officeDocument/2006/relationships" xmlns:p="http://schemas.openxmlformats.org/presentationml/2006/main">
+  <p:tag name="NUM" val="14"/>
+</p:tagLst>
+</file>
+
+<file path=ppt/tags/tag73.xml><?xml version="1.0" encoding="utf-8"?>
+<p:tagLst xmlns:a="http://schemas.openxmlformats.org/drawingml/2006/main" xmlns:r="http://schemas.openxmlformats.org/officeDocument/2006/relationships" xmlns:p="http://schemas.openxmlformats.org/presentationml/2006/main">
+  <p:tag name="NUM" val="15"/>
+</p:tagLst>
+</file>
+
+<file path=ppt/tags/tag74.xml><?xml version="1.0" encoding="utf-8"?>
+<p:tagLst xmlns:a="http://schemas.openxmlformats.org/drawingml/2006/main" xmlns:r="http://schemas.openxmlformats.org/officeDocument/2006/relationships" xmlns:p="http://schemas.openxmlformats.org/presentationml/2006/main">
+  <p:tag name="NUM" val="16"/>
+</p:tagLst>
+</file>
+
+<file path=ppt/tags/tag75.xml><?xml version="1.0" encoding="utf-8"?>
+<p:tagLst xmlns:a="http://schemas.openxmlformats.org/drawingml/2006/main" xmlns:r="http://schemas.openxmlformats.org/officeDocument/2006/relationships" xmlns:p="http://schemas.openxmlformats.org/presentationml/2006/main">
+  <p:tag name="NUM" val="17"/>
+</p:tagLst>
+</file>
+
+<file path=ppt/tags/tag76.xml><?xml version="1.0" encoding="utf-8"?>
+<p:tagLst xmlns:a="http://schemas.openxmlformats.org/drawingml/2006/main" xmlns:r="http://schemas.openxmlformats.org/officeDocument/2006/relationships" xmlns:p="http://schemas.openxmlformats.org/presentationml/2006/main">
+  <p:tag name="NUM" val="18"/>
+</p:tagLst>
+</file>
+
+<file path=ppt/tags/tag77.xml><?xml version="1.0" encoding="utf-8"?>
+<p:tagLst xmlns:a="http://schemas.openxmlformats.org/drawingml/2006/main" xmlns:r="http://schemas.openxmlformats.org/officeDocument/2006/relationships" xmlns:p="http://schemas.openxmlformats.org/presentationml/2006/main">
+  <p:tag name="NUM" val="19"/>
+</p:tagLst>
+</file>
+
+<file path=ppt/tags/tag78.xml><?xml version="1.0" encoding="utf-8"?>
+<p:tagLst xmlns:a="http://schemas.openxmlformats.org/drawingml/2006/main" xmlns:r="http://schemas.openxmlformats.org/officeDocument/2006/relationships" xmlns:p="http://schemas.openxmlformats.org/presentationml/2006/main">
+  <p:tag name="NUM" val="20"/>
+</p:tagLst>
+</file>
+
+<file path=ppt/tags/tag79.xml><?xml version="1.0" encoding="utf-8"?>
+<p:tagLst xmlns:a="http://schemas.openxmlformats.org/drawingml/2006/main" xmlns:r="http://schemas.openxmlformats.org/officeDocument/2006/relationships" xmlns:p="http://schemas.openxmlformats.org/presentationml/2006/main">
+  <p:tag name="NUM" val="21"/>
+</p:tagLst>
+</file>
+
+<file path=ppt/tags/tag8.xml><?xml version="1.0" encoding="utf-8"?>
+<p:tagLst xmlns:a="http://schemas.openxmlformats.org/drawingml/2006/main" xmlns:r="http://schemas.openxmlformats.org/officeDocument/2006/relationships" xmlns:p="http://schemas.openxmlformats.org/presentationml/2006/main">
+  <p:tag name="NUM" val="8"/>
+</p:tagLst>
+</file>
+
+<file path=ppt/tags/tag80.xml><?xml version="1.0" encoding="utf-8"?>
+<p:tagLst xmlns:a="http://schemas.openxmlformats.org/drawingml/2006/main" xmlns:r="http://schemas.openxmlformats.org/officeDocument/2006/relationships" xmlns:p="http://schemas.openxmlformats.org/presentationml/2006/main">
+  <p:tag name="NUM" val="22"/>
+</p:tagLst>
+</file>
+
+<file path=ppt/tags/tag81.xml><?xml version="1.0" encoding="utf-8"?>
+<p:tagLst xmlns:a="http://schemas.openxmlformats.org/drawingml/2006/main" xmlns:r="http://schemas.openxmlformats.org/officeDocument/2006/relationships" xmlns:p="http://schemas.openxmlformats.org/presentationml/2006/main">
+  <p:tag name="NUM" val="23"/>
+</p:tagLst>
+</file>
+
+<file path=ppt/tags/tag82.xml><?xml version="1.0" encoding="utf-8"?>
+<p:tagLst xmlns:a="http://schemas.openxmlformats.org/drawingml/2006/main" xmlns:r="http://schemas.openxmlformats.org/officeDocument/2006/relationships" xmlns:p="http://schemas.openxmlformats.org/presentationml/2006/main">
+  <p:tag name="NUM" val="24"/>
+</p:tagLst>
+</file>
+
+<file path=ppt/tags/tag83.xml><?xml version="1.0" encoding="utf-8"?>
+<p:tagLst xmlns:a="http://schemas.openxmlformats.org/drawingml/2006/main" xmlns:r="http://schemas.openxmlformats.org/officeDocument/2006/relationships" xmlns:p="http://schemas.openxmlformats.org/presentationml/2006/main">
+  <p:tag name="NUM" val="25"/>
+</p:tagLst>
+</file>
+
+<file path=ppt/tags/tag84.xml><?xml version="1.0" encoding="utf-8"?>
 <p:tagLst xmlns:a="http://schemas.openxmlformats.org/drawingml/2006/main" xmlns:r="http://schemas.openxmlformats.org/officeDocument/2006/relationships" xmlns:p="http://schemas.openxmlformats.org/presentationml/2006/main">
   <p:tag name="NUM" val="26"/>
 </p:tagLst>
 </file>
 
-<file path=ppt/tags/tag291.xml><?xml version="1.0" encoding="utf-8"?>
+<file path=ppt/tags/tag85.xml><?xml version="1.0" encoding="utf-8"?>
+<p:tagLst xmlns:a="http://schemas.openxmlformats.org/drawingml/2006/main" xmlns:r="http://schemas.openxmlformats.org/officeDocument/2006/relationships" xmlns:p="http://schemas.openxmlformats.org/presentationml/2006/main">
+  <p:tag name="NUM" val="29"/>
+</p:tagLst>
+</file>
+
+<file path=ppt/tags/tag86.xml><?xml version="1.0" encoding="utf-8"?>
+<p:tagLst xmlns:a="http://schemas.openxmlformats.org/drawingml/2006/main" xmlns:r="http://schemas.openxmlformats.org/officeDocument/2006/relationships" xmlns:p="http://schemas.openxmlformats.org/presentationml/2006/main">
+  <p:tag name="NUM" val="30"/>
+</p:tagLst>
+</file>
+
+<file path=ppt/tags/tag87.xml><?xml version="1.0" encoding="utf-8"?>
+<p:tagLst xmlns:a="http://schemas.openxmlformats.org/drawingml/2006/main" xmlns:r="http://schemas.openxmlformats.org/officeDocument/2006/relationships" xmlns:p="http://schemas.openxmlformats.org/presentationml/2006/main">
+  <p:tag name="NUM" val="31"/>
+</p:tagLst>
+</file>
+
+<file path=ppt/tags/tag88.xml><?xml version="1.0" encoding="utf-8"?>
+<p:tagLst xmlns:a="http://schemas.openxmlformats.org/drawingml/2006/main" xmlns:r="http://schemas.openxmlformats.org/officeDocument/2006/relationships" xmlns:p="http://schemas.openxmlformats.org/presentationml/2006/main">
+  <p:tag name="NUM" val="32"/>
+</p:tagLst>
+</file>
+
+<file path=ppt/tags/tag89.xml><?xml version="1.0" encoding="utf-8"?>
 <p:tagLst xmlns:a="http://schemas.openxmlformats.org/drawingml/2006/main" xmlns:r="http://schemas.openxmlformats.org/officeDocument/2006/relationships" xmlns:p="http://schemas.openxmlformats.org/presentationml/2006/main">
   <p:tag name="NUM" val="27"/>
-</p:tagLst>
-</file>
-
-<file path=ppt/tags/tag292.xml><?xml version="1.0" encoding="utf-8"?>
-<p:tagLst xmlns:a="http://schemas.openxmlformats.org/drawingml/2006/main" xmlns:r="http://schemas.openxmlformats.org/officeDocument/2006/relationships" xmlns:p="http://schemas.openxmlformats.org/presentationml/2006/main">
-  <p:tag name="NUM" val="28"/>
-</p:tagLst>
-</file>
-
-<file path=ppt/tags/tag293.xml><?xml version="1.0" encoding="utf-8"?>
-<p:tagLst xmlns:a="http://schemas.openxmlformats.org/drawingml/2006/main" xmlns:r="http://schemas.openxmlformats.org/officeDocument/2006/relationships" xmlns:p="http://schemas.openxmlformats.org/presentationml/2006/main">
-  <p:tag name="NUM" val="29"/>
-</p:tagLst>
-</file>
-
-<file path=ppt/tags/tag294.xml><?xml version="1.0" encoding="utf-8"?>
-<p:tagLst xmlns:a="http://schemas.openxmlformats.org/drawingml/2006/main" xmlns:r="http://schemas.openxmlformats.org/officeDocument/2006/relationships" xmlns:p="http://schemas.openxmlformats.org/presentationml/2006/main">
-  <p:tag name="NUM" val="30"/>
-</p:tagLst>
-</file>
-
-<file path=ppt/tags/tag295.xml><?xml version="1.0" encoding="utf-8"?>
-<p:tagLst xmlns:a="http://schemas.openxmlformats.org/drawingml/2006/main" xmlns:r="http://schemas.openxmlformats.org/officeDocument/2006/relationships" xmlns:p="http://schemas.openxmlformats.org/presentationml/2006/main">
-  <p:tag name="NUM" val="31"/>
-</p:tagLst>
-</file>
-
-<file path=ppt/tags/tag296.xml><?xml version="1.0" encoding="utf-8"?>
-<p:tagLst xmlns:a="http://schemas.openxmlformats.org/drawingml/2006/main" xmlns:r="http://schemas.openxmlformats.org/officeDocument/2006/relationships" xmlns:p="http://schemas.openxmlformats.org/presentationml/2006/main">
-  <p:tag name="NUM" val="32"/>
-</p:tagLst>
-</file>
-
-<file path=ppt/tags/tag297.xml><?xml version="1.0" encoding="utf-8"?>
-<p:tagLst xmlns:a="http://schemas.openxmlformats.org/drawingml/2006/main" xmlns:r="http://schemas.openxmlformats.org/officeDocument/2006/relationships" xmlns:p="http://schemas.openxmlformats.org/presentationml/2006/main">
-  <p:tag name="NUM" val="33"/>
-</p:tagLst>
-</file>
-
-<file path=ppt/tags/tag298.xml><?xml version="1.0" encoding="utf-8"?>
-<p:tagLst xmlns:a="http://schemas.openxmlformats.org/drawingml/2006/main" xmlns:r="http://schemas.openxmlformats.org/officeDocument/2006/relationships" xmlns:p="http://schemas.openxmlformats.org/presentationml/2006/main">
-  <p:tag name="NUM" val="34"/>
-</p:tagLst>
-</file>
-
-<file path=ppt/tags/tag299.xml><?xml version="1.0" encoding="utf-8"?>
-<p:tagLst xmlns:a="http://schemas.openxmlformats.org/drawingml/2006/main" xmlns:r="http://schemas.openxmlformats.org/officeDocument/2006/relationships" xmlns:p="http://schemas.openxmlformats.org/presentationml/2006/main">
-  <p:tag name="NUM" val="35"/>
-</p:tagLst>
-</file>
-
-<file path=ppt/tags/tag3.xml><?xml version="1.0" encoding="utf-8"?>
-<p:tagLst xmlns:a="http://schemas.openxmlformats.org/drawingml/2006/main" xmlns:r="http://schemas.openxmlformats.org/officeDocument/2006/relationships" xmlns:p="http://schemas.openxmlformats.org/presentationml/2006/main">
-  <p:tag name="NUM" val="3"/>
-</p:tagLst>
-</file>
-
-<file path=ppt/tags/tag30.xml><?xml version="1.0" encoding="utf-8"?>
-<p:tagLst xmlns:a="http://schemas.openxmlformats.org/drawingml/2006/main" xmlns:r="http://schemas.openxmlformats.org/officeDocument/2006/relationships" xmlns:p="http://schemas.openxmlformats.org/presentationml/2006/main">
-  <p:tag name="NUM" val="3"/>
-</p:tagLst>
-</file>
-
-<file path=ppt/tags/tag300.xml><?xml version="1.0" encoding="utf-8"?>
-<p:tagLst xmlns:a="http://schemas.openxmlformats.org/drawingml/2006/main" xmlns:r="http://schemas.openxmlformats.org/officeDocument/2006/relationships" xmlns:p="http://schemas.openxmlformats.org/presentationml/2006/main">
-  <p:tag name="NUM" val="36"/>
-</p:tagLst>
-</file>
-
-<file path=ppt/tags/tag301.xml><?xml version="1.0" encoding="utf-8"?>
-<p:tagLst xmlns:a="http://schemas.openxmlformats.org/drawingml/2006/main" xmlns:r="http://schemas.openxmlformats.org/officeDocument/2006/relationships" xmlns:p="http://schemas.openxmlformats.org/presentationml/2006/main">
-  <p:tag name="NUM" val="37"/>
-</p:tagLst>
-</file>
-
-<file path=ppt/tags/tag302.xml><?xml version="1.0" encoding="utf-8"?>
-<p:tagLst xmlns:a="http://schemas.openxmlformats.org/drawingml/2006/main" xmlns:r="http://schemas.openxmlformats.org/officeDocument/2006/relationships" xmlns:p="http://schemas.openxmlformats.org/presentationml/2006/main">
-  <p:tag name="NUM" val="38"/>
-</p:tagLst>
-</file>
-
-<file path=ppt/tags/tag303.xml><?xml version="1.0" encoding="utf-8"?>
-<p:tagLst xmlns:a="http://schemas.openxmlformats.org/drawingml/2006/main" xmlns:r="http://schemas.openxmlformats.org/officeDocument/2006/relationships" xmlns:p="http://schemas.openxmlformats.org/presentationml/2006/main">
-  <p:tag name="NUM" val="39"/>
-</p:tagLst>
-</file>
-
-<file path=ppt/tags/tag304.xml><?xml version="1.0" encoding="utf-8"?>
-<p:tagLst xmlns:a="http://schemas.openxmlformats.org/drawingml/2006/main" xmlns:r="http://schemas.openxmlformats.org/officeDocument/2006/relationships" xmlns:p="http://schemas.openxmlformats.org/presentationml/2006/main">
-  <p:tag name="NUM" val="1"/>
-</p:tagLst>
-</file>
-
-<file path=ppt/tags/tag305.xml><?xml version="1.0" encoding="utf-8"?>
-<p:tagLst xmlns:a="http://schemas.openxmlformats.org/drawingml/2006/main" xmlns:r="http://schemas.openxmlformats.org/officeDocument/2006/relationships" xmlns:p="http://schemas.openxmlformats.org/presentationml/2006/main">
-  <p:tag name="NUM" val="2"/>
-</p:tagLst>
-</file>
-
-<file path=ppt/tags/tag306.xml><?xml version="1.0" encoding="utf-8"?>
-<p:tagLst xmlns:a="http://schemas.openxmlformats.org/drawingml/2006/main" xmlns:r="http://schemas.openxmlformats.org/officeDocument/2006/relationships" xmlns:p="http://schemas.openxmlformats.org/presentationml/2006/main">
-  <p:tag name="NUM" val="3"/>
-</p:tagLst>
-</file>
-
-<file path=ppt/tags/tag307.xml><?xml version="1.0" encoding="utf-8"?>
-<p:tagLst xmlns:a="http://schemas.openxmlformats.org/drawingml/2006/main" xmlns:r="http://schemas.openxmlformats.org/officeDocument/2006/relationships" xmlns:p="http://schemas.openxmlformats.org/presentationml/2006/main">
-  <p:tag name="NUM" val="4"/>
-</p:tagLst>
-</file>
-
-<file path=ppt/tags/tag308.xml><?xml version="1.0" encoding="utf-8"?>
-<p:tagLst xmlns:a="http://schemas.openxmlformats.org/drawingml/2006/main" xmlns:r="http://schemas.openxmlformats.org/officeDocument/2006/relationships" xmlns:p="http://schemas.openxmlformats.org/presentationml/2006/main">
-  <p:tag name="NUM" val="5"/>
-</p:tagLst>
-</file>
-
-<file path=ppt/tags/tag309.xml><?xml version="1.0" encoding="utf-8"?>
-<p:tagLst xmlns:a="http://schemas.openxmlformats.org/drawingml/2006/main" xmlns:r="http://schemas.openxmlformats.org/officeDocument/2006/relationships" xmlns:p="http://schemas.openxmlformats.org/presentationml/2006/main">
-  <p:tag name="NUM" val="6"/>
-</p:tagLst>
-</file>
-
-<file path=ppt/tags/tag31.xml><?xml version="1.0" encoding="utf-8"?>
-<p:tagLst xmlns:a="http://schemas.openxmlformats.org/drawingml/2006/main" xmlns:r="http://schemas.openxmlformats.org/officeDocument/2006/relationships" xmlns:p="http://schemas.openxmlformats.org/presentationml/2006/main">
-  <p:tag name="NUM" val="4"/>
-</p:tagLst>
-</file>
-
-<file path=ppt/tags/tag310.xml><?xml version="1.0" encoding="utf-8"?>
-<p:tagLst xmlns:a="http://schemas.openxmlformats.org/drawingml/2006/main" xmlns:r="http://schemas.openxmlformats.org/officeDocument/2006/relationships" xmlns:p="http://schemas.openxmlformats.org/presentationml/2006/main">
-  <p:tag name="NUM" val="7"/>
-</p:tagLst>
-</file>
-
-<file path=ppt/tags/tag311.xml><?xml version="1.0" encoding="utf-8"?>
-<p:tagLst xmlns:a="http://schemas.openxmlformats.org/drawingml/2006/main" xmlns:r="http://schemas.openxmlformats.org/officeDocument/2006/relationships" xmlns:p="http://schemas.openxmlformats.org/presentationml/2006/main">
-  <p:tag name="NUM" val="8"/>
-</p:tagLst>
-</file>
-
-<file path=ppt/tags/tag312.xml><?xml version="1.0" encoding="utf-8"?>
-<p:tagLst xmlns:a="http://schemas.openxmlformats.org/drawingml/2006/main" xmlns:r="http://schemas.openxmlformats.org/officeDocument/2006/relationships" xmlns:p="http://schemas.openxmlformats.org/presentationml/2006/main">
-  <p:tag name="NUM" val="9"/>
-</p:tagLst>
-</file>
-
-<file path=ppt/tags/tag313.xml><?xml version="1.0" encoding="utf-8"?>
-<p:tagLst xmlns:a="http://schemas.openxmlformats.org/drawingml/2006/main" xmlns:r="http://schemas.openxmlformats.org/officeDocument/2006/relationships" xmlns:p="http://schemas.openxmlformats.org/presentationml/2006/main">
-  <p:tag name="NUM" val="10"/>
-</p:tagLst>
-</file>
-
-<file path=ppt/tags/tag314.xml><?xml version="1.0" encoding="utf-8"?>
-<p:tagLst xmlns:a="http://schemas.openxmlformats.org/drawingml/2006/main" xmlns:r="http://schemas.openxmlformats.org/officeDocument/2006/relationships" xmlns:p="http://schemas.openxmlformats.org/presentationml/2006/main">
-  <p:tag name="NUM" val="11"/>
-</p:tagLst>
-</file>
-
-<file path=ppt/tags/tag315.xml><?xml version="1.0" encoding="utf-8"?>
-<p:tagLst xmlns:a="http://schemas.openxmlformats.org/drawingml/2006/main" xmlns:r="http://schemas.openxmlformats.org/officeDocument/2006/relationships" xmlns:p="http://schemas.openxmlformats.org/presentationml/2006/main">
-  <p:tag name="NUM" val="12"/>
-</p:tagLst>
-</file>
-
-<file path=ppt/tags/tag316.xml><?xml version="1.0" encoding="utf-8"?>
-<p:tagLst xmlns:a="http://schemas.openxmlformats.org/drawingml/2006/main" xmlns:r="http://schemas.openxmlformats.org/officeDocument/2006/relationships" xmlns:p="http://schemas.openxmlformats.org/presentationml/2006/main">
-  <p:tag name="NUM" val="13"/>
-</p:tagLst>
-</file>
-
-<file path=ppt/tags/tag317.xml><?xml version="1.0" encoding="utf-8"?>
-<p:tagLst xmlns:a="http://schemas.openxmlformats.org/drawingml/2006/main" xmlns:r="http://schemas.openxmlformats.org/officeDocument/2006/relationships" xmlns:p="http://schemas.openxmlformats.org/presentationml/2006/main">
-  <p:tag name="NUM" val="14"/>
-</p:tagLst>
-</file>
-
-<file path=ppt/tags/tag318.xml><?xml version="1.0" encoding="utf-8"?>
-<p:tagLst xmlns:a="http://schemas.openxmlformats.org/drawingml/2006/main" xmlns:r="http://schemas.openxmlformats.org/officeDocument/2006/relationships" xmlns:p="http://schemas.openxmlformats.org/presentationml/2006/main">
-  <p:tag name="NUM" val="15"/>
-</p:tagLst>
-</file>
-
-<file path=ppt/tags/tag319.xml><?xml version="1.0" encoding="utf-8"?>
-<p:tagLst xmlns:a="http://schemas.openxmlformats.org/drawingml/2006/main" xmlns:r="http://schemas.openxmlformats.org/officeDocument/2006/relationships" xmlns:p="http://schemas.openxmlformats.org/presentationml/2006/main">
-  <p:tag name="NUM" val="16"/>
-</p:tagLst>
-</file>
-
-<file path=ppt/tags/tag32.xml><?xml version="1.0" encoding="utf-8"?>
-<p:tagLst xmlns:a="http://schemas.openxmlformats.org/drawingml/2006/main" xmlns:r="http://schemas.openxmlformats.org/officeDocument/2006/relationships" xmlns:p="http://schemas.openxmlformats.org/presentationml/2006/main">
-  <p:tag name="NUM" val="5"/>
-</p:tagLst>
-</file>
-
-<file path=ppt/tags/tag320.xml><?xml version="1.0" encoding="utf-8"?>
-<p:tagLst xmlns:a="http://schemas.openxmlformats.org/drawingml/2006/main" xmlns:r="http://schemas.openxmlformats.org/officeDocument/2006/relationships" xmlns:p="http://schemas.openxmlformats.org/presentationml/2006/main">
-  <p:tag name="NUM" val="17"/>
-</p:tagLst>
-</file>
-
-<file path=ppt/tags/tag321.xml><?xml version="1.0" encoding="utf-8"?>
-<p:tagLst xmlns:a="http://schemas.openxmlformats.org/drawingml/2006/main" xmlns:r="http://schemas.openxmlformats.org/officeDocument/2006/relationships" xmlns:p="http://schemas.openxmlformats.org/presentationml/2006/main">
-  <p:tag name="NUM" val="18"/>
-</p:tagLst>
-</file>
-
-<file path=ppt/tags/tag322.xml><?xml version="1.0" encoding="utf-8"?>
-<p:tagLst xmlns:a="http://schemas.openxmlformats.org/drawingml/2006/main" xmlns:r="http://schemas.openxmlformats.org/officeDocument/2006/relationships" xmlns:p="http://schemas.openxmlformats.org/presentationml/2006/main">
-  <p:tag name="NUM" val="19"/>
-</p:tagLst>
-</file>
-
-<file path=ppt/tags/tag323.xml><?xml version="1.0" encoding="utf-8"?>
-<p:tagLst xmlns:a="http://schemas.openxmlformats.org/drawingml/2006/main" xmlns:r="http://schemas.openxmlformats.org/officeDocument/2006/relationships" xmlns:p="http://schemas.openxmlformats.org/presentationml/2006/main">
-  <p:tag name="NUM" val="20"/>
-</p:tagLst>
-</file>
-
-<file path=ppt/tags/tag324.xml><?xml version="1.0" encoding="utf-8"?>
-<p:tagLst xmlns:a="http://schemas.openxmlformats.org/drawingml/2006/main" xmlns:r="http://schemas.openxmlformats.org/officeDocument/2006/relationships" xmlns:p="http://schemas.openxmlformats.org/presentationml/2006/main">
-  <p:tag name="NUM" val="21"/>
-</p:tagLst>
-</file>
-
-<file path=ppt/tags/tag325.xml><?xml version="1.0" encoding="utf-8"?>
-<p:tagLst xmlns:a="http://schemas.openxmlformats.org/drawingml/2006/main" xmlns:r="http://schemas.openxmlformats.org/officeDocument/2006/relationships" xmlns:p="http://schemas.openxmlformats.org/presentationml/2006/main">
-  <p:tag name="NUM" val="22"/>
-</p:tagLst>
-</file>
-
-<file path=ppt/tags/tag326.xml><?xml version="1.0" encoding="utf-8"?>
-<p:tagLst xmlns:a="http://schemas.openxmlformats.org/drawingml/2006/main" xmlns:r="http://schemas.openxmlformats.org/officeDocument/2006/relationships" xmlns:p="http://schemas.openxmlformats.org/presentationml/2006/main">
-  <p:tag name="NUM" val="23"/>
-</p:tagLst>
-</file>
-
-<file path=ppt/tags/tag327.xml><?xml version="1.0" encoding="utf-8"?>
-<p:tagLst xmlns:a="http://schemas.openxmlformats.org/drawingml/2006/main" xmlns:r="http://schemas.openxmlformats.org/officeDocument/2006/relationships" xmlns:p="http://schemas.openxmlformats.org/presentationml/2006/main">
-  <p:tag name="NUM" val="24"/>
-</p:tagLst>
-</file>
-
-<file path=ppt/tags/tag328.xml><?xml version="1.0" encoding="utf-8"?>
-<p:tagLst xmlns:a="http://schemas.openxmlformats.org/drawingml/2006/main" xmlns:r="http://schemas.openxmlformats.org/officeDocument/2006/relationships" xmlns:p="http://schemas.openxmlformats.org/presentationml/2006/main">
-  <p:tag name="NUM" val="25"/>
-</p:tagLst>
-</file>
-
-<file path=ppt/tags/tag329.xml><?xml version="1.0" encoding="utf-8"?>
-<p:tagLst xmlns:a="http://schemas.openxmlformats.org/drawingml/2006/main" xmlns:r="http://schemas.openxmlformats.org/officeDocument/2006/relationships" xmlns:p="http://schemas.openxmlformats.org/presentationml/2006/main">
-  <p:tag name="NUM" val="26"/>
-</p:tagLst>
-</file>
-
-<file path=ppt/tags/tag33.xml><?xml version="1.0" encoding="utf-8"?>
-<p:tagLst xmlns:a="http://schemas.openxmlformats.org/drawingml/2006/main" xmlns:r="http://schemas.openxmlformats.org/officeDocument/2006/relationships" xmlns:p="http://schemas.openxmlformats.org/presentationml/2006/main">
-  <p:tag name="NUM" val="6"/>
-</p:tagLst>
-</file>
-
-<file path=ppt/tags/tag330.xml><?xml version="1.0" encoding="utf-8"?>
-<p:tagLst xmlns:a="http://schemas.openxmlformats.org/drawingml/2006/main" xmlns:r="http://schemas.openxmlformats.org/officeDocument/2006/relationships" xmlns:p="http://schemas.openxmlformats.org/presentationml/2006/main">
-  <p:tag name="NUM" val="27"/>
-</p:tagLst>
-</file>
-
-<file path=ppt/tags/tag331.xml><?xml version="1.0" encoding="utf-8"?>
-<p:tagLst xmlns:a="http://schemas.openxmlformats.org/drawingml/2006/main" xmlns:r="http://schemas.openxmlformats.org/officeDocument/2006/relationships" xmlns:p="http://schemas.openxmlformats.org/presentationml/2006/main">
-  <p:tag name="NUM" val="28"/>
-</p:tagLst>
-</file>
-
-<file path=ppt/tags/tag332.xml><?xml version="1.0" encoding="utf-8"?>
-<p:tagLst xmlns:a="http://schemas.openxmlformats.org/drawingml/2006/main" xmlns:r="http://schemas.openxmlformats.org/officeDocument/2006/relationships" xmlns:p="http://schemas.openxmlformats.org/presentationml/2006/main">
-  <p:tag name="NUM" val="29"/>
-</p:tagLst>
-</file>
-
-<file path=ppt/tags/tag333.xml><?xml version="1.0" encoding="utf-8"?>
-<p:tagLst xmlns:a="http://schemas.openxmlformats.org/drawingml/2006/main" xmlns:r="http://schemas.openxmlformats.org/officeDocument/2006/relationships" xmlns:p="http://schemas.openxmlformats.org/presentationml/2006/main">
-  <p:tag name="NUM" val="1"/>
-</p:tagLst>
-</file>
-
-<file path=ppt/tags/tag334.xml><?xml version="1.0" encoding="utf-8"?>
-<p:tagLst xmlns:a="http://schemas.openxmlformats.org/drawingml/2006/main" xmlns:r="http://schemas.openxmlformats.org/officeDocument/2006/relationships" xmlns:p="http://schemas.openxmlformats.org/presentationml/2006/main">
-  <p:tag name="NUM" val="2"/>
-</p:tagLst>
-</file>
-
-<file path=ppt/tags/tag335.xml><?xml version="1.0" encoding="utf-8"?>
-<p:tagLst xmlns:a="http://schemas.openxmlformats.org/drawingml/2006/main" xmlns:r="http://schemas.openxmlformats.org/officeDocument/2006/relationships" xmlns:p="http://schemas.openxmlformats.org/presentationml/2006/main">
-  <p:tag name="NUM" val="3"/>
-</p:tagLst>
-</file>
-
-<file path=ppt/tags/tag336.xml><?xml version="1.0" encoding="utf-8"?>
-<p:tagLst xmlns:a="http://schemas.openxmlformats.org/drawingml/2006/main" xmlns:r="http://schemas.openxmlformats.org/officeDocument/2006/relationships" xmlns:p="http://schemas.openxmlformats.org/presentationml/2006/main">
-  <p:tag name="NUM" val="4"/>
-</p:tagLst>
-</file>
-
-<file path=ppt/tags/tag337.xml><?xml version="1.0" encoding="utf-8"?>
-<p:tagLst xmlns:a="http://schemas.openxmlformats.org/drawingml/2006/main" xmlns:r="http://schemas.openxmlformats.org/officeDocument/2006/relationships" xmlns:p="http://schemas.openxmlformats.org/presentationml/2006/main">
-  <p:tag name="NUM" val="5"/>
-</p:tagLst>
-</file>
-
-<file path=ppt/tags/tag338.xml><?xml version="1.0" encoding="utf-8"?>
-<p:tagLst xmlns:a="http://schemas.openxmlformats.org/drawingml/2006/main" xmlns:r="http://schemas.openxmlformats.org/officeDocument/2006/relationships" xmlns:p="http://schemas.openxmlformats.org/presentationml/2006/main">
-  <p:tag name="NUM" val="6"/>
-</p:tagLst>
-</file>
-
-<file path=ppt/tags/tag339.xml><?xml version="1.0" encoding="utf-8"?>
-<p:tagLst xmlns:a="http://schemas.openxmlformats.org/drawingml/2006/main" xmlns:r="http://schemas.openxmlformats.org/officeDocument/2006/relationships" xmlns:p="http://schemas.openxmlformats.org/presentationml/2006/main">
-  <p:tag name="NUM" val="7"/>
-</p:tagLst>
-</file>
-
-<file path=ppt/tags/tag34.xml><?xml version="1.0" encoding="utf-8"?>
-<p:tagLst xmlns:a="http://schemas.openxmlformats.org/drawingml/2006/main" xmlns:r="http://schemas.openxmlformats.org/officeDocument/2006/relationships" xmlns:p="http://schemas.openxmlformats.org/presentationml/2006/main">
-  <p:tag name="NUM" val="7"/>
-</p:tagLst>
-</file>
-
-<file path=ppt/tags/tag340.xml><?xml version="1.0" encoding="utf-8"?>
-<p:tagLst xmlns:a="http://schemas.openxmlformats.org/drawingml/2006/main" xmlns:r="http://schemas.openxmlformats.org/officeDocument/2006/relationships" xmlns:p="http://schemas.openxmlformats.org/presentationml/2006/main">
-  <p:tag name="NUM" val="8"/>
-</p:tagLst>
-</file>
-
-<file path=ppt/tags/tag341.xml><?xml version="1.0" encoding="utf-8"?>
-<p:tagLst xmlns:a="http://schemas.openxmlformats.org/drawingml/2006/main" xmlns:r="http://schemas.openxmlformats.org/officeDocument/2006/relationships" xmlns:p="http://schemas.openxmlformats.org/presentationml/2006/main">
-  <p:tag name="NUM" val="9"/>
-</p:tagLst>
-</file>
-
-<file path=ppt/tags/tag342.xml><?xml version="1.0" encoding="utf-8"?>
-<p:tagLst xmlns:a="http://schemas.openxmlformats.org/drawingml/2006/main" xmlns:r="http://schemas.openxmlformats.org/officeDocument/2006/relationships" xmlns:p="http://schemas.openxmlformats.org/presentationml/2006/main">
-  <p:tag name="NUM" val="10"/>
-</p:tagLst>
-</file>
-
-<file path=ppt/tags/tag343.xml><?xml version="1.0" encoding="utf-8"?>
-<p:tagLst xmlns:a="http://schemas.openxmlformats.org/drawingml/2006/main" xmlns:r="http://schemas.openxmlformats.org/officeDocument/2006/relationships" xmlns:p="http://schemas.openxmlformats.org/presentationml/2006/main">
-  <p:tag name="NUM" val="11"/>
-</p:tagLst>
-</file>
-
-<file path=ppt/tags/tag344.xml><?xml version="1.0" encoding="utf-8"?>
-<p:tagLst xmlns:a="http://schemas.openxmlformats.org/drawingml/2006/main" xmlns:r="http://schemas.openxmlformats.org/officeDocument/2006/relationships" xmlns:p="http://schemas.openxmlformats.org/presentationml/2006/main">
-  <p:tag name="NUM" val="12"/>
-</p:tagLst>
-</file>
-
-<file path=ppt/tags/tag345.xml><?xml version="1.0" encoding="utf-8"?>
-<p:tagLst xmlns:a="http://schemas.openxmlformats.org/drawingml/2006/main" xmlns:r="http://schemas.openxmlformats.org/officeDocument/2006/relationships" xmlns:p="http://schemas.openxmlformats.org/presentationml/2006/main">
-  <p:tag name="NUM" val="13"/>
-</p:tagLst>
-</file>
-
-<file path=ppt/tags/tag346.xml><?xml version="1.0" encoding="utf-8"?>
-<p:tagLst xmlns:a="http://schemas.openxmlformats.org/drawingml/2006/main" xmlns:r="http://schemas.openxmlformats.org/officeDocument/2006/relationships" xmlns:p="http://schemas.openxmlformats.org/presentationml/2006/main">
-  <p:tag name="NUM" val="14"/>
-</p:tagLst>
-</file>
-
-<file path=ppt/tags/tag347.xml><?xml version="1.0" encoding="utf-8"?>
-<p:tagLst xmlns:a="http://schemas.openxmlformats.org/drawingml/2006/main" xmlns:r="http://schemas.openxmlformats.org/officeDocument/2006/relationships" xmlns:p="http://schemas.openxmlformats.org/presentationml/2006/main">
-  <p:tag name="NUM" val="15"/>
-</p:tagLst>
-</file>
-
-<file path=ppt/tags/tag348.xml><?xml version="1.0" encoding="utf-8"?>
-<p:tagLst xmlns:a="http://schemas.openxmlformats.org/drawingml/2006/main" xmlns:r="http://schemas.openxmlformats.org/officeDocument/2006/relationships" xmlns:p="http://schemas.openxmlformats.org/presentationml/2006/main">
-  <p:tag name="NUM" val="16"/>
-</p:tagLst>
-</file>
-
-<file path=ppt/tags/tag349.xml><?xml version="1.0" encoding="utf-8"?>
-<p:tagLst xmlns:a="http://schemas.openxmlformats.org/drawingml/2006/main" xmlns:r="http://schemas.openxmlformats.org/officeDocument/2006/relationships" xmlns:p="http://schemas.openxmlformats.org/presentationml/2006/main">
-  <p:tag name="NUM" val="17"/>
-</p:tagLst>
-</file>
-
-<file path=ppt/tags/tag35.xml><?xml version="1.0" encoding="utf-8"?>
-<p:tagLst xmlns:a="http://schemas.openxmlformats.org/drawingml/2006/main" xmlns:r="http://schemas.openxmlformats.org/officeDocument/2006/relationships" xmlns:p="http://schemas.openxmlformats.org/presentationml/2006/main">
-  <p:tag name="NUM" val="8"/>
-</p:tagLst>
-</file>
-
-<file path=ppt/tags/tag350.xml><?xml version="1.0" encoding="utf-8"?>
-<p:tagLst xmlns:a="http://schemas.openxmlformats.org/drawingml/2006/main" xmlns:r="http://schemas.openxmlformats.org/officeDocument/2006/relationships" xmlns:p="http://schemas.openxmlformats.org/presentationml/2006/main">
-  <p:tag name="NUM" val="18"/>
-</p:tagLst>
-</file>
-
-<file path=ppt/tags/tag351.xml><?xml version="1.0" encoding="utf-8"?>
-<p:tagLst xmlns:a="http://schemas.openxmlformats.org/drawingml/2006/main" xmlns:r="http://schemas.openxmlformats.org/officeDocument/2006/relationships" xmlns:p="http://schemas.openxmlformats.org/presentationml/2006/main">
-  <p:tag name="NUM" val="19"/>
-</p:tagLst>
-</file>
-
-<file path=ppt/tags/tag352.xml><?xml version="1.0" encoding="utf-8"?>
-<p:tagLst xmlns:a="http://schemas.openxmlformats.org/drawingml/2006/main" xmlns:r="http://schemas.openxmlformats.org/officeDocument/2006/relationships" xmlns:p="http://schemas.openxmlformats.org/presentationml/2006/main">
-  <p:tag name="NUM" val="20"/>
-</p:tagLst>
-</file>
-
-<file path=ppt/tags/tag353.xml><?xml version="1.0" encoding="utf-8"?>
-<p:tagLst xmlns:a="http://schemas.openxmlformats.org/drawingml/2006/main" xmlns:r="http://schemas.openxmlformats.org/officeDocument/2006/relationships" xmlns:p="http://schemas.openxmlformats.org/presentationml/2006/main">
-  <p:tag name="NUM" val="1"/>
-</p:tagLst>
-</file>
-
-<file path=ppt/tags/tag354.xml><?xml version="1.0" encoding="utf-8"?>
-<p:tagLst xmlns:a="http://schemas.openxmlformats.org/drawingml/2006/main" xmlns:r="http://schemas.openxmlformats.org/officeDocument/2006/relationships" xmlns:p="http://schemas.openxmlformats.org/presentationml/2006/main">
-  <p:tag name="NUM" val="2"/>
-</p:tagLst>
-</file>
-
-<file path=ppt/tags/tag355.xml><?xml version="1.0" encoding="utf-8"?>
-<p:tagLst xmlns:a="http://schemas.openxmlformats.org/drawingml/2006/main" xmlns:r="http://schemas.openxmlformats.org/officeDocument/2006/relationships" xmlns:p="http://schemas.openxmlformats.org/presentationml/2006/main">
-  <p:tag name="NUM" val="3"/>
-</p:tagLst>
-</file>
-
-<file path=ppt/tags/tag356.xml><?xml version="1.0" encoding="utf-8"?>
-<p:tagLst xmlns:a="http://schemas.openxmlformats.org/drawingml/2006/main" xmlns:r="http://schemas.openxmlformats.org/officeDocument/2006/relationships" xmlns:p="http://schemas.openxmlformats.org/presentationml/2006/main">
-  <p:tag name="NUM" val="4"/>
-</p:tagLst>
-</file>
-
-<file path=ppt/tags/tag357.xml><?xml version="1.0" encoding="utf-8"?>
-<p:tagLst xmlns:a="http://schemas.openxmlformats.org/drawingml/2006/main" xmlns:r="http://schemas.openxmlformats.org/officeDocument/2006/relationships" xmlns:p="http://schemas.openxmlformats.org/presentationml/2006/main">
-  <p:tag name="NUM" val="5"/>
-</p:tagLst>
-</file>
-
-<file path=ppt/tags/tag358.xml><?xml version="1.0" encoding="utf-8"?>
-<p:tagLst xmlns:a="http://schemas.openxmlformats.org/drawingml/2006/main" xmlns:r="http://schemas.openxmlformats.org/officeDocument/2006/relationships" xmlns:p="http://schemas.openxmlformats.org/presentationml/2006/main">
-  <p:tag name="NUM" val="6"/>
-</p:tagLst>
-</file>
-
-<file path=ppt/tags/tag359.xml><?xml version="1.0" encoding="utf-8"?>
-<p:tagLst xmlns:a="http://schemas.openxmlformats.org/drawingml/2006/main" xmlns:r="http://schemas.openxmlformats.org/officeDocument/2006/relationships" xmlns:p="http://schemas.openxmlformats.org/presentationml/2006/main">
-  <p:tag name="NUM" val="7"/>
-</p:tagLst>
-</file>
-
-<file path=ppt/tags/tag36.xml><?xml version="1.0" encoding="utf-8"?>
-<p:tagLst xmlns:a="http://schemas.openxmlformats.org/drawingml/2006/main" xmlns:r="http://schemas.openxmlformats.org/officeDocument/2006/relationships" xmlns:p="http://schemas.openxmlformats.org/presentationml/2006/main">
-  <p:tag name="NUM" val="9"/>
-</p:tagLst>
-</file>
-
-<file path=ppt/tags/tag360.xml><?xml version="1.0" encoding="utf-8"?>
-<p:tagLst xmlns:a="http://schemas.openxmlformats.org/drawingml/2006/main" xmlns:r="http://schemas.openxmlformats.org/officeDocument/2006/relationships" xmlns:p="http://schemas.openxmlformats.org/presentationml/2006/main">
-  <p:tag name="NUM" val="8"/>
-</p:tagLst>
-</file>
-
-<file path=ppt/tags/tag361.xml><?xml version="1.0" encoding="utf-8"?>
-<p:tagLst xmlns:a="http://schemas.openxmlformats.org/drawingml/2006/main" xmlns:r="http://schemas.openxmlformats.org/officeDocument/2006/relationships" xmlns:p="http://schemas.openxmlformats.org/presentationml/2006/main">
-  <p:tag name="NUM" val="9"/>
-</p:tagLst>
-</file>
-
-<file path=ppt/tags/tag362.xml><?xml version="1.0" encoding="utf-8"?>
-<p:tagLst xmlns:a="http://schemas.openxmlformats.org/drawingml/2006/main" xmlns:r="http://schemas.openxmlformats.org/officeDocument/2006/relationships" xmlns:p="http://schemas.openxmlformats.org/presentationml/2006/main">
-  <p:tag name="NUM" val="10"/>
-</p:tagLst>
-</file>
-
-<file path=ppt/tags/tag363.xml><?xml version="1.0" encoding="utf-8"?>
-<p:tagLst xmlns:a="http://schemas.openxmlformats.org/drawingml/2006/main" xmlns:r="http://schemas.openxmlformats.org/officeDocument/2006/relationships" xmlns:p="http://schemas.openxmlformats.org/presentationml/2006/main">
-  <p:tag name="NUM" val="11"/>
-</p:tagLst>
-</file>
-
-<file path=ppt/tags/tag364.xml><?xml version="1.0" encoding="utf-8"?>
-<p:tagLst xmlns:a="http://schemas.openxmlformats.org/drawingml/2006/main" xmlns:r="http://schemas.openxmlformats.org/officeDocument/2006/relationships" xmlns:p="http://schemas.openxmlformats.org/presentationml/2006/main">
-  <p:tag name="NUM" val="12"/>
-</p:tagLst>
-</file>
-
-<file path=ppt/tags/tag365.xml><?xml version="1.0" encoding="utf-8"?>
-<p:tagLst xmlns:a="http://schemas.openxmlformats.org/drawingml/2006/main" xmlns:r="http://schemas.openxmlformats.org/officeDocument/2006/relationships" xmlns:p="http://schemas.openxmlformats.org/presentationml/2006/main">
-  <p:tag name="NUM" val="13"/>
-</p:tagLst>
-</file>
-
-<file path=ppt/tags/tag366.xml><?xml version="1.0" encoding="utf-8"?>
-<p:tagLst xmlns:a="http://schemas.openxmlformats.org/drawingml/2006/main" xmlns:r="http://schemas.openxmlformats.org/officeDocument/2006/relationships" xmlns:p="http://schemas.openxmlformats.org/presentationml/2006/main">
-  <p:tag name="NUM" val="14"/>
-</p:tagLst>
-</file>
-
-<file path=ppt/tags/tag367.xml><?xml version="1.0" encoding="utf-8"?>
-<p:tagLst xmlns:a="http://schemas.openxmlformats.org/drawingml/2006/main" xmlns:r="http://schemas.openxmlformats.org/officeDocument/2006/relationships" xmlns:p="http://schemas.openxmlformats.org/presentationml/2006/main">
-  <p:tag name="NUM" val="15"/>
-</p:tagLst>
-</file>
-
-<file path=ppt/tags/tag368.xml><?xml version="1.0" encoding="utf-8"?>
-<p:tagLst xmlns:a="http://schemas.openxmlformats.org/drawingml/2006/main" xmlns:r="http://schemas.openxmlformats.org/officeDocument/2006/relationships" xmlns:p="http://schemas.openxmlformats.org/presentationml/2006/main">
-  <p:tag name="NUM" val="16"/>
-</p:tagLst>
-</file>
-
-<file path=ppt/tags/tag369.xml><?xml version="1.0" encoding="utf-8"?>
-<p:tagLst xmlns:a="http://schemas.openxmlformats.org/drawingml/2006/main" xmlns:r="http://schemas.openxmlformats.org/officeDocument/2006/relationships" xmlns:p="http://schemas.openxmlformats.org/presentationml/2006/main">
-  <p:tag name="NUM" val="17"/>
-</p:tagLst>
-</file>
-
-<file path=ppt/tags/tag37.xml><?xml version="1.0" encoding="utf-8"?>
-<p:tagLst xmlns:a="http://schemas.openxmlformats.org/drawingml/2006/main" xmlns:r="http://schemas.openxmlformats.org/officeDocument/2006/relationships" xmlns:p="http://schemas.openxmlformats.org/presentationml/2006/main">
-  <p:tag name="NUM" val="10"/>
-</p:tagLst>
-</file>
-
-<file path=ppt/tags/tag370.xml><?xml version="1.0" encoding="utf-8"?>
-<p:tagLst xmlns:a="http://schemas.openxmlformats.org/drawingml/2006/main" xmlns:r="http://schemas.openxmlformats.org/officeDocument/2006/relationships" xmlns:p="http://schemas.openxmlformats.org/presentationml/2006/main">
-  <p:tag name="NUM" val="18"/>
-</p:tagLst>
-</file>
-
-<file path=ppt/tags/tag371.xml><?xml version="1.0" encoding="utf-8"?>
-<p:tagLst xmlns:a="http://schemas.openxmlformats.org/drawingml/2006/main" xmlns:r="http://schemas.openxmlformats.org/officeDocument/2006/relationships" xmlns:p="http://schemas.openxmlformats.org/presentationml/2006/main">
-  <p:tag name="NUM" val="19"/>
-</p:tagLst>
-</file>
-
-<file path=ppt/tags/tag372.xml><?xml version="1.0" encoding="utf-8"?>
-<p:tagLst xmlns:a="http://schemas.openxmlformats.org/drawingml/2006/main" xmlns:r="http://schemas.openxmlformats.org/officeDocument/2006/relationships" xmlns:p="http://schemas.openxmlformats.org/presentationml/2006/main">
-  <p:tag name="NUM" val="20"/>
-</p:tagLst>
-</file>
-
-<file path=ppt/tags/tag373.xml><?xml version="1.0" encoding="utf-8"?>
-<p:tagLst xmlns:a="http://schemas.openxmlformats.org/drawingml/2006/main" xmlns:r="http://schemas.openxmlformats.org/officeDocument/2006/relationships" xmlns:p="http://schemas.openxmlformats.org/presentationml/2006/main">
-  <p:tag name="NUM" val="21"/>
-</p:tagLst>
-</file>
-
-<file path=ppt/tags/tag374.xml><?xml version="1.0" encoding="utf-8"?>
-<p:tagLst xmlns:a="http://schemas.openxmlformats.org/drawingml/2006/main" xmlns:r="http://schemas.openxmlformats.org/officeDocument/2006/relationships" xmlns:p="http://schemas.openxmlformats.org/presentationml/2006/main">
-  <p:tag name="NUM" val="22"/>
-</p:tagLst>
-</file>
-
-<file path=ppt/tags/tag375.xml><?xml version="1.0" encoding="utf-8"?>
-<p:tagLst xmlns:a="http://schemas.openxmlformats.org/drawingml/2006/main" xmlns:r="http://schemas.openxmlformats.org/officeDocument/2006/relationships" xmlns:p="http://schemas.openxmlformats.org/presentationml/2006/main">
-  <p:tag name="NUM" val="23"/>
-</p:tagLst>
-</file>
-
-<file path=ppt/tags/tag376.xml><?xml version="1.0" encoding="utf-8"?>
-<p:tagLst xmlns:a="http://schemas.openxmlformats.org/drawingml/2006/main" xmlns:r="http://schemas.openxmlformats.org/officeDocument/2006/relationships" xmlns:p="http://schemas.openxmlformats.org/presentationml/2006/main">
-  <p:tag name="NUM" val="24"/>
-</p:tagLst>
-</file>
-
-<file path=ppt/tags/tag377.xml><?xml version="1.0" encoding="utf-8"?>
-<p:tagLst xmlns:a="http://schemas.openxmlformats.org/drawingml/2006/main" xmlns:r="http://schemas.openxmlformats.org/officeDocument/2006/relationships" xmlns:p="http://schemas.openxmlformats.org/presentationml/2006/main">
-  <p:tag name="NUM" val="25"/>
-</p:tagLst>
-</file>
-
-<file path=ppt/tags/tag378.xml><?xml version="1.0" encoding="utf-8"?>
-<p:tagLst xmlns:a="http://schemas.openxmlformats.org/drawingml/2006/main" xmlns:r="http://schemas.openxmlformats.org/officeDocument/2006/relationships" xmlns:p="http://schemas.openxmlformats.org/presentationml/2006/main">
-  <p:tag name="NUM" val="26"/>
-</p:tagLst>
-</file>
-
-<file path=ppt/tags/tag379.xml><?xml version="1.0" encoding="utf-8"?>
-<p:tagLst xmlns:a="http://schemas.openxmlformats.org/drawingml/2006/main" xmlns:r="http://schemas.openxmlformats.org/officeDocument/2006/relationships" xmlns:p="http://schemas.openxmlformats.org/presentationml/2006/main">
-  <p:tag name="NUM" val="27"/>
-</p:tagLst>
-</file>
-
-<file path=ppt/tags/tag38.xml><?xml version="1.0" encoding="utf-8"?>
-<p:tagLst xmlns:a="http://schemas.openxmlformats.org/drawingml/2006/main" xmlns:r="http://schemas.openxmlformats.org/officeDocument/2006/relationships" xmlns:p="http://schemas.openxmlformats.org/presentationml/2006/main">
-  <p:tag name="NUM" val="11"/>
-</p:tagLst>
-</file>
-
-<file path=ppt/tags/tag380.xml><?xml version="1.0" encoding="utf-8"?>
-<p:tagLst xmlns:a="http://schemas.openxmlformats.org/drawingml/2006/main" xmlns:r="http://schemas.openxmlformats.org/officeDocument/2006/relationships" xmlns:p="http://schemas.openxmlformats.org/presentationml/2006/main">
-  <p:tag name="NUM" val="28"/>
-</p:tagLst>
-</file>
-
-<file path=ppt/tags/tag381.xml><?xml version="1.0" encoding="utf-8"?>
-<p:tagLst xmlns:a="http://schemas.openxmlformats.org/drawingml/2006/main" xmlns:r="http://schemas.openxmlformats.org/officeDocument/2006/relationships" xmlns:p="http://schemas.openxmlformats.org/presentationml/2006/main">
-  <p:tag name="NUM" val="29"/>
-</p:tagLst>
-</file>
-
-<file path=ppt/tags/tag382.xml><?xml version="1.0" encoding="utf-8"?>
-<p:tagLst xmlns:a="http://schemas.openxmlformats.org/drawingml/2006/main" xmlns:r="http://schemas.openxmlformats.org/officeDocument/2006/relationships" xmlns:p="http://schemas.openxmlformats.org/presentationml/2006/main">
-  <p:tag name="NUM" val="30"/>
-</p:tagLst>
-</file>
-
-<file path=ppt/tags/tag383.xml><?xml version="1.0" encoding="utf-8"?>
-<p:tagLst xmlns:a="http://schemas.openxmlformats.org/drawingml/2006/main" xmlns:r="http://schemas.openxmlformats.org/officeDocument/2006/relationships" xmlns:p="http://schemas.openxmlformats.org/presentationml/2006/main">
-  <p:tag name="NUM" val="31"/>
-</p:tagLst>
-</file>
-
-<file path=ppt/tags/tag384.xml><?xml version="1.0" encoding="utf-8"?>
-<p:tagLst xmlns:a="http://schemas.openxmlformats.org/drawingml/2006/main" xmlns:r="http://schemas.openxmlformats.org/officeDocument/2006/relationships" xmlns:p="http://schemas.openxmlformats.org/presentationml/2006/main">
-  <p:tag name="NUM" val="32"/>
-</p:tagLst>
-</file>
-
-<file path=ppt/tags/tag39.xml><?xml version="1.0" encoding="utf-8"?>
-<p:tagLst xmlns:a="http://schemas.openxmlformats.org/drawingml/2006/main" xmlns:r="http://schemas.openxmlformats.org/officeDocument/2006/relationships" xmlns:p="http://schemas.openxmlformats.org/presentationml/2006/main">
-  <p:tag name="NUM" val="12"/>
-</p:tagLst>
-</file>
-
-<file path=ppt/tags/tag4.xml><?xml version="1.0" encoding="utf-8"?>
-<p:tagLst xmlns:a="http://schemas.openxmlformats.org/drawingml/2006/main" xmlns:r="http://schemas.openxmlformats.org/officeDocument/2006/relationships" xmlns:p="http://schemas.openxmlformats.org/presentationml/2006/main">
-  <p:tag name="NUM" val="4"/>
-</p:tagLst>
-</file>
-
-<file path=ppt/tags/tag40.xml><?xml version="1.0" encoding="utf-8"?>
-<p:tagLst xmlns:a="http://schemas.openxmlformats.org/drawingml/2006/main" xmlns:r="http://schemas.openxmlformats.org/officeDocument/2006/relationships" xmlns:p="http://schemas.openxmlformats.org/presentationml/2006/main">
-  <p:tag name="NUM" val="13"/>
-</p:tagLst>
-</file>
-
-<file path=ppt/tags/tag41.xml><?xml version="1.0" encoding="utf-8"?>
-<p:tagLst xmlns:a="http://schemas.openxmlformats.org/drawingml/2006/main" xmlns:r="http://schemas.openxmlformats.org/officeDocument/2006/relationships" xmlns:p="http://schemas.openxmlformats.org/presentationml/2006/main">
-  <p:tag name="NUM" val="14"/>
-</p:tagLst>
-</file>
-
-<file path=ppt/tags/tag42.xml><?xml version="1.0" encoding="utf-8"?>
-<p:tagLst xmlns:a="http://schemas.openxmlformats.org/drawingml/2006/main" xmlns:r="http://schemas.openxmlformats.org/officeDocument/2006/relationships" xmlns:p="http://schemas.openxmlformats.org/presentationml/2006/main">
-  <p:tag name="NUM" val="15"/>
-</p:tagLst>
-</file>
-
-<file path=ppt/tags/tag43.xml><?xml version="1.0" encoding="utf-8"?>
-<p:tagLst xmlns:a="http://schemas.openxmlformats.org/drawingml/2006/main" xmlns:r="http://schemas.openxmlformats.org/officeDocument/2006/relationships" xmlns:p="http://schemas.openxmlformats.org/presentationml/2006/main">
-  <p:tag name="NUM" val="16"/>
-</p:tagLst>
-</file>
-
-<file path=ppt/tags/tag44.xml><?xml version="1.0" encoding="utf-8"?>
-<p:tagLst xmlns:a="http://schemas.openxmlformats.org/drawingml/2006/main" xmlns:r="http://schemas.openxmlformats.org/officeDocument/2006/relationships" xmlns:p="http://schemas.openxmlformats.org/presentationml/2006/main">
-  <p:tag name="NUM" val="17"/>
-</p:tagLst>
-</file>
-
-<file path=ppt/tags/tag45.xml><?xml version="1.0" encoding="utf-8"?>
-<p:tagLst xmlns:a="http://schemas.openxmlformats.org/drawingml/2006/main" xmlns:r="http://schemas.openxmlformats.org/officeDocument/2006/relationships" xmlns:p="http://schemas.openxmlformats.org/presentationml/2006/main">
-  <p:tag name="NUM" val="18"/>
-</p:tagLst>
-</file>
-
-<file path=ppt/tags/tag46.xml><?xml version="1.0" encoding="utf-8"?>
-<p:tagLst xmlns:a="http://schemas.openxmlformats.org/drawingml/2006/main" xmlns:r="http://schemas.openxmlformats.org/officeDocument/2006/relationships" xmlns:p="http://schemas.openxmlformats.org/presentationml/2006/main">
-  <p:tag name="NUM" val="19"/>
-</p:tagLst>
-</file>
-
-<file path=ppt/tags/tag47.xml><?xml version="1.0" encoding="utf-8"?>
-<p:tagLst xmlns:a="http://schemas.openxmlformats.org/drawingml/2006/main" xmlns:r="http://schemas.openxmlformats.org/officeDocument/2006/relationships" xmlns:p="http://schemas.openxmlformats.org/presentationml/2006/main">
-  <p:tag name="NUM" val="20"/>
-</p:tagLst>
-</file>
-
-<file path=ppt/tags/tag48.xml><?xml version="1.0" encoding="utf-8"?>
-<p:tagLst xmlns:a="http://schemas.openxmlformats.org/drawingml/2006/main" xmlns:r="http://schemas.openxmlformats.org/officeDocument/2006/relationships" xmlns:p="http://schemas.openxmlformats.org/presentationml/2006/main">
-  <p:tag name="NUM" val="21"/>
-</p:tagLst>
-</file>
-
-<file path=ppt/tags/tag49.xml><?xml version="1.0" encoding="utf-8"?>
-<p:tagLst xmlns:a="http://schemas.openxmlformats.org/drawingml/2006/main" xmlns:r="http://schemas.openxmlformats.org/officeDocument/2006/relationships" xmlns:p="http://schemas.openxmlformats.org/presentationml/2006/main">
-  <p:tag name="NUM" val="22"/>
-</p:tagLst>
-</file>
-
-<file path=ppt/tags/tag5.xml><?xml version="1.0" encoding="utf-8"?>
-<p:tagLst xmlns:a="http://schemas.openxmlformats.org/drawingml/2006/main" xmlns:r="http://schemas.openxmlformats.org/officeDocument/2006/relationships" xmlns:p="http://schemas.openxmlformats.org/presentationml/2006/main">
-  <p:tag name="NUM" val="5"/>
-</p:tagLst>
-</file>
-
-<file path=ppt/tags/tag50.xml><?xml version="1.0" encoding="utf-8"?>
-<p:tagLst xmlns:a="http://schemas.openxmlformats.org/drawingml/2006/main" xmlns:r="http://schemas.openxmlformats.org/officeDocument/2006/relationships" xmlns:p="http://schemas.openxmlformats.org/presentationml/2006/main">
-  <p:tag name="NUM" val="23"/>
-</p:tagLst>
-</file>
-
-<file path=ppt/tags/tag51.xml><?xml version="1.0" encoding="utf-8"?>
-<p:tagLst xmlns:a="http://schemas.openxmlformats.org/drawingml/2006/main" xmlns:r="http://schemas.openxmlformats.org/officeDocument/2006/relationships" xmlns:p="http://schemas.openxmlformats.org/presentationml/2006/main">
-  <p:tag name="NUM" val="24"/>
-</p:tagLst>
-</file>
-
-<file path=ppt/tags/tag52.xml><?xml version="1.0" encoding="utf-8"?>
-<p:tagLst xmlns:a="http://schemas.openxmlformats.org/drawingml/2006/main" xmlns:r="http://schemas.openxmlformats.org/officeDocument/2006/relationships" xmlns:p="http://schemas.openxmlformats.org/presentationml/2006/main">
-  <p:tag name="NUM" val="25"/>
-</p:tagLst>
-</file>
-
-<file path=ppt/tags/tag53.xml><?xml version="1.0" encoding="utf-8"?>
-<p:tagLst xmlns:a="http://schemas.openxmlformats.org/drawingml/2006/main" xmlns:r="http://schemas.openxmlformats.org/officeDocument/2006/relationships" xmlns:p="http://schemas.openxmlformats.org/presentationml/2006/main">
-  <p:tag name="NUM" val="26"/>
-</p:tagLst>
-</file>
-
-<file path=ppt/tags/tag54.xml><?xml version="1.0" encoding="utf-8"?>
-<p:tagLst xmlns:a="http://schemas.openxmlformats.org/drawingml/2006/main" xmlns:r="http://schemas.openxmlformats.org/officeDocument/2006/relationships" xmlns:p="http://schemas.openxmlformats.org/presentationml/2006/main">
-  <p:tag name="NUM" val="28"/>
-</p:tagLst>
-</file>
-
-<file path=ppt/tags/tag55.xml><?xml version="1.0" encoding="utf-8"?>
-<p:tagLst xmlns:a="http://schemas.openxmlformats.org/drawingml/2006/main" xmlns:r="http://schemas.openxmlformats.org/officeDocument/2006/relationships" xmlns:p="http://schemas.openxmlformats.org/presentationml/2006/main">
-  <p:tag name="NUM" val="29"/>
-</p:tagLst>
-</file>
-
-<file path=ppt/tags/tag56.xml><?xml version="1.0" encoding="utf-8"?>
-<p:tagLst xmlns:a="http://schemas.openxmlformats.org/drawingml/2006/main" xmlns:r="http://schemas.openxmlformats.org/officeDocument/2006/relationships" xmlns:p="http://schemas.openxmlformats.org/presentationml/2006/main">
-  <p:tag name="NUM" val="30"/>
-</p:tagLst>
-</file>
-
-<file path=ppt/tags/tag57.xml><?xml version="1.0" encoding="utf-8"?>
-<p:tagLst xmlns:a="http://schemas.openxmlformats.org/drawingml/2006/main" xmlns:r="http://schemas.openxmlformats.org/officeDocument/2006/relationships" xmlns:p="http://schemas.openxmlformats.org/presentationml/2006/main">
-  <p:tag name="NUM" val="31"/>
-</p:tagLst>
-</file>
-
-<file path=ppt/tags/tag58.xml><?xml version="1.0" encoding="utf-8"?>
-<p:tagLst xmlns:a="http://schemas.openxmlformats.org/drawingml/2006/main" xmlns:r="http://schemas.openxmlformats.org/officeDocument/2006/relationships" xmlns:p="http://schemas.openxmlformats.org/presentationml/2006/main">
-  <p:tag name="NUM" val="32"/>
-</p:tagLst>
-</file>
-
-<file path=ppt/tags/tag59.xml><?xml version="1.0" encoding="utf-8"?>
-<p:tagLst xmlns:a="http://schemas.openxmlformats.org/drawingml/2006/main" xmlns:r="http://schemas.openxmlformats.org/officeDocument/2006/relationships" xmlns:p="http://schemas.openxmlformats.org/presentationml/2006/main">
-  <p:tag name="NUM" val="1"/>
-</p:tagLst>
-</file>
-
-<file path=ppt/tags/tag6.xml><?xml version="1.0" encoding="utf-8"?>
-<p:tagLst xmlns:a="http://schemas.openxmlformats.org/drawingml/2006/main" xmlns:r="http://schemas.openxmlformats.org/officeDocument/2006/relationships" xmlns:p="http://schemas.openxmlformats.org/presentationml/2006/main">
-  <p:tag name="NUM" val="6"/>
-</p:tagLst>
-</file>
-
-<file path=ppt/tags/tag60.xml><?xml version="1.0" encoding="utf-8"?>
-<p:tagLst xmlns:a="http://schemas.openxmlformats.org/drawingml/2006/main" xmlns:r="http://schemas.openxmlformats.org/officeDocument/2006/relationships" xmlns:p="http://schemas.openxmlformats.org/presentationml/2006/main">
-  <p:tag name="NUM" val="2"/>
-</p:tagLst>
-</file>
-
-<file path=ppt/tags/tag61.xml><?xml version="1.0" encoding="utf-8"?>
-<p:tagLst xmlns:a="http://schemas.openxmlformats.org/drawingml/2006/main" xmlns:r="http://schemas.openxmlformats.org/officeDocument/2006/relationships" xmlns:p="http://schemas.openxmlformats.org/presentationml/2006/main">
-  <p:tag name="NUM" val="3"/>
-</p:tagLst>
-</file>
-
-<file path=ppt/tags/tag62.xml><?xml version="1.0" encoding="utf-8"?>
-<p:tagLst xmlns:a="http://schemas.openxmlformats.org/drawingml/2006/main" xmlns:r="http://schemas.openxmlformats.org/officeDocument/2006/relationships" xmlns:p="http://schemas.openxmlformats.org/presentationml/2006/main">
-  <p:tag name="NUM" val="4"/>
-</p:tagLst>
-</file>
-
-<file path=ppt/tags/tag63.xml><?xml version="1.0" encoding="utf-8"?>
-<p:tagLst xmlns:a="http://schemas.openxmlformats.org/drawingml/2006/main" xmlns:r="http://schemas.openxmlformats.org/officeDocument/2006/relationships" xmlns:p="http://schemas.openxmlformats.org/presentationml/2006/main">
-  <p:tag name="NUM" val="5"/>
-</p:tagLst>
-</file>
-
-<file path=ppt/tags/tag64.xml><?xml version="1.0" encoding="utf-8"?>
-<p:tagLst xmlns:a="http://schemas.openxmlformats.org/drawingml/2006/main" xmlns:r="http://schemas.openxmlformats.org/officeDocument/2006/relationships" xmlns:p="http://schemas.openxmlformats.org/presentationml/2006/main">
-  <p:tag name="NUM" val="6"/>
-</p:tagLst>
-</file>
-
-<file path=ppt/tags/tag65.xml><?xml version="1.0" encoding="utf-8"?>
-<p:tagLst xmlns:a="http://schemas.openxmlformats.org/drawingml/2006/main" xmlns:r="http://schemas.openxmlformats.org/officeDocument/2006/relationships" xmlns:p="http://schemas.openxmlformats.org/presentationml/2006/main">
-  <p:tag name="NUM" val="7"/>
-</p:tagLst>
-</file>
-
-<file path=ppt/tags/tag66.xml><?xml version="1.0" encoding="utf-8"?>
-<p:tagLst xmlns:a="http://schemas.openxmlformats.org/drawingml/2006/main" xmlns:r="http://schemas.openxmlformats.org/officeDocument/2006/relationships" xmlns:p="http://schemas.openxmlformats.org/presentationml/2006/main">
-  <p:tag name="NUM" val="8"/>
-</p:tagLst>
-</file>
-
-<file path=ppt/tags/tag67.xml><?xml version="1.0" encoding="utf-8"?>
-<p:tagLst xmlns:a="http://schemas.openxmlformats.org/drawingml/2006/main" xmlns:r="http://schemas.openxmlformats.org/officeDocument/2006/relationships" xmlns:p="http://schemas.openxmlformats.org/presentationml/2006/main">
-  <p:tag name="NUM" val="9"/>
-</p:tagLst>
-</file>
-
-<file path=ppt/tags/tag68.xml><?xml version="1.0" encoding="utf-8"?>
-<p:tagLst xmlns:a="http://schemas.openxmlformats.org/drawingml/2006/main" xmlns:r="http://schemas.openxmlformats.org/officeDocument/2006/relationships" xmlns:p="http://schemas.openxmlformats.org/presentationml/2006/main">
-  <p:tag name="NUM" val="10"/>
-</p:tagLst>
-</file>
-
-<file path=ppt/tags/tag69.xml><?xml version="1.0" encoding="utf-8"?>
-<p:tagLst xmlns:a="http://schemas.openxmlformats.org/drawingml/2006/main" xmlns:r="http://schemas.openxmlformats.org/officeDocument/2006/relationships" xmlns:p="http://schemas.openxmlformats.org/presentationml/2006/main">
-  <p:tag name="NUM" val="11"/>
-</p:tagLst>
-</file>
-
-<file path=ppt/tags/tag7.xml><?xml version="1.0" encoding="utf-8"?>
-<p:tagLst xmlns:a="http://schemas.openxmlformats.org/drawingml/2006/main" xmlns:r="http://schemas.openxmlformats.org/officeDocument/2006/relationships" xmlns:p="http://schemas.openxmlformats.org/presentationml/2006/main">
-  <p:tag name="NUM" val="7"/>
-</p:tagLst>
-</file>
-
-<file path=ppt/tags/tag70.xml><?xml version="1.0" encoding="utf-8"?>
-<p:tagLst xmlns:a="http://schemas.openxmlformats.org/drawingml/2006/main" xmlns:r="http://schemas.openxmlformats.org/officeDocument/2006/relationships" xmlns:p="http://schemas.openxmlformats.org/presentationml/2006/main">
-  <p:tag name="NUM" val="12"/>
-</p:tagLst>
-</file>
-
-<file path=ppt/tags/tag71.xml><?xml version="1.0" encoding="utf-8"?>
-<p:tagLst xmlns:a="http://schemas.openxmlformats.org/drawingml/2006/main" xmlns:r="http://schemas.openxmlformats.org/officeDocument/2006/relationships" xmlns:p="http://schemas.openxmlformats.org/presentationml/2006/main">
-  <p:tag name="NUM" val="13"/>
-</p:tagLst>
-</file>
-
-<file path=ppt/tags/tag72.xml><?xml version="1.0" encoding="utf-8"?>
-<p:tagLst xmlns:a="http://schemas.openxmlformats.org/drawingml/2006/main" xmlns:r="http://schemas.openxmlformats.org/officeDocument/2006/relationships" xmlns:p="http://schemas.openxmlformats.org/presentationml/2006/main">
-  <p:tag name="NUM" val="14"/>
-</p:tagLst>
-</file>
-
-<file path=ppt/tags/tag73.xml><?xml version="1.0" encoding="utf-8"?>
-<p:tagLst xmlns:a="http://schemas.openxmlformats.org/drawingml/2006/main" xmlns:r="http://schemas.openxmlformats.org/officeDocument/2006/relationships" xmlns:p="http://schemas.openxmlformats.org/presentationml/2006/main">
-  <p:tag name="NUM" val="15"/>
-</p:tagLst>
-</file>
-
-<file path=ppt/tags/tag74.xml><?xml version="1.0" encoding="utf-8"?>
-<p:tagLst xmlns:a="http://schemas.openxmlformats.org/drawingml/2006/main" xmlns:r="http://schemas.openxmlformats.org/officeDocument/2006/relationships" xmlns:p="http://schemas.openxmlformats.org/presentationml/2006/main">
-  <p:tag name="NUM" val="16"/>
-</p:tagLst>
-</file>
-
-<file path=ppt/tags/tag75.xml><?xml version="1.0" encoding="utf-8"?>
-<p:tagLst xmlns:a="http://schemas.openxmlformats.org/drawingml/2006/main" xmlns:r="http://schemas.openxmlformats.org/officeDocument/2006/relationships" xmlns:p="http://schemas.openxmlformats.org/presentationml/2006/main">
-  <p:tag name="NUM" val="17"/>
-</p:tagLst>
-</file>
-
-<file path=ppt/tags/tag76.xml><?xml version="1.0" encoding="utf-8"?>
-<p:tagLst xmlns:a="http://schemas.openxmlformats.org/drawingml/2006/main" xmlns:r="http://schemas.openxmlformats.org/officeDocument/2006/relationships" xmlns:p="http://schemas.openxmlformats.org/presentationml/2006/main">
-  <p:tag name="NUM" val="18"/>
-</p:tagLst>
-</file>
-
-<file path=ppt/tags/tag77.xml><?xml version="1.0" encoding="utf-8"?>
-<p:tagLst xmlns:a="http://schemas.openxmlformats.org/drawingml/2006/main" xmlns:r="http://schemas.openxmlformats.org/officeDocument/2006/relationships" xmlns:p="http://schemas.openxmlformats.org/presentationml/2006/main">
-  <p:tag name="NUM" val="19"/>
-</p:tagLst>
-</file>
-
-<file path=ppt/tags/tag78.xml><?xml version="1.0" encoding="utf-8"?>
-<p:tagLst xmlns:a="http://schemas.openxmlformats.org/drawingml/2006/main" xmlns:r="http://schemas.openxmlformats.org/officeDocument/2006/relationships" xmlns:p="http://schemas.openxmlformats.org/presentationml/2006/main">
-  <p:tag name="NUM" val="20"/>
-</p:tagLst>
-</file>
-
-<file path=ppt/tags/tag79.xml><?xml version="1.0" encoding="utf-8"?>
-<p:tagLst xmlns:a="http://schemas.openxmlformats.org/drawingml/2006/main" xmlns:r="http://schemas.openxmlformats.org/officeDocument/2006/relationships" xmlns:p="http://schemas.openxmlformats.org/presentationml/2006/main">
-  <p:tag name="NUM" val="21"/>
-</p:tagLst>
-</file>
-
-<file path=ppt/tags/tag8.xml><?xml version="1.0" encoding="utf-8"?>
-<p:tagLst xmlns:a="http://schemas.openxmlformats.org/drawingml/2006/main" xmlns:r="http://schemas.openxmlformats.org/officeDocument/2006/relationships" xmlns:p="http://schemas.openxmlformats.org/presentationml/2006/main">
-  <p:tag name="NUM" val="8"/>
-</p:tagLst>
-</file>
-
-<file path=ppt/tags/tag80.xml><?xml version="1.0" encoding="utf-8"?>
-<p:tagLst xmlns:a="http://schemas.openxmlformats.org/drawingml/2006/main" xmlns:r="http://schemas.openxmlformats.org/officeDocument/2006/relationships" xmlns:p="http://schemas.openxmlformats.org/presentationml/2006/main">
-  <p:tag name="NUM" val="22"/>
-</p:tagLst>
-</file>
-
-<file path=ppt/tags/tag81.xml><?xml version="1.0" encoding="utf-8"?>
-<p:tagLst xmlns:a="http://schemas.openxmlformats.org/drawingml/2006/main" xmlns:r="http://schemas.openxmlformats.org/officeDocument/2006/relationships" xmlns:p="http://schemas.openxmlformats.org/presentationml/2006/main">
-  <p:tag name="NUM" val="23"/>
-</p:tagLst>
-</file>
-
-<file path=ppt/tags/tag82.xml><?xml version="1.0" encoding="utf-8"?>
-<p:tagLst xmlns:a="http://schemas.openxmlformats.org/drawingml/2006/main" xmlns:r="http://schemas.openxmlformats.org/officeDocument/2006/relationships" xmlns:p="http://schemas.openxmlformats.org/presentationml/2006/main">
-  <p:tag name="NUM" val="24"/>
-</p:tagLst>
-</file>
-
-<file path=ppt/tags/tag83.xml><?xml version="1.0" encoding="utf-8"?>
-<p:tagLst xmlns:a="http://schemas.openxmlformats.org/drawingml/2006/main" xmlns:r="http://schemas.openxmlformats.org/officeDocument/2006/relationships" xmlns:p="http://schemas.openxmlformats.org/presentationml/2006/main">
-  <p:tag name="NUM" val="25"/>
-</p:tagLst>
-</file>
-
-<file path=ppt/tags/tag84.xml><?xml version="1.0" encoding="utf-8"?>
-<p:tagLst xmlns:a="http://schemas.openxmlformats.org/drawingml/2006/main" xmlns:r="http://schemas.openxmlformats.org/officeDocument/2006/relationships" xmlns:p="http://schemas.openxmlformats.org/presentationml/2006/main">
-  <p:tag name="NUM" val="26"/>
-</p:tagLst>
-</file>
-
-<file path=ppt/tags/tag85.xml><?xml version="1.0" encoding="utf-8"?>
-<p:tagLst xmlns:a="http://schemas.openxmlformats.org/drawingml/2006/main" xmlns:r="http://schemas.openxmlformats.org/officeDocument/2006/relationships" xmlns:p="http://schemas.openxmlformats.org/presentationml/2006/main">
-  <p:tag name="NUM" val="28"/>
-</p:tagLst>
-</file>
-
-<file path=ppt/tags/tag86.xml><?xml version="1.0" encoding="utf-8"?>
-<p:tagLst xmlns:a="http://schemas.openxmlformats.org/drawingml/2006/main" xmlns:r="http://schemas.openxmlformats.org/officeDocument/2006/relationships" xmlns:p="http://schemas.openxmlformats.org/presentationml/2006/main">
-  <p:tag name="NUM" val="29"/>
-</p:tagLst>
-</file>
-
-<file path=ppt/tags/tag87.xml><?xml version="1.0" encoding="utf-8"?>
-<p:tagLst xmlns:a="http://schemas.openxmlformats.org/drawingml/2006/main" xmlns:r="http://schemas.openxmlformats.org/officeDocument/2006/relationships" xmlns:p="http://schemas.openxmlformats.org/presentationml/2006/main">
-  <p:tag name="NUM" val="30"/>
-</p:tagLst>
-</file>
-
-<file path=ppt/tags/tag88.xml><?xml version="1.0" encoding="utf-8"?>
-<p:tagLst xmlns:a="http://schemas.openxmlformats.org/drawingml/2006/main" xmlns:r="http://schemas.openxmlformats.org/officeDocument/2006/relationships" xmlns:p="http://schemas.openxmlformats.org/presentationml/2006/main">
-  <p:tag name="NUM" val="31"/>
-</p:tagLst>
-</file>
-
-<file path=ppt/tags/tag89.xml><?xml version="1.0" encoding="utf-8"?>
-<p:tagLst xmlns:a="http://schemas.openxmlformats.org/drawingml/2006/main" xmlns:r="http://schemas.openxmlformats.org/officeDocument/2006/relationships" xmlns:p="http://schemas.openxmlformats.org/presentationml/2006/main">
-  <p:tag name="NUM" val="32"/>
 </p:tagLst>
 </file>
 

--- a/Documentation/SchémaModificationMilieudeStage.pptx
+++ b/Documentation/SchémaModificationMilieudeStage.pptx
@@ -207,7 +207,7 @@
           <a:p>
             <a:fld id="{DDBC4D3D-7E0D-4ED3-B610-3E5FDACC8A4D}" type="datetimeFigureOut">
               <a:rPr lang="fr-CA" smtClean="0"/>
-              <a:t>2020-04-07</a:t>
+              <a:t>2020-04-09</a:t>
             </a:fld>
             <a:endParaRPr lang="fr-CA"/>
           </a:p>
@@ -606,7 +606,7 @@
           <a:p>
             <a:fld id="{952D37C9-57C9-4E74-9BE9-5A5CF4DA06F6}" type="datetimeFigureOut">
               <a:rPr lang="fr-CA" smtClean="0"/>
-              <a:t>2020-04-07</a:t>
+              <a:t>2020-04-09</a:t>
             </a:fld>
             <a:endParaRPr lang="fr-CA"/>
           </a:p>
@@ -776,7 +776,7 @@
           <a:p>
             <a:fld id="{952D37C9-57C9-4E74-9BE9-5A5CF4DA06F6}" type="datetimeFigureOut">
               <a:rPr lang="fr-CA" smtClean="0"/>
-              <a:t>2020-04-07</a:t>
+              <a:t>2020-04-09</a:t>
             </a:fld>
             <a:endParaRPr lang="fr-CA"/>
           </a:p>
@@ -956,7 +956,7 @@
           <a:p>
             <a:fld id="{952D37C9-57C9-4E74-9BE9-5A5CF4DA06F6}" type="datetimeFigureOut">
               <a:rPr lang="fr-CA" smtClean="0"/>
-              <a:t>2020-04-07</a:t>
+              <a:t>2020-04-09</a:t>
             </a:fld>
             <a:endParaRPr lang="fr-CA"/>
           </a:p>
@@ -1126,7 +1126,7 @@
           <a:p>
             <a:fld id="{952D37C9-57C9-4E74-9BE9-5A5CF4DA06F6}" type="datetimeFigureOut">
               <a:rPr lang="fr-CA" smtClean="0"/>
-              <a:t>2020-04-07</a:t>
+              <a:t>2020-04-09</a:t>
             </a:fld>
             <a:endParaRPr lang="fr-CA"/>
           </a:p>
@@ -1372,7 +1372,7 @@
           <a:p>
             <a:fld id="{952D37C9-57C9-4E74-9BE9-5A5CF4DA06F6}" type="datetimeFigureOut">
               <a:rPr lang="fr-CA" smtClean="0"/>
-              <a:t>2020-04-07</a:t>
+              <a:t>2020-04-09</a:t>
             </a:fld>
             <a:endParaRPr lang="fr-CA"/>
           </a:p>
@@ -1604,7 +1604,7 @@
           <a:p>
             <a:fld id="{952D37C9-57C9-4E74-9BE9-5A5CF4DA06F6}" type="datetimeFigureOut">
               <a:rPr lang="fr-CA" smtClean="0"/>
-              <a:t>2020-04-07</a:t>
+              <a:t>2020-04-09</a:t>
             </a:fld>
             <a:endParaRPr lang="fr-CA"/>
           </a:p>
@@ -1971,7 +1971,7 @@
           <a:p>
             <a:fld id="{952D37C9-57C9-4E74-9BE9-5A5CF4DA06F6}" type="datetimeFigureOut">
               <a:rPr lang="fr-CA" smtClean="0"/>
-              <a:t>2020-04-07</a:t>
+              <a:t>2020-04-09</a:t>
             </a:fld>
             <a:endParaRPr lang="fr-CA"/>
           </a:p>
@@ -2089,7 +2089,7 @@
           <a:p>
             <a:fld id="{952D37C9-57C9-4E74-9BE9-5A5CF4DA06F6}" type="datetimeFigureOut">
               <a:rPr lang="fr-CA" smtClean="0"/>
-              <a:t>2020-04-07</a:t>
+              <a:t>2020-04-09</a:t>
             </a:fld>
             <a:endParaRPr lang="fr-CA"/>
           </a:p>
@@ -2184,7 +2184,7 @@
           <a:p>
             <a:fld id="{952D37C9-57C9-4E74-9BE9-5A5CF4DA06F6}" type="datetimeFigureOut">
               <a:rPr lang="fr-CA" smtClean="0"/>
-              <a:t>2020-04-07</a:t>
+              <a:t>2020-04-09</a:t>
             </a:fld>
             <a:endParaRPr lang="fr-CA"/>
           </a:p>
@@ -2461,7 +2461,7 @@
           <a:p>
             <a:fld id="{952D37C9-57C9-4E74-9BE9-5A5CF4DA06F6}" type="datetimeFigureOut">
               <a:rPr lang="fr-CA" smtClean="0"/>
-              <a:t>2020-04-07</a:t>
+              <a:t>2020-04-09</a:t>
             </a:fld>
             <a:endParaRPr lang="fr-CA"/>
           </a:p>
@@ -2714,7 +2714,7 @@
           <a:p>
             <a:fld id="{952D37C9-57C9-4E74-9BE9-5A5CF4DA06F6}" type="datetimeFigureOut">
               <a:rPr lang="fr-CA" smtClean="0"/>
-              <a:t>2020-04-07</a:t>
+              <a:t>2020-04-09</a:t>
             </a:fld>
             <a:endParaRPr lang="fr-CA"/>
           </a:p>
@@ -2927,7 +2927,7 @@
           <a:p>
             <a:fld id="{952D37C9-57C9-4E74-9BE9-5A5CF4DA06F6}" type="datetimeFigureOut">
               <a:rPr lang="fr-CA" smtClean="0"/>
-              <a:t>2020-04-07</a:t>
+              <a:t>2020-04-09</a:t>
             </a:fld>
             <a:endParaRPr lang="fr-CA"/>
           </a:p>

--- a/Documentation/SchémaModificationMilieudeStage.pptx
+++ b/Documentation/SchémaModificationMilieudeStage.pptx
@@ -207,7 +207,7 @@
           <a:p>
             <a:fld id="{DDBC4D3D-7E0D-4ED3-B610-3E5FDACC8A4D}" type="datetimeFigureOut">
               <a:rPr lang="fr-CA" smtClean="0"/>
-              <a:t>2020-04-09</a:t>
+              <a:t>2020-04-15</a:t>
             </a:fld>
             <a:endParaRPr lang="fr-CA"/>
           </a:p>
@@ -606,7 +606,7 @@
           <a:p>
             <a:fld id="{952D37C9-57C9-4E74-9BE9-5A5CF4DA06F6}" type="datetimeFigureOut">
               <a:rPr lang="fr-CA" smtClean="0"/>
-              <a:t>2020-04-09</a:t>
+              <a:t>2020-04-15</a:t>
             </a:fld>
             <a:endParaRPr lang="fr-CA"/>
           </a:p>
@@ -776,7 +776,7 @@
           <a:p>
             <a:fld id="{952D37C9-57C9-4E74-9BE9-5A5CF4DA06F6}" type="datetimeFigureOut">
               <a:rPr lang="fr-CA" smtClean="0"/>
-              <a:t>2020-04-09</a:t>
+              <a:t>2020-04-15</a:t>
             </a:fld>
             <a:endParaRPr lang="fr-CA"/>
           </a:p>
@@ -956,7 +956,7 @@
           <a:p>
             <a:fld id="{952D37C9-57C9-4E74-9BE9-5A5CF4DA06F6}" type="datetimeFigureOut">
               <a:rPr lang="fr-CA" smtClean="0"/>
-              <a:t>2020-04-09</a:t>
+              <a:t>2020-04-15</a:t>
             </a:fld>
             <a:endParaRPr lang="fr-CA"/>
           </a:p>
@@ -1126,7 +1126,7 @@
           <a:p>
             <a:fld id="{952D37C9-57C9-4E74-9BE9-5A5CF4DA06F6}" type="datetimeFigureOut">
               <a:rPr lang="fr-CA" smtClean="0"/>
-              <a:t>2020-04-09</a:t>
+              <a:t>2020-04-15</a:t>
             </a:fld>
             <a:endParaRPr lang="fr-CA"/>
           </a:p>
@@ -1372,7 +1372,7 @@
           <a:p>
             <a:fld id="{952D37C9-57C9-4E74-9BE9-5A5CF4DA06F6}" type="datetimeFigureOut">
               <a:rPr lang="fr-CA" smtClean="0"/>
-              <a:t>2020-04-09</a:t>
+              <a:t>2020-04-15</a:t>
             </a:fld>
             <a:endParaRPr lang="fr-CA"/>
           </a:p>
@@ -1604,7 +1604,7 @@
           <a:p>
             <a:fld id="{952D37C9-57C9-4E74-9BE9-5A5CF4DA06F6}" type="datetimeFigureOut">
               <a:rPr lang="fr-CA" smtClean="0"/>
-              <a:t>2020-04-09</a:t>
+              <a:t>2020-04-15</a:t>
             </a:fld>
             <a:endParaRPr lang="fr-CA"/>
           </a:p>
@@ -1971,7 +1971,7 @@
           <a:p>
             <a:fld id="{952D37C9-57C9-4E74-9BE9-5A5CF4DA06F6}" type="datetimeFigureOut">
               <a:rPr lang="fr-CA" smtClean="0"/>
-              <a:t>2020-04-09</a:t>
+              <a:t>2020-04-15</a:t>
             </a:fld>
             <a:endParaRPr lang="fr-CA"/>
           </a:p>
@@ -2089,7 +2089,7 @@
           <a:p>
             <a:fld id="{952D37C9-57C9-4E74-9BE9-5A5CF4DA06F6}" type="datetimeFigureOut">
               <a:rPr lang="fr-CA" smtClean="0"/>
-              <a:t>2020-04-09</a:t>
+              <a:t>2020-04-15</a:t>
             </a:fld>
             <a:endParaRPr lang="fr-CA"/>
           </a:p>
@@ -2184,7 +2184,7 @@
           <a:p>
             <a:fld id="{952D37C9-57C9-4E74-9BE9-5A5CF4DA06F6}" type="datetimeFigureOut">
               <a:rPr lang="fr-CA" smtClean="0"/>
-              <a:t>2020-04-09</a:t>
+              <a:t>2020-04-15</a:t>
             </a:fld>
             <a:endParaRPr lang="fr-CA"/>
           </a:p>
@@ -2461,7 +2461,7 @@
           <a:p>
             <a:fld id="{952D37C9-57C9-4E74-9BE9-5A5CF4DA06F6}" type="datetimeFigureOut">
               <a:rPr lang="fr-CA" smtClean="0"/>
-              <a:t>2020-04-09</a:t>
+              <a:t>2020-04-15</a:t>
             </a:fld>
             <a:endParaRPr lang="fr-CA"/>
           </a:p>
@@ -2714,7 +2714,7 @@
           <a:p>
             <a:fld id="{952D37C9-57C9-4E74-9BE9-5A5CF4DA06F6}" type="datetimeFigureOut">
               <a:rPr lang="fr-CA" smtClean="0"/>
-              <a:t>2020-04-09</a:t>
+              <a:t>2020-04-15</a:t>
             </a:fld>
             <a:endParaRPr lang="fr-CA"/>
           </a:p>
@@ -2927,7 +2927,7 @@
           <a:p>
             <a:fld id="{952D37C9-57C9-4E74-9BE9-5A5CF4DA06F6}" type="datetimeFigureOut">
               <a:rPr lang="fr-CA" smtClean="0"/>
-              <a:t>2020-04-09</a:t>
+              <a:t>2020-04-15</a:t>
             </a:fld>
             <a:endParaRPr lang="fr-CA"/>
           </a:p>
@@ -3345,7 +3345,7 @@
           </p:nvPr>
         </p:nvPicPr>
         <p:blipFill rotWithShape="1">
-          <a:blip r:embed="rId29"/>
+          <a:blip r:embed="rId28"/>
           <a:srcRect b="74442"/>
           <a:stretch/>
         </p:blipFill>
@@ -3386,7 +3386,7 @@
             <p:nvPr/>
           </p:nvPicPr>
           <p:blipFill rotWithShape="1">
-            <a:blip r:embed="rId30"/>
+            <a:blip r:embed="rId29"/>
             <a:srcRect r="89350"/>
             <a:stretch/>
           </p:blipFill>
@@ -3409,7 +3409,7 @@
             <p:nvPr/>
           </p:nvPicPr>
           <p:blipFill rotWithShape="1">
-            <a:blip r:embed="rId31"/>
+            <a:blip r:embed="rId30"/>
             <a:srcRect t="87715"/>
             <a:stretch/>
           </p:blipFill>
@@ -3432,7 +3432,7 @@
             <p:nvPr/>
           </p:nvPicPr>
           <p:blipFill>
-            <a:blip r:embed="rId32"/>
+            <a:blip r:embed="rId31"/>
             <a:stretch>
               <a:fillRect/>
             </a:stretch>
@@ -3461,7 +3461,7 @@
           </p:nvPr>
         </p:nvPicPr>
         <p:blipFill>
-          <a:blip r:embed="rId33"/>
+          <a:blip r:embed="rId32"/>
           <a:stretch>
             <a:fillRect/>
           </a:stretch>
@@ -3489,7 +3489,7 @@
           </p:nvPr>
         </p:nvPicPr>
         <p:blipFill>
-          <a:blip r:embed="rId34">
+          <a:blip r:embed="rId33">
             <a:duotone>
               <a:schemeClr val="accent3">
                 <a:shade val="45000"/>
@@ -3525,7 +3525,7 @@
           </p:nvPr>
         </p:nvPicPr>
         <p:blipFill>
-          <a:blip r:embed="rId35"/>
+          <a:blip r:embed="rId34"/>
           <a:stretch>
             <a:fillRect/>
           </a:stretch>
@@ -3590,7 +3590,7 @@
           </p:nvPr>
         </p:nvPicPr>
         <p:blipFill rotWithShape="1">
-          <a:blip r:embed="rId36"/>
+          <a:blip r:embed="rId35"/>
           <a:srcRect l="53265" t="60683" r="5958" b="30747"/>
           <a:stretch/>
         </p:blipFill>
@@ -3617,7 +3617,7 @@
           </p:nvPr>
         </p:nvPicPr>
         <p:blipFill>
-          <a:blip r:embed="rId37"/>
+          <a:blip r:embed="rId36"/>
           <a:stretch>
             <a:fillRect/>
           </a:stretch>
@@ -3645,7 +3645,7 @@
           </p:nvPr>
         </p:nvPicPr>
         <p:blipFill>
-          <a:blip r:embed="rId38"/>
+          <a:blip r:embed="rId37"/>
           <a:stretch>
             <a:fillRect/>
           </a:stretch>
@@ -3673,7 +3673,7 @@
           </p:nvPr>
         </p:nvPicPr>
         <p:blipFill>
-          <a:blip r:embed="rId39"/>
+          <a:blip r:embed="rId38"/>
           <a:stretch>
             <a:fillRect/>
           </a:stretch>
@@ -3893,7 +3893,7 @@
           </p:nvPr>
         </p:nvPicPr>
         <p:blipFill rotWithShape="1">
-          <a:blip r:embed="rId40"/>
+          <a:blip r:embed="rId39"/>
           <a:srcRect r="16872"/>
           <a:stretch/>
         </p:blipFill>
@@ -3920,7 +3920,7 @@
           </p:nvPr>
         </p:nvPicPr>
         <p:blipFill>
-          <a:blip r:embed="rId41"/>
+          <a:blip r:embed="rId40"/>
           <a:stretch>
             <a:fillRect/>
           </a:stretch>
@@ -3948,7 +3948,7 @@
           </p:nvPr>
         </p:nvPicPr>
         <p:blipFill>
-          <a:blip r:embed="rId42"/>
+          <a:blip r:embed="rId41"/>
           <a:stretch>
             <a:fillRect/>
           </a:stretch>
@@ -3976,7 +3976,7 @@
           </p:nvPr>
         </p:nvPicPr>
         <p:blipFill>
-          <a:blip r:embed="rId42"/>
+          <a:blip r:embed="rId41"/>
           <a:stretch>
             <a:fillRect/>
           </a:stretch>
@@ -4004,7 +4004,7 @@
           </p:nvPr>
         </p:nvPicPr>
         <p:blipFill>
-          <a:blip r:embed="rId42"/>
+          <a:blip r:embed="rId41"/>
           <a:stretch>
             <a:fillRect/>
           </a:stretch>
@@ -4086,7 +4086,7 @@
           </p:nvPr>
         </p:nvPicPr>
         <p:blipFill>
-          <a:blip r:embed="rId43"/>
+          <a:blip r:embed="rId42"/>
           <a:stretch>
             <a:fillRect/>
           </a:stretch>
@@ -4114,7 +4114,7 @@
           </p:nvPr>
         </p:nvPicPr>
         <p:blipFill>
-          <a:blip r:embed="rId44"/>
+          <a:blip r:embed="rId43"/>
           <a:stretch>
             <a:fillRect/>
           </a:stretch>
@@ -4142,7 +4142,7 @@
           </p:nvPr>
         </p:nvPicPr>
         <p:blipFill>
-          <a:blip r:embed="rId45"/>
+          <a:blip r:embed="rId44"/>
           <a:stretch>
             <a:fillRect/>
           </a:stretch>
@@ -4170,7 +4170,7 @@
           </p:nvPr>
         </p:nvPicPr>
         <p:blipFill>
-          <a:blip r:embed="rId46"/>
+          <a:blip r:embed="rId45"/>
           <a:stretch>
             <a:fillRect/>
           </a:stretch>
@@ -4197,8 +4197,8 @@
         </p:nvSpPr>
         <p:spPr>
           <a:xfrm>
-            <a:off x="-1" y="562737"/>
-            <a:ext cx="2241319" cy="246221"/>
+            <a:off x="5016" y="1180258"/>
+            <a:ext cx="2241319" cy="861774"/>
           </a:xfrm>
           <a:prstGeom prst="rect">
             <a:avLst/>
@@ -4215,6 +4215,27 @@
               <a:rPr lang="fr-CA" sz="1000" dirty="0"/>
               <a:t>Visible seulement par le coordonnateur</a:t>
             </a:r>
+          </a:p>
+          <a:p>
+            <a:r>
+              <a:rPr lang="fr-CA" sz="1000" dirty="0"/>
+              <a:t>Légende:</a:t>
+            </a:r>
+          </a:p>
+          <a:p>
+            <a:r>
+              <a:rPr lang="fr-CA" sz="1000" dirty="0"/>
+              <a:t>Si aucune flèche: Toute la page</a:t>
+            </a:r>
+          </a:p>
+          <a:p>
+            <a:r>
+              <a:rPr lang="fr-CA" sz="1000" dirty="0"/>
+              <a:t>Si flèche: Élément pointé seulement</a:t>
+            </a:r>
+          </a:p>
+          <a:p>
+            <a:endParaRPr lang="fr-CA" sz="1000" dirty="0"/>
           </a:p>
         </p:txBody>
       </p:sp>
@@ -4231,7 +4252,7 @@
           </p:nvPr>
         </p:nvPicPr>
         <p:blipFill>
-          <a:blip r:embed="rId47"/>
+          <a:blip r:embed="rId46"/>
           <a:stretch>
             <a:fillRect/>
           </a:stretch>
@@ -4248,30 +4269,478 @@
       </p:pic>
       <p:sp>
         <p:nvSpPr>
-          <p:cNvPr id="6" name="ZoneTexte 5"/>
-          <p:cNvSpPr txBox="1"/>
-          <p:nvPr>
-            <p:custDataLst>
-              <p:tags r:id="rId27"/>
-            </p:custDataLst>
-          </p:nvPr>
+          <p:cNvPr id="6" name="Forme libre : forme 5">
+            <a:extLst>
+              <a:ext uri="{FF2B5EF4-FFF2-40B4-BE49-F238E27FC236}">
+                <a16:creationId xmlns:a16="http://schemas.microsoft.com/office/drawing/2014/main" id="{707DB6FF-15CD-4011-B203-0A9871ECCF51}"/>
+              </a:ext>
+            </a:extLst>
+          </p:cNvPr>
+          <p:cNvSpPr/>
+          <p:nvPr/>
         </p:nvSpPr>
         <p:spPr>
           <a:xfrm>
-            <a:off x="0" y="0"/>
-            <a:ext cx="3810000" cy="1270000"/>
-          </a:xfrm>
-          <a:prstGeom prst="rect">
-            <a:avLst/>
-          </a:prstGeom>
+            <a:off x="6888480" y="1672046"/>
+            <a:ext cx="1036320" cy="731520"/>
+          </a:xfrm>
+          <a:custGeom>
+            <a:avLst/>
+            <a:gdLst>
+              <a:gd name="connsiteX0" fmla="*/ 0 w 1036320"/>
+              <a:gd name="connsiteY0" fmla="*/ 0 h 731520"/>
+              <a:gd name="connsiteX1" fmla="*/ 78377 w 1036320"/>
+              <a:gd name="connsiteY1" fmla="*/ 69668 h 731520"/>
+              <a:gd name="connsiteX2" fmla="*/ 139337 w 1036320"/>
+              <a:gd name="connsiteY2" fmla="*/ 139337 h 731520"/>
+              <a:gd name="connsiteX3" fmla="*/ 217714 w 1036320"/>
+              <a:gd name="connsiteY3" fmla="*/ 209005 h 731520"/>
+              <a:gd name="connsiteX4" fmla="*/ 235131 w 1036320"/>
+              <a:gd name="connsiteY4" fmla="*/ 226423 h 731520"/>
+              <a:gd name="connsiteX5" fmla="*/ 348343 w 1036320"/>
+              <a:gd name="connsiteY5" fmla="*/ 304800 h 731520"/>
+              <a:gd name="connsiteX6" fmla="*/ 452846 w 1036320"/>
+              <a:gd name="connsiteY6" fmla="*/ 409303 h 731520"/>
+              <a:gd name="connsiteX7" fmla="*/ 557349 w 1036320"/>
+              <a:gd name="connsiteY7" fmla="*/ 478971 h 731520"/>
+              <a:gd name="connsiteX8" fmla="*/ 618309 w 1036320"/>
+              <a:gd name="connsiteY8" fmla="*/ 531223 h 731520"/>
+              <a:gd name="connsiteX9" fmla="*/ 661851 w 1036320"/>
+              <a:gd name="connsiteY9" fmla="*/ 557348 h 731520"/>
+              <a:gd name="connsiteX10" fmla="*/ 714103 w 1036320"/>
+              <a:gd name="connsiteY10" fmla="*/ 600891 h 731520"/>
+              <a:gd name="connsiteX11" fmla="*/ 853440 w 1036320"/>
+              <a:gd name="connsiteY11" fmla="*/ 653143 h 731520"/>
+              <a:gd name="connsiteX12" fmla="*/ 975360 w 1036320"/>
+              <a:gd name="connsiteY12" fmla="*/ 714103 h 731520"/>
+              <a:gd name="connsiteX13" fmla="*/ 1010194 w 1036320"/>
+              <a:gd name="connsiteY13" fmla="*/ 722811 h 731520"/>
+              <a:gd name="connsiteX14" fmla="*/ 1036320 w 1036320"/>
+              <a:gd name="connsiteY14" fmla="*/ 731520 h 731520"/>
+            </a:gdLst>
+            <a:ahLst/>
+            <a:cxnLst>
+              <a:cxn ang="0">
+                <a:pos x="connsiteX0" y="connsiteY0"/>
+              </a:cxn>
+              <a:cxn ang="0">
+                <a:pos x="connsiteX1" y="connsiteY1"/>
+              </a:cxn>
+              <a:cxn ang="0">
+                <a:pos x="connsiteX2" y="connsiteY2"/>
+              </a:cxn>
+              <a:cxn ang="0">
+                <a:pos x="connsiteX3" y="connsiteY3"/>
+              </a:cxn>
+              <a:cxn ang="0">
+                <a:pos x="connsiteX4" y="connsiteY4"/>
+              </a:cxn>
+              <a:cxn ang="0">
+                <a:pos x="connsiteX5" y="connsiteY5"/>
+              </a:cxn>
+              <a:cxn ang="0">
+                <a:pos x="connsiteX6" y="connsiteY6"/>
+              </a:cxn>
+              <a:cxn ang="0">
+                <a:pos x="connsiteX7" y="connsiteY7"/>
+              </a:cxn>
+              <a:cxn ang="0">
+                <a:pos x="connsiteX8" y="connsiteY8"/>
+              </a:cxn>
+              <a:cxn ang="0">
+                <a:pos x="connsiteX9" y="connsiteY9"/>
+              </a:cxn>
+              <a:cxn ang="0">
+                <a:pos x="connsiteX10" y="connsiteY10"/>
+              </a:cxn>
+              <a:cxn ang="0">
+                <a:pos x="connsiteX11" y="connsiteY11"/>
+              </a:cxn>
+              <a:cxn ang="0">
+                <a:pos x="connsiteX12" y="connsiteY12"/>
+              </a:cxn>
+              <a:cxn ang="0">
+                <a:pos x="connsiteX13" y="connsiteY13"/>
+              </a:cxn>
+              <a:cxn ang="0">
+                <a:pos x="connsiteX14" y="connsiteY14"/>
+              </a:cxn>
+            </a:cxnLst>
+            <a:rect l="l" t="t" r="r" b="b"/>
+            <a:pathLst>
+              <a:path w="1036320" h="731520">
+                <a:moveTo>
+                  <a:pt x="0" y="0"/>
+                </a:moveTo>
+                <a:cubicBezTo>
+                  <a:pt x="39395" y="31515"/>
+                  <a:pt x="45393" y="33685"/>
+                  <a:pt x="78377" y="69668"/>
+                </a:cubicBezTo>
+                <a:cubicBezTo>
+                  <a:pt x="99228" y="92415"/>
+                  <a:pt x="117517" y="117517"/>
+                  <a:pt x="139337" y="139337"/>
+                </a:cubicBezTo>
+                <a:cubicBezTo>
+                  <a:pt x="164054" y="164054"/>
+                  <a:pt x="191850" y="185492"/>
+                  <a:pt x="217714" y="209005"/>
+                </a:cubicBezTo>
+                <a:cubicBezTo>
+                  <a:pt x="223789" y="214528"/>
+                  <a:pt x="228491" y="221594"/>
+                  <a:pt x="235131" y="226423"/>
+                </a:cubicBezTo>
+                <a:cubicBezTo>
+                  <a:pt x="235998" y="227054"/>
+                  <a:pt x="329801" y="287417"/>
+                  <a:pt x="348343" y="304800"/>
+                </a:cubicBezTo>
+                <a:cubicBezTo>
+                  <a:pt x="384282" y="338493"/>
+                  <a:pt x="415001" y="377766"/>
+                  <a:pt x="452846" y="409303"/>
+                </a:cubicBezTo>
+                <a:cubicBezTo>
+                  <a:pt x="485008" y="436105"/>
+                  <a:pt x="525562" y="451725"/>
+                  <a:pt x="557349" y="478971"/>
+                </a:cubicBezTo>
+                <a:cubicBezTo>
+                  <a:pt x="577669" y="496388"/>
+                  <a:pt x="596899" y="515165"/>
+                  <a:pt x="618309" y="531223"/>
+                </a:cubicBezTo>
+                <a:cubicBezTo>
+                  <a:pt x="631850" y="541379"/>
+                  <a:pt x="648162" y="547393"/>
+                  <a:pt x="661851" y="557348"/>
+                </a:cubicBezTo>
+                <a:cubicBezTo>
+                  <a:pt x="680187" y="570683"/>
+                  <a:pt x="694794" y="589009"/>
+                  <a:pt x="714103" y="600891"/>
+                </a:cubicBezTo>
+                <a:cubicBezTo>
+                  <a:pt x="755938" y="626635"/>
+                  <a:pt x="809445" y="634015"/>
+                  <a:pt x="853440" y="653143"/>
+                </a:cubicBezTo>
+                <a:cubicBezTo>
+                  <a:pt x="895109" y="671260"/>
+                  <a:pt x="931280" y="703084"/>
+                  <a:pt x="975360" y="714103"/>
+                </a:cubicBezTo>
+                <a:cubicBezTo>
+                  <a:pt x="986971" y="717006"/>
+                  <a:pt x="998686" y="719523"/>
+                  <a:pt x="1010194" y="722811"/>
+                </a:cubicBezTo>
+                <a:cubicBezTo>
+                  <a:pt x="1019021" y="725333"/>
+                  <a:pt x="1036320" y="731520"/>
+                  <a:pt x="1036320" y="731520"/>
+                </a:cubicBezTo>
+              </a:path>
+            </a:pathLst>
+          </a:custGeom>
           <a:noFill/>
         </p:spPr>
+        <p:style>
+          <a:lnRef idx="2">
+            <a:schemeClr val="accent1">
+              <a:shade val="50000"/>
+            </a:schemeClr>
+          </a:lnRef>
+          <a:fillRef idx="1">
+            <a:schemeClr val="accent1"/>
+          </a:fillRef>
+          <a:effectRef idx="0">
+            <a:schemeClr val="accent1"/>
+          </a:effectRef>
+          <a:fontRef idx="minor">
+            <a:schemeClr val="lt1"/>
+          </a:fontRef>
+        </p:style>
         <p:txBody>
-          <a:bodyPr vert="horz" rtlCol="0">
-            <a:spAutoFit/>
-          </a:bodyPr>
+          <a:bodyPr rtlCol="0" anchor="ctr"/>
           <a:lstStyle/>
           <a:p>
+            <a:pPr algn="ctr"/>
+            <a:endParaRPr lang="fr-CA"/>
+          </a:p>
+        </p:txBody>
+      </p:sp>
+      <p:sp>
+        <p:nvSpPr>
+          <p:cNvPr id="7" name="Forme libre : forme 6">
+            <a:extLst>
+              <a:ext uri="{FF2B5EF4-FFF2-40B4-BE49-F238E27FC236}">
+                <a16:creationId xmlns:a16="http://schemas.microsoft.com/office/drawing/2014/main" id="{381511A9-F98E-44B3-90B5-679CED78E714}"/>
+              </a:ext>
+            </a:extLst>
+          </p:cNvPr>
+          <p:cNvSpPr/>
+          <p:nvPr/>
+        </p:nvSpPr>
+        <p:spPr>
+          <a:xfrm>
+            <a:off x="6704826" y="1550126"/>
+            <a:ext cx="1481231" cy="801188"/>
+          </a:xfrm>
+          <a:custGeom>
+            <a:avLst/>
+            <a:gdLst>
+              <a:gd name="connsiteX0" fmla="*/ 1481231 w 1481231"/>
+              <a:gd name="connsiteY0" fmla="*/ 0 h 801188"/>
+              <a:gd name="connsiteX1" fmla="*/ 1368020 w 1481231"/>
+              <a:gd name="connsiteY1" fmla="*/ 52251 h 801188"/>
+              <a:gd name="connsiteX2" fmla="*/ 1193848 w 1481231"/>
+              <a:gd name="connsiteY2" fmla="*/ 130628 h 801188"/>
+              <a:gd name="connsiteX3" fmla="*/ 1010968 w 1481231"/>
+              <a:gd name="connsiteY3" fmla="*/ 191588 h 801188"/>
+              <a:gd name="connsiteX4" fmla="*/ 976134 w 1481231"/>
+              <a:gd name="connsiteY4" fmla="*/ 200297 h 801188"/>
+              <a:gd name="connsiteX5" fmla="*/ 862923 w 1481231"/>
+              <a:gd name="connsiteY5" fmla="*/ 252548 h 801188"/>
+              <a:gd name="connsiteX6" fmla="*/ 836797 w 1481231"/>
+              <a:gd name="connsiteY6" fmla="*/ 269965 h 801188"/>
+              <a:gd name="connsiteX7" fmla="*/ 741003 w 1481231"/>
+              <a:gd name="connsiteY7" fmla="*/ 313508 h 801188"/>
+              <a:gd name="connsiteX8" fmla="*/ 662625 w 1481231"/>
+              <a:gd name="connsiteY8" fmla="*/ 339634 h 801188"/>
+              <a:gd name="connsiteX9" fmla="*/ 575540 w 1481231"/>
+              <a:gd name="connsiteY9" fmla="*/ 400594 h 801188"/>
+              <a:gd name="connsiteX10" fmla="*/ 523288 w 1481231"/>
+              <a:gd name="connsiteY10" fmla="*/ 435428 h 801188"/>
+              <a:gd name="connsiteX11" fmla="*/ 436203 w 1481231"/>
+              <a:gd name="connsiteY11" fmla="*/ 505097 h 801188"/>
+              <a:gd name="connsiteX12" fmla="*/ 383951 w 1481231"/>
+              <a:gd name="connsiteY12" fmla="*/ 531223 h 801188"/>
+              <a:gd name="connsiteX13" fmla="*/ 279448 w 1481231"/>
+              <a:gd name="connsiteY13" fmla="*/ 592183 h 801188"/>
+              <a:gd name="connsiteX14" fmla="*/ 235905 w 1481231"/>
+              <a:gd name="connsiteY14" fmla="*/ 627017 h 801188"/>
+              <a:gd name="connsiteX15" fmla="*/ 209780 w 1481231"/>
+              <a:gd name="connsiteY15" fmla="*/ 635725 h 801188"/>
+              <a:gd name="connsiteX16" fmla="*/ 174945 w 1481231"/>
+              <a:gd name="connsiteY16" fmla="*/ 670560 h 801188"/>
+              <a:gd name="connsiteX17" fmla="*/ 148820 w 1481231"/>
+              <a:gd name="connsiteY17" fmla="*/ 687977 h 801188"/>
+              <a:gd name="connsiteX18" fmla="*/ 122694 w 1481231"/>
+              <a:gd name="connsiteY18" fmla="*/ 714103 h 801188"/>
+              <a:gd name="connsiteX19" fmla="*/ 70443 w 1481231"/>
+              <a:gd name="connsiteY19" fmla="*/ 740228 h 801188"/>
+              <a:gd name="connsiteX20" fmla="*/ 774 w 1481231"/>
+              <a:gd name="connsiteY20" fmla="*/ 792480 h 801188"/>
+              <a:gd name="connsiteX21" fmla="*/ 774 w 1481231"/>
+              <a:gd name="connsiteY21" fmla="*/ 801188 h 801188"/>
+            </a:gdLst>
+            <a:ahLst/>
+            <a:cxnLst>
+              <a:cxn ang="0">
+                <a:pos x="connsiteX0" y="connsiteY0"/>
+              </a:cxn>
+              <a:cxn ang="0">
+                <a:pos x="connsiteX1" y="connsiteY1"/>
+              </a:cxn>
+              <a:cxn ang="0">
+                <a:pos x="connsiteX2" y="connsiteY2"/>
+              </a:cxn>
+              <a:cxn ang="0">
+                <a:pos x="connsiteX3" y="connsiteY3"/>
+              </a:cxn>
+              <a:cxn ang="0">
+                <a:pos x="connsiteX4" y="connsiteY4"/>
+              </a:cxn>
+              <a:cxn ang="0">
+                <a:pos x="connsiteX5" y="connsiteY5"/>
+              </a:cxn>
+              <a:cxn ang="0">
+                <a:pos x="connsiteX6" y="connsiteY6"/>
+              </a:cxn>
+              <a:cxn ang="0">
+                <a:pos x="connsiteX7" y="connsiteY7"/>
+              </a:cxn>
+              <a:cxn ang="0">
+                <a:pos x="connsiteX8" y="connsiteY8"/>
+              </a:cxn>
+              <a:cxn ang="0">
+                <a:pos x="connsiteX9" y="connsiteY9"/>
+              </a:cxn>
+              <a:cxn ang="0">
+                <a:pos x="connsiteX10" y="connsiteY10"/>
+              </a:cxn>
+              <a:cxn ang="0">
+                <a:pos x="connsiteX11" y="connsiteY11"/>
+              </a:cxn>
+              <a:cxn ang="0">
+                <a:pos x="connsiteX12" y="connsiteY12"/>
+              </a:cxn>
+              <a:cxn ang="0">
+                <a:pos x="connsiteX13" y="connsiteY13"/>
+              </a:cxn>
+              <a:cxn ang="0">
+                <a:pos x="connsiteX14" y="connsiteY14"/>
+              </a:cxn>
+              <a:cxn ang="0">
+                <a:pos x="connsiteX15" y="connsiteY15"/>
+              </a:cxn>
+              <a:cxn ang="0">
+                <a:pos x="connsiteX16" y="connsiteY16"/>
+              </a:cxn>
+              <a:cxn ang="0">
+                <a:pos x="connsiteX17" y="connsiteY17"/>
+              </a:cxn>
+              <a:cxn ang="0">
+                <a:pos x="connsiteX18" y="connsiteY18"/>
+              </a:cxn>
+              <a:cxn ang="0">
+                <a:pos x="connsiteX19" y="connsiteY19"/>
+              </a:cxn>
+              <a:cxn ang="0">
+                <a:pos x="connsiteX20" y="connsiteY20"/>
+              </a:cxn>
+              <a:cxn ang="0">
+                <a:pos x="connsiteX21" y="connsiteY21"/>
+              </a:cxn>
+            </a:cxnLst>
+            <a:rect l="l" t="t" r="r" b="b"/>
+            <a:pathLst>
+              <a:path w="1481231" h="801188">
+                <a:moveTo>
+                  <a:pt x="1481231" y="0"/>
+                </a:moveTo>
+                <a:cubicBezTo>
+                  <a:pt x="1395302" y="51556"/>
+                  <a:pt x="1484481" y="1616"/>
+                  <a:pt x="1368020" y="52251"/>
+                </a:cubicBezTo>
+                <a:cubicBezTo>
+                  <a:pt x="1335758" y="66278"/>
+                  <a:pt x="1245395" y="112785"/>
+                  <a:pt x="1193848" y="130628"/>
+                </a:cubicBezTo>
+                <a:cubicBezTo>
+                  <a:pt x="1133126" y="151647"/>
+                  <a:pt x="1072168" y="172004"/>
+                  <a:pt x="1010968" y="191588"/>
+                </a:cubicBezTo>
+                <a:cubicBezTo>
+                  <a:pt x="999569" y="195236"/>
+                  <a:pt x="987201" y="195740"/>
+                  <a:pt x="976134" y="200297"/>
+                </a:cubicBezTo>
+                <a:cubicBezTo>
+                  <a:pt x="937702" y="216122"/>
+                  <a:pt x="900098" y="233961"/>
+                  <a:pt x="862923" y="252548"/>
+                </a:cubicBezTo>
+                <a:cubicBezTo>
+                  <a:pt x="853562" y="257229"/>
+                  <a:pt x="846158" y="265284"/>
+                  <a:pt x="836797" y="269965"/>
+                </a:cubicBezTo>
+                <a:cubicBezTo>
+                  <a:pt x="805425" y="285651"/>
+                  <a:pt x="773570" y="300481"/>
+                  <a:pt x="741003" y="313508"/>
+                </a:cubicBezTo>
+                <a:cubicBezTo>
+                  <a:pt x="715433" y="323736"/>
+                  <a:pt x="662625" y="339634"/>
+                  <a:pt x="662625" y="339634"/>
+                </a:cubicBezTo>
+                <a:lnTo>
+                  <a:pt x="575540" y="400594"/>
+                </a:lnTo>
+                <a:cubicBezTo>
+                  <a:pt x="558290" y="412453"/>
+                  <a:pt x="539634" y="422351"/>
+                  <a:pt x="523288" y="435428"/>
+                </a:cubicBezTo>
+                <a:cubicBezTo>
+                  <a:pt x="494260" y="458651"/>
+                  <a:pt x="466836" y="484036"/>
+                  <a:pt x="436203" y="505097"/>
+                </a:cubicBezTo>
+                <a:cubicBezTo>
+                  <a:pt x="420156" y="516129"/>
+                  <a:pt x="400649" y="521204"/>
+                  <a:pt x="383951" y="531223"/>
+                </a:cubicBezTo>
+                <a:cubicBezTo>
+                  <a:pt x="276431" y="595734"/>
+                  <a:pt x="341649" y="571449"/>
+                  <a:pt x="279448" y="592183"/>
+                </a:cubicBezTo>
+                <a:cubicBezTo>
+                  <a:pt x="264934" y="603794"/>
+                  <a:pt x="251667" y="617166"/>
+                  <a:pt x="235905" y="627017"/>
+                </a:cubicBezTo>
+                <a:cubicBezTo>
+                  <a:pt x="228121" y="631882"/>
+                  <a:pt x="217250" y="630390"/>
+                  <a:pt x="209780" y="635725"/>
+                </a:cubicBezTo>
+                <a:cubicBezTo>
+                  <a:pt x="196417" y="645270"/>
+                  <a:pt x="188608" y="661451"/>
+                  <a:pt x="174945" y="670560"/>
+                </a:cubicBezTo>
+                <a:cubicBezTo>
+                  <a:pt x="166237" y="676366"/>
+                  <a:pt x="156860" y="681277"/>
+                  <a:pt x="148820" y="687977"/>
+                </a:cubicBezTo>
+                <a:cubicBezTo>
+                  <a:pt x="139359" y="695862"/>
+                  <a:pt x="132941" y="707271"/>
+                  <a:pt x="122694" y="714103"/>
+                </a:cubicBezTo>
+                <a:cubicBezTo>
+                  <a:pt x="106492" y="724904"/>
+                  <a:pt x="87538" y="730903"/>
+                  <a:pt x="70443" y="740228"/>
+                </a:cubicBezTo>
+                <a:cubicBezTo>
+                  <a:pt x="42235" y="755614"/>
+                  <a:pt x="20027" y="766810"/>
+                  <a:pt x="774" y="792480"/>
+                </a:cubicBezTo>
+                <a:cubicBezTo>
+                  <a:pt x="-968" y="794802"/>
+                  <a:pt x="774" y="798285"/>
+                  <a:pt x="774" y="801188"/>
+                </a:cubicBezTo>
+              </a:path>
+            </a:pathLst>
+          </a:custGeom>
+          <a:noFill/>
+        </p:spPr>
+        <p:style>
+          <a:lnRef idx="2">
+            <a:schemeClr val="accent1">
+              <a:shade val="50000"/>
+            </a:schemeClr>
+          </a:lnRef>
+          <a:fillRef idx="1">
+            <a:schemeClr val="accent1"/>
+          </a:fillRef>
+          <a:effectRef idx="0">
+            <a:schemeClr val="accent1"/>
+          </a:effectRef>
+          <a:fontRef idx="minor">
+            <a:schemeClr val="lt1"/>
+          </a:fontRef>
+        </p:style>
+        <p:txBody>
+          <a:bodyPr rtlCol="0" anchor="ctr"/>
+          <a:lstStyle/>
+          <a:p>
+            <a:pPr algn="ctr"/>
             <a:endParaRPr lang="fr-CA"/>
           </a:p>
         </p:txBody>
@@ -4624,7 +5093,7 @@
         <p:spPr>
           <a:xfrm>
             <a:off x="5330955" y="76221"/>
-            <a:ext cx="1001172" cy="369332"/>
+            <a:ext cx="1419556" cy="369332"/>
           </a:xfrm>
           <a:prstGeom prst="rect">
             <a:avLst/>
@@ -4639,7 +5108,7 @@
           <a:p>
             <a:r>
               <a:rPr lang="fr-CA" dirty="0"/>
-              <a:t>Option 2</a:t>
+              <a:t>Option 2 non</a:t>
             </a:r>
           </a:p>
         </p:txBody>
@@ -6936,7 +7405,7 @@
         <p:spPr>
           <a:xfrm>
             <a:off x="5330955" y="76221"/>
-            <a:ext cx="1001172" cy="369332"/>
+            <a:ext cx="1419556" cy="369332"/>
           </a:xfrm>
           <a:prstGeom prst="rect">
             <a:avLst/>
@@ -6951,7 +7420,7 @@
           <a:p>
             <a:r>
               <a:rPr lang="fr-CA" dirty="0"/>
-              <a:t>Option 2</a:t>
+              <a:t>Option 2 non</a:t>
             </a:r>
           </a:p>
         </p:txBody>
@@ -8007,7 +8476,7 @@
         <p:spPr>
           <a:xfrm>
             <a:off x="208867" y="870361"/>
-            <a:ext cx="2241319" cy="553998"/>
+            <a:ext cx="2241319" cy="246221"/>
           </a:xfrm>
           <a:prstGeom prst="rect">
             <a:avLst/>
@@ -8023,26 +8492,6 @@
             <a:r>
               <a:rPr lang="fr-CA" sz="1000" dirty="0"/>
               <a:t>Visible seulement par le coordonnateur</a:t>
-            </a:r>
-          </a:p>
-          <a:p>
-            <a:r>
-              <a:rPr lang="fr-CA" sz="1000" dirty="0"/>
-              <a:t>Si </a:t>
-            </a:r>
-            <a:r>
-              <a:rPr lang="fr-CA" sz="1000"/>
-              <a:t>aucune flèche</a:t>
-            </a:r>
-            <a:r>
-              <a:rPr lang="fr-CA" sz="1000" dirty="0"/>
-              <a:t>: Toute la page</a:t>
-            </a:r>
-          </a:p>
-          <a:p>
-            <a:r>
-              <a:rPr lang="fr-CA" sz="1000" dirty="0"/>
-              <a:t>Si flèche: Élément pointé seulement</a:t>
             </a:r>
           </a:p>
         </p:txBody>
@@ -12657,7 +13106,7 @@
           <a:lstStyle/>
           <a:p>
             <a:pPr algn="ctr"/>
-            <a:endParaRPr lang="fr-CA"/>
+            <a:endParaRPr lang="fr-CA" dirty="0"/>
           </a:p>
         </p:txBody>
       </p:sp>
@@ -18341,7 +18790,7 @@
         <p:spPr>
           <a:xfrm>
             <a:off x="5330955" y="76221"/>
-            <a:ext cx="1001172" cy="369332"/>
+            <a:ext cx="1668021" cy="369332"/>
           </a:xfrm>
           <a:prstGeom prst="rect">
             <a:avLst/>
@@ -18356,7 +18805,7 @@
           <a:p>
             <a:r>
               <a:rPr lang="fr-CA" dirty="0"/>
-              <a:t>Option 1</a:t>
+              <a:t>Option 1 choisit</a:t>
             </a:r>
           </a:p>
         </p:txBody>
@@ -18814,6 +19263,50 @@
           </a:prstGeom>
         </p:spPr>
       </p:pic>
+      <p:cxnSp>
+        <p:nvCxnSpPr>
+          <p:cNvPr id="6" name="Connecteur : en arc 5">
+            <a:extLst>
+              <a:ext uri="{FF2B5EF4-FFF2-40B4-BE49-F238E27FC236}">
+                <a16:creationId xmlns:a16="http://schemas.microsoft.com/office/drawing/2014/main" id="{296B2E96-0FE1-4757-8FC4-552C2984047C}"/>
+              </a:ext>
+            </a:extLst>
+          </p:cNvPr>
+          <p:cNvCxnSpPr>
+            <a:stCxn id="49" idx="3"/>
+            <a:endCxn id="21" idx="3"/>
+          </p:cNvCxnSpPr>
+          <p:nvPr/>
+        </p:nvCxnSpPr>
+        <p:spPr>
+          <a:xfrm flipV="1">
+            <a:off x="9168713" y="3577916"/>
+            <a:ext cx="12700" cy="2759839"/>
+          </a:xfrm>
+          <a:prstGeom prst="curvedConnector3">
+            <a:avLst>
+              <a:gd name="adj1" fmla="val 1800000"/>
+            </a:avLst>
+          </a:prstGeom>
+          <a:ln>
+            <a:tailEnd type="triangle"/>
+          </a:ln>
+        </p:spPr>
+        <p:style>
+          <a:lnRef idx="1">
+            <a:schemeClr val="accent1"/>
+          </a:lnRef>
+          <a:fillRef idx="0">
+            <a:schemeClr val="accent1"/>
+          </a:fillRef>
+          <a:effectRef idx="0">
+            <a:schemeClr val="accent1"/>
+          </a:effectRef>
+          <a:fontRef idx="minor">
+            <a:schemeClr val="tx1"/>
+          </a:fontRef>
+        </p:style>
+      </p:cxnSp>
     </p:spTree>
     <p:extLst>
       <p:ext uri="{BB962C8B-B14F-4D97-AF65-F5344CB8AC3E}">
@@ -18841,2293 +19334,2287 @@
 
 <file path=ppt/tags/tag100.xml><?xml version="1.0" encoding="utf-8"?>
 <p:tagLst xmlns:a="http://schemas.openxmlformats.org/drawingml/2006/main" xmlns:r="http://schemas.openxmlformats.org/officeDocument/2006/relationships" xmlns:p="http://schemas.openxmlformats.org/presentationml/2006/main">
+  <p:tag name="NUM" val="12"/>
+</p:tagLst>
+</file>
+
+<file path=ppt/tags/tag101.xml><?xml version="1.0" encoding="utf-8"?>
+<p:tagLst xmlns:a="http://schemas.openxmlformats.org/drawingml/2006/main" xmlns:r="http://schemas.openxmlformats.org/officeDocument/2006/relationships" xmlns:p="http://schemas.openxmlformats.org/presentationml/2006/main">
+  <p:tag name="NUM" val="13"/>
+</p:tagLst>
+</file>
+
+<file path=ppt/tags/tag102.xml><?xml version="1.0" encoding="utf-8"?>
+<p:tagLst xmlns:a="http://schemas.openxmlformats.org/drawingml/2006/main" xmlns:r="http://schemas.openxmlformats.org/officeDocument/2006/relationships" xmlns:p="http://schemas.openxmlformats.org/presentationml/2006/main">
+  <p:tag name="NUM" val="14"/>
+</p:tagLst>
+</file>
+
+<file path=ppt/tags/tag103.xml><?xml version="1.0" encoding="utf-8"?>
+<p:tagLst xmlns:a="http://schemas.openxmlformats.org/drawingml/2006/main" xmlns:r="http://schemas.openxmlformats.org/officeDocument/2006/relationships" xmlns:p="http://schemas.openxmlformats.org/presentationml/2006/main">
+  <p:tag name="NUM" val="15"/>
+</p:tagLst>
+</file>
+
+<file path=ppt/tags/tag104.xml><?xml version="1.0" encoding="utf-8"?>
+<p:tagLst xmlns:a="http://schemas.openxmlformats.org/drawingml/2006/main" xmlns:r="http://schemas.openxmlformats.org/officeDocument/2006/relationships" xmlns:p="http://schemas.openxmlformats.org/presentationml/2006/main">
+  <p:tag name="NUM" val="16"/>
+</p:tagLst>
+</file>
+
+<file path=ppt/tags/tag105.xml><?xml version="1.0" encoding="utf-8"?>
+<p:tagLst xmlns:a="http://schemas.openxmlformats.org/drawingml/2006/main" xmlns:r="http://schemas.openxmlformats.org/officeDocument/2006/relationships" xmlns:p="http://schemas.openxmlformats.org/presentationml/2006/main">
+  <p:tag name="NUM" val="17"/>
+</p:tagLst>
+</file>
+
+<file path=ppt/tags/tag106.xml><?xml version="1.0" encoding="utf-8"?>
+<p:tagLst xmlns:a="http://schemas.openxmlformats.org/drawingml/2006/main" xmlns:r="http://schemas.openxmlformats.org/officeDocument/2006/relationships" xmlns:p="http://schemas.openxmlformats.org/presentationml/2006/main">
+  <p:tag name="NUM" val="18"/>
+</p:tagLst>
+</file>
+
+<file path=ppt/tags/tag107.xml><?xml version="1.0" encoding="utf-8"?>
+<p:tagLst xmlns:a="http://schemas.openxmlformats.org/drawingml/2006/main" xmlns:r="http://schemas.openxmlformats.org/officeDocument/2006/relationships" xmlns:p="http://schemas.openxmlformats.org/presentationml/2006/main">
+  <p:tag name="NUM" val="19"/>
+</p:tagLst>
+</file>
+
+<file path=ppt/tags/tag108.xml><?xml version="1.0" encoding="utf-8"?>
+<p:tagLst xmlns:a="http://schemas.openxmlformats.org/drawingml/2006/main" xmlns:r="http://schemas.openxmlformats.org/officeDocument/2006/relationships" xmlns:p="http://schemas.openxmlformats.org/presentationml/2006/main">
+  <p:tag name="NUM" val="20"/>
+</p:tagLst>
+</file>
+
+<file path=ppt/tags/tag109.xml><?xml version="1.0" encoding="utf-8"?>
+<p:tagLst xmlns:a="http://schemas.openxmlformats.org/drawingml/2006/main" xmlns:r="http://schemas.openxmlformats.org/officeDocument/2006/relationships" xmlns:p="http://schemas.openxmlformats.org/presentationml/2006/main">
+  <p:tag name="NUM" val="21"/>
+</p:tagLst>
+</file>
+
+<file path=ppt/tags/tag11.xml><?xml version="1.0" encoding="utf-8"?>
+<p:tagLst xmlns:a="http://schemas.openxmlformats.org/drawingml/2006/main" xmlns:r="http://schemas.openxmlformats.org/officeDocument/2006/relationships" xmlns:p="http://schemas.openxmlformats.org/presentationml/2006/main">
   <p:tag name="NUM" val="11"/>
 </p:tagLst>
 </file>
 
-<file path=ppt/tags/tag101.xml><?xml version="1.0" encoding="utf-8"?>
+<file path=ppt/tags/tag110.xml><?xml version="1.0" encoding="utf-8"?>
+<p:tagLst xmlns:a="http://schemas.openxmlformats.org/drawingml/2006/main" xmlns:r="http://schemas.openxmlformats.org/officeDocument/2006/relationships" xmlns:p="http://schemas.openxmlformats.org/presentationml/2006/main">
+  <p:tag name="NUM" val="22"/>
+</p:tagLst>
+</file>
+
+<file path=ppt/tags/tag111.xml><?xml version="1.0" encoding="utf-8"?>
+<p:tagLst xmlns:a="http://schemas.openxmlformats.org/drawingml/2006/main" xmlns:r="http://schemas.openxmlformats.org/officeDocument/2006/relationships" xmlns:p="http://schemas.openxmlformats.org/presentationml/2006/main">
+  <p:tag name="NUM" val="23"/>
+</p:tagLst>
+</file>
+
+<file path=ppt/tags/tag112.xml><?xml version="1.0" encoding="utf-8"?>
+<p:tagLst xmlns:a="http://schemas.openxmlformats.org/drawingml/2006/main" xmlns:r="http://schemas.openxmlformats.org/officeDocument/2006/relationships" xmlns:p="http://schemas.openxmlformats.org/presentationml/2006/main">
+  <p:tag name="NUM" val="24"/>
+</p:tagLst>
+</file>
+
+<file path=ppt/tags/tag113.xml><?xml version="1.0" encoding="utf-8"?>
+<p:tagLst xmlns:a="http://schemas.openxmlformats.org/drawingml/2006/main" xmlns:r="http://schemas.openxmlformats.org/officeDocument/2006/relationships" xmlns:p="http://schemas.openxmlformats.org/presentationml/2006/main">
+  <p:tag name="NUM" val="25"/>
+</p:tagLst>
+</file>
+
+<file path=ppt/tags/tag114.xml><?xml version="1.0" encoding="utf-8"?>
+<p:tagLst xmlns:a="http://schemas.openxmlformats.org/drawingml/2006/main" xmlns:r="http://schemas.openxmlformats.org/officeDocument/2006/relationships" xmlns:p="http://schemas.openxmlformats.org/presentationml/2006/main">
+  <p:tag name="NUM" val="26"/>
+</p:tagLst>
+</file>
+
+<file path=ppt/tags/tag115.xml><?xml version="1.0" encoding="utf-8"?>
+<p:tagLst xmlns:a="http://schemas.openxmlformats.org/drawingml/2006/main" xmlns:r="http://schemas.openxmlformats.org/officeDocument/2006/relationships" xmlns:p="http://schemas.openxmlformats.org/presentationml/2006/main">
+  <p:tag name="NUM" val="27"/>
+</p:tagLst>
+</file>
+
+<file path=ppt/tags/tag116.xml><?xml version="1.0" encoding="utf-8"?>
+<p:tagLst xmlns:a="http://schemas.openxmlformats.org/drawingml/2006/main" xmlns:r="http://schemas.openxmlformats.org/officeDocument/2006/relationships" xmlns:p="http://schemas.openxmlformats.org/presentationml/2006/main">
+  <p:tag name="NUM" val="28"/>
+</p:tagLst>
+</file>
+
+<file path=ppt/tags/tag117.xml><?xml version="1.0" encoding="utf-8"?>
+<p:tagLst xmlns:a="http://schemas.openxmlformats.org/drawingml/2006/main" xmlns:r="http://schemas.openxmlformats.org/officeDocument/2006/relationships" xmlns:p="http://schemas.openxmlformats.org/presentationml/2006/main">
+  <p:tag name="NUM" val="29"/>
+</p:tagLst>
+</file>
+
+<file path=ppt/tags/tag118.xml><?xml version="1.0" encoding="utf-8"?>
+<p:tagLst xmlns:a="http://schemas.openxmlformats.org/drawingml/2006/main" xmlns:r="http://schemas.openxmlformats.org/officeDocument/2006/relationships" xmlns:p="http://schemas.openxmlformats.org/presentationml/2006/main">
+  <p:tag name="NUM" val="30"/>
+</p:tagLst>
+</file>
+
+<file path=ppt/tags/tag119.xml><?xml version="1.0" encoding="utf-8"?>
+<p:tagLst xmlns:a="http://schemas.openxmlformats.org/drawingml/2006/main" xmlns:r="http://schemas.openxmlformats.org/officeDocument/2006/relationships" xmlns:p="http://schemas.openxmlformats.org/presentationml/2006/main">
+  <p:tag name="NUM" val="31"/>
+</p:tagLst>
+</file>
+
+<file path=ppt/tags/tag12.xml><?xml version="1.0" encoding="utf-8"?>
 <p:tagLst xmlns:a="http://schemas.openxmlformats.org/drawingml/2006/main" xmlns:r="http://schemas.openxmlformats.org/officeDocument/2006/relationships" xmlns:p="http://schemas.openxmlformats.org/presentationml/2006/main">
   <p:tag name="NUM" val="12"/>
 </p:tagLst>
 </file>
 
-<file path=ppt/tags/tag102.xml><?xml version="1.0" encoding="utf-8"?>
+<file path=ppt/tags/tag120.xml><?xml version="1.0" encoding="utf-8"?>
+<p:tagLst xmlns:a="http://schemas.openxmlformats.org/drawingml/2006/main" xmlns:r="http://schemas.openxmlformats.org/officeDocument/2006/relationships" xmlns:p="http://schemas.openxmlformats.org/presentationml/2006/main">
+  <p:tag name="NUM" val="32"/>
+</p:tagLst>
+</file>
+
+<file path=ppt/tags/tag121.xml><?xml version="1.0" encoding="utf-8"?>
+<p:tagLst xmlns:a="http://schemas.openxmlformats.org/drawingml/2006/main" xmlns:r="http://schemas.openxmlformats.org/officeDocument/2006/relationships" xmlns:p="http://schemas.openxmlformats.org/presentationml/2006/main">
+  <p:tag name="NUM" val="33"/>
+</p:tagLst>
+</file>
+
+<file path=ppt/tags/tag122.xml><?xml version="1.0" encoding="utf-8"?>
+<p:tagLst xmlns:a="http://schemas.openxmlformats.org/drawingml/2006/main" xmlns:r="http://schemas.openxmlformats.org/officeDocument/2006/relationships" xmlns:p="http://schemas.openxmlformats.org/presentationml/2006/main">
+  <p:tag name="NUM" val="34"/>
+</p:tagLst>
+</file>
+
+<file path=ppt/tags/tag123.xml><?xml version="1.0" encoding="utf-8"?>
+<p:tagLst xmlns:a="http://schemas.openxmlformats.org/drawingml/2006/main" xmlns:r="http://schemas.openxmlformats.org/officeDocument/2006/relationships" xmlns:p="http://schemas.openxmlformats.org/presentationml/2006/main">
+  <p:tag name="NUM" val="35"/>
+</p:tagLst>
+</file>
+
+<file path=ppt/tags/tag124.xml><?xml version="1.0" encoding="utf-8"?>
+<p:tagLst xmlns:a="http://schemas.openxmlformats.org/drawingml/2006/main" xmlns:r="http://schemas.openxmlformats.org/officeDocument/2006/relationships" xmlns:p="http://schemas.openxmlformats.org/presentationml/2006/main">
+  <p:tag name="NUM" val="36"/>
+</p:tagLst>
+</file>
+
+<file path=ppt/tags/tag125.xml><?xml version="1.0" encoding="utf-8"?>
+<p:tagLst xmlns:a="http://schemas.openxmlformats.org/drawingml/2006/main" xmlns:r="http://schemas.openxmlformats.org/officeDocument/2006/relationships" xmlns:p="http://schemas.openxmlformats.org/presentationml/2006/main">
+  <p:tag name="NUM" val="37"/>
+</p:tagLst>
+</file>
+
+<file path=ppt/tags/tag126.xml><?xml version="1.0" encoding="utf-8"?>
+<p:tagLst xmlns:a="http://schemas.openxmlformats.org/drawingml/2006/main" xmlns:r="http://schemas.openxmlformats.org/officeDocument/2006/relationships" xmlns:p="http://schemas.openxmlformats.org/presentationml/2006/main">
+  <p:tag name="NUM" val="38"/>
+</p:tagLst>
+</file>
+
+<file path=ppt/tags/tag127.xml><?xml version="1.0" encoding="utf-8"?>
+<p:tagLst xmlns:a="http://schemas.openxmlformats.org/drawingml/2006/main" xmlns:r="http://schemas.openxmlformats.org/officeDocument/2006/relationships" xmlns:p="http://schemas.openxmlformats.org/presentationml/2006/main">
+  <p:tag name="NUM" val="39"/>
+</p:tagLst>
+</file>
+
+<file path=ppt/tags/tag128.xml><?xml version="1.0" encoding="utf-8"?>
+<p:tagLst xmlns:a="http://schemas.openxmlformats.org/drawingml/2006/main" xmlns:r="http://schemas.openxmlformats.org/officeDocument/2006/relationships" xmlns:p="http://schemas.openxmlformats.org/presentationml/2006/main">
+  <p:tag name="NUM" val="40"/>
+</p:tagLst>
+</file>
+
+<file path=ppt/tags/tag129.xml><?xml version="1.0" encoding="utf-8"?>
+<p:tagLst xmlns:a="http://schemas.openxmlformats.org/drawingml/2006/main" xmlns:r="http://schemas.openxmlformats.org/officeDocument/2006/relationships" xmlns:p="http://schemas.openxmlformats.org/presentationml/2006/main">
+  <p:tag name="NUM" val="41"/>
+</p:tagLst>
+</file>
+
+<file path=ppt/tags/tag13.xml><?xml version="1.0" encoding="utf-8"?>
 <p:tagLst xmlns:a="http://schemas.openxmlformats.org/drawingml/2006/main" xmlns:r="http://schemas.openxmlformats.org/officeDocument/2006/relationships" xmlns:p="http://schemas.openxmlformats.org/presentationml/2006/main">
   <p:tag name="NUM" val="13"/>
 </p:tagLst>
 </file>
 
-<file path=ppt/tags/tag103.xml><?xml version="1.0" encoding="utf-8"?>
+<file path=ppt/tags/tag130.xml><?xml version="1.0" encoding="utf-8"?>
+<p:tagLst xmlns:a="http://schemas.openxmlformats.org/drawingml/2006/main" xmlns:r="http://schemas.openxmlformats.org/officeDocument/2006/relationships" xmlns:p="http://schemas.openxmlformats.org/presentationml/2006/main">
+  <p:tag name="NUM" val="42"/>
+</p:tagLst>
+</file>
+
+<file path=ppt/tags/tag131.xml><?xml version="1.0" encoding="utf-8"?>
+<p:tagLst xmlns:a="http://schemas.openxmlformats.org/drawingml/2006/main" xmlns:r="http://schemas.openxmlformats.org/officeDocument/2006/relationships" xmlns:p="http://schemas.openxmlformats.org/presentationml/2006/main">
+  <p:tag name="NUM" val="43"/>
+</p:tagLst>
+</file>
+
+<file path=ppt/tags/tag132.xml><?xml version="1.0" encoding="utf-8"?>
+<p:tagLst xmlns:a="http://schemas.openxmlformats.org/drawingml/2006/main" xmlns:r="http://schemas.openxmlformats.org/officeDocument/2006/relationships" xmlns:p="http://schemas.openxmlformats.org/presentationml/2006/main">
+  <p:tag name="NUM" val="44"/>
+</p:tagLst>
+</file>
+
+<file path=ppt/tags/tag133.xml><?xml version="1.0" encoding="utf-8"?>
+<p:tagLst xmlns:a="http://schemas.openxmlformats.org/drawingml/2006/main" xmlns:r="http://schemas.openxmlformats.org/officeDocument/2006/relationships" xmlns:p="http://schemas.openxmlformats.org/presentationml/2006/main">
+  <p:tag name="NUM" val="45"/>
+</p:tagLst>
+</file>
+
+<file path=ppt/tags/tag134.xml><?xml version="1.0" encoding="utf-8"?>
+<p:tagLst xmlns:a="http://schemas.openxmlformats.org/drawingml/2006/main" xmlns:r="http://schemas.openxmlformats.org/officeDocument/2006/relationships" xmlns:p="http://schemas.openxmlformats.org/presentationml/2006/main">
+  <p:tag name="NUM" val="46"/>
+</p:tagLst>
+</file>
+
+<file path=ppt/tags/tag135.xml><?xml version="1.0" encoding="utf-8"?>
+<p:tagLst xmlns:a="http://schemas.openxmlformats.org/drawingml/2006/main" xmlns:r="http://schemas.openxmlformats.org/officeDocument/2006/relationships" xmlns:p="http://schemas.openxmlformats.org/presentationml/2006/main">
+  <p:tag name="NUM" val="47"/>
+</p:tagLst>
+</file>
+
+<file path=ppt/tags/tag136.xml><?xml version="1.0" encoding="utf-8"?>
+<p:tagLst xmlns:a="http://schemas.openxmlformats.org/drawingml/2006/main" xmlns:r="http://schemas.openxmlformats.org/officeDocument/2006/relationships" xmlns:p="http://schemas.openxmlformats.org/presentationml/2006/main">
+  <p:tag name="NUM" val="48"/>
+</p:tagLst>
+</file>
+
+<file path=ppt/tags/tag137.xml><?xml version="1.0" encoding="utf-8"?>
+<p:tagLst xmlns:a="http://schemas.openxmlformats.org/drawingml/2006/main" xmlns:r="http://schemas.openxmlformats.org/officeDocument/2006/relationships" xmlns:p="http://schemas.openxmlformats.org/presentationml/2006/main">
+  <p:tag name="NUM" val="49"/>
+</p:tagLst>
+</file>
+
+<file path=ppt/tags/tag138.xml><?xml version="1.0" encoding="utf-8"?>
+<p:tagLst xmlns:a="http://schemas.openxmlformats.org/drawingml/2006/main" xmlns:r="http://schemas.openxmlformats.org/officeDocument/2006/relationships" xmlns:p="http://schemas.openxmlformats.org/presentationml/2006/main">
+  <p:tag name="NUM" val="50"/>
+</p:tagLst>
+</file>
+
+<file path=ppt/tags/tag139.xml><?xml version="1.0" encoding="utf-8"?>
+<p:tagLst xmlns:a="http://schemas.openxmlformats.org/drawingml/2006/main" xmlns:r="http://schemas.openxmlformats.org/officeDocument/2006/relationships" xmlns:p="http://schemas.openxmlformats.org/presentationml/2006/main">
+  <p:tag name="NUM" val="51"/>
+</p:tagLst>
+</file>
+
+<file path=ppt/tags/tag14.xml><?xml version="1.0" encoding="utf-8"?>
 <p:tagLst xmlns:a="http://schemas.openxmlformats.org/drawingml/2006/main" xmlns:r="http://schemas.openxmlformats.org/officeDocument/2006/relationships" xmlns:p="http://schemas.openxmlformats.org/presentationml/2006/main">
   <p:tag name="NUM" val="14"/>
 </p:tagLst>
 </file>
 
-<file path=ppt/tags/tag104.xml><?xml version="1.0" encoding="utf-8"?>
+<file path=ppt/tags/tag140.xml><?xml version="1.0" encoding="utf-8"?>
+<p:tagLst xmlns:a="http://schemas.openxmlformats.org/drawingml/2006/main" xmlns:r="http://schemas.openxmlformats.org/officeDocument/2006/relationships" xmlns:p="http://schemas.openxmlformats.org/presentationml/2006/main">
+  <p:tag name="NUM" val="52"/>
+</p:tagLst>
+</file>
+
+<file path=ppt/tags/tag141.xml><?xml version="1.0" encoding="utf-8"?>
+<p:tagLst xmlns:a="http://schemas.openxmlformats.org/drawingml/2006/main" xmlns:r="http://schemas.openxmlformats.org/officeDocument/2006/relationships" xmlns:p="http://schemas.openxmlformats.org/presentationml/2006/main">
+  <p:tag name="NUM" val="47"/>
+</p:tagLst>
+</file>
+
+<file path=ppt/tags/tag142.xml><?xml version="1.0" encoding="utf-8"?>
+<p:tagLst xmlns:a="http://schemas.openxmlformats.org/drawingml/2006/main" xmlns:r="http://schemas.openxmlformats.org/officeDocument/2006/relationships" xmlns:p="http://schemas.openxmlformats.org/presentationml/2006/main">
+  <p:tag name="NUM" val="1"/>
+</p:tagLst>
+</file>
+
+<file path=ppt/tags/tag143.xml><?xml version="1.0" encoding="utf-8"?>
+<p:tagLst xmlns:a="http://schemas.openxmlformats.org/drawingml/2006/main" xmlns:r="http://schemas.openxmlformats.org/officeDocument/2006/relationships" xmlns:p="http://schemas.openxmlformats.org/presentationml/2006/main">
+  <p:tag name="NUM" val="2"/>
+</p:tagLst>
+</file>
+
+<file path=ppt/tags/tag144.xml><?xml version="1.0" encoding="utf-8"?>
+<p:tagLst xmlns:a="http://schemas.openxmlformats.org/drawingml/2006/main" xmlns:r="http://schemas.openxmlformats.org/officeDocument/2006/relationships" xmlns:p="http://schemas.openxmlformats.org/presentationml/2006/main">
+  <p:tag name="NUM" val="3"/>
+</p:tagLst>
+</file>
+
+<file path=ppt/tags/tag145.xml><?xml version="1.0" encoding="utf-8"?>
+<p:tagLst xmlns:a="http://schemas.openxmlformats.org/drawingml/2006/main" xmlns:r="http://schemas.openxmlformats.org/officeDocument/2006/relationships" xmlns:p="http://schemas.openxmlformats.org/presentationml/2006/main">
+  <p:tag name="NUM" val="4"/>
+</p:tagLst>
+</file>
+
+<file path=ppt/tags/tag146.xml><?xml version="1.0" encoding="utf-8"?>
+<p:tagLst xmlns:a="http://schemas.openxmlformats.org/drawingml/2006/main" xmlns:r="http://schemas.openxmlformats.org/officeDocument/2006/relationships" xmlns:p="http://schemas.openxmlformats.org/presentationml/2006/main">
+  <p:tag name="NUM" val="5"/>
+</p:tagLst>
+</file>
+
+<file path=ppt/tags/tag147.xml><?xml version="1.0" encoding="utf-8"?>
+<p:tagLst xmlns:a="http://schemas.openxmlformats.org/drawingml/2006/main" xmlns:r="http://schemas.openxmlformats.org/officeDocument/2006/relationships" xmlns:p="http://schemas.openxmlformats.org/presentationml/2006/main">
+  <p:tag name="NUM" val="6"/>
+</p:tagLst>
+</file>
+
+<file path=ppt/tags/tag148.xml><?xml version="1.0" encoding="utf-8"?>
+<p:tagLst xmlns:a="http://schemas.openxmlformats.org/drawingml/2006/main" xmlns:r="http://schemas.openxmlformats.org/officeDocument/2006/relationships" xmlns:p="http://schemas.openxmlformats.org/presentationml/2006/main">
+  <p:tag name="NUM" val="7"/>
+</p:tagLst>
+</file>
+
+<file path=ppt/tags/tag149.xml><?xml version="1.0" encoding="utf-8"?>
+<p:tagLst xmlns:a="http://schemas.openxmlformats.org/drawingml/2006/main" xmlns:r="http://schemas.openxmlformats.org/officeDocument/2006/relationships" xmlns:p="http://schemas.openxmlformats.org/presentationml/2006/main">
+  <p:tag name="NUM" val="8"/>
+</p:tagLst>
+</file>
+
+<file path=ppt/tags/tag15.xml><?xml version="1.0" encoding="utf-8"?>
 <p:tagLst xmlns:a="http://schemas.openxmlformats.org/drawingml/2006/main" xmlns:r="http://schemas.openxmlformats.org/officeDocument/2006/relationships" xmlns:p="http://schemas.openxmlformats.org/presentationml/2006/main">
   <p:tag name="NUM" val="15"/>
 </p:tagLst>
 </file>
 
-<file path=ppt/tags/tag105.xml><?xml version="1.0" encoding="utf-8"?>
+<file path=ppt/tags/tag150.xml><?xml version="1.0" encoding="utf-8"?>
+<p:tagLst xmlns:a="http://schemas.openxmlformats.org/drawingml/2006/main" xmlns:r="http://schemas.openxmlformats.org/officeDocument/2006/relationships" xmlns:p="http://schemas.openxmlformats.org/presentationml/2006/main">
+  <p:tag name="NUM" val="9"/>
+</p:tagLst>
+</file>
+
+<file path=ppt/tags/tag151.xml><?xml version="1.0" encoding="utf-8"?>
+<p:tagLst xmlns:a="http://schemas.openxmlformats.org/drawingml/2006/main" xmlns:r="http://schemas.openxmlformats.org/officeDocument/2006/relationships" xmlns:p="http://schemas.openxmlformats.org/presentationml/2006/main">
+  <p:tag name="NUM" val="10"/>
+</p:tagLst>
+</file>
+
+<file path=ppt/tags/tag152.xml><?xml version="1.0" encoding="utf-8"?>
+<p:tagLst xmlns:a="http://schemas.openxmlformats.org/drawingml/2006/main" xmlns:r="http://schemas.openxmlformats.org/officeDocument/2006/relationships" xmlns:p="http://schemas.openxmlformats.org/presentationml/2006/main">
+  <p:tag name="NUM" val="11"/>
+</p:tagLst>
+</file>
+
+<file path=ppt/tags/tag153.xml><?xml version="1.0" encoding="utf-8"?>
+<p:tagLst xmlns:a="http://schemas.openxmlformats.org/drawingml/2006/main" xmlns:r="http://schemas.openxmlformats.org/officeDocument/2006/relationships" xmlns:p="http://schemas.openxmlformats.org/presentationml/2006/main">
+  <p:tag name="NUM" val="12"/>
+</p:tagLst>
+</file>
+
+<file path=ppt/tags/tag154.xml><?xml version="1.0" encoding="utf-8"?>
+<p:tagLst xmlns:a="http://schemas.openxmlformats.org/drawingml/2006/main" xmlns:r="http://schemas.openxmlformats.org/officeDocument/2006/relationships" xmlns:p="http://schemas.openxmlformats.org/presentationml/2006/main">
+  <p:tag name="NUM" val="13"/>
+</p:tagLst>
+</file>
+
+<file path=ppt/tags/tag155.xml><?xml version="1.0" encoding="utf-8"?>
+<p:tagLst xmlns:a="http://schemas.openxmlformats.org/drawingml/2006/main" xmlns:r="http://schemas.openxmlformats.org/officeDocument/2006/relationships" xmlns:p="http://schemas.openxmlformats.org/presentationml/2006/main">
+  <p:tag name="NUM" val="14"/>
+</p:tagLst>
+</file>
+
+<file path=ppt/tags/tag156.xml><?xml version="1.0" encoding="utf-8"?>
+<p:tagLst xmlns:a="http://schemas.openxmlformats.org/drawingml/2006/main" xmlns:r="http://schemas.openxmlformats.org/officeDocument/2006/relationships" xmlns:p="http://schemas.openxmlformats.org/presentationml/2006/main">
+  <p:tag name="NUM" val="15"/>
+</p:tagLst>
+</file>
+
+<file path=ppt/tags/tag157.xml><?xml version="1.0" encoding="utf-8"?>
 <p:tagLst xmlns:a="http://schemas.openxmlformats.org/drawingml/2006/main" xmlns:r="http://schemas.openxmlformats.org/officeDocument/2006/relationships" xmlns:p="http://schemas.openxmlformats.org/presentationml/2006/main">
   <p:tag name="NUM" val="16"/>
 </p:tagLst>
 </file>
 
-<file path=ppt/tags/tag106.xml><?xml version="1.0" encoding="utf-8"?>
+<file path=ppt/tags/tag158.xml><?xml version="1.0" encoding="utf-8"?>
 <p:tagLst xmlns:a="http://schemas.openxmlformats.org/drawingml/2006/main" xmlns:r="http://schemas.openxmlformats.org/officeDocument/2006/relationships" xmlns:p="http://schemas.openxmlformats.org/presentationml/2006/main">
   <p:tag name="NUM" val="17"/>
 </p:tagLst>
 </file>
 
-<file path=ppt/tags/tag107.xml><?xml version="1.0" encoding="utf-8"?>
+<file path=ppt/tags/tag159.xml><?xml version="1.0" encoding="utf-8"?>
 <p:tagLst xmlns:a="http://schemas.openxmlformats.org/drawingml/2006/main" xmlns:r="http://schemas.openxmlformats.org/officeDocument/2006/relationships" xmlns:p="http://schemas.openxmlformats.org/presentationml/2006/main">
   <p:tag name="NUM" val="18"/>
 </p:tagLst>
 </file>
 
-<file path=ppt/tags/tag108.xml><?xml version="1.0" encoding="utf-8"?>
+<file path=ppt/tags/tag16.xml><?xml version="1.0" encoding="utf-8"?>
+<p:tagLst xmlns:a="http://schemas.openxmlformats.org/drawingml/2006/main" xmlns:r="http://schemas.openxmlformats.org/officeDocument/2006/relationships" xmlns:p="http://schemas.openxmlformats.org/presentationml/2006/main">
+  <p:tag name="NUM" val="16"/>
+</p:tagLst>
+</file>
+
+<file path=ppt/tags/tag160.xml><?xml version="1.0" encoding="utf-8"?>
 <p:tagLst xmlns:a="http://schemas.openxmlformats.org/drawingml/2006/main" xmlns:r="http://schemas.openxmlformats.org/officeDocument/2006/relationships" xmlns:p="http://schemas.openxmlformats.org/presentationml/2006/main">
   <p:tag name="NUM" val="19"/>
 </p:tagLst>
 </file>
 
-<file path=ppt/tags/tag109.xml><?xml version="1.0" encoding="utf-8"?>
+<file path=ppt/tags/tag161.xml><?xml version="1.0" encoding="utf-8"?>
 <p:tagLst xmlns:a="http://schemas.openxmlformats.org/drawingml/2006/main" xmlns:r="http://schemas.openxmlformats.org/officeDocument/2006/relationships" xmlns:p="http://schemas.openxmlformats.org/presentationml/2006/main">
   <p:tag name="NUM" val="20"/>
 </p:tagLst>
 </file>
 
-<file path=ppt/tags/tag11.xml><?xml version="1.0" encoding="utf-8"?>
+<file path=ppt/tags/tag162.xml><?xml version="1.0" encoding="utf-8"?>
+<p:tagLst xmlns:a="http://schemas.openxmlformats.org/drawingml/2006/main" xmlns:r="http://schemas.openxmlformats.org/officeDocument/2006/relationships" xmlns:p="http://schemas.openxmlformats.org/presentationml/2006/main">
+  <p:tag name="NUM" val="21"/>
+</p:tagLst>
+</file>
+
+<file path=ppt/tags/tag163.xml><?xml version="1.0" encoding="utf-8"?>
+<p:tagLst xmlns:a="http://schemas.openxmlformats.org/drawingml/2006/main" xmlns:r="http://schemas.openxmlformats.org/officeDocument/2006/relationships" xmlns:p="http://schemas.openxmlformats.org/presentationml/2006/main">
+  <p:tag name="NUM" val="22"/>
+</p:tagLst>
+</file>
+
+<file path=ppt/tags/tag164.xml><?xml version="1.0" encoding="utf-8"?>
+<p:tagLst xmlns:a="http://schemas.openxmlformats.org/drawingml/2006/main" xmlns:r="http://schemas.openxmlformats.org/officeDocument/2006/relationships" xmlns:p="http://schemas.openxmlformats.org/presentationml/2006/main">
+  <p:tag name="NUM" val="23"/>
+</p:tagLst>
+</file>
+
+<file path=ppt/tags/tag165.xml><?xml version="1.0" encoding="utf-8"?>
+<p:tagLst xmlns:a="http://schemas.openxmlformats.org/drawingml/2006/main" xmlns:r="http://schemas.openxmlformats.org/officeDocument/2006/relationships" xmlns:p="http://schemas.openxmlformats.org/presentationml/2006/main">
+  <p:tag name="NUM" val="24"/>
+</p:tagLst>
+</file>
+
+<file path=ppt/tags/tag166.xml><?xml version="1.0" encoding="utf-8"?>
+<p:tagLst xmlns:a="http://schemas.openxmlformats.org/drawingml/2006/main" xmlns:r="http://schemas.openxmlformats.org/officeDocument/2006/relationships" xmlns:p="http://schemas.openxmlformats.org/presentationml/2006/main">
+  <p:tag name="NUM" val="25"/>
+</p:tagLst>
+</file>
+
+<file path=ppt/tags/tag167.xml><?xml version="1.0" encoding="utf-8"?>
+<p:tagLst xmlns:a="http://schemas.openxmlformats.org/drawingml/2006/main" xmlns:r="http://schemas.openxmlformats.org/officeDocument/2006/relationships" xmlns:p="http://schemas.openxmlformats.org/presentationml/2006/main">
+  <p:tag name="NUM" val="26"/>
+</p:tagLst>
+</file>
+
+<file path=ppt/tags/tag168.xml><?xml version="1.0" encoding="utf-8"?>
+<p:tagLst xmlns:a="http://schemas.openxmlformats.org/drawingml/2006/main" xmlns:r="http://schemas.openxmlformats.org/officeDocument/2006/relationships" xmlns:p="http://schemas.openxmlformats.org/presentationml/2006/main">
+  <p:tag name="NUM" val="27"/>
+</p:tagLst>
+</file>
+
+<file path=ppt/tags/tag169.xml><?xml version="1.0" encoding="utf-8"?>
+<p:tagLst xmlns:a="http://schemas.openxmlformats.org/drawingml/2006/main" xmlns:r="http://schemas.openxmlformats.org/officeDocument/2006/relationships" xmlns:p="http://schemas.openxmlformats.org/presentationml/2006/main">
+  <p:tag name="NUM" val="28"/>
+</p:tagLst>
+</file>
+
+<file path=ppt/tags/tag17.xml><?xml version="1.0" encoding="utf-8"?>
+<p:tagLst xmlns:a="http://schemas.openxmlformats.org/drawingml/2006/main" xmlns:r="http://schemas.openxmlformats.org/officeDocument/2006/relationships" xmlns:p="http://schemas.openxmlformats.org/presentationml/2006/main">
+  <p:tag name="NUM" val="17"/>
+</p:tagLst>
+</file>
+
+<file path=ppt/tags/tag170.xml><?xml version="1.0" encoding="utf-8"?>
+<p:tagLst xmlns:a="http://schemas.openxmlformats.org/drawingml/2006/main" xmlns:r="http://schemas.openxmlformats.org/officeDocument/2006/relationships" xmlns:p="http://schemas.openxmlformats.org/presentationml/2006/main">
+  <p:tag name="NUM" val="29"/>
+</p:tagLst>
+</file>
+
+<file path=ppt/tags/tag171.xml><?xml version="1.0" encoding="utf-8"?>
+<p:tagLst xmlns:a="http://schemas.openxmlformats.org/drawingml/2006/main" xmlns:r="http://schemas.openxmlformats.org/officeDocument/2006/relationships" xmlns:p="http://schemas.openxmlformats.org/presentationml/2006/main">
+  <p:tag name="NUM" val="30"/>
+</p:tagLst>
+</file>
+
+<file path=ppt/tags/tag172.xml><?xml version="1.0" encoding="utf-8"?>
+<p:tagLst xmlns:a="http://schemas.openxmlformats.org/drawingml/2006/main" xmlns:r="http://schemas.openxmlformats.org/officeDocument/2006/relationships" xmlns:p="http://schemas.openxmlformats.org/presentationml/2006/main">
+  <p:tag name="NUM" val="31"/>
+</p:tagLst>
+</file>
+
+<file path=ppt/tags/tag173.xml><?xml version="1.0" encoding="utf-8"?>
+<p:tagLst xmlns:a="http://schemas.openxmlformats.org/drawingml/2006/main" xmlns:r="http://schemas.openxmlformats.org/officeDocument/2006/relationships" xmlns:p="http://schemas.openxmlformats.org/presentationml/2006/main">
+  <p:tag name="NUM" val="32"/>
+</p:tagLst>
+</file>
+
+<file path=ppt/tags/tag174.xml><?xml version="1.0" encoding="utf-8"?>
+<p:tagLst xmlns:a="http://schemas.openxmlformats.org/drawingml/2006/main" xmlns:r="http://schemas.openxmlformats.org/officeDocument/2006/relationships" xmlns:p="http://schemas.openxmlformats.org/presentationml/2006/main">
+  <p:tag name="NUM" val="33"/>
+</p:tagLst>
+</file>
+
+<file path=ppt/tags/tag175.xml><?xml version="1.0" encoding="utf-8"?>
+<p:tagLst xmlns:a="http://schemas.openxmlformats.org/drawingml/2006/main" xmlns:r="http://schemas.openxmlformats.org/officeDocument/2006/relationships" xmlns:p="http://schemas.openxmlformats.org/presentationml/2006/main">
+  <p:tag name="NUM" val="34"/>
+</p:tagLst>
+</file>
+
+<file path=ppt/tags/tag176.xml><?xml version="1.0" encoding="utf-8"?>
+<p:tagLst xmlns:a="http://schemas.openxmlformats.org/drawingml/2006/main" xmlns:r="http://schemas.openxmlformats.org/officeDocument/2006/relationships" xmlns:p="http://schemas.openxmlformats.org/presentationml/2006/main">
+  <p:tag name="NUM" val="35"/>
+</p:tagLst>
+</file>
+
+<file path=ppt/tags/tag177.xml><?xml version="1.0" encoding="utf-8"?>
+<p:tagLst xmlns:a="http://schemas.openxmlformats.org/drawingml/2006/main" xmlns:r="http://schemas.openxmlformats.org/officeDocument/2006/relationships" xmlns:p="http://schemas.openxmlformats.org/presentationml/2006/main">
+  <p:tag name="NUM" val="36"/>
+</p:tagLst>
+</file>
+
+<file path=ppt/tags/tag178.xml><?xml version="1.0" encoding="utf-8"?>
+<p:tagLst xmlns:a="http://schemas.openxmlformats.org/drawingml/2006/main" xmlns:r="http://schemas.openxmlformats.org/officeDocument/2006/relationships" xmlns:p="http://schemas.openxmlformats.org/presentationml/2006/main">
+  <p:tag name="NUM" val="37"/>
+</p:tagLst>
+</file>
+
+<file path=ppt/tags/tag179.xml><?xml version="1.0" encoding="utf-8"?>
+<p:tagLst xmlns:a="http://schemas.openxmlformats.org/drawingml/2006/main" xmlns:r="http://schemas.openxmlformats.org/officeDocument/2006/relationships" xmlns:p="http://schemas.openxmlformats.org/presentationml/2006/main">
+  <p:tag name="NUM" val="38"/>
+</p:tagLst>
+</file>
+
+<file path=ppt/tags/tag18.xml><?xml version="1.0" encoding="utf-8"?>
+<p:tagLst xmlns:a="http://schemas.openxmlformats.org/drawingml/2006/main" xmlns:r="http://schemas.openxmlformats.org/officeDocument/2006/relationships" xmlns:p="http://schemas.openxmlformats.org/presentationml/2006/main">
+  <p:tag name="NUM" val="18"/>
+</p:tagLst>
+</file>
+
+<file path=ppt/tags/tag180.xml><?xml version="1.0" encoding="utf-8"?>
+<p:tagLst xmlns:a="http://schemas.openxmlformats.org/drawingml/2006/main" xmlns:r="http://schemas.openxmlformats.org/officeDocument/2006/relationships" xmlns:p="http://schemas.openxmlformats.org/presentationml/2006/main">
+  <p:tag name="NUM" val="39"/>
+</p:tagLst>
+</file>
+
+<file path=ppt/tags/tag181.xml><?xml version="1.0" encoding="utf-8"?>
+<p:tagLst xmlns:a="http://schemas.openxmlformats.org/drawingml/2006/main" xmlns:r="http://schemas.openxmlformats.org/officeDocument/2006/relationships" xmlns:p="http://schemas.openxmlformats.org/presentationml/2006/main">
+  <p:tag name="NUM" val="40"/>
+</p:tagLst>
+</file>
+
+<file path=ppt/tags/tag182.xml><?xml version="1.0" encoding="utf-8"?>
+<p:tagLst xmlns:a="http://schemas.openxmlformats.org/drawingml/2006/main" xmlns:r="http://schemas.openxmlformats.org/officeDocument/2006/relationships" xmlns:p="http://schemas.openxmlformats.org/presentationml/2006/main">
+  <p:tag name="NUM" val="41"/>
+</p:tagLst>
+</file>
+
+<file path=ppt/tags/tag183.xml><?xml version="1.0" encoding="utf-8"?>
+<p:tagLst xmlns:a="http://schemas.openxmlformats.org/drawingml/2006/main" xmlns:r="http://schemas.openxmlformats.org/officeDocument/2006/relationships" xmlns:p="http://schemas.openxmlformats.org/presentationml/2006/main">
+  <p:tag name="NUM" val="42"/>
+</p:tagLst>
+</file>
+
+<file path=ppt/tags/tag184.xml><?xml version="1.0" encoding="utf-8"?>
+<p:tagLst xmlns:a="http://schemas.openxmlformats.org/drawingml/2006/main" xmlns:r="http://schemas.openxmlformats.org/officeDocument/2006/relationships" xmlns:p="http://schemas.openxmlformats.org/presentationml/2006/main">
+  <p:tag name="NUM" val="43"/>
+</p:tagLst>
+</file>
+
+<file path=ppt/tags/tag185.xml><?xml version="1.0" encoding="utf-8"?>
+<p:tagLst xmlns:a="http://schemas.openxmlformats.org/drawingml/2006/main" xmlns:r="http://schemas.openxmlformats.org/officeDocument/2006/relationships" xmlns:p="http://schemas.openxmlformats.org/presentationml/2006/main">
+  <p:tag name="NUM" val="44"/>
+</p:tagLst>
+</file>
+
+<file path=ppt/tags/tag186.xml><?xml version="1.0" encoding="utf-8"?>
+<p:tagLst xmlns:a="http://schemas.openxmlformats.org/drawingml/2006/main" xmlns:r="http://schemas.openxmlformats.org/officeDocument/2006/relationships" xmlns:p="http://schemas.openxmlformats.org/presentationml/2006/main">
+  <p:tag name="NUM" val="45"/>
+</p:tagLst>
+</file>
+
+<file path=ppt/tags/tag187.xml><?xml version="1.0" encoding="utf-8"?>
+<p:tagLst xmlns:a="http://schemas.openxmlformats.org/drawingml/2006/main" xmlns:r="http://schemas.openxmlformats.org/officeDocument/2006/relationships" xmlns:p="http://schemas.openxmlformats.org/presentationml/2006/main">
+  <p:tag name="NUM" val="46"/>
+</p:tagLst>
+</file>
+
+<file path=ppt/tags/tag188.xml><?xml version="1.0" encoding="utf-8"?>
+<p:tagLst xmlns:a="http://schemas.openxmlformats.org/drawingml/2006/main" xmlns:r="http://schemas.openxmlformats.org/officeDocument/2006/relationships" xmlns:p="http://schemas.openxmlformats.org/presentationml/2006/main">
+  <p:tag name="NUM" val="47"/>
+</p:tagLst>
+</file>
+
+<file path=ppt/tags/tag189.xml><?xml version="1.0" encoding="utf-8"?>
+<p:tagLst xmlns:a="http://schemas.openxmlformats.org/drawingml/2006/main" xmlns:r="http://schemas.openxmlformats.org/officeDocument/2006/relationships" xmlns:p="http://schemas.openxmlformats.org/presentationml/2006/main">
+  <p:tag name="NUM" val="48"/>
+</p:tagLst>
+</file>
+
+<file path=ppt/tags/tag19.xml><?xml version="1.0" encoding="utf-8"?>
+<p:tagLst xmlns:a="http://schemas.openxmlformats.org/drawingml/2006/main" xmlns:r="http://schemas.openxmlformats.org/officeDocument/2006/relationships" xmlns:p="http://schemas.openxmlformats.org/presentationml/2006/main">
+  <p:tag name="NUM" val="19"/>
+</p:tagLst>
+</file>
+
+<file path=ppt/tags/tag190.xml><?xml version="1.0" encoding="utf-8"?>
+<p:tagLst xmlns:a="http://schemas.openxmlformats.org/drawingml/2006/main" xmlns:r="http://schemas.openxmlformats.org/officeDocument/2006/relationships" xmlns:p="http://schemas.openxmlformats.org/presentationml/2006/main">
+  <p:tag name="NUM" val="49"/>
+</p:tagLst>
+</file>
+
+<file path=ppt/tags/tag191.xml><?xml version="1.0" encoding="utf-8"?>
+<p:tagLst xmlns:a="http://schemas.openxmlformats.org/drawingml/2006/main" xmlns:r="http://schemas.openxmlformats.org/officeDocument/2006/relationships" xmlns:p="http://schemas.openxmlformats.org/presentationml/2006/main">
+  <p:tag name="NUM" val="50"/>
+</p:tagLst>
+</file>
+
+<file path=ppt/tags/tag192.xml><?xml version="1.0" encoding="utf-8"?>
+<p:tagLst xmlns:a="http://schemas.openxmlformats.org/drawingml/2006/main" xmlns:r="http://schemas.openxmlformats.org/officeDocument/2006/relationships" xmlns:p="http://schemas.openxmlformats.org/presentationml/2006/main">
+  <p:tag name="NUM" val="1"/>
+</p:tagLst>
+</file>
+
+<file path=ppt/tags/tag193.xml><?xml version="1.0" encoding="utf-8"?>
+<p:tagLst xmlns:a="http://schemas.openxmlformats.org/drawingml/2006/main" xmlns:r="http://schemas.openxmlformats.org/officeDocument/2006/relationships" xmlns:p="http://schemas.openxmlformats.org/presentationml/2006/main">
+  <p:tag name="NUM" val="2"/>
+</p:tagLst>
+</file>
+
+<file path=ppt/tags/tag194.xml><?xml version="1.0" encoding="utf-8"?>
+<p:tagLst xmlns:a="http://schemas.openxmlformats.org/drawingml/2006/main" xmlns:r="http://schemas.openxmlformats.org/officeDocument/2006/relationships" xmlns:p="http://schemas.openxmlformats.org/presentationml/2006/main">
+  <p:tag name="NUM" val="3"/>
+</p:tagLst>
+</file>
+
+<file path=ppt/tags/tag195.xml><?xml version="1.0" encoding="utf-8"?>
+<p:tagLst xmlns:a="http://schemas.openxmlformats.org/drawingml/2006/main" xmlns:r="http://schemas.openxmlformats.org/officeDocument/2006/relationships" xmlns:p="http://schemas.openxmlformats.org/presentationml/2006/main">
+  <p:tag name="NUM" val="4"/>
+</p:tagLst>
+</file>
+
+<file path=ppt/tags/tag196.xml><?xml version="1.0" encoding="utf-8"?>
+<p:tagLst xmlns:a="http://schemas.openxmlformats.org/drawingml/2006/main" xmlns:r="http://schemas.openxmlformats.org/officeDocument/2006/relationships" xmlns:p="http://schemas.openxmlformats.org/presentationml/2006/main">
+  <p:tag name="NUM" val="5"/>
+</p:tagLst>
+</file>
+
+<file path=ppt/tags/tag197.xml><?xml version="1.0" encoding="utf-8"?>
+<p:tagLst xmlns:a="http://schemas.openxmlformats.org/drawingml/2006/main" xmlns:r="http://schemas.openxmlformats.org/officeDocument/2006/relationships" xmlns:p="http://schemas.openxmlformats.org/presentationml/2006/main">
+  <p:tag name="NUM" val="6"/>
+</p:tagLst>
+</file>
+
+<file path=ppt/tags/tag198.xml><?xml version="1.0" encoding="utf-8"?>
+<p:tagLst xmlns:a="http://schemas.openxmlformats.org/drawingml/2006/main" xmlns:r="http://schemas.openxmlformats.org/officeDocument/2006/relationships" xmlns:p="http://schemas.openxmlformats.org/presentationml/2006/main">
+  <p:tag name="NUM" val="7"/>
+</p:tagLst>
+</file>
+
+<file path=ppt/tags/tag199.xml><?xml version="1.0" encoding="utf-8"?>
+<p:tagLst xmlns:a="http://schemas.openxmlformats.org/drawingml/2006/main" xmlns:r="http://schemas.openxmlformats.org/officeDocument/2006/relationships" xmlns:p="http://schemas.openxmlformats.org/presentationml/2006/main">
+  <p:tag name="NUM" val="8"/>
+</p:tagLst>
+</file>
+
+<file path=ppt/tags/tag2.xml><?xml version="1.0" encoding="utf-8"?>
+<p:tagLst xmlns:a="http://schemas.openxmlformats.org/drawingml/2006/main" xmlns:r="http://schemas.openxmlformats.org/officeDocument/2006/relationships" xmlns:p="http://schemas.openxmlformats.org/presentationml/2006/main">
+  <p:tag name="NUM" val="2"/>
+</p:tagLst>
+</file>
+
+<file path=ppt/tags/tag20.xml><?xml version="1.0" encoding="utf-8"?>
+<p:tagLst xmlns:a="http://schemas.openxmlformats.org/drawingml/2006/main" xmlns:r="http://schemas.openxmlformats.org/officeDocument/2006/relationships" xmlns:p="http://schemas.openxmlformats.org/presentationml/2006/main">
+  <p:tag name="NUM" val="20"/>
+</p:tagLst>
+</file>
+
+<file path=ppt/tags/tag200.xml><?xml version="1.0" encoding="utf-8"?>
+<p:tagLst xmlns:a="http://schemas.openxmlformats.org/drawingml/2006/main" xmlns:r="http://schemas.openxmlformats.org/officeDocument/2006/relationships" xmlns:p="http://schemas.openxmlformats.org/presentationml/2006/main">
+  <p:tag name="NUM" val="9"/>
+</p:tagLst>
+</file>
+
+<file path=ppt/tags/tag201.xml><?xml version="1.0" encoding="utf-8"?>
+<p:tagLst xmlns:a="http://schemas.openxmlformats.org/drawingml/2006/main" xmlns:r="http://schemas.openxmlformats.org/officeDocument/2006/relationships" xmlns:p="http://schemas.openxmlformats.org/presentationml/2006/main">
+  <p:tag name="NUM" val="10"/>
+</p:tagLst>
+</file>
+
+<file path=ppt/tags/tag202.xml><?xml version="1.0" encoding="utf-8"?>
 <p:tagLst xmlns:a="http://schemas.openxmlformats.org/drawingml/2006/main" xmlns:r="http://schemas.openxmlformats.org/officeDocument/2006/relationships" xmlns:p="http://schemas.openxmlformats.org/presentationml/2006/main">
   <p:tag name="NUM" val="11"/>
 </p:tagLst>
 </file>
 
-<file path=ppt/tags/tag110.xml><?xml version="1.0" encoding="utf-8"?>
+<file path=ppt/tags/tag203.xml><?xml version="1.0" encoding="utf-8"?>
+<p:tagLst xmlns:a="http://schemas.openxmlformats.org/drawingml/2006/main" xmlns:r="http://schemas.openxmlformats.org/officeDocument/2006/relationships" xmlns:p="http://schemas.openxmlformats.org/presentationml/2006/main">
+  <p:tag name="NUM" val="12"/>
+</p:tagLst>
+</file>
+
+<file path=ppt/tags/tag204.xml><?xml version="1.0" encoding="utf-8"?>
+<p:tagLst xmlns:a="http://schemas.openxmlformats.org/drawingml/2006/main" xmlns:r="http://schemas.openxmlformats.org/officeDocument/2006/relationships" xmlns:p="http://schemas.openxmlformats.org/presentationml/2006/main">
+  <p:tag name="NUM" val="13"/>
+</p:tagLst>
+</file>
+
+<file path=ppt/tags/tag205.xml><?xml version="1.0" encoding="utf-8"?>
+<p:tagLst xmlns:a="http://schemas.openxmlformats.org/drawingml/2006/main" xmlns:r="http://schemas.openxmlformats.org/officeDocument/2006/relationships" xmlns:p="http://schemas.openxmlformats.org/presentationml/2006/main">
+  <p:tag name="NUM" val="14"/>
+</p:tagLst>
+</file>
+
+<file path=ppt/tags/tag206.xml><?xml version="1.0" encoding="utf-8"?>
+<p:tagLst xmlns:a="http://schemas.openxmlformats.org/drawingml/2006/main" xmlns:r="http://schemas.openxmlformats.org/officeDocument/2006/relationships" xmlns:p="http://schemas.openxmlformats.org/presentationml/2006/main">
+  <p:tag name="NUM" val="15"/>
+</p:tagLst>
+</file>
+
+<file path=ppt/tags/tag207.xml><?xml version="1.0" encoding="utf-8"?>
+<p:tagLst xmlns:a="http://schemas.openxmlformats.org/drawingml/2006/main" xmlns:r="http://schemas.openxmlformats.org/officeDocument/2006/relationships" xmlns:p="http://schemas.openxmlformats.org/presentationml/2006/main">
+  <p:tag name="NUM" val="16"/>
+</p:tagLst>
+</file>
+
+<file path=ppt/tags/tag208.xml><?xml version="1.0" encoding="utf-8"?>
+<p:tagLst xmlns:a="http://schemas.openxmlformats.org/drawingml/2006/main" xmlns:r="http://schemas.openxmlformats.org/officeDocument/2006/relationships" xmlns:p="http://schemas.openxmlformats.org/presentationml/2006/main">
+  <p:tag name="NUM" val="17"/>
+</p:tagLst>
+</file>
+
+<file path=ppt/tags/tag209.xml><?xml version="1.0" encoding="utf-8"?>
+<p:tagLst xmlns:a="http://schemas.openxmlformats.org/drawingml/2006/main" xmlns:r="http://schemas.openxmlformats.org/officeDocument/2006/relationships" xmlns:p="http://schemas.openxmlformats.org/presentationml/2006/main">
+  <p:tag name="NUM" val="18"/>
+</p:tagLst>
+</file>
+
+<file path=ppt/tags/tag21.xml><?xml version="1.0" encoding="utf-8"?>
 <p:tagLst xmlns:a="http://schemas.openxmlformats.org/drawingml/2006/main" xmlns:r="http://schemas.openxmlformats.org/officeDocument/2006/relationships" xmlns:p="http://schemas.openxmlformats.org/presentationml/2006/main">
   <p:tag name="NUM" val="21"/>
 </p:tagLst>
 </file>
 
-<file path=ppt/tags/tag111.xml><?xml version="1.0" encoding="utf-8"?>
+<file path=ppt/tags/tag210.xml><?xml version="1.0" encoding="utf-8"?>
+<p:tagLst xmlns:a="http://schemas.openxmlformats.org/drawingml/2006/main" xmlns:r="http://schemas.openxmlformats.org/officeDocument/2006/relationships" xmlns:p="http://schemas.openxmlformats.org/presentationml/2006/main">
+  <p:tag name="NUM" val="19"/>
+</p:tagLst>
+</file>
+
+<file path=ppt/tags/tag211.xml><?xml version="1.0" encoding="utf-8"?>
+<p:tagLst xmlns:a="http://schemas.openxmlformats.org/drawingml/2006/main" xmlns:r="http://schemas.openxmlformats.org/officeDocument/2006/relationships" xmlns:p="http://schemas.openxmlformats.org/presentationml/2006/main">
+  <p:tag name="NUM" val="20"/>
+</p:tagLst>
+</file>
+
+<file path=ppt/tags/tag212.xml><?xml version="1.0" encoding="utf-8"?>
+<p:tagLst xmlns:a="http://schemas.openxmlformats.org/drawingml/2006/main" xmlns:r="http://schemas.openxmlformats.org/officeDocument/2006/relationships" xmlns:p="http://schemas.openxmlformats.org/presentationml/2006/main">
+  <p:tag name="NUM" val="21"/>
+</p:tagLst>
+</file>
+
+<file path=ppt/tags/tag213.xml><?xml version="1.0" encoding="utf-8"?>
 <p:tagLst xmlns:a="http://schemas.openxmlformats.org/drawingml/2006/main" xmlns:r="http://schemas.openxmlformats.org/officeDocument/2006/relationships" xmlns:p="http://schemas.openxmlformats.org/presentationml/2006/main">
   <p:tag name="NUM" val="22"/>
 </p:tagLst>
 </file>
 
-<file path=ppt/tags/tag112.xml><?xml version="1.0" encoding="utf-8"?>
+<file path=ppt/tags/tag214.xml><?xml version="1.0" encoding="utf-8"?>
 <p:tagLst xmlns:a="http://schemas.openxmlformats.org/drawingml/2006/main" xmlns:r="http://schemas.openxmlformats.org/officeDocument/2006/relationships" xmlns:p="http://schemas.openxmlformats.org/presentationml/2006/main">
   <p:tag name="NUM" val="23"/>
 </p:tagLst>
 </file>
 
-<file path=ppt/tags/tag113.xml><?xml version="1.0" encoding="utf-8"?>
+<file path=ppt/tags/tag215.xml><?xml version="1.0" encoding="utf-8"?>
 <p:tagLst xmlns:a="http://schemas.openxmlformats.org/drawingml/2006/main" xmlns:r="http://schemas.openxmlformats.org/officeDocument/2006/relationships" xmlns:p="http://schemas.openxmlformats.org/presentationml/2006/main">
   <p:tag name="NUM" val="24"/>
 </p:tagLst>
 </file>
 
-<file path=ppt/tags/tag114.xml><?xml version="1.0" encoding="utf-8"?>
+<file path=ppt/tags/tag216.xml><?xml version="1.0" encoding="utf-8"?>
 <p:tagLst xmlns:a="http://schemas.openxmlformats.org/drawingml/2006/main" xmlns:r="http://schemas.openxmlformats.org/officeDocument/2006/relationships" xmlns:p="http://schemas.openxmlformats.org/presentationml/2006/main">
   <p:tag name="NUM" val="25"/>
 </p:tagLst>
 </file>
 
-<file path=ppt/tags/tag115.xml><?xml version="1.0" encoding="utf-8"?>
+<file path=ppt/tags/tag217.xml><?xml version="1.0" encoding="utf-8"?>
+<p:tagLst xmlns:a="http://schemas.openxmlformats.org/drawingml/2006/main" xmlns:r="http://schemas.openxmlformats.org/officeDocument/2006/relationships" xmlns:p="http://schemas.openxmlformats.org/presentationml/2006/main">
+  <p:tag name="NUM" val="27"/>
+</p:tagLst>
+</file>
+
+<file path=ppt/tags/tag218.xml><?xml version="1.0" encoding="utf-8"?>
+<p:tagLst xmlns:a="http://schemas.openxmlformats.org/drawingml/2006/main" xmlns:r="http://schemas.openxmlformats.org/officeDocument/2006/relationships" xmlns:p="http://schemas.openxmlformats.org/presentationml/2006/main">
+  <p:tag name="NUM" val="28"/>
+</p:tagLst>
+</file>
+
+<file path=ppt/tags/tag219.xml><?xml version="1.0" encoding="utf-8"?>
+<p:tagLst xmlns:a="http://schemas.openxmlformats.org/drawingml/2006/main" xmlns:r="http://schemas.openxmlformats.org/officeDocument/2006/relationships" xmlns:p="http://schemas.openxmlformats.org/presentationml/2006/main">
+  <p:tag name="NUM" val="29"/>
+</p:tagLst>
+</file>
+
+<file path=ppt/tags/tag22.xml><?xml version="1.0" encoding="utf-8"?>
+<p:tagLst xmlns:a="http://schemas.openxmlformats.org/drawingml/2006/main" xmlns:r="http://schemas.openxmlformats.org/officeDocument/2006/relationships" xmlns:p="http://schemas.openxmlformats.org/presentationml/2006/main">
+  <p:tag name="NUM" val="22"/>
+</p:tagLst>
+</file>
+
+<file path=ppt/tags/tag220.xml><?xml version="1.0" encoding="utf-8"?>
+<p:tagLst xmlns:a="http://schemas.openxmlformats.org/drawingml/2006/main" xmlns:r="http://schemas.openxmlformats.org/officeDocument/2006/relationships" xmlns:p="http://schemas.openxmlformats.org/presentationml/2006/main">
+  <p:tag name="NUM" val="30"/>
+</p:tagLst>
+</file>
+
+<file path=ppt/tags/tag221.xml><?xml version="1.0" encoding="utf-8"?>
+<p:tagLst xmlns:a="http://schemas.openxmlformats.org/drawingml/2006/main" xmlns:r="http://schemas.openxmlformats.org/officeDocument/2006/relationships" xmlns:p="http://schemas.openxmlformats.org/presentationml/2006/main">
+  <p:tag name="NUM" val="31"/>
+</p:tagLst>
+</file>
+
+<file path=ppt/tags/tag222.xml><?xml version="1.0" encoding="utf-8"?>
+<p:tagLst xmlns:a="http://schemas.openxmlformats.org/drawingml/2006/main" xmlns:r="http://schemas.openxmlformats.org/officeDocument/2006/relationships" xmlns:p="http://schemas.openxmlformats.org/presentationml/2006/main">
+  <p:tag name="NUM" val="32"/>
+</p:tagLst>
+</file>
+
+<file path=ppt/tags/tag223.xml><?xml version="1.0" encoding="utf-8"?>
+<p:tagLst xmlns:a="http://schemas.openxmlformats.org/drawingml/2006/main" xmlns:r="http://schemas.openxmlformats.org/officeDocument/2006/relationships" xmlns:p="http://schemas.openxmlformats.org/presentationml/2006/main">
+  <p:tag name="NUM" val="33"/>
+</p:tagLst>
+</file>
+
+<file path=ppt/tags/tag224.xml><?xml version="1.0" encoding="utf-8"?>
+<p:tagLst xmlns:a="http://schemas.openxmlformats.org/drawingml/2006/main" xmlns:r="http://schemas.openxmlformats.org/officeDocument/2006/relationships" xmlns:p="http://schemas.openxmlformats.org/presentationml/2006/main">
+  <p:tag name="NUM" val="34"/>
+</p:tagLst>
+</file>
+
+<file path=ppt/tags/tag225.xml><?xml version="1.0" encoding="utf-8"?>
+<p:tagLst xmlns:a="http://schemas.openxmlformats.org/drawingml/2006/main" xmlns:r="http://schemas.openxmlformats.org/officeDocument/2006/relationships" xmlns:p="http://schemas.openxmlformats.org/presentationml/2006/main">
+  <p:tag name="NUM" val="35"/>
+</p:tagLst>
+</file>
+
+<file path=ppt/tags/tag226.xml><?xml version="1.0" encoding="utf-8"?>
+<p:tagLst xmlns:a="http://schemas.openxmlformats.org/drawingml/2006/main" xmlns:r="http://schemas.openxmlformats.org/officeDocument/2006/relationships" xmlns:p="http://schemas.openxmlformats.org/presentationml/2006/main">
+  <p:tag name="NUM" val="36"/>
+</p:tagLst>
+</file>
+
+<file path=ppt/tags/tag227.xml><?xml version="1.0" encoding="utf-8"?>
+<p:tagLst xmlns:a="http://schemas.openxmlformats.org/drawingml/2006/main" xmlns:r="http://schemas.openxmlformats.org/officeDocument/2006/relationships" xmlns:p="http://schemas.openxmlformats.org/presentationml/2006/main">
+  <p:tag name="NUM" val="37"/>
+</p:tagLst>
+</file>
+
+<file path=ppt/tags/tag228.xml><?xml version="1.0" encoding="utf-8"?>
+<p:tagLst xmlns:a="http://schemas.openxmlformats.org/drawingml/2006/main" xmlns:r="http://schemas.openxmlformats.org/officeDocument/2006/relationships" xmlns:p="http://schemas.openxmlformats.org/presentationml/2006/main">
+  <p:tag name="NUM" val="1"/>
+</p:tagLst>
+</file>
+
+<file path=ppt/tags/tag229.xml><?xml version="1.0" encoding="utf-8"?>
+<p:tagLst xmlns:a="http://schemas.openxmlformats.org/drawingml/2006/main" xmlns:r="http://schemas.openxmlformats.org/officeDocument/2006/relationships" xmlns:p="http://schemas.openxmlformats.org/presentationml/2006/main">
+  <p:tag name="NUM" val="2"/>
+</p:tagLst>
+</file>
+
+<file path=ppt/tags/tag23.xml><?xml version="1.0" encoding="utf-8"?>
+<p:tagLst xmlns:a="http://schemas.openxmlformats.org/drawingml/2006/main" xmlns:r="http://schemas.openxmlformats.org/officeDocument/2006/relationships" xmlns:p="http://schemas.openxmlformats.org/presentationml/2006/main">
+  <p:tag name="NUM" val="23"/>
+</p:tagLst>
+</file>
+
+<file path=ppt/tags/tag230.xml><?xml version="1.0" encoding="utf-8"?>
+<p:tagLst xmlns:a="http://schemas.openxmlformats.org/drawingml/2006/main" xmlns:r="http://schemas.openxmlformats.org/officeDocument/2006/relationships" xmlns:p="http://schemas.openxmlformats.org/presentationml/2006/main">
+  <p:tag name="NUM" val="3"/>
+</p:tagLst>
+</file>
+
+<file path=ppt/tags/tag231.xml><?xml version="1.0" encoding="utf-8"?>
+<p:tagLst xmlns:a="http://schemas.openxmlformats.org/drawingml/2006/main" xmlns:r="http://schemas.openxmlformats.org/officeDocument/2006/relationships" xmlns:p="http://schemas.openxmlformats.org/presentationml/2006/main">
+  <p:tag name="NUM" val="4"/>
+</p:tagLst>
+</file>
+
+<file path=ppt/tags/tag232.xml><?xml version="1.0" encoding="utf-8"?>
+<p:tagLst xmlns:a="http://schemas.openxmlformats.org/drawingml/2006/main" xmlns:r="http://schemas.openxmlformats.org/officeDocument/2006/relationships" xmlns:p="http://schemas.openxmlformats.org/presentationml/2006/main">
+  <p:tag name="NUM" val="5"/>
+</p:tagLst>
+</file>
+
+<file path=ppt/tags/tag233.xml><?xml version="1.0" encoding="utf-8"?>
+<p:tagLst xmlns:a="http://schemas.openxmlformats.org/drawingml/2006/main" xmlns:r="http://schemas.openxmlformats.org/officeDocument/2006/relationships" xmlns:p="http://schemas.openxmlformats.org/presentationml/2006/main">
+  <p:tag name="NUM" val="6"/>
+</p:tagLst>
+</file>
+
+<file path=ppt/tags/tag234.xml><?xml version="1.0" encoding="utf-8"?>
+<p:tagLst xmlns:a="http://schemas.openxmlformats.org/drawingml/2006/main" xmlns:r="http://schemas.openxmlformats.org/officeDocument/2006/relationships" xmlns:p="http://schemas.openxmlformats.org/presentationml/2006/main">
+  <p:tag name="NUM" val="7"/>
+</p:tagLst>
+</file>
+
+<file path=ppt/tags/tag235.xml><?xml version="1.0" encoding="utf-8"?>
+<p:tagLst xmlns:a="http://schemas.openxmlformats.org/drawingml/2006/main" xmlns:r="http://schemas.openxmlformats.org/officeDocument/2006/relationships" xmlns:p="http://schemas.openxmlformats.org/presentationml/2006/main">
+  <p:tag name="NUM" val="8"/>
+</p:tagLst>
+</file>
+
+<file path=ppt/tags/tag236.xml><?xml version="1.0" encoding="utf-8"?>
+<p:tagLst xmlns:a="http://schemas.openxmlformats.org/drawingml/2006/main" xmlns:r="http://schemas.openxmlformats.org/officeDocument/2006/relationships" xmlns:p="http://schemas.openxmlformats.org/presentationml/2006/main">
+  <p:tag name="NUM" val="9"/>
+</p:tagLst>
+</file>
+
+<file path=ppt/tags/tag237.xml><?xml version="1.0" encoding="utf-8"?>
+<p:tagLst xmlns:a="http://schemas.openxmlformats.org/drawingml/2006/main" xmlns:r="http://schemas.openxmlformats.org/officeDocument/2006/relationships" xmlns:p="http://schemas.openxmlformats.org/presentationml/2006/main">
+  <p:tag name="NUM" val="10"/>
+</p:tagLst>
+</file>
+
+<file path=ppt/tags/tag238.xml><?xml version="1.0" encoding="utf-8"?>
+<p:tagLst xmlns:a="http://schemas.openxmlformats.org/drawingml/2006/main" xmlns:r="http://schemas.openxmlformats.org/officeDocument/2006/relationships" xmlns:p="http://schemas.openxmlformats.org/presentationml/2006/main">
+  <p:tag name="NUM" val="11"/>
+</p:tagLst>
+</file>
+
+<file path=ppt/tags/tag239.xml><?xml version="1.0" encoding="utf-8"?>
+<p:tagLst xmlns:a="http://schemas.openxmlformats.org/drawingml/2006/main" xmlns:r="http://schemas.openxmlformats.org/officeDocument/2006/relationships" xmlns:p="http://schemas.openxmlformats.org/presentationml/2006/main">
+  <p:tag name="NUM" val="12"/>
+</p:tagLst>
+</file>
+
+<file path=ppt/tags/tag24.xml><?xml version="1.0" encoding="utf-8"?>
+<p:tagLst xmlns:a="http://schemas.openxmlformats.org/drawingml/2006/main" xmlns:r="http://schemas.openxmlformats.org/officeDocument/2006/relationships" xmlns:p="http://schemas.openxmlformats.org/presentationml/2006/main">
+  <p:tag name="NUM" val="24"/>
+</p:tagLst>
+</file>
+
+<file path=ppt/tags/tag240.xml><?xml version="1.0" encoding="utf-8"?>
+<p:tagLst xmlns:a="http://schemas.openxmlformats.org/drawingml/2006/main" xmlns:r="http://schemas.openxmlformats.org/officeDocument/2006/relationships" xmlns:p="http://schemas.openxmlformats.org/presentationml/2006/main">
+  <p:tag name="NUM" val="13"/>
+</p:tagLst>
+</file>
+
+<file path=ppt/tags/tag241.xml><?xml version="1.0" encoding="utf-8"?>
+<p:tagLst xmlns:a="http://schemas.openxmlformats.org/drawingml/2006/main" xmlns:r="http://schemas.openxmlformats.org/officeDocument/2006/relationships" xmlns:p="http://schemas.openxmlformats.org/presentationml/2006/main">
+  <p:tag name="NUM" val="14"/>
+</p:tagLst>
+</file>
+
+<file path=ppt/tags/tag242.xml><?xml version="1.0" encoding="utf-8"?>
+<p:tagLst xmlns:a="http://schemas.openxmlformats.org/drawingml/2006/main" xmlns:r="http://schemas.openxmlformats.org/officeDocument/2006/relationships" xmlns:p="http://schemas.openxmlformats.org/presentationml/2006/main">
+  <p:tag name="NUM" val="15"/>
+</p:tagLst>
+</file>
+
+<file path=ppt/tags/tag243.xml><?xml version="1.0" encoding="utf-8"?>
+<p:tagLst xmlns:a="http://schemas.openxmlformats.org/drawingml/2006/main" xmlns:r="http://schemas.openxmlformats.org/officeDocument/2006/relationships" xmlns:p="http://schemas.openxmlformats.org/presentationml/2006/main">
+  <p:tag name="NUM" val="16"/>
+</p:tagLst>
+</file>
+
+<file path=ppt/tags/tag244.xml><?xml version="1.0" encoding="utf-8"?>
+<p:tagLst xmlns:a="http://schemas.openxmlformats.org/drawingml/2006/main" xmlns:r="http://schemas.openxmlformats.org/officeDocument/2006/relationships" xmlns:p="http://schemas.openxmlformats.org/presentationml/2006/main">
+  <p:tag name="NUM" val="17"/>
+</p:tagLst>
+</file>
+
+<file path=ppt/tags/tag245.xml><?xml version="1.0" encoding="utf-8"?>
+<p:tagLst xmlns:a="http://schemas.openxmlformats.org/drawingml/2006/main" xmlns:r="http://schemas.openxmlformats.org/officeDocument/2006/relationships" xmlns:p="http://schemas.openxmlformats.org/presentationml/2006/main">
+  <p:tag name="NUM" val="18"/>
+</p:tagLst>
+</file>
+
+<file path=ppt/tags/tag246.xml><?xml version="1.0" encoding="utf-8"?>
+<p:tagLst xmlns:a="http://schemas.openxmlformats.org/drawingml/2006/main" xmlns:r="http://schemas.openxmlformats.org/officeDocument/2006/relationships" xmlns:p="http://schemas.openxmlformats.org/presentationml/2006/main">
+  <p:tag name="NUM" val="19"/>
+</p:tagLst>
+</file>
+
+<file path=ppt/tags/tag247.xml><?xml version="1.0" encoding="utf-8"?>
+<p:tagLst xmlns:a="http://schemas.openxmlformats.org/drawingml/2006/main" xmlns:r="http://schemas.openxmlformats.org/officeDocument/2006/relationships" xmlns:p="http://schemas.openxmlformats.org/presentationml/2006/main">
+  <p:tag name="NUM" val="20"/>
+</p:tagLst>
+</file>
+
+<file path=ppt/tags/tag248.xml><?xml version="1.0" encoding="utf-8"?>
+<p:tagLst xmlns:a="http://schemas.openxmlformats.org/drawingml/2006/main" xmlns:r="http://schemas.openxmlformats.org/officeDocument/2006/relationships" xmlns:p="http://schemas.openxmlformats.org/presentationml/2006/main">
+  <p:tag name="NUM" val="21"/>
+</p:tagLst>
+</file>
+
+<file path=ppt/tags/tag249.xml><?xml version="1.0" encoding="utf-8"?>
+<p:tagLst xmlns:a="http://schemas.openxmlformats.org/drawingml/2006/main" xmlns:r="http://schemas.openxmlformats.org/officeDocument/2006/relationships" xmlns:p="http://schemas.openxmlformats.org/presentationml/2006/main">
+  <p:tag name="NUM" val="22"/>
+</p:tagLst>
+</file>
+
+<file path=ppt/tags/tag25.xml><?xml version="1.0" encoding="utf-8"?>
+<p:tagLst xmlns:a="http://schemas.openxmlformats.org/drawingml/2006/main" xmlns:r="http://schemas.openxmlformats.org/officeDocument/2006/relationships" xmlns:p="http://schemas.openxmlformats.org/presentationml/2006/main">
+  <p:tag name="NUM" val="25"/>
+</p:tagLst>
+</file>
+
+<file path=ppt/tags/tag250.xml><?xml version="1.0" encoding="utf-8"?>
+<p:tagLst xmlns:a="http://schemas.openxmlformats.org/drawingml/2006/main" xmlns:r="http://schemas.openxmlformats.org/officeDocument/2006/relationships" xmlns:p="http://schemas.openxmlformats.org/presentationml/2006/main">
+  <p:tag name="NUM" val="23"/>
+</p:tagLst>
+</file>
+
+<file path=ppt/tags/tag251.xml><?xml version="1.0" encoding="utf-8"?>
+<p:tagLst xmlns:a="http://schemas.openxmlformats.org/drawingml/2006/main" xmlns:r="http://schemas.openxmlformats.org/officeDocument/2006/relationships" xmlns:p="http://schemas.openxmlformats.org/presentationml/2006/main">
+  <p:tag name="NUM" val="24"/>
+</p:tagLst>
+</file>
+
+<file path=ppt/tags/tag252.xml><?xml version="1.0" encoding="utf-8"?>
+<p:tagLst xmlns:a="http://schemas.openxmlformats.org/drawingml/2006/main" xmlns:r="http://schemas.openxmlformats.org/officeDocument/2006/relationships" xmlns:p="http://schemas.openxmlformats.org/presentationml/2006/main">
+  <p:tag name="NUM" val="25"/>
+</p:tagLst>
+</file>
+
+<file path=ppt/tags/tag253.xml><?xml version="1.0" encoding="utf-8"?>
+<p:tagLst xmlns:a="http://schemas.openxmlformats.org/drawingml/2006/main" xmlns:r="http://schemas.openxmlformats.org/officeDocument/2006/relationships" xmlns:p="http://schemas.openxmlformats.org/presentationml/2006/main">
+  <p:tag name="NUM" val="27"/>
+</p:tagLst>
+</file>
+
+<file path=ppt/tags/tag254.xml><?xml version="1.0" encoding="utf-8"?>
+<p:tagLst xmlns:a="http://schemas.openxmlformats.org/drawingml/2006/main" xmlns:r="http://schemas.openxmlformats.org/officeDocument/2006/relationships" xmlns:p="http://schemas.openxmlformats.org/presentationml/2006/main">
+  <p:tag name="NUM" val="28"/>
+</p:tagLst>
+</file>
+
+<file path=ppt/tags/tag255.xml><?xml version="1.0" encoding="utf-8"?>
+<p:tagLst xmlns:a="http://schemas.openxmlformats.org/drawingml/2006/main" xmlns:r="http://schemas.openxmlformats.org/officeDocument/2006/relationships" xmlns:p="http://schemas.openxmlformats.org/presentationml/2006/main">
+  <p:tag name="NUM" val="29"/>
+</p:tagLst>
+</file>
+
+<file path=ppt/tags/tag256.xml><?xml version="1.0" encoding="utf-8"?>
+<p:tagLst xmlns:a="http://schemas.openxmlformats.org/drawingml/2006/main" xmlns:r="http://schemas.openxmlformats.org/officeDocument/2006/relationships" xmlns:p="http://schemas.openxmlformats.org/presentationml/2006/main">
+  <p:tag name="NUM" val="30"/>
+</p:tagLst>
+</file>
+
+<file path=ppt/tags/tag257.xml><?xml version="1.0" encoding="utf-8"?>
+<p:tagLst xmlns:a="http://schemas.openxmlformats.org/drawingml/2006/main" xmlns:r="http://schemas.openxmlformats.org/officeDocument/2006/relationships" xmlns:p="http://schemas.openxmlformats.org/presentationml/2006/main">
+  <p:tag name="NUM" val="31"/>
+</p:tagLst>
+</file>
+
+<file path=ppt/tags/tag258.xml><?xml version="1.0" encoding="utf-8"?>
+<p:tagLst xmlns:a="http://schemas.openxmlformats.org/drawingml/2006/main" xmlns:r="http://schemas.openxmlformats.org/officeDocument/2006/relationships" xmlns:p="http://schemas.openxmlformats.org/presentationml/2006/main">
+  <p:tag name="NUM" val="32"/>
+</p:tagLst>
+</file>
+
+<file path=ppt/tags/tag259.xml><?xml version="1.0" encoding="utf-8"?>
+<p:tagLst xmlns:a="http://schemas.openxmlformats.org/drawingml/2006/main" xmlns:r="http://schemas.openxmlformats.org/officeDocument/2006/relationships" xmlns:p="http://schemas.openxmlformats.org/presentationml/2006/main">
+  <p:tag name="NUM" val="34"/>
+</p:tagLst>
+</file>
+
+<file path=ppt/tags/tag26.xml><?xml version="1.0" encoding="utf-8"?>
 <p:tagLst xmlns:a="http://schemas.openxmlformats.org/drawingml/2006/main" xmlns:r="http://schemas.openxmlformats.org/officeDocument/2006/relationships" xmlns:p="http://schemas.openxmlformats.org/presentationml/2006/main">
   <p:tag name="NUM" val="26"/>
 </p:tagLst>
 </file>
 
-<file path=ppt/tags/tag116.xml><?xml version="1.0" encoding="utf-8"?>
+<file path=ppt/tags/tag260.xml><?xml version="1.0" encoding="utf-8"?>
+<p:tagLst xmlns:a="http://schemas.openxmlformats.org/drawingml/2006/main" xmlns:r="http://schemas.openxmlformats.org/officeDocument/2006/relationships" xmlns:p="http://schemas.openxmlformats.org/presentationml/2006/main">
+  <p:tag name="NUM" val="35"/>
+</p:tagLst>
+</file>
+
+<file path=ppt/tags/tag261.xml><?xml version="1.0" encoding="utf-8"?>
+<p:tagLst xmlns:a="http://schemas.openxmlformats.org/drawingml/2006/main" xmlns:r="http://schemas.openxmlformats.org/officeDocument/2006/relationships" xmlns:p="http://schemas.openxmlformats.org/presentationml/2006/main">
+  <p:tag name="NUM" val="36"/>
+</p:tagLst>
+</file>
+
+<file path=ppt/tags/tag262.xml><?xml version="1.0" encoding="utf-8"?>
+<p:tagLst xmlns:a="http://schemas.openxmlformats.org/drawingml/2006/main" xmlns:r="http://schemas.openxmlformats.org/officeDocument/2006/relationships" xmlns:p="http://schemas.openxmlformats.org/presentationml/2006/main">
+  <p:tag name="NUM" val="37"/>
+</p:tagLst>
+</file>
+
+<file path=ppt/tags/tag263.xml><?xml version="1.0" encoding="utf-8"?>
 <p:tagLst xmlns:a="http://schemas.openxmlformats.org/drawingml/2006/main" xmlns:r="http://schemas.openxmlformats.org/officeDocument/2006/relationships" xmlns:p="http://schemas.openxmlformats.org/presentationml/2006/main">
   <p:tag name="NUM" val="27"/>
 </p:tagLst>
 </file>
 
-<file path=ppt/tags/tag117.xml><?xml version="1.0" encoding="utf-8"?>
+<file path=ppt/tags/tag264.xml><?xml version="1.0" encoding="utf-8"?>
+<p:tagLst xmlns:a="http://schemas.openxmlformats.org/drawingml/2006/main" xmlns:r="http://schemas.openxmlformats.org/officeDocument/2006/relationships" xmlns:p="http://schemas.openxmlformats.org/presentationml/2006/main">
+  <p:tag name="NUM" val="1"/>
+</p:tagLst>
+</file>
+
+<file path=ppt/tags/tag265.xml><?xml version="1.0" encoding="utf-8"?>
+<p:tagLst xmlns:a="http://schemas.openxmlformats.org/drawingml/2006/main" xmlns:r="http://schemas.openxmlformats.org/officeDocument/2006/relationships" xmlns:p="http://schemas.openxmlformats.org/presentationml/2006/main">
+  <p:tag name="NUM" val="2"/>
+</p:tagLst>
+</file>
+
+<file path=ppt/tags/tag266.xml><?xml version="1.0" encoding="utf-8"?>
+<p:tagLst xmlns:a="http://schemas.openxmlformats.org/drawingml/2006/main" xmlns:r="http://schemas.openxmlformats.org/officeDocument/2006/relationships" xmlns:p="http://schemas.openxmlformats.org/presentationml/2006/main">
+  <p:tag name="NUM" val="3"/>
+</p:tagLst>
+</file>
+
+<file path=ppt/tags/tag267.xml><?xml version="1.0" encoding="utf-8"?>
+<p:tagLst xmlns:a="http://schemas.openxmlformats.org/drawingml/2006/main" xmlns:r="http://schemas.openxmlformats.org/officeDocument/2006/relationships" xmlns:p="http://schemas.openxmlformats.org/presentationml/2006/main">
+  <p:tag name="NUM" val="4"/>
+</p:tagLst>
+</file>
+
+<file path=ppt/tags/tag268.xml><?xml version="1.0" encoding="utf-8"?>
+<p:tagLst xmlns:a="http://schemas.openxmlformats.org/drawingml/2006/main" xmlns:r="http://schemas.openxmlformats.org/officeDocument/2006/relationships" xmlns:p="http://schemas.openxmlformats.org/presentationml/2006/main">
+  <p:tag name="NUM" val="5"/>
+</p:tagLst>
+</file>
+
+<file path=ppt/tags/tag269.xml><?xml version="1.0" encoding="utf-8"?>
+<p:tagLst xmlns:a="http://schemas.openxmlformats.org/drawingml/2006/main" xmlns:r="http://schemas.openxmlformats.org/officeDocument/2006/relationships" xmlns:p="http://schemas.openxmlformats.org/presentationml/2006/main">
+  <p:tag name="NUM" val="6"/>
+</p:tagLst>
+</file>
+
+<file path=ppt/tags/tag27.xml><?xml version="1.0" encoding="utf-8"?>
+<p:tagLst xmlns:a="http://schemas.openxmlformats.org/drawingml/2006/main" xmlns:r="http://schemas.openxmlformats.org/officeDocument/2006/relationships" xmlns:p="http://schemas.openxmlformats.org/presentationml/2006/main">
+  <p:tag name="NUM" val="1"/>
+</p:tagLst>
+</file>
+
+<file path=ppt/tags/tag270.xml><?xml version="1.0" encoding="utf-8"?>
+<p:tagLst xmlns:a="http://schemas.openxmlformats.org/drawingml/2006/main" xmlns:r="http://schemas.openxmlformats.org/officeDocument/2006/relationships" xmlns:p="http://schemas.openxmlformats.org/presentationml/2006/main">
+  <p:tag name="NUM" val="7"/>
+</p:tagLst>
+</file>
+
+<file path=ppt/tags/tag271.xml><?xml version="1.0" encoding="utf-8"?>
+<p:tagLst xmlns:a="http://schemas.openxmlformats.org/drawingml/2006/main" xmlns:r="http://schemas.openxmlformats.org/officeDocument/2006/relationships" xmlns:p="http://schemas.openxmlformats.org/presentationml/2006/main">
+  <p:tag name="NUM" val="8"/>
+</p:tagLst>
+</file>
+
+<file path=ppt/tags/tag272.xml><?xml version="1.0" encoding="utf-8"?>
+<p:tagLst xmlns:a="http://schemas.openxmlformats.org/drawingml/2006/main" xmlns:r="http://schemas.openxmlformats.org/officeDocument/2006/relationships" xmlns:p="http://schemas.openxmlformats.org/presentationml/2006/main">
+  <p:tag name="NUM" val="9"/>
+</p:tagLst>
+</file>
+
+<file path=ppt/tags/tag273.xml><?xml version="1.0" encoding="utf-8"?>
+<p:tagLst xmlns:a="http://schemas.openxmlformats.org/drawingml/2006/main" xmlns:r="http://schemas.openxmlformats.org/officeDocument/2006/relationships" xmlns:p="http://schemas.openxmlformats.org/presentationml/2006/main">
+  <p:tag name="NUM" val="10"/>
+</p:tagLst>
+</file>
+
+<file path=ppt/tags/tag274.xml><?xml version="1.0" encoding="utf-8"?>
+<p:tagLst xmlns:a="http://schemas.openxmlformats.org/drawingml/2006/main" xmlns:r="http://schemas.openxmlformats.org/officeDocument/2006/relationships" xmlns:p="http://schemas.openxmlformats.org/presentationml/2006/main">
+  <p:tag name="NUM" val="11"/>
+</p:tagLst>
+</file>
+
+<file path=ppt/tags/tag275.xml><?xml version="1.0" encoding="utf-8"?>
+<p:tagLst xmlns:a="http://schemas.openxmlformats.org/drawingml/2006/main" xmlns:r="http://schemas.openxmlformats.org/officeDocument/2006/relationships" xmlns:p="http://schemas.openxmlformats.org/presentationml/2006/main">
+  <p:tag name="NUM" val="12"/>
+</p:tagLst>
+</file>
+
+<file path=ppt/tags/tag276.xml><?xml version="1.0" encoding="utf-8"?>
+<p:tagLst xmlns:a="http://schemas.openxmlformats.org/drawingml/2006/main" xmlns:r="http://schemas.openxmlformats.org/officeDocument/2006/relationships" xmlns:p="http://schemas.openxmlformats.org/presentationml/2006/main">
+  <p:tag name="NUM" val="13"/>
+</p:tagLst>
+</file>
+
+<file path=ppt/tags/tag277.xml><?xml version="1.0" encoding="utf-8"?>
+<p:tagLst xmlns:a="http://schemas.openxmlformats.org/drawingml/2006/main" xmlns:r="http://schemas.openxmlformats.org/officeDocument/2006/relationships" xmlns:p="http://schemas.openxmlformats.org/presentationml/2006/main">
+  <p:tag name="NUM" val="14"/>
+</p:tagLst>
+</file>
+
+<file path=ppt/tags/tag278.xml><?xml version="1.0" encoding="utf-8"?>
+<p:tagLst xmlns:a="http://schemas.openxmlformats.org/drawingml/2006/main" xmlns:r="http://schemas.openxmlformats.org/officeDocument/2006/relationships" xmlns:p="http://schemas.openxmlformats.org/presentationml/2006/main">
+  <p:tag name="NUM" val="15"/>
+</p:tagLst>
+</file>
+
+<file path=ppt/tags/tag279.xml><?xml version="1.0" encoding="utf-8"?>
+<p:tagLst xmlns:a="http://schemas.openxmlformats.org/drawingml/2006/main" xmlns:r="http://schemas.openxmlformats.org/officeDocument/2006/relationships" xmlns:p="http://schemas.openxmlformats.org/presentationml/2006/main">
+  <p:tag name="NUM" val="16"/>
+</p:tagLst>
+</file>
+
+<file path=ppt/tags/tag28.xml><?xml version="1.0" encoding="utf-8"?>
+<p:tagLst xmlns:a="http://schemas.openxmlformats.org/drawingml/2006/main" xmlns:r="http://schemas.openxmlformats.org/officeDocument/2006/relationships" xmlns:p="http://schemas.openxmlformats.org/presentationml/2006/main">
+  <p:tag name="NUM" val="2"/>
+</p:tagLst>
+</file>
+
+<file path=ppt/tags/tag280.xml><?xml version="1.0" encoding="utf-8"?>
+<p:tagLst xmlns:a="http://schemas.openxmlformats.org/drawingml/2006/main" xmlns:r="http://schemas.openxmlformats.org/officeDocument/2006/relationships" xmlns:p="http://schemas.openxmlformats.org/presentationml/2006/main">
+  <p:tag name="NUM" val="17"/>
+</p:tagLst>
+</file>
+
+<file path=ppt/tags/tag281.xml><?xml version="1.0" encoding="utf-8"?>
+<p:tagLst xmlns:a="http://schemas.openxmlformats.org/drawingml/2006/main" xmlns:r="http://schemas.openxmlformats.org/officeDocument/2006/relationships" xmlns:p="http://schemas.openxmlformats.org/presentationml/2006/main">
+  <p:tag name="NUM" val="18"/>
+</p:tagLst>
+</file>
+
+<file path=ppt/tags/tag282.xml><?xml version="1.0" encoding="utf-8"?>
+<p:tagLst xmlns:a="http://schemas.openxmlformats.org/drawingml/2006/main" xmlns:r="http://schemas.openxmlformats.org/officeDocument/2006/relationships" xmlns:p="http://schemas.openxmlformats.org/presentationml/2006/main">
+  <p:tag name="NUM" val="19"/>
+</p:tagLst>
+</file>
+
+<file path=ppt/tags/tag283.xml><?xml version="1.0" encoding="utf-8"?>
+<p:tagLst xmlns:a="http://schemas.openxmlformats.org/drawingml/2006/main" xmlns:r="http://schemas.openxmlformats.org/officeDocument/2006/relationships" xmlns:p="http://schemas.openxmlformats.org/presentationml/2006/main">
+  <p:tag name="NUM" val="20"/>
+</p:tagLst>
+</file>
+
+<file path=ppt/tags/tag284.xml><?xml version="1.0" encoding="utf-8"?>
+<p:tagLst xmlns:a="http://schemas.openxmlformats.org/drawingml/2006/main" xmlns:r="http://schemas.openxmlformats.org/officeDocument/2006/relationships" xmlns:p="http://schemas.openxmlformats.org/presentationml/2006/main">
+  <p:tag name="NUM" val="21"/>
+</p:tagLst>
+</file>
+
+<file path=ppt/tags/tag285.xml><?xml version="1.0" encoding="utf-8"?>
+<p:tagLst xmlns:a="http://schemas.openxmlformats.org/drawingml/2006/main" xmlns:r="http://schemas.openxmlformats.org/officeDocument/2006/relationships" xmlns:p="http://schemas.openxmlformats.org/presentationml/2006/main">
+  <p:tag name="NUM" val="22"/>
+</p:tagLst>
+</file>
+
+<file path=ppt/tags/tag286.xml><?xml version="1.0" encoding="utf-8"?>
+<p:tagLst xmlns:a="http://schemas.openxmlformats.org/drawingml/2006/main" xmlns:r="http://schemas.openxmlformats.org/officeDocument/2006/relationships" xmlns:p="http://schemas.openxmlformats.org/presentationml/2006/main">
+  <p:tag name="NUM" val="23"/>
+</p:tagLst>
+</file>
+
+<file path=ppt/tags/tag287.xml><?xml version="1.0" encoding="utf-8"?>
+<p:tagLst xmlns:a="http://schemas.openxmlformats.org/drawingml/2006/main" xmlns:r="http://schemas.openxmlformats.org/officeDocument/2006/relationships" xmlns:p="http://schemas.openxmlformats.org/presentationml/2006/main">
+  <p:tag name="NUM" val="24"/>
+</p:tagLst>
+</file>
+
+<file path=ppt/tags/tag288.xml><?xml version="1.0" encoding="utf-8"?>
+<p:tagLst xmlns:a="http://schemas.openxmlformats.org/drawingml/2006/main" xmlns:r="http://schemas.openxmlformats.org/officeDocument/2006/relationships" xmlns:p="http://schemas.openxmlformats.org/presentationml/2006/main">
+  <p:tag name="NUM" val="25"/>
+</p:tagLst>
+</file>
+
+<file path=ppt/tags/tag289.xml><?xml version="1.0" encoding="utf-8"?>
+<p:tagLst xmlns:a="http://schemas.openxmlformats.org/drawingml/2006/main" xmlns:r="http://schemas.openxmlformats.org/officeDocument/2006/relationships" xmlns:p="http://schemas.openxmlformats.org/presentationml/2006/main">
+  <p:tag name="NUM" val="26"/>
+</p:tagLst>
+</file>
+
+<file path=ppt/tags/tag29.xml><?xml version="1.0" encoding="utf-8"?>
+<p:tagLst xmlns:a="http://schemas.openxmlformats.org/drawingml/2006/main" xmlns:r="http://schemas.openxmlformats.org/officeDocument/2006/relationships" xmlns:p="http://schemas.openxmlformats.org/presentationml/2006/main">
+  <p:tag name="NUM" val="3"/>
+</p:tagLst>
+</file>
+
+<file path=ppt/tags/tag290.xml><?xml version="1.0" encoding="utf-8"?>
+<p:tagLst xmlns:a="http://schemas.openxmlformats.org/drawingml/2006/main" xmlns:r="http://schemas.openxmlformats.org/officeDocument/2006/relationships" xmlns:p="http://schemas.openxmlformats.org/presentationml/2006/main">
+  <p:tag name="NUM" val="27"/>
+</p:tagLst>
+</file>
+
+<file path=ppt/tags/tag291.xml><?xml version="1.0" encoding="utf-8"?>
 <p:tagLst xmlns:a="http://schemas.openxmlformats.org/drawingml/2006/main" xmlns:r="http://schemas.openxmlformats.org/officeDocument/2006/relationships" xmlns:p="http://schemas.openxmlformats.org/presentationml/2006/main">
   <p:tag name="NUM" val="28"/>
 </p:tagLst>
 </file>
 
-<file path=ppt/tags/tag118.xml><?xml version="1.0" encoding="utf-8"?>
+<file path=ppt/tags/tag292.xml><?xml version="1.0" encoding="utf-8"?>
 <p:tagLst xmlns:a="http://schemas.openxmlformats.org/drawingml/2006/main" xmlns:r="http://schemas.openxmlformats.org/officeDocument/2006/relationships" xmlns:p="http://schemas.openxmlformats.org/presentationml/2006/main">
   <p:tag name="NUM" val="29"/>
 </p:tagLst>
 </file>
 
-<file path=ppt/tags/tag119.xml><?xml version="1.0" encoding="utf-8"?>
+<file path=ppt/tags/tag293.xml><?xml version="1.0" encoding="utf-8"?>
 <p:tagLst xmlns:a="http://schemas.openxmlformats.org/drawingml/2006/main" xmlns:r="http://schemas.openxmlformats.org/officeDocument/2006/relationships" xmlns:p="http://schemas.openxmlformats.org/presentationml/2006/main">
   <p:tag name="NUM" val="30"/>
 </p:tagLst>
 </file>
 
-<file path=ppt/tags/tag12.xml><?xml version="1.0" encoding="utf-8"?>
+<file path=ppt/tags/tag294.xml><?xml version="1.0" encoding="utf-8"?>
+<p:tagLst xmlns:a="http://schemas.openxmlformats.org/drawingml/2006/main" xmlns:r="http://schemas.openxmlformats.org/officeDocument/2006/relationships" xmlns:p="http://schemas.openxmlformats.org/presentationml/2006/main">
+  <p:tag name="NUM" val="31"/>
+</p:tagLst>
+</file>
+
+<file path=ppt/tags/tag295.xml><?xml version="1.0" encoding="utf-8"?>
+<p:tagLst xmlns:a="http://schemas.openxmlformats.org/drawingml/2006/main" xmlns:r="http://schemas.openxmlformats.org/officeDocument/2006/relationships" xmlns:p="http://schemas.openxmlformats.org/presentationml/2006/main">
+  <p:tag name="NUM" val="32"/>
+</p:tagLst>
+</file>
+
+<file path=ppt/tags/tag296.xml><?xml version="1.0" encoding="utf-8"?>
+<p:tagLst xmlns:a="http://schemas.openxmlformats.org/drawingml/2006/main" xmlns:r="http://schemas.openxmlformats.org/officeDocument/2006/relationships" xmlns:p="http://schemas.openxmlformats.org/presentationml/2006/main">
+  <p:tag name="NUM" val="33"/>
+</p:tagLst>
+</file>
+
+<file path=ppt/tags/tag297.xml><?xml version="1.0" encoding="utf-8"?>
+<p:tagLst xmlns:a="http://schemas.openxmlformats.org/drawingml/2006/main" xmlns:r="http://schemas.openxmlformats.org/officeDocument/2006/relationships" xmlns:p="http://schemas.openxmlformats.org/presentationml/2006/main">
+  <p:tag name="NUM" val="34"/>
+</p:tagLst>
+</file>
+
+<file path=ppt/tags/tag298.xml><?xml version="1.0" encoding="utf-8"?>
+<p:tagLst xmlns:a="http://schemas.openxmlformats.org/drawingml/2006/main" xmlns:r="http://schemas.openxmlformats.org/officeDocument/2006/relationships" xmlns:p="http://schemas.openxmlformats.org/presentationml/2006/main">
+  <p:tag name="NUM" val="35"/>
+</p:tagLst>
+</file>
+
+<file path=ppt/tags/tag299.xml><?xml version="1.0" encoding="utf-8"?>
+<p:tagLst xmlns:a="http://schemas.openxmlformats.org/drawingml/2006/main" xmlns:r="http://schemas.openxmlformats.org/officeDocument/2006/relationships" xmlns:p="http://schemas.openxmlformats.org/presentationml/2006/main">
+  <p:tag name="NUM" val="36"/>
+</p:tagLst>
+</file>
+
+<file path=ppt/tags/tag3.xml><?xml version="1.0" encoding="utf-8"?>
+<p:tagLst xmlns:a="http://schemas.openxmlformats.org/drawingml/2006/main" xmlns:r="http://schemas.openxmlformats.org/officeDocument/2006/relationships" xmlns:p="http://schemas.openxmlformats.org/presentationml/2006/main">
+  <p:tag name="NUM" val="3"/>
+</p:tagLst>
+</file>
+
+<file path=ppt/tags/tag30.xml><?xml version="1.0" encoding="utf-8"?>
+<p:tagLst xmlns:a="http://schemas.openxmlformats.org/drawingml/2006/main" xmlns:r="http://schemas.openxmlformats.org/officeDocument/2006/relationships" xmlns:p="http://schemas.openxmlformats.org/presentationml/2006/main">
+  <p:tag name="NUM" val="4"/>
+</p:tagLst>
+</file>
+
+<file path=ppt/tags/tag300.xml><?xml version="1.0" encoding="utf-8"?>
+<p:tagLst xmlns:a="http://schemas.openxmlformats.org/drawingml/2006/main" xmlns:r="http://schemas.openxmlformats.org/officeDocument/2006/relationships" xmlns:p="http://schemas.openxmlformats.org/presentationml/2006/main">
+  <p:tag name="NUM" val="37"/>
+</p:tagLst>
+</file>
+
+<file path=ppt/tags/tag301.xml><?xml version="1.0" encoding="utf-8"?>
+<p:tagLst xmlns:a="http://schemas.openxmlformats.org/drawingml/2006/main" xmlns:r="http://schemas.openxmlformats.org/officeDocument/2006/relationships" xmlns:p="http://schemas.openxmlformats.org/presentationml/2006/main">
+  <p:tag name="NUM" val="38"/>
+</p:tagLst>
+</file>
+
+<file path=ppt/tags/tag302.xml><?xml version="1.0" encoding="utf-8"?>
+<p:tagLst xmlns:a="http://schemas.openxmlformats.org/drawingml/2006/main" xmlns:r="http://schemas.openxmlformats.org/officeDocument/2006/relationships" xmlns:p="http://schemas.openxmlformats.org/presentationml/2006/main">
+  <p:tag name="NUM" val="39"/>
+</p:tagLst>
+</file>
+
+<file path=ppt/tags/tag303.xml><?xml version="1.0" encoding="utf-8"?>
+<p:tagLst xmlns:a="http://schemas.openxmlformats.org/drawingml/2006/main" xmlns:r="http://schemas.openxmlformats.org/officeDocument/2006/relationships" xmlns:p="http://schemas.openxmlformats.org/presentationml/2006/main">
+  <p:tag name="NUM" val="1"/>
+</p:tagLst>
+</file>
+
+<file path=ppt/tags/tag304.xml><?xml version="1.0" encoding="utf-8"?>
+<p:tagLst xmlns:a="http://schemas.openxmlformats.org/drawingml/2006/main" xmlns:r="http://schemas.openxmlformats.org/officeDocument/2006/relationships" xmlns:p="http://schemas.openxmlformats.org/presentationml/2006/main">
+  <p:tag name="NUM" val="2"/>
+</p:tagLst>
+</file>
+
+<file path=ppt/tags/tag305.xml><?xml version="1.0" encoding="utf-8"?>
+<p:tagLst xmlns:a="http://schemas.openxmlformats.org/drawingml/2006/main" xmlns:r="http://schemas.openxmlformats.org/officeDocument/2006/relationships" xmlns:p="http://schemas.openxmlformats.org/presentationml/2006/main">
+  <p:tag name="NUM" val="3"/>
+</p:tagLst>
+</file>
+
+<file path=ppt/tags/tag306.xml><?xml version="1.0" encoding="utf-8"?>
+<p:tagLst xmlns:a="http://schemas.openxmlformats.org/drawingml/2006/main" xmlns:r="http://schemas.openxmlformats.org/officeDocument/2006/relationships" xmlns:p="http://schemas.openxmlformats.org/presentationml/2006/main">
+  <p:tag name="NUM" val="4"/>
+</p:tagLst>
+</file>
+
+<file path=ppt/tags/tag307.xml><?xml version="1.0" encoding="utf-8"?>
+<p:tagLst xmlns:a="http://schemas.openxmlformats.org/drawingml/2006/main" xmlns:r="http://schemas.openxmlformats.org/officeDocument/2006/relationships" xmlns:p="http://schemas.openxmlformats.org/presentationml/2006/main">
+  <p:tag name="NUM" val="5"/>
+</p:tagLst>
+</file>
+
+<file path=ppt/tags/tag308.xml><?xml version="1.0" encoding="utf-8"?>
+<p:tagLst xmlns:a="http://schemas.openxmlformats.org/drawingml/2006/main" xmlns:r="http://schemas.openxmlformats.org/officeDocument/2006/relationships" xmlns:p="http://schemas.openxmlformats.org/presentationml/2006/main">
+  <p:tag name="NUM" val="6"/>
+</p:tagLst>
+</file>
+
+<file path=ppt/tags/tag309.xml><?xml version="1.0" encoding="utf-8"?>
+<p:tagLst xmlns:a="http://schemas.openxmlformats.org/drawingml/2006/main" xmlns:r="http://schemas.openxmlformats.org/officeDocument/2006/relationships" xmlns:p="http://schemas.openxmlformats.org/presentationml/2006/main">
+  <p:tag name="NUM" val="7"/>
+</p:tagLst>
+</file>
+
+<file path=ppt/tags/tag31.xml><?xml version="1.0" encoding="utf-8"?>
+<p:tagLst xmlns:a="http://schemas.openxmlformats.org/drawingml/2006/main" xmlns:r="http://schemas.openxmlformats.org/officeDocument/2006/relationships" xmlns:p="http://schemas.openxmlformats.org/presentationml/2006/main">
+  <p:tag name="NUM" val="5"/>
+</p:tagLst>
+</file>
+
+<file path=ppt/tags/tag310.xml><?xml version="1.0" encoding="utf-8"?>
+<p:tagLst xmlns:a="http://schemas.openxmlformats.org/drawingml/2006/main" xmlns:r="http://schemas.openxmlformats.org/officeDocument/2006/relationships" xmlns:p="http://schemas.openxmlformats.org/presentationml/2006/main">
+  <p:tag name="NUM" val="8"/>
+</p:tagLst>
+</file>
+
+<file path=ppt/tags/tag311.xml><?xml version="1.0" encoding="utf-8"?>
+<p:tagLst xmlns:a="http://schemas.openxmlformats.org/drawingml/2006/main" xmlns:r="http://schemas.openxmlformats.org/officeDocument/2006/relationships" xmlns:p="http://schemas.openxmlformats.org/presentationml/2006/main">
+  <p:tag name="NUM" val="9"/>
+</p:tagLst>
+</file>
+
+<file path=ppt/tags/tag312.xml><?xml version="1.0" encoding="utf-8"?>
+<p:tagLst xmlns:a="http://schemas.openxmlformats.org/drawingml/2006/main" xmlns:r="http://schemas.openxmlformats.org/officeDocument/2006/relationships" xmlns:p="http://schemas.openxmlformats.org/presentationml/2006/main">
+  <p:tag name="NUM" val="10"/>
+</p:tagLst>
+</file>
+
+<file path=ppt/tags/tag313.xml><?xml version="1.0" encoding="utf-8"?>
+<p:tagLst xmlns:a="http://schemas.openxmlformats.org/drawingml/2006/main" xmlns:r="http://schemas.openxmlformats.org/officeDocument/2006/relationships" xmlns:p="http://schemas.openxmlformats.org/presentationml/2006/main">
+  <p:tag name="NUM" val="11"/>
+</p:tagLst>
+</file>
+
+<file path=ppt/tags/tag314.xml><?xml version="1.0" encoding="utf-8"?>
 <p:tagLst xmlns:a="http://schemas.openxmlformats.org/drawingml/2006/main" xmlns:r="http://schemas.openxmlformats.org/officeDocument/2006/relationships" xmlns:p="http://schemas.openxmlformats.org/presentationml/2006/main">
   <p:tag name="NUM" val="12"/>
 </p:tagLst>
 </file>
 
-<file path=ppt/tags/tag120.xml><?xml version="1.0" encoding="utf-8"?>
+<file path=ppt/tags/tag315.xml><?xml version="1.0" encoding="utf-8"?>
+<p:tagLst xmlns:a="http://schemas.openxmlformats.org/drawingml/2006/main" xmlns:r="http://schemas.openxmlformats.org/officeDocument/2006/relationships" xmlns:p="http://schemas.openxmlformats.org/presentationml/2006/main">
+  <p:tag name="NUM" val="13"/>
+</p:tagLst>
+</file>
+
+<file path=ppt/tags/tag316.xml><?xml version="1.0" encoding="utf-8"?>
+<p:tagLst xmlns:a="http://schemas.openxmlformats.org/drawingml/2006/main" xmlns:r="http://schemas.openxmlformats.org/officeDocument/2006/relationships" xmlns:p="http://schemas.openxmlformats.org/presentationml/2006/main">
+  <p:tag name="NUM" val="14"/>
+</p:tagLst>
+</file>
+
+<file path=ppt/tags/tag317.xml><?xml version="1.0" encoding="utf-8"?>
+<p:tagLst xmlns:a="http://schemas.openxmlformats.org/drawingml/2006/main" xmlns:r="http://schemas.openxmlformats.org/officeDocument/2006/relationships" xmlns:p="http://schemas.openxmlformats.org/presentationml/2006/main">
+  <p:tag name="NUM" val="15"/>
+</p:tagLst>
+</file>
+
+<file path=ppt/tags/tag318.xml><?xml version="1.0" encoding="utf-8"?>
+<p:tagLst xmlns:a="http://schemas.openxmlformats.org/drawingml/2006/main" xmlns:r="http://schemas.openxmlformats.org/officeDocument/2006/relationships" xmlns:p="http://schemas.openxmlformats.org/presentationml/2006/main">
+  <p:tag name="NUM" val="16"/>
+</p:tagLst>
+</file>
+
+<file path=ppt/tags/tag319.xml><?xml version="1.0" encoding="utf-8"?>
+<p:tagLst xmlns:a="http://schemas.openxmlformats.org/drawingml/2006/main" xmlns:r="http://schemas.openxmlformats.org/officeDocument/2006/relationships" xmlns:p="http://schemas.openxmlformats.org/presentationml/2006/main">
+  <p:tag name="NUM" val="17"/>
+</p:tagLst>
+</file>
+
+<file path=ppt/tags/tag32.xml><?xml version="1.0" encoding="utf-8"?>
+<p:tagLst xmlns:a="http://schemas.openxmlformats.org/drawingml/2006/main" xmlns:r="http://schemas.openxmlformats.org/officeDocument/2006/relationships" xmlns:p="http://schemas.openxmlformats.org/presentationml/2006/main">
+  <p:tag name="NUM" val="6"/>
+</p:tagLst>
+</file>
+
+<file path=ppt/tags/tag320.xml><?xml version="1.0" encoding="utf-8"?>
+<p:tagLst xmlns:a="http://schemas.openxmlformats.org/drawingml/2006/main" xmlns:r="http://schemas.openxmlformats.org/officeDocument/2006/relationships" xmlns:p="http://schemas.openxmlformats.org/presentationml/2006/main">
+  <p:tag name="NUM" val="18"/>
+</p:tagLst>
+</file>
+
+<file path=ppt/tags/tag321.xml><?xml version="1.0" encoding="utf-8"?>
+<p:tagLst xmlns:a="http://schemas.openxmlformats.org/drawingml/2006/main" xmlns:r="http://schemas.openxmlformats.org/officeDocument/2006/relationships" xmlns:p="http://schemas.openxmlformats.org/presentationml/2006/main">
+  <p:tag name="NUM" val="19"/>
+</p:tagLst>
+</file>
+
+<file path=ppt/tags/tag322.xml><?xml version="1.0" encoding="utf-8"?>
+<p:tagLst xmlns:a="http://schemas.openxmlformats.org/drawingml/2006/main" xmlns:r="http://schemas.openxmlformats.org/officeDocument/2006/relationships" xmlns:p="http://schemas.openxmlformats.org/presentationml/2006/main">
+  <p:tag name="NUM" val="20"/>
+</p:tagLst>
+</file>
+
+<file path=ppt/tags/tag323.xml><?xml version="1.0" encoding="utf-8"?>
+<p:tagLst xmlns:a="http://schemas.openxmlformats.org/drawingml/2006/main" xmlns:r="http://schemas.openxmlformats.org/officeDocument/2006/relationships" xmlns:p="http://schemas.openxmlformats.org/presentationml/2006/main">
+  <p:tag name="NUM" val="21"/>
+</p:tagLst>
+</file>
+
+<file path=ppt/tags/tag324.xml><?xml version="1.0" encoding="utf-8"?>
+<p:tagLst xmlns:a="http://schemas.openxmlformats.org/drawingml/2006/main" xmlns:r="http://schemas.openxmlformats.org/officeDocument/2006/relationships" xmlns:p="http://schemas.openxmlformats.org/presentationml/2006/main">
+  <p:tag name="NUM" val="22"/>
+</p:tagLst>
+</file>
+
+<file path=ppt/tags/tag325.xml><?xml version="1.0" encoding="utf-8"?>
+<p:tagLst xmlns:a="http://schemas.openxmlformats.org/drawingml/2006/main" xmlns:r="http://schemas.openxmlformats.org/officeDocument/2006/relationships" xmlns:p="http://schemas.openxmlformats.org/presentationml/2006/main">
+  <p:tag name="NUM" val="23"/>
+</p:tagLst>
+</file>
+
+<file path=ppt/tags/tag326.xml><?xml version="1.0" encoding="utf-8"?>
+<p:tagLst xmlns:a="http://schemas.openxmlformats.org/drawingml/2006/main" xmlns:r="http://schemas.openxmlformats.org/officeDocument/2006/relationships" xmlns:p="http://schemas.openxmlformats.org/presentationml/2006/main">
+  <p:tag name="NUM" val="24"/>
+</p:tagLst>
+</file>
+
+<file path=ppt/tags/tag327.xml><?xml version="1.0" encoding="utf-8"?>
+<p:tagLst xmlns:a="http://schemas.openxmlformats.org/drawingml/2006/main" xmlns:r="http://schemas.openxmlformats.org/officeDocument/2006/relationships" xmlns:p="http://schemas.openxmlformats.org/presentationml/2006/main">
+  <p:tag name="NUM" val="25"/>
+</p:tagLst>
+</file>
+
+<file path=ppt/tags/tag328.xml><?xml version="1.0" encoding="utf-8"?>
+<p:tagLst xmlns:a="http://schemas.openxmlformats.org/drawingml/2006/main" xmlns:r="http://schemas.openxmlformats.org/officeDocument/2006/relationships" xmlns:p="http://schemas.openxmlformats.org/presentationml/2006/main">
+  <p:tag name="NUM" val="26"/>
+</p:tagLst>
+</file>
+
+<file path=ppt/tags/tag329.xml><?xml version="1.0" encoding="utf-8"?>
+<p:tagLst xmlns:a="http://schemas.openxmlformats.org/drawingml/2006/main" xmlns:r="http://schemas.openxmlformats.org/officeDocument/2006/relationships" xmlns:p="http://schemas.openxmlformats.org/presentationml/2006/main">
+  <p:tag name="NUM" val="27"/>
+</p:tagLst>
+</file>
+
+<file path=ppt/tags/tag33.xml><?xml version="1.0" encoding="utf-8"?>
+<p:tagLst xmlns:a="http://schemas.openxmlformats.org/drawingml/2006/main" xmlns:r="http://schemas.openxmlformats.org/officeDocument/2006/relationships" xmlns:p="http://schemas.openxmlformats.org/presentationml/2006/main">
+  <p:tag name="NUM" val="7"/>
+</p:tagLst>
+</file>
+
+<file path=ppt/tags/tag330.xml><?xml version="1.0" encoding="utf-8"?>
+<p:tagLst xmlns:a="http://schemas.openxmlformats.org/drawingml/2006/main" xmlns:r="http://schemas.openxmlformats.org/officeDocument/2006/relationships" xmlns:p="http://schemas.openxmlformats.org/presentationml/2006/main">
+  <p:tag name="NUM" val="28"/>
+</p:tagLst>
+</file>
+
+<file path=ppt/tags/tag331.xml><?xml version="1.0" encoding="utf-8"?>
+<p:tagLst xmlns:a="http://schemas.openxmlformats.org/drawingml/2006/main" xmlns:r="http://schemas.openxmlformats.org/officeDocument/2006/relationships" xmlns:p="http://schemas.openxmlformats.org/presentationml/2006/main">
+  <p:tag name="NUM" val="29"/>
+</p:tagLst>
+</file>
+
+<file path=ppt/tags/tag332.xml><?xml version="1.0" encoding="utf-8"?>
+<p:tagLst xmlns:a="http://schemas.openxmlformats.org/drawingml/2006/main" xmlns:r="http://schemas.openxmlformats.org/officeDocument/2006/relationships" xmlns:p="http://schemas.openxmlformats.org/presentationml/2006/main">
+  <p:tag name="NUM" val="1"/>
+</p:tagLst>
+</file>
+
+<file path=ppt/tags/tag333.xml><?xml version="1.0" encoding="utf-8"?>
+<p:tagLst xmlns:a="http://schemas.openxmlformats.org/drawingml/2006/main" xmlns:r="http://schemas.openxmlformats.org/officeDocument/2006/relationships" xmlns:p="http://schemas.openxmlformats.org/presentationml/2006/main">
+  <p:tag name="NUM" val="2"/>
+</p:tagLst>
+</file>
+
+<file path=ppt/tags/tag334.xml><?xml version="1.0" encoding="utf-8"?>
+<p:tagLst xmlns:a="http://schemas.openxmlformats.org/drawingml/2006/main" xmlns:r="http://schemas.openxmlformats.org/officeDocument/2006/relationships" xmlns:p="http://schemas.openxmlformats.org/presentationml/2006/main">
+  <p:tag name="NUM" val="3"/>
+</p:tagLst>
+</file>
+
+<file path=ppt/tags/tag335.xml><?xml version="1.0" encoding="utf-8"?>
+<p:tagLst xmlns:a="http://schemas.openxmlformats.org/drawingml/2006/main" xmlns:r="http://schemas.openxmlformats.org/officeDocument/2006/relationships" xmlns:p="http://schemas.openxmlformats.org/presentationml/2006/main">
+  <p:tag name="NUM" val="4"/>
+</p:tagLst>
+</file>
+
+<file path=ppt/tags/tag336.xml><?xml version="1.0" encoding="utf-8"?>
+<p:tagLst xmlns:a="http://schemas.openxmlformats.org/drawingml/2006/main" xmlns:r="http://schemas.openxmlformats.org/officeDocument/2006/relationships" xmlns:p="http://schemas.openxmlformats.org/presentationml/2006/main">
+  <p:tag name="NUM" val="5"/>
+</p:tagLst>
+</file>
+
+<file path=ppt/tags/tag337.xml><?xml version="1.0" encoding="utf-8"?>
+<p:tagLst xmlns:a="http://schemas.openxmlformats.org/drawingml/2006/main" xmlns:r="http://schemas.openxmlformats.org/officeDocument/2006/relationships" xmlns:p="http://schemas.openxmlformats.org/presentationml/2006/main">
+  <p:tag name="NUM" val="6"/>
+</p:tagLst>
+</file>
+
+<file path=ppt/tags/tag338.xml><?xml version="1.0" encoding="utf-8"?>
+<p:tagLst xmlns:a="http://schemas.openxmlformats.org/drawingml/2006/main" xmlns:r="http://schemas.openxmlformats.org/officeDocument/2006/relationships" xmlns:p="http://schemas.openxmlformats.org/presentationml/2006/main">
+  <p:tag name="NUM" val="7"/>
+</p:tagLst>
+</file>
+
+<file path=ppt/tags/tag339.xml><?xml version="1.0" encoding="utf-8"?>
+<p:tagLst xmlns:a="http://schemas.openxmlformats.org/drawingml/2006/main" xmlns:r="http://schemas.openxmlformats.org/officeDocument/2006/relationships" xmlns:p="http://schemas.openxmlformats.org/presentationml/2006/main">
+  <p:tag name="NUM" val="8"/>
+</p:tagLst>
+</file>
+
+<file path=ppt/tags/tag34.xml><?xml version="1.0" encoding="utf-8"?>
+<p:tagLst xmlns:a="http://schemas.openxmlformats.org/drawingml/2006/main" xmlns:r="http://schemas.openxmlformats.org/officeDocument/2006/relationships" xmlns:p="http://schemas.openxmlformats.org/presentationml/2006/main">
+  <p:tag name="NUM" val="8"/>
+</p:tagLst>
+</file>
+
+<file path=ppt/tags/tag340.xml><?xml version="1.0" encoding="utf-8"?>
+<p:tagLst xmlns:a="http://schemas.openxmlformats.org/drawingml/2006/main" xmlns:r="http://schemas.openxmlformats.org/officeDocument/2006/relationships" xmlns:p="http://schemas.openxmlformats.org/presentationml/2006/main">
+  <p:tag name="NUM" val="9"/>
+</p:tagLst>
+</file>
+
+<file path=ppt/tags/tag341.xml><?xml version="1.0" encoding="utf-8"?>
+<p:tagLst xmlns:a="http://schemas.openxmlformats.org/drawingml/2006/main" xmlns:r="http://schemas.openxmlformats.org/officeDocument/2006/relationships" xmlns:p="http://schemas.openxmlformats.org/presentationml/2006/main">
+  <p:tag name="NUM" val="10"/>
+</p:tagLst>
+</file>
+
+<file path=ppt/tags/tag342.xml><?xml version="1.0" encoding="utf-8"?>
+<p:tagLst xmlns:a="http://schemas.openxmlformats.org/drawingml/2006/main" xmlns:r="http://schemas.openxmlformats.org/officeDocument/2006/relationships" xmlns:p="http://schemas.openxmlformats.org/presentationml/2006/main">
+  <p:tag name="NUM" val="11"/>
+</p:tagLst>
+</file>
+
+<file path=ppt/tags/tag343.xml><?xml version="1.0" encoding="utf-8"?>
+<p:tagLst xmlns:a="http://schemas.openxmlformats.org/drawingml/2006/main" xmlns:r="http://schemas.openxmlformats.org/officeDocument/2006/relationships" xmlns:p="http://schemas.openxmlformats.org/presentationml/2006/main">
+  <p:tag name="NUM" val="12"/>
+</p:tagLst>
+</file>
+
+<file path=ppt/tags/tag344.xml><?xml version="1.0" encoding="utf-8"?>
+<p:tagLst xmlns:a="http://schemas.openxmlformats.org/drawingml/2006/main" xmlns:r="http://schemas.openxmlformats.org/officeDocument/2006/relationships" xmlns:p="http://schemas.openxmlformats.org/presentationml/2006/main">
+  <p:tag name="NUM" val="13"/>
+</p:tagLst>
+</file>
+
+<file path=ppt/tags/tag345.xml><?xml version="1.0" encoding="utf-8"?>
+<p:tagLst xmlns:a="http://schemas.openxmlformats.org/drawingml/2006/main" xmlns:r="http://schemas.openxmlformats.org/officeDocument/2006/relationships" xmlns:p="http://schemas.openxmlformats.org/presentationml/2006/main">
+  <p:tag name="NUM" val="14"/>
+</p:tagLst>
+</file>
+
+<file path=ppt/tags/tag346.xml><?xml version="1.0" encoding="utf-8"?>
+<p:tagLst xmlns:a="http://schemas.openxmlformats.org/drawingml/2006/main" xmlns:r="http://schemas.openxmlformats.org/officeDocument/2006/relationships" xmlns:p="http://schemas.openxmlformats.org/presentationml/2006/main">
+  <p:tag name="NUM" val="15"/>
+</p:tagLst>
+</file>
+
+<file path=ppt/tags/tag347.xml><?xml version="1.0" encoding="utf-8"?>
+<p:tagLst xmlns:a="http://schemas.openxmlformats.org/drawingml/2006/main" xmlns:r="http://schemas.openxmlformats.org/officeDocument/2006/relationships" xmlns:p="http://schemas.openxmlformats.org/presentationml/2006/main">
+  <p:tag name="NUM" val="16"/>
+</p:tagLst>
+</file>
+
+<file path=ppt/tags/tag348.xml><?xml version="1.0" encoding="utf-8"?>
+<p:tagLst xmlns:a="http://schemas.openxmlformats.org/drawingml/2006/main" xmlns:r="http://schemas.openxmlformats.org/officeDocument/2006/relationships" xmlns:p="http://schemas.openxmlformats.org/presentationml/2006/main">
+  <p:tag name="NUM" val="17"/>
+</p:tagLst>
+</file>
+
+<file path=ppt/tags/tag349.xml><?xml version="1.0" encoding="utf-8"?>
+<p:tagLst xmlns:a="http://schemas.openxmlformats.org/drawingml/2006/main" xmlns:r="http://schemas.openxmlformats.org/officeDocument/2006/relationships" xmlns:p="http://schemas.openxmlformats.org/presentationml/2006/main">
+  <p:tag name="NUM" val="18"/>
+</p:tagLst>
+</file>
+
+<file path=ppt/tags/tag35.xml><?xml version="1.0" encoding="utf-8"?>
+<p:tagLst xmlns:a="http://schemas.openxmlformats.org/drawingml/2006/main" xmlns:r="http://schemas.openxmlformats.org/officeDocument/2006/relationships" xmlns:p="http://schemas.openxmlformats.org/presentationml/2006/main">
+  <p:tag name="NUM" val="9"/>
+</p:tagLst>
+</file>
+
+<file path=ppt/tags/tag350.xml><?xml version="1.0" encoding="utf-8"?>
+<p:tagLst xmlns:a="http://schemas.openxmlformats.org/drawingml/2006/main" xmlns:r="http://schemas.openxmlformats.org/officeDocument/2006/relationships" xmlns:p="http://schemas.openxmlformats.org/presentationml/2006/main">
+  <p:tag name="NUM" val="19"/>
+</p:tagLst>
+</file>
+
+<file path=ppt/tags/tag351.xml><?xml version="1.0" encoding="utf-8"?>
+<p:tagLst xmlns:a="http://schemas.openxmlformats.org/drawingml/2006/main" xmlns:r="http://schemas.openxmlformats.org/officeDocument/2006/relationships" xmlns:p="http://schemas.openxmlformats.org/presentationml/2006/main">
+  <p:tag name="NUM" val="20"/>
+</p:tagLst>
+</file>
+
+<file path=ppt/tags/tag352.xml><?xml version="1.0" encoding="utf-8"?>
+<p:tagLst xmlns:a="http://schemas.openxmlformats.org/drawingml/2006/main" xmlns:r="http://schemas.openxmlformats.org/officeDocument/2006/relationships" xmlns:p="http://schemas.openxmlformats.org/presentationml/2006/main">
+  <p:tag name="NUM" val="1"/>
+</p:tagLst>
+</file>
+
+<file path=ppt/tags/tag353.xml><?xml version="1.0" encoding="utf-8"?>
+<p:tagLst xmlns:a="http://schemas.openxmlformats.org/drawingml/2006/main" xmlns:r="http://schemas.openxmlformats.org/officeDocument/2006/relationships" xmlns:p="http://schemas.openxmlformats.org/presentationml/2006/main">
+  <p:tag name="NUM" val="2"/>
+</p:tagLst>
+</file>
+
+<file path=ppt/tags/tag354.xml><?xml version="1.0" encoding="utf-8"?>
+<p:tagLst xmlns:a="http://schemas.openxmlformats.org/drawingml/2006/main" xmlns:r="http://schemas.openxmlformats.org/officeDocument/2006/relationships" xmlns:p="http://schemas.openxmlformats.org/presentationml/2006/main">
+  <p:tag name="NUM" val="3"/>
+</p:tagLst>
+</file>
+
+<file path=ppt/tags/tag355.xml><?xml version="1.0" encoding="utf-8"?>
+<p:tagLst xmlns:a="http://schemas.openxmlformats.org/drawingml/2006/main" xmlns:r="http://schemas.openxmlformats.org/officeDocument/2006/relationships" xmlns:p="http://schemas.openxmlformats.org/presentationml/2006/main">
+  <p:tag name="NUM" val="4"/>
+</p:tagLst>
+</file>
+
+<file path=ppt/tags/tag356.xml><?xml version="1.0" encoding="utf-8"?>
+<p:tagLst xmlns:a="http://schemas.openxmlformats.org/drawingml/2006/main" xmlns:r="http://schemas.openxmlformats.org/officeDocument/2006/relationships" xmlns:p="http://schemas.openxmlformats.org/presentationml/2006/main">
+  <p:tag name="NUM" val="5"/>
+</p:tagLst>
+</file>
+
+<file path=ppt/tags/tag357.xml><?xml version="1.0" encoding="utf-8"?>
+<p:tagLst xmlns:a="http://schemas.openxmlformats.org/drawingml/2006/main" xmlns:r="http://schemas.openxmlformats.org/officeDocument/2006/relationships" xmlns:p="http://schemas.openxmlformats.org/presentationml/2006/main">
+  <p:tag name="NUM" val="6"/>
+</p:tagLst>
+</file>
+
+<file path=ppt/tags/tag358.xml><?xml version="1.0" encoding="utf-8"?>
+<p:tagLst xmlns:a="http://schemas.openxmlformats.org/drawingml/2006/main" xmlns:r="http://schemas.openxmlformats.org/officeDocument/2006/relationships" xmlns:p="http://schemas.openxmlformats.org/presentationml/2006/main">
+  <p:tag name="NUM" val="7"/>
+</p:tagLst>
+</file>
+
+<file path=ppt/tags/tag359.xml><?xml version="1.0" encoding="utf-8"?>
+<p:tagLst xmlns:a="http://schemas.openxmlformats.org/drawingml/2006/main" xmlns:r="http://schemas.openxmlformats.org/officeDocument/2006/relationships" xmlns:p="http://schemas.openxmlformats.org/presentationml/2006/main">
+  <p:tag name="NUM" val="8"/>
+</p:tagLst>
+</file>
+
+<file path=ppt/tags/tag36.xml><?xml version="1.0" encoding="utf-8"?>
+<p:tagLst xmlns:a="http://schemas.openxmlformats.org/drawingml/2006/main" xmlns:r="http://schemas.openxmlformats.org/officeDocument/2006/relationships" xmlns:p="http://schemas.openxmlformats.org/presentationml/2006/main">
+  <p:tag name="NUM" val="10"/>
+</p:tagLst>
+</file>
+
+<file path=ppt/tags/tag360.xml><?xml version="1.0" encoding="utf-8"?>
+<p:tagLst xmlns:a="http://schemas.openxmlformats.org/drawingml/2006/main" xmlns:r="http://schemas.openxmlformats.org/officeDocument/2006/relationships" xmlns:p="http://schemas.openxmlformats.org/presentationml/2006/main">
+  <p:tag name="NUM" val="9"/>
+</p:tagLst>
+</file>
+
+<file path=ppt/tags/tag361.xml><?xml version="1.0" encoding="utf-8"?>
+<p:tagLst xmlns:a="http://schemas.openxmlformats.org/drawingml/2006/main" xmlns:r="http://schemas.openxmlformats.org/officeDocument/2006/relationships" xmlns:p="http://schemas.openxmlformats.org/presentationml/2006/main">
+  <p:tag name="NUM" val="10"/>
+</p:tagLst>
+</file>
+
+<file path=ppt/tags/tag362.xml><?xml version="1.0" encoding="utf-8"?>
+<p:tagLst xmlns:a="http://schemas.openxmlformats.org/drawingml/2006/main" xmlns:r="http://schemas.openxmlformats.org/officeDocument/2006/relationships" xmlns:p="http://schemas.openxmlformats.org/presentationml/2006/main">
+  <p:tag name="NUM" val="11"/>
+</p:tagLst>
+</file>
+
+<file path=ppt/tags/tag363.xml><?xml version="1.0" encoding="utf-8"?>
+<p:tagLst xmlns:a="http://schemas.openxmlformats.org/drawingml/2006/main" xmlns:r="http://schemas.openxmlformats.org/officeDocument/2006/relationships" xmlns:p="http://schemas.openxmlformats.org/presentationml/2006/main">
+  <p:tag name="NUM" val="12"/>
+</p:tagLst>
+</file>
+
+<file path=ppt/tags/tag364.xml><?xml version="1.0" encoding="utf-8"?>
+<p:tagLst xmlns:a="http://schemas.openxmlformats.org/drawingml/2006/main" xmlns:r="http://schemas.openxmlformats.org/officeDocument/2006/relationships" xmlns:p="http://schemas.openxmlformats.org/presentationml/2006/main">
+  <p:tag name="NUM" val="13"/>
+</p:tagLst>
+</file>
+
+<file path=ppt/tags/tag365.xml><?xml version="1.0" encoding="utf-8"?>
+<p:tagLst xmlns:a="http://schemas.openxmlformats.org/drawingml/2006/main" xmlns:r="http://schemas.openxmlformats.org/officeDocument/2006/relationships" xmlns:p="http://schemas.openxmlformats.org/presentationml/2006/main">
+  <p:tag name="NUM" val="14"/>
+</p:tagLst>
+</file>
+
+<file path=ppt/tags/tag366.xml><?xml version="1.0" encoding="utf-8"?>
+<p:tagLst xmlns:a="http://schemas.openxmlformats.org/drawingml/2006/main" xmlns:r="http://schemas.openxmlformats.org/officeDocument/2006/relationships" xmlns:p="http://schemas.openxmlformats.org/presentationml/2006/main">
+  <p:tag name="NUM" val="15"/>
+</p:tagLst>
+</file>
+
+<file path=ppt/tags/tag367.xml><?xml version="1.0" encoding="utf-8"?>
+<p:tagLst xmlns:a="http://schemas.openxmlformats.org/drawingml/2006/main" xmlns:r="http://schemas.openxmlformats.org/officeDocument/2006/relationships" xmlns:p="http://schemas.openxmlformats.org/presentationml/2006/main">
+  <p:tag name="NUM" val="16"/>
+</p:tagLst>
+</file>
+
+<file path=ppt/tags/tag368.xml><?xml version="1.0" encoding="utf-8"?>
+<p:tagLst xmlns:a="http://schemas.openxmlformats.org/drawingml/2006/main" xmlns:r="http://schemas.openxmlformats.org/officeDocument/2006/relationships" xmlns:p="http://schemas.openxmlformats.org/presentationml/2006/main">
+  <p:tag name="NUM" val="17"/>
+</p:tagLst>
+</file>
+
+<file path=ppt/tags/tag369.xml><?xml version="1.0" encoding="utf-8"?>
+<p:tagLst xmlns:a="http://schemas.openxmlformats.org/drawingml/2006/main" xmlns:r="http://schemas.openxmlformats.org/officeDocument/2006/relationships" xmlns:p="http://schemas.openxmlformats.org/presentationml/2006/main">
+  <p:tag name="NUM" val="18"/>
+</p:tagLst>
+</file>
+
+<file path=ppt/tags/tag37.xml><?xml version="1.0" encoding="utf-8"?>
+<p:tagLst xmlns:a="http://schemas.openxmlformats.org/drawingml/2006/main" xmlns:r="http://schemas.openxmlformats.org/officeDocument/2006/relationships" xmlns:p="http://schemas.openxmlformats.org/presentationml/2006/main">
+  <p:tag name="NUM" val="11"/>
+</p:tagLst>
+</file>
+
+<file path=ppt/tags/tag370.xml><?xml version="1.0" encoding="utf-8"?>
+<p:tagLst xmlns:a="http://schemas.openxmlformats.org/drawingml/2006/main" xmlns:r="http://schemas.openxmlformats.org/officeDocument/2006/relationships" xmlns:p="http://schemas.openxmlformats.org/presentationml/2006/main">
+  <p:tag name="NUM" val="19"/>
+</p:tagLst>
+</file>
+
+<file path=ppt/tags/tag371.xml><?xml version="1.0" encoding="utf-8"?>
+<p:tagLst xmlns:a="http://schemas.openxmlformats.org/drawingml/2006/main" xmlns:r="http://schemas.openxmlformats.org/officeDocument/2006/relationships" xmlns:p="http://schemas.openxmlformats.org/presentationml/2006/main">
+  <p:tag name="NUM" val="20"/>
+</p:tagLst>
+</file>
+
+<file path=ppt/tags/tag372.xml><?xml version="1.0" encoding="utf-8"?>
+<p:tagLst xmlns:a="http://schemas.openxmlformats.org/drawingml/2006/main" xmlns:r="http://schemas.openxmlformats.org/officeDocument/2006/relationships" xmlns:p="http://schemas.openxmlformats.org/presentationml/2006/main">
+  <p:tag name="NUM" val="21"/>
+</p:tagLst>
+</file>
+
+<file path=ppt/tags/tag373.xml><?xml version="1.0" encoding="utf-8"?>
+<p:tagLst xmlns:a="http://schemas.openxmlformats.org/drawingml/2006/main" xmlns:r="http://schemas.openxmlformats.org/officeDocument/2006/relationships" xmlns:p="http://schemas.openxmlformats.org/presentationml/2006/main">
+  <p:tag name="NUM" val="22"/>
+</p:tagLst>
+</file>
+
+<file path=ppt/tags/tag374.xml><?xml version="1.0" encoding="utf-8"?>
+<p:tagLst xmlns:a="http://schemas.openxmlformats.org/drawingml/2006/main" xmlns:r="http://schemas.openxmlformats.org/officeDocument/2006/relationships" xmlns:p="http://schemas.openxmlformats.org/presentationml/2006/main">
+  <p:tag name="NUM" val="23"/>
+</p:tagLst>
+</file>
+
+<file path=ppt/tags/tag375.xml><?xml version="1.0" encoding="utf-8"?>
+<p:tagLst xmlns:a="http://schemas.openxmlformats.org/drawingml/2006/main" xmlns:r="http://schemas.openxmlformats.org/officeDocument/2006/relationships" xmlns:p="http://schemas.openxmlformats.org/presentationml/2006/main">
+  <p:tag name="NUM" val="24"/>
+</p:tagLst>
+</file>
+
+<file path=ppt/tags/tag376.xml><?xml version="1.0" encoding="utf-8"?>
+<p:tagLst xmlns:a="http://schemas.openxmlformats.org/drawingml/2006/main" xmlns:r="http://schemas.openxmlformats.org/officeDocument/2006/relationships" xmlns:p="http://schemas.openxmlformats.org/presentationml/2006/main">
+  <p:tag name="NUM" val="25"/>
+</p:tagLst>
+</file>
+
+<file path=ppt/tags/tag377.xml><?xml version="1.0" encoding="utf-8"?>
+<p:tagLst xmlns:a="http://schemas.openxmlformats.org/drawingml/2006/main" xmlns:r="http://schemas.openxmlformats.org/officeDocument/2006/relationships" xmlns:p="http://schemas.openxmlformats.org/presentationml/2006/main">
+  <p:tag name="NUM" val="26"/>
+</p:tagLst>
+</file>
+
+<file path=ppt/tags/tag378.xml><?xml version="1.0" encoding="utf-8"?>
+<p:tagLst xmlns:a="http://schemas.openxmlformats.org/drawingml/2006/main" xmlns:r="http://schemas.openxmlformats.org/officeDocument/2006/relationships" xmlns:p="http://schemas.openxmlformats.org/presentationml/2006/main">
+  <p:tag name="NUM" val="27"/>
+</p:tagLst>
+</file>
+
+<file path=ppt/tags/tag379.xml><?xml version="1.0" encoding="utf-8"?>
+<p:tagLst xmlns:a="http://schemas.openxmlformats.org/drawingml/2006/main" xmlns:r="http://schemas.openxmlformats.org/officeDocument/2006/relationships" xmlns:p="http://schemas.openxmlformats.org/presentationml/2006/main">
+  <p:tag name="NUM" val="28"/>
+</p:tagLst>
+</file>
+
+<file path=ppt/tags/tag38.xml><?xml version="1.0" encoding="utf-8"?>
+<p:tagLst xmlns:a="http://schemas.openxmlformats.org/drawingml/2006/main" xmlns:r="http://schemas.openxmlformats.org/officeDocument/2006/relationships" xmlns:p="http://schemas.openxmlformats.org/presentationml/2006/main">
+  <p:tag name="NUM" val="12"/>
+</p:tagLst>
+</file>
+
+<file path=ppt/tags/tag380.xml><?xml version="1.0" encoding="utf-8"?>
+<p:tagLst xmlns:a="http://schemas.openxmlformats.org/drawingml/2006/main" xmlns:r="http://schemas.openxmlformats.org/officeDocument/2006/relationships" xmlns:p="http://schemas.openxmlformats.org/presentationml/2006/main">
+  <p:tag name="NUM" val="29"/>
+</p:tagLst>
+</file>
+
+<file path=ppt/tags/tag381.xml><?xml version="1.0" encoding="utf-8"?>
+<p:tagLst xmlns:a="http://schemas.openxmlformats.org/drawingml/2006/main" xmlns:r="http://schemas.openxmlformats.org/officeDocument/2006/relationships" xmlns:p="http://schemas.openxmlformats.org/presentationml/2006/main">
+  <p:tag name="NUM" val="30"/>
+</p:tagLst>
+</file>
+
+<file path=ppt/tags/tag382.xml><?xml version="1.0" encoding="utf-8"?>
 <p:tagLst xmlns:a="http://schemas.openxmlformats.org/drawingml/2006/main" xmlns:r="http://schemas.openxmlformats.org/officeDocument/2006/relationships" xmlns:p="http://schemas.openxmlformats.org/presentationml/2006/main">
   <p:tag name="NUM" val="31"/>
 </p:tagLst>
 </file>
 
-<file path=ppt/tags/tag121.xml><?xml version="1.0" encoding="utf-8"?>
+<file path=ppt/tags/tag383.xml><?xml version="1.0" encoding="utf-8"?>
 <p:tagLst xmlns:a="http://schemas.openxmlformats.org/drawingml/2006/main" xmlns:r="http://schemas.openxmlformats.org/officeDocument/2006/relationships" xmlns:p="http://schemas.openxmlformats.org/presentationml/2006/main">
   <p:tag name="NUM" val="32"/>
 </p:tagLst>
 </file>
 
-<file path=ppt/tags/tag122.xml><?xml version="1.0" encoding="utf-8"?>
-<p:tagLst xmlns:a="http://schemas.openxmlformats.org/drawingml/2006/main" xmlns:r="http://schemas.openxmlformats.org/officeDocument/2006/relationships" xmlns:p="http://schemas.openxmlformats.org/presentationml/2006/main">
-  <p:tag name="NUM" val="33"/>
-</p:tagLst>
-</file>
-
-<file path=ppt/tags/tag123.xml><?xml version="1.0" encoding="utf-8"?>
-<p:tagLst xmlns:a="http://schemas.openxmlformats.org/drawingml/2006/main" xmlns:r="http://schemas.openxmlformats.org/officeDocument/2006/relationships" xmlns:p="http://schemas.openxmlformats.org/presentationml/2006/main">
-  <p:tag name="NUM" val="34"/>
-</p:tagLst>
-</file>
-
-<file path=ppt/tags/tag124.xml><?xml version="1.0" encoding="utf-8"?>
-<p:tagLst xmlns:a="http://schemas.openxmlformats.org/drawingml/2006/main" xmlns:r="http://schemas.openxmlformats.org/officeDocument/2006/relationships" xmlns:p="http://schemas.openxmlformats.org/presentationml/2006/main">
-  <p:tag name="NUM" val="35"/>
-</p:tagLst>
-</file>
-
-<file path=ppt/tags/tag125.xml><?xml version="1.0" encoding="utf-8"?>
-<p:tagLst xmlns:a="http://schemas.openxmlformats.org/drawingml/2006/main" xmlns:r="http://schemas.openxmlformats.org/officeDocument/2006/relationships" xmlns:p="http://schemas.openxmlformats.org/presentationml/2006/main">
-  <p:tag name="NUM" val="36"/>
-</p:tagLst>
-</file>
-
-<file path=ppt/tags/tag126.xml><?xml version="1.0" encoding="utf-8"?>
-<p:tagLst xmlns:a="http://schemas.openxmlformats.org/drawingml/2006/main" xmlns:r="http://schemas.openxmlformats.org/officeDocument/2006/relationships" xmlns:p="http://schemas.openxmlformats.org/presentationml/2006/main">
-  <p:tag name="NUM" val="37"/>
-</p:tagLst>
-</file>
-
-<file path=ppt/tags/tag127.xml><?xml version="1.0" encoding="utf-8"?>
-<p:tagLst xmlns:a="http://schemas.openxmlformats.org/drawingml/2006/main" xmlns:r="http://schemas.openxmlformats.org/officeDocument/2006/relationships" xmlns:p="http://schemas.openxmlformats.org/presentationml/2006/main">
-  <p:tag name="NUM" val="38"/>
-</p:tagLst>
-</file>
-
-<file path=ppt/tags/tag128.xml><?xml version="1.0" encoding="utf-8"?>
-<p:tagLst xmlns:a="http://schemas.openxmlformats.org/drawingml/2006/main" xmlns:r="http://schemas.openxmlformats.org/officeDocument/2006/relationships" xmlns:p="http://schemas.openxmlformats.org/presentationml/2006/main">
-  <p:tag name="NUM" val="39"/>
-</p:tagLst>
-</file>
-
-<file path=ppt/tags/tag129.xml><?xml version="1.0" encoding="utf-8"?>
-<p:tagLst xmlns:a="http://schemas.openxmlformats.org/drawingml/2006/main" xmlns:r="http://schemas.openxmlformats.org/officeDocument/2006/relationships" xmlns:p="http://schemas.openxmlformats.org/presentationml/2006/main">
-  <p:tag name="NUM" val="40"/>
-</p:tagLst>
-</file>
-
-<file path=ppt/tags/tag13.xml><?xml version="1.0" encoding="utf-8"?>
+<file path=ppt/tags/tag39.xml><?xml version="1.0" encoding="utf-8"?>
 <p:tagLst xmlns:a="http://schemas.openxmlformats.org/drawingml/2006/main" xmlns:r="http://schemas.openxmlformats.org/officeDocument/2006/relationships" xmlns:p="http://schemas.openxmlformats.org/presentationml/2006/main">
   <p:tag name="NUM" val="13"/>
 </p:tagLst>
 </file>
 
-<file path=ppt/tags/tag130.xml><?xml version="1.0" encoding="utf-8"?>
-<p:tagLst xmlns:a="http://schemas.openxmlformats.org/drawingml/2006/main" xmlns:r="http://schemas.openxmlformats.org/officeDocument/2006/relationships" xmlns:p="http://schemas.openxmlformats.org/presentationml/2006/main">
-  <p:tag name="NUM" val="41"/>
-</p:tagLst>
-</file>
-
-<file path=ppt/tags/tag131.xml><?xml version="1.0" encoding="utf-8"?>
-<p:tagLst xmlns:a="http://schemas.openxmlformats.org/drawingml/2006/main" xmlns:r="http://schemas.openxmlformats.org/officeDocument/2006/relationships" xmlns:p="http://schemas.openxmlformats.org/presentationml/2006/main">
-  <p:tag name="NUM" val="42"/>
-</p:tagLst>
-</file>
-
-<file path=ppt/tags/tag132.xml><?xml version="1.0" encoding="utf-8"?>
-<p:tagLst xmlns:a="http://schemas.openxmlformats.org/drawingml/2006/main" xmlns:r="http://schemas.openxmlformats.org/officeDocument/2006/relationships" xmlns:p="http://schemas.openxmlformats.org/presentationml/2006/main">
-  <p:tag name="NUM" val="43"/>
-</p:tagLst>
-</file>
-
-<file path=ppt/tags/tag133.xml><?xml version="1.0" encoding="utf-8"?>
-<p:tagLst xmlns:a="http://schemas.openxmlformats.org/drawingml/2006/main" xmlns:r="http://schemas.openxmlformats.org/officeDocument/2006/relationships" xmlns:p="http://schemas.openxmlformats.org/presentationml/2006/main">
-  <p:tag name="NUM" val="44"/>
-</p:tagLst>
-</file>
-
-<file path=ppt/tags/tag134.xml><?xml version="1.0" encoding="utf-8"?>
-<p:tagLst xmlns:a="http://schemas.openxmlformats.org/drawingml/2006/main" xmlns:r="http://schemas.openxmlformats.org/officeDocument/2006/relationships" xmlns:p="http://schemas.openxmlformats.org/presentationml/2006/main">
-  <p:tag name="NUM" val="45"/>
-</p:tagLst>
-</file>
-
-<file path=ppt/tags/tag135.xml><?xml version="1.0" encoding="utf-8"?>
-<p:tagLst xmlns:a="http://schemas.openxmlformats.org/drawingml/2006/main" xmlns:r="http://schemas.openxmlformats.org/officeDocument/2006/relationships" xmlns:p="http://schemas.openxmlformats.org/presentationml/2006/main">
-  <p:tag name="NUM" val="46"/>
-</p:tagLst>
-</file>
-
-<file path=ppt/tags/tag136.xml><?xml version="1.0" encoding="utf-8"?>
-<p:tagLst xmlns:a="http://schemas.openxmlformats.org/drawingml/2006/main" xmlns:r="http://schemas.openxmlformats.org/officeDocument/2006/relationships" xmlns:p="http://schemas.openxmlformats.org/presentationml/2006/main">
-  <p:tag name="NUM" val="47"/>
-</p:tagLst>
-</file>
-
-<file path=ppt/tags/tag137.xml><?xml version="1.0" encoding="utf-8"?>
-<p:tagLst xmlns:a="http://schemas.openxmlformats.org/drawingml/2006/main" xmlns:r="http://schemas.openxmlformats.org/officeDocument/2006/relationships" xmlns:p="http://schemas.openxmlformats.org/presentationml/2006/main">
-  <p:tag name="NUM" val="48"/>
-</p:tagLst>
-</file>
-
-<file path=ppt/tags/tag138.xml><?xml version="1.0" encoding="utf-8"?>
-<p:tagLst xmlns:a="http://schemas.openxmlformats.org/drawingml/2006/main" xmlns:r="http://schemas.openxmlformats.org/officeDocument/2006/relationships" xmlns:p="http://schemas.openxmlformats.org/presentationml/2006/main">
-  <p:tag name="NUM" val="49"/>
-</p:tagLst>
-</file>
-
-<file path=ppt/tags/tag139.xml><?xml version="1.0" encoding="utf-8"?>
-<p:tagLst xmlns:a="http://schemas.openxmlformats.org/drawingml/2006/main" xmlns:r="http://schemas.openxmlformats.org/officeDocument/2006/relationships" xmlns:p="http://schemas.openxmlformats.org/presentationml/2006/main">
-  <p:tag name="NUM" val="50"/>
-</p:tagLst>
-</file>
-
-<file path=ppt/tags/tag14.xml><?xml version="1.0" encoding="utf-8"?>
+<file path=ppt/tags/tag4.xml><?xml version="1.0" encoding="utf-8"?>
+<p:tagLst xmlns:a="http://schemas.openxmlformats.org/drawingml/2006/main" xmlns:r="http://schemas.openxmlformats.org/officeDocument/2006/relationships" xmlns:p="http://schemas.openxmlformats.org/presentationml/2006/main">
+  <p:tag name="NUM" val="4"/>
+</p:tagLst>
+</file>
+
+<file path=ppt/tags/tag40.xml><?xml version="1.0" encoding="utf-8"?>
 <p:tagLst xmlns:a="http://schemas.openxmlformats.org/drawingml/2006/main" xmlns:r="http://schemas.openxmlformats.org/officeDocument/2006/relationships" xmlns:p="http://schemas.openxmlformats.org/presentationml/2006/main">
   <p:tag name="NUM" val="14"/>
 </p:tagLst>
 </file>
 
-<file path=ppt/tags/tag140.xml><?xml version="1.0" encoding="utf-8"?>
-<p:tagLst xmlns:a="http://schemas.openxmlformats.org/drawingml/2006/main" xmlns:r="http://schemas.openxmlformats.org/officeDocument/2006/relationships" xmlns:p="http://schemas.openxmlformats.org/presentationml/2006/main">
-  <p:tag name="NUM" val="51"/>
-</p:tagLst>
-</file>
-
-<file path=ppt/tags/tag141.xml><?xml version="1.0" encoding="utf-8"?>
-<p:tagLst xmlns:a="http://schemas.openxmlformats.org/drawingml/2006/main" xmlns:r="http://schemas.openxmlformats.org/officeDocument/2006/relationships" xmlns:p="http://schemas.openxmlformats.org/presentationml/2006/main">
-  <p:tag name="NUM" val="52"/>
-</p:tagLst>
-</file>
-
-<file path=ppt/tags/tag142.xml><?xml version="1.0" encoding="utf-8"?>
-<p:tagLst xmlns:a="http://schemas.openxmlformats.org/drawingml/2006/main" xmlns:r="http://schemas.openxmlformats.org/officeDocument/2006/relationships" xmlns:p="http://schemas.openxmlformats.org/presentationml/2006/main">
-  <p:tag name="NUM" val="47"/>
-</p:tagLst>
-</file>
-
-<file path=ppt/tags/tag143.xml><?xml version="1.0" encoding="utf-8"?>
+<file path=ppt/tags/tag41.xml><?xml version="1.0" encoding="utf-8"?>
+<p:tagLst xmlns:a="http://schemas.openxmlformats.org/drawingml/2006/main" xmlns:r="http://schemas.openxmlformats.org/officeDocument/2006/relationships" xmlns:p="http://schemas.openxmlformats.org/presentationml/2006/main">
+  <p:tag name="NUM" val="15"/>
+</p:tagLst>
+</file>
+
+<file path=ppt/tags/tag42.xml><?xml version="1.0" encoding="utf-8"?>
+<p:tagLst xmlns:a="http://schemas.openxmlformats.org/drawingml/2006/main" xmlns:r="http://schemas.openxmlformats.org/officeDocument/2006/relationships" xmlns:p="http://schemas.openxmlformats.org/presentationml/2006/main">
+  <p:tag name="NUM" val="16"/>
+</p:tagLst>
+</file>
+
+<file path=ppt/tags/tag43.xml><?xml version="1.0" encoding="utf-8"?>
+<p:tagLst xmlns:a="http://schemas.openxmlformats.org/drawingml/2006/main" xmlns:r="http://schemas.openxmlformats.org/officeDocument/2006/relationships" xmlns:p="http://schemas.openxmlformats.org/presentationml/2006/main">
+  <p:tag name="NUM" val="17"/>
+</p:tagLst>
+</file>
+
+<file path=ppt/tags/tag44.xml><?xml version="1.0" encoding="utf-8"?>
+<p:tagLst xmlns:a="http://schemas.openxmlformats.org/drawingml/2006/main" xmlns:r="http://schemas.openxmlformats.org/officeDocument/2006/relationships" xmlns:p="http://schemas.openxmlformats.org/presentationml/2006/main">
+  <p:tag name="NUM" val="18"/>
+</p:tagLst>
+</file>
+
+<file path=ppt/tags/tag45.xml><?xml version="1.0" encoding="utf-8"?>
+<p:tagLst xmlns:a="http://schemas.openxmlformats.org/drawingml/2006/main" xmlns:r="http://schemas.openxmlformats.org/officeDocument/2006/relationships" xmlns:p="http://schemas.openxmlformats.org/presentationml/2006/main">
+  <p:tag name="NUM" val="19"/>
+</p:tagLst>
+</file>
+
+<file path=ppt/tags/tag46.xml><?xml version="1.0" encoding="utf-8"?>
+<p:tagLst xmlns:a="http://schemas.openxmlformats.org/drawingml/2006/main" xmlns:r="http://schemas.openxmlformats.org/officeDocument/2006/relationships" xmlns:p="http://schemas.openxmlformats.org/presentationml/2006/main">
+  <p:tag name="NUM" val="20"/>
+</p:tagLst>
+</file>
+
+<file path=ppt/tags/tag47.xml><?xml version="1.0" encoding="utf-8"?>
+<p:tagLst xmlns:a="http://schemas.openxmlformats.org/drawingml/2006/main" xmlns:r="http://schemas.openxmlformats.org/officeDocument/2006/relationships" xmlns:p="http://schemas.openxmlformats.org/presentationml/2006/main">
+  <p:tag name="NUM" val="21"/>
+</p:tagLst>
+</file>
+
+<file path=ppt/tags/tag48.xml><?xml version="1.0" encoding="utf-8"?>
+<p:tagLst xmlns:a="http://schemas.openxmlformats.org/drawingml/2006/main" xmlns:r="http://schemas.openxmlformats.org/officeDocument/2006/relationships" xmlns:p="http://schemas.openxmlformats.org/presentationml/2006/main">
+  <p:tag name="NUM" val="22"/>
+</p:tagLst>
+</file>
+
+<file path=ppt/tags/tag49.xml><?xml version="1.0" encoding="utf-8"?>
+<p:tagLst xmlns:a="http://schemas.openxmlformats.org/drawingml/2006/main" xmlns:r="http://schemas.openxmlformats.org/officeDocument/2006/relationships" xmlns:p="http://schemas.openxmlformats.org/presentationml/2006/main">
+  <p:tag name="NUM" val="23"/>
+</p:tagLst>
+</file>
+
+<file path=ppt/tags/tag5.xml><?xml version="1.0" encoding="utf-8"?>
+<p:tagLst xmlns:a="http://schemas.openxmlformats.org/drawingml/2006/main" xmlns:r="http://schemas.openxmlformats.org/officeDocument/2006/relationships" xmlns:p="http://schemas.openxmlformats.org/presentationml/2006/main">
+  <p:tag name="NUM" val="5"/>
+</p:tagLst>
+</file>
+
+<file path=ppt/tags/tag50.xml><?xml version="1.0" encoding="utf-8"?>
+<p:tagLst xmlns:a="http://schemas.openxmlformats.org/drawingml/2006/main" xmlns:r="http://schemas.openxmlformats.org/officeDocument/2006/relationships" xmlns:p="http://schemas.openxmlformats.org/presentationml/2006/main">
+  <p:tag name="NUM" val="24"/>
+</p:tagLst>
+</file>
+
+<file path=ppt/tags/tag51.xml><?xml version="1.0" encoding="utf-8"?>
+<p:tagLst xmlns:a="http://schemas.openxmlformats.org/drawingml/2006/main" xmlns:r="http://schemas.openxmlformats.org/officeDocument/2006/relationships" xmlns:p="http://schemas.openxmlformats.org/presentationml/2006/main">
+  <p:tag name="NUM" val="25"/>
+</p:tagLst>
+</file>
+
+<file path=ppt/tags/tag52.xml><?xml version="1.0" encoding="utf-8"?>
+<p:tagLst xmlns:a="http://schemas.openxmlformats.org/drawingml/2006/main" xmlns:r="http://schemas.openxmlformats.org/officeDocument/2006/relationships" xmlns:p="http://schemas.openxmlformats.org/presentationml/2006/main">
+  <p:tag name="NUM" val="26"/>
+</p:tagLst>
+</file>
+
+<file path=ppt/tags/tag53.xml><?xml version="1.0" encoding="utf-8"?>
+<p:tagLst xmlns:a="http://schemas.openxmlformats.org/drawingml/2006/main" xmlns:r="http://schemas.openxmlformats.org/officeDocument/2006/relationships" xmlns:p="http://schemas.openxmlformats.org/presentationml/2006/main">
+  <p:tag name="NUM" val="28"/>
+</p:tagLst>
+</file>
+
+<file path=ppt/tags/tag54.xml><?xml version="1.0" encoding="utf-8"?>
+<p:tagLst xmlns:a="http://schemas.openxmlformats.org/drawingml/2006/main" xmlns:r="http://schemas.openxmlformats.org/officeDocument/2006/relationships" xmlns:p="http://schemas.openxmlformats.org/presentationml/2006/main">
+  <p:tag name="NUM" val="29"/>
+</p:tagLst>
+</file>
+
+<file path=ppt/tags/tag55.xml><?xml version="1.0" encoding="utf-8"?>
+<p:tagLst xmlns:a="http://schemas.openxmlformats.org/drawingml/2006/main" xmlns:r="http://schemas.openxmlformats.org/officeDocument/2006/relationships" xmlns:p="http://schemas.openxmlformats.org/presentationml/2006/main">
+  <p:tag name="NUM" val="30"/>
+</p:tagLst>
+</file>
+
+<file path=ppt/tags/tag56.xml><?xml version="1.0" encoding="utf-8"?>
+<p:tagLst xmlns:a="http://schemas.openxmlformats.org/drawingml/2006/main" xmlns:r="http://schemas.openxmlformats.org/officeDocument/2006/relationships" xmlns:p="http://schemas.openxmlformats.org/presentationml/2006/main">
+  <p:tag name="NUM" val="31"/>
+</p:tagLst>
+</file>
+
+<file path=ppt/tags/tag57.xml><?xml version="1.0" encoding="utf-8"?>
+<p:tagLst xmlns:a="http://schemas.openxmlformats.org/drawingml/2006/main" xmlns:r="http://schemas.openxmlformats.org/officeDocument/2006/relationships" xmlns:p="http://schemas.openxmlformats.org/presentationml/2006/main">
+  <p:tag name="NUM" val="32"/>
+</p:tagLst>
+</file>
+
+<file path=ppt/tags/tag58.xml><?xml version="1.0" encoding="utf-8"?>
 <p:tagLst xmlns:a="http://schemas.openxmlformats.org/drawingml/2006/main" xmlns:r="http://schemas.openxmlformats.org/officeDocument/2006/relationships" xmlns:p="http://schemas.openxmlformats.org/presentationml/2006/main">
   <p:tag name="NUM" val="1"/>
 </p:tagLst>
 </file>
 
-<file path=ppt/tags/tag144.xml><?xml version="1.0" encoding="utf-8"?>
+<file path=ppt/tags/tag59.xml><?xml version="1.0" encoding="utf-8"?>
 <p:tagLst xmlns:a="http://schemas.openxmlformats.org/drawingml/2006/main" xmlns:r="http://schemas.openxmlformats.org/officeDocument/2006/relationships" xmlns:p="http://schemas.openxmlformats.org/presentationml/2006/main">
   <p:tag name="NUM" val="2"/>
 </p:tagLst>
 </file>
 
-<file path=ppt/tags/tag145.xml><?xml version="1.0" encoding="utf-8"?>
+<file path=ppt/tags/tag6.xml><?xml version="1.0" encoding="utf-8"?>
+<p:tagLst xmlns:a="http://schemas.openxmlformats.org/drawingml/2006/main" xmlns:r="http://schemas.openxmlformats.org/officeDocument/2006/relationships" xmlns:p="http://schemas.openxmlformats.org/presentationml/2006/main">
+  <p:tag name="NUM" val="6"/>
+</p:tagLst>
+</file>
+
+<file path=ppt/tags/tag60.xml><?xml version="1.0" encoding="utf-8"?>
 <p:tagLst xmlns:a="http://schemas.openxmlformats.org/drawingml/2006/main" xmlns:r="http://schemas.openxmlformats.org/officeDocument/2006/relationships" xmlns:p="http://schemas.openxmlformats.org/presentationml/2006/main">
   <p:tag name="NUM" val="3"/>
 </p:tagLst>
 </file>
 
-<file path=ppt/tags/tag146.xml><?xml version="1.0" encoding="utf-8"?>
+<file path=ppt/tags/tag61.xml><?xml version="1.0" encoding="utf-8"?>
 <p:tagLst xmlns:a="http://schemas.openxmlformats.org/drawingml/2006/main" xmlns:r="http://schemas.openxmlformats.org/officeDocument/2006/relationships" xmlns:p="http://schemas.openxmlformats.org/presentationml/2006/main">
   <p:tag name="NUM" val="4"/>
 </p:tagLst>
 </file>
 
-<file path=ppt/tags/tag147.xml><?xml version="1.0" encoding="utf-8"?>
+<file path=ppt/tags/tag62.xml><?xml version="1.0" encoding="utf-8"?>
 <p:tagLst xmlns:a="http://schemas.openxmlformats.org/drawingml/2006/main" xmlns:r="http://schemas.openxmlformats.org/officeDocument/2006/relationships" xmlns:p="http://schemas.openxmlformats.org/presentationml/2006/main">
   <p:tag name="NUM" val="5"/>
 </p:tagLst>
 </file>
 
-<file path=ppt/tags/tag148.xml><?xml version="1.0" encoding="utf-8"?>
+<file path=ppt/tags/tag63.xml><?xml version="1.0" encoding="utf-8"?>
 <p:tagLst xmlns:a="http://schemas.openxmlformats.org/drawingml/2006/main" xmlns:r="http://schemas.openxmlformats.org/officeDocument/2006/relationships" xmlns:p="http://schemas.openxmlformats.org/presentationml/2006/main">
   <p:tag name="NUM" val="6"/>
 </p:tagLst>
 </file>
 
-<file path=ppt/tags/tag149.xml><?xml version="1.0" encoding="utf-8"?>
+<file path=ppt/tags/tag64.xml><?xml version="1.0" encoding="utf-8"?>
 <p:tagLst xmlns:a="http://schemas.openxmlformats.org/drawingml/2006/main" xmlns:r="http://schemas.openxmlformats.org/officeDocument/2006/relationships" xmlns:p="http://schemas.openxmlformats.org/presentationml/2006/main">
   <p:tag name="NUM" val="7"/>
 </p:tagLst>
 </file>
 
-<file path=ppt/tags/tag15.xml><?xml version="1.0" encoding="utf-8"?>
+<file path=ppt/tags/tag65.xml><?xml version="1.0" encoding="utf-8"?>
+<p:tagLst xmlns:a="http://schemas.openxmlformats.org/drawingml/2006/main" xmlns:r="http://schemas.openxmlformats.org/officeDocument/2006/relationships" xmlns:p="http://schemas.openxmlformats.org/presentationml/2006/main">
+  <p:tag name="NUM" val="8"/>
+</p:tagLst>
+</file>
+
+<file path=ppt/tags/tag66.xml><?xml version="1.0" encoding="utf-8"?>
+<p:tagLst xmlns:a="http://schemas.openxmlformats.org/drawingml/2006/main" xmlns:r="http://schemas.openxmlformats.org/officeDocument/2006/relationships" xmlns:p="http://schemas.openxmlformats.org/presentationml/2006/main">
+  <p:tag name="NUM" val="9"/>
+</p:tagLst>
+</file>
+
+<file path=ppt/tags/tag67.xml><?xml version="1.0" encoding="utf-8"?>
+<p:tagLst xmlns:a="http://schemas.openxmlformats.org/drawingml/2006/main" xmlns:r="http://schemas.openxmlformats.org/officeDocument/2006/relationships" xmlns:p="http://schemas.openxmlformats.org/presentationml/2006/main">
+  <p:tag name="NUM" val="10"/>
+</p:tagLst>
+</file>
+
+<file path=ppt/tags/tag68.xml><?xml version="1.0" encoding="utf-8"?>
+<p:tagLst xmlns:a="http://schemas.openxmlformats.org/drawingml/2006/main" xmlns:r="http://schemas.openxmlformats.org/officeDocument/2006/relationships" xmlns:p="http://schemas.openxmlformats.org/presentationml/2006/main">
+  <p:tag name="NUM" val="11"/>
+</p:tagLst>
+</file>
+
+<file path=ppt/tags/tag69.xml><?xml version="1.0" encoding="utf-8"?>
+<p:tagLst xmlns:a="http://schemas.openxmlformats.org/drawingml/2006/main" xmlns:r="http://schemas.openxmlformats.org/officeDocument/2006/relationships" xmlns:p="http://schemas.openxmlformats.org/presentationml/2006/main">
+  <p:tag name="NUM" val="12"/>
+</p:tagLst>
+</file>
+
+<file path=ppt/tags/tag7.xml><?xml version="1.0" encoding="utf-8"?>
+<p:tagLst xmlns:a="http://schemas.openxmlformats.org/drawingml/2006/main" xmlns:r="http://schemas.openxmlformats.org/officeDocument/2006/relationships" xmlns:p="http://schemas.openxmlformats.org/presentationml/2006/main">
+  <p:tag name="NUM" val="7"/>
+</p:tagLst>
+</file>
+
+<file path=ppt/tags/tag70.xml><?xml version="1.0" encoding="utf-8"?>
+<p:tagLst xmlns:a="http://schemas.openxmlformats.org/drawingml/2006/main" xmlns:r="http://schemas.openxmlformats.org/officeDocument/2006/relationships" xmlns:p="http://schemas.openxmlformats.org/presentationml/2006/main">
+  <p:tag name="NUM" val="13"/>
+</p:tagLst>
+</file>
+
+<file path=ppt/tags/tag71.xml><?xml version="1.0" encoding="utf-8"?>
+<p:tagLst xmlns:a="http://schemas.openxmlformats.org/drawingml/2006/main" xmlns:r="http://schemas.openxmlformats.org/officeDocument/2006/relationships" xmlns:p="http://schemas.openxmlformats.org/presentationml/2006/main">
+  <p:tag name="NUM" val="14"/>
+</p:tagLst>
+</file>
+
+<file path=ppt/tags/tag72.xml><?xml version="1.0" encoding="utf-8"?>
 <p:tagLst xmlns:a="http://schemas.openxmlformats.org/drawingml/2006/main" xmlns:r="http://schemas.openxmlformats.org/officeDocument/2006/relationships" xmlns:p="http://schemas.openxmlformats.org/presentationml/2006/main">
   <p:tag name="NUM" val="15"/>
 </p:tagLst>
 </file>
 
-<file path=ppt/tags/tag150.xml><?xml version="1.0" encoding="utf-8"?>
+<file path=ppt/tags/tag73.xml><?xml version="1.0" encoding="utf-8"?>
+<p:tagLst xmlns:a="http://schemas.openxmlformats.org/drawingml/2006/main" xmlns:r="http://schemas.openxmlformats.org/officeDocument/2006/relationships" xmlns:p="http://schemas.openxmlformats.org/presentationml/2006/main">
+  <p:tag name="NUM" val="16"/>
+</p:tagLst>
+</file>
+
+<file path=ppt/tags/tag74.xml><?xml version="1.0" encoding="utf-8"?>
+<p:tagLst xmlns:a="http://schemas.openxmlformats.org/drawingml/2006/main" xmlns:r="http://schemas.openxmlformats.org/officeDocument/2006/relationships" xmlns:p="http://schemas.openxmlformats.org/presentationml/2006/main">
+  <p:tag name="NUM" val="17"/>
+</p:tagLst>
+</file>
+
+<file path=ppt/tags/tag75.xml><?xml version="1.0" encoding="utf-8"?>
+<p:tagLst xmlns:a="http://schemas.openxmlformats.org/drawingml/2006/main" xmlns:r="http://schemas.openxmlformats.org/officeDocument/2006/relationships" xmlns:p="http://schemas.openxmlformats.org/presentationml/2006/main">
+  <p:tag name="NUM" val="18"/>
+</p:tagLst>
+</file>
+
+<file path=ppt/tags/tag76.xml><?xml version="1.0" encoding="utf-8"?>
+<p:tagLst xmlns:a="http://schemas.openxmlformats.org/drawingml/2006/main" xmlns:r="http://schemas.openxmlformats.org/officeDocument/2006/relationships" xmlns:p="http://schemas.openxmlformats.org/presentationml/2006/main">
+  <p:tag name="NUM" val="19"/>
+</p:tagLst>
+</file>
+
+<file path=ppt/tags/tag77.xml><?xml version="1.0" encoding="utf-8"?>
+<p:tagLst xmlns:a="http://schemas.openxmlformats.org/drawingml/2006/main" xmlns:r="http://schemas.openxmlformats.org/officeDocument/2006/relationships" xmlns:p="http://schemas.openxmlformats.org/presentationml/2006/main">
+  <p:tag name="NUM" val="20"/>
+</p:tagLst>
+</file>
+
+<file path=ppt/tags/tag78.xml><?xml version="1.0" encoding="utf-8"?>
+<p:tagLst xmlns:a="http://schemas.openxmlformats.org/drawingml/2006/main" xmlns:r="http://schemas.openxmlformats.org/officeDocument/2006/relationships" xmlns:p="http://schemas.openxmlformats.org/presentationml/2006/main">
+  <p:tag name="NUM" val="21"/>
+</p:tagLst>
+</file>
+
+<file path=ppt/tags/tag79.xml><?xml version="1.0" encoding="utf-8"?>
+<p:tagLst xmlns:a="http://schemas.openxmlformats.org/drawingml/2006/main" xmlns:r="http://schemas.openxmlformats.org/officeDocument/2006/relationships" xmlns:p="http://schemas.openxmlformats.org/presentationml/2006/main">
+  <p:tag name="NUM" val="22"/>
+</p:tagLst>
+</file>
+
+<file path=ppt/tags/tag8.xml><?xml version="1.0" encoding="utf-8"?>
 <p:tagLst xmlns:a="http://schemas.openxmlformats.org/drawingml/2006/main" xmlns:r="http://schemas.openxmlformats.org/officeDocument/2006/relationships" xmlns:p="http://schemas.openxmlformats.org/presentationml/2006/main">
   <p:tag name="NUM" val="8"/>
 </p:tagLst>
 </file>
 
-<file path=ppt/tags/tag151.xml><?xml version="1.0" encoding="utf-8"?>
+<file path=ppt/tags/tag80.xml><?xml version="1.0" encoding="utf-8"?>
+<p:tagLst xmlns:a="http://schemas.openxmlformats.org/drawingml/2006/main" xmlns:r="http://schemas.openxmlformats.org/officeDocument/2006/relationships" xmlns:p="http://schemas.openxmlformats.org/presentationml/2006/main">
+  <p:tag name="NUM" val="23"/>
+</p:tagLst>
+</file>
+
+<file path=ppt/tags/tag81.xml><?xml version="1.0" encoding="utf-8"?>
+<p:tagLst xmlns:a="http://schemas.openxmlformats.org/drawingml/2006/main" xmlns:r="http://schemas.openxmlformats.org/officeDocument/2006/relationships" xmlns:p="http://schemas.openxmlformats.org/presentationml/2006/main">
+  <p:tag name="NUM" val="24"/>
+</p:tagLst>
+</file>
+
+<file path=ppt/tags/tag82.xml><?xml version="1.0" encoding="utf-8"?>
+<p:tagLst xmlns:a="http://schemas.openxmlformats.org/drawingml/2006/main" xmlns:r="http://schemas.openxmlformats.org/officeDocument/2006/relationships" xmlns:p="http://schemas.openxmlformats.org/presentationml/2006/main">
+  <p:tag name="NUM" val="25"/>
+</p:tagLst>
+</file>
+
+<file path=ppt/tags/tag83.xml><?xml version="1.0" encoding="utf-8"?>
+<p:tagLst xmlns:a="http://schemas.openxmlformats.org/drawingml/2006/main" xmlns:r="http://schemas.openxmlformats.org/officeDocument/2006/relationships" xmlns:p="http://schemas.openxmlformats.org/presentationml/2006/main">
+  <p:tag name="NUM" val="26"/>
+</p:tagLst>
+</file>
+
+<file path=ppt/tags/tag84.xml><?xml version="1.0" encoding="utf-8"?>
+<p:tagLst xmlns:a="http://schemas.openxmlformats.org/drawingml/2006/main" xmlns:r="http://schemas.openxmlformats.org/officeDocument/2006/relationships" xmlns:p="http://schemas.openxmlformats.org/presentationml/2006/main">
+  <p:tag name="NUM" val="29"/>
+</p:tagLst>
+</file>
+
+<file path=ppt/tags/tag85.xml><?xml version="1.0" encoding="utf-8"?>
+<p:tagLst xmlns:a="http://schemas.openxmlformats.org/drawingml/2006/main" xmlns:r="http://schemas.openxmlformats.org/officeDocument/2006/relationships" xmlns:p="http://schemas.openxmlformats.org/presentationml/2006/main">
+  <p:tag name="NUM" val="30"/>
+</p:tagLst>
+</file>
+
+<file path=ppt/tags/tag86.xml><?xml version="1.0" encoding="utf-8"?>
+<p:tagLst xmlns:a="http://schemas.openxmlformats.org/drawingml/2006/main" xmlns:r="http://schemas.openxmlformats.org/officeDocument/2006/relationships" xmlns:p="http://schemas.openxmlformats.org/presentationml/2006/main">
+  <p:tag name="NUM" val="31"/>
+</p:tagLst>
+</file>
+
+<file path=ppt/tags/tag87.xml><?xml version="1.0" encoding="utf-8"?>
+<p:tagLst xmlns:a="http://schemas.openxmlformats.org/drawingml/2006/main" xmlns:r="http://schemas.openxmlformats.org/officeDocument/2006/relationships" xmlns:p="http://schemas.openxmlformats.org/presentationml/2006/main">
+  <p:tag name="NUM" val="32"/>
+</p:tagLst>
+</file>
+
+<file path=ppt/tags/tag88.xml><?xml version="1.0" encoding="utf-8"?>
+<p:tagLst xmlns:a="http://schemas.openxmlformats.org/drawingml/2006/main" xmlns:r="http://schemas.openxmlformats.org/officeDocument/2006/relationships" xmlns:p="http://schemas.openxmlformats.org/presentationml/2006/main">
+  <p:tag name="NUM" val="27"/>
+</p:tagLst>
+</file>
+
+<file path=ppt/tags/tag89.xml><?xml version="1.0" encoding="utf-8"?>
+<p:tagLst xmlns:a="http://schemas.openxmlformats.org/drawingml/2006/main" xmlns:r="http://schemas.openxmlformats.org/officeDocument/2006/relationships" xmlns:p="http://schemas.openxmlformats.org/presentationml/2006/main">
+  <p:tag name="NUM" val="1"/>
+</p:tagLst>
+</file>
+
+<file path=ppt/tags/tag9.xml><?xml version="1.0" encoding="utf-8"?>
 <p:tagLst xmlns:a="http://schemas.openxmlformats.org/drawingml/2006/main" xmlns:r="http://schemas.openxmlformats.org/officeDocument/2006/relationships" xmlns:p="http://schemas.openxmlformats.org/presentationml/2006/main">
   <p:tag name="NUM" val="9"/>
 </p:tagLst>
 </file>
 
-<file path=ppt/tags/tag152.xml><?xml version="1.0" encoding="utf-8"?>
+<file path=ppt/tags/tag90.xml><?xml version="1.0" encoding="utf-8"?>
+<p:tagLst xmlns:a="http://schemas.openxmlformats.org/drawingml/2006/main" xmlns:r="http://schemas.openxmlformats.org/officeDocument/2006/relationships" xmlns:p="http://schemas.openxmlformats.org/presentationml/2006/main">
+  <p:tag name="NUM" val="2"/>
+</p:tagLst>
+</file>
+
+<file path=ppt/tags/tag91.xml><?xml version="1.0" encoding="utf-8"?>
+<p:tagLst xmlns:a="http://schemas.openxmlformats.org/drawingml/2006/main" xmlns:r="http://schemas.openxmlformats.org/officeDocument/2006/relationships" xmlns:p="http://schemas.openxmlformats.org/presentationml/2006/main">
+  <p:tag name="NUM" val="3"/>
+</p:tagLst>
+</file>
+
+<file path=ppt/tags/tag92.xml><?xml version="1.0" encoding="utf-8"?>
+<p:tagLst xmlns:a="http://schemas.openxmlformats.org/drawingml/2006/main" xmlns:r="http://schemas.openxmlformats.org/officeDocument/2006/relationships" xmlns:p="http://schemas.openxmlformats.org/presentationml/2006/main">
+  <p:tag name="NUM" val="4"/>
+</p:tagLst>
+</file>
+
+<file path=ppt/tags/tag93.xml><?xml version="1.0" encoding="utf-8"?>
+<p:tagLst xmlns:a="http://schemas.openxmlformats.org/drawingml/2006/main" xmlns:r="http://schemas.openxmlformats.org/officeDocument/2006/relationships" xmlns:p="http://schemas.openxmlformats.org/presentationml/2006/main">
+  <p:tag name="NUM" val="5"/>
+</p:tagLst>
+</file>
+
+<file path=ppt/tags/tag94.xml><?xml version="1.0" encoding="utf-8"?>
+<p:tagLst xmlns:a="http://schemas.openxmlformats.org/drawingml/2006/main" xmlns:r="http://schemas.openxmlformats.org/officeDocument/2006/relationships" xmlns:p="http://schemas.openxmlformats.org/presentationml/2006/main">
+  <p:tag name="NUM" val="6"/>
+</p:tagLst>
+</file>
+
+<file path=ppt/tags/tag95.xml><?xml version="1.0" encoding="utf-8"?>
+<p:tagLst xmlns:a="http://schemas.openxmlformats.org/drawingml/2006/main" xmlns:r="http://schemas.openxmlformats.org/officeDocument/2006/relationships" xmlns:p="http://schemas.openxmlformats.org/presentationml/2006/main">
+  <p:tag name="NUM" val="7"/>
+</p:tagLst>
+</file>
+
+<file path=ppt/tags/tag96.xml><?xml version="1.0" encoding="utf-8"?>
+<p:tagLst xmlns:a="http://schemas.openxmlformats.org/drawingml/2006/main" xmlns:r="http://schemas.openxmlformats.org/officeDocument/2006/relationships" xmlns:p="http://schemas.openxmlformats.org/presentationml/2006/main">
+  <p:tag name="NUM" val="8"/>
+</p:tagLst>
+</file>
+
+<file path=ppt/tags/tag97.xml><?xml version="1.0" encoding="utf-8"?>
+<p:tagLst xmlns:a="http://schemas.openxmlformats.org/drawingml/2006/main" xmlns:r="http://schemas.openxmlformats.org/officeDocument/2006/relationships" xmlns:p="http://schemas.openxmlformats.org/presentationml/2006/main">
+  <p:tag name="NUM" val="9"/>
+</p:tagLst>
+</file>
+
+<file path=ppt/tags/tag98.xml><?xml version="1.0" encoding="utf-8"?>
 <p:tagLst xmlns:a="http://schemas.openxmlformats.org/drawingml/2006/main" xmlns:r="http://schemas.openxmlformats.org/officeDocument/2006/relationships" xmlns:p="http://schemas.openxmlformats.org/presentationml/2006/main">
   <p:tag name="NUM" val="10"/>
 </p:tagLst>
 </file>
 
-<file path=ppt/tags/tag153.xml><?xml version="1.0" encoding="utf-8"?>
+<file path=ppt/tags/tag99.xml><?xml version="1.0" encoding="utf-8"?>
 <p:tagLst xmlns:a="http://schemas.openxmlformats.org/drawingml/2006/main" xmlns:r="http://schemas.openxmlformats.org/officeDocument/2006/relationships" xmlns:p="http://schemas.openxmlformats.org/presentationml/2006/main">
   <p:tag name="NUM" val="11"/>
-</p:tagLst>
-</file>
-
-<file path=ppt/tags/tag154.xml><?xml version="1.0" encoding="utf-8"?>
-<p:tagLst xmlns:a="http://schemas.openxmlformats.org/drawingml/2006/main" xmlns:r="http://schemas.openxmlformats.org/officeDocument/2006/relationships" xmlns:p="http://schemas.openxmlformats.org/presentationml/2006/main">
-  <p:tag name="NUM" val="12"/>
-</p:tagLst>
-</file>
-
-<file path=ppt/tags/tag155.xml><?xml version="1.0" encoding="utf-8"?>
-<p:tagLst xmlns:a="http://schemas.openxmlformats.org/drawingml/2006/main" xmlns:r="http://schemas.openxmlformats.org/officeDocument/2006/relationships" xmlns:p="http://schemas.openxmlformats.org/presentationml/2006/main">
-  <p:tag name="NUM" val="13"/>
-</p:tagLst>
-</file>
-
-<file path=ppt/tags/tag156.xml><?xml version="1.0" encoding="utf-8"?>
-<p:tagLst xmlns:a="http://schemas.openxmlformats.org/drawingml/2006/main" xmlns:r="http://schemas.openxmlformats.org/officeDocument/2006/relationships" xmlns:p="http://schemas.openxmlformats.org/presentationml/2006/main">
-  <p:tag name="NUM" val="14"/>
-</p:tagLst>
-</file>
-
-<file path=ppt/tags/tag157.xml><?xml version="1.0" encoding="utf-8"?>
-<p:tagLst xmlns:a="http://schemas.openxmlformats.org/drawingml/2006/main" xmlns:r="http://schemas.openxmlformats.org/officeDocument/2006/relationships" xmlns:p="http://schemas.openxmlformats.org/presentationml/2006/main">
-  <p:tag name="NUM" val="15"/>
-</p:tagLst>
-</file>
-
-<file path=ppt/tags/tag158.xml><?xml version="1.0" encoding="utf-8"?>
-<p:tagLst xmlns:a="http://schemas.openxmlformats.org/drawingml/2006/main" xmlns:r="http://schemas.openxmlformats.org/officeDocument/2006/relationships" xmlns:p="http://schemas.openxmlformats.org/presentationml/2006/main">
-  <p:tag name="NUM" val="16"/>
-</p:tagLst>
-</file>
-
-<file path=ppt/tags/tag159.xml><?xml version="1.0" encoding="utf-8"?>
-<p:tagLst xmlns:a="http://schemas.openxmlformats.org/drawingml/2006/main" xmlns:r="http://schemas.openxmlformats.org/officeDocument/2006/relationships" xmlns:p="http://schemas.openxmlformats.org/presentationml/2006/main">
-  <p:tag name="NUM" val="17"/>
-</p:tagLst>
-</file>
-
-<file path=ppt/tags/tag16.xml><?xml version="1.0" encoding="utf-8"?>
-<p:tagLst xmlns:a="http://schemas.openxmlformats.org/drawingml/2006/main" xmlns:r="http://schemas.openxmlformats.org/officeDocument/2006/relationships" xmlns:p="http://schemas.openxmlformats.org/presentationml/2006/main">
-  <p:tag name="NUM" val="16"/>
-</p:tagLst>
-</file>
-
-<file path=ppt/tags/tag160.xml><?xml version="1.0" encoding="utf-8"?>
-<p:tagLst xmlns:a="http://schemas.openxmlformats.org/drawingml/2006/main" xmlns:r="http://schemas.openxmlformats.org/officeDocument/2006/relationships" xmlns:p="http://schemas.openxmlformats.org/presentationml/2006/main">
-  <p:tag name="NUM" val="18"/>
-</p:tagLst>
-</file>
-
-<file path=ppt/tags/tag161.xml><?xml version="1.0" encoding="utf-8"?>
-<p:tagLst xmlns:a="http://schemas.openxmlformats.org/drawingml/2006/main" xmlns:r="http://schemas.openxmlformats.org/officeDocument/2006/relationships" xmlns:p="http://schemas.openxmlformats.org/presentationml/2006/main">
-  <p:tag name="NUM" val="19"/>
-</p:tagLst>
-</file>
-
-<file path=ppt/tags/tag162.xml><?xml version="1.0" encoding="utf-8"?>
-<p:tagLst xmlns:a="http://schemas.openxmlformats.org/drawingml/2006/main" xmlns:r="http://schemas.openxmlformats.org/officeDocument/2006/relationships" xmlns:p="http://schemas.openxmlformats.org/presentationml/2006/main">
-  <p:tag name="NUM" val="20"/>
-</p:tagLst>
-</file>
-
-<file path=ppt/tags/tag163.xml><?xml version="1.0" encoding="utf-8"?>
-<p:tagLst xmlns:a="http://schemas.openxmlformats.org/drawingml/2006/main" xmlns:r="http://schemas.openxmlformats.org/officeDocument/2006/relationships" xmlns:p="http://schemas.openxmlformats.org/presentationml/2006/main">
-  <p:tag name="NUM" val="21"/>
-</p:tagLst>
-</file>
-
-<file path=ppt/tags/tag164.xml><?xml version="1.0" encoding="utf-8"?>
-<p:tagLst xmlns:a="http://schemas.openxmlformats.org/drawingml/2006/main" xmlns:r="http://schemas.openxmlformats.org/officeDocument/2006/relationships" xmlns:p="http://schemas.openxmlformats.org/presentationml/2006/main">
-  <p:tag name="NUM" val="22"/>
-</p:tagLst>
-</file>
-
-<file path=ppt/tags/tag165.xml><?xml version="1.0" encoding="utf-8"?>
-<p:tagLst xmlns:a="http://schemas.openxmlformats.org/drawingml/2006/main" xmlns:r="http://schemas.openxmlformats.org/officeDocument/2006/relationships" xmlns:p="http://schemas.openxmlformats.org/presentationml/2006/main">
-  <p:tag name="NUM" val="23"/>
-</p:tagLst>
-</file>
-
-<file path=ppt/tags/tag166.xml><?xml version="1.0" encoding="utf-8"?>
-<p:tagLst xmlns:a="http://schemas.openxmlformats.org/drawingml/2006/main" xmlns:r="http://schemas.openxmlformats.org/officeDocument/2006/relationships" xmlns:p="http://schemas.openxmlformats.org/presentationml/2006/main">
-  <p:tag name="NUM" val="24"/>
-</p:tagLst>
-</file>
-
-<file path=ppt/tags/tag167.xml><?xml version="1.0" encoding="utf-8"?>
-<p:tagLst xmlns:a="http://schemas.openxmlformats.org/drawingml/2006/main" xmlns:r="http://schemas.openxmlformats.org/officeDocument/2006/relationships" xmlns:p="http://schemas.openxmlformats.org/presentationml/2006/main">
-  <p:tag name="NUM" val="25"/>
-</p:tagLst>
-</file>
-
-<file path=ppt/tags/tag168.xml><?xml version="1.0" encoding="utf-8"?>
-<p:tagLst xmlns:a="http://schemas.openxmlformats.org/drawingml/2006/main" xmlns:r="http://schemas.openxmlformats.org/officeDocument/2006/relationships" xmlns:p="http://schemas.openxmlformats.org/presentationml/2006/main">
-  <p:tag name="NUM" val="26"/>
-</p:tagLst>
-</file>
-
-<file path=ppt/tags/tag169.xml><?xml version="1.0" encoding="utf-8"?>
-<p:tagLst xmlns:a="http://schemas.openxmlformats.org/drawingml/2006/main" xmlns:r="http://schemas.openxmlformats.org/officeDocument/2006/relationships" xmlns:p="http://schemas.openxmlformats.org/presentationml/2006/main">
-  <p:tag name="NUM" val="27"/>
-</p:tagLst>
-</file>
-
-<file path=ppt/tags/tag17.xml><?xml version="1.0" encoding="utf-8"?>
-<p:tagLst xmlns:a="http://schemas.openxmlformats.org/drawingml/2006/main" xmlns:r="http://schemas.openxmlformats.org/officeDocument/2006/relationships" xmlns:p="http://schemas.openxmlformats.org/presentationml/2006/main">
-  <p:tag name="NUM" val="17"/>
-</p:tagLst>
-</file>
-
-<file path=ppt/tags/tag170.xml><?xml version="1.0" encoding="utf-8"?>
-<p:tagLst xmlns:a="http://schemas.openxmlformats.org/drawingml/2006/main" xmlns:r="http://schemas.openxmlformats.org/officeDocument/2006/relationships" xmlns:p="http://schemas.openxmlformats.org/presentationml/2006/main">
-  <p:tag name="NUM" val="28"/>
-</p:tagLst>
-</file>
-
-<file path=ppt/tags/tag171.xml><?xml version="1.0" encoding="utf-8"?>
-<p:tagLst xmlns:a="http://schemas.openxmlformats.org/drawingml/2006/main" xmlns:r="http://schemas.openxmlformats.org/officeDocument/2006/relationships" xmlns:p="http://schemas.openxmlformats.org/presentationml/2006/main">
-  <p:tag name="NUM" val="29"/>
-</p:tagLst>
-</file>
-
-<file path=ppt/tags/tag172.xml><?xml version="1.0" encoding="utf-8"?>
-<p:tagLst xmlns:a="http://schemas.openxmlformats.org/drawingml/2006/main" xmlns:r="http://schemas.openxmlformats.org/officeDocument/2006/relationships" xmlns:p="http://schemas.openxmlformats.org/presentationml/2006/main">
-  <p:tag name="NUM" val="30"/>
-</p:tagLst>
-</file>
-
-<file path=ppt/tags/tag173.xml><?xml version="1.0" encoding="utf-8"?>
-<p:tagLst xmlns:a="http://schemas.openxmlformats.org/drawingml/2006/main" xmlns:r="http://schemas.openxmlformats.org/officeDocument/2006/relationships" xmlns:p="http://schemas.openxmlformats.org/presentationml/2006/main">
-  <p:tag name="NUM" val="31"/>
-</p:tagLst>
-</file>
-
-<file path=ppt/tags/tag174.xml><?xml version="1.0" encoding="utf-8"?>
-<p:tagLst xmlns:a="http://schemas.openxmlformats.org/drawingml/2006/main" xmlns:r="http://schemas.openxmlformats.org/officeDocument/2006/relationships" xmlns:p="http://schemas.openxmlformats.org/presentationml/2006/main">
-  <p:tag name="NUM" val="32"/>
-</p:tagLst>
-</file>
-
-<file path=ppt/tags/tag175.xml><?xml version="1.0" encoding="utf-8"?>
-<p:tagLst xmlns:a="http://schemas.openxmlformats.org/drawingml/2006/main" xmlns:r="http://schemas.openxmlformats.org/officeDocument/2006/relationships" xmlns:p="http://schemas.openxmlformats.org/presentationml/2006/main">
-  <p:tag name="NUM" val="33"/>
-</p:tagLst>
-</file>
-
-<file path=ppt/tags/tag176.xml><?xml version="1.0" encoding="utf-8"?>
-<p:tagLst xmlns:a="http://schemas.openxmlformats.org/drawingml/2006/main" xmlns:r="http://schemas.openxmlformats.org/officeDocument/2006/relationships" xmlns:p="http://schemas.openxmlformats.org/presentationml/2006/main">
-  <p:tag name="NUM" val="34"/>
-</p:tagLst>
-</file>
-
-<file path=ppt/tags/tag177.xml><?xml version="1.0" encoding="utf-8"?>
-<p:tagLst xmlns:a="http://schemas.openxmlformats.org/drawingml/2006/main" xmlns:r="http://schemas.openxmlformats.org/officeDocument/2006/relationships" xmlns:p="http://schemas.openxmlformats.org/presentationml/2006/main">
-  <p:tag name="NUM" val="35"/>
-</p:tagLst>
-</file>
-
-<file path=ppt/tags/tag178.xml><?xml version="1.0" encoding="utf-8"?>
-<p:tagLst xmlns:a="http://schemas.openxmlformats.org/drawingml/2006/main" xmlns:r="http://schemas.openxmlformats.org/officeDocument/2006/relationships" xmlns:p="http://schemas.openxmlformats.org/presentationml/2006/main">
-  <p:tag name="NUM" val="36"/>
-</p:tagLst>
-</file>
-
-<file path=ppt/tags/tag179.xml><?xml version="1.0" encoding="utf-8"?>
-<p:tagLst xmlns:a="http://schemas.openxmlformats.org/drawingml/2006/main" xmlns:r="http://schemas.openxmlformats.org/officeDocument/2006/relationships" xmlns:p="http://schemas.openxmlformats.org/presentationml/2006/main">
-  <p:tag name="NUM" val="37"/>
-</p:tagLst>
-</file>
-
-<file path=ppt/tags/tag18.xml><?xml version="1.0" encoding="utf-8"?>
-<p:tagLst xmlns:a="http://schemas.openxmlformats.org/drawingml/2006/main" xmlns:r="http://schemas.openxmlformats.org/officeDocument/2006/relationships" xmlns:p="http://schemas.openxmlformats.org/presentationml/2006/main">
-  <p:tag name="NUM" val="18"/>
-</p:tagLst>
-</file>
-
-<file path=ppt/tags/tag180.xml><?xml version="1.0" encoding="utf-8"?>
-<p:tagLst xmlns:a="http://schemas.openxmlformats.org/drawingml/2006/main" xmlns:r="http://schemas.openxmlformats.org/officeDocument/2006/relationships" xmlns:p="http://schemas.openxmlformats.org/presentationml/2006/main">
-  <p:tag name="NUM" val="38"/>
-</p:tagLst>
-</file>
-
-<file path=ppt/tags/tag181.xml><?xml version="1.0" encoding="utf-8"?>
-<p:tagLst xmlns:a="http://schemas.openxmlformats.org/drawingml/2006/main" xmlns:r="http://schemas.openxmlformats.org/officeDocument/2006/relationships" xmlns:p="http://schemas.openxmlformats.org/presentationml/2006/main">
-  <p:tag name="NUM" val="39"/>
-</p:tagLst>
-</file>
-
-<file path=ppt/tags/tag182.xml><?xml version="1.0" encoding="utf-8"?>
-<p:tagLst xmlns:a="http://schemas.openxmlformats.org/drawingml/2006/main" xmlns:r="http://schemas.openxmlformats.org/officeDocument/2006/relationships" xmlns:p="http://schemas.openxmlformats.org/presentationml/2006/main">
-  <p:tag name="NUM" val="40"/>
-</p:tagLst>
-</file>
-
-<file path=ppt/tags/tag183.xml><?xml version="1.0" encoding="utf-8"?>
-<p:tagLst xmlns:a="http://schemas.openxmlformats.org/drawingml/2006/main" xmlns:r="http://schemas.openxmlformats.org/officeDocument/2006/relationships" xmlns:p="http://schemas.openxmlformats.org/presentationml/2006/main">
-  <p:tag name="NUM" val="41"/>
-</p:tagLst>
-</file>
-
-<file path=ppt/tags/tag184.xml><?xml version="1.0" encoding="utf-8"?>
-<p:tagLst xmlns:a="http://schemas.openxmlformats.org/drawingml/2006/main" xmlns:r="http://schemas.openxmlformats.org/officeDocument/2006/relationships" xmlns:p="http://schemas.openxmlformats.org/presentationml/2006/main">
-  <p:tag name="NUM" val="42"/>
-</p:tagLst>
-</file>
-
-<file path=ppt/tags/tag185.xml><?xml version="1.0" encoding="utf-8"?>
-<p:tagLst xmlns:a="http://schemas.openxmlformats.org/drawingml/2006/main" xmlns:r="http://schemas.openxmlformats.org/officeDocument/2006/relationships" xmlns:p="http://schemas.openxmlformats.org/presentationml/2006/main">
-  <p:tag name="NUM" val="43"/>
-</p:tagLst>
-</file>
-
-<file path=ppt/tags/tag186.xml><?xml version="1.0" encoding="utf-8"?>
-<p:tagLst xmlns:a="http://schemas.openxmlformats.org/drawingml/2006/main" xmlns:r="http://schemas.openxmlformats.org/officeDocument/2006/relationships" xmlns:p="http://schemas.openxmlformats.org/presentationml/2006/main">
-  <p:tag name="NUM" val="44"/>
-</p:tagLst>
-</file>
-
-<file path=ppt/tags/tag187.xml><?xml version="1.0" encoding="utf-8"?>
-<p:tagLst xmlns:a="http://schemas.openxmlformats.org/drawingml/2006/main" xmlns:r="http://schemas.openxmlformats.org/officeDocument/2006/relationships" xmlns:p="http://schemas.openxmlformats.org/presentationml/2006/main">
-  <p:tag name="NUM" val="45"/>
-</p:tagLst>
-</file>
-
-<file path=ppt/tags/tag188.xml><?xml version="1.0" encoding="utf-8"?>
-<p:tagLst xmlns:a="http://schemas.openxmlformats.org/drawingml/2006/main" xmlns:r="http://schemas.openxmlformats.org/officeDocument/2006/relationships" xmlns:p="http://schemas.openxmlformats.org/presentationml/2006/main">
-  <p:tag name="NUM" val="46"/>
-</p:tagLst>
-</file>
-
-<file path=ppt/tags/tag189.xml><?xml version="1.0" encoding="utf-8"?>
-<p:tagLst xmlns:a="http://schemas.openxmlformats.org/drawingml/2006/main" xmlns:r="http://schemas.openxmlformats.org/officeDocument/2006/relationships" xmlns:p="http://schemas.openxmlformats.org/presentationml/2006/main">
-  <p:tag name="NUM" val="47"/>
-</p:tagLst>
-</file>
-
-<file path=ppt/tags/tag19.xml><?xml version="1.0" encoding="utf-8"?>
-<p:tagLst xmlns:a="http://schemas.openxmlformats.org/drawingml/2006/main" xmlns:r="http://schemas.openxmlformats.org/officeDocument/2006/relationships" xmlns:p="http://schemas.openxmlformats.org/presentationml/2006/main">
-  <p:tag name="NUM" val="19"/>
-</p:tagLst>
-</file>
-
-<file path=ppt/tags/tag190.xml><?xml version="1.0" encoding="utf-8"?>
-<p:tagLst xmlns:a="http://schemas.openxmlformats.org/drawingml/2006/main" xmlns:r="http://schemas.openxmlformats.org/officeDocument/2006/relationships" xmlns:p="http://schemas.openxmlformats.org/presentationml/2006/main">
-  <p:tag name="NUM" val="48"/>
-</p:tagLst>
-</file>
-
-<file path=ppt/tags/tag191.xml><?xml version="1.0" encoding="utf-8"?>
-<p:tagLst xmlns:a="http://schemas.openxmlformats.org/drawingml/2006/main" xmlns:r="http://schemas.openxmlformats.org/officeDocument/2006/relationships" xmlns:p="http://schemas.openxmlformats.org/presentationml/2006/main">
-  <p:tag name="NUM" val="49"/>
-</p:tagLst>
-</file>
-
-<file path=ppt/tags/tag192.xml><?xml version="1.0" encoding="utf-8"?>
-<p:tagLst xmlns:a="http://schemas.openxmlformats.org/drawingml/2006/main" xmlns:r="http://schemas.openxmlformats.org/officeDocument/2006/relationships" xmlns:p="http://schemas.openxmlformats.org/presentationml/2006/main">
-  <p:tag name="NUM" val="50"/>
-</p:tagLst>
-</file>
-
-<file path=ppt/tags/tag193.xml><?xml version="1.0" encoding="utf-8"?>
-<p:tagLst xmlns:a="http://schemas.openxmlformats.org/drawingml/2006/main" xmlns:r="http://schemas.openxmlformats.org/officeDocument/2006/relationships" xmlns:p="http://schemas.openxmlformats.org/presentationml/2006/main">
-  <p:tag name="NUM" val="1"/>
-</p:tagLst>
-</file>
-
-<file path=ppt/tags/tag194.xml><?xml version="1.0" encoding="utf-8"?>
-<p:tagLst xmlns:a="http://schemas.openxmlformats.org/drawingml/2006/main" xmlns:r="http://schemas.openxmlformats.org/officeDocument/2006/relationships" xmlns:p="http://schemas.openxmlformats.org/presentationml/2006/main">
-  <p:tag name="NUM" val="2"/>
-</p:tagLst>
-</file>
-
-<file path=ppt/tags/tag195.xml><?xml version="1.0" encoding="utf-8"?>
-<p:tagLst xmlns:a="http://schemas.openxmlformats.org/drawingml/2006/main" xmlns:r="http://schemas.openxmlformats.org/officeDocument/2006/relationships" xmlns:p="http://schemas.openxmlformats.org/presentationml/2006/main">
-  <p:tag name="NUM" val="3"/>
-</p:tagLst>
-</file>
-
-<file path=ppt/tags/tag196.xml><?xml version="1.0" encoding="utf-8"?>
-<p:tagLst xmlns:a="http://schemas.openxmlformats.org/drawingml/2006/main" xmlns:r="http://schemas.openxmlformats.org/officeDocument/2006/relationships" xmlns:p="http://schemas.openxmlformats.org/presentationml/2006/main">
-  <p:tag name="NUM" val="4"/>
-</p:tagLst>
-</file>
-
-<file path=ppt/tags/tag197.xml><?xml version="1.0" encoding="utf-8"?>
-<p:tagLst xmlns:a="http://schemas.openxmlformats.org/drawingml/2006/main" xmlns:r="http://schemas.openxmlformats.org/officeDocument/2006/relationships" xmlns:p="http://schemas.openxmlformats.org/presentationml/2006/main">
-  <p:tag name="NUM" val="5"/>
-</p:tagLst>
-</file>
-
-<file path=ppt/tags/tag198.xml><?xml version="1.0" encoding="utf-8"?>
-<p:tagLst xmlns:a="http://schemas.openxmlformats.org/drawingml/2006/main" xmlns:r="http://schemas.openxmlformats.org/officeDocument/2006/relationships" xmlns:p="http://schemas.openxmlformats.org/presentationml/2006/main">
-  <p:tag name="NUM" val="6"/>
-</p:tagLst>
-</file>
-
-<file path=ppt/tags/tag199.xml><?xml version="1.0" encoding="utf-8"?>
-<p:tagLst xmlns:a="http://schemas.openxmlformats.org/drawingml/2006/main" xmlns:r="http://schemas.openxmlformats.org/officeDocument/2006/relationships" xmlns:p="http://schemas.openxmlformats.org/presentationml/2006/main">
-  <p:tag name="NUM" val="7"/>
-</p:tagLst>
-</file>
-
-<file path=ppt/tags/tag2.xml><?xml version="1.0" encoding="utf-8"?>
-<p:tagLst xmlns:a="http://schemas.openxmlformats.org/drawingml/2006/main" xmlns:r="http://schemas.openxmlformats.org/officeDocument/2006/relationships" xmlns:p="http://schemas.openxmlformats.org/presentationml/2006/main">
-  <p:tag name="NUM" val="2"/>
-</p:tagLst>
-</file>
-
-<file path=ppt/tags/tag20.xml><?xml version="1.0" encoding="utf-8"?>
-<p:tagLst xmlns:a="http://schemas.openxmlformats.org/drawingml/2006/main" xmlns:r="http://schemas.openxmlformats.org/officeDocument/2006/relationships" xmlns:p="http://schemas.openxmlformats.org/presentationml/2006/main">
-  <p:tag name="NUM" val="20"/>
-</p:tagLst>
-</file>
-
-<file path=ppt/tags/tag200.xml><?xml version="1.0" encoding="utf-8"?>
-<p:tagLst xmlns:a="http://schemas.openxmlformats.org/drawingml/2006/main" xmlns:r="http://schemas.openxmlformats.org/officeDocument/2006/relationships" xmlns:p="http://schemas.openxmlformats.org/presentationml/2006/main">
-  <p:tag name="NUM" val="8"/>
-</p:tagLst>
-</file>
-
-<file path=ppt/tags/tag201.xml><?xml version="1.0" encoding="utf-8"?>
-<p:tagLst xmlns:a="http://schemas.openxmlformats.org/drawingml/2006/main" xmlns:r="http://schemas.openxmlformats.org/officeDocument/2006/relationships" xmlns:p="http://schemas.openxmlformats.org/presentationml/2006/main">
-  <p:tag name="NUM" val="9"/>
-</p:tagLst>
-</file>
-
-<file path=ppt/tags/tag202.xml><?xml version="1.0" encoding="utf-8"?>
-<p:tagLst xmlns:a="http://schemas.openxmlformats.org/drawingml/2006/main" xmlns:r="http://schemas.openxmlformats.org/officeDocument/2006/relationships" xmlns:p="http://schemas.openxmlformats.org/presentationml/2006/main">
-  <p:tag name="NUM" val="10"/>
-</p:tagLst>
-</file>
-
-<file path=ppt/tags/tag203.xml><?xml version="1.0" encoding="utf-8"?>
-<p:tagLst xmlns:a="http://schemas.openxmlformats.org/drawingml/2006/main" xmlns:r="http://schemas.openxmlformats.org/officeDocument/2006/relationships" xmlns:p="http://schemas.openxmlformats.org/presentationml/2006/main">
-  <p:tag name="NUM" val="11"/>
-</p:tagLst>
-</file>
-
-<file path=ppt/tags/tag204.xml><?xml version="1.0" encoding="utf-8"?>
-<p:tagLst xmlns:a="http://schemas.openxmlformats.org/drawingml/2006/main" xmlns:r="http://schemas.openxmlformats.org/officeDocument/2006/relationships" xmlns:p="http://schemas.openxmlformats.org/presentationml/2006/main">
-  <p:tag name="NUM" val="12"/>
-</p:tagLst>
-</file>
-
-<file path=ppt/tags/tag205.xml><?xml version="1.0" encoding="utf-8"?>
-<p:tagLst xmlns:a="http://schemas.openxmlformats.org/drawingml/2006/main" xmlns:r="http://schemas.openxmlformats.org/officeDocument/2006/relationships" xmlns:p="http://schemas.openxmlformats.org/presentationml/2006/main">
-  <p:tag name="NUM" val="13"/>
-</p:tagLst>
-</file>
-
-<file path=ppt/tags/tag206.xml><?xml version="1.0" encoding="utf-8"?>
-<p:tagLst xmlns:a="http://schemas.openxmlformats.org/drawingml/2006/main" xmlns:r="http://schemas.openxmlformats.org/officeDocument/2006/relationships" xmlns:p="http://schemas.openxmlformats.org/presentationml/2006/main">
-  <p:tag name="NUM" val="14"/>
-</p:tagLst>
-</file>
-
-<file path=ppt/tags/tag207.xml><?xml version="1.0" encoding="utf-8"?>
-<p:tagLst xmlns:a="http://schemas.openxmlformats.org/drawingml/2006/main" xmlns:r="http://schemas.openxmlformats.org/officeDocument/2006/relationships" xmlns:p="http://schemas.openxmlformats.org/presentationml/2006/main">
-  <p:tag name="NUM" val="15"/>
-</p:tagLst>
-</file>
-
-<file path=ppt/tags/tag208.xml><?xml version="1.0" encoding="utf-8"?>
-<p:tagLst xmlns:a="http://schemas.openxmlformats.org/drawingml/2006/main" xmlns:r="http://schemas.openxmlformats.org/officeDocument/2006/relationships" xmlns:p="http://schemas.openxmlformats.org/presentationml/2006/main">
-  <p:tag name="NUM" val="16"/>
-</p:tagLst>
-</file>
-
-<file path=ppt/tags/tag209.xml><?xml version="1.0" encoding="utf-8"?>
-<p:tagLst xmlns:a="http://schemas.openxmlformats.org/drawingml/2006/main" xmlns:r="http://schemas.openxmlformats.org/officeDocument/2006/relationships" xmlns:p="http://schemas.openxmlformats.org/presentationml/2006/main">
-  <p:tag name="NUM" val="17"/>
-</p:tagLst>
-</file>
-
-<file path=ppt/tags/tag21.xml><?xml version="1.0" encoding="utf-8"?>
-<p:tagLst xmlns:a="http://schemas.openxmlformats.org/drawingml/2006/main" xmlns:r="http://schemas.openxmlformats.org/officeDocument/2006/relationships" xmlns:p="http://schemas.openxmlformats.org/presentationml/2006/main">
-  <p:tag name="NUM" val="21"/>
-</p:tagLst>
-</file>
-
-<file path=ppt/tags/tag210.xml><?xml version="1.0" encoding="utf-8"?>
-<p:tagLst xmlns:a="http://schemas.openxmlformats.org/drawingml/2006/main" xmlns:r="http://schemas.openxmlformats.org/officeDocument/2006/relationships" xmlns:p="http://schemas.openxmlformats.org/presentationml/2006/main">
-  <p:tag name="NUM" val="18"/>
-</p:tagLst>
-</file>
-
-<file path=ppt/tags/tag211.xml><?xml version="1.0" encoding="utf-8"?>
-<p:tagLst xmlns:a="http://schemas.openxmlformats.org/drawingml/2006/main" xmlns:r="http://schemas.openxmlformats.org/officeDocument/2006/relationships" xmlns:p="http://schemas.openxmlformats.org/presentationml/2006/main">
-  <p:tag name="NUM" val="19"/>
-</p:tagLst>
-</file>
-
-<file path=ppt/tags/tag212.xml><?xml version="1.0" encoding="utf-8"?>
-<p:tagLst xmlns:a="http://schemas.openxmlformats.org/drawingml/2006/main" xmlns:r="http://schemas.openxmlformats.org/officeDocument/2006/relationships" xmlns:p="http://schemas.openxmlformats.org/presentationml/2006/main">
-  <p:tag name="NUM" val="20"/>
-</p:tagLst>
-</file>
-
-<file path=ppt/tags/tag213.xml><?xml version="1.0" encoding="utf-8"?>
-<p:tagLst xmlns:a="http://schemas.openxmlformats.org/drawingml/2006/main" xmlns:r="http://schemas.openxmlformats.org/officeDocument/2006/relationships" xmlns:p="http://schemas.openxmlformats.org/presentationml/2006/main">
-  <p:tag name="NUM" val="21"/>
-</p:tagLst>
-</file>
-
-<file path=ppt/tags/tag214.xml><?xml version="1.0" encoding="utf-8"?>
-<p:tagLst xmlns:a="http://schemas.openxmlformats.org/drawingml/2006/main" xmlns:r="http://schemas.openxmlformats.org/officeDocument/2006/relationships" xmlns:p="http://schemas.openxmlformats.org/presentationml/2006/main">
-  <p:tag name="NUM" val="22"/>
-</p:tagLst>
-</file>
-
-<file path=ppt/tags/tag215.xml><?xml version="1.0" encoding="utf-8"?>
-<p:tagLst xmlns:a="http://schemas.openxmlformats.org/drawingml/2006/main" xmlns:r="http://schemas.openxmlformats.org/officeDocument/2006/relationships" xmlns:p="http://schemas.openxmlformats.org/presentationml/2006/main">
-  <p:tag name="NUM" val="23"/>
-</p:tagLst>
-</file>
-
-<file path=ppt/tags/tag216.xml><?xml version="1.0" encoding="utf-8"?>
-<p:tagLst xmlns:a="http://schemas.openxmlformats.org/drawingml/2006/main" xmlns:r="http://schemas.openxmlformats.org/officeDocument/2006/relationships" xmlns:p="http://schemas.openxmlformats.org/presentationml/2006/main">
-  <p:tag name="NUM" val="24"/>
-</p:tagLst>
-</file>
-
-<file path=ppt/tags/tag217.xml><?xml version="1.0" encoding="utf-8"?>
-<p:tagLst xmlns:a="http://schemas.openxmlformats.org/drawingml/2006/main" xmlns:r="http://schemas.openxmlformats.org/officeDocument/2006/relationships" xmlns:p="http://schemas.openxmlformats.org/presentationml/2006/main">
-  <p:tag name="NUM" val="25"/>
-</p:tagLst>
-</file>
-
-<file path=ppt/tags/tag218.xml><?xml version="1.0" encoding="utf-8"?>
-<p:tagLst xmlns:a="http://schemas.openxmlformats.org/drawingml/2006/main" xmlns:r="http://schemas.openxmlformats.org/officeDocument/2006/relationships" xmlns:p="http://schemas.openxmlformats.org/presentationml/2006/main">
-  <p:tag name="NUM" val="27"/>
-</p:tagLst>
-</file>
-
-<file path=ppt/tags/tag219.xml><?xml version="1.0" encoding="utf-8"?>
-<p:tagLst xmlns:a="http://schemas.openxmlformats.org/drawingml/2006/main" xmlns:r="http://schemas.openxmlformats.org/officeDocument/2006/relationships" xmlns:p="http://schemas.openxmlformats.org/presentationml/2006/main">
-  <p:tag name="NUM" val="28"/>
-</p:tagLst>
-</file>
-
-<file path=ppt/tags/tag22.xml><?xml version="1.0" encoding="utf-8"?>
-<p:tagLst xmlns:a="http://schemas.openxmlformats.org/drawingml/2006/main" xmlns:r="http://schemas.openxmlformats.org/officeDocument/2006/relationships" xmlns:p="http://schemas.openxmlformats.org/presentationml/2006/main">
-  <p:tag name="NUM" val="22"/>
-</p:tagLst>
-</file>
-
-<file path=ppt/tags/tag220.xml><?xml version="1.0" encoding="utf-8"?>
-<p:tagLst xmlns:a="http://schemas.openxmlformats.org/drawingml/2006/main" xmlns:r="http://schemas.openxmlformats.org/officeDocument/2006/relationships" xmlns:p="http://schemas.openxmlformats.org/presentationml/2006/main">
-  <p:tag name="NUM" val="29"/>
-</p:tagLst>
-</file>
-
-<file path=ppt/tags/tag221.xml><?xml version="1.0" encoding="utf-8"?>
-<p:tagLst xmlns:a="http://schemas.openxmlformats.org/drawingml/2006/main" xmlns:r="http://schemas.openxmlformats.org/officeDocument/2006/relationships" xmlns:p="http://schemas.openxmlformats.org/presentationml/2006/main">
-  <p:tag name="NUM" val="30"/>
-</p:tagLst>
-</file>
-
-<file path=ppt/tags/tag222.xml><?xml version="1.0" encoding="utf-8"?>
-<p:tagLst xmlns:a="http://schemas.openxmlformats.org/drawingml/2006/main" xmlns:r="http://schemas.openxmlformats.org/officeDocument/2006/relationships" xmlns:p="http://schemas.openxmlformats.org/presentationml/2006/main">
-  <p:tag name="NUM" val="31"/>
-</p:tagLst>
-</file>
-
-<file path=ppt/tags/tag223.xml><?xml version="1.0" encoding="utf-8"?>
-<p:tagLst xmlns:a="http://schemas.openxmlformats.org/drawingml/2006/main" xmlns:r="http://schemas.openxmlformats.org/officeDocument/2006/relationships" xmlns:p="http://schemas.openxmlformats.org/presentationml/2006/main">
-  <p:tag name="NUM" val="32"/>
-</p:tagLst>
-</file>
-
-<file path=ppt/tags/tag224.xml><?xml version="1.0" encoding="utf-8"?>
-<p:tagLst xmlns:a="http://schemas.openxmlformats.org/drawingml/2006/main" xmlns:r="http://schemas.openxmlformats.org/officeDocument/2006/relationships" xmlns:p="http://schemas.openxmlformats.org/presentationml/2006/main">
-  <p:tag name="NUM" val="33"/>
-</p:tagLst>
-</file>
-
-<file path=ppt/tags/tag225.xml><?xml version="1.0" encoding="utf-8"?>
-<p:tagLst xmlns:a="http://schemas.openxmlformats.org/drawingml/2006/main" xmlns:r="http://schemas.openxmlformats.org/officeDocument/2006/relationships" xmlns:p="http://schemas.openxmlformats.org/presentationml/2006/main">
-  <p:tag name="NUM" val="34"/>
-</p:tagLst>
-</file>
-
-<file path=ppt/tags/tag226.xml><?xml version="1.0" encoding="utf-8"?>
-<p:tagLst xmlns:a="http://schemas.openxmlformats.org/drawingml/2006/main" xmlns:r="http://schemas.openxmlformats.org/officeDocument/2006/relationships" xmlns:p="http://schemas.openxmlformats.org/presentationml/2006/main">
-  <p:tag name="NUM" val="35"/>
-</p:tagLst>
-</file>
-
-<file path=ppt/tags/tag227.xml><?xml version="1.0" encoding="utf-8"?>
-<p:tagLst xmlns:a="http://schemas.openxmlformats.org/drawingml/2006/main" xmlns:r="http://schemas.openxmlformats.org/officeDocument/2006/relationships" xmlns:p="http://schemas.openxmlformats.org/presentationml/2006/main">
-  <p:tag name="NUM" val="36"/>
-</p:tagLst>
-</file>
-
-<file path=ppt/tags/tag228.xml><?xml version="1.0" encoding="utf-8"?>
-<p:tagLst xmlns:a="http://schemas.openxmlformats.org/drawingml/2006/main" xmlns:r="http://schemas.openxmlformats.org/officeDocument/2006/relationships" xmlns:p="http://schemas.openxmlformats.org/presentationml/2006/main">
-  <p:tag name="NUM" val="37"/>
-</p:tagLst>
-</file>
-
-<file path=ppt/tags/tag229.xml><?xml version="1.0" encoding="utf-8"?>
-<p:tagLst xmlns:a="http://schemas.openxmlformats.org/drawingml/2006/main" xmlns:r="http://schemas.openxmlformats.org/officeDocument/2006/relationships" xmlns:p="http://schemas.openxmlformats.org/presentationml/2006/main">
-  <p:tag name="NUM" val="1"/>
-</p:tagLst>
-</file>
-
-<file path=ppt/tags/tag23.xml><?xml version="1.0" encoding="utf-8"?>
-<p:tagLst xmlns:a="http://schemas.openxmlformats.org/drawingml/2006/main" xmlns:r="http://schemas.openxmlformats.org/officeDocument/2006/relationships" xmlns:p="http://schemas.openxmlformats.org/presentationml/2006/main">
-  <p:tag name="NUM" val="23"/>
-</p:tagLst>
-</file>
-
-<file path=ppt/tags/tag230.xml><?xml version="1.0" encoding="utf-8"?>
-<p:tagLst xmlns:a="http://schemas.openxmlformats.org/drawingml/2006/main" xmlns:r="http://schemas.openxmlformats.org/officeDocument/2006/relationships" xmlns:p="http://schemas.openxmlformats.org/presentationml/2006/main">
-  <p:tag name="NUM" val="2"/>
-</p:tagLst>
-</file>
-
-<file path=ppt/tags/tag231.xml><?xml version="1.0" encoding="utf-8"?>
-<p:tagLst xmlns:a="http://schemas.openxmlformats.org/drawingml/2006/main" xmlns:r="http://schemas.openxmlformats.org/officeDocument/2006/relationships" xmlns:p="http://schemas.openxmlformats.org/presentationml/2006/main">
-  <p:tag name="NUM" val="3"/>
-</p:tagLst>
-</file>
-
-<file path=ppt/tags/tag232.xml><?xml version="1.0" encoding="utf-8"?>
-<p:tagLst xmlns:a="http://schemas.openxmlformats.org/drawingml/2006/main" xmlns:r="http://schemas.openxmlformats.org/officeDocument/2006/relationships" xmlns:p="http://schemas.openxmlformats.org/presentationml/2006/main">
-  <p:tag name="NUM" val="4"/>
-</p:tagLst>
-</file>
-
-<file path=ppt/tags/tag233.xml><?xml version="1.0" encoding="utf-8"?>
-<p:tagLst xmlns:a="http://schemas.openxmlformats.org/drawingml/2006/main" xmlns:r="http://schemas.openxmlformats.org/officeDocument/2006/relationships" xmlns:p="http://schemas.openxmlformats.org/presentationml/2006/main">
-  <p:tag name="NUM" val="5"/>
-</p:tagLst>
-</file>
-
-<file path=ppt/tags/tag234.xml><?xml version="1.0" encoding="utf-8"?>
-<p:tagLst xmlns:a="http://schemas.openxmlformats.org/drawingml/2006/main" xmlns:r="http://schemas.openxmlformats.org/officeDocument/2006/relationships" xmlns:p="http://schemas.openxmlformats.org/presentationml/2006/main">
-  <p:tag name="NUM" val="6"/>
-</p:tagLst>
-</file>
-
-<file path=ppt/tags/tag235.xml><?xml version="1.0" encoding="utf-8"?>
-<p:tagLst xmlns:a="http://schemas.openxmlformats.org/drawingml/2006/main" xmlns:r="http://schemas.openxmlformats.org/officeDocument/2006/relationships" xmlns:p="http://schemas.openxmlformats.org/presentationml/2006/main">
-  <p:tag name="NUM" val="7"/>
-</p:tagLst>
-</file>
-
-<file path=ppt/tags/tag236.xml><?xml version="1.0" encoding="utf-8"?>
-<p:tagLst xmlns:a="http://schemas.openxmlformats.org/drawingml/2006/main" xmlns:r="http://schemas.openxmlformats.org/officeDocument/2006/relationships" xmlns:p="http://schemas.openxmlformats.org/presentationml/2006/main">
-  <p:tag name="NUM" val="8"/>
-</p:tagLst>
-</file>
-
-<file path=ppt/tags/tag237.xml><?xml version="1.0" encoding="utf-8"?>
-<p:tagLst xmlns:a="http://schemas.openxmlformats.org/drawingml/2006/main" xmlns:r="http://schemas.openxmlformats.org/officeDocument/2006/relationships" xmlns:p="http://schemas.openxmlformats.org/presentationml/2006/main">
-  <p:tag name="NUM" val="9"/>
-</p:tagLst>
-</file>
-
-<file path=ppt/tags/tag238.xml><?xml version="1.0" encoding="utf-8"?>
-<p:tagLst xmlns:a="http://schemas.openxmlformats.org/drawingml/2006/main" xmlns:r="http://schemas.openxmlformats.org/officeDocument/2006/relationships" xmlns:p="http://schemas.openxmlformats.org/presentationml/2006/main">
-  <p:tag name="NUM" val="10"/>
-</p:tagLst>
-</file>
-
-<file path=ppt/tags/tag239.xml><?xml version="1.0" encoding="utf-8"?>
-<p:tagLst xmlns:a="http://schemas.openxmlformats.org/drawingml/2006/main" xmlns:r="http://schemas.openxmlformats.org/officeDocument/2006/relationships" xmlns:p="http://schemas.openxmlformats.org/presentationml/2006/main">
-  <p:tag name="NUM" val="11"/>
-</p:tagLst>
-</file>
-
-<file path=ppt/tags/tag24.xml><?xml version="1.0" encoding="utf-8"?>
-<p:tagLst xmlns:a="http://schemas.openxmlformats.org/drawingml/2006/main" xmlns:r="http://schemas.openxmlformats.org/officeDocument/2006/relationships" xmlns:p="http://schemas.openxmlformats.org/presentationml/2006/main">
-  <p:tag name="NUM" val="24"/>
-</p:tagLst>
-</file>
-
-<file path=ppt/tags/tag240.xml><?xml version="1.0" encoding="utf-8"?>
-<p:tagLst xmlns:a="http://schemas.openxmlformats.org/drawingml/2006/main" xmlns:r="http://schemas.openxmlformats.org/officeDocument/2006/relationships" xmlns:p="http://schemas.openxmlformats.org/presentationml/2006/main">
-  <p:tag name="NUM" val="12"/>
-</p:tagLst>
-</file>
-
-<file path=ppt/tags/tag241.xml><?xml version="1.0" encoding="utf-8"?>
-<p:tagLst xmlns:a="http://schemas.openxmlformats.org/drawingml/2006/main" xmlns:r="http://schemas.openxmlformats.org/officeDocument/2006/relationships" xmlns:p="http://schemas.openxmlformats.org/presentationml/2006/main">
-  <p:tag name="NUM" val="13"/>
-</p:tagLst>
-</file>
-
-<file path=ppt/tags/tag242.xml><?xml version="1.0" encoding="utf-8"?>
-<p:tagLst xmlns:a="http://schemas.openxmlformats.org/drawingml/2006/main" xmlns:r="http://schemas.openxmlformats.org/officeDocument/2006/relationships" xmlns:p="http://schemas.openxmlformats.org/presentationml/2006/main">
-  <p:tag name="NUM" val="14"/>
-</p:tagLst>
-</file>
-
-<file path=ppt/tags/tag243.xml><?xml version="1.0" encoding="utf-8"?>
-<p:tagLst xmlns:a="http://schemas.openxmlformats.org/drawingml/2006/main" xmlns:r="http://schemas.openxmlformats.org/officeDocument/2006/relationships" xmlns:p="http://schemas.openxmlformats.org/presentationml/2006/main">
-  <p:tag name="NUM" val="15"/>
-</p:tagLst>
-</file>
-
-<file path=ppt/tags/tag244.xml><?xml version="1.0" encoding="utf-8"?>
-<p:tagLst xmlns:a="http://schemas.openxmlformats.org/drawingml/2006/main" xmlns:r="http://schemas.openxmlformats.org/officeDocument/2006/relationships" xmlns:p="http://schemas.openxmlformats.org/presentationml/2006/main">
-  <p:tag name="NUM" val="16"/>
-</p:tagLst>
-</file>
-
-<file path=ppt/tags/tag245.xml><?xml version="1.0" encoding="utf-8"?>
-<p:tagLst xmlns:a="http://schemas.openxmlformats.org/drawingml/2006/main" xmlns:r="http://schemas.openxmlformats.org/officeDocument/2006/relationships" xmlns:p="http://schemas.openxmlformats.org/presentationml/2006/main">
-  <p:tag name="NUM" val="17"/>
-</p:tagLst>
-</file>
-
-<file path=ppt/tags/tag246.xml><?xml version="1.0" encoding="utf-8"?>
-<p:tagLst xmlns:a="http://schemas.openxmlformats.org/drawingml/2006/main" xmlns:r="http://schemas.openxmlformats.org/officeDocument/2006/relationships" xmlns:p="http://schemas.openxmlformats.org/presentationml/2006/main">
-  <p:tag name="NUM" val="18"/>
-</p:tagLst>
-</file>
-
-<file path=ppt/tags/tag247.xml><?xml version="1.0" encoding="utf-8"?>
-<p:tagLst xmlns:a="http://schemas.openxmlformats.org/drawingml/2006/main" xmlns:r="http://schemas.openxmlformats.org/officeDocument/2006/relationships" xmlns:p="http://schemas.openxmlformats.org/presentationml/2006/main">
-  <p:tag name="NUM" val="19"/>
-</p:tagLst>
-</file>
-
-<file path=ppt/tags/tag248.xml><?xml version="1.0" encoding="utf-8"?>
-<p:tagLst xmlns:a="http://schemas.openxmlformats.org/drawingml/2006/main" xmlns:r="http://schemas.openxmlformats.org/officeDocument/2006/relationships" xmlns:p="http://schemas.openxmlformats.org/presentationml/2006/main">
-  <p:tag name="NUM" val="20"/>
-</p:tagLst>
-</file>
-
-<file path=ppt/tags/tag249.xml><?xml version="1.0" encoding="utf-8"?>
-<p:tagLst xmlns:a="http://schemas.openxmlformats.org/drawingml/2006/main" xmlns:r="http://schemas.openxmlformats.org/officeDocument/2006/relationships" xmlns:p="http://schemas.openxmlformats.org/presentationml/2006/main">
-  <p:tag name="NUM" val="21"/>
-</p:tagLst>
-</file>
-
-<file path=ppt/tags/tag25.xml><?xml version="1.0" encoding="utf-8"?>
-<p:tagLst xmlns:a="http://schemas.openxmlformats.org/drawingml/2006/main" xmlns:r="http://schemas.openxmlformats.org/officeDocument/2006/relationships" xmlns:p="http://schemas.openxmlformats.org/presentationml/2006/main">
-  <p:tag name="NUM" val="25"/>
-</p:tagLst>
-</file>
-
-<file path=ppt/tags/tag250.xml><?xml version="1.0" encoding="utf-8"?>
-<p:tagLst xmlns:a="http://schemas.openxmlformats.org/drawingml/2006/main" xmlns:r="http://schemas.openxmlformats.org/officeDocument/2006/relationships" xmlns:p="http://schemas.openxmlformats.org/presentationml/2006/main">
-  <p:tag name="NUM" val="22"/>
-</p:tagLst>
-</file>
-
-<file path=ppt/tags/tag251.xml><?xml version="1.0" encoding="utf-8"?>
-<p:tagLst xmlns:a="http://schemas.openxmlformats.org/drawingml/2006/main" xmlns:r="http://schemas.openxmlformats.org/officeDocument/2006/relationships" xmlns:p="http://schemas.openxmlformats.org/presentationml/2006/main">
-  <p:tag name="NUM" val="23"/>
-</p:tagLst>
-</file>
-
-<file path=ppt/tags/tag252.xml><?xml version="1.0" encoding="utf-8"?>
-<p:tagLst xmlns:a="http://schemas.openxmlformats.org/drawingml/2006/main" xmlns:r="http://schemas.openxmlformats.org/officeDocument/2006/relationships" xmlns:p="http://schemas.openxmlformats.org/presentationml/2006/main">
-  <p:tag name="NUM" val="24"/>
-</p:tagLst>
-</file>
-
-<file path=ppt/tags/tag253.xml><?xml version="1.0" encoding="utf-8"?>
-<p:tagLst xmlns:a="http://schemas.openxmlformats.org/drawingml/2006/main" xmlns:r="http://schemas.openxmlformats.org/officeDocument/2006/relationships" xmlns:p="http://schemas.openxmlformats.org/presentationml/2006/main">
-  <p:tag name="NUM" val="25"/>
-</p:tagLst>
-</file>
-
-<file path=ppt/tags/tag254.xml><?xml version="1.0" encoding="utf-8"?>
-<p:tagLst xmlns:a="http://schemas.openxmlformats.org/drawingml/2006/main" xmlns:r="http://schemas.openxmlformats.org/officeDocument/2006/relationships" xmlns:p="http://schemas.openxmlformats.org/presentationml/2006/main">
-  <p:tag name="NUM" val="27"/>
-</p:tagLst>
-</file>
-
-<file path=ppt/tags/tag255.xml><?xml version="1.0" encoding="utf-8"?>
-<p:tagLst xmlns:a="http://schemas.openxmlformats.org/drawingml/2006/main" xmlns:r="http://schemas.openxmlformats.org/officeDocument/2006/relationships" xmlns:p="http://schemas.openxmlformats.org/presentationml/2006/main">
-  <p:tag name="NUM" val="28"/>
-</p:tagLst>
-</file>
-
-<file path=ppt/tags/tag256.xml><?xml version="1.0" encoding="utf-8"?>
-<p:tagLst xmlns:a="http://schemas.openxmlformats.org/drawingml/2006/main" xmlns:r="http://schemas.openxmlformats.org/officeDocument/2006/relationships" xmlns:p="http://schemas.openxmlformats.org/presentationml/2006/main">
-  <p:tag name="NUM" val="29"/>
-</p:tagLst>
-</file>
-
-<file path=ppt/tags/tag257.xml><?xml version="1.0" encoding="utf-8"?>
-<p:tagLst xmlns:a="http://schemas.openxmlformats.org/drawingml/2006/main" xmlns:r="http://schemas.openxmlformats.org/officeDocument/2006/relationships" xmlns:p="http://schemas.openxmlformats.org/presentationml/2006/main">
-  <p:tag name="NUM" val="30"/>
-</p:tagLst>
-</file>
-
-<file path=ppt/tags/tag258.xml><?xml version="1.0" encoding="utf-8"?>
-<p:tagLst xmlns:a="http://schemas.openxmlformats.org/drawingml/2006/main" xmlns:r="http://schemas.openxmlformats.org/officeDocument/2006/relationships" xmlns:p="http://schemas.openxmlformats.org/presentationml/2006/main">
-  <p:tag name="NUM" val="31"/>
-</p:tagLst>
-</file>
-
-<file path=ppt/tags/tag259.xml><?xml version="1.0" encoding="utf-8"?>
-<p:tagLst xmlns:a="http://schemas.openxmlformats.org/drawingml/2006/main" xmlns:r="http://schemas.openxmlformats.org/officeDocument/2006/relationships" xmlns:p="http://schemas.openxmlformats.org/presentationml/2006/main">
-  <p:tag name="NUM" val="32"/>
-</p:tagLst>
-</file>
-
-<file path=ppt/tags/tag26.xml><?xml version="1.0" encoding="utf-8"?>
-<p:tagLst xmlns:a="http://schemas.openxmlformats.org/drawingml/2006/main" xmlns:r="http://schemas.openxmlformats.org/officeDocument/2006/relationships" xmlns:p="http://schemas.openxmlformats.org/presentationml/2006/main">
-  <p:tag name="NUM" val="26"/>
-</p:tagLst>
-</file>
-
-<file path=ppt/tags/tag260.xml><?xml version="1.0" encoding="utf-8"?>
-<p:tagLst xmlns:a="http://schemas.openxmlformats.org/drawingml/2006/main" xmlns:r="http://schemas.openxmlformats.org/officeDocument/2006/relationships" xmlns:p="http://schemas.openxmlformats.org/presentationml/2006/main">
-  <p:tag name="NUM" val="34"/>
-</p:tagLst>
-</file>
-
-<file path=ppt/tags/tag261.xml><?xml version="1.0" encoding="utf-8"?>
-<p:tagLst xmlns:a="http://schemas.openxmlformats.org/drawingml/2006/main" xmlns:r="http://schemas.openxmlformats.org/officeDocument/2006/relationships" xmlns:p="http://schemas.openxmlformats.org/presentationml/2006/main">
-  <p:tag name="NUM" val="35"/>
-</p:tagLst>
-</file>
-
-<file path=ppt/tags/tag262.xml><?xml version="1.0" encoding="utf-8"?>
-<p:tagLst xmlns:a="http://schemas.openxmlformats.org/drawingml/2006/main" xmlns:r="http://schemas.openxmlformats.org/officeDocument/2006/relationships" xmlns:p="http://schemas.openxmlformats.org/presentationml/2006/main">
-  <p:tag name="NUM" val="36"/>
-</p:tagLst>
-</file>
-
-<file path=ppt/tags/tag263.xml><?xml version="1.0" encoding="utf-8"?>
-<p:tagLst xmlns:a="http://schemas.openxmlformats.org/drawingml/2006/main" xmlns:r="http://schemas.openxmlformats.org/officeDocument/2006/relationships" xmlns:p="http://schemas.openxmlformats.org/presentationml/2006/main">
-  <p:tag name="NUM" val="37"/>
-</p:tagLst>
-</file>
-
-<file path=ppt/tags/tag264.xml><?xml version="1.0" encoding="utf-8"?>
-<p:tagLst xmlns:a="http://schemas.openxmlformats.org/drawingml/2006/main" xmlns:r="http://schemas.openxmlformats.org/officeDocument/2006/relationships" xmlns:p="http://schemas.openxmlformats.org/presentationml/2006/main">
-  <p:tag name="NUM" val="27"/>
-</p:tagLst>
-</file>
-
-<file path=ppt/tags/tag265.xml><?xml version="1.0" encoding="utf-8"?>
-<p:tagLst xmlns:a="http://schemas.openxmlformats.org/drawingml/2006/main" xmlns:r="http://schemas.openxmlformats.org/officeDocument/2006/relationships" xmlns:p="http://schemas.openxmlformats.org/presentationml/2006/main">
-  <p:tag name="NUM" val="1"/>
-</p:tagLst>
-</file>
-
-<file path=ppt/tags/tag266.xml><?xml version="1.0" encoding="utf-8"?>
-<p:tagLst xmlns:a="http://schemas.openxmlformats.org/drawingml/2006/main" xmlns:r="http://schemas.openxmlformats.org/officeDocument/2006/relationships" xmlns:p="http://schemas.openxmlformats.org/presentationml/2006/main">
-  <p:tag name="NUM" val="2"/>
-</p:tagLst>
-</file>
-
-<file path=ppt/tags/tag267.xml><?xml version="1.0" encoding="utf-8"?>
-<p:tagLst xmlns:a="http://schemas.openxmlformats.org/drawingml/2006/main" xmlns:r="http://schemas.openxmlformats.org/officeDocument/2006/relationships" xmlns:p="http://schemas.openxmlformats.org/presentationml/2006/main">
-  <p:tag name="NUM" val="3"/>
-</p:tagLst>
-</file>
-
-<file path=ppt/tags/tag268.xml><?xml version="1.0" encoding="utf-8"?>
-<p:tagLst xmlns:a="http://schemas.openxmlformats.org/drawingml/2006/main" xmlns:r="http://schemas.openxmlformats.org/officeDocument/2006/relationships" xmlns:p="http://schemas.openxmlformats.org/presentationml/2006/main">
-  <p:tag name="NUM" val="4"/>
-</p:tagLst>
-</file>
-
-<file path=ppt/tags/tag269.xml><?xml version="1.0" encoding="utf-8"?>
-<p:tagLst xmlns:a="http://schemas.openxmlformats.org/drawingml/2006/main" xmlns:r="http://schemas.openxmlformats.org/officeDocument/2006/relationships" xmlns:p="http://schemas.openxmlformats.org/presentationml/2006/main">
-  <p:tag name="NUM" val="5"/>
-</p:tagLst>
-</file>
-
-<file path=ppt/tags/tag27.xml><?xml version="1.0" encoding="utf-8"?>
-<p:tagLst xmlns:a="http://schemas.openxmlformats.org/drawingml/2006/main" xmlns:r="http://schemas.openxmlformats.org/officeDocument/2006/relationships" xmlns:p="http://schemas.openxmlformats.org/presentationml/2006/main">
-  <p:tag name="NUM" val="27"/>
-</p:tagLst>
-</file>
-
-<file path=ppt/tags/tag270.xml><?xml version="1.0" encoding="utf-8"?>
-<p:tagLst xmlns:a="http://schemas.openxmlformats.org/drawingml/2006/main" xmlns:r="http://schemas.openxmlformats.org/officeDocument/2006/relationships" xmlns:p="http://schemas.openxmlformats.org/presentationml/2006/main">
-  <p:tag name="NUM" val="6"/>
-</p:tagLst>
-</file>
-
-<file path=ppt/tags/tag271.xml><?xml version="1.0" encoding="utf-8"?>
-<p:tagLst xmlns:a="http://schemas.openxmlformats.org/drawingml/2006/main" xmlns:r="http://schemas.openxmlformats.org/officeDocument/2006/relationships" xmlns:p="http://schemas.openxmlformats.org/presentationml/2006/main">
-  <p:tag name="NUM" val="7"/>
-</p:tagLst>
-</file>
-
-<file path=ppt/tags/tag272.xml><?xml version="1.0" encoding="utf-8"?>
-<p:tagLst xmlns:a="http://schemas.openxmlformats.org/drawingml/2006/main" xmlns:r="http://schemas.openxmlformats.org/officeDocument/2006/relationships" xmlns:p="http://schemas.openxmlformats.org/presentationml/2006/main">
-  <p:tag name="NUM" val="8"/>
-</p:tagLst>
-</file>
-
-<file path=ppt/tags/tag273.xml><?xml version="1.0" encoding="utf-8"?>
-<p:tagLst xmlns:a="http://schemas.openxmlformats.org/drawingml/2006/main" xmlns:r="http://schemas.openxmlformats.org/officeDocument/2006/relationships" xmlns:p="http://schemas.openxmlformats.org/presentationml/2006/main">
-  <p:tag name="NUM" val="9"/>
-</p:tagLst>
-</file>
-
-<file path=ppt/tags/tag274.xml><?xml version="1.0" encoding="utf-8"?>
-<p:tagLst xmlns:a="http://schemas.openxmlformats.org/drawingml/2006/main" xmlns:r="http://schemas.openxmlformats.org/officeDocument/2006/relationships" xmlns:p="http://schemas.openxmlformats.org/presentationml/2006/main">
-  <p:tag name="NUM" val="10"/>
-</p:tagLst>
-</file>
-
-<file path=ppt/tags/tag275.xml><?xml version="1.0" encoding="utf-8"?>
-<p:tagLst xmlns:a="http://schemas.openxmlformats.org/drawingml/2006/main" xmlns:r="http://schemas.openxmlformats.org/officeDocument/2006/relationships" xmlns:p="http://schemas.openxmlformats.org/presentationml/2006/main">
-  <p:tag name="NUM" val="11"/>
-</p:tagLst>
-</file>
-
-<file path=ppt/tags/tag276.xml><?xml version="1.0" encoding="utf-8"?>
-<p:tagLst xmlns:a="http://schemas.openxmlformats.org/drawingml/2006/main" xmlns:r="http://schemas.openxmlformats.org/officeDocument/2006/relationships" xmlns:p="http://schemas.openxmlformats.org/presentationml/2006/main">
-  <p:tag name="NUM" val="12"/>
-</p:tagLst>
-</file>
-
-<file path=ppt/tags/tag277.xml><?xml version="1.0" encoding="utf-8"?>
-<p:tagLst xmlns:a="http://schemas.openxmlformats.org/drawingml/2006/main" xmlns:r="http://schemas.openxmlformats.org/officeDocument/2006/relationships" xmlns:p="http://schemas.openxmlformats.org/presentationml/2006/main">
-  <p:tag name="NUM" val="13"/>
-</p:tagLst>
-</file>
-
-<file path=ppt/tags/tag278.xml><?xml version="1.0" encoding="utf-8"?>
-<p:tagLst xmlns:a="http://schemas.openxmlformats.org/drawingml/2006/main" xmlns:r="http://schemas.openxmlformats.org/officeDocument/2006/relationships" xmlns:p="http://schemas.openxmlformats.org/presentationml/2006/main">
-  <p:tag name="NUM" val="14"/>
-</p:tagLst>
-</file>
-
-<file path=ppt/tags/tag279.xml><?xml version="1.0" encoding="utf-8"?>
-<p:tagLst xmlns:a="http://schemas.openxmlformats.org/drawingml/2006/main" xmlns:r="http://schemas.openxmlformats.org/officeDocument/2006/relationships" xmlns:p="http://schemas.openxmlformats.org/presentationml/2006/main">
-  <p:tag name="NUM" val="15"/>
-</p:tagLst>
-</file>
-
-<file path=ppt/tags/tag28.xml><?xml version="1.0" encoding="utf-8"?>
-<p:tagLst xmlns:a="http://schemas.openxmlformats.org/drawingml/2006/main" xmlns:r="http://schemas.openxmlformats.org/officeDocument/2006/relationships" xmlns:p="http://schemas.openxmlformats.org/presentationml/2006/main">
-  <p:tag name="NUM" val="1"/>
-</p:tagLst>
-</file>
-
-<file path=ppt/tags/tag280.xml><?xml version="1.0" encoding="utf-8"?>
-<p:tagLst xmlns:a="http://schemas.openxmlformats.org/drawingml/2006/main" xmlns:r="http://schemas.openxmlformats.org/officeDocument/2006/relationships" xmlns:p="http://schemas.openxmlformats.org/presentationml/2006/main">
-  <p:tag name="NUM" val="16"/>
-</p:tagLst>
-</file>
-
-<file path=ppt/tags/tag281.xml><?xml version="1.0" encoding="utf-8"?>
-<p:tagLst xmlns:a="http://schemas.openxmlformats.org/drawingml/2006/main" xmlns:r="http://schemas.openxmlformats.org/officeDocument/2006/relationships" xmlns:p="http://schemas.openxmlformats.org/presentationml/2006/main">
-  <p:tag name="NUM" val="17"/>
-</p:tagLst>
-</file>
-
-<file path=ppt/tags/tag282.xml><?xml version="1.0" encoding="utf-8"?>
-<p:tagLst xmlns:a="http://schemas.openxmlformats.org/drawingml/2006/main" xmlns:r="http://schemas.openxmlformats.org/officeDocument/2006/relationships" xmlns:p="http://schemas.openxmlformats.org/presentationml/2006/main">
-  <p:tag name="NUM" val="18"/>
-</p:tagLst>
-</file>
-
-<file path=ppt/tags/tag283.xml><?xml version="1.0" encoding="utf-8"?>
-<p:tagLst xmlns:a="http://schemas.openxmlformats.org/drawingml/2006/main" xmlns:r="http://schemas.openxmlformats.org/officeDocument/2006/relationships" xmlns:p="http://schemas.openxmlformats.org/presentationml/2006/main">
-  <p:tag name="NUM" val="19"/>
-</p:tagLst>
-</file>
-
-<file path=ppt/tags/tag284.xml><?xml version="1.0" encoding="utf-8"?>
-<p:tagLst xmlns:a="http://schemas.openxmlformats.org/drawingml/2006/main" xmlns:r="http://schemas.openxmlformats.org/officeDocument/2006/relationships" xmlns:p="http://schemas.openxmlformats.org/presentationml/2006/main">
-  <p:tag name="NUM" val="20"/>
-</p:tagLst>
-</file>
-
-<file path=ppt/tags/tag285.xml><?xml version="1.0" encoding="utf-8"?>
-<p:tagLst xmlns:a="http://schemas.openxmlformats.org/drawingml/2006/main" xmlns:r="http://schemas.openxmlformats.org/officeDocument/2006/relationships" xmlns:p="http://schemas.openxmlformats.org/presentationml/2006/main">
-  <p:tag name="NUM" val="21"/>
-</p:tagLst>
-</file>
-
-<file path=ppt/tags/tag286.xml><?xml version="1.0" encoding="utf-8"?>
-<p:tagLst xmlns:a="http://schemas.openxmlformats.org/drawingml/2006/main" xmlns:r="http://schemas.openxmlformats.org/officeDocument/2006/relationships" xmlns:p="http://schemas.openxmlformats.org/presentationml/2006/main">
-  <p:tag name="NUM" val="22"/>
-</p:tagLst>
-</file>
-
-<file path=ppt/tags/tag287.xml><?xml version="1.0" encoding="utf-8"?>
-<p:tagLst xmlns:a="http://schemas.openxmlformats.org/drawingml/2006/main" xmlns:r="http://schemas.openxmlformats.org/officeDocument/2006/relationships" xmlns:p="http://schemas.openxmlformats.org/presentationml/2006/main">
-  <p:tag name="NUM" val="23"/>
-</p:tagLst>
-</file>
-
-<file path=ppt/tags/tag288.xml><?xml version="1.0" encoding="utf-8"?>
-<p:tagLst xmlns:a="http://schemas.openxmlformats.org/drawingml/2006/main" xmlns:r="http://schemas.openxmlformats.org/officeDocument/2006/relationships" xmlns:p="http://schemas.openxmlformats.org/presentationml/2006/main">
-  <p:tag name="NUM" val="24"/>
-</p:tagLst>
-</file>
-
-<file path=ppt/tags/tag289.xml><?xml version="1.0" encoding="utf-8"?>
-<p:tagLst xmlns:a="http://schemas.openxmlformats.org/drawingml/2006/main" xmlns:r="http://schemas.openxmlformats.org/officeDocument/2006/relationships" xmlns:p="http://schemas.openxmlformats.org/presentationml/2006/main">
-  <p:tag name="NUM" val="25"/>
-</p:tagLst>
-</file>
-
-<file path=ppt/tags/tag29.xml><?xml version="1.0" encoding="utf-8"?>
-<p:tagLst xmlns:a="http://schemas.openxmlformats.org/drawingml/2006/main" xmlns:r="http://schemas.openxmlformats.org/officeDocument/2006/relationships" xmlns:p="http://schemas.openxmlformats.org/presentationml/2006/main">
-  <p:tag name="NUM" val="2"/>
-</p:tagLst>
-</file>
-
-<file path=ppt/tags/tag290.xml><?xml version="1.0" encoding="utf-8"?>
-<p:tagLst xmlns:a="http://schemas.openxmlformats.org/drawingml/2006/main" xmlns:r="http://schemas.openxmlformats.org/officeDocument/2006/relationships" xmlns:p="http://schemas.openxmlformats.org/presentationml/2006/main">
-  <p:tag name="NUM" val="26"/>
-</p:tagLst>
-</file>
-
-<file path=ppt/tags/tag291.xml><?xml version="1.0" encoding="utf-8"?>
-<p:tagLst xmlns:a="http://schemas.openxmlformats.org/drawingml/2006/main" xmlns:r="http://schemas.openxmlformats.org/officeDocument/2006/relationships" xmlns:p="http://schemas.openxmlformats.org/presentationml/2006/main">
-  <p:tag name="NUM" val="27"/>
-</p:tagLst>
-</file>
-
-<file path=ppt/tags/tag292.xml><?xml version="1.0" encoding="utf-8"?>
-<p:tagLst xmlns:a="http://schemas.openxmlformats.org/drawingml/2006/main" xmlns:r="http://schemas.openxmlformats.org/officeDocument/2006/relationships" xmlns:p="http://schemas.openxmlformats.org/presentationml/2006/main">
-  <p:tag name="NUM" val="28"/>
-</p:tagLst>
-</file>
-
-<file path=ppt/tags/tag293.xml><?xml version="1.0" encoding="utf-8"?>
-<p:tagLst xmlns:a="http://schemas.openxmlformats.org/drawingml/2006/main" xmlns:r="http://schemas.openxmlformats.org/officeDocument/2006/relationships" xmlns:p="http://schemas.openxmlformats.org/presentationml/2006/main">
-  <p:tag name="NUM" val="29"/>
-</p:tagLst>
-</file>
-
-<file path=ppt/tags/tag294.xml><?xml version="1.0" encoding="utf-8"?>
-<p:tagLst xmlns:a="http://schemas.openxmlformats.org/drawingml/2006/main" xmlns:r="http://schemas.openxmlformats.org/officeDocument/2006/relationships" xmlns:p="http://schemas.openxmlformats.org/presentationml/2006/main">
-  <p:tag name="NUM" val="30"/>
-</p:tagLst>
-</file>
-
-<file path=ppt/tags/tag295.xml><?xml version="1.0" encoding="utf-8"?>
-<p:tagLst xmlns:a="http://schemas.openxmlformats.org/drawingml/2006/main" xmlns:r="http://schemas.openxmlformats.org/officeDocument/2006/relationships" xmlns:p="http://schemas.openxmlformats.org/presentationml/2006/main">
-  <p:tag name="NUM" val="31"/>
-</p:tagLst>
-</file>
-
-<file path=ppt/tags/tag296.xml><?xml version="1.0" encoding="utf-8"?>
-<p:tagLst xmlns:a="http://schemas.openxmlformats.org/drawingml/2006/main" xmlns:r="http://schemas.openxmlformats.org/officeDocument/2006/relationships" xmlns:p="http://schemas.openxmlformats.org/presentationml/2006/main">
-  <p:tag name="NUM" val="32"/>
-</p:tagLst>
-</file>
-
-<file path=ppt/tags/tag297.xml><?xml version="1.0" encoding="utf-8"?>
-<p:tagLst xmlns:a="http://schemas.openxmlformats.org/drawingml/2006/main" xmlns:r="http://schemas.openxmlformats.org/officeDocument/2006/relationships" xmlns:p="http://schemas.openxmlformats.org/presentationml/2006/main">
-  <p:tag name="NUM" val="33"/>
-</p:tagLst>
-</file>
-
-<file path=ppt/tags/tag298.xml><?xml version="1.0" encoding="utf-8"?>
-<p:tagLst xmlns:a="http://schemas.openxmlformats.org/drawingml/2006/main" xmlns:r="http://schemas.openxmlformats.org/officeDocument/2006/relationships" xmlns:p="http://schemas.openxmlformats.org/presentationml/2006/main">
-  <p:tag name="NUM" val="34"/>
-</p:tagLst>
-</file>
-
-<file path=ppt/tags/tag299.xml><?xml version="1.0" encoding="utf-8"?>
-<p:tagLst xmlns:a="http://schemas.openxmlformats.org/drawingml/2006/main" xmlns:r="http://schemas.openxmlformats.org/officeDocument/2006/relationships" xmlns:p="http://schemas.openxmlformats.org/presentationml/2006/main">
-  <p:tag name="NUM" val="35"/>
-</p:tagLst>
-</file>
-
-<file path=ppt/tags/tag3.xml><?xml version="1.0" encoding="utf-8"?>
-<p:tagLst xmlns:a="http://schemas.openxmlformats.org/drawingml/2006/main" xmlns:r="http://schemas.openxmlformats.org/officeDocument/2006/relationships" xmlns:p="http://schemas.openxmlformats.org/presentationml/2006/main">
-  <p:tag name="NUM" val="3"/>
-</p:tagLst>
-</file>
-
-<file path=ppt/tags/tag30.xml><?xml version="1.0" encoding="utf-8"?>
-<p:tagLst xmlns:a="http://schemas.openxmlformats.org/drawingml/2006/main" xmlns:r="http://schemas.openxmlformats.org/officeDocument/2006/relationships" xmlns:p="http://schemas.openxmlformats.org/presentationml/2006/main">
-  <p:tag name="NUM" val="3"/>
-</p:tagLst>
-</file>
-
-<file path=ppt/tags/tag300.xml><?xml version="1.0" encoding="utf-8"?>
-<p:tagLst xmlns:a="http://schemas.openxmlformats.org/drawingml/2006/main" xmlns:r="http://schemas.openxmlformats.org/officeDocument/2006/relationships" xmlns:p="http://schemas.openxmlformats.org/presentationml/2006/main">
-  <p:tag name="NUM" val="36"/>
-</p:tagLst>
-</file>
-
-<file path=ppt/tags/tag301.xml><?xml version="1.0" encoding="utf-8"?>
-<p:tagLst xmlns:a="http://schemas.openxmlformats.org/drawingml/2006/main" xmlns:r="http://schemas.openxmlformats.org/officeDocument/2006/relationships" xmlns:p="http://schemas.openxmlformats.org/presentationml/2006/main">
-  <p:tag name="NUM" val="37"/>
-</p:tagLst>
-</file>
-
-<file path=ppt/tags/tag302.xml><?xml version="1.0" encoding="utf-8"?>
-<p:tagLst xmlns:a="http://schemas.openxmlformats.org/drawingml/2006/main" xmlns:r="http://schemas.openxmlformats.org/officeDocument/2006/relationships" xmlns:p="http://schemas.openxmlformats.org/presentationml/2006/main">
-  <p:tag name="NUM" val="38"/>
-</p:tagLst>
-</file>
-
-<file path=ppt/tags/tag303.xml><?xml version="1.0" encoding="utf-8"?>
-<p:tagLst xmlns:a="http://schemas.openxmlformats.org/drawingml/2006/main" xmlns:r="http://schemas.openxmlformats.org/officeDocument/2006/relationships" xmlns:p="http://schemas.openxmlformats.org/presentationml/2006/main">
-  <p:tag name="NUM" val="39"/>
-</p:tagLst>
-</file>
-
-<file path=ppt/tags/tag304.xml><?xml version="1.0" encoding="utf-8"?>
-<p:tagLst xmlns:a="http://schemas.openxmlformats.org/drawingml/2006/main" xmlns:r="http://schemas.openxmlformats.org/officeDocument/2006/relationships" xmlns:p="http://schemas.openxmlformats.org/presentationml/2006/main">
-  <p:tag name="NUM" val="1"/>
-</p:tagLst>
-</file>
-
-<file path=ppt/tags/tag305.xml><?xml version="1.0" encoding="utf-8"?>
-<p:tagLst xmlns:a="http://schemas.openxmlformats.org/drawingml/2006/main" xmlns:r="http://schemas.openxmlformats.org/officeDocument/2006/relationships" xmlns:p="http://schemas.openxmlformats.org/presentationml/2006/main">
-  <p:tag name="NUM" val="2"/>
-</p:tagLst>
-</file>
-
-<file path=ppt/tags/tag306.xml><?xml version="1.0" encoding="utf-8"?>
-<p:tagLst xmlns:a="http://schemas.openxmlformats.org/drawingml/2006/main" xmlns:r="http://schemas.openxmlformats.org/officeDocument/2006/relationships" xmlns:p="http://schemas.openxmlformats.org/presentationml/2006/main">
-  <p:tag name="NUM" val="3"/>
-</p:tagLst>
-</file>
-
-<file path=ppt/tags/tag307.xml><?xml version="1.0" encoding="utf-8"?>
-<p:tagLst xmlns:a="http://schemas.openxmlformats.org/drawingml/2006/main" xmlns:r="http://schemas.openxmlformats.org/officeDocument/2006/relationships" xmlns:p="http://schemas.openxmlformats.org/presentationml/2006/main">
-  <p:tag name="NUM" val="4"/>
-</p:tagLst>
-</file>
-
-<file path=ppt/tags/tag308.xml><?xml version="1.0" encoding="utf-8"?>
-<p:tagLst xmlns:a="http://schemas.openxmlformats.org/drawingml/2006/main" xmlns:r="http://schemas.openxmlformats.org/officeDocument/2006/relationships" xmlns:p="http://schemas.openxmlformats.org/presentationml/2006/main">
-  <p:tag name="NUM" val="5"/>
-</p:tagLst>
-</file>
-
-<file path=ppt/tags/tag309.xml><?xml version="1.0" encoding="utf-8"?>
-<p:tagLst xmlns:a="http://schemas.openxmlformats.org/drawingml/2006/main" xmlns:r="http://schemas.openxmlformats.org/officeDocument/2006/relationships" xmlns:p="http://schemas.openxmlformats.org/presentationml/2006/main">
-  <p:tag name="NUM" val="6"/>
-</p:tagLst>
-</file>
-
-<file path=ppt/tags/tag31.xml><?xml version="1.0" encoding="utf-8"?>
-<p:tagLst xmlns:a="http://schemas.openxmlformats.org/drawingml/2006/main" xmlns:r="http://schemas.openxmlformats.org/officeDocument/2006/relationships" xmlns:p="http://schemas.openxmlformats.org/presentationml/2006/main">
-  <p:tag name="NUM" val="4"/>
-</p:tagLst>
-</file>
-
-<file path=ppt/tags/tag310.xml><?xml version="1.0" encoding="utf-8"?>
-<p:tagLst xmlns:a="http://schemas.openxmlformats.org/drawingml/2006/main" xmlns:r="http://schemas.openxmlformats.org/officeDocument/2006/relationships" xmlns:p="http://schemas.openxmlformats.org/presentationml/2006/main">
-  <p:tag name="NUM" val="7"/>
-</p:tagLst>
-</file>
-
-<file path=ppt/tags/tag311.xml><?xml version="1.0" encoding="utf-8"?>
-<p:tagLst xmlns:a="http://schemas.openxmlformats.org/drawingml/2006/main" xmlns:r="http://schemas.openxmlformats.org/officeDocument/2006/relationships" xmlns:p="http://schemas.openxmlformats.org/presentationml/2006/main">
-  <p:tag name="NUM" val="8"/>
-</p:tagLst>
-</file>
-
-<file path=ppt/tags/tag312.xml><?xml version="1.0" encoding="utf-8"?>
-<p:tagLst xmlns:a="http://schemas.openxmlformats.org/drawingml/2006/main" xmlns:r="http://schemas.openxmlformats.org/officeDocument/2006/relationships" xmlns:p="http://schemas.openxmlformats.org/presentationml/2006/main">
-  <p:tag name="NUM" val="9"/>
-</p:tagLst>
-</file>
-
-<file path=ppt/tags/tag313.xml><?xml version="1.0" encoding="utf-8"?>
-<p:tagLst xmlns:a="http://schemas.openxmlformats.org/drawingml/2006/main" xmlns:r="http://schemas.openxmlformats.org/officeDocument/2006/relationships" xmlns:p="http://schemas.openxmlformats.org/presentationml/2006/main">
-  <p:tag name="NUM" val="10"/>
-</p:tagLst>
-</file>
-
-<file path=ppt/tags/tag314.xml><?xml version="1.0" encoding="utf-8"?>
-<p:tagLst xmlns:a="http://schemas.openxmlformats.org/drawingml/2006/main" xmlns:r="http://schemas.openxmlformats.org/officeDocument/2006/relationships" xmlns:p="http://schemas.openxmlformats.org/presentationml/2006/main">
-  <p:tag name="NUM" val="11"/>
-</p:tagLst>
-</file>
-
-<file path=ppt/tags/tag315.xml><?xml version="1.0" encoding="utf-8"?>
-<p:tagLst xmlns:a="http://schemas.openxmlformats.org/drawingml/2006/main" xmlns:r="http://schemas.openxmlformats.org/officeDocument/2006/relationships" xmlns:p="http://schemas.openxmlformats.org/presentationml/2006/main">
-  <p:tag name="NUM" val="12"/>
-</p:tagLst>
-</file>
-
-<file path=ppt/tags/tag316.xml><?xml version="1.0" encoding="utf-8"?>
-<p:tagLst xmlns:a="http://schemas.openxmlformats.org/drawingml/2006/main" xmlns:r="http://schemas.openxmlformats.org/officeDocument/2006/relationships" xmlns:p="http://schemas.openxmlformats.org/presentationml/2006/main">
-  <p:tag name="NUM" val="13"/>
-</p:tagLst>
-</file>
-
-<file path=ppt/tags/tag317.xml><?xml version="1.0" encoding="utf-8"?>
-<p:tagLst xmlns:a="http://schemas.openxmlformats.org/drawingml/2006/main" xmlns:r="http://schemas.openxmlformats.org/officeDocument/2006/relationships" xmlns:p="http://schemas.openxmlformats.org/presentationml/2006/main">
-  <p:tag name="NUM" val="14"/>
-</p:tagLst>
-</file>
-
-<file path=ppt/tags/tag318.xml><?xml version="1.0" encoding="utf-8"?>
-<p:tagLst xmlns:a="http://schemas.openxmlformats.org/drawingml/2006/main" xmlns:r="http://schemas.openxmlformats.org/officeDocument/2006/relationships" xmlns:p="http://schemas.openxmlformats.org/presentationml/2006/main">
-  <p:tag name="NUM" val="15"/>
-</p:tagLst>
-</file>
-
-<file path=ppt/tags/tag319.xml><?xml version="1.0" encoding="utf-8"?>
-<p:tagLst xmlns:a="http://schemas.openxmlformats.org/drawingml/2006/main" xmlns:r="http://schemas.openxmlformats.org/officeDocument/2006/relationships" xmlns:p="http://schemas.openxmlformats.org/presentationml/2006/main">
-  <p:tag name="NUM" val="16"/>
-</p:tagLst>
-</file>
-
-<file path=ppt/tags/tag32.xml><?xml version="1.0" encoding="utf-8"?>
-<p:tagLst xmlns:a="http://schemas.openxmlformats.org/drawingml/2006/main" xmlns:r="http://schemas.openxmlformats.org/officeDocument/2006/relationships" xmlns:p="http://schemas.openxmlformats.org/presentationml/2006/main">
-  <p:tag name="NUM" val="5"/>
-</p:tagLst>
-</file>
-
-<file path=ppt/tags/tag320.xml><?xml version="1.0" encoding="utf-8"?>
-<p:tagLst xmlns:a="http://schemas.openxmlformats.org/drawingml/2006/main" xmlns:r="http://schemas.openxmlformats.org/officeDocument/2006/relationships" xmlns:p="http://schemas.openxmlformats.org/presentationml/2006/main">
-  <p:tag name="NUM" val="17"/>
-</p:tagLst>
-</file>
-
-<file path=ppt/tags/tag321.xml><?xml version="1.0" encoding="utf-8"?>
-<p:tagLst xmlns:a="http://schemas.openxmlformats.org/drawingml/2006/main" xmlns:r="http://schemas.openxmlformats.org/officeDocument/2006/relationships" xmlns:p="http://schemas.openxmlformats.org/presentationml/2006/main">
-  <p:tag name="NUM" val="18"/>
-</p:tagLst>
-</file>
-
-<file path=ppt/tags/tag322.xml><?xml version="1.0" encoding="utf-8"?>
-<p:tagLst xmlns:a="http://schemas.openxmlformats.org/drawingml/2006/main" xmlns:r="http://schemas.openxmlformats.org/officeDocument/2006/relationships" xmlns:p="http://schemas.openxmlformats.org/presentationml/2006/main">
-  <p:tag name="NUM" val="19"/>
-</p:tagLst>
-</file>
-
-<file path=ppt/tags/tag323.xml><?xml version="1.0" encoding="utf-8"?>
-<p:tagLst xmlns:a="http://schemas.openxmlformats.org/drawingml/2006/main" xmlns:r="http://schemas.openxmlformats.org/officeDocument/2006/relationships" xmlns:p="http://schemas.openxmlformats.org/presentationml/2006/main">
-  <p:tag name="NUM" val="20"/>
-</p:tagLst>
-</file>
-
-<file path=ppt/tags/tag324.xml><?xml version="1.0" encoding="utf-8"?>
-<p:tagLst xmlns:a="http://schemas.openxmlformats.org/drawingml/2006/main" xmlns:r="http://schemas.openxmlformats.org/officeDocument/2006/relationships" xmlns:p="http://schemas.openxmlformats.org/presentationml/2006/main">
-  <p:tag name="NUM" val="21"/>
-</p:tagLst>
-</file>
-
-<file path=ppt/tags/tag325.xml><?xml version="1.0" encoding="utf-8"?>
-<p:tagLst xmlns:a="http://schemas.openxmlformats.org/drawingml/2006/main" xmlns:r="http://schemas.openxmlformats.org/officeDocument/2006/relationships" xmlns:p="http://schemas.openxmlformats.org/presentationml/2006/main">
-  <p:tag name="NUM" val="22"/>
-</p:tagLst>
-</file>
-
-<file path=ppt/tags/tag326.xml><?xml version="1.0" encoding="utf-8"?>
-<p:tagLst xmlns:a="http://schemas.openxmlformats.org/drawingml/2006/main" xmlns:r="http://schemas.openxmlformats.org/officeDocument/2006/relationships" xmlns:p="http://schemas.openxmlformats.org/presentationml/2006/main">
-  <p:tag name="NUM" val="23"/>
-</p:tagLst>
-</file>
-
-<file path=ppt/tags/tag327.xml><?xml version="1.0" encoding="utf-8"?>
-<p:tagLst xmlns:a="http://schemas.openxmlformats.org/drawingml/2006/main" xmlns:r="http://schemas.openxmlformats.org/officeDocument/2006/relationships" xmlns:p="http://schemas.openxmlformats.org/presentationml/2006/main">
-  <p:tag name="NUM" val="24"/>
-</p:tagLst>
-</file>
-
-<file path=ppt/tags/tag328.xml><?xml version="1.0" encoding="utf-8"?>
-<p:tagLst xmlns:a="http://schemas.openxmlformats.org/drawingml/2006/main" xmlns:r="http://schemas.openxmlformats.org/officeDocument/2006/relationships" xmlns:p="http://schemas.openxmlformats.org/presentationml/2006/main">
-  <p:tag name="NUM" val="25"/>
-</p:tagLst>
-</file>
-
-<file path=ppt/tags/tag329.xml><?xml version="1.0" encoding="utf-8"?>
-<p:tagLst xmlns:a="http://schemas.openxmlformats.org/drawingml/2006/main" xmlns:r="http://schemas.openxmlformats.org/officeDocument/2006/relationships" xmlns:p="http://schemas.openxmlformats.org/presentationml/2006/main">
-  <p:tag name="NUM" val="26"/>
-</p:tagLst>
-</file>
-
-<file path=ppt/tags/tag33.xml><?xml version="1.0" encoding="utf-8"?>
-<p:tagLst xmlns:a="http://schemas.openxmlformats.org/drawingml/2006/main" xmlns:r="http://schemas.openxmlformats.org/officeDocument/2006/relationships" xmlns:p="http://schemas.openxmlformats.org/presentationml/2006/main">
-  <p:tag name="NUM" val="6"/>
-</p:tagLst>
-</file>
-
-<file path=ppt/tags/tag330.xml><?xml version="1.0" encoding="utf-8"?>
-<p:tagLst xmlns:a="http://schemas.openxmlformats.org/drawingml/2006/main" xmlns:r="http://schemas.openxmlformats.org/officeDocument/2006/relationships" xmlns:p="http://schemas.openxmlformats.org/presentationml/2006/main">
-  <p:tag name="NUM" val="27"/>
-</p:tagLst>
-</file>
-
-<file path=ppt/tags/tag331.xml><?xml version="1.0" encoding="utf-8"?>
-<p:tagLst xmlns:a="http://schemas.openxmlformats.org/drawingml/2006/main" xmlns:r="http://schemas.openxmlformats.org/officeDocument/2006/relationships" xmlns:p="http://schemas.openxmlformats.org/presentationml/2006/main">
-  <p:tag name="NUM" val="28"/>
-</p:tagLst>
-</file>
-
-<file path=ppt/tags/tag332.xml><?xml version="1.0" encoding="utf-8"?>
-<p:tagLst xmlns:a="http://schemas.openxmlformats.org/drawingml/2006/main" xmlns:r="http://schemas.openxmlformats.org/officeDocument/2006/relationships" xmlns:p="http://schemas.openxmlformats.org/presentationml/2006/main">
-  <p:tag name="NUM" val="29"/>
-</p:tagLst>
-</file>
-
-<file path=ppt/tags/tag333.xml><?xml version="1.0" encoding="utf-8"?>
-<p:tagLst xmlns:a="http://schemas.openxmlformats.org/drawingml/2006/main" xmlns:r="http://schemas.openxmlformats.org/officeDocument/2006/relationships" xmlns:p="http://schemas.openxmlformats.org/presentationml/2006/main">
-  <p:tag name="NUM" val="1"/>
-</p:tagLst>
-</file>
-
-<file path=ppt/tags/tag334.xml><?xml version="1.0" encoding="utf-8"?>
-<p:tagLst xmlns:a="http://schemas.openxmlformats.org/drawingml/2006/main" xmlns:r="http://schemas.openxmlformats.org/officeDocument/2006/relationships" xmlns:p="http://schemas.openxmlformats.org/presentationml/2006/main">
-  <p:tag name="NUM" val="2"/>
-</p:tagLst>
-</file>
-
-<file path=ppt/tags/tag335.xml><?xml version="1.0" encoding="utf-8"?>
-<p:tagLst xmlns:a="http://schemas.openxmlformats.org/drawingml/2006/main" xmlns:r="http://schemas.openxmlformats.org/officeDocument/2006/relationships" xmlns:p="http://schemas.openxmlformats.org/presentationml/2006/main">
-  <p:tag name="NUM" val="3"/>
-</p:tagLst>
-</file>
-
-<file path=ppt/tags/tag336.xml><?xml version="1.0" encoding="utf-8"?>
-<p:tagLst xmlns:a="http://schemas.openxmlformats.org/drawingml/2006/main" xmlns:r="http://schemas.openxmlformats.org/officeDocument/2006/relationships" xmlns:p="http://schemas.openxmlformats.org/presentationml/2006/main">
-  <p:tag name="NUM" val="4"/>
-</p:tagLst>
-</file>
-
-<file path=ppt/tags/tag337.xml><?xml version="1.0" encoding="utf-8"?>
-<p:tagLst xmlns:a="http://schemas.openxmlformats.org/drawingml/2006/main" xmlns:r="http://schemas.openxmlformats.org/officeDocument/2006/relationships" xmlns:p="http://schemas.openxmlformats.org/presentationml/2006/main">
-  <p:tag name="NUM" val="5"/>
-</p:tagLst>
-</file>
-
-<file path=ppt/tags/tag338.xml><?xml version="1.0" encoding="utf-8"?>
-<p:tagLst xmlns:a="http://schemas.openxmlformats.org/drawingml/2006/main" xmlns:r="http://schemas.openxmlformats.org/officeDocument/2006/relationships" xmlns:p="http://schemas.openxmlformats.org/presentationml/2006/main">
-  <p:tag name="NUM" val="6"/>
-</p:tagLst>
-</file>
-
-<file path=ppt/tags/tag339.xml><?xml version="1.0" encoding="utf-8"?>
-<p:tagLst xmlns:a="http://schemas.openxmlformats.org/drawingml/2006/main" xmlns:r="http://schemas.openxmlformats.org/officeDocument/2006/relationships" xmlns:p="http://schemas.openxmlformats.org/presentationml/2006/main">
-  <p:tag name="NUM" val="7"/>
-</p:tagLst>
-</file>
-
-<file path=ppt/tags/tag34.xml><?xml version="1.0" encoding="utf-8"?>
-<p:tagLst xmlns:a="http://schemas.openxmlformats.org/drawingml/2006/main" xmlns:r="http://schemas.openxmlformats.org/officeDocument/2006/relationships" xmlns:p="http://schemas.openxmlformats.org/presentationml/2006/main">
-  <p:tag name="NUM" val="7"/>
-</p:tagLst>
-</file>
-
-<file path=ppt/tags/tag340.xml><?xml version="1.0" encoding="utf-8"?>
-<p:tagLst xmlns:a="http://schemas.openxmlformats.org/drawingml/2006/main" xmlns:r="http://schemas.openxmlformats.org/officeDocument/2006/relationships" xmlns:p="http://schemas.openxmlformats.org/presentationml/2006/main">
-  <p:tag name="NUM" val="8"/>
-</p:tagLst>
-</file>
-
-<file path=ppt/tags/tag341.xml><?xml version="1.0" encoding="utf-8"?>
-<p:tagLst xmlns:a="http://schemas.openxmlformats.org/drawingml/2006/main" xmlns:r="http://schemas.openxmlformats.org/officeDocument/2006/relationships" xmlns:p="http://schemas.openxmlformats.org/presentationml/2006/main">
-  <p:tag name="NUM" val="9"/>
-</p:tagLst>
-</file>
-
-<file path=ppt/tags/tag342.xml><?xml version="1.0" encoding="utf-8"?>
-<p:tagLst xmlns:a="http://schemas.openxmlformats.org/drawingml/2006/main" xmlns:r="http://schemas.openxmlformats.org/officeDocument/2006/relationships" xmlns:p="http://schemas.openxmlformats.org/presentationml/2006/main">
-  <p:tag name="NUM" val="10"/>
-</p:tagLst>
-</file>
-
-<file path=ppt/tags/tag343.xml><?xml version="1.0" encoding="utf-8"?>
-<p:tagLst xmlns:a="http://schemas.openxmlformats.org/drawingml/2006/main" xmlns:r="http://schemas.openxmlformats.org/officeDocument/2006/relationships" xmlns:p="http://schemas.openxmlformats.org/presentationml/2006/main">
-  <p:tag name="NUM" val="11"/>
-</p:tagLst>
-</file>
-
-<file path=ppt/tags/tag344.xml><?xml version="1.0" encoding="utf-8"?>
-<p:tagLst xmlns:a="http://schemas.openxmlformats.org/drawingml/2006/main" xmlns:r="http://schemas.openxmlformats.org/officeDocument/2006/relationships" xmlns:p="http://schemas.openxmlformats.org/presentationml/2006/main">
-  <p:tag name="NUM" val="12"/>
-</p:tagLst>
-</file>
-
-<file path=ppt/tags/tag345.xml><?xml version="1.0" encoding="utf-8"?>
-<p:tagLst xmlns:a="http://schemas.openxmlformats.org/drawingml/2006/main" xmlns:r="http://schemas.openxmlformats.org/officeDocument/2006/relationships" xmlns:p="http://schemas.openxmlformats.org/presentationml/2006/main">
-  <p:tag name="NUM" val="13"/>
-</p:tagLst>
-</file>
-
-<file path=ppt/tags/tag346.xml><?xml version="1.0" encoding="utf-8"?>
-<p:tagLst xmlns:a="http://schemas.openxmlformats.org/drawingml/2006/main" xmlns:r="http://schemas.openxmlformats.org/officeDocument/2006/relationships" xmlns:p="http://schemas.openxmlformats.org/presentationml/2006/main">
-  <p:tag name="NUM" val="14"/>
-</p:tagLst>
-</file>
-
-<file path=ppt/tags/tag347.xml><?xml version="1.0" encoding="utf-8"?>
-<p:tagLst xmlns:a="http://schemas.openxmlformats.org/drawingml/2006/main" xmlns:r="http://schemas.openxmlformats.org/officeDocument/2006/relationships" xmlns:p="http://schemas.openxmlformats.org/presentationml/2006/main">
-  <p:tag name="NUM" val="15"/>
-</p:tagLst>
-</file>
-
-<file path=ppt/tags/tag348.xml><?xml version="1.0" encoding="utf-8"?>
-<p:tagLst xmlns:a="http://schemas.openxmlformats.org/drawingml/2006/main" xmlns:r="http://schemas.openxmlformats.org/officeDocument/2006/relationships" xmlns:p="http://schemas.openxmlformats.org/presentationml/2006/main">
-  <p:tag name="NUM" val="16"/>
-</p:tagLst>
-</file>
-
-<file path=ppt/tags/tag349.xml><?xml version="1.0" encoding="utf-8"?>
-<p:tagLst xmlns:a="http://schemas.openxmlformats.org/drawingml/2006/main" xmlns:r="http://schemas.openxmlformats.org/officeDocument/2006/relationships" xmlns:p="http://schemas.openxmlformats.org/presentationml/2006/main">
-  <p:tag name="NUM" val="17"/>
-</p:tagLst>
-</file>
-
-<file path=ppt/tags/tag35.xml><?xml version="1.0" encoding="utf-8"?>
-<p:tagLst xmlns:a="http://schemas.openxmlformats.org/drawingml/2006/main" xmlns:r="http://schemas.openxmlformats.org/officeDocument/2006/relationships" xmlns:p="http://schemas.openxmlformats.org/presentationml/2006/main">
-  <p:tag name="NUM" val="8"/>
-</p:tagLst>
-</file>
-
-<file path=ppt/tags/tag350.xml><?xml version="1.0" encoding="utf-8"?>
-<p:tagLst xmlns:a="http://schemas.openxmlformats.org/drawingml/2006/main" xmlns:r="http://schemas.openxmlformats.org/officeDocument/2006/relationships" xmlns:p="http://schemas.openxmlformats.org/presentationml/2006/main">
-  <p:tag name="NUM" val="18"/>
-</p:tagLst>
-</file>
-
-<file path=ppt/tags/tag351.xml><?xml version="1.0" encoding="utf-8"?>
-<p:tagLst xmlns:a="http://schemas.openxmlformats.org/drawingml/2006/main" xmlns:r="http://schemas.openxmlformats.org/officeDocument/2006/relationships" xmlns:p="http://schemas.openxmlformats.org/presentationml/2006/main">
-  <p:tag name="NUM" val="19"/>
-</p:tagLst>
-</file>
-
-<file path=ppt/tags/tag352.xml><?xml version="1.0" encoding="utf-8"?>
-<p:tagLst xmlns:a="http://schemas.openxmlformats.org/drawingml/2006/main" xmlns:r="http://schemas.openxmlformats.org/officeDocument/2006/relationships" xmlns:p="http://schemas.openxmlformats.org/presentationml/2006/main">
-  <p:tag name="NUM" val="20"/>
-</p:tagLst>
-</file>
-
-<file path=ppt/tags/tag353.xml><?xml version="1.0" encoding="utf-8"?>
-<p:tagLst xmlns:a="http://schemas.openxmlformats.org/drawingml/2006/main" xmlns:r="http://schemas.openxmlformats.org/officeDocument/2006/relationships" xmlns:p="http://schemas.openxmlformats.org/presentationml/2006/main">
-  <p:tag name="NUM" val="1"/>
-</p:tagLst>
-</file>
-
-<file path=ppt/tags/tag354.xml><?xml version="1.0" encoding="utf-8"?>
-<p:tagLst xmlns:a="http://schemas.openxmlformats.org/drawingml/2006/main" xmlns:r="http://schemas.openxmlformats.org/officeDocument/2006/relationships" xmlns:p="http://schemas.openxmlformats.org/presentationml/2006/main">
-  <p:tag name="NUM" val="2"/>
-</p:tagLst>
-</file>
-
-<file path=ppt/tags/tag355.xml><?xml version="1.0" encoding="utf-8"?>
-<p:tagLst xmlns:a="http://schemas.openxmlformats.org/drawingml/2006/main" xmlns:r="http://schemas.openxmlformats.org/officeDocument/2006/relationships" xmlns:p="http://schemas.openxmlformats.org/presentationml/2006/main">
-  <p:tag name="NUM" val="3"/>
-</p:tagLst>
-</file>
-
-<file path=ppt/tags/tag356.xml><?xml version="1.0" encoding="utf-8"?>
-<p:tagLst xmlns:a="http://schemas.openxmlformats.org/drawingml/2006/main" xmlns:r="http://schemas.openxmlformats.org/officeDocument/2006/relationships" xmlns:p="http://schemas.openxmlformats.org/presentationml/2006/main">
-  <p:tag name="NUM" val="4"/>
-</p:tagLst>
-</file>
-
-<file path=ppt/tags/tag357.xml><?xml version="1.0" encoding="utf-8"?>
-<p:tagLst xmlns:a="http://schemas.openxmlformats.org/drawingml/2006/main" xmlns:r="http://schemas.openxmlformats.org/officeDocument/2006/relationships" xmlns:p="http://schemas.openxmlformats.org/presentationml/2006/main">
-  <p:tag name="NUM" val="5"/>
-</p:tagLst>
-</file>
-
-<file path=ppt/tags/tag358.xml><?xml version="1.0" encoding="utf-8"?>
-<p:tagLst xmlns:a="http://schemas.openxmlformats.org/drawingml/2006/main" xmlns:r="http://schemas.openxmlformats.org/officeDocument/2006/relationships" xmlns:p="http://schemas.openxmlformats.org/presentationml/2006/main">
-  <p:tag name="NUM" val="6"/>
-</p:tagLst>
-</file>
-
-<file path=ppt/tags/tag359.xml><?xml version="1.0" encoding="utf-8"?>
-<p:tagLst xmlns:a="http://schemas.openxmlformats.org/drawingml/2006/main" xmlns:r="http://schemas.openxmlformats.org/officeDocument/2006/relationships" xmlns:p="http://schemas.openxmlformats.org/presentationml/2006/main">
-  <p:tag name="NUM" val="7"/>
-</p:tagLst>
-</file>
-
-<file path=ppt/tags/tag36.xml><?xml version="1.0" encoding="utf-8"?>
-<p:tagLst xmlns:a="http://schemas.openxmlformats.org/drawingml/2006/main" xmlns:r="http://schemas.openxmlformats.org/officeDocument/2006/relationships" xmlns:p="http://schemas.openxmlformats.org/presentationml/2006/main">
-  <p:tag name="NUM" val="9"/>
-</p:tagLst>
-</file>
-
-<file path=ppt/tags/tag360.xml><?xml version="1.0" encoding="utf-8"?>
-<p:tagLst xmlns:a="http://schemas.openxmlformats.org/drawingml/2006/main" xmlns:r="http://schemas.openxmlformats.org/officeDocument/2006/relationships" xmlns:p="http://schemas.openxmlformats.org/presentationml/2006/main">
-  <p:tag name="NUM" val="8"/>
-</p:tagLst>
-</file>
-
-<file path=ppt/tags/tag361.xml><?xml version="1.0" encoding="utf-8"?>
-<p:tagLst xmlns:a="http://schemas.openxmlformats.org/drawingml/2006/main" xmlns:r="http://schemas.openxmlformats.org/officeDocument/2006/relationships" xmlns:p="http://schemas.openxmlformats.org/presentationml/2006/main">
-  <p:tag name="NUM" val="9"/>
-</p:tagLst>
-</file>
-
-<file path=ppt/tags/tag362.xml><?xml version="1.0" encoding="utf-8"?>
-<p:tagLst xmlns:a="http://schemas.openxmlformats.org/drawingml/2006/main" xmlns:r="http://schemas.openxmlformats.org/officeDocument/2006/relationships" xmlns:p="http://schemas.openxmlformats.org/presentationml/2006/main">
-  <p:tag name="NUM" val="10"/>
-</p:tagLst>
-</file>
-
-<file path=ppt/tags/tag363.xml><?xml version="1.0" encoding="utf-8"?>
-<p:tagLst xmlns:a="http://schemas.openxmlformats.org/drawingml/2006/main" xmlns:r="http://schemas.openxmlformats.org/officeDocument/2006/relationships" xmlns:p="http://schemas.openxmlformats.org/presentationml/2006/main">
-  <p:tag name="NUM" val="11"/>
-</p:tagLst>
-</file>
-
-<file path=ppt/tags/tag364.xml><?xml version="1.0" encoding="utf-8"?>
-<p:tagLst xmlns:a="http://schemas.openxmlformats.org/drawingml/2006/main" xmlns:r="http://schemas.openxmlformats.org/officeDocument/2006/relationships" xmlns:p="http://schemas.openxmlformats.org/presentationml/2006/main">
-  <p:tag name="NUM" val="12"/>
-</p:tagLst>
-</file>
-
-<file path=ppt/tags/tag365.xml><?xml version="1.0" encoding="utf-8"?>
-<p:tagLst xmlns:a="http://schemas.openxmlformats.org/drawingml/2006/main" xmlns:r="http://schemas.openxmlformats.org/officeDocument/2006/relationships" xmlns:p="http://schemas.openxmlformats.org/presentationml/2006/main">
-  <p:tag name="NUM" val="13"/>
-</p:tagLst>
-</file>
-
-<file path=ppt/tags/tag366.xml><?xml version="1.0" encoding="utf-8"?>
-<p:tagLst xmlns:a="http://schemas.openxmlformats.org/drawingml/2006/main" xmlns:r="http://schemas.openxmlformats.org/officeDocument/2006/relationships" xmlns:p="http://schemas.openxmlformats.org/presentationml/2006/main">
-  <p:tag name="NUM" val="14"/>
-</p:tagLst>
-</file>
-
-<file path=ppt/tags/tag367.xml><?xml version="1.0" encoding="utf-8"?>
-<p:tagLst xmlns:a="http://schemas.openxmlformats.org/drawingml/2006/main" xmlns:r="http://schemas.openxmlformats.org/officeDocument/2006/relationships" xmlns:p="http://schemas.openxmlformats.org/presentationml/2006/main">
-  <p:tag name="NUM" val="15"/>
-</p:tagLst>
-</file>
-
-<file path=ppt/tags/tag368.xml><?xml version="1.0" encoding="utf-8"?>
-<p:tagLst xmlns:a="http://schemas.openxmlformats.org/drawingml/2006/main" xmlns:r="http://schemas.openxmlformats.org/officeDocument/2006/relationships" xmlns:p="http://schemas.openxmlformats.org/presentationml/2006/main">
-  <p:tag name="NUM" val="16"/>
-</p:tagLst>
-</file>
-
-<file path=ppt/tags/tag369.xml><?xml version="1.0" encoding="utf-8"?>
-<p:tagLst xmlns:a="http://schemas.openxmlformats.org/drawingml/2006/main" xmlns:r="http://schemas.openxmlformats.org/officeDocument/2006/relationships" xmlns:p="http://schemas.openxmlformats.org/presentationml/2006/main">
-  <p:tag name="NUM" val="17"/>
-</p:tagLst>
-</file>
-
-<file path=ppt/tags/tag37.xml><?xml version="1.0" encoding="utf-8"?>
-<p:tagLst xmlns:a="http://schemas.openxmlformats.org/drawingml/2006/main" xmlns:r="http://schemas.openxmlformats.org/officeDocument/2006/relationships" xmlns:p="http://schemas.openxmlformats.org/presentationml/2006/main">
-  <p:tag name="NUM" val="10"/>
-</p:tagLst>
-</file>
-
-<file path=ppt/tags/tag370.xml><?xml version="1.0" encoding="utf-8"?>
-<p:tagLst xmlns:a="http://schemas.openxmlformats.org/drawingml/2006/main" xmlns:r="http://schemas.openxmlformats.org/officeDocument/2006/relationships" xmlns:p="http://schemas.openxmlformats.org/presentationml/2006/main">
-  <p:tag name="NUM" val="18"/>
-</p:tagLst>
-</file>
-
-<file path=ppt/tags/tag371.xml><?xml version="1.0" encoding="utf-8"?>
-<p:tagLst xmlns:a="http://schemas.openxmlformats.org/drawingml/2006/main" xmlns:r="http://schemas.openxmlformats.org/officeDocument/2006/relationships" xmlns:p="http://schemas.openxmlformats.org/presentationml/2006/main">
-  <p:tag name="NUM" val="19"/>
-</p:tagLst>
-</file>
-
-<file path=ppt/tags/tag372.xml><?xml version="1.0" encoding="utf-8"?>
-<p:tagLst xmlns:a="http://schemas.openxmlformats.org/drawingml/2006/main" xmlns:r="http://schemas.openxmlformats.org/officeDocument/2006/relationships" xmlns:p="http://schemas.openxmlformats.org/presentationml/2006/main">
-  <p:tag name="NUM" val="20"/>
-</p:tagLst>
-</file>
-
-<file path=ppt/tags/tag373.xml><?xml version="1.0" encoding="utf-8"?>
-<p:tagLst xmlns:a="http://schemas.openxmlformats.org/drawingml/2006/main" xmlns:r="http://schemas.openxmlformats.org/officeDocument/2006/relationships" xmlns:p="http://schemas.openxmlformats.org/presentationml/2006/main">
-  <p:tag name="NUM" val="21"/>
-</p:tagLst>
-</file>
-
-<file path=ppt/tags/tag374.xml><?xml version="1.0" encoding="utf-8"?>
-<p:tagLst xmlns:a="http://schemas.openxmlformats.org/drawingml/2006/main" xmlns:r="http://schemas.openxmlformats.org/officeDocument/2006/relationships" xmlns:p="http://schemas.openxmlformats.org/presentationml/2006/main">
-  <p:tag name="NUM" val="22"/>
-</p:tagLst>
-</file>
-
-<file path=ppt/tags/tag375.xml><?xml version="1.0" encoding="utf-8"?>
-<p:tagLst xmlns:a="http://schemas.openxmlformats.org/drawingml/2006/main" xmlns:r="http://schemas.openxmlformats.org/officeDocument/2006/relationships" xmlns:p="http://schemas.openxmlformats.org/presentationml/2006/main">
-  <p:tag name="NUM" val="23"/>
-</p:tagLst>
-</file>
-
-<file path=ppt/tags/tag376.xml><?xml version="1.0" encoding="utf-8"?>
-<p:tagLst xmlns:a="http://schemas.openxmlformats.org/drawingml/2006/main" xmlns:r="http://schemas.openxmlformats.org/officeDocument/2006/relationships" xmlns:p="http://schemas.openxmlformats.org/presentationml/2006/main">
-  <p:tag name="NUM" val="24"/>
-</p:tagLst>
-</file>
-
-<file path=ppt/tags/tag377.xml><?xml version="1.0" encoding="utf-8"?>
-<p:tagLst xmlns:a="http://schemas.openxmlformats.org/drawingml/2006/main" xmlns:r="http://schemas.openxmlformats.org/officeDocument/2006/relationships" xmlns:p="http://schemas.openxmlformats.org/presentationml/2006/main">
-  <p:tag name="NUM" val="25"/>
-</p:tagLst>
-</file>
-
-<file path=ppt/tags/tag378.xml><?xml version="1.0" encoding="utf-8"?>
-<p:tagLst xmlns:a="http://schemas.openxmlformats.org/drawingml/2006/main" xmlns:r="http://schemas.openxmlformats.org/officeDocument/2006/relationships" xmlns:p="http://schemas.openxmlformats.org/presentationml/2006/main">
-  <p:tag name="NUM" val="26"/>
-</p:tagLst>
-</file>
-
-<file path=ppt/tags/tag379.xml><?xml version="1.0" encoding="utf-8"?>
-<p:tagLst xmlns:a="http://schemas.openxmlformats.org/drawingml/2006/main" xmlns:r="http://schemas.openxmlformats.org/officeDocument/2006/relationships" xmlns:p="http://schemas.openxmlformats.org/presentationml/2006/main">
-  <p:tag name="NUM" val="27"/>
-</p:tagLst>
-</file>
-
-<file path=ppt/tags/tag38.xml><?xml version="1.0" encoding="utf-8"?>
-<p:tagLst xmlns:a="http://schemas.openxmlformats.org/drawingml/2006/main" xmlns:r="http://schemas.openxmlformats.org/officeDocument/2006/relationships" xmlns:p="http://schemas.openxmlformats.org/presentationml/2006/main">
-  <p:tag name="NUM" val="11"/>
-</p:tagLst>
-</file>
-
-<file path=ppt/tags/tag380.xml><?xml version="1.0" encoding="utf-8"?>
-<p:tagLst xmlns:a="http://schemas.openxmlformats.org/drawingml/2006/main" xmlns:r="http://schemas.openxmlformats.org/officeDocument/2006/relationships" xmlns:p="http://schemas.openxmlformats.org/presentationml/2006/main">
-  <p:tag name="NUM" val="28"/>
-</p:tagLst>
-</file>
-
-<file path=ppt/tags/tag381.xml><?xml version="1.0" encoding="utf-8"?>
-<p:tagLst xmlns:a="http://schemas.openxmlformats.org/drawingml/2006/main" xmlns:r="http://schemas.openxmlformats.org/officeDocument/2006/relationships" xmlns:p="http://schemas.openxmlformats.org/presentationml/2006/main">
-  <p:tag name="NUM" val="29"/>
-</p:tagLst>
-</file>
-
-<file path=ppt/tags/tag382.xml><?xml version="1.0" encoding="utf-8"?>
-<p:tagLst xmlns:a="http://schemas.openxmlformats.org/drawingml/2006/main" xmlns:r="http://schemas.openxmlformats.org/officeDocument/2006/relationships" xmlns:p="http://schemas.openxmlformats.org/presentationml/2006/main">
-  <p:tag name="NUM" val="30"/>
-</p:tagLst>
-</file>
-
-<file path=ppt/tags/tag383.xml><?xml version="1.0" encoding="utf-8"?>
-<p:tagLst xmlns:a="http://schemas.openxmlformats.org/drawingml/2006/main" xmlns:r="http://schemas.openxmlformats.org/officeDocument/2006/relationships" xmlns:p="http://schemas.openxmlformats.org/presentationml/2006/main">
-  <p:tag name="NUM" val="31"/>
-</p:tagLst>
-</file>
-
-<file path=ppt/tags/tag384.xml><?xml version="1.0" encoding="utf-8"?>
-<p:tagLst xmlns:a="http://schemas.openxmlformats.org/drawingml/2006/main" xmlns:r="http://schemas.openxmlformats.org/officeDocument/2006/relationships" xmlns:p="http://schemas.openxmlformats.org/presentationml/2006/main">
-  <p:tag name="NUM" val="32"/>
-</p:tagLst>
-</file>
-
-<file path=ppt/tags/tag39.xml><?xml version="1.0" encoding="utf-8"?>
-<p:tagLst xmlns:a="http://schemas.openxmlformats.org/drawingml/2006/main" xmlns:r="http://schemas.openxmlformats.org/officeDocument/2006/relationships" xmlns:p="http://schemas.openxmlformats.org/presentationml/2006/main">
-  <p:tag name="NUM" val="12"/>
-</p:tagLst>
-</file>
-
-<file path=ppt/tags/tag4.xml><?xml version="1.0" encoding="utf-8"?>
-<p:tagLst xmlns:a="http://schemas.openxmlformats.org/drawingml/2006/main" xmlns:r="http://schemas.openxmlformats.org/officeDocument/2006/relationships" xmlns:p="http://schemas.openxmlformats.org/presentationml/2006/main">
-  <p:tag name="NUM" val="4"/>
-</p:tagLst>
-</file>
-
-<file path=ppt/tags/tag40.xml><?xml version="1.0" encoding="utf-8"?>
-<p:tagLst xmlns:a="http://schemas.openxmlformats.org/drawingml/2006/main" xmlns:r="http://schemas.openxmlformats.org/officeDocument/2006/relationships" xmlns:p="http://schemas.openxmlformats.org/presentationml/2006/main">
-  <p:tag name="NUM" val="13"/>
-</p:tagLst>
-</file>
-
-<file path=ppt/tags/tag41.xml><?xml version="1.0" encoding="utf-8"?>
-<p:tagLst xmlns:a="http://schemas.openxmlformats.org/drawingml/2006/main" xmlns:r="http://schemas.openxmlformats.org/officeDocument/2006/relationships" xmlns:p="http://schemas.openxmlformats.org/presentationml/2006/main">
-  <p:tag name="NUM" val="14"/>
-</p:tagLst>
-</file>
-
-<file path=ppt/tags/tag42.xml><?xml version="1.0" encoding="utf-8"?>
-<p:tagLst xmlns:a="http://schemas.openxmlformats.org/drawingml/2006/main" xmlns:r="http://schemas.openxmlformats.org/officeDocument/2006/relationships" xmlns:p="http://schemas.openxmlformats.org/presentationml/2006/main">
-  <p:tag name="NUM" val="15"/>
-</p:tagLst>
-</file>
-
-<file path=ppt/tags/tag43.xml><?xml version="1.0" encoding="utf-8"?>
-<p:tagLst xmlns:a="http://schemas.openxmlformats.org/drawingml/2006/main" xmlns:r="http://schemas.openxmlformats.org/officeDocument/2006/relationships" xmlns:p="http://schemas.openxmlformats.org/presentationml/2006/main">
-  <p:tag name="NUM" val="16"/>
-</p:tagLst>
-</file>
-
-<file path=ppt/tags/tag44.xml><?xml version="1.0" encoding="utf-8"?>
-<p:tagLst xmlns:a="http://schemas.openxmlformats.org/drawingml/2006/main" xmlns:r="http://schemas.openxmlformats.org/officeDocument/2006/relationships" xmlns:p="http://schemas.openxmlformats.org/presentationml/2006/main">
-  <p:tag name="NUM" val="17"/>
-</p:tagLst>
-</file>
-
-<file path=ppt/tags/tag45.xml><?xml version="1.0" encoding="utf-8"?>
-<p:tagLst xmlns:a="http://schemas.openxmlformats.org/drawingml/2006/main" xmlns:r="http://schemas.openxmlformats.org/officeDocument/2006/relationships" xmlns:p="http://schemas.openxmlformats.org/presentationml/2006/main">
-  <p:tag name="NUM" val="18"/>
-</p:tagLst>
-</file>
-
-<file path=ppt/tags/tag46.xml><?xml version="1.0" encoding="utf-8"?>
-<p:tagLst xmlns:a="http://schemas.openxmlformats.org/drawingml/2006/main" xmlns:r="http://schemas.openxmlformats.org/officeDocument/2006/relationships" xmlns:p="http://schemas.openxmlformats.org/presentationml/2006/main">
-  <p:tag name="NUM" val="19"/>
-</p:tagLst>
-</file>
-
-<file path=ppt/tags/tag47.xml><?xml version="1.0" encoding="utf-8"?>
-<p:tagLst xmlns:a="http://schemas.openxmlformats.org/drawingml/2006/main" xmlns:r="http://schemas.openxmlformats.org/officeDocument/2006/relationships" xmlns:p="http://schemas.openxmlformats.org/presentationml/2006/main">
-  <p:tag name="NUM" val="20"/>
-</p:tagLst>
-</file>
-
-<file path=ppt/tags/tag48.xml><?xml version="1.0" encoding="utf-8"?>
-<p:tagLst xmlns:a="http://schemas.openxmlformats.org/drawingml/2006/main" xmlns:r="http://schemas.openxmlformats.org/officeDocument/2006/relationships" xmlns:p="http://schemas.openxmlformats.org/presentationml/2006/main">
-  <p:tag name="NUM" val="21"/>
-</p:tagLst>
-</file>
-
-<file path=ppt/tags/tag49.xml><?xml version="1.0" encoding="utf-8"?>
-<p:tagLst xmlns:a="http://schemas.openxmlformats.org/drawingml/2006/main" xmlns:r="http://schemas.openxmlformats.org/officeDocument/2006/relationships" xmlns:p="http://schemas.openxmlformats.org/presentationml/2006/main">
-  <p:tag name="NUM" val="22"/>
-</p:tagLst>
-</file>
-
-<file path=ppt/tags/tag5.xml><?xml version="1.0" encoding="utf-8"?>
-<p:tagLst xmlns:a="http://schemas.openxmlformats.org/drawingml/2006/main" xmlns:r="http://schemas.openxmlformats.org/officeDocument/2006/relationships" xmlns:p="http://schemas.openxmlformats.org/presentationml/2006/main">
-  <p:tag name="NUM" val="5"/>
-</p:tagLst>
-</file>
-
-<file path=ppt/tags/tag50.xml><?xml version="1.0" encoding="utf-8"?>
-<p:tagLst xmlns:a="http://schemas.openxmlformats.org/drawingml/2006/main" xmlns:r="http://schemas.openxmlformats.org/officeDocument/2006/relationships" xmlns:p="http://schemas.openxmlformats.org/presentationml/2006/main">
-  <p:tag name="NUM" val="23"/>
-</p:tagLst>
-</file>
-
-<file path=ppt/tags/tag51.xml><?xml version="1.0" encoding="utf-8"?>
-<p:tagLst xmlns:a="http://schemas.openxmlformats.org/drawingml/2006/main" xmlns:r="http://schemas.openxmlformats.org/officeDocument/2006/relationships" xmlns:p="http://schemas.openxmlformats.org/presentationml/2006/main">
-  <p:tag name="NUM" val="24"/>
-</p:tagLst>
-</file>
-
-<file path=ppt/tags/tag52.xml><?xml version="1.0" encoding="utf-8"?>
-<p:tagLst xmlns:a="http://schemas.openxmlformats.org/drawingml/2006/main" xmlns:r="http://schemas.openxmlformats.org/officeDocument/2006/relationships" xmlns:p="http://schemas.openxmlformats.org/presentationml/2006/main">
-  <p:tag name="NUM" val="25"/>
-</p:tagLst>
-</file>
-
-<file path=ppt/tags/tag53.xml><?xml version="1.0" encoding="utf-8"?>
-<p:tagLst xmlns:a="http://schemas.openxmlformats.org/drawingml/2006/main" xmlns:r="http://schemas.openxmlformats.org/officeDocument/2006/relationships" xmlns:p="http://schemas.openxmlformats.org/presentationml/2006/main">
-  <p:tag name="NUM" val="26"/>
-</p:tagLst>
-</file>
-
-<file path=ppt/tags/tag54.xml><?xml version="1.0" encoding="utf-8"?>
-<p:tagLst xmlns:a="http://schemas.openxmlformats.org/drawingml/2006/main" xmlns:r="http://schemas.openxmlformats.org/officeDocument/2006/relationships" xmlns:p="http://schemas.openxmlformats.org/presentationml/2006/main">
-  <p:tag name="NUM" val="28"/>
-</p:tagLst>
-</file>
-
-<file path=ppt/tags/tag55.xml><?xml version="1.0" encoding="utf-8"?>
-<p:tagLst xmlns:a="http://schemas.openxmlformats.org/drawingml/2006/main" xmlns:r="http://schemas.openxmlformats.org/officeDocument/2006/relationships" xmlns:p="http://schemas.openxmlformats.org/presentationml/2006/main">
-  <p:tag name="NUM" val="29"/>
-</p:tagLst>
-</file>
-
-<file path=ppt/tags/tag56.xml><?xml version="1.0" encoding="utf-8"?>
-<p:tagLst xmlns:a="http://schemas.openxmlformats.org/drawingml/2006/main" xmlns:r="http://schemas.openxmlformats.org/officeDocument/2006/relationships" xmlns:p="http://schemas.openxmlformats.org/presentationml/2006/main">
-  <p:tag name="NUM" val="30"/>
-</p:tagLst>
-</file>
-
-<file path=ppt/tags/tag57.xml><?xml version="1.0" encoding="utf-8"?>
-<p:tagLst xmlns:a="http://schemas.openxmlformats.org/drawingml/2006/main" xmlns:r="http://schemas.openxmlformats.org/officeDocument/2006/relationships" xmlns:p="http://schemas.openxmlformats.org/presentationml/2006/main">
-  <p:tag name="NUM" val="31"/>
-</p:tagLst>
-</file>
-
-<file path=ppt/tags/tag58.xml><?xml version="1.0" encoding="utf-8"?>
-<p:tagLst xmlns:a="http://schemas.openxmlformats.org/drawingml/2006/main" xmlns:r="http://schemas.openxmlformats.org/officeDocument/2006/relationships" xmlns:p="http://schemas.openxmlformats.org/presentationml/2006/main">
-  <p:tag name="NUM" val="32"/>
-</p:tagLst>
-</file>
-
-<file path=ppt/tags/tag59.xml><?xml version="1.0" encoding="utf-8"?>
-<p:tagLst xmlns:a="http://schemas.openxmlformats.org/drawingml/2006/main" xmlns:r="http://schemas.openxmlformats.org/officeDocument/2006/relationships" xmlns:p="http://schemas.openxmlformats.org/presentationml/2006/main">
-  <p:tag name="NUM" val="1"/>
-</p:tagLst>
-</file>
-
-<file path=ppt/tags/tag6.xml><?xml version="1.0" encoding="utf-8"?>
-<p:tagLst xmlns:a="http://schemas.openxmlformats.org/drawingml/2006/main" xmlns:r="http://schemas.openxmlformats.org/officeDocument/2006/relationships" xmlns:p="http://schemas.openxmlformats.org/presentationml/2006/main">
-  <p:tag name="NUM" val="6"/>
-</p:tagLst>
-</file>
-
-<file path=ppt/tags/tag60.xml><?xml version="1.0" encoding="utf-8"?>
-<p:tagLst xmlns:a="http://schemas.openxmlformats.org/drawingml/2006/main" xmlns:r="http://schemas.openxmlformats.org/officeDocument/2006/relationships" xmlns:p="http://schemas.openxmlformats.org/presentationml/2006/main">
-  <p:tag name="NUM" val="2"/>
-</p:tagLst>
-</file>
-
-<file path=ppt/tags/tag61.xml><?xml version="1.0" encoding="utf-8"?>
-<p:tagLst xmlns:a="http://schemas.openxmlformats.org/drawingml/2006/main" xmlns:r="http://schemas.openxmlformats.org/officeDocument/2006/relationships" xmlns:p="http://schemas.openxmlformats.org/presentationml/2006/main">
-  <p:tag name="NUM" val="3"/>
-</p:tagLst>
-</file>
-
-<file path=ppt/tags/tag62.xml><?xml version="1.0" encoding="utf-8"?>
-<p:tagLst xmlns:a="http://schemas.openxmlformats.org/drawingml/2006/main" xmlns:r="http://schemas.openxmlformats.org/officeDocument/2006/relationships" xmlns:p="http://schemas.openxmlformats.org/presentationml/2006/main">
-  <p:tag name="NUM" val="4"/>
-</p:tagLst>
-</file>
-
-<file path=ppt/tags/tag63.xml><?xml version="1.0" encoding="utf-8"?>
-<p:tagLst xmlns:a="http://schemas.openxmlformats.org/drawingml/2006/main" xmlns:r="http://schemas.openxmlformats.org/officeDocument/2006/relationships" xmlns:p="http://schemas.openxmlformats.org/presentationml/2006/main">
-  <p:tag name="NUM" val="5"/>
-</p:tagLst>
-</file>
-
-<file path=ppt/tags/tag64.xml><?xml version="1.0" encoding="utf-8"?>
-<p:tagLst xmlns:a="http://schemas.openxmlformats.org/drawingml/2006/main" xmlns:r="http://schemas.openxmlformats.org/officeDocument/2006/relationships" xmlns:p="http://schemas.openxmlformats.org/presentationml/2006/main">
-  <p:tag name="NUM" val="6"/>
-</p:tagLst>
-</file>
-
-<file path=ppt/tags/tag65.xml><?xml version="1.0" encoding="utf-8"?>
-<p:tagLst xmlns:a="http://schemas.openxmlformats.org/drawingml/2006/main" xmlns:r="http://schemas.openxmlformats.org/officeDocument/2006/relationships" xmlns:p="http://schemas.openxmlformats.org/presentationml/2006/main">
-  <p:tag name="NUM" val="7"/>
-</p:tagLst>
-</file>
-
-<file path=ppt/tags/tag66.xml><?xml version="1.0" encoding="utf-8"?>
-<p:tagLst xmlns:a="http://schemas.openxmlformats.org/drawingml/2006/main" xmlns:r="http://schemas.openxmlformats.org/officeDocument/2006/relationships" xmlns:p="http://schemas.openxmlformats.org/presentationml/2006/main">
-  <p:tag name="NUM" val="8"/>
-</p:tagLst>
-</file>
-
-<file path=ppt/tags/tag67.xml><?xml version="1.0" encoding="utf-8"?>
-<p:tagLst xmlns:a="http://schemas.openxmlformats.org/drawingml/2006/main" xmlns:r="http://schemas.openxmlformats.org/officeDocument/2006/relationships" xmlns:p="http://schemas.openxmlformats.org/presentationml/2006/main">
-  <p:tag name="NUM" val="9"/>
-</p:tagLst>
-</file>
-
-<file path=ppt/tags/tag68.xml><?xml version="1.0" encoding="utf-8"?>
-<p:tagLst xmlns:a="http://schemas.openxmlformats.org/drawingml/2006/main" xmlns:r="http://schemas.openxmlformats.org/officeDocument/2006/relationships" xmlns:p="http://schemas.openxmlformats.org/presentationml/2006/main">
-  <p:tag name="NUM" val="10"/>
-</p:tagLst>
-</file>
-
-<file path=ppt/tags/tag69.xml><?xml version="1.0" encoding="utf-8"?>
-<p:tagLst xmlns:a="http://schemas.openxmlformats.org/drawingml/2006/main" xmlns:r="http://schemas.openxmlformats.org/officeDocument/2006/relationships" xmlns:p="http://schemas.openxmlformats.org/presentationml/2006/main">
-  <p:tag name="NUM" val="11"/>
-</p:tagLst>
-</file>
-
-<file path=ppt/tags/tag7.xml><?xml version="1.0" encoding="utf-8"?>
-<p:tagLst xmlns:a="http://schemas.openxmlformats.org/drawingml/2006/main" xmlns:r="http://schemas.openxmlformats.org/officeDocument/2006/relationships" xmlns:p="http://schemas.openxmlformats.org/presentationml/2006/main">
-  <p:tag name="NUM" val="7"/>
-</p:tagLst>
-</file>
-
-<file path=ppt/tags/tag70.xml><?xml version="1.0" encoding="utf-8"?>
-<p:tagLst xmlns:a="http://schemas.openxmlformats.org/drawingml/2006/main" xmlns:r="http://schemas.openxmlformats.org/officeDocument/2006/relationships" xmlns:p="http://schemas.openxmlformats.org/presentationml/2006/main">
-  <p:tag name="NUM" val="12"/>
-</p:tagLst>
-</file>
-
-<file path=ppt/tags/tag71.xml><?xml version="1.0" encoding="utf-8"?>
-<p:tagLst xmlns:a="http://schemas.openxmlformats.org/drawingml/2006/main" xmlns:r="http://schemas.openxmlformats.org/officeDocument/2006/relationships" xmlns:p="http://schemas.openxmlformats.org/presentationml/2006/main">
-  <p:tag name="NUM" val="13"/>
-</p:tagLst>
-</file>
-
-<file path=ppt/tags/tag72.xml><?xml version="1.0" encoding="utf-8"?>
-<p:tagLst xmlns:a="http://schemas.openxmlformats.org/drawingml/2006/main" xmlns:r="http://schemas.openxmlformats.org/officeDocument/2006/relationships" xmlns:p="http://schemas.openxmlformats.org/presentationml/2006/main">
-  <p:tag name="NUM" val="14"/>
-</p:tagLst>
-</file>
-
-<file path=ppt/tags/tag73.xml><?xml version="1.0" encoding="utf-8"?>
-<p:tagLst xmlns:a="http://schemas.openxmlformats.org/drawingml/2006/main" xmlns:r="http://schemas.openxmlformats.org/officeDocument/2006/relationships" xmlns:p="http://schemas.openxmlformats.org/presentationml/2006/main">
-  <p:tag name="NUM" val="15"/>
-</p:tagLst>
-</file>
-
-<file path=ppt/tags/tag74.xml><?xml version="1.0" encoding="utf-8"?>
-<p:tagLst xmlns:a="http://schemas.openxmlformats.org/drawingml/2006/main" xmlns:r="http://schemas.openxmlformats.org/officeDocument/2006/relationships" xmlns:p="http://schemas.openxmlformats.org/presentationml/2006/main">
-  <p:tag name="NUM" val="16"/>
-</p:tagLst>
-</file>
-
-<file path=ppt/tags/tag75.xml><?xml version="1.0" encoding="utf-8"?>
-<p:tagLst xmlns:a="http://schemas.openxmlformats.org/drawingml/2006/main" xmlns:r="http://schemas.openxmlformats.org/officeDocument/2006/relationships" xmlns:p="http://schemas.openxmlformats.org/presentationml/2006/main">
-  <p:tag name="NUM" val="17"/>
-</p:tagLst>
-</file>
-
-<file path=ppt/tags/tag76.xml><?xml version="1.0" encoding="utf-8"?>
-<p:tagLst xmlns:a="http://schemas.openxmlformats.org/drawingml/2006/main" xmlns:r="http://schemas.openxmlformats.org/officeDocument/2006/relationships" xmlns:p="http://schemas.openxmlformats.org/presentationml/2006/main">
-  <p:tag name="NUM" val="18"/>
-</p:tagLst>
-</file>
-
-<file path=ppt/tags/tag77.xml><?xml version="1.0" encoding="utf-8"?>
-<p:tagLst xmlns:a="http://schemas.openxmlformats.org/drawingml/2006/main" xmlns:r="http://schemas.openxmlformats.org/officeDocument/2006/relationships" xmlns:p="http://schemas.openxmlformats.org/presentationml/2006/main">
-  <p:tag name="NUM" val="19"/>
-</p:tagLst>
-</file>
-
-<file path=ppt/tags/tag78.xml><?xml version="1.0" encoding="utf-8"?>
-<p:tagLst xmlns:a="http://schemas.openxmlformats.org/drawingml/2006/main" xmlns:r="http://schemas.openxmlformats.org/officeDocument/2006/relationships" xmlns:p="http://schemas.openxmlformats.org/presentationml/2006/main">
-  <p:tag name="NUM" val="20"/>
-</p:tagLst>
-</file>
-
-<file path=ppt/tags/tag79.xml><?xml version="1.0" encoding="utf-8"?>
-<p:tagLst xmlns:a="http://schemas.openxmlformats.org/drawingml/2006/main" xmlns:r="http://schemas.openxmlformats.org/officeDocument/2006/relationships" xmlns:p="http://schemas.openxmlformats.org/presentationml/2006/main">
-  <p:tag name="NUM" val="21"/>
-</p:tagLst>
-</file>
-
-<file path=ppt/tags/tag8.xml><?xml version="1.0" encoding="utf-8"?>
-<p:tagLst xmlns:a="http://schemas.openxmlformats.org/drawingml/2006/main" xmlns:r="http://schemas.openxmlformats.org/officeDocument/2006/relationships" xmlns:p="http://schemas.openxmlformats.org/presentationml/2006/main">
-  <p:tag name="NUM" val="8"/>
-</p:tagLst>
-</file>
-
-<file path=ppt/tags/tag80.xml><?xml version="1.0" encoding="utf-8"?>
-<p:tagLst xmlns:a="http://schemas.openxmlformats.org/drawingml/2006/main" xmlns:r="http://schemas.openxmlformats.org/officeDocument/2006/relationships" xmlns:p="http://schemas.openxmlformats.org/presentationml/2006/main">
-  <p:tag name="NUM" val="22"/>
-</p:tagLst>
-</file>
-
-<file path=ppt/tags/tag81.xml><?xml version="1.0" encoding="utf-8"?>
-<p:tagLst xmlns:a="http://schemas.openxmlformats.org/drawingml/2006/main" xmlns:r="http://schemas.openxmlformats.org/officeDocument/2006/relationships" xmlns:p="http://schemas.openxmlformats.org/presentationml/2006/main">
-  <p:tag name="NUM" val="23"/>
-</p:tagLst>
-</file>
-
-<file path=ppt/tags/tag82.xml><?xml version="1.0" encoding="utf-8"?>
-<p:tagLst xmlns:a="http://schemas.openxmlformats.org/drawingml/2006/main" xmlns:r="http://schemas.openxmlformats.org/officeDocument/2006/relationships" xmlns:p="http://schemas.openxmlformats.org/presentationml/2006/main">
-  <p:tag name="NUM" val="24"/>
-</p:tagLst>
-</file>
-
-<file path=ppt/tags/tag83.xml><?xml version="1.0" encoding="utf-8"?>
-<p:tagLst xmlns:a="http://schemas.openxmlformats.org/drawingml/2006/main" xmlns:r="http://schemas.openxmlformats.org/officeDocument/2006/relationships" xmlns:p="http://schemas.openxmlformats.org/presentationml/2006/main">
-  <p:tag name="NUM" val="25"/>
-</p:tagLst>
-</file>
-
-<file path=ppt/tags/tag84.xml><?xml version="1.0" encoding="utf-8"?>
-<p:tagLst xmlns:a="http://schemas.openxmlformats.org/drawingml/2006/main" xmlns:r="http://schemas.openxmlformats.org/officeDocument/2006/relationships" xmlns:p="http://schemas.openxmlformats.org/presentationml/2006/main">
-  <p:tag name="NUM" val="26"/>
-</p:tagLst>
-</file>
-
-<file path=ppt/tags/tag85.xml><?xml version="1.0" encoding="utf-8"?>
-<p:tagLst xmlns:a="http://schemas.openxmlformats.org/drawingml/2006/main" xmlns:r="http://schemas.openxmlformats.org/officeDocument/2006/relationships" xmlns:p="http://schemas.openxmlformats.org/presentationml/2006/main">
-  <p:tag name="NUM" val="29"/>
-</p:tagLst>
-</file>
-
-<file path=ppt/tags/tag86.xml><?xml version="1.0" encoding="utf-8"?>
-<p:tagLst xmlns:a="http://schemas.openxmlformats.org/drawingml/2006/main" xmlns:r="http://schemas.openxmlformats.org/officeDocument/2006/relationships" xmlns:p="http://schemas.openxmlformats.org/presentationml/2006/main">
-  <p:tag name="NUM" val="30"/>
-</p:tagLst>
-</file>
-
-<file path=ppt/tags/tag87.xml><?xml version="1.0" encoding="utf-8"?>
-<p:tagLst xmlns:a="http://schemas.openxmlformats.org/drawingml/2006/main" xmlns:r="http://schemas.openxmlformats.org/officeDocument/2006/relationships" xmlns:p="http://schemas.openxmlformats.org/presentationml/2006/main">
-  <p:tag name="NUM" val="31"/>
-</p:tagLst>
-</file>
-
-<file path=ppt/tags/tag88.xml><?xml version="1.0" encoding="utf-8"?>
-<p:tagLst xmlns:a="http://schemas.openxmlformats.org/drawingml/2006/main" xmlns:r="http://schemas.openxmlformats.org/officeDocument/2006/relationships" xmlns:p="http://schemas.openxmlformats.org/presentationml/2006/main">
-  <p:tag name="NUM" val="32"/>
-</p:tagLst>
-</file>
-
-<file path=ppt/tags/tag89.xml><?xml version="1.0" encoding="utf-8"?>
-<p:tagLst xmlns:a="http://schemas.openxmlformats.org/drawingml/2006/main" xmlns:r="http://schemas.openxmlformats.org/officeDocument/2006/relationships" xmlns:p="http://schemas.openxmlformats.org/presentationml/2006/main">
-  <p:tag name="NUM" val="27"/>
-</p:tagLst>
-</file>
-
-<file path=ppt/tags/tag9.xml><?xml version="1.0" encoding="utf-8"?>
-<p:tagLst xmlns:a="http://schemas.openxmlformats.org/drawingml/2006/main" xmlns:r="http://schemas.openxmlformats.org/officeDocument/2006/relationships" xmlns:p="http://schemas.openxmlformats.org/presentationml/2006/main">
-  <p:tag name="NUM" val="9"/>
-</p:tagLst>
-</file>
-
-<file path=ppt/tags/tag90.xml><?xml version="1.0" encoding="utf-8"?>
-<p:tagLst xmlns:a="http://schemas.openxmlformats.org/drawingml/2006/main" xmlns:r="http://schemas.openxmlformats.org/officeDocument/2006/relationships" xmlns:p="http://schemas.openxmlformats.org/presentationml/2006/main">
-  <p:tag name="NUM" val="1"/>
-</p:tagLst>
-</file>
-
-<file path=ppt/tags/tag91.xml><?xml version="1.0" encoding="utf-8"?>
-<p:tagLst xmlns:a="http://schemas.openxmlformats.org/drawingml/2006/main" xmlns:r="http://schemas.openxmlformats.org/officeDocument/2006/relationships" xmlns:p="http://schemas.openxmlformats.org/presentationml/2006/main">
-  <p:tag name="NUM" val="2"/>
-</p:tagLst>
-</file>
-
-<file path=ppt/tags/tag92.xml><?xml version="1.0" encoding="utf-8"?>
-<p:tagLst xmlns:a="http://schemas.openxmlformats.org/drawingml/2006/main" xmlns:r="http://schemas.openxmlformats.org/officeDocument/2006/relationships" xmlns:p="http://schemas.openxmlformats.org/presentationml/2006/main">
-  <p:tag name="NUM" val="3"/>
-</p:tagLst>
-</file>
-
-<file path=ppt/tags/tag93.xml><?xml version="1.0" encoding="utf-8"?>
-<p:tagLst xmlns:a="http://schemas.openxmlformats.org/drawingml/2006/main" xmlns:r="http://schemas.openxmlformats.org/officeDocument/2006/relationships" xmlns:p="http://schemas.openxmlformats.org/presentationml/2006/main">
-  <p:tag name="NUM" val="4"/>
-</p:tagLst>
-</file>
-
-<file path=ppt/tags/tag94.xml><?xml version="1.0" encoding="utf-8"?>
-<p:tagLst xmlns:a="http://schemas.openxmlformats.org/drawingml/2006/main" xmlns:r="http://schemas.openxmlformats.org/officeDocument/2006/relationships" xmlns:p="http://schemas.openxmlformats.org/presentationml/2006/main">
-  <p:tag name="NUM" val="5"/>
-</p:tagLst>
-</file>
-
-<file path=ppt/tags/tag95.xml><?xml version="1.0" encoding="utf-8"?>
-<p:tagLst xmlns:a="http://schemas.openxmlformats.org/drawingml/2006/main" xmlns:r="http://schemas.openxmlformats.org/officeDocument/2006/relationships" xmlns:p="http://schemas.openxmlformats.org/presentationml/2006/main">
-  <p:tag name="NUM" val="6"/>
-</p:tagLst>
-</file>
-
-<file path=ppt/tags/tag96.xml><?xml version="1.0" encoding="utf-8"?>
-<p:tagLst xmlns:a="http://schemas.openxmlformats.org/drawingml/2006/main" xmlns:r="http://schemas.openxmlformats.org/officeDocument/2006/relationships" xmlns:p="http://schemas.openxmlformats.org/presentationml/2006/main">
-  <p:tag name="NUM" val="7"/>
-</p:tagLst>
-</file>
-
-<file path=ppt/tags/tag97.xml><?xml version="1.0" encoding="utf-8"?>
-<p:tagLst xmlns:a="http://schemas.openxmlformats.org/drawingml/2006/main" xmlns:r="http://schemas.openxmlformats.org/officeDocument/2006/relationships" xmlns:p="http://schemas.openxmlformats.org/presentationml/2006/main">
-  <p:tag name="NUM" val="8"/>
-</p:tagLst>
-</file>
-
-<file path=ppt/tags/tag98.xml><?xml version="1.0" encoding="utf-8"?>
-<p:tagLst xmlns:a="http://schemas.openxmlformats.org/drawingml/2006/main" xmlns:r="http://schemas.openxmlformats.org/officeDocument/2006/relationships" xmlns:p="http://schemas.openxmlformats.org/presentationml/2006/main">
-  <p:tag name="NUM" val="9"/>
-</p:tagLst>
-</file>
-
-<file path=ppt/tags/tag99.xml><?xml version="1.0" encoding="utf-8"?>
-<p:tagLst xmlns:a="http://schemas.openxmlformats.org/drawingml/2006/main" xmlns:r="http://schemas.openxmlformats.org/officeDocument/2006/relationships" xmlns:p="http://schemas.openxmlformats.org/presentationml/2006/main">
-  <p:tag name="NUM" val="10"/>
 </p:tagLst>
 </file>
 

--- a/Documentation/SchémaModificationMilieudeStage.pptx
+++ b/Documentation/SchémaModificationMilieudeStage.pptx
@@ -3345,7 +3345,7 @@
           </p:nvPr>
         </p:nvPicPr>
         <p:blipFill rotWithShape="1">
-          <a:blip r:embed="rId28"/>
+          <a:blip r:embed="rId27"/>
           <a:srcRect b="74442"/>
           <a:stretch/>
         </p:blipFill>
@@ -3386,7 +3386,7 @@
             <p:nvPr/>
           </p:nvPicPr>
           <p:blipFill rotWithShape="1">
-            <a:blip r:embed="rId29"/>
+            <a:blip r:embed="rId28"/>
             <a:srcRect r="89350"/>
             <a:stretch/>
           </p:blipFill>
@@ -3409,7 +3409,7 @@
             <p:nvPr/>
           </p:nvPicPr>
           <p:blipFill rotWithShape="1">
-            <a:blip r:embed="rId30"/>
+            <a:blip r:embed="rId29"/>
             <a:srcRect t="87715"/>
             <a:stretch/>
           </p:blipFill>
@@ -3432,7 +3432,7 @@
             <p:nvPr/>
           </p:nvPicPr>
           <p:blipFill>
-            <a:blip r:embed="rId31"/>
+            <a:blip r:embed="rId30"/>
             <a:stretch>
               <a:fillRect/>
             </a:stretch>
@@ -3461,7 +3461,7 @@
           </p:nvPr>
         </p:nvPicPr>
         <p:blipFill>
-          <a:blip r:embed="rId32"/>
+          <a:blip r:embed="rId31"/>
           <a:stretch>
             <a:fillRect/>
           </a:stretch>
@@ -3489,7 +3489,7 @@
           </p:nvPr>
         </p:nvPicPr>
         <p:blipFill>
-          <a:blip r:embed="rId33">
+          <a:blip r:embed="rId32">
             <a:duotone>
               <a:schemeClr val="accent3">
                 <a:shade val="45000"/>
@@ -3525,7 +3525,7 @@
           </p:nvPr>
         </p:nvPicPr>
         <p:blipFill>
-          <a:blip r:embed="rId34"/>
+          <a:blip r:embed="rId33"/>
           <a:stretch>
             <a:fillRect/>
           </a:stretch>
@@ -3590,7 +3590,7 @@
           </p:nvPr>
         </p:nvPicPr>
         <p:blipFill rotWithShape="1">
-          <a:blip r:embed="rId35"/>
+          <a:blip r:embed="rId34"/>
           <a:srcRect l="53265" t="60683" r="5958" b="30747"/>
           <a:stretch/>
         </p:blipFill>
@@ -3617,7 +3617,7 @@
           </p:nvPr>
         </p:nvPicPr>
         <p:blipFill>
-          <a:blip r:embed="rId36"/>
+          <a:blip r:embed="rId35"/>
           <a:stretch>
             <a:fillRect/>
           </a:stretch>
@@ -3645,7 +3645,7 @@
           </p:nvPr>
         </p:nvPicPr>
         <p:blipFill>
-          <a:blip r:embed="rId37"/>
+          <a:blip r:embed="rId36"/>
           <a:stretch>
             <a:fillRect/>
           </a:stretch>
@@ -3673,7 +3673,7 @@
           </p:nvPr>
         </p:nvPicPr>
         <p:blipFill>
-          <a:blip r:embed="rId38"/>
+          <a:blip r:embed="rId37"/>
           <a:stretch>
             <a:fillRect/>
           </a:stretch>
@@ -3893,7 +3893,7 @@
           </p:nvPr>
         </p:nvPicPr>
         <p:blipFill rotWithShape="1">
-          <a:blip r:embed="rId39"/>
+          <a:blip r:embed="rId38"/>
           <a:srcRect r="16872"/>
           <a:stretch/>
         </p:blipFill>
@@ -3920,7 +3920,7 @@
           </p:nvPr>
         </p:nvPicPr>
         <p:blipFill>
-          <a:blip r:embed="rId40"/>
+          <a:blip r:embed="rId39"/>
           <a:stretch>
             <a:fillRect/>
           </a:stretch>
@@ -3948,7 +3948,7 @@
           </p:nvPr>
         </p:nvPicPr>
         <p:blipFill>
-          <a:blip r:embed="rId41"/>
+          <a:blip r:embed="rId40"/>
           <a:stretch>
             <a:fillRect/>
           </a:stretch>
@@ -3976,7 +3976,7 @@
           </p:nvPr>
         </p:nvPicPr>
         <p:blipFill>
-          <a:blip r:embed="rId41"/>
+          <a:blip r:embed="rId40"/>
           <a:stretch>
             <a:fillRect/>
           </a:stretch>
@@ -4004,7 +4004,7 @@
           </p:nvPr>
         </p:nvPicPr>
         <p:blipFill>
-          <a:blip r:embed="rId41"/>
+          <a:blip r:embed="rId40"/>
           <a:stretch>
             <a:fillRect/>
           </a:stretch>
@@ -4086,6 +4086,34 @@
           </p:nvPr>
         </p:nvPicPr>
         <p:blipFill>
+          <a:blip r:embed="rId41"/>
+          <a:stretch>
+            <a:fillRect/>
+          </a:stretch>
+        </p:blipFill>
+        <p:spPr>
+          <a:xfrm>
+            <a:off x="4583422" y="1718343"/>
+            <a:ext cx="1790950" cy="438211"/>
+          </a:xfrm>
+          <a:prstGeom prst="rect">
+            <a:avLst/>
+          </a:prstGeom>
+        </p:spPr>
+      </p:pic>
+      <p:pic>
+        <p:nvPicPr>
+          <p:cNvPr id="14" name="Image 13"/>
+          <p:cNvPicPr>
+            <a:picLocks noChangeAspect="1"/>
+          </p:cNvPicPr>
+          <p:nvPr>
+            <p:custDataLst>
+              <p:tags r:id="rId22"/>
+            </p:custDataLst>
+          </p:nvPr>
+        </p:nvPicPr>
+        <p:blipFill>
           <a:blip r:embed="rId42"/>
           <a:stretch>
             <a:fillRect/>
@@ -4093,8 +4121,8 @@
         </p:blipFill>
         <p:spPr>
           <a:xfrm>
-            <a:off x="4679217" y="1718343"/>
-            <a:ext cx="1790950" cy="438211"/>
+            <a:off x="4941191" y="6192617"/>
+            <a:ext cx="1267002" cy="362001"/>
           </a:xfrm>
           <a:prstGeom prst="rect">
             <a:avLst/>
@@ -4103,13 +4131,13 @@
       </p:pic>
       <p:pic>
         <p:nvPicPr>
-          <p:cNvPr id="13" name="Image 12"/>
+          <p:cNvPr id="16" name="Image 15"/>
           <p:cNvPicPr>
             <a:picLocks noChangeAspect="1"/>
           </p:cNvPicPr>
           <p:nvPr>
             <p:custDataLst>
-              <p:tags r:id="rId22"/>
+              <p:tags r:id="rId23"/>
             </p:custDataLst>
           </p:nvPr>
         </p:nvPicPr>
@@ -4121,62 +4149,6 @@
         </p:blipFill>
         <p:spPr>
           <a:xfrm>
-            <a:off x="6760768" y="1748264"/>
-            <a:ext cx="1752845" cy="457264"/>
-          </a:xfrm>
-          <a:prstGeom prst="rect">
-            <a:avLst/>
-          </a:prstGeom>
-        </p:spPr>
-      </p:pic>
-      <p:pic>
-        <p:nvPicPr>
-          <p:cNvPr id="14" name="Image 13"/>
-          <p:cNvPicPr>
-            <a:picLocks noChangeAspect="1"/>
-          </p:cNvPicPr>
-          <p:nvPr>
-            <p:custDataLst>
-              <p:tags r:id="rId23"/>
-            </p:custDataLst>
-          </p:nvPr>
-        </p:nvPicPr>
-        <p:blipFill>
-          <a:blip r:embed="rId44"/>
-          <a:stretch>
-            <a:fillRect/>
-          </a:stretch>
-        </p:blipFill>
-        <p:spPr>
-          <a:xfrm>
-            <a:off x="4941191" y="6192617"/>
-            <a:ext cx="1267002" cy="362001"/>
-          </a:xfrm>
-          <a:prstGeom prst="rect">
-            <a:avLst/>
-          </a:prstGeom>
-        </p:spPr>
-      </p:pic>
-      <p:pic>
-        <p:nvPicPr>
-          <p:cNvPr id="16" name="Image 15"/>
-          <p:cNvPicPr>
-            <a:picLocks noChangeAspect="1"/>
-          </p:cNvPicPr>
-          <p:nvPr>
-            <p:custDataLst>
-              <p:tags r:id="rId24"/>
-            </p:custDataLst>
-          </p:nvPr>
-        </p:nvPicPr>
-        <p:blipFill>
-          <a:blip r:embed="rId45"/>
-          <a:stretch>
-            <a:fillRect/>
-          </a:stretch>
-        </p:blipFill>
-        <p:spPr>
-          <a:xfrm>
             <a:off x="7781016" y="6127836"/>
             <a:ext cx="1371791" cy="428685"/>
           </a:xfrm>
@@ -4191,7 +4163,7 @@
           <p:cNvSpPr txBox="1"/>
           <p:nvPr>
             <p:custDataLst>
-              <p:tags r:id="rId25"/>
+              <p:tags r:id="rId24"/>
             </p:custDataLst>
           </p:nvPr>
         </p:nvSpPr>
@@ -4247,12 +4219,12 @@
           </p:cNvPicPr>
           <p:nvPr>
             <p:custDataLst>
-              <p:tags r:id="rId26"/>
+              <p:tags r:id="rId25"/>
             </p:custDataLst>
           </p:nvPr>
         </p:nvPicPr>
         <p:blipFill>
-          <a:blip r:embed="rId46"/>
+          <a:blip r:embed="rId44"/>
           <a:stretch>
             <a:fillRect/>
           </a:stretch>
@@ -4269,10 +4241,10 @@
       </p:pic>
       <p:sp>
         <p:nvSpPr>
-          <p:cNvPr id="6" name="Forme libre : forme 5">
+          <p:cNvPr id="33" name="Rectangle 32">
             <a:extLst>
               <a:ext uri="{FF2B5EF4-FFF2-40B4-BE49-F238E27FC236}">
-                <a16:creationId xmlns:a16="http://schemas.microsoft.com/office/drawing/2014/main" id="{707DB6FF-15CD-4011-B203-0A9871ECCF51}"/>
+                <a16:creationId xmlns:a16="http://schemas.microsoft.com/office/drawing/2014/main" id="{2F94C269-AF0A-4CB3-8AA6-7ABAFD9919EF}"/>
               </a:ext>
             </a:extLst>
           </p:cNvPr>
@@ -4281,171 +4253,12 @@
         </p:nvSpPr>
         <p:spPr>
           <a:xfrm>
-            <a:off x="6888480" y="1672046"/>
-            <a:ext cx="1036320" cy="731520"/>
-          </a:xfrm>
-          <a:custGeom>
-            <a:avLst/>
-            <a:gdLst>
-              <a:gd name="connsiteX0" fmla="*/ 0 w 1036320"/>
-              <a:gd name="connsiteY0" fmla="*/ 0 h 731520"/>
-              <a:gd name="connsiteX1" fmla="*/ 78377 w 1036320"/>
-              <a:gd name="connsiteY1" fmla="*/ 69668 h 731520"/>
-              <a:gd name="connsiteX2" fmla="*/ 139337 w 1036320"/>
-              <a:gd name="connsiteY2" fmla="*/ 139337 h 731520"/>
-              <a:gd name="connsiteX3" fmla="*/ 217714 w 1036320"/>
-              <a:gd name="connsiteY3" fmla="*/ 209005 h 731520"/>
-              <a:gd name="connsiteX4" fmla="*/ 235131 w 1036320"/>
-              <a:gd name="connsiteY4" fmla="*/ 226423 h 731520"/>
-              <a:gd name="connsiteX5" fmla="*/ 348343 w 1036320"/>
-              <a:gd name="connsiteY5" fmla="*/ 304800 h 731520"/>
-              <a:gd name="connsiteX6" fmla="*/ 452846 w 1036320"/>
-              <a:gd name="connsiteY6" fmla="*/ 409303 h 731520"/>
-              <a:gd name="connsiteX7" fmla="*/ 557349 w 1036320"/>
-              <a:gd name="connsiteY7" fmla="*/ 478971 h 731520"/>
-              <a:gd name="connsiteX8" fmla="*/ 618309 w 1036320"/>
-              <a:gd name="connsiteY8" fmla="*/ 531223 h 731520"/>
-              <a:gd name="connsiteX9" fmla="*/ 661851 w 1036320"/>
-              <a:gd name="connsiteY9" fmla="*/ 557348 h 731520"/>
-              <a:gd name="connsiteX10" fmla="*/ 714103 w 1036320"/>
-              <a:gd name="connsiteY10" fmla="*/ 600891 h 731520"/>
-              <a:gd name="connsiteX11" fmla="*/ 853440 w 1036320"/>
-              <a:gd name="connsiteY11" fmla="*/ 653143 h 731520"/>
-              <a:gd name="connsiteX12" fmla="*/ 975360 w 1036320"/>
-              <a:gd name="connsiteY12" fmla="*/ 714103 h 731520"/>
-              <a:gd name="connsiteX13" fmla="*/ 1010194 w 1036320"/>
-              <a:gd name="connsiteY13" fmla="*/ 722811 h 731520"/>
-              <a:gd name="connsiteX14" fmla="*/ 1036320 w 1036320"/>
-              <a:gd name="connsiteY14" fmla="*/ 731520 h 731520"/>
-            </a:gdLst>
-            <a:ahLst/>
-            <a:cxnLst>
-              <a:cxn ang="0">
-                <a:pos x="connsiteX0" y="connsiteY0"/>
-              </a:cxn>
-              <a:cxn ang="0">
-                <a:pos x="connsiteX1" y="connsiteY1"/>
-              </a:cxn>
-              <a:cxn ang="0">
-                <a:pos x="connsiteX2" y="connsiteY2"/>
-              </a:cxn>
-              <a:cxn ang="0">
-                <a:pos x="connsiteX3" y="connsiteY3"/>
-              </a:cxn>
-              <a:cxn ang="0">
-                <a:pos x="connsiteX4" y="connsiteY4"/>
-              </a:cxn>
-              <a:cxn ang="0">
-                <a:pos x="connsiteX5" y="connsiteY5"/>
-              </a:cxn>
-              <a:cxn ang="0">
-                <a:pos x="connsiteX6" y="connsiteY6"/>
-              </a:cxn>
-              <a:cxn ang="0">
-                <a:pos x="connsiteX7" y="connsiteY7"/>
-              </a:cxn>
-              <a:cxn ang="0">
-                <a:pos x="connsiteX8" y="connsiteY8"/>
-              </a:cxn>
-              <a:cxn ang="0">
-                <a:pos x="connsiteX9" y="connsiteY9"/>
-              </a:cxn>
-              <a:cxn ang="0">
-                <a:pos x="connsiteX10" y="connsiteY10"/>
-              </a:cxn>
-              <a:cxn ang="0">
-                <a:pos x="connsiteX11" y="connsiteY11"/>
-              </a:cxn>
-              <a:cxn ang="0">
-                <a:pos x="connsiteX12" y="connsiteY12"/>
-              </a:cxn>
-              <a:cxn ang="0">
-                <a:pos x="connsiteX13" y="connsiteY13"/>
-              </a:cxn>
-              <a:cxn ang="0">
-                <a:pos x="connsiteX14" y="connsiteY14"/>
-              </a:cxn>
-            </a:cxnLst>
-            <a:rect l="l" t="t" r="r" b="b"/>
-            <a:pathLst>
-              <a:path w="1036320" h="731520">
-                <a:moveTo>
-                  <a:pt x="0" y="0"/>
-                </a:moveTo>
-                <a:cubicBezTo>
-                  <a:pt x="39395" y="31515"/>
-                  <a:pt x="45393" y="33685"/>
-                  <a:pt x="78377" y="69668"/>
-                </a:cubicBezTo>
-                <a:cubicBezTo>
-                  <a:pt x="99228" y="92415"/>
-                  <a:pt x="117517" y="117517"/>
-                  <a:pt x="139337" y="139337"/>
-                </a:cubicBezTo>
-                <a:cubicBezTo>
-                  <a:pt x="164054" y="164054"/>
-                  <a:pt x="191850" y="185492"/>
-                  <a:pt x="217714" y="209005"/>
-                </a:cubicBezTo>
-                <a:cubicBezTo>
-                  <a:pt x="223789" y="214528"/>
-                  <a:pt x="228491" y="221594"/>
-                  <a:pt x="235131" y="226423"/>
-                </a:cubicBezTo>
-                <a:cubicBezTo>
-                  <a:pt x="235998" y="227054"/>
-                  <a:pt x="329801" y="287417"/>
-                  <a:pt x="348343" y="304800"/>
-                </a:cubicBezTo>
-                <a:cubicBezTo>
-                  <a:pt x="384282" y="338493"/>
-                  <a:pt x="415001" y="377766"/>
-                  <a:pt x="452846" y="409303"/>
-                </a:cubicBezTo>
-                <a:cubicBezTo>
-                  <a:pt x="485008" y="436105"/>
-                  <a:pt x="525562" y="451725"/>
-                  <a:pt x="557349" y="478971"/>
-                </a:cubicBezTo>
-                <a:cubicBezTo>
-                  <a:pt x="577669" y="496388"/>
-                  <a:pt x="596899" y="515165"/>
-                  <a:pt x="618309" y="531223"/>
-                </a:cubicBezTo>
-                <a:cubicBezTo>
-                  <a:pt x="631850" y="541379"/>
-                  <a:pt x="648162" y="547393"/>
-                  <a:pt x="661851" y="557348"/>
-                </a:cubicBezTo>
-                <a:cubicBezTo>
-                  <a:pt x="680187" y="570683"/>
-                  <a:pt x="694794" y="589009"/>
-                  <a:pt x="714103" y="600891"/>
-                </a:cubicBezTo>
-                <a:cubicBezTo>
-                  <a:pt x="755938" y="626635"/>
-                  <a:pt x="809445" y="634015"/>
-                  <a:pt x="853440" y="653143"/>
-                </a:cubicBezTo>
-                <a:cubicBezTo>
-                  <a:pt x="895109" y="671260"/>
-                  <a:pt x="931280" y="703084"/>
-                  <a:pt x="975360" y="714103"/>
-                </a:cubicBezTo>
-                <a:cubicBezTo>
-                  <a:pt x="986971" y="717006"/>
-                  <a:pt x="998686" y="719523"/>
-                  <a:pt x="1010194" y="722811"/>
-                </a:cubicBezTo>
-                <a:cubicBezTo>
-                  <a:pt x="1019021" y="725333"/>
-                  <a:pt x="1036320" y="731520"/>
-                  <a:pt x="1036320" y="731520"/>
-                </a:cubicBezTo>
-              </a:path>
-            </a:pathLst>
-          </a:custGeom>
-          <a:noFill/>
+            <a:off x="7593334" y="2192078"/>
+            <a:ext cx="1228549" cy="195796"/>
+          </a:xfrm>
+          <a:prstGeom prst="rect">
+            <a:avLst/>
+          </a:prstGeom>
         </p:spPr>
         <p:style>
           <a:lnRef idx="2">
@@ -4468,280 +4281,11 @@
           <a:lstStyle/>
           <a:p>
             <a:pPr algn="ctr"/>
-            <a:endParaRPr lang="fr-CA"/>
-          </a:p>
-        </p:txBody>
-      </p:sp>
-      <p:sp>
-        <p:nvSpPr>
-          <p:cNvPr id="7" name="Forme libre : forme 6">
-            <a:extLst>
-              <a:ext uri="{FF2B5EF4-FFF2-40B4-BE49-F238E27FC236}">
-                <a16:creationId xmlns:a16="http://schemas.microsoft.com/office/drawing/2014/main" id="{381511A9-F98E-44B3-90B5-679CED78E714}"/>
-              </a:ext>
-            </a:extLst>
-          </p:cNvPr>
-          <p:cNvSpPr/>
-          <p:nvPr/>
-        </p:nvSpPr>
-        <p:spPr>
-          <a:xfrm>
-            <a:off x="6704826" y="1550126"/>
-            <a:ext cx="1481231" cy="801188"/>
-          </a:xfrm>
-          <a:custGeom>
-            <a:avLst/>
-            <a:gdLst>
-              <a:gd name="connsiteX0" fmla="*/ 1481231 w 1481231"/>
-              <a:gd name="connsiteY0" fmla="*/ 0 h 801188"/>
-              <a:gd name="connsiteX1" fmla="*/ 1368020 w 1481231"/>
-              <a:gd name="connsiteY1" fmla="*/ 52251 h 801188"/>
-              <a:gd name="connsiteX2" fmla="*/ 1193848 w 1481231"/>
-              <a:gd name="connsiteY2" fmla="*/ 130628 h 801188"/>
-              <a:gd name="connsiteX3" fmla="*/ 1010968 w 1481231"/>
-              <a:gd name="connsiteY3" fmla="*/ 191588 h 801188"/>
-              <a:gd name="connsiteX4" fmla="*/ 976134 w 1481231"/>
-              <a:gd name="connsiteY4" fmla="*/ 200297 h 801188"/>
-              <a:gd name="connsiteX5" fmla="*/ 862923 w 1481231"/>
-              <a:gd name="connsiteY5" fmla="*/ 252548 h 801188"/>
-              <a:gd name="connsiteX6" fmla="*/ 836797 w 1481231"/>
-              <a:gd name="connsiteY6" fmla="*/ 269965 h 801188"/>
-              <a:gd name="connsiteX7" fmla="*/ 741003 w 1481231"/>
-              <a:gd name="connsiteY7" fmla="*/ 313508 h 801188"/>
-              <a:gd name="connsiteX8" fmla="*/ 662625 w 1481231"/>
-              <a:gd name="connsiteY8" fmla="*/ 339634 h 801188"/>
-              <a:gd name="connsiteX9" fmla="*/ 575540 w 1481231"/>
-              <a:gd name="connsiteY9" fmla="*/ 400594 h 801188"/>
-              <a:gd name="connsiteX10" fmla="*/ 523288 w 1481231"/>
-              <a:gd name="connsiteY10" fmla="*/ 435428 h 801188"/>
-              <a:gd name="connsiteX11" fmla="*/ 436203 w 1481231"/>
-              <a:gd name="connsiteY11" fmla="*/ 505097 h 801188"/>
-              <a:gd name="connsiteX12" fmla="*/ 383951 w 1481231"/>
-              <a:gd name="connsiteY12" fmla="*/ 531223 h 801188"/>
-              <a:gd name="connsiteX13" fmla="*/ 279448 w 1481231"/>
-              <a:gd name="connsiteY13" fmla="*/ 592183 h 801188"/>
-              <a:gd name="connsiteX14" fmla="*/ 235905 w 1481231"/>
-              <a:gd name="connsiteY14" fmla="*/ 627017 h 801188"/>
-              <a:gd name="connsiteX15" fmla="*/ 209780 w 1481231"/>
-              <a:gd name="connsiteY15" fmla="*/ 635725 h 801188"/>
-              <a:gd name="connsiteX16" fmla="*/ 174945 w 1481231"/>
-              <a:gd name="connsiteY16" fmla="*/ 670560 h 801188"/>
-              <a:gd name="connsiteX17" fmla="*/ 148820 w 1481231"/>
-              <a:gd name="connsiteY17" fmla="*/ 687977 h 801188"/>
-              <a:gd name="connsiteX18" fmla="*/ 122694 w 1481231"/>
-              <a:gd name="connsiteY18" fmla="*/ 714103 h 801188"/>
-              <a:gd name="connsiteX19" fmla="*/ 70443 w 1481231"/>
-              <a:gd name="connsiteY19" fmla="*/ 740228 h 801188"/>
-              <a:gd name="connsiteX20" fmla="*/ 774 w 1481231"/>
-              <a:gd name="connsiteY20" fmla="*/ 792480 h 801188"/>
-              <a:gd name="connsiteX21" fmla="*/ 774 w 1481231"/>
-              <a:gd name="connsiteY21" fmla="*/ 801188 h 801188"/>
-            </a:gdLst>
-            <a:ahLst/>
-            <a:cxnLst>
-              <a:cxn ang="0">
-                <a:pos x="connsiteX0" y="connsiteY0"/>
-              </a:cxn>
-              <a:cxn ang="0">
-                <a:pos x="connsiteX1" y="connsiteY1"/>
-              </a:cxn>
-              <a:cxn ang="0">
-                <a:pos x="connsiteX2" y="connsiteY2"/>
-              </a:cxn>
-              <a:cxn ang="0">
-                <a:pos x="connsiteX3" y="connsiteY3"/>
-              </a:cxn>
-              <a:cxn ang="0">
-                <a:pos x="connsiteX4" y="connsiteY4"/>
-              </a:cxn>
-              <a:cxn ang="0">
-                <a:pos x="connsiteX5" y="connsiteY5"/>
-              </a:cxn>
-              <a:cxn ang="0">
-                <a:pos x="connsiteX6" y="connsiteY6"/>
-              </a:cxn>
-              <a:cxn ang="0">
-                <a:pos x="connsiteX7" y="connsiteY7"/>
-              </a:cxn>
-              <a:cxn ang="0">
-                <a:pos x="connsiteX8" y="connsiteY8"/>
-              </a:cxn>
-              <a:cxn ang="0">
-                <a:pos x="connsiteX9" y="connsiteY9"/>
-              </a:cxn>
-              <a:cxn ang="0">
-                <a:pos x="connsiteX10" y="connsiteY10"/>
-              </a:cxn>
-              <a:cxn ang="0">
-                <a:pos x="connsiteX11" y="connsiteY11"/>
-              </a:cxn>
-              <a:cxn ang="0">
-                <a:pos x="connsiteX12" y="connsiteY12"/>
-              </a:cxn>
-              <a:cxn ang="0">
-                <a:pos x="connsiteX13" y="connsiteY13"/>
-              </a:cxn>
-              <a:cxn ang="0">
-                <a:pos x="connsiteX14" y="connsiteY14"/>
-              </a:cxn>
-              <a:cxn ang="0">
-                <a:pos x="connsiteX15" y="connsiteY15"/>
-              </a:cxn>
-              <a:cxn ang="0">
-                <a:pos x="connsiteX16" y="connsiteY16"/>
-              </a:cxn>
-              <a:cxn ang="0">
-                <a:pos x="connsiteX17" y="connsiteY17"/>
-              </a:cxn>
-              <a:cxn ang="0">
-                <a:pos x="connsiteX18" y="connsiteY18"/>
-              </a:cxn>
-              <a:cxn ang="0">
-                <a:pos x="connsiteX19" y="connsiteY19"/>
-              </a:cxn>
-              <a:cxn ang="0">
-                <a:pos x="connsiteX20" y="connsiteY20"/>
-              </a:cxn>
-              <a:cxn ang="0">
-                <a:pos x="connsiteX21" y="connsiteY21"/>
-              </a:cxn>
-            </a:cxnLst>
-            <a:rect l="l" t="t" r="r" b="b"/>
-            <a:pathLst>
-              <a:path w="1481231" h="801188">
-                <a:moveTo>
-                  <a:pt x="1481231" y="0"/>
-                </a:moveTo>
-                <a:cubicBezTo>
-                  <a:pt x="1395302" y="51556"/>
-                  <a:pt x="1484481" y="1616"/>
-                  <a:pt x="1368020" y="52251"/>
-                </a:cubicBezTo>
-                <a:cubicBezTo>
-                  <a:pt x="1335758" y="66278"/>
-                  <a:pt x="1245395" y="112785"/>
-                  <a:pt x="1193848" y="130628"/>
-                </a:cubicBezTo>
-                <a:cubicBezTo>
-                  <a:pt x="1133126" y="151647"/>
-                  <a:pt x="1072168" y="172004"/>
-                  <a:pt x="1010968" y="191588"/>
-                </a:cubicBezTo>
-                <a:cubicBezTo>
-                  <a:pt x="999569" y="195236"/>
-                  <a:pt x="987201" y="195740"/>
-                  <a:pt x="976134" y="200297"/>
-                </a:cubicBezTo>
-                <a:cubicBezTo>
-                  <a:pt x="937702" y="216122"/>
-                  <a:pt x="900098" y="233961"/>
-                  <a:pt x="862923" y="252548"/>
-                </a:cubicBezTo>
-                <a:cubicBezTo>
-                  <a:pt x="853562" y="257229"/>
-                  <a:pt x="846158" y="265284"/>
-                  <a:pt x="836797" y="269965"/>
-                </a:cubicBezTo>
-                <a:cubicBezTo>
-                  <a:pt x="805425" y="285651"/>
-                  <a:pt x="773570" y="300481"/>
-                  <a:pt x="741003" y="313508"/>
-                </a:cubicBezTo>
-                <a:cubicBezTo>
-                  <a:pt x="715433" y="323736"/>
-                  <a:pt x="662625" y="339634"/>
-                  <a:pt x="662625" y="339634"/>
-                </a:cubicBezTo>
-                <a:lnTo>
-                  <a:pt x="575540" y="400594"/>
-                </a:lnTo>
-                <a:cubicBezTo>
-                  <a:pt x="558290" y="412453"/>
-                  <a:pt x="539634" y="422351"/>
-                  <a:pt x="523288" y="435428"/>
-                </a:cubicBezTo>
-                <a:cubicBezTo>
-                  <a:pt x="494260" y="458651"/>
-                  <a:pt x="466836" y="484036"/>
-                  <a:pt x="436203" y="505097"/>
-                </a:cubicBezTo>
-                <a:cubicBezTo>
-                  <a:pt x="420156" y="516129"/>
-                  <a:pt x="400649" y="521204"/>
-                  <a:pt x="383951" y="531223"/>
-                </a:cubicBezTo>
-                <a:cubicBezTo>
-                  <a:pt x="276431" y="595734"/>
-                  <a:pt x="341649" y="571449"/>
-                  <a:pt x="279448" y="592183"/>
-                </a:cubicBezTo>
-                <a:cubicBezTo>
-                  <a:pt x="264934" y="603794"/>
-                  <a:pt x="251667" y="617166"/>
-                  <a:pt x="235905" y="627017"/>
-                </a:cubicBezTo>
-                <a:cubicBezTo>
-                  <a:pt x="228121" y="631882"/>
-                  <a:pt x="217250" y="630390"/>
-                  <a:pt x="209780" y="635725"/>
-                </a:cubicBezTo>
-                <a:cubicBezTo>
-                  <a:pt x="196417" y="645270"/>
-                  <a:pt x="188608" y="661451"/>
-                  <a:pt x="174945" y="670560"/>
-                </a:cubicBezTo>
-                <a:cubicBezTo>
-                  <a:pt x="166237" y="676366"/>
-                  <a:pt x="156860" y="681277"/>
-                  <a:pt x="148820" y="687977"/>
-                </a:cubicBezTo>
-                <a:cubicBezTo>
-                  <a:pt x="139359" y="695862"/>
-                  <a:pt x="132941" y="707271"/>
-                  <a:pt x="122694" y="714103"/>
-                </a:cubicBezTo>
-                <a:cubicBezTo>
-                  <a:pt x="106492" y="724904"/>
-                  <a:pt x="87538" y="730903"/>
-                  <a:pt x="70443" y="740228"/>
-                </a:cubicBezTo>
-                <a:cubicBezTo>
-                  <a:pt x="42235" y="755614"/>
-                  <a:pt x="20027" y="766810"/>
-                  <a:pt x="774" y="792480"/>
-                </a:cubicBezTo>
-                <a:cubicBezTo>
-                  <a:pt x="-968" y="794802"/>
-                  <a:pt x="774" y="798285"/>
-                  <a:pt x="774" y="801188"/>
-                </a:cubicBezTo>
-              </a:path>
-            </a:pathLst>
-          </a:custGeom>
-          <a:noFill/>
-        </p:spPr>
-        <p:style>
-          <a:lnRef idx="2">
-            <a:schemeClr val="accent1">
-              <a:shade val="50000"/>
-            </a:schemeClr>
-          </a:lnRef>
-          <a:fillRef idx="1">
-            <a:schemeClr val="accent1"/>
-          </a:fillRef>
-          <a:effectRef idx="0">
-            <a:schemeClr val="accent1"/>
-          </a:effectRef>
-          <a:fontRef idx="minor">
-            <a:schemeClr val="lt1"/>
-          </a:fontRef>
-        </p:style>
-        <p:txBody>
-          <a:bodyPr rtlCol="0" anchor="ctr"/>
-          <a:lstStyle/>
-          <a:p>
-            <a:pPr algn="ctr"/>
-            <a:endParaRPr lang="fr-CA"/>
+            <a:r>
+              <a:rPr lang="fr-CA" sz="1200" dirty="0"/>
+              <a:t>Rechercher</a:t>
+            </a:r>
+            <a:endParaRPr lang="fr-CA" dirty="0"/>
           </a:p>
         </p:txBody>
       </p:sp>
@@ -9597,6 +9141,526 @@
           </a:prstGeom>
         </p:spPr>
       </p:pic>
+      <p:sp>
+        <p:nvSpPr>
+          <p:cNvPr id="4" name="Rectangle 3">
+            <a:extLst>
+              <a:ext uri="{FF2B5EF4-FFF2-40B4-BE49-F238E27FC236}">
+                <a16:creationId xmlns:a16="http://schemas.microsoft.com/office/drawing/2014/main" id="{C6241226-ECB9-44CA-A097-FDEF733666FB}"/>
+              </a:ext>
+            </a:extLst>
+          </p:cNvPr>
+          <p:cNvSpPr/>
+          <p:nvPr/>
+        </p:nvSpPr>
+        <p:spPr>
+          <a:xfrm>
+            <a:off x="8034896" y="3811999"/>
+            <a:ext cx="3381356" cy="1868920"/>
+          </a:xfrm>
+          <a:prstGeom prst="rect">
+            <a:avLst/>
+          </a:prstGeom>
+          <a:solidFill>
+            <a:schemeClr val="bg1"/>
+          </a:solidFill>
+        </p:spPr>
+        <p:style>
+          <a:lnRef idx="2">
+            <a:schemeClr val="accent1">
+              <a:shade val="50000"/>
+            </a:schemeClr>
+          </a:lnRef>
+          <a:fillRef idx="1">
+            <a:schemeClr val="accent1"/>
+          </a:fillRef>
+          <a:effectRef idx="0">
+            <a:schemeClr val="accent1"/>
+          </a:effectRef>
+          <a:fontRef idx="minor">
+            <a:schemeClr val="lt1"/>
+          </a:fontRef>
+        </p:style>
+        <p:txBody>
+          <a:bodyPr rtlCol="0" anchor="ctr"/>
+          <a:lstStyle/>
+          <a:p>
+            <a:pPr algn="ctr"/>
+            <a:endParaRPr lang="fr-CA"/>
+          </a:p>
+        </p:txBody>
+      </p:sp>
+      <p:sp>
+        <p:nvSpPr>
+          <p:cNvPr id="6" name="ZoneTexte 5">
+            <a:extLst>
+              <a:ext uri="{FF2B5EF4-FFF2-40B4-BE49-F238E27FC236}">
+                <a16:creationId xmlns:a16="http://schemas.microsoft.com/office/drawing/2014/main" id="{EB3686A3-4F4E-4B42-8EB2-E85B9ECE109D}"/>
+              </a:ext>
+            </a:extLst>
+          </p:cNvPr>
+          <p:cNvSpPr txBox="1"/>
+          <p:nvPr/>
+        </p:nvSpPr>
+        <p:spPr>
+          <a:xfrm>
+            <a:off x="7974663" y="3569015"/>
+            <a:ext cx="1158730" cy="276999"/>
+          </a:xfrm>
+          <a:prstGeom prst="rect">
+            <a:avLst/>
+          </a:prstGeom>
+          <a:noFill/>
+        </p:spPr>
+        <p:txBody>
+          <a:bodyPr wrap="square" rtlCol="0">
+            <a:spAutoFit/>
+          </a:bodyPr>
+          <a:lstStyle/>
+          <a:p>
+            <a:r>
+              <a:rPr lang="fr-CA" sz="1200" dirty="0"/>
+              <a:t>Restriction</a:t>
+            </a:r>
+          </a:p>
+        </p:txBody>
+      </p:sp>
+      <p:sp>
+        <p:nvSpPr>
+          <p:cNvPr id="7" name="Rectangle 6">
+            <a:extLst>
+              <a:ext uri="{FF2B5EF4-FFF2-40B4-BE49-F238E27FC236}">
+                <a16:creationId xmlns:a16="http://schemas.microsoft.com/office/drawing/2014/main" id="{B501D0E7-999B-4054-A55D-97CEBB588C4A}"/>
+              </a:ext>
+            </a:extLst>
+          </p:cNvPr>
+          <p:cNvSpPr/>
+          <p:nvPr/>
+        </p:nvSpPr>
+        <p:spPr>
+          <a:xfrm>
+            <a:off x="8034896" y="3879014"/>
+            <a:ext cx="3348965" cy="276999"/>
+          </a:xfrm>
+          <a:prstGeom prst="rect">
+            <a:avLst/>
+          </a:prstGeom>
+        </p:spPr>
+        <p:style>
+          <a:lnRef idx="2">
+            <a:schemeClr val="accent1">
+              <a:shade val="50000"/>
+            </a:schemeClr>
+          </a:lnRef>
+          <a:fillRef idx="1">
+            <a:schemeClr val="accent1"/>
+          </a:fillRef>
+          <a:effectRef idx="0">
+            <a:schemeClr val="accent1"/>
+          </a:effectRef>
+          <a:fontRef idx="minor">
+            <a:schemeClr val="lt1"/>
+          </a:fontRef>
+        </p:style>
+        <p:txBody>
+          <a:bodyPr rtlCol="0" anchor="ctr"/>
+          <a:lstStyle/>
+          <a:p>
+            <a:pPr algn="ctr"/>
+            <a:endParaRPr lang="fr-CA"/>
+          </a:p>
+        </p:txBody>
+      </p:sp>
+      <p:sp>
+        <p:nvSpPr>
+          <p:cNvPr id="8" name="Rectangle 7">
+            <a:extLst>
+              <a:ext uri="{FF2B5EF4-FFF2-40B4-BE49-F238E27FC236}">
+                <a16:creationId xmlns:a16="http://schemas.microsoft.com/office/drawing/2014/main" id="{E8DB5CFB-406E-4D0F-9706-73F6B249D638}"/>
+              </a:ext>
+            </a:extLst>
+          </p:cNvPr>
+          <p:cNvSpPr/>
+          <p:nvPr/>
+        </p:nvSpPr>
+        <p:spPr>
+          <a:xfrm>
+            <a:off x="8061225" y="4217568"/>
+            <a:ext cx="3322636" cy="274772"/>
+          </a:xfrm>
+          <a:prstGeom prst="rect">
+            <a:avLst/>
+          </a:prstGeom>
+        </p:spPr>
+        <p:style>
+          <a:lnRef idx="2">
+            <a:schemeClr val="accent1">
+              <a:shade val="50000"/>
+            </a:schemeClr>
+          </a:lnRef>
+          <a:fillRef idx="1">
+            <a:schemeClr val="accent1"/>
+          </a:fillRef>
+          <a:effectRef idx="0">
+            <a:schemeClr val="accent1"/>
+          </a:effectRef>
+          <a:fontRef idx="minor">
+            <a:schemeClr val="lt1"/>
+          </a:fontRef>
+        </p:style>
+        <p:txBody>
+          <a:bodyPr rtlCol="0" anchor="ctr"/>
+          <a:lstStyle/>
+          <a:p>
+            <a:pPr algn="ctr"/>
+            <a:endParaRPr lang="fr-CA"/>
+          </a:p>
+        </p:txBody>
+      </p:sp>
+      <p:sp>
+        <p:nvSpPr>
+          <p:cNvPr id="9" name="Signe de multiplication 8">
+            <a:extLst>
+              <a:ext uri="{FF2B5EF4-FFF2-40B4-BE49-F238E27FC236}">
+                <a16:creationId xmlns:a16="http://schemas.microsoft.com/office/drawing/2014/main" id="{17573B95-79D3-4A7E-BF0B-102EC83EAD53}"/>
+              </a:ext>
+            </a:extLst>
+          </p:cNvPr>
+          <p:cNvSpPr/>
+          <p:nvPr/>
+        </p:nvSpPr>
+        <p:spPr>
+          <a:xfrm>
+            <a:off x="11157358" y="3855577"/>
+            <a:ext cx="226503" cy="291057"/>
+          </a:xfrm>
+          <a:prstGeom prst="mathMultiply">
+            <a:avLst/>
+          </a:prstGeom>
+          <a:ln>
+            <a:solidFill>
+              <a:srgbClr val="FF0000"/>
+            </a:solidFill>
+          </a:ln>
+        </p:spPr>
+        <p:style>
+          <a:lnRef idx="2">
+            <a:schemeClr val="accent1">
+              <a:shade val="50000"/>
+            </a:schemeClr>
+          </a:lnRef>
+          <a:fillRef idx="1">
+            <a:schemeClr val="accent1"/>
+          </a:fillRef>
+          <a:effectRef idx="0">
+            <a:schemeClr val="accent1"/>
+          </a:effectRef>
+          <a:fontRef idx="minor">
+            <a:schemeClr val="lt1"/>
+          </a:fontRef>
+        </p:style>
+        <p:txBody>
+          <a:bodyPr rtlCol="0" anchor="ctr"/>
+          <a:lstStyle/>
+          <a:p>
+            <a:pPr algn="ctr"/>
+            <a:endParaRPr lang="fr-CA"/>
+          </a:p>
+        </p:txBody>
+      </p:sp>
+      <p:sp>
+        <p:nvSpPr>
+          <p:cNvPr id="43" name="Signe de multiplication 42">
+            <a:extLst>
+              <a:ext uri="{FF2B5EF4-FFF2-40B4-BE49-F238E27FC236}">
+                <a16:creationId xmlns:a16="http://schemas.microsoft.com/office/drawing/2014/main" id="{F8AC1D81-0CF0-4F7C-A88A-01E1A7CC65A9}"/>
+              </a:ext>
+            </a:extLst>
+          </p:cNvPr>
+          <p:cNvSpPr/>
+          <p:nvPr/>
+        </p:nvSpPr>
+        <p:spPr>
+          <a:xfrm>
+            <a:off x="11157357" y="4209425"/>
+            <a:ext cx="226503" cy="291057"/>
+          </a:xfrm>
+          <a:prstGeom prst="mathMultiply">
+            <a:avLst/>
+          </a:prstGeom>
+          <a:ln>
+            <a:solidFill>
+              <a:srgbClr val="FF0000"/>
+            </a:solidFill>
+          </a:ln>
+        </p:spPr>
+        <p:style>
+          <a:lnRef idx="2">
+            <a:schemeClr val="accent1">
+              <a:shade val="50000"/>
+            </a:schemeClr>
+          </a:lnRef>
+          <a:fillRef idx="1">
+            <a:schemeClr val="accent1"/>
+          </a:fillRef>
+          <a:effectRef idx="0">
+            <a:schemeClr val="accent1"/>
+          </a:effectRef>
+          <a:fontRef idx="minor">
+            <a:schemeClr val="lt1"/>
+          </a:fontRef>
+        </p:style>
+        <p:txBody>
+          <a:bodyPr rtlCol="0" anchor="ctr"/>
+          <a:lstStyle/>
+          <a:p>
+            <a:pPr algn="ctr"/>
+            <a:endParaRPr lang="fr-CA"/>
+          </a:p>
+        </p:txBody>
+      </p:sp>
+      <p:sp>
+        <p:nvSpPr>
+          <p:cNvPr id="14" name="Rectangle 13">
+            <a:extLst>
+              <a:ext uri="{FF2B5EF4-FFF2-40B4-BE49-F238E27FC236}">
+                <a16:creationId xmlns:a16="http://schemas.microsoft.com/office/drawing/2014/main" id="{27708A46-017F-4D30-9ADF-C672D2D13EFD}"/>
+              </a:ext>
+            </a:extLst>
+          </p:cNvPr>
+          <p:cNvSpPr/>
+          <p:nvPr/>
+        </p:nvSpPr>
+        <p:spPr>
+          <a:xfrm>
+            <a:off x="8034896" y="4573423"/>
+            <a:ext cx="3322636" cy="274772"/>
+          </a:xfrm>
+          <a:prstGeom prst="rect">
+            <a:avLst/>
+          </a:prstGeom>
+          <a:solidFill>
+            <a:schemeClr val="bg1"/>
+          </a:solidFill>
+        </p:spPr>
+        <p:style>
+          <a:lnRef idx="2">
+            <a:schemeClr val="accent1">
+              <a:shade val="50000"/>
+            </a:schemeClr>
+          </a:lnRef>
+          <a:fillRef idx="1">
+            <a:schemeClr val="accent1"/>
+          </a:fillRef>
+          <a:effectRef idx="0">
+            <a:schemeClr val="accent1"/>
+          </a:effectRef>
+          <a:fontRef idx="minor">
+            <a:schemeClr val="lt1"/>
+          </a:fontRef>
+        </p:style>
+        <p:txBody>
+          <a:bodyPr rtlCol="0" anchor="ctr"/>
+          <a:lstStyle/>
+          <a:p>
+            <a:pPr algn="ctr"/>
+            <a:endParaRPr lang="fr-CA"/>
+          </a:p>
+        </p:txBody>
+      </p:sp>
+      <p:sp>
+        <p:nvSpPr>
+          <p:cNvPr id="16" name="Rectangle 15">
+            <a:extLst>
+              <a:ext uri="{FF2B5EF4-FFF2-40B4-BE49-F238E27FC236}">
+                <a16:creationId xmlns:a16="http://schemas.microsoft.com/office/drawing/2014/main" id="{C7AF109A-0D24-49DD-A64F-63E4006891C8}"/>
+              </a:ext>
+            </a:extLst>
+          </p:cNvPr>
+          <p:cNvSpPr/>
+          <p:nvPr/>
+        </p:nvSpPr>
+        <p:spPr>
+          <a:xfrm>
+            <a:off x="8216173" y="3915710"/>
+            <a:ext cx="956465" cy="203606"/>
+          </a:xfrm>
+          <a:prstGeom prst="rect">
+            <a:avLst/>
+          </a:prstGeom>
+          <a:solidFill>
+            <a:schemeClr val="bg1"/>
+          </a:solidFill>
+        </p:spPr>
+        <p:style>
+          <a:lnRef idx="2">
+            <a:schemeClr val="accent1">
+              <a:shade val="50000"/>
+            </a:schemeClr>
+          </a:lnRef>
+          <a:fillRef idx="1">
+            <a:schemeClr val="accent1"/>
+          </a:fillRef>
+          <a:effectRef idx="0">
+            <a:schemeClr val="accent1"/>
+          </a:effectRef>
+          <a:fontRef idx="minor">
+            <a:schemeClr val="lt1"/>
+          </a:fontRef>
+        </p:style>
+        <p:txBody>
+          <a:bodyPr rtlCol="0" anchor="ctr"/>
+          <a:lstStyle/>
+          <a:p>
+            <a:pPr algn="ctr"/>
+            <a:endParaRPr lang="fr-CA"/>
+          </a:p>
+        </p:txBody>
+      </p:sp>
+      <p:sp>
+        <p:nvSpPr>
+          <p:cNvPr id="48" name="Rectangle 47">
+            <a:extLst>
+              <a:ext uri="{FF2B5EF4-FFF2-40B4-BE49-F238E27FC236}">
+                <a16:creationId xmlns:a16="http://schemas.microsoft.com/office/drawing/2014/main" id="{271C5BA3-0EBB-4523-BD72-434B9659A06E}"/>
+              </a:ext>
+            </a:extLst>
+          </p:cNvPr>
+          <p:cNvSpPr/>
+          <p:nvPr/>
+        </p:nvSpPr>
+        <p:spPr>
+          <a:xfrm>
+            <a:off x="9353914" y="3915710"/>
+            <a:ext cx="468602" cy="203606"/>
+          </a:xfrm>
+          <a:prstGeom prst="rect">
+            <a:avLst/>
+          </a:prstGeom>
+          <a:solidFill>
+            <a:schemeClr val="bg1"/>
+          </a:solidFill>
+        </p:spPr>
+        <p:style>
+          <a:lnRef idx="2">
+            <a:schemeClr val="accent1">
+              <a:shade val="50000"/>
+            </a:schemeClr>
+          </a:lnRef>
+          <a:fillRef idx="1">
+            <a:schemeClr val="accent1"/>
+          </a:fillRef>
+          <a:effectRef idx="0">
+            <a:schemeClr val="accent1"/>
+          </a:effectRef>
+          <a:fontRef idx="minor">
+            <a:schemeClr val="lt1"/>
+          </a:fontRef>
+        </p:style>
+        <p:txBody>
+          <a:bodyPr rtlCol="0" anchor="ctr"/>
+          <a:lstStyle/>
+          <a:p>
+            <a:pPr algn="ctr"/>
+            <a:endParaRPr lang="fr-CA"/>
+          </a:p>
+        </p:txBody>
+      </p:sp>
+      <p:sp>
+        <p:nvSpPr>
+          <p:cNvPr id="61" name="Rectangle 60">
+            <a:extLst>
+              <a:ext uri="{FF2B5EF4-FFF2-40B4-BE49-F238E27FC236}">
+                <a16:creationId xmlns:a16="http://schemas.microsoft.com/office/drawing/2014/main" id="{5DB738E8-89BA-48C6-AEE7-ACFE6EE5D8DF}"/>
+              </a:ext>
+            </a:extLst>
+          </p:cNvPr>
+          <p:cNvSpPr/>
+          <p:nvPr/>
+        </p:nvSpPr>
+        <p:spPr>
+          <a:xfrm>
+            <a:off x="10069757" y="3915710"/>
+            <a:ext cx="956465" cy="203606"/>
+          </a:xfrm>
+          <a:prstGeom prst="rect">
+            <a:avLst/>
+          </a:prstGeom>
+          <a:solidFill>
+            <a:schemeClr val="bg1"/>
+          </a:solidFill>
+        </p:spPr>
+        <p:style>
+          <a:lnRef idx="2">
+            <a:schemeClr val="accent1">
+              <a:shade val="50000"/>
+            </a:schemeClr>
+          </a:lnRef>
+          <a:fillRef idx="1">
+            <a:schemeClr val="accent1"/>
+          </a:fillRef>
+          <a:effectRef idx="0">
+            <a:schemeClr val="accent1"/>
+          </a:effectRef>
+          <a:fontRef idx="minor">
+            <a:schemeClr val="lt1"/>
+          </a:fontRef>
+        </p:style>
+        <p:txBody>
+          <a:bodyPr rtlCol="0" anchor="ctr"/>
+          <a:lstStyle/>
+          <a:p>
+            <a:pPr algn="ctr"/>
+            <a:endParaRPr lang="fr-CA"/>
+          </a:p>
+        </p:txBody>
+      </p:sp>
+      <p:sp>
+        <p:nvSpPr>
+          <p:cNvPr id="15" name="Triangle isocèle 14">
+            <a:extLst>
+              <a:ext uri="{FF2B5EF4-FFF2-40B4-BE49-F238E27FC236}">
+                <a16:creationId xmlns:a16="http://schemas.microsoft.com/office/drawing/2014/main" id="{C90259D3-7775-4BAE-8BF9-B1FF8C647B75}"/>
+              </a:ext>
+            </a:extLst>
+          </p:cNvPr>
+          <p:cNvSpPr/>
+          <p:nvPr/>
+        </p:nvSpPr>
+        <p:spPr>
+          <a:xfrm rot="10800000">
+            <a:off x="8992345" y="3961195"/>
+            <a:ext cx="110219" cy="122278"/>
+          </a:xfrm>
+          <a:prstGeom prst="triangle">
+            <a:avLst/>
+          </a:prstGeom>
+        </p:spPr>
+        <p:style>
+          <a:lnRef idx="2">
+            <a:schemeClr val="accent1">
+              <a:shade val="50000"/>
+            </a:schemeClr>
+          </a:lnRef>
+          <a:fillRef idx="1">
+            <a:schemeClr val="accent1"/>
+          </a:fillRef>
+          <a:effectRef idx="0">
+            <a:schemeClr val="accent1"/>
+          </a:effectRef>
+          <a:fontRef idx="minor">
+            <a:schemeClr val="lt1"/>
+          </a:fontRef>
+        </p:style>
+        <p:txBody>
+          <a:bodyPr rtlCol="0" anchor="ctr"/>
+          <a:lstStyle/>
+          <a:p>
+            <a:pPr algn="ctr"/>
+            <a:endParaRPr lang="fr-CA"/>
+          </a:p>
+        </p:txBody>
+      </p:sp>
     </p:spTree>
     <p:extLst>
       <p:ext uri="{BB962C8B-B14F-4D97-AF65-F5344CB8AC3E}">
@@ -14403,6 +14467,56 @@
           </a:prstGeom>
         </p:spPr>
       </p:pic>
+      <p:sp>
+        <p:nvSpPr>
+          <p:cNvPr id="9" name="Rectangle 8">
+            <a:extLst>
+              <a:ext uri="{FF2B5EF4-FFF2-40B4-BE49-F238E27FC236}">
+                <a16:creationId xmlns:a16="http://schemas.microsoft.com/office/drawing/2014/main" id="{DE7BFB32-9094-4585-B45F-CF377589F5C1}"/>
+              </a:ext>
+            </a:extLst>
+          </p:cNvPr>
+          <p:cNvSpPr/>
+          <p:nvPr/>
+        </p:nvSpPr>
+        <p:spPr>
+          <a:xfrm>
+            <a:off x="8294811" y="2311495"/>
+            <a:ext cx="1228549" cy="195796"/>
+          </a:xfrm>
+          <a:prstGeom prst="rect">
+            <a:avLst/>
+          </a:prstGeom>
+        </p:spPr>
+        <p:style>
+          <a:lnRef idx="2">
+            <a:schemeClr val="accent1">
+              <a:shade val="50000"/>
+            </a:schemeClr>
+          </a:lnRef>
+          <a:fillRef idx="1">
+            <a:schemeClr val="accent1"/>
+          </a:fillRef>
+          <a:effectRef idx="0">
+            <a:schemeClr val="accent1"/>
+          </a:effectRef>
+          <a:fontRef idx="minor">
+            <a:schemeClr val="lt1"/>
+          </a:fontRef>
+        </p:style>
+        <p:txBody>
+          <a:bodyPr rtlCol="0" anchor="ctr"/>
+          <a:lstStyle/>
+          <a:p>
+            <a:pPr algn="ctr"/>
+            <a:r>
+              <a:rPr lang="fr-CA" sz="1200" dirty="0"/>
+              <a:t>Rechercher</a:t>
+            </a:r>
+            <a:endParaRPr lang="fr-CA" dirty="0"/>
+          </a:p>
+        </p:txBody>
+      </p:sp>
     </p:spTree>
     <p:extLst>
       <p:ext uri="{BB962C8B-B14F-4D97-AF65-F5344CB8AC3E}">
@@ -18315,7 +18429,7 @@
           </p:nvPr>
         </p:nvPicPr>
         <p:blipFill rotWithShape="1">
-          <a:blip r:embed="rId31"/>
+          <a:blip r:embed="rId32"/>
           <a:srcRect b="74442"/>
           <a:stretch/>
         </p:blipFill>
@@ -18356,7 +18470,7 @@
             <p:nvPr/>
           </p:nvPicPr>
           <p:blipFill rotWithShape="1">
-            <a:blip r:embed="rId32"/>
+            <a:blip r:embed="rId33"/>
             <a:srcRect r="89350"/>
             <a:stretch/>
           </p:blipFill>
@@ -18379,7 +18493,7 @@
             <p:nvPr/>
           </p:nvPicPr>
           <p:blipFill rotWithShape="1">
-            <a:blip r:embed="rId33"/>
+            <a:blip r:embed="rId34"/>
             <a:srcRect t="87715"/>
             <a:stretch/>
           </p:blipFill>
@@ -18402,7 +18516,7 @@
             <p:nvPr/>
           </p:nvPicPr>
           <p:blipFill>
-            <a:blip r:embed="rId34"/>
+            <a:blip r:embed="rId35"/>
             <a:stretch>
               <a:fillRect/>
             </a:stretch>
@@ -18431,7 +18545,7 @@
           </p:nvPr>
         </p:nvPicPr>
         <p:blipFill>
-          <a:blip r:embed="rId35"/>
+          <a:blip r:embed="rId36"/>
           <a:stretch>
             <a:fillRect/>
           </a:stretch>
@@ -18459,7 +18573,7 @@
           </p:nvPr>
         </p:nvPicPr>
         <p:blipFill>
-          <a:blip r:embed="rId36">
+          <a:blip r:embed="rId37">
             <a:duotone>
               <a:schemeClr val="accent3">
                 <a:shade val="45000"/>
@@ -18495,7 +18609,7 @@
           </p:nvPr>
         </p:nvPicPr>
         <p:blipFill>
-          <a:blip r:embed="rId37"/>
+          <a:blip r:embed="rId38"/>
           <a:stretch>
             <a:fillRect/>
           </a:stretch>
@@ -18560,7 +18674,7 @@
           </p:nvPr>
         </p:nvPicPr>
         <p:blipFill rotWithShape="1">
-          <a:blip r:embed="rId38"/>
+          <a:blip r:embed="rId39"/>
           <a:srcRect l="53265" t="60683" r="5958" b="30747"/>
           <a:stretch/>
         </p:blipFill>
@@ -18701,7 +18815,7 @@
           </p:nvPr>
         </p:nvPicPr>
         <p:blipFill>
-          <a:blip r:embed="rId39"/>
+          <a:blip r:embed="rId40"/>
           <a:stretch>
             <a:fillRect/>
           </a:stretch>
@@ -18729,7 +18843,7 @@
           </p:nvPr>
         </p:nvPicPr>
         <p:blipFill>
-          <a:blip r:embed="rId40"/>
+          <a:blip r:embed="rId41"/>
           <a:stretch>
             <a:fillRect/>
           </a:stretch>
@@ -18845,41 +18959,13 @@
       </p:sp>
       <p:pic>
         <p:nvPicPr>
-          <p:cNvPr id="49" name="Image 48"/>
-          <p:cNvPicPr>
-            <a:picLocks noChangeAspect="1"/>
-          </p:cNvPicPr>
-          <p:nvPr>
-            <p:custDataLst>
-              <p:tags r:id="rId16"/>
-            </p:custDataLst>
-          </p:nvPr>
-        </p:nvPicPr>
-        <p:blipFill>
-          <a:blip r:embed="rId41"/>
-          <a:stretch>
-            <a:fillRect/>
-          </a:stretch>
-        </p:blipFill>
-        <p:spPr>
-          <a:xfrm>
-            <a:off x="7892185" y="6132939"/>
-            <a:ext cx="1276528" cy="409632"/>
-          </a:xfrm>
-          <a:prstGeom prst="rect">
-            <a:avLst/>
-          </a:prstGeom>
-        </p:spPr>
-      </p:pic>
-      <p:pic>
-        <p:nvPicPr>
           <p:cNvPr id="42" name="Image 41"/>
           <p:cNvPicPr>
             <a:picLocks noChangeAspect="1"/>
           </p:cNvPicPr>
           <p:nvPr>
             <p:custDataLst>
-              <p:tags r:id="rId17"/>
+              <p:tags r:id="rId16"/>
             </p:custDataLst>
           </p:nvPr>
         </p:nvPicPr>
@@ -18907,7 +18993,7 @@
           </p:cNvPicPr>
           <p:nvPr>
             <p:custDataLst>
-              <p:tags r:id="rId18"/>
+              <p:tags r:id="rId17"/>
             </p:custDataLst>
           </p:nvPr>
         </p:nvPicPr>
@@ -18935,7 +19021,7 @@
           </p:cNvPicPr>
           <p:nvPr>
             <p:custDataLst>
-              <p:tags r:id="rId19"/>
+              <p:tags r:id="rId18"/>
             </p:custDataLst>
           </p:nvPr>
         </p:nvPicPr>
@@ -18963,7 +19049,7 @@
           </p:cNvPicPr>
           <p:nvPr>
             <p:custDataLst>
-              <p:tags r:id="rId20"/>
+              <p:tags r:id="rId19"/>
             </p:custDataLst>
           </p:nvPr>
         </p:nvPicPr>
@@ -18991,7 +19077,7 @@
           </p:cNvPicPr>
           <p:nvPr>
             <p:custDataLst>
-              <p:tags r:id="rId21"/>
+              <p:tags r:id="rId20"/>
             </p:custDataLst>
           </p:nvPr>
         </p:nvPicPr>
@@ -19019,7 +19105,7 @@
           </p:cNvPicPr>
           <p:nvPr>
             <p:custDataLst>
-              <p:tags r:id="rId22"/>
+              <p:tags r:id="rId21"/>
             </p:custDataLst>
           </p:nvPr>
         </p:nvPicPr>
@@ -19041,13 +19127,13 @@
       </p:pic>
       <p:pic>
         <p:nvPicPr>
-          <p:cNvPr id="55" name="Image 54"/>
+          <p:cNvPr id="57" name="Image 56"/>
           <p:cNvPicPr>
             <a:picLocks noChangeAspect="1"/>
           </p:cNvPicPr>
           <p:nvPr>
             <p:custDataLst>
-              <p:tags r:id="rId23"/>
+              <p:tags r:id="rId22"/>
             </p:custDataLst>
           </p:nvPr>
         </p:nvPicPr>
@@ -19059,7 +19145,7 @@
         </p:blipFill>
         <p:spPr>
           <a:xfrm>
-            <a:off x="3367847" y="4463783"/>
+            <a:off x="3367847" y="3866015"/>
             <a:ext cx="342948" cy="341209"/>
           </a:xfrm>
           <a:prstGeom prst="rect">
@@ -19069,13 +19155,13 @@
       </p:pic>
       <p:pic>
         <p:nvPicPr>
-          <p:cNvPr id="57" name="Image 56"/>
+          <p:cNvPr id="58" name="Image 57"/>
           <p:cNvPicPr>
             <a:picLocks noChangeAspect="1"/>
           </p:cNvPicPr>
           <p:nvPr>
             <p:custDataLst>
-              <p:tags r:id="rId24"/>
+              <p:tags r:id="rId23"/>
             </p:custDataLst>
           </p:nvPr>
         </p:nvPicPr>
@@ -19087,34 +19173,6 @@
         </p:blipFill>
         <p:spPr>
           <a:xfrm>
-            <a:off x="3367847" y="3866015"/>
-            <a:ext cx="342948" cy="341209"/>
-          </a:xfrm>
-          <a:prstGeom prst="rect">
-            <a:avLst/>
-          </a:prstGeom>
-        </p:spPr>
-      </p:pic>
-      <p:pic>
-        <p:nvPicPr>
-          <p:cNvPr id="58" name="Image 57"/>
-          <p:cNvPicPr>
-            <a:picLocks noChangeAspect="1"/>
-          </p:cNvPicPr>
-          <p:nvPr>
-            <p:custDataLst>
-              <p:tags r:id="rId25"/>
-            </p:custDataLst>
-          </p:nvPr>
-        </p:nvPicPr>
-        <p:blipFill>
-          <a:blip r:embed="rId45"/>
-          <a:stretch>
-            <a:fillRect/>
-          </a:stretch>
-        </p:blipFill>
-        <p:spPr>
-          <a:xfrm>
             <a:off x="3368367" y="3236706"/>
             <a:ext cx="342948" cy="341209"/>
           </a:xfrm>
@@ -19129,7 +19187,7 @@
           <p:cNvCxnSpPr/>
           <p:nvPr>
             <p:custDataLst>
-              <p:tags r:id="rId26"/>
+              <p:tags r:id="rId24"/>
             </p:custDataLst>
           </p:nvPr>
         </p:nvCxnSpPr>
@@ -19171,7 +19229,7 @@
           <p:cNvCxnSpPr/>
           <p:nvPr>
             <p:custDataLst>
-              <p:tags r:id="rId27"/>
+              <p:tags r:id="rId25"/>
             </p:custDataLst>
           </p:nvPr>
         </p:nvCxnSpPr>
@@ -19215,7 +19273,7 @@
           </p:cNvPicPr>
           <p:nvPr>
             <p:custDataLst>
-              <p:tags r:id="rId28"/>
+              <p:tags r:id="rId26"/>
             </p:custDataLst>
           </p:nvPr>
         </p:nvPicPr>
@@ -19243,7 +19301,7 @@
           </p:cNvPicPr>
           <p:nvPr>
             <p:custDataLst>
-              <p:tags r:id="rId29"/>
+              <p:tags r:id="rId27"/>
             </p:custDataLst>
           </p:nvPr>
         </p:nvPicPr>
@@ -19263,50 +19321,297 @@
           </a:prstGeom>
         </p:spPr>
       </p:pic>
-      <p:cxnSp>
-        <p:nvCxnSpPr>
-          <p:cNvPr id="6" name="Connecteur : en arc 5">
+      <p:grpSp>
+        <p:nvGrpSpPr>
+          <p:cNvPr id="39" name="Groupe 38">
             <a:extLst>
               <a:ext uri="{FF2B5EF4-FFF2-40B4-BE49-F238E27FC236}">
-                <a16:creationId xmlns:a16="http://schemas.microsoft.com/office/drawing/2014/main" id="{296B2E96-0FE1-4757-8FC4-552C2984047C}"/>
+                <a16:creationId xmlns:a16="http://schemas.microsoft.com/office/drawing/2014/main" id="{97C628A4-E6E9-4A66-9860-C8A5FB3BAF2F}"/>
               </a:ext>
             </a:extLst>
           </p:cNvPr>
-          <p:cNvCxnSpPr>
-            <a:stCxn id="49" idx="3"/>
-            <a:endCxn id="21" idx="3"/>
-          </p:cNvCxnSpPr>
-          <p:nvPr/>
-        </p:nvCxnSpPr>
-        <p:spPr>
-          <a:xfrm flipV="1">
-            <a:off x="9168713" y="3577916"/>
-            <a:ext cx="12700" cy="2759839"/>
-          </a:xfrm>
-          <a:prstGeom prst="curvedConnector3">
-            <a:avLst>
-              <a:gd name="adj1" fmla="val 1800000"/>
-            </a:avLst>
-          </a:prstGeom>
-          <a:ln>
-            <a:tailEnd type="triangle"/>
-          </a:ln>
-        </p:spPr>
-        <p:style>
-          <a:lnRef idx="1">
-            <a:schemeClr val="accent1"/>
-          </a:lnRef>
-          <a:fillRef idx="0">
-            <a:schemeClr val="accent1"/>
-          </a:fillRef>
-          <a:effectRef idx="0">
-            <a:schemeClr val="accent1"/>
-          </a:effectRef>
-          <a:fontRef idx="minor">
-            <a:schemeClr val="tx1"/>
-          </a:fontRef>
-        </p:style>
-      </p:cxnSp>
+          <p:cNvGrpSpPr/>
+          <p:nvPr>
+            <p:custDataLst>
+              <p:tags r:id="rId28"/>
+            </p:custDataLst>
+          </p:nvPr>
+        </p:nvGrpSpPr>
+        <p:grpSpPr>
+          <a:xfrm>
+            <a:off x="2445386" y="4644751"/>
+            <a:ext cx="2360496" cy="352742"/>
+            <a:chOff x="1496795" y="3376960"/>
+            <a:chExt cx="4720992" cy="652671"/>
+          </a:xfrm>
+        </p:grpSpPr>
+        <p:pic>
+          <p:nvPicPr>
+            <p:cNvPr id="40" name="Image 39">
+              <a:extLst>
+                <a:ext uri="{FF2B5EF4-FFF2-40B4-BE49-F238E27FC236}">
+                  <a16:creationId xmlns:a16="http://schemas.microsoft.com/office/drawing/2014/main" id="{B420D5F4-5E20-499A-8A10-7B126DCE9E3E}"/>
+                </a:ext>
+              </a:extLst>
+            </p:cNvPr>
+            <p:cNvPicPr>
+              <a:picLocks noChangeAspect="1"/>
+            </p:cNvPicPr>
+            <p:nvPr/>
+          </p:nvPicPr>
+          <p:blipFill>
+            <a:blip r:embed="rId48"/>
+            <a:stretch>
+              <a:fillRect/>
+            </a:stretch>
+          </p:blipFill>
+          <p:spPr>
+            <a:xfrm>
+              <a:off x="1496795" y="3376960"/>
+              <a:ext cx="2962688" cy="609685"/>
+            </a:xfrm>
+            <a:prstGeom prst="rect">
+              <a:avLst/>
+            </a:prstGeom>
+          </p:spPr>
+        </p:pic>
+        <p:pic>
+          <p:nvPicPr>
+            <p:cNvPr id="43" name="Image 42">
+              <a:extLst>
+                <a:ext uri="{FF2B5EF4-FFF2-40B4-BE49-F238E27FC236}">
+                  <a16:creationId xmlns:a16="http://schemas.microsoft.com/office/drawing/2014/main" id="{1B740ED3-15BB-4A46-A91B-6E72C59CA0F0}"/>
+                </a:ext>
+              </a:extLst>
+            </p:cNvPr>
+            <p:cNvPicPr>
+              <a:picLocks noChangeAspect="1"/>
+            </p:cNvPicPr>
+            <p:nvPr/>
+          </p:nvPicPr>
+          <p:blipFill>
+            <a:blip r:embed="rId49"/>
+            <a:stretch>
+              <a:fillRect/>
+            </a:stretch>
+          </p:blipFill>
+          <p:spPr>
+            <a:xfrm>
+              <a:off x="5714765" y="3576911"/>
+              <a:ext cx="503022" cy="452720"/>
+            </a:xfrm>
+            <a:prstGeom prst="rect">
+              <a:avLst/>
+            </a:prstGeom>
+          </p:spPr>
+        </p:pic>
+        <p:pic>
+          <p:nvPicPr>
+            <p:cNvPr id="44" name="Image 43">
+              <a:extLst>
+                <a:ext uri="{FF2B5EF4-FFF2-40B4-BE49-F238E27FC236}">
+                  <a16:creationId xmlns:a16="http://schemas.microsoft.com/office/drawing/2014/main" id="{824AEA93-3C5C-4FC1-96C8-9BFF5738AF0F}"/>
+                </a:ext>
+              </a:extLst>
+            </p:cNvPr>
+            <p:cNvPicPr>
+              <a:picLocks noChangeAspect="1"/>
+            </p:cNvPicPr>
+            <p:nvPr/>
+          </p:nvPicPr>
+          <p:blipFill>
+            <a:blip r:embed="rId50"/>
+            <a:stretch>
+              <a:fillRect/>
+            </a:stretch>
+          </p:blipFill>
+          <p:spPr>
+            <a:xfrm>
+              <a:off x="3950960" y="3648296"/>
+              <a:ext cx="362158" cy="365892"/>
+            </a:xfrm>
+            <a:prstGeom prst="rect">
+              <a:avLst/>
+            </a:prstGeom>
+          </p:spPr>
+        </p:pic>
+        <p:pic>
+          <p:nvPicPr>
+            <p:cNvPr id="46" name="Image 45">
+              <a:extLst>
+                <a:ext uri="{FF2B5EF4-FFF2-40B4-BE49-F238E27FC236}">
+                  <a16:creationId xmlns:a16="http://schemas.microsoft.com/office/drawing/2014/main" id="{897E2F9C-CE13-4215-92C8-4787381B25BB}"/>
+                </a:ext>
+              </a:extLst>
+            </p:cNvPr>
+            <p:cNvPicPr>
+              <a:picLocks noChangeAspect="1"/>
+            </p:cNvPicPr>
+            <p:nvPr/>
+          </p:nvPicPr>
+          <p:blipFill>
+            <a:blip r:embed="rId50"/>
+            <a:stretch>
+              <a:fillRect/>
+            </a:stretch>
+          </p:blipFill>
+          <p:spPr>
+            <a:xfrm>
+              <a:off x="4301997" y="3648296"/>
+              <a:ext cx="362158" cy="365892"/>
+            </a:xfrm>
+            <a:prstGeom prst="rect">
+              <a:avLst/>
+            </a:prstGeom>
+          </p:spPr>
+        </p:pic>
+        <p:pic>
+          <p:nvPicPr>
+            <p:cNvPr id="48" name="Image 47">
+              <a:extLst>
+                <a:ext uri="{FF2B5EF4-FFF2-40B4-BE49-F238E27FC236}">
+                  <a16:creationId xmlns:a16="http://schemas.microsoft.com/office/drawing/2014/main" id="{FB01107B-BE0A-4A32-B3AC-F12EE099E654}"/>
+                </a:ext>
+              </a:extLst>
+            </p:cNvPr>
+            <p:cNvPicPr>
+              <a:picLocks noChangeAspect="1"/>
+            </p:cNvPicPr>
+            <p:nvPr/>
+          </p:nvPicPr>
+          <p:blipFill>
+            <a:blip r:embed="rId50"/>
+            <a:stretch>
+              <a:fillRect/>
+            </a:stretch>
+          </p:blipFill>
+          <p:spPr>
+            <a:xfrm>
+              <a:off x="4653034" y="3648296"/>
+              <a:ext cx="362158" cy="365892"/>
+            </a:xfrm>
+            <a:prstGeom prst="rect">
+              <a:avLst/>
+            </a:prstGeom>
+          </p:spPr>
+        </p:pic>
+        <p:pic>
+          <p:nvPicPr>
+            <p:cNvPr id="52" name="Image 51">
+              <a:extLst>
+                <a:ext uri="{FF2B5EF4-FFF2-40B4-BE49-F238E27FC236}">
+                  <a16:creationId xmlns:a16="http://schemas.microsoft.com/office/drawing/2014/main" id="{0CF08486-0AE3-4CAF-9B99-6C0D2338047C}"/>
+                </a:ext>
+              </a:extLst>
+            </p:cNvPr>
+            <p:cNvPicPr>
+              <a:picLocks noChangeAspect="1"/>
+            </p:cNvPicPr>
+            <p:nvPr/>
+          </p:nvPicPr>
+          <p:blipFill>
+            <a:blip r:embed="rId50"/>
+            <a:stretch>
+              <a:fillRect/>
+            </a:stretch>
+          </p:blipFill>
+          <p:spPr>
+            <a:xfrm>
+              <a:off x="5015192" y="3648296"/>
+              <a:ext cx="362158" cy="365892"/>
+            </a:xfrm>
+            <a:prstGeom prst="rect">
+              <a:avLst/>
+            </a:prstGeom>
+          </p:spPr>
+        </p:pic>
+        <p:pic>
+          <p:nvPicPr>
+            <p:cNvPr id="53" name="Image 52">
+              <a:extLst>
+                <a:ext uri="{FF2B5EF4-FFF2-40B4-BE49-F238E27FC236}">
+                  <a16:creationId xmlns:a16="http://schemas.microsoft.com/office/drawing/2014/main" id="{468DC8A9-03D1-48E9-BDFB-FA7C9410CF06}"/>
+                </a:ext>
+              </a:extLst>
+            </p:cNvPr>
+            <p:cNvPicPr>
+              <a:picLocks noChangeAspect="1"/>
+            </p:cNvPicPr>
+            <p:nvPr/>
+          </p:nvPicPr>
+          <p:blipFill>
+            <a:blip r:embed="rId50"/>
+            <a:stretch>
+              <a:fillRect/>
+            </a:stretch>
+          </p:blipFill>
+          <p:spPr>
+            <a:xfrm>
+              <a:off x="5377350" y="3648296"/>
+              <a:ext cx="362158" cy="365892"/>
+            </a:xfrm>
+            <a:prstGeom prst="rect">
+              <a:avLst/>
+            </a:prstGeom>
+          </p:spPr>
+        </p:pic>
+      </p:grpSp>
+      <p:pic>
+        <p:nvPicPr>
+          <p:cNvPr id="49" name="Image 48"/>
+          <p:cNvPicPr>
+            <a:picLocks noChangeAspect="1"/>
+          </p:cNvPicPr>
+          <p:nvPr>
+            <p:custDataLst>
+              <p:tags r:id="rId29"/>
+            </p:custDataLst>
+          </p:nvPr>
+        </p:nvPicPr>
+        <p:blipFill>
+          <a:blip r:embed="rId51"/>
+          <a:stretch>
+            <a:fillRect/>
+          </a:stretch>
+        </p:blipFill>
+        <p:spPr>
+          <a:xfrm>
+            <a:off x="8033695" y="4668612"/>
+            <a:ext cx="1095904" cy="351671"/>
+          </a:xfrm>
+          <a:prstGeom prst="rect">
+            <a:avLst/>
+          </a:prstGeom>
+        </p:spPr>
+      </p:pic>
+      <p:pic>
+        <p:nvPicPr>
+          <p:cNvPr id="55" name="Image 54"/>
+          <p:cNvPicPr>
+            <a:picLocks noChangeAspect="1"/>
+          </p:cNvPicPr>
+          <p:nvPr>
+            <p:custDataLst>
+              <p:tags r:id="rId30"/>
+            </p:custDataLst>
+          </p:nvPr>
+        </p:nvPicPr>
+        <p:blipFill>
+          <a:blip r:embed="rId45"/>
+          <a:stretch>
+            <a:fillRect/>
+          </a:stretch>
+        </p:blipFill>
+        <p:spPr>
+          <a:xfrm>
+            <a:off x="3367847" y="4463783"/>
+            <a:ext cx="342948" cy="341209"/>
+          </a:xfrm>
+          <a:prstGeom prst="rect">
+            <a:avLst/>
+          </a:prstGeom>
+        </p:spPr>
+      </p:pic>
     </p:spTree>
     <p:extLst>
       <p:ext uri="{BB962C8B-B14F-4D97-AF65-F5344CB8AC3E}">
@@ -19334,2287 +19639,2287 @@
 
 <file path=ppt/tags/tag100.xml><?xml version="1.0" encoding="utf-8"?>
 <p:tagLst xmlns:a="http://schemas.openxmlformats.org/drawingml/2006/main" xmlns:r="http://schemas.openxmlformats.org/officeDocument/2006/relationships" xmlns:p="http://schemas.openxmlformats.org/presentationml/2006/main">
+  <p:tag name="NUM" val="13"/>
+</p:tagLst>
+</file>
+
+<file path=ppt/tags/tag101.xml><?xml version="1.0" encoding="utf-8"?>
+<p:tagLst xmlns:a="http://schemas.openxmlformats.org/drawingml/2006/main" xmlns:r="http://schemas.openxmlformats.org/officeDocument/2006/relationships" xmlns:p="http://schemas.openxmlformats.org/presentationml/2006/main">
+  <p:tag name="NUM" val="14"/>
+</p:tagLst>
+</file>
+
+<file path=ppt/tags/tag102.xml><?xml version="1.0" encoding="utf-8"?>
+<p:tagLst xmlns:a="http://schemas.openxmlformats.org/drawingml/2006/main" xmlns:r="http://schemas.openxmlformats.org/officeDocument/2006/relationships" xmlns:p="http://schemas.openxmlformats.org/presentationml/2006/main">
+  <p:tag name="NUM" val="15"/>
+</p:tagLst>
+</file>
+
+<file path=ppt/tags/tag103.xml><?xml version="1.0" encoding="utf-8"?>
+<p:tagLst xmlns:a="http://schemas.openxmlformats.org/drawingml/2006/main" xmlns:r="http://schemas.openxmlformats.org/officeDocument/2006/relationships" xmlns:p="http://schemas.openxmlformats.org/presentationml/2006/main">
+  <p:tag name="NUM" val="16"/>
+</p:tagLst>
+</file>
+
+<file path=ppt/tags/tag104.xml><?xml version="1.0" encoding="utf-8"?>
+<p:tagLst xmlns:a="http://schemas.openxmlformats.org/drawingml/2006/main" xmlns:r="http://schemas.openxmlformats.org/officeDocument/2006/relationships" xmlns:p="http://schemas.openxmlformats.org/presentationml/2006/main">
+  <p:tag name="NUM" val="17"/>
+</p:tagLst>
+</file>
+
+<file path=ppt/tags/tag105.xml><?xml version="1.0" encoding="utf-8"?>
+<p:tagLst xmlns:a="http://schemas.openxmlformats.org/drawingml/2006/main" xmlns:r="http://schemas.openxmlformats.org/officeDocument/2006/relationships" xmlns:p="http://schemas.openxmlformats.org/presentationml/2006/main">
+  <p:tag name="NUM" val="18"/>
+</p:tagLst>
+</file>
+
+<file path=ppt/tags/tag106.xml><?xml version="1.0" encoding="utf-8"?>
+<p:tagLst xmlns:a="http://schemas.openxmlformats.org/drawingml/2006/main" xmlns:r="http://schemas.openxmlformats.org/officeDocument/2006/relationships" xmlns:p="http://schemas.openxmlformats.org/presentationml/2006/main">
+  <p:tag name="NUM" val="19"/>
+</p:tagLst>
+</file>
+
+<file path=ppt/tags/tag107.xml><?xml version="1.0" encoding="utf-8"?>
+<p:tagLst xmlns:a="http://schemas.openxmlformats.org/drawingml/2006/main" xmlns:r="http://schemas.openxmlformats.org/officeDocument/2006/relationships" xmlns:p="http://schemas.openxmlformats.org/presentationml/2006/main">
+  <p:tag name="NUM" val="20"/>
+</p:tagLst>
+</file>
+
+<file path=ppt/tags/tag108.xml><?xml version="1.0" encoding="utf-8"?>
+<p:tagLst xmlns:a="http://schemas.openxmlformats.org/drawingml/2006/main" xmlns:r="http://schemas.openxmlformats.org/officeDocument/2006/relationships" xmlns:p="http://schemas.openxmlformats.org/presentationml/2006/main">
+  <p:tag name="NUM" val="21"/>
+</p:tagLst>
+</file>
+
+<file path=ppt/tags/tag109.xml><?xml version="1.0" encoding="utf-8"?>
+<p:tagLst xmlns:a="http://schemas.openxmlformats.org/drawingml/2006/main" xmlns:r="http://schemas.openxmlformats.org/officeDocument/2006/relationships" xmlns:p="http://schemas.openxmlformats.org/presentationml/2006/main">
+  <p:tag name="NUM" val="22"/>
+</p:tagLst>
+</file>
+
+<file path=ppt/tags/tag11.xml><?xml version="1.0" encoding="utf-8"?>
+<p:tagLst xmlns:a="http://schemas.openxmlformats.org/drawingml/2006/main" xmlns:r="http://schemas.openxmlformats.org/officeDocument/2006/relationships" xmlns:p="http://schemas.openxmlformats.org/presentationml/2006/main">
+  <p:tag name="NUM" val="11"/>
+</p:tagLst>
+</file>
+
+<file path=ppt/tags/tag110.xml><?xml version="1.0" encoding="utf-8"?>
+<p:tagLst xmlns:a="http://schemas.openxmlformats.org/drawingml/2006/main" xmlns:r="http://schemas.openxmlformats.org/officeDocument/2006/relationships" xmlns:p="http://schemas.openxmlformats.org/presentationml/2006/main">
+  <p:tag name="NUM" val="23"/>
+</p:tagLst>
+</file>
+
+<file path=ppt/tags/tag111.xml><?xml version="1.0" encoding="utf-8"?>
+<p:tagLst xmlns:a="http://schemas.openxmlformats.org/drawingml/2006/main" xmlns:r="http://schemas.openxmlformats.org/officeDocument/2006/relationships" xmlns:p="http://schemas.openxmlformats.org/presentationml/2006/main">
+  <p:tag name="NUM" val="24"/>
+</p:tagLst>
+</file>
+
+<file path=ppt/tags/tag112.xml><?xml version="1.0" encoding="utf-8"?>
+<p:tagLst xmlns:a="http://schemas.openxmlformats.org/drawingml/2006/main" xmlns:r="http://schemas.openxmlformats.org/officeDocument/2006/relationships" xmlns:p="http://schemas.openxmlformats.org/presentationml/2006/main">
+  <p:tag name="NUM" val="25"/>
+</p:tagLst>
+</file>
+
+<file path=ppt/tags/tag113.xml><?xml version="1.0" encoding="utf-8"?>
+<p:tagLst xmlns:a="http://schemas.openxmlformats.org/drawingml/2006/main" xmlns:r="http://schemas.openxmlformats.org/officeDocument/2006/relationships" xmlns:p="http://schemas.openxmlformats.org/presentationml/2006/main">
+  <p:tag name="NUM" val="26"/>
+</p:tagLst>
+</file>
+
+<file path=ppt/tags/tag114.xml><?xml version="1.0" encoding="utf-8"?>
+<p:tagLst xmlns:a="http://schemas.openxmlformats.org/drawingml/2006/main" xmlns:r="http://schemas.openxmlformats.org/officeDocument/2006/relationships" xmlns:p="http://schemas.openxmlformats.org/presentationml/2006/main">
+  <p:tag name="NUM" val="27"/>
+</p:tagLst>
+</file>
+
+<file path=ppt/tags/tag115.xml><?xml version="1.0" encoding="utf-8"?>
+<p:tagLst xmlns:a="http://schemas.openxmlformats.org/drawingml/2006/main" xmlns:r="http://schemas.openxmlformats.org/officeDocument/2006/relationships" xmlns:p="http://schemas.openxmlformats.org/presentationml/2006/main">
+  <p:tag name="NUM" val="28"/>
+</p:tagLst>
+</file>
+
+<file path=ppt/tags/tag116.xml><?xml version="1.0" encoding="utf-8"?>
+<p:tagLst xmlns:a="http://schemas.openxmlformats.org/drawingml/2006/main" xmlns:r="http://schemas.openxmlformats.org/officeDocument/2006/relationships" xmlns:p="http://schemas.openxmlformats.org/presentationml/2006/main">
+  <p:tag name="NUM" val="29"/>
+</p:tagLst>
+</file>
+
+<file path=ppt/tags/tag117.xml><?xml version="1.0" encoding="utf-8"?>
+<p:tagLst xmlns:a="http://schemas.openxmlformats.org/drawingml/2006/main" xmlns:r="http://schemas.openxmlformats.org/officeDocument/2006/relationships" xmlns:p="http://schemas.openxmlformats.org/presentationml/2006/main">
+  <p:tag name="NUM" val="30"/>
+</p:tagLst>
+</file>
+
+<file path=ppt/tags/tag118.xml><?xml version="1.0" encoding="utf-8"?>
+<p:tagLst xmlns:a="http://schemas.openxmlformats.org/drawingml/2006/main" xmlns:r="http://schemas.openxmlformats.org/officeDocument/2006/relationships" xmlns:p="http://schemas.openxmlformats.org/presentationml/2006/main">
+  <p:tag name="NUM" val="31"/>
+</p:tagLst>
+</file>
+
+<file path=ppt/tags/tag119.xml><?xml version="1.0" encoding="utf-8"?>
+<p:tagLst xmlns:a="http://schemas.openxmlformats.org/drawingml/2006/main" xmlns:r="http://schemas.openxmlformats.org/officeDocument/2006/relationships" xmlns:p="http://schemas.openxmlformats.org/presentationml/2006/main">
+  <p:tag name="NUM" val="32"/>
+</p:tagLst>
+</file>
+
+<file path=ppt/tags/tag12.xml><?xml version="1.0" encoding="utf-8"?>
+<p:tagLst xmlns:a="http://schemas.openxmlformats.org/drawingml/2006/main" xmlns:r="http://schemas.openxmlformats.org/officeDocument/2006/relationships" xmlns:p="http://schemas.openxmlformats.org/presentationml/2006/main">
   <p:tag name="NUM" val="12"/>
 </p:tagLst>
 </file>
 
-<file path=ppt/tags/tag101.xml><?xml version="1.0" encoding="utf-8"?>
+<file path=ppt/tags/tag120.xml><?xml version="1.0" encoding="utf-8"?>
+<p:tagLst xmlns:a="http://schemas.openxmlformats.org/drawingml/2006/main" xmlns:r="http://schemas.openxmlformats.org/officeDocument/2006/relationships" xmlns:p="http://schemas.openxmlformats.org/presentationml/2006/main">
+  <p:tag name="NUM" val="33"/>
+</p:tagLst>
+</file>
+
+<file path=ppt/tags/tag121.xml><?xml version="1.0" encoding="utf-8"?>
+<p:tagLst xmlns:a="http://schemas.openxmlformats.org/drawingml/2006/main" xmlns:r="http://schemas.openxmlformats.org/officeDocument/2006/relationships" xmlns:p="http://schemas.openxmlformats.org/presentationml/2006/main">
+  <p:tag name="NUM" val="34"/>
+</p:tagLst>
+</file>
+
+<file path=ppt/tags/tag122.xml><?xml version="1.0" encoding="utf-8"?>
+<p:tagLst xmlns:a="http://schemas.openxmlformats.org/drawingml/2006/main" xmlns:r="http://schemas.openxmlformats.org/officeDocument/2006/relationships" xmlns:p="http://schemas.openxmlformats.org/presentationml/2006/main">
+  <p:tag name="NUM" val="35"/>
+</p:tagLst>
+</file>
+
+<file path=ppt/tags/tag123.xml><?xml version="1.0" encoding="utf-8"?>
+<p:tagLst xmlns:a="http://schemas.openxmlformats.org/drawingml/2006/main" xmlns:r="http://schemas.openxmlformats.org/officeDocument/2006/relationships" xmlns:p="http://schemas.openxmlformats.org/presentationml/2006/main">
+  <p:tag name="NUM" val="36"/>
+</p:tagLst>
+</file>
+
+<file path=ppt/tags/tag124.xml><?xml version="1.0" encoding="utf-8"?>
+<p:tagLst xmlns:a="http://schemas.openxmlformats.org/drawingml/2006/main" xmlns:r="http://schemas.openxmlformats.org/officeDocument/2006/relationships" xmlns:p="http://schemas.openxmlformats.org/presentationml/2006/main">
+  <p:tag name="NUM" val="37"/>
+</p:tagLst>
+</file>
+
+<file path=ppt/tags/tag125.xml><?xml version="1.0" encoding="utf-8"?>
+<p:tagLst xmlns:a="http://schemas.openxmlformats.org/drawingml/2006/main" xmlns:r="http://schemas.openxmlformats.org/officeDocument/2006/relationships" xmlns:p="http://schemas.openxmlformats.org/presentationml/2006/main">
+  <p:tag name="NUM" val="38"/>
+</p:tagLst>
+</file>
+
+<file path=ppt/tags/tag126.xml><?xml version="1.0" encoding="utf-8"?>
+<p:tagLst xmlns:a="http://schemas.openxmlformats.org/drawingml/2006/main" xmlns:r="http://schemas.openxmlformats.org/officeDocument/2006/relationships" xmlns:p="http://schemas.openxmlformats.org/presentationml/2006/main">
+  <p:tag name="NUM" val="39"/>
+</p:tagLst>
+</file>
+
+<file path=ppt/tags/tag127.xml><?xml version="1.0" encoding="utf-8"?>
+<p:tagLst xmlns:a="http://schemas.openxmlformats.org/drawingml/2006/main" xmlns:r="http://schemas.openxmlformats.org/officeDocument/2006/relationships" xmlns:p="http://schemas.openxmlformats.org/presentationml/2006/main">
+  <p:tag name="NUM" val="40"/>
+</p:tagLst>
+</file>
+
+<file path=ppt/tags/tag128.xml><?xml version="1.0" encoding="utf-8"?>
+<p:tagLst xmlns:a="http://schemas.openxmlformats.org/drawingml/2006/main" xmlns:r="http://schemas.openxmlformats.org/officeDocument/2006/relationships" xmlns:p="http://schemas.openxmlformats.org/presentationml/2006/main">
+  <p:tag name="NUM" val="41"/>
+</p:tagLst>
+</file>
+
+<file path=ppt/tags/tag129.xml><?xml version="1.0" encoding="utf-8"?>
+<p:tagLst xmlns:a="http://schemas.openxmlformats.org/drawingml/2006/main" xmlns:r="http://schemas.openxmlformats.org/officeDocument/2006/relationships" xmlns:p="http://schemas.openxmlformats.org/presentationml/2006/main">
+  <p:tag name="NUM" val="42"/>
+</p:tagLst>
+</file>
+
+<file path=ppt/tags/tag13.xml><?xml version="1.0" encoding="utf-8"?>
 <p:tagLst xmlns:a="http://schemas.openxmlformats.org/drawingml/2006/main" xmlns:r="http://schemas.openxmlformats.org/officeDocument/2006/relationships" xmlns:p="http://schemas.openxmlformats.org/presentationml/2006/main">
   <p:tag name="NUM" val="13"/>
 </p:tagLst>
 </file>
 
-<file path=ppt/tags/tag102.xml><?xml version="1.0" encoding="utf-8"?>
+<file path=ppt/tags/tag130.xml><?xml version="1.0" encoding="utf-8"?>
+<p:tagLst xmlns:a="http://schemas.openxmlformats.org/drawingml/2006/main" xmlns:r="http://schemas.openxmlformats.org/officeDocument/2006/relationships" xmlns:p="http://schemas.openxmlformats.org/presentationml/2006/main">
+  <p:tag name="NUM" val="43"/>
+</p:tagLst>
+</file>
+
+<file path=ppt/tags/tag131.xml><?xml version="1.0" encoding="utf-8"?>
+<p:tagLst xmlns:a="http://schemas.openxmlformats.org/drawingml/2006/main" xmlns:r="http://schemas.openxmlformats.org/officeDocument/2006/relationships" xmlns:p="http://schemas.openxmlformats.org/presentationml/2006/main">
+  <p:tag name="NUM" val="44"/>
+</p:tagLst>
+</file>
+
+<file path=ppt/tags/tag132.xml><?xml version="1.0" encoding="utf-8"?>
+<p:tagLst xmlns:a="http://schemas.openxmlformats.org/drawingml/2006/main" xmlns:r="http://schemas.openxmlformats.org/officeDocument/2006/relationships" xmlns:p="http://schemas.openxmlformats.org/presentationml/2006/main">
+  <p:tag name="NUM" val="45"/>
+</p:tagLst>
+</file>
+
+<file path=ppt/tags/tag133.xml><?xml version="1.0" encoding="utf-8"?>
+<p:tagLst xmlns:a="http://schemas.openxmlformats.org/drawingml/2006/main" xmlns:r="http://schemas.openxmlformats.org/officeDocument/2006/relationships" xmlns:p="http://schemas.openxmlformats.org/presentationml/2006/main">
+  <p:tag name="NUM" val="46"/>
+</p:tagLst>
+</file>
+
+<file path=ppt/tags/tag134.xml><?xml version="1.0" encoding="utf-8"?>
+<p:tagLst xmlns:a="http://schemas.openxmlformats.org/drawingml/2006/main" xmlns:r="http://schemas.openxmlformats.org/officeDocument/2006/relationships" xmlns:p="http://schemas.openxmlformats.org/presentationml/2006/main">
+  <p:tag name="NUM" val="47"/>
+</p:tagLst>
+</file>
+
+<file path=ppt/tags/tag135.xml><?xml version="1.0" encoding="utf-8"?>
+<p:tagLst xmlns:a="http://schemas.openxmlformats.org/drawingml/2006/main" xmlns:r="http://schemas.openxmlformats.org/officeDocument/2006/relationships" xmlns:p="http://schemas.openxmlformats.org/presentationml/2006/main">
+  <p:tag name="NUM" val="48"/>
+</p:tagLst>
+</file>
+
+<file path=ppt/tags/tag136.xml><?xml version="1.0" encoding="utf-8"?>
+<p:tagLst xmlns:a="http://schemas.openxmlformats.org/drawingml/2006/main" xmlns:r="http://schemas.openxmlformats.org/officeDocument/2006/relationships" xmlns:p="http://schemas.openxmlformats.org/presentationml/2006/main">
+  <p:tag name="NUM" val="49"/>
+</p:tagLst>
+</file>
+
+<file path=ppt/tags/tag137.xml><?xml version="1.0" encoding="utf-8"?>
+<p:tagLst xmlns:a="http://schemas.openxmlformats.org/drawingml/2006/main" xmlns:r="http://schemas.openxmlformats.org/officeDocument/2006/relationships" xmlns:p="http://schemas.openxmlformats.org/presentationml/2006/main">
+  <p:tag name="NUM" val="50"/>
+</p:tagLst>
+</file>
+
+<file path=ppt/tags/tag138.xml><?xml version="1.0" encoding="utf-8"?>
+<p:tagLst xmlns:a="http://schemas.openxmlformats.org/drawingml/2006/main" xmlns:r="http://schemas.openxmlformats.org/officeDocument/2006/relationships" xmlns:p="http://schemas.openxmlformats.org/presentationml/2006/main">
+  <p:tag name="NUM" val="51"/>
+</p:tagLst>
+</file>
+
+<file path=ppt/tags/tag139.xml><?xml version="1.0" encoding="utf-8"?>
+<p:tagLst xmlns:a="http://schemas.openxmlformats.org/drawingml/2006/main" xmlns:r="http://schemas.openxmlformats.org/officeDocument/2006/relationships" xmlns:p="http://schemas.openxmlformats.org/presentationml/2006/main">
+  <p:tag name="NUM" val="52"/>
+</p:tagLst>
+</file>
+
+<file path=ppt/tags/tag14.xml><?xml version="1.0" encoding="utf-8"?>
 <p:tagLst xmlns:a="http://schemas.openxmlformats.org/drawingml/2006/main" xmlns:r="http://schemas.openxmlformats.org/officeDocument/2006/relationships" xmlns:p="http://schemas.openxmlformats.org/presentationml/2006/main">
   <p:tag name="NUM" val="14"/>
 </p:tagLst>
 </file>
 
-<file path=ppt/tags/tag103.xml><?xml version="1.0" encoding="utf-8"?>
+<file path=ppt/tags/tag140.xml><?xml version="1.0" encoding="utf-8"?>
+<p:tagLst xmlns:a="http://schemas.openxmlformats.org/drawingml/2006/main" xmlns:r="http://schemas.openxmlformats.org/officeDocument/2006/relationships" xmlns:p="http://schemas.openxmlformats.org/presentationml/2006/main">
+  <p:tag name="NUM" val="47"/>
+</p:tagLst>
+</file>
+
+<file path=ppt/tags/tag141.xml><?xml version="1.0" encoding="utf-8"?>
+<p:tagLst xmlns:a="http://schemas.openxmlformats.org/drawingml/2006/main" xmlns:r="http://schemas.openxmlformats.org/officeDocument/2006/relationships" xmlns:p="http://schemas.openxmlformats.org/presentationml/2006/main">
+  <p:tag name="NUM" val="1"/>
+</p:tagLst>
+</file>
+
+<file path=ppt/tags/tag142.xml><?xml version="1.0" encoding="utf-8"?>
+<p:tagLst xmlns:a="http://schemas.openxmlformats.org/drawingml/2006/main" xmlns:r="http://schemas.openxmlformats.org/officeDocument/2006/relationships" xmlns:p="http://schemas.openxmlformats.org/presentationml/2006/main">
+  <p:tag name="NUM" val="2"/>
+</p:tagLst>
+</file>
+
+<file path=ppt/tags/tag143.xml><?xml version="1.0" encoding="utf-8"?>
+<p:tagLst xmlns:a="http://schemas.openxmlformats.org/drawingml/2006/main" xmlns:r="http://schemas.openxmlformats.org/officeDocument/2006/relationships" xmlns:p="http://schemas.openxmlformats.org/presentationml/2006/main">
+  <p:tag name="NUM" val="3"/>
+</p:tagLst>
+</file>
+
+<file path=ppt/tags/tag144.xml><?xml version="1.0" encoding="utf-8"?>
+<p:tagLst xmlns:a="http://schemas.openxmlformats.org/drawingml/2006/main" xmlns:r="http://schemas.openxmlformats.org/officeDocument/2006/relationships" xmlns:p="http://schemas.openxmlformats.org/presentationml/2006/main">
+  <p:tag name="NUM" val="4"/>
+</p:tagLst>
+</file>
+
+<file path=ppt/tags/tag145.xml><?xml version="1.0" encoding="utf-8"?>
+<p:tagLst xmlns:a="http://schemas.openxmlformats.org/drawingml/2006/main" xmlns:r="http://schemas.openxmlformats.org/officeDocument/2006/relationships" xmlns:p="http://schemas.openxmlformats.org/presentationml/2006/main">
+  <p:tag name="NUM" val="5"/>
+</p:tagLst>
+</file>
+
+<file path=ppt/tags/tag146.xml><?xml version="1.0" encoding="utf-8"?>
+<p:tagLst xmlns:a="http://schemas.openxmlformats.org/drawingml/2006/main" xmlns:r="http://schemas.openxmlformats.org/officeDocument/2006/relationships" xmlns:p="http://schemas.openxmlformats.org/presentationml/2006/main">
+  <p:tag name="NUM" val="6"/>
+</p:tagLst>
+</file>
+
+<file path=ppt/tags/tag147.xml><?xml version="1.0" encoding="utf-8"?>
+<p:tagLst xmlns:a="http://schemas.openxmlformats.org/drawingml/2006/main" xmlns:r="http://schemas.openxmlformats.org/officeDocument/2006/relationships" xmlns:p="http://schemas.openxmlformats.org/presentationml/2006/main">
+  <p:tag name="NUM" val="7"/>
+</p:tagLst>
+</file>
+
+<file path=ppt/tags/tag148.xml><?xml version="1.0" encoding="utf-8"?>
+<p:tagLst xmlns:a="http://schemas.openxmlformats.org/drawingml/2006/main" xmlns:r="http://schemas.openxmlformats.org/officeDocument/2006/relationships" xmlns:p="http://schemas.openxmlformats.org/presentationml/2006/main">
+  <p:tag name="NUM" val="8"/>
+</p:tagLst>
+</file>
+
+<file path=ppt/tags/tag149.xml><?xml version="1.0" encoding="utf-8"?>
+<p:tagLst xmlns:a="http://schemas.openxmlformats.org/drawingml/2006/main" xmlns:r="http://schemas.openxmlformats.org/officeDocument/2006/relationships" xmlns:p="http://schemas.openxmlformats.org/presentationml/2006/main">
+  <p:tag name="NUM" val="9"/>
+</p:tagLst>
+</file>
+
+<file path=ppt/tags/tag15.xml><?xml version="1.0" encoding="utf-8"?>
 <p:tagLst xmlns:a="http://schemas.openxmlformats.org/drawingml/2006/main" xmlns:r="http://schemas.openxmlformats.org/officeDocument/2006/relationships" xmlns:p="http://schemas.openxmlformats.org/presentationml/2006/main">
   <p:tag name="NUM" val="15"/>
 </p:tagLst>
 </file>
 
-<file path=ppt/tags/tag104.xml><?xml version="1.0" encoding="utf-8"?>
+<file path=ppt/tags/tag150.xml><?xml version="1.0" encoding="utf-8"?>
+<p:tagLst xmlns:a="http://schemas.openxmlformats.org/drawingml/2006/main" xmlns:r="http://schemas.openxmlformats.org/officeDocument/2006/relationships" xmlns:p="http://schemas.openxmlformats.org/presentationml/2006/main">
+  <p:tag name="NUM" val="10"/>
+</p:tagLst>
+</file>
+
+<file path=ppt/tags/tag151.xml><?xml version="1.0" encoding="utf-8"?>
+<p:tagLst xmlns:a="http://schemas.openxmlformats.org/drawingml/2006/main" xmlns:r="http://schemas.openxmlformats.org/officeDocument/2006/relationships" xmlns:p="http://schemas.openxmlformats.org/presentationml/2006/main">
+  <p:tag name="NUM" val="11"/>
+</p:tagLst>
+</file>
+
+<file path=ppt/tags/tag152.xml><?xml version="1.0" encoding="utf-8"?>
+<p:tagLst xmlns:a="http://schemas.openxmlformats.org/drawingml/2006/main" xmlns:r="http://schemas.openxmlformats.org/officeDocument/2006/relationships" xmlns:p="http://schemas.openxmlformats.org/presentationml/2006/main">
+  <p:tag name="NUM" val="12"/>
+</p:tagLst>
+</file>
+
+<file path=ppt/tags/tag153.xml><?xml version="1.0" encoding="utf-8"?>
+<p:tagLst xmlns:a="http://schemas.openxmlformats.org/drawingml/2006/main" xmlns:r="http://schemas.openxmlformats.org/officeDocument/2006/relationships" xmlns:p="http://schemas.openxmlformats.org/presentationml/2006/main">
+  <p:tag name="NUM" val="13"/>
+</p:tagLst>
+</file>
+
+<file path=ppt/tags/tag154.xml><?xml version="1.0" encoding="utf-8"?>
+<p:tagLst xmlns:a="http://schemas.openxmlformats.org/drawingml/2006/main" xmlns:r="http://schemas.openxmlformats.org/officeDocument/2006/relationships" xmlns:p="http://schemas.openxmlformats.org/presentationml/2006/main">
+  <p:tag name="NUM" val="14"/>
+</p:tagLst>
+</file>
+
+<file path=ppt/tags/tag155.xml><?xml version="1.0" encoding="utf-8"?>
+<p:tagLst xmlns:a="http://schemas.openxmlformats.org/drawingml/2006/main" xmlns:r="http://schemas.openxmlformats.org/officeDocument/2006/relationships" xmlns:p="http://schemas.openxmlformats.org/presentationml/2006/main">
+  <p:tag name="NUM" val="15"/>
+</p:tagLst>
+</file>
+
+<file path=ppt/tags/tag156.xml><?xml version="1.0" encoding="utf-8"?>
 <p:tagLst xmlns:a="http://schemas.openxmlformats.org/drawingml/2006/main" xmlns:r="http://schemas.openxmlformats.org/officeDocument/2006/relationships" xmlns:p="http://schemas.openxmlformats.org/presentationml/2006/main">
   <p:tag name="NUM" val="16"/>
 </p:tagLst>
 </file>
 
-<file path=ppt/tags/tag105.xml><?xml version="1.0" encoding="utf-8"?>
+<file path=ppt/tags/tag157.xml><?xml version="1.0" encoding="utf-8"?>
 <p:tagLst xmlns:a="http://schemas.openxmlformats.org/drawingml/2006/main" xmlns:r="http://schemas.openxmlformats.org/officeDocument/2006/relationships" xmlns:p="http://schemas.openxmlformats.org/presentationml/2006/main">
   <p:tag name="NUM" val="17"/>
 </p:tagLst>
 </file>
 
-<file path=ppt/tags/tag106.xml><?xml version="1.0" encoding="utf-8"?>
+<file path=ppt/tags/tag158.xml><?xml version="1.0" encoding="utf-8"?>
 <p:tagLst xmlns:a="http://schemas.openxmlformats.org/drawingml/2006/main" xmlns:r="http://schemas.openxmlformats.org/officeDocument/2006/relationships" xmlns:p="http://schemas.openxmlformats.org/presentationml/2006/main">
   <p:tag name="NUM" val="18"/>
 </p:tagLst>
 </file>
 
-<file path=ppt/tags/tag107.xml><?xml version="1.0" encoding="utf-8"?>
+<file path=ppt/tags/tag159.xml><?xml version="1.0" encoding="utf-8"?>
 <p:tagLst xmlns:a="http://schemas.openxmlformats.org/drawingml/2006/main" xmlns:r="http://schemas.openxmlformats.org/officeDocument/2006/relationships" xmlns:p="http://schemas.openxmlformats.org/presentationml/2006/main">
   <p:tag name="NUM" val="19"/>
 </p:tagLst>
 </file>
 
-<file path=ppt/tags/tag108.xml><?xml version="1.0" encoding="utf-8"?>
+<file path=ppt/tags/tag16.xml><?xml version="1.0" encoding="utf-8"?>
+<p:tagLst xmlns:a="http://schemas.openxmlformats.org/drawingml/2006/main" xmlns:r="http://schemas.openxmlformats.org/officeDocument/2006/relationships" xmlns:p="http://schemas.openxmlformats.org/presentationml/2006/main">
+  <p:tag name="NUM" val="16"/>
+</p:tagLst>
+</file>
+
+<file path=ppt/tags/tag160.xml><?xml version="1.0" encoding="utf-8"?>
 <p:tagLst xmlns:a="http://schemas.openxmlformats.org/drawingml/2006/main" xmlns:r="http://schemas.openxmlformats.org/officeDocument/2006/relationships" xmlns:p="http://schemas.openxmlformats.org/presentationml/2006/main">
   <p:tag name="NUM" val="20"/>
 </p:tagLst>
 </file>
 
-<file path=ppt/tags/tag109.xml><?xml version="1.0" encoding="utf-8"?>
+<file path=ppt/tags/tag161.xml><?xml version="1.0" encoding="utf-8"?>
 <p:tagLst xmlns:a="http://schemas.openxmlformats.org/drawingml/2006/main" xmlns:r="http://schemas.openxmlformats.org/officeDocument/2006/relationships" xmlns:p="http://schemas.openxmlformats.org/presentationml/2006/main">
   <p:tag name="NUM" val="21"/>
 </p:tagLst>
 </file>
 
-<file path=ppt/tags/tag11.xml><?xml version="1.0" encoding="utf-8"?>
+<file path=ppt/tags/tag162.xml><?xml version="1.0" encoding="utf-8"?>
+<p:tagLst xmlns:a="http://schemas.openxmlformats.org/drawingml/2006/main" xmlns:r="http://schemas.openxmlformats.org/officeDocument/2006/relationships" xmlns:p="http://schemas.openxmlformats.org/presentationml/2006/main">
+  <p:tag name="NUM" val="22"/>
+</p:tagLst>
+</file>
+
+<file path=ppt/tags/tag163.xml><?xml version="1.0" encoding="utf-8"?>
+<p:tagLst xmlns:a="http://schemas.openxmlformats.org/drawingml/2006/main" xmlns:r="http://schemas.openxmlformats.org/officeDocument/2006/relationships" xmlns:p="http://schemas.openxmlformats.org/presentationml/2006/main">
+  <p:tag name="NUM" val="23"/>
+</p:tagLst>
+</file>
+
+<file path=ppt/tags/tag164.xml><?xml version="1.0" encoding="utf-8"?>
+<p:tagLst xmlns:a="http://schemas.openxmlformats.org/drawingml/2006/main" xmlns:r="http://schemas.openxmlformats.org/officeDocument/2006/relationships" xmlns:p="http://schemas.openxmlformats.org/presentationml/2006/main">
+  <p:tag name="NUM" val="24"/>
+</p:tagLst>
+</file>
+
+<file path=ppt/tags/tag165.xml><?xml version="1.0" encoding="utf-8"?>
+<p:tagLst xmlns:a="http://schemas.openxmlformats.org/drawingml/2006/main" xmlns:r="http://schemas.openxmlformats.org/officeDocument/2006/relationships" xmlns:p="http://schemas.openxmlformats.org/presentationml/2006/main">
+  <p:tag name="NUM" val="25"/>
+</p:tagLst>
+</file>
+
+<file path=ppt/tags/tag166.xml><?xml version="1.0" encoding="utf-8"?>
+<p:tagLst xmlns:a="http://schemas.openxmlformats.org/drawingml/2006/main" xmlns:r="http://schemas.openxmlformats.org/officeDocument/2006/relationships" xmlns:p="http://schemas.openxmlformats.org/presentationml/2006/main">
+  <p:tag name="NUM" val="26"/>
+</p:tagLst>
+</file>
+
+<file path=ppt/tags/tag167.xml><?xml version="1.0" encoding="utf-8"?>
+<p:tagLst xmlns:a="http://schemas.openxmlformats.org/drawingml/2006/main" xmlns:r="http://schemas.openxmlformats.org/officeDocument/2006/relationships" xmlns:p="http://schemas.openxmlformats.org/presentationml/2006/main">
+  <p:tag name="NUM" val="27"/>
+</p:tagLst>
+</file>
+
+<file path=ppt/tags/tag168.xml><?xml version="1.0" encoding="utf-8"?>
+<p:tagLst xmlns:a="http://schemas.openxmlformats.org/drawingml/2006/main" xmlns:r="http://schemas.openxmlformats.org/officeDocument/2006/relationships" xmlns:p="http://schemas.openxmlformats.org/presentationml/2006/main">
+  <p:tag name="NUM" val="28"/>
+</p:tagLst>
+</file>
+
+<file path=ppt/tags/tag169.xml><?xml version="1.0" encoding="utf-8"?>
+<p:tagLst xmlns:a="http://schemas.openxmlformats.org/drawingml/2006/main" xmlns:r="http://schemas.openxmlformats.org/officeDocument/2006/relationships" xmlns:p="http://schemas.openxmlformats.org/presentationml/2006/main">
+  <p:tag name="NUM" val="29"/>
+</p:tagLst>
+</file>
+
+<file path=ppt/tags/tag17.xml><?xml version="1.0" encoding="utf-8"?>
+<p:tagLst xmlns:a="http://schemas.openxmlformats.org/drawingml/2006/main" xmlns:r="http://schemas.openxmlformats.org/officeDocument/2006/relationships" xmlns:p="http://schemas.openxmlformats.org/presentationml/2006/main">
+  <p:tag name="NUM" val="17"/>
+</p:tagLst>
+</file>
+
+<file path=ppt/tags/tag170.xml><?xml version="1.0" encoding="utf-8"?>
+<p:tagLst xmlns:a="http://schemas.openxmlformats.org/drawingml/2006/main" xmlns:r="http://schemas.openxmlformats.org/officeDocument/2006/relationships" xmlns:p="http://schemas.openxmlformats.org/presentationml/2006/main">
+  <p:tag name="NUM" val="30"/>
+</p:tagLst>
+</file>
+
+<file path=ppt/tags/tag171.xml><?xml version="1.0" encoding="utf-8"?>
+<p:tagLst xmlns:a="http://schemas.openxmlformats.org/drawingml/2006/main" xmlns:r="http://schemas.openxmlformats.org/officeDocument/2006/relationships" xmlns:p="http://schemas.openxmlformats.org/presentationml/2006/main">
+  <p:tag name="NUM" val="31"/>
+</p:tagLst>
+</file>
+
+<file path=ppt/tags/tag172.xml><?xml version="1.0" encoding="utf-8"?>
+<p:tagLst xmlns:a="http://schemas.openxmlformats.org/drawingml/2006/main" xmlns:r="http://schemas.openxmlformats.org/officeDocument/2006/relationships" xmlns:p="http://schemas.openxmlformats.org/presentationml/2006/main">
+  <p:tag name="NUM" val="32"/>
+</p:tagLst>
+</file>
+
+<file path=ppt/tags/tag173.xml><?xml version="1.0" encoding="utf-8"?>
+<p:tagLst xmlns:a="http://schemas.openxmlformats.org/drawingml/2006/main" xmlns:r="http://schemas.openxmlformats.org/officeDocument/2006/relationships" xmlns:p="http://schemas.openxmlformats.org/presentationml/2006/main">
+  <p:tag name="NUM" val="33"/>
+</p:tagLst>
+</file>
+
+<file path=ppt/tags/tag174.xml><?xml version="1.0" encoding="utf-8"?>
+<p:tagLst xmlns:a="http://schemas.openxmlformats.org/drawingml/2006/main" xmlns:r="http://schemas.openxmlformats.org/officeDocument/2006/relationships" xmlns:p="http://schemas.openxmlformats.org/presentationml/2006/main">
+  <p:tag name="NUM" val="34"/>
+</p:tagLst>
+</file>
+
+<file path=ppt/tags/tag175.xml><?xml version="1.0" encoding="utf-8"?>
+<p:tagLst xmlns:a="http://schemas.openxmlformats.org/drawingml/2006/main" xmlns:r="http://schemas.openxmlformats.org/officeDocument/2006/relationships" xmlns:p="http://schemas.openxmlformats.org/presentationml/2006/main">
+  <p:tag name="NUM" val="35"/>
+</p:tagLst>
+</file>
+
+<file path=ppt/tags/tag176.xml><?xml version="1.0" encoding="utf-8"?>
+<p:tagLst xmlns:a="http://schemas.openxmlformats.org/drawingml/2006/main" xmlns:r="http://schemas.openxmlformats.org/officeDocument/2006/relationships" xmlns:p="http://schemas.openxmlformats.org/presentationml/2006/main">
+  <p:tag name="NUM" val="36"/>
+</p:tagLst>
+</file>
+
+<file path=ppt/tags/tag177.xml><?xml version="1.0" encoding="utf-8"?>
+<p:tagLst xmlns:a="http://schemas.openxmlformats.org/drawingml/2006/main" xmlns:r="http://schemas.openxmlformats.org/officeDocument/2006/relationships" xmlns:p="http://schemas.openxmlformats.org/presentationml/2006/main">
+  <p:tag name="NUM" val="37"/>
+</p:tagLst>
+</file>
+
+<file path=ppt/tags/tag178.xml><?xml version="1.0" encoding="utf-8"?>
+<p:tagLst xmlns:a="http://schemas.openxmlformats.org/drawingml/2006/main" xmlns:r="http://schemas.openxmlformats.org/officeDocument/2006/relationships" xmlns:p="http://schemas.openxmlformats.org/presentationml/2006/main">
+  <p:tag name="NUM" val="38"/>
+</p:tagLst>
+</file>
+
+<file path=ppt/tags/tag179.xml><?xml version="1.0" encoding="utf-8"?>
+<p:tagLst xmlns:a="http://schemas.openxmlformats.org/drawingml/2006/main" xmlns:r="http://schemas.openxmlformats.org/officeDocument/2006/relationships" xmlns:p="http://schemas.openxmlformats.org/presentationml/2006/main">
+  <p:tag name="NUM" val="39"/>
+</p:tagLst>
+</file>
+
+<file path=ppt/tags/tag18.xml><?xml version="1.0" encoding="utf-8"?>
+<p:tagLst xmlns:a="http://schemas.openxmlformats.org/drawingml/2006/main" xmlns:r="http://schemas.openxmlformats.org/officeDocument/2006/relationships" xmlns:p="http://schemas.openxmlformats.org/presentationml/2006/main">
+  <p:tag name="NUM" val="18"/>
+</p:tagLst>
+</file>
+
+<file path=ppt/tags/tag180.xml><?xml version="1.0" encoding="utf-8"?>
+<p:tagLst xmlns:a="http://schemas.openxmlformats.org/drawingml/2006/main" xmlns:r="http://schemas.openxmlformats.org/officeDocument/2006/relationships" xmlns:p="http://schemas.openxmlformats.org/presentationml/2006/main">
+  <p:tag name="NUM" val="40"/>
+</p:tagLst>
+</file>
+
+<file path=ppt/tags/tag181.xml><?xml version="1.0" encoding="utf-8"?>
+<p:tagLst xmlns:a="http://schemas.openxmlformats.org/drawingml/2006/main" xmlns:r="http://schemas.openxmlformats.org/officeDocument/2006/relationships" xmlns:p="http://schemas.openxmlformats.org/presentationml/2006/main">
+  <p:tag name="NUM" val="41"/>
+</p:tagLst>
+</file>
+
+<file path=ppt/tags/tag182.xml><?xml version="1.0" encoding="utf-8"?>
+<p:tagLst xmlns:a="http://schemas.openxmlformats.org/drawingml/2006/main" xmlns:r="http://schemas.openxmlformats.org/officeDocument/2006/relationships" xmlns:p="http://schemas.openxmlformats.org/presentationml/2006/main">
+  <p:tag name="NUM" val="42"/>
+</p:tagLst>
+</file>
+
+<file path=ppt/tags/tag183.xml><?xml version="1.0" encoding="utf-8"?>
+<p:tagLst xmlns:a="http://schemas.openxmlformats.org/drawingml/2006/main" xmlns:r="http://schemas.openxmlformats.org/officeDocument/2006/relationships" xmlns:p="http://schemas.openxmlformats.org/presentationml/2006/main">
+  <p:tag name="NUM" val="43"/>
+</p:tagLst>
+</file>
+
+<file path=ppt/tags/tag184.xml><?xml version="1.0" encoding="utf-8"?>
+<p:tagLst xmlns:a="http://schemas.openxmlformats.org/drawingml/2006/main" xmlns:r="http://schemas.openxmlformats.org/officeDocument/2006/relationships" xmlns:p="http://schemas.openxmlformats.org/presentationml/2006/main">
+  <p:tag name="NUM" val="44"/>
+</p:tagLst>
+</file>
+
+<file path=ppt/tags/tag185.xml><?xml version="1.0" encoding="utf-8"?>
+<p:tagLst xmlns:a="http://schemas.openxmlformats.org/drawingml/2006/main" xmlns:r="http://schemas.openxmlformats.org/officeDocument/2006/relationships" xmlns:p="http://schemas.openxmlformats.org/presentationml/2006/main">
+  <p:tag name="NUM" val="45"/>
+</p:tagLst>
+</file>
+
+<file path=ppt/tags/tag186.xml><?xml version="1.0" encoding="utf-8"?>
+<p:tagLst xmlns:a="http://schemas.openxmlformats.org/drawingml/2006/main" xmlns:r="http://schemas.openxmlformats.org/officeDocument/2006/relationships" xmlns:p="http://schemas.openxmlformats.org/presentationml/2006/main">
+  <p:tag name="NUM" val="46"/>
+</p:tagLst>
+</file>
+
+<file path=ppt/tags/tag187.xml><?xml version="1.0" encoding="utf-8"?>
+<p:tagLst xmlns:a="http://schemas.openxmlformats.org/drawingml/2006/main" xmlns:r="http://schemas.openxmlformats.org/officeDocument/2006/relationships" xmlns:p="http://schemas.openxmlformats.org/presentationml/2006/main">
+  <p:tag name="NUM" val="47"/>
+</p:tagLst>
+</file>
+
+<file path=ppt/tags/tag188.xml><?xml version="1.0" encoding="utf-8"?>
+<p:tagLst xmlns:a="http://schemas.openxmlformats.org/drawingml/2006/main" xmlns:r="http://schemas.openxmlformats.org/officeDocument/2006/relationships" xmlns:p="http://schemas.openxmlformats.org/presentationml/2006/main">
+  <p:tag name="NUM" val="48"/>
+</p:tagLst>
+</file>
+
+<file path=ppt/tags/tag189.xml><?xml version="1.0" encoding="utf-8"?>
+<p:tagLst xmlns:a="http://schemas.openxmlformats.org/drawingml/2006/main" xmlns:r="http://schemas.openxmlformats.org/officeDocument/2006/relationships" xmlns:p="http://schemas.openxmlformats.org/presentationml/2006/main">
+  <p:tag name="NUM" val="49"/>
+</p:tagLst>
+</file>
+
+<file path=ppt/tags/tag19.xml><?xml version="1.0" encoding="utf-8"?>
+<p:tagLst xmlns:a="http://schemas.openxmlformats.org/drawingml/2006/main" xmlns:r="http://schemas.openxmlformats.org/officeDocument/2006/relationships" xmlns:p="http://schemas.openxmlformats.org/presentationml/2006/main">
+  <p:tag name="NUM" val="19"/>
+</p:tagLst>
+</file>
+
+<file path=ppt/tags/tag190.xml><?xml version="1.0" encoding="utf-8"?>
+<p:tagLst xmlns:a="http://schemas.openxmlformats.org/drawingml/2006/main" xmlns:r="http://schemas.openxmlformats.org/officeDocument/2006/relationships" xmlns:p="http://schemas.openxmlformats.org/presentationml/2006/main">
+  <p:tag name="NUM" val="50"/>
+</p:tagLst>
+</file>
+
+<file path=ppt/tags/tag191.xml><?xml version="1.0" encoding="utf-8"?>
+<p:tagLst xmlns:a="http://schemas.openxmlformats.org/drawingml/2006/main" xmlns:r="http://schemas.openxmlformats.org/officeDocument/2006/relationships" xmlns:p="http://schemas.openxmlformats.org/presentationml/2006/main">
+  <p:tag name="NUM" val="1"/>
+</p:tagLst>
+</file>
+
+<file path=ppt/tags/tag192.xml><?xml version="1.0" encoding="utf-8"?>
+<p:tagLst xmlns:a="http://schemas.openxmlformats.org/drawingml/2006/main" xmlns:r="http://schemas.openxmlformats.org/officeDocument/2006/relationships" xmlns:p="http://schemas.openxmlformats.org/presentationml/2006/main">
+  <p:tag name="NUM" val="2"/>
+</p:tagLst>
+</file>
+
+<file path=ppt/tags/tag193.xml><?xml version="1.0" encoding="utf-8"?>
+<p:tagLst xmlns:a="http://schemas.openxmlformats.org/drawingml/2006/main" xmlns:r="http://schemas.openxmlformats.org/officeDocument/2006/relationships" xmlns:p="http://schemas.openxmlformats.org/presentationml/2006/main">
+  <p:tag name="NUM" val="3"/>
+</p:tagLst>
+</file>
+
+<file path=ppt/tags/tag194.xml><?xml version="1.0" encoding="utf-8"?>
+<p:tagLst xmlns:a="http://schemas.openxmlformats.org/drawingml/2006/main" xmlns:r="http://schemas.openxmlformats.org/officeDocument/2006/relationships" xmlns:p="http://schemas.openxmlformats.org/presentationml/2006/main">
+  <p:tag name="NUM" val="4"/>
+</p:tagLst>
+</file>
+
+<file path=ppt/tags/tag195.xml><?xml version="1.0" encoding="utf-8"?>
+<p:tagLst xmlns:a="http://schemas.openxmlformats.org/drawingml/2006/main" xmlns:r="http://schemas.openxmlformats.org/officeDocument/2006/relationships" xmlns:p="http://schemas.openxmlformats.org/presentationml/2006/main">
+  <p:tag name="NUM" val="5"/>
+</p:tagLst>
+</file>
+
+<file path=ppt/tags/tag196.xml><?xml version="1.0" encoding="utf-8"?>
+<p:tagLst xmlns:a="http://schemas.openxmlformats.org/drawingml/2006/main" xmlns:r="http://schemas.openxmlformats.org/officeDocument/2006/relationships" xmlns:p="http://schemas.openxmlformats.org/presentationml/2006/main">
+  <p:tag name="NUM" val="6"/>
+</p:tagLst>
+</file>
+
+<file path=ppt/tags/tag197.xml><?xml version="1.0" encoding="utf-8"?>
+<p:tagLst xmlns:a="http://schemas.openxmlformats.org/drawingml/2006/main" xmlns:r="http://schemas.openxmlformats.org/officeDocument/2006/relationships" xmlns:p="http://schemas.openxmlformats.org/presentationml/2006/main">
+  <p:tag name="NUM" val="7"/>
+</p:tagLst>
+</file>
+
+<file path=ppt/tags/tag198.xml><?xml version="1.0" encoding="utf-8"?>
+<p:tagLst xmlns:a="http://schemas.openxmlformats.org/drawingml/2006/main" xmlns:r="http://schemas.openxmlformats.org/officeDocument/2006/relationships" xmlns:p="http://schemas.openxmlformats.org/presentationml/2006/main">
+  <p:tag name="NUM" val="8"/>
+</p:tagLst>
+</file>
+
+<file path=ppt/tags/tag199.xml><?xml version="1.0" encoding="utf-8"?>
+<p:tagLst xmlns:a="http://schemas.openxmlformats.org/drawingml/2006/main" xmlns:r="http://schemas.openxmlformats.org/officeDocument/2006/relationships" xmlns:p="http://schemas.openxmlformats.org/presentationml/2006/main">
+  <p:tag name="NUM" val="9"/>
+</p:tagLst>
+</file>
+
+<file path=ppt/tags/tag2.xml><?xml version="1.0" encoding="utf-8"?>
+<p:tagLst xmlns:a="http://schemas.openxmlformats.org/drawingml/2006/main" xmlns:r="http://schemas.openxmlformats.org/officeDocument/2006/relationships" xmlns:p="http://schemas.openxmlformats.org/presentationml/2006/main">
+  <p:tag name="NUM" val="2"/>
+</p:tagLst>
+</file>
+
+<file path=ppt/tags/tag20.xml><?xml version="1.0" encoding="utf-8"?>
+<p:tagLst xmlns:a="http://schemas.openxmlformats.org/drawingml/2006/main" xmlns:r="http://schemas.openxmlformats.org/officeDocument/2006/relationships" xmlns:p="http://schemas.openxmlformats.org/presentationml/2006/main">
+  <p:tag name="NUM" val="20"/>
+</p:tagLst>
+</file>
+
+<file path=ppt/tags/tag200.xml><?xml version="1.0" encoding="utf-8"?>
+<p:tagLst xmlns:a="http://schemas.openxmlformats.org/drawingml/2006/main" xmlns:r="http://schemas.openxmlformats.org/officeDocument/2006/relationships" xmlns:p="http://schemas.openxmlformats.org/presentationml/2006/main">
+  <p:tag name="NUM" val="10"/>
+</p:tagLst>
+</file>
+
+<file path=ppt/tags/tag201.xml><?xml version="1.0" encoding="utf-8"?>
 <p:tagLst xmlns:a="http://schemas.openxmlformats.org/drawingml/2006/main" xmlns:r="http://schemas.openxmlformats.org/officeDocument/2006/relationships" xmlns:p="http://schemas.openxmlformats.org/presentationml/2006/main">
   <p:tag name="NUM" val="11"/>
 </p:tagLst>
 </file>
 
-<file path=ppt/tags/tag110.xml><?xml version="1.0" encoding="utf-8"?>
+<file path=ppt/tags/tag202.xml><?xml version="1.0" encoding="utf-8"?>
+<p:tagLst xmlns:a="http://schemas.openxmlformats.org/drawingml/2006/main" xmlns:r="http://schemas.openxmlformats.org/officeDocument/2006/relationships" xmlns:p="http://schemas.openxmlformats.org/presentationml/2006/main">
+  <p:tag name="NUM" val="12"/>
+</p:tagLst>
+</file>
+
+<file path=ppt/tags/tag203.xml><?xml version="1.0" encoding="utf-8"?>
+<p:tagLst xmlns:a="http://schemas.openxmlformats.org/drawingml/2006/main" xmlns:r="http://schemas.openxmlformats.org/officeDocument/2006/relationships" xmlns:p="http://schemas.openxmlformats.org/presentationml/2006/main">
+  <p:tag name="NUM" val="13"/>
+</p:tagLst>
+</file>
+
+<file path=ppt/tags/tag204.xml><?xml version="1.0" encoding="utf-8"?>
+<p:tagLst xmlns:a="http://schemas.openxmlformats.org/drawingml/2006/main" xmlns:r="http://schemas.openxmlformats.org/officeDocument/2006/relationships" xmlns:p="http://schemas.openxmlformats.org/presentationml/2006/main">
+  <p:tag name="NUM" val="14"/>
+</p:tagLst>
+</file>
+
+<file path=ppt/tags/tag205.xml><?xml version="1.0" encoding="utf-8"?>
+<p:tagLst xmlns:a="http://schemas.openxmlformats.org/drawingml/2006/main" xmlns:r="http://schemas.openxmlformats.org/officeDocument/2006/relationships" xmlns:p="http://schemas.openxmlformats.org/presentationml/2006/main">
+  <p:tag name="NUM" val="15"/>
+</p:tagLst>
+</file>
+
+<file path=ppt/tags/tag206.xml><?xml version="1.0" encoding="utf-8"?>
+<p:tagLst xmlns:a="http://schemas.openxmlformats.org/drawingml/2006/main" xmlns:r="http://schemas.openxmlformats.org/officeDocument/2006/relationships" xmlns:p="http://schemas.openxmlformats.org/presentationml/2006/main">
+  <p:tag name="NUM" val="16"/>
+</p:tagLst>
+</file>
+
+<file path=ppt/tags/tag207.xml><?xml version="1.0" encoding="utf-8"?>
+<p:tagLst xmlns:a="http://schemas.openxmlformats.org/drawingml/2006/main" xmlns:r="http://schemas.openxmlformats.org/officeDocument/2006/relationships" xmlns:p="http://schemas.openxmlformats.org/presentationml/2006/main">
+  <p:tag name="NUM" val="17"/>
+</p:tagLst>
+</file>
+
+<file path=ppt/tags/tag208.xml><?xml version="1.0" encoding="utf-8"?>
+<p:tagLst xmlns:a="http://schemas.openxmlformats.org/drawingml/2006/main" xmlns:r="http://schemas.openxmlformats.org/officeDocument/2006/relationships" xmlns:p="http://schemas.openxmlformats.org/presentationml/2006/main">
+  <p:tag name="NUM" val="18"/>
+</p:tagLst>
+</file>
+
+<file path=ppt/tags/tag209.xml><?xml version="1.0" encoding="utf-8"?>
+<p:tagLst xmlns:a="http://schemas.openxmlformats.org/drawingml/2006/main" xmlns:r="http://schemas.openxmlformats.org/officeDocument/2006/relationships" xmlns:p="http://schemas.openxmlformats.org/presentationml/2006/main">
+  <p:tag name="NUM" val="19"/>
+</p:tagLst>
+</file>
+
+<file path=ppt/tags/tag21.xml><?xml version="1.0" encoding="utf-8"?>
+<p:tagLst xmlns:a="http://schemas.openxmlformats.org/drawingml/2006/main" xmlns:r="http://schemas.openxmlformats.org/officeDocument/2006/relationships" xmlns:p="http://schemas.openxmlformats.org/presentationml/2006/main">
+  <p:tag name="NUM" val="21"/>
+</p:tagLst>
+</file>
+
+<file path=ppt/tags/tag210.xml><?xml version="1.0" encoding="utf-8"?>
+<p:tagLst xmlns:a="http://schemas.openxmlformats.org/drawingml/2006/main" xmlns:r="http://schemas.openxmlformats.org/officeDocument/2006/relationships" xmlns:p="http://schemas.openxmlformats.org/presentationml/2006/main">
+  <p:tag name="NUM" val="20"/>
+</p:tagLst>
+</file>
+
+<file path=ppt/tags/tag211.xml><?xml version="1.0" encoding="utf-8"?>
+<p:tagLst xmlns:a="http://schemas.openxmlformats.org/drawingml/2006/main" xmlns:r="http://schemas.openxmlformats.org/officeDocument/2006/relationships" xmlns:p="http://schemas.openxmlformats.org/presentationml/2006/main">
+  <p:tag name="NUM" val="21"/>
+</p:tagLst>
+</file>
+
+<file path=ppt/tags/tag212.xml><?xml version="1.0" encoding="utf-8"?>
 <p:tagLst xmlns:a="http://schemas.openxmlformats.org/drawingml/2006/main" xmlns:r="http://schemas.openxmlformats.org/officeDocument/2006/relationships" xmlns:p="http://schemas.openxmlformats.org/presentationml/2006/main">
   <p:tag name="NUM" val="22"/>
 </p:tagLst>
 </file>
 
-<file path=ppt/tags/tag111.xml><?xml version="1.0" encoding="utf-8"?>
+<file path=ppt/tags/tag213.xml><?xml version="1.0" encoding="utf-8"?>
 <p:tagLst xmlns:a="http://schemas.openxmlformats.org/drawingml/2006/main" xmlns:r="http://schemas.openxmlformats.org/officeDocument/2006/relationships" xmlns:p="http://schemas.openxmlformats.org/presentationml/2006/main">
   <p:tag name="NUM" val="23"/>
 </p:tagLst>
 </file>
 
-<file path=ppt/tags/tag112.xml><?xml version="1.0" encoding="utf-8"?>
+<file path=ppt/tags/tag214.xml><?xml version="1.0" encoding="utf-8"?>
 <p:tagLst xmlns:a="http://schemas.openxmlformats.org/drawingml/2006/main" xmlns:r="http://schemas.openxmlformats.org/officeDocument/2006/relationships" xmlns:p="http://schemas.openxmlformats.org/presentationml/2006/main">
   <p:tag name="NUM" val="24"/>
 </p:tagLst>
 </file>
 
-<file path=ppt/tags/tag113.xml><?xml version="1.0" encoding="utf-8"?>
+<file path=ppt/tags/tag215.xml><?xml version="1.0" encoding="utf-8"?>
 <p:tagLst xmlns:a="http://schemas.openxmlformats.org/drawingml/2006/main" xmlns:r="http://schemas.openxmlformats.org/officeDocument/2006/relationships" xmlns:p="http://schemas.openxmlformats.org/presentationml/2006/main">
   <p:tag name="NUM" val="25"/>
 </p:tagLst>
 </file>
 
-<file path=ppt/tags/tag114.xml><?xml version="1.0" encoding="utf-8"?>
+<file path=ppt/tags/tag216.xml><?xml version="1.0" encoding="utf-8"?>
+<p:tagLst xmlns:a="http://schemas.openxmlformats.org/drawingml/2006/main" xmlns:r="http://schemas.openxmlformats.org/officeDocument/2006/relationships" xmlns:p="http://schemas.openxmlformats.org/presentationml/2006/main">
+  <p:tag name="NUM" val="27"/>
+</p:tagLst>
+</file>
+
+<file path=ppt/tags/tag217.xml><?xml version="1.0" encoding="utf-8"?>
+<p:tagLst xmlns:a="http://schemas.openxmlformats.org/drawingml/2006/main" xmlns:r="http://schemas.openxmlformats.org/officeDocument/2006/relationships" xmlns:p="http://schemas.openxmlformats.org/presentationml/2006/main">
+  <p:tag name="NUM" val="28"/>
+</p:tagLst>
+</file>
+
+<file path=ppt/tags/tag218.xml><?xml version="1.0" encoding="utf-8"?>
+<p:tagLst xmlns:a="http://schemas.openxmlformats.org/drawingml/2006/main" xmlns:r="http://schemas.openxmlformats.org/officeDocument/2006/relationships" xmlns:p="http://schemas.openxmlformats.org/presentationml/2006/main">
+  <p:tag name="NUM" val="29"/>
+</p:tagLst>
+</file>
+
+<file path=ppt/tags/tag219.xml><?xml version="1.0" encoding="utf-8"?>
+<p:tagLst xmlns:a="http://schemas.openxmlformats.org/drawingml/2006/main" xmlns:r="http://schemas.openxmlformats.org/officeDocument/2006/relationships" xmlns:p="http://schemas.openxmlformats.org/presentationml/2006/main">
+  <p:tag name="NUM" val="30"/>
+</p:tagLst>
+</file>
+
+<file path=ppt/tags/tag22.xml><?xml version="1.0" encoding="utf-8"?>
+<p:tagLst xmlns:a="http://schemas.openxmlformats.org/drawingml/2006/main" xmlns:r="http://schemas.openxmlformats.org/officeDocument/2006/relationships" xmlns:p="http://schemas.openxmlformats.org/presentationml/2006/main">
+  <p:tag name="NUM" val="23"/>
+</p:tagLst>
+</file>
+
+<file path=ppt/tags/tag220.xml><?xml version="1.0" encoding="utf-8"?>
+<p:tagLst xmlns:a="http://schemas.openxmlformats.org/drawingml/2006/main" xmlns:r="http://schemas.openxmlformats.org/officeDocument/2006/relationships" xmlns:p="http://schemas.openxmlformats.org/presentationml/2006/main">
+  <p:tag name="NUM" val="31"/>
+</p:tagLst>
+</file>
+
+<file path=ppt/tags/tag221.xml><?xml version="1.0" encoding="utf-8"?>
+<p:tagLst xmlns:a="http://schemas.openxmlformats.org/drawingml/2006/main" xmlns:r="http://schemas.openxmlformats.org/officeDocument/2006/relationships" xmlns:p="http://schemas.openxmlformats.org/presentationml/2006/main">
+  <p:tag name="NUM" val="32"/>
+</p:tagLst>
+</file>
+
+<file path=ppt/tags/tag222.xml><?xml version="1.0" encoding="utf-8"?>
+<p:tagLst xmlns:a="http://schemas.openxmlformats.org/drawingml/2006/main" xmlns:r="http://schemas.openxmlformats.org/officeDocument/2006/relationships" xmlns:p="http://schemas.openxmlformats.org/presentationml/2006/main">
+  <p:tag name="NUM" val="33"/>
+</p:tagLst>
+</file>
+
+<file path=ppt/tags/tag223.xml><?xml version="1.0" encoding="utf-8"?>
+<p:tagLst xmlns:a="http://schemas.openxmlformats.org/drawingml/2006/main" xmlns:r="http://schemas.openxmlformats.org/officeDocument/2006/relationships" xmlns:p="http://schemas.openxmlformats.org/presentationml/2006/main">
+  <p:tag name="NUM" val="34"/>
+</p:tagLst>
+</file>
+
+<file path=ppt/tags/tag224.xml><?xml version="1.0" encoding="utf-8"?>
+<p:tagLst xmlns:a="http://schemas.openxmlformats.org/drawingml/2006/main" xmlns:r="http://schemas.openxmlformats.org/officeDocument/2006/relationships" xmlns:p="http://schemas.openxmlformats.org/presentationml/2006/main">
+  <p:tag name="NUM" val="35"/>
+</p:tagLst>
+</file>
+
+<file path=ppt/tags/tag225.xml><?xml version="1.0" encoding="utf-8"?>
+<p:tagLst xmlns:a="http://schemas.openxmlformats.org/drawingml/2006/main" xmlns:r="http://schemas.openxmlformats.org/officeDocument/2006/relationships" xmlns:p="http://schemas.openxmlformats.org/presentationml/2006/main">
+  <p:tag name="NUM" val="36"/>
+</p:tagLst>
+</file>
+
+<file path=ppt/tags/tag226.xml><?xml version="1.0" encoding="utf-8"?>
+<p:tagLst xmlns:a="http://schemas.openxmlformats.org/drawingml/2006/main" xmlns:r="http://schemas.openxmlformats.org/officeDocument/2006/relationships" xmlns:p="http://schemas.openxmlformats.org/presentationml/2006/main">
+  <p:tag name="NUM" val="37"/>
+</p:tagLst>
+</file>
+
+<file path=ppt/tags/tag227.xml><?xml version="1.0" encoding="utf-8"?>
+<p:tagLst xmlns:a="http://schemas.openxmlformats.org/drawingml/2006/main" xmlns:r="http://schemas.openxmlformats.org/officeDocument/2006/relationships" xmlns:p="http://schemas.openxmlformats.org/presentationml/2006/main">
+  <p:tag name="NUM" val="1"/>
+</p:tagLst>
+</file>
+
+<file path=ppt/tags/tag228.xml><?xml version="1.0" encoding="utf-8"?>
+<p:tagLst xmlns:a="http://schemas.openxmlformats.org/drawingml/2006/main" xmlns:r="http://schemas.openxmlformats.org/officeDocument/2006/relationships" xmlns:p="http://schemas.openxmlformats.org/presentationml/2006/main">
+  <p:tag name="NUM" val="2"/>
+</p:tagLst>
+</file>
+
+<file path=ppt/tags/tag229.xml><?xml version="1.0" encoding="utf-8"?>
+<p:tagLst xmlns:a="http://schemas.openxmlformats.org/drawingml/2006/main" xmlns:r="http://schemas.openxmlformats.org/officeDocument/2006/relationships" xmlns:p="http://schemas.openxmlformats.org/presentationml/2006/main">
+  <p:tag name="NUM" val="3"/>
+</p:tagLst>
+</file>
+
+<file path=ppt/tags/tag23.xml><?xml version="1.0" encoding="utf-8"?>
+<p:tagLst xmlns:a="http://schemas.openxmlformats.org/drawingml/2006/main" xmlns:r="http://schemas.openxmlformats.org/officeDocument/2006/relationships" xmlns:p="http://schemas.openxmlformats.org/presentationml/2006/main">
+  <p:tag name="NUM" val="24"/>
+</p:tagLst>
+</file>
+
+<file path=ppt/tags/tag230.xml><?xml version="1.0" encoding="utf-8"?>
+<p:tagLst xmlns:a="http://schemas.openxmlformats.org/drawingml/2006/main" xmlns:r="http://schemas.openxmlformats.org/officeDocument/2006/relationships" xmlns:p="http://schemas.openxmlformats.org/presentationml/2006/main">
+  <p:tag name="NUM" val="4"/>
+</p:tagLst>
+</file>
+
+<file path=ppt/tags/tag231.xml><?xml version="1.0" encoding="utf-8"?>
+<p:tagLst xmlns:a="http://schemas.openxmlformats.org/drawingml/2006/main" xmlns:r="http://schemas.openxmlformats.org/officeDocument/2006/relationships" xmlns:p="http://schemas.openxmlformats.org/presentationml/2006/main">
+  <p:tag name="NUM" val="5"/>
+</p:tagLst>
+</file>
+
+<file path=ppt/tags/tag232.xml><?xml version="1.0" encoding="utf-8"?>
+<p:tagLst xmlns:a="http://schemas.openxmlformats.org/drawingml/2006/main" xmlns:r="http://schemas.openxmlformats.org/officeDocument/2006/relationships" xmlns:p="http://schemas.openxmlformats.org/presentationml/2006/main">
+  <p:tag name="NUM" val="6"/>
+</p:tagLst>
+</file>
+
+<file path=ppt/tags/tag233.xml><?xml version="1.0" encoding="utf-8"?>
+<p:tagLst xmlns:a="http://schemas.openxmlformats.org/drawingml/2006/main" xmlns:r="http://schemas.openxmlformats.org/officeDocument/2006/relationships" xmlns:p="http://schemas.openxmlformats.org/presentationml/2006/main">
+  <p:tag name="NUM" val="7"/>
+</p:tagLst>
+</file>
+
+<file path=ppt/tags/tag234.xml><?xml version="1.0" encoding="utf-8"?>
+<p:tagLst xmlns:a="http://schemas.openxmlformats.org/drawingml/2006/main" xmlns:r="http://schemas.openxmlformats.org/officeDocument/2006/relationships" xmlns:p="http://schemas.openxmlformats.org/presentationml/2006/main">
+  <p:tag name="NUM" val="8"/>
+</p:tagLst>
+</file>
+
+<file path=ppt/tags/tag235.xml><?xml version="1.0" encoding="utf-8"?>
+<p:tagLst xmlns:a="http://schemas.openxmlformats.org/drawingml/2006/main" xmlns:r="http://schemas.openxmlformats.org/officeDocument/2006/relationships" xmlns:p="http://schemas.openxmlformats.org/presentationml/2006/main">
+  <p:tag name="NUM" val="9"/>
+</p:tagLst>
+</file>
+
+<file path=ppt/tags/tag236.xml><?xml version="1.0" encoding="utf-8"?>
+<p:tagLst xmlns:a="http://schemas.openxmlformats.org/drawingml/2006/main" xmlns:r="http://schemas.openxmlformats.org/officeDocument/2006/relationships" xmlns:p="http://schemas.openxmlformats.org/presentationml/2006/main">
+  <p:tag name="NUM" val="10"/>
+</p:tagLst>
+</file>
+
+<file path=ppt/tags/tag237.xml><?xml version="1.0" encoding="utf-8"?>
+<p:tagLst xmlns:a="http://schemas.openxmlformats.org/drawingml/2006/main" xmlns:r="http://schemas.openxmlformats.org/officeDocument/2006/relationships" xmlns:p="http://schemas.openxmlformats.org/presentationml/2006/main">
+  <p:tag name="NUM" val="11"/>
+</p:tagLst>
+</file>
+
+<file path=ppt/tags/tag238.xml><?xml version="1.0" encoding="utf-8"?>
+<p:tagLst xmlns:a="http://schemas.openxmlformats.org/drawingml/2006/main" xmlns:r="http://schemas.openxmlformats.org/officeDocument/2006/relationships" xmlns:p="http://schemas.openxmlformats.org/presentationml/2006/main">
+  <p:tag name="NUM" val="12"/>
+</p:tagLst>
+</file>
+
+<file path=ppt/tags/tag239.xml><?xml version="1.0" encoding="utf-8"?>
+<p:tagLst xmlns:a="http://schemas.openxmlformats.org/drawingml/2006/main" xmlns:r="http://schemas.openxmlformats.org/officeDocument/2006/relationships" xmlns:p="http://schemas.openxmlformats.org/presentationml/2006/main">
+  <p:tag name="NUM" val="13"/>
+</p:tagLst>
+</file>
+
+<file path=ppt/tags/tag24.xml><?xml version="1.0" encoding="utf-8"?>
+<p:tagLst xmlns:a="http://schemas.openxmlformats.org/drawingml/2006/main" xmlns:r="http://schemas.openxmlformats.org/officeDocument/2006/relationships" xmlns:p="http://schemas.openxmlformats.org/presentationml/2006/main">
+  <p:tag name="NUM" val="25"/>
+</p:tagLst>
+</file>
+
+<file path=ppt/tags/tag240.xml><?xml version="1.0" encoding="utf-8"?>
+<p:tagLst xmlns:a="http://schemas.openxmlformats.org/drawingml/2006/main" xmlns:r="http://schemas.openxmlformats.org/officeDocument/2006/relationships" xmlns:p="http://schemas.openxmlformats.org/presentationml/2006/main">
+  <p:tag name="NUM" val="14"/>
+</p:tagLst>
+</file>
+
+<file path=ppt/tags/tag241.xml><?xml version="1.0" encoding="utf-8"?>
+<p:tagLst xmlns:a="http://schemas.openxmlformats.org/drawingml/2006/main" xmlns:r="http://schemas.openxmlformats.org/officeDocument/2006/relationships" xmlns:p="http://schemas.openxmlformats.org/presentationml/2006/main">
+  <p:tag name="NUM" val="15"/>
+</p:tagLst>
+</file>
+
+<file path=ppt/tags/tag242.xml><?xml version="1.0" encoding="utf-8"?>
+<p:tagLst xmlns:a="http://schemas.openxmlformats.org/drawingml/2006/main" xmlns:r="http://schemas.openxmlformats.org/officeDocument/2006/relationships" xmlns:p="http://schemas.openxmlformats.org/presentationml/2006/main">
+  <p:tag name="NUM" val="16"/>
+</p:tagLst>
+</file>
+
+<file path=ppt/tags/tag243.xml><?xml version="1.0" encoding="utf-8"?>
+<p:tagLst xmlns:a="http://schemas.openxmlformats.org/drawingml/2006/main" xmlns:r="http://schemas.openxmlformats.org/officeDocument/2006/relationships" xmlns:p="http://schemas.openxmlformats.org/presentationml/2006/main">
+  <p:tag name="NUM" val="17"/>
+</p:tagLst>
+</file>
+
+<file path=ppt/tags/tag244.xml><?xml version="1.0" encoding="utf-8"?>
+<p:tagLst xmlns:a="http://schemas.openxmlformats.org/drawingml/2006/main" xmlns:r="http://schemas.openxmlformats.org/officeDocument/2006/relationships" xmlns:p="http://schemas.openxmlformats.org/presentationml/2006/main">
+  <p:tag name="NUM" val="18"/>
+</p:tagLst>
+</file>
+
+<file path=ppt/tags/tag245.xml><?xml version="1.0" encoding="utf-8"?>
+<p:tagLst xmlns:a="http://schemas.openxmlformats.org/drawingml/2006/main" xmlns:r="http://schemas.openxmlformats.org/officeDocument/2006/relationships" xmlns:p="http://schemas.openxmlformats.org/presentationml/2006/main">
+  <p:tag name="NUM" val="19"/>
+</p:tagLst>
+</file>
+
+<file path=ppt/tags/tag246.xml><?xml version="1.0" encoding="utf-8"?>
+<p:tagLst xmlns:a="http://schemas.openxmlformats.org/drawingml/2006/main" xmlns:r="http://schemas.openxmlformats.org/officeDocument/2006/relationships" xmlns:p="http://schemas.openxmlformats.org/presentationml/2006/main">
+  <p:tag name="NUM" val="20"/>
+</p:tagLst>
+</file>
+
+<file path=ppt/tags/tag247.xml><?xml version="1.0" encoding="utf-8"?>
+<p:tagLst xmlns:a="http://schemas.openxmlformats.org/drawingml/2006/main" xmlns:r="http://schemas.openxmlformats.org/officeDocument/2006/relationships" xmlns:p="http://schemas.openxmlformats.org/presentationml/2006/main">
+  <p:tag name="NUM" val="21"/>
+</p:tagLst>
+</file>
+
+<file path=ppt/tags/tag248.xml><?xml version="1.0" encoding="utf-8"?>
+<p:tagLst xmlns:a="http://schemas.openxmlformats.org/drawingml/2006/main" xmlns:r="http://schemas.openxmlformats.org/officeDocument/2006/relationships" xmlns:p="http://schemas.openxmlformats.org/presentationml/2006/main">
+  <p:tag name="NUM" val="22"/>
+</p:tagLst>
+</file>
+
+<file path=ppt/tags/tag249.xml><?xml version="1.0" encoding="utf-8"?>
+<p:tagLst xmlns:a="http://schemas.openxmlformats.org/drawingml/2006/main" xmlns:r="http://schemas.openxmlformats.org/officeDocument/2006/relationships" xmlns:p="http://schemas.openxmlformats.org/presentationml/2006/main">
+  <p:tag name="NUM" val="23"/>
+</p:tagLst>
+</file>
+
+<file path=ppt/tags/tag25.xml><?xml version="1.0" encoding="utf-8"?>
 <p:tagLst xmlns:a="http://schemas.openxmlformats.org/drawingml/2006/main" xmlns:r="http://schemas.openxmlformats.org/officeDocument/2006/relationships" xmlns:p="http://schemas.openxmlformats.org/presentationml/2006/main">
   <p:tag name="NUM" val="26"/>
 </p:tagLst>
 </file>
 
-<file path=ppt/tags/tag115.xml><?xml version="1.0" encoding="utf-8"?>
+<file path=ppt/tags/tag250.xml><?xml version="1.0" encoding="utf-8"?>
+<p:tagLst xmlns:a="http://schemas.openxmlformats.org/drawingml/2006/main" xmlns:r="http://schemas.openxmlformats.org/officeDocument/2006/relationships" xmlns:p="http://schemas.openxmlformats.org/presentationml/2006/main">
+  <p:tag name="NUM" val="24"/>
+</p:tagLst>
+</file>
+
+<file path=ppt/tags/tag251.xml><?xml version="1.0" encoding="utf-8"?>
+<p:tagLst xmlns:a="http://schemas.openxmlformats.org/drawingml/2006/main" xmlns:r="http://schemas.openxmlformats.org/officeDocument/2006/relationships" xmlns:p="http://schemas.openxmlformats.org/presentationml/2006/main">
+  <p:tag name="NUM" val="25"/>
+</p:tagLst>
+</file>
+
+<file path=ppt/tags/tag252.xml><?xml version="1.0" encoding="utf-8"?>
 <p:tagLst xmlns:a="http://schemas.openxmlformats.org/drawingml/2006/main" xmlns:r="http://schemas.openxmlformats.org/officeDocument/2006/relationships" xmlns:p="http://schemas.openxmlformats.org/presentationml/2006/main">
   <p:tag name="NUM" val="27"/>
 </p:tagLst>
 </file>
 
-<file path=ppt/tags/tag116.xml><?xml version="1.0" encoding="utf-8"?>
+<file path=ppt/tags/tag253.xml><?xml version="1.0" encoding="utf-8"?>
 <p:tagLst xmlns:a="http://schemas.openxmlformats.org/drawingml/2006/main" xmlns:r="http://schemas.openxmlformats.org/officeDocument/2006/relationships" xmlns:p="http://schemas.openxmlformats.org/presentationml/2006/main">
   <p:tag name="NUM" val="28"/>
 </p:tagLst>
 </file>
 
-<file path=ppt/tags/tag117.xml><?xml version="1.0" encoding="utf-8"?>
+<file path=ppt/tags/tag254.xml><?xml version="1.0" encoding="utf-8"?>
 <p:tagLst xmlns:a="http://schemas.openxmlformats.org/drawingml/2006/main" xmlns:r="http://schemas.openxmlformats.org/officeDocument/2006/relationships" xmlns:p="http://schemas.openxmlformats.org/presentationml/2006/main">
   <p:tag name="NUM" val="29"/>
 </p:tagLst>
 </file>
 
-<file path=ppt/tags/tag118.xml><?xml version="1.0" encoding="utf-8"?>
+<file path=ppt/tags/tag255.xml><?xml version="1.0" encoding="utf-8"?>
 <p:tagLst xmlns:a="http://schemas.openxmlformats.org/drawingml/2006/main" xmlns:r="http://schemas.openxmlformats.org/officeDocument/2006/relationships" xmlns:p="http://schemas.openxmlformats.org/presentationml/2006/main">
   <p:tag name="NUM" val="30"/>
 </p:tagLst>
 </file>
 
-<file path=ppt/tags/tag119.xml><?xml version="1.0" encoding="utf-8"?>
+<file path=ppt/tags/tag256.xml><?xml version="1.0" encoding="utf-8"?>
 <p:tagLst xmlns:a="http://schemas.openxmlformats.org/drawingml/2006/main" xmlns:r="http://schemas.openxmlformats.org/officeDocument/2006/relationships" xmlns:p="http://schemas.openxmlformats.org/presentationml/2006/main">
   <p:tag name="NUM" val="31"/>
 </p:tagLst>
 </file>
 
-<file path=ppt/tags/tag12.xml><?xml version="1.0" encoding="utf-8"?>
+<file path=ppt/tags/tag257.xml><?xml version="1.0" encoding="utf-8"?>
+<p:tagLst xmlns:a="http://schemas.openxmlformats.org/drawingml/2006/main" xmlns:r="http://schemas.openxmlformats.org/officeDocument/2006/relationships" xmlns:p="http://schemas.openxmlformats.org/presentationml/2006/main">
+  <p:tag name="NUM" val="32"/>
+</p:tagLst>
+</file>
+
+<file path=ppt/tags/tag258.xml><?xml version="1.0" encoding="utf-8"?>
+<p:tagLst xmlns:a="http://schemas.openxmlformats.org/drawingml/2006/main" xmlns:r="http://schemas.openxmlformats.org/officeDocument/2006/relationships" xmlns:p="http://schemas.openxmlformats.org/presentationml/2006/main">
+  <p:tag name="NUM" val="34"/>
+</p:tagLst>
+</file>
+
+<file path=ppt/tags/tag259.xml><?xml version="1.0" encoding="utf-8"?>
+<p:tagLst xmlns:a="http://schemas.openxmlformats.org/drawingml/2006/main" xmlns:r="http://schemas.openxmlformats.org/officeDocument/2006/relationships" xmlns:p="http://schemas.openxmlformats.org/presentationml/2006/main">
+  <p:tag name="NUM" val="35"/>
+</p:tagLst>
+</file>
+
+<file path=ppt/tags/tag26.xml><?xml version="1.0" encoding="utf-8"?>
+<p:tagLst xmlns:a="http://schemas.openxmlformats.org/drawingml/2006/main" xmlns:r="http://schemas.openxmlformats.org/officeDocument/2006/relationships" xmlns:p="http://schemas.openxmlformats.org/presentationml/2006/main">
+  <p:tag name="NUM" val="1"/>
+</p:tagLst>
+</file>
+
+<file path=ppt/tags/tag260.xml><?xml version="1.0" encoding="utf-8"?>
+<p:tagLst xmlns:a="http://schemas.openxmlformats.org/drawingml/2006/main" xmlns:r="http://schemas.openxmlformats.org/officeDocument/2006/relationships" xmlns:p="http://schemas.openxmlformats.org/presentationml/2006/main">
+  <p:tag name="NUM" val="36"/>
+</p:tagLst>
+</file>
+
+<file path=ppt/tags/tag261.xml><?xml version="1.0" encoding="utf-8"?>
+<p:tagLst xmlns:a="http://schemas.openxmlformats.org/drawingml/2006/main" xmlns:r="http://schemas.openxmlformats.org/officeDocument/2006/relationships" xmlns:p="http://schemas.openxmlformats.org/presentationml/2006/main">
+  <p:tag name="NUM" val="37"/>
+</p:tagLst>
+</file>
+
+<file path=ppt/tags/tag262.xml><?xml version="1.0" encoding="utf-8"?>
+<p:tagLst xmlns:a="http://schemas.openxmlformats.org/drawingml/2006/main" xmlns:r="http://schemas.openxmlformats.org/officeDocument/2006/relationships" xmlns:p="http://schemas.openxmlformats.org/presentationml/2006/main">
+  <p:tag name="NUM" val="27"/>
+</p:tagLst>
+</file>
+
+<file path=ppt/tags/tag263.xml><?xml version="1.0" encoding="utf-8"?>
+<p:tagLst xmlns:a="http://schemas.openxmlformats.org/drawingml/2006/main" xmlns:r="http://schemas.openxmlformats.org/officeDocument/2006/relationships" xmlns:p="http://schemas.openxmlformats.org/presentationml/2006/main">
+  <p:tag name="NUM" val="1"/>
+</p:tagLst>
+</file>
+
+<file path=ppt/tags/tag264.xml><?xml version="1.0" encoding="utf-8"?>
+<p:tagLst xmlns:a="http://schemas.openxmlformats.org/drawingml/2006/main" xmlns:r="http://schemas.openxmlformats.org/officeDocument/2006/relationships" xmlns:p="http://schemas.openxmlformats.org/presentationml/2006/main">
+  <p:tag name="NUM" val="2"/>
+</p:tagLst>
+</file>
+
+<file path=ppt/tags/tag265.xml><?xml version="1.0" encoding="utf-8"?>
+<p:tagLst xmlns:a="http://schemas.openxmlformats.org/drawingml/2006/main" xmlns:r="http://schemas.openxmlformats.org/officeDocument/2006/relationships" xmlns:p="http://schemas.openxmlformats.org/presentationml/2006/main">
+  <p:tag name="NUM" val="3"/>
+</p:tagLst>
+</file>
+
+<file path=ppt/tags/tag266.xml><?xml version="1.0" encoding="utf-8"?>
+<p:tagLst xmlns:a="http://schemas.openxmlformats.org/drawingml/2006/main" xmlns:r="http://schemas.openxmlformats.org/officeDocument/2006/relationships" xmlns:p="http://schemas.openxmlformats.org/presentationml/2006/main">
+  <p:tag name="NUM" val="4"/>
+</p:tagLst>
+</file>
+
+<file path=ppt/tags/tag267.xml><?xml version="1.0" encoding="utf-8"?>
+<p:tagLst xmlns:a="http://schemas.openxmlformats.org/drawingml/2006/main" xmlns:r="http://schemas.openxmlformats.org/officeDocument/2006/relationships" xmlns:p="http://schemas.openxmlformats.org/presentationml/2006/main">
+  <p:tag name="NUM" val="5"/>
+</p:tagLst>
+</file>
+
+<file path=ppt/tags/tag268.xml><?xml version="1.0" encoding="utf-8"?>
+<p:tagLst xmlns:a="http://schemas.openxmlformats.org/drawingml/2006/main" xmlns:r="http://schemas.openxmlformats.org/officeDocument/2006/relationships" xmlns:p="http://schemas.openxmlformats.org/presentationml/2006/main">
+  <p:tag name="NUM" val="6"/>
+</p:tagLst>
+</file>
+
+<file path=ppt/tags/tag269.xml><?xml version="1.0" encoding="utf-8"?>
+<p:tagLst xmlns:a="http://schemas.openxmlformats.org/drawingml/2006/main" xmlns:r="http://schemas.openxmlformats.org/officeDocument/2006/relationships" xmlns:p="http://schemas.openxmlformats.org/presentationml/2006/main">
+  <p:tag name="NUM" val="7"/>
+</p:tagLst>
+</file>
+
+<file path=ppt/tags/tag27.xml><?xml version="1.0" encoding="utf-8"?>
+<p:tagLst xmlns:a="http://schemas.openxmlformats.org/drawingml/2006/main" xmlns:r="http://schemas.openxmlformats.org/officeDocument/2006/relationships" xmlns:p="http://schemas.openxmlformats.org/presentationml/2006/main">
+  <p:tag name="NUM" val="2"/>
+</p:tagLst>
+</file>
+
+<file path=ppt/tags/tag270.xml><?xml version="1.0" encoding="utf-8"?>
+<p:tagLst xmlns:a="http://schemas.openxmlformats.org/drawingml/2006/main" xmlns:r="http://schemas.openxmlformats.org/officeDocument/2006/relationships" xmlns:p="http://schemas.openxmlformats.org/presentationml/2006/main">
+  <p:tag name="NUM" val="8"/>
+</p:tagLst>
+</file>
+
+<file path=ppt/tags/tag271.xml><?xml version="1.0" encoding="utf-8"?>
+<p:tagLst xmlns:a="http://schemas.openxmlformats.org/drawingml/2006/main" xmlns:r="http://schemas.openxmlformats.org/officeDocument/2006/relationships" xmlns:p="http://schemas.openxmlformats.org/presentationml/2006/main">
+  <p:tag name="NUM" val="9"/>
+</p:tagLst>
+</file>
+
+<file path=ppt/tags/tag272.xml><?xml version="1.0" encoding="utf-8"?>
+<p:tagLst xmlns:a="http://schemas.openxmlformats.org/drawingml/2006/main" xmlns:r="http://schemas.openxmlformats.org/officeDocument/2006/relationships" xmlns:p="http://schemas.openxmlformats.org/presentationml/2006/main">
+  <p:tag name="NUM" val="10"/>
+</p:tagLst>
+</file>
+
+<file path=ppt/tags/tag273.xml><?xml version="1.0" encoding="utf-8"?>
+<p:tagLst xmlns:a="http://schemas.openxmlformats.org/drawingml/2006/main" xmlns:r="http://schemas.openxmlformats.org/officeDocument/2006/relationships" xmlns:p="http://schemas.openxmlformats.org/presentationml/2006/main">
+  <p:tag name="NUM" val="11"/>
+</p:tagLst>
+</file>
+
+<file path=ppt/tags/tag274.xml><?xml version="1.0" encoding="utf-8"?>
 <p:tagLst xmlns:a="http://schemas.openxmlformats.org/drawingml/2006/main" xmlns:r="http://schemas.openxmlformats.org/officeDocument/2006/relationships" xmlns:p="http://schemas.openxmlformats.org/presentationml/2006/main">
   <p:tag name="NUM" val="12"/>
 </p:tagLst>
 </file>
 
-<file path=ppt/tags/tag120.xml><?xml version="1.0" encoding="utf-8"?>
+<file path=ppt/tags/tag275.xml><?xml version="1.0" encoding="utf-8"?>
+<p:tagLst xmlns:a="http://schemas.openxmlformats.org/drawingml/2006/main" xmlns:r="http://schemas.openxmlformats.org/officeDocument/2006/relationships" xmlns:p="http://schemas.openxmlformats.org/presentationml/2006/main">
+  <p:tag name="NUM" val="13"/>
+</p:tagLst>
+</file>
+
+<file path=ppt/tags/tag276.xml><?xml version="1.0" encoding="utf-8"?>
+<p:tagLst xmlns:a="http://schemas.openxmlformats.org/drawingml/2006/main" xmlns:r="http://schemas.openxmlformats.org/officeDocument/2006/relationships" xmlns:p="http://schemas.openxmlformats.org/presentationml/2006/main">
+  <p:tag name="NUM" val="14"/>
+</p:tagLst>
+</file>
+
+<file path=ppt/tags/tag277.xml><?xml version="1.0" encoding="utf-8"?>
+<p:tagLst xmlns:a="http://schemas.openxmlformats.org/drawingml/2006/main" xmlns:r="http://schemas.openxmlformats.org/officeDocument/2006/relationships" xmlns:p="http://schemas.openxmlformats.org/presentationml/2006/main">
+  <p:tag name="NUM" val="15"/>
+</p:tagLst>
+</file>
+
+<file path=ppt/tags/tag278.xml><?xml version="1.0" encoding="utf-8"?>
+<p:tagLst xmlns:a="http://schemas.openxmlformats.org/drawingml/2006/main" xmlns:r="http://schemas.openxmlformats.org/officeDocument/2006/relationships" xmlns:p="http://schemas.openxmlformats.org/presentationml/2006/main">
+  <p:tag name="NUM" val="16"/>
+</p:tagLst>
+</file>
+
+<file path=ppt/tags/tag279.xml><?xml version="1.0" encoding="utf-8"?>
+<p:tagLst xmlns:a="http://schemas.openxmlformats.org/drawingml/2006/main" xmlns:r="http://schemas.openxmlformats.org/officeDocument/2006/relationships" xmlns:p="http://schemas.openxmlformats.org/presentationml/2006/main">
+  <p:tag name="NUM" val="17"/>
+</p:tagLst>
+</file>
+
+<file path=ppt/tags/tag28.xml><?xml version="1.0" encoding="utf-8"?>
+<p:tagLst xmlns:a="http://schemas.openxmlformats.org/drawingml/2006/main" xmlns:r="http://schemas.openxmlformats.org/officeDocument/2006/relationships" xmlns:p="http://schemas.openxmlformats.org/presentationml/2006/main">
+  <p:tag name="NUM" val="3"/>
+</p:tagLst>
+</file>
+
+<file path=ppt/tags/tag280.xml><?xml version="1.0" encoding="utf-8"?>
+<p:tagLst xmlns:a="http://schemas.openxmlformats.org/drawingml/2006/main" xmlns:r="http://schemas.openxmlformats.org/officeDocument/2006/relationships" xmlns:p="http://schemas.openxmlformats.org/presentationml/2006/main">
+  <p:tag name="NUM" val="18"/>
+</p:tagLst>
+</file>
+
+<file path=ppt/tags/tag281.xml><?xml version="1.0" encoding="utf-8"?>
+<p:tagLst xmlns:a="http://schemas.openxmlformats.org/drawingml/2006/main" xmlns:r="http://schemas.openxmlformats.org/officeDocument/2006/relationships" xmlns:p="http://schemas.openxmlformats.org/presentationml/2006/main">
+  <p:tag name="NUM" val="19"/>
+</p:tagLst>
+</file>
+
+<file path=ppt/tags/tag282.xml><?xml version="1.0" encoding="utf-8"?>
+<p:tagLst xmlns:a="http://schemas.openxmlformats.org/drawingml/2006/main" xmlns:r="http://schemas.openxmlformats.org/officeDocument/2006/relationships" xmlns:p="http://schemas.openxmlformats.org/presentationml/2006/main">
+  <p:tag name="NUM" val="20"/>
+</p:tagLst>
+</file>
+
+<file path=ppt/tags/tag283.xml><?xml version="1.0" encoding="utf-8"?>
+<p:tagLst xmlns:a="http://schemas.openxmlformats.org/drawingml/2006/main" xmlns:r="http://schemas.openxmlformats.org/officeDocument/2006/relationships" xmlns:p="http://schemas.openxmlformats.org/presentationml/2006/main">
+  <p:tag name="NUM" val="21"/>
+</p:tagLst>
+</file>
+
+<file path=ppt/tags/tag284.xml><?xml version="1.0" encoding="utf-8"?>
+<p:tagLst xmlns:a="http://schemas.openxmlformats.org/drawingml/2006/main" xmlns:r="http://schemas.openxmlformats.org/officeDocument/2006/relationships" xmlns:p="http://schemas.openxmlformats.org/presentationml/2006/main">
+  <p:tag name="NUM" val="22"/>
+</p:tagLst>
+</file>
+
+<file path=ppt/tags/tag285.xml><?xml version="1.0" encoding="utf-8"?>
+<p:tagLst xmlns:a="http://schemas.openxmlformats.org/drawingml/2006/main" xmlns:r="http://schemas.openxmlformats.org/officeDocument/2006/relationships" xmlns:p="http://schemas.openxmlformats.org/presentationml/2006/main">
+  <p:tag name="NUM" val="23"/>
+</p:tagLst>
+</file>
+
+<file path=ppt/tags/tag286.xml><?xml version="1.0" encoding="utf-8"?>
+<p:tagLst xmlns:a="http://schemas.openxmlformats.org/drawingml/2006/main" xmlns:r="http://schemas.openxmlformats.org/officeDocument/2006/relationships" xmlns:p="http://schemas.openxmlformats.org/presentationml/2006/main">
+  <p:tag name="NUM" val="24"/>
+</p:tagLst>
+</file>
+
+<file path=ppt/tags/tag287.xml><?xml version="1.0" encoding="utf-8"?>
+<p:tagLst xmlns:a="http://schemas.openxmlformats.org/drawingml/2006/main" xmlns:r="http://schemas.openxmlformats.org/officeDocument/2006/relationships" xmlns:p="http://schemas.openxmlformats.org/presentationml/2006/main">
+  <p:tag name="NUM" val="25"/>
+</p:tagLst>
+</file>
+
+<file path=ppt/tags/tag288.xml><?xml version="1.0" encoding="utf-8"?>
+<p:tagLst xmlns:a="http://schemas.openxmlformats.org/drawingml/2006/main" xmlns:r="http://schemas.openxmlformats.org/officeDocument/2006/relationships" xmlns:p="http://schemas.openxmlformats.org/presentationml/2006/main">
+  <p:tag name="NUM" val="26"/>
+</p:tagLst>
+</file>
+
+<file path=ppt/tags/tag289.xml><?xml version="1.0" encoding="utf-8"?>
+<p:tagLst xmlns:a="http://schemas.openxmlformats.org/drawingml/2006/main" xmlns:r="http://schemas.openxmlformats.org/officeDocument/2006/relationships" xmlns:p="http://schemas.openxmlformats.org/presentationml/2006/main">
+  <p:tag name="NUM" val="27"/>
+</p:tagLst>
+</file>
+
+<file path=ppt/tags/tag29.xml><?xml version="1.0" encoding="utf-8"?>
+<p:tagLst xmlns:a="http://schemas.openxmlformats.org/drawingml/2006/main" xmlns:r="http://schemas.openxmlformats.org/officeDocument/2006/relationships" xmlns:p="http://schemas.openxmlformats.org/presentationml/2006/main">
+  <p:tag name="NUM" val="4"/>
+</p:tagLst>
+</file>
+
+<file path=ppt/tags/tag290.xml><?xml version="1.0" encoding="utf-8"?>
+<p:tagLst xmlns:a="http://schemas.openxmlformats.org/drawingml/2006/main" xmlns:r="http://schemas.openxmlformats.org/officeDocument/2006/relationships" xmlns:p="http://schemas.openxmlformats.org/presentationml/2006/main">
+  <p:tag name="NUM" val="28"/>
+</p:tagLst>
+</file>
+
+<file path=ppt/tags/tag291.xml><?xml version="1.0" encoding="utf-8"?>
+<p:tagLst xmlns:a="http://schemas.openxmlformats.org/drawingml/2006/main" xmlns:r="http://schemas.openxmlformats.org/officeDocument/2006/relationships" xmlns:p="http://schemas.openxmlformats.org/presentationml/2006/main">
+  <p:tag name="NUM" val="29"/>
+</p:tagLst>
+</file>
+
+<file path=ppt/tags/tag292.xml><?xml version="1.0" encoding="utf-8"?>
+<p:tagLst xmlns:a="http://schemas.openxmlformats.org/drawingml/2006/main" xmlns:r="http://schemas.openxmlformats.org/officeDocument/2006/relationships" xmlns:p="http://schemas.openxmlformats.org/presentationml/2006/main">
+  <p:tag name="NUM" val="30"/>
+</p:tagLst>
+</file>
+
+<file path=ppt/tags/tag293.xml><?xml version="1.0" encoding="utf-8"?>
+<p:tagLst xmlns:a="http://schemas.openxmlformats.org/drawingml/2006/main" xmlns:r="http://schemas.openxmlformats.org/officeDocument/2006/relationships" xmlns:p="http://schemas.openxmlformats.org/presentationml/2006/main">
+  <p:tag name="NUM" val="31"/>
+</p:tagLst>
+</file>
+
+<file path=ppt/tags/tag294.xml><?xml version="1.0" encoding="utf-8"?>
 <p:tagLst xmlns:a="http://schemas.openxmlformats.org/drawingml/2006/main" xmlns:r="http://schemas.openxmlformats.org/officeDocument/2006/relationships" xmlns:p="http://schemas.openxmlformats.org/presentationml/2006/main">
   <p:tag name="NUM" val="32"/>
 </p:tagLst>
 </file>
 
-<file path=ppt/tags/tag121.xml><?xml version="1.0" encoding="utf-8"?>
+<file path=ppt/tags/tag295.xml><?xml version="1.0" encoding="utf-8"?>
 <p:tagLst xmlns:a="http://schemas.openxmlformats.org/drawingml/2006/main" xmlns:r="http://schemas.openxmlformats.org/officeDocument/2006/relationships" xmlns:p="http://schemas.openxmlformats.org/presentationml/2006/main">
   <p:tag name="NUM" val="33"/>
 </p:tagLst>
 </file>
 
-<file path=ppt/tags/tag122.xml><?xml version="1.0" encoding="utf-8"?>
+<file path=ppt/tags/tag296.xml><?xml version="1.0" encoding="utf-8"?>
 <p:tagLst xmlns:a="http://schemas.openxmlformats.org/drawingml/2006/main" xmlns:r="http://schemas.openxmlformats.org/officeDocument/2006/relationships" xmlns:p="http://schemas.openxmlformats.org/presentationml/2006/main">
   <p:tag name="NUM" val="34"/>
 </p:tagLst>
 </file>
 
-<file path=ppt/tags/tag123.xml><?xml version="1.0" encoding="utf-8"?>
+<file path=ppt/tags/tag297.xml><?xml version="1.0" encoding="utf-8"?>
 <p:tagLst xmlns:a="http://schemas.openxmlformats.org/drawingml/2006/main" xmlns:r="http://schemas.openxmlformats.org/officeDocument/2006/relationships" xmlns:p="http://schemas.openxmlformats.org/presentationml/2006/main">
   <p:tag name="NUM" val="35"/>
 </p:tagLst>
 </file>
 
-<file path=ppt/tags/tag124.xml><?xml version="1.0" encoding="utf-8"?>
+<file path=ppt/tags/tag298.xml><?xml version="1.0" encoding="utf-8"?>
 <p:tagLst xmlns:a="http://schemas.openxmlformats.org/drawingml/2006/main" xmlns:r="http://schemas.openxmlformats.org/officeDocument/2006/relationships" xmlns:p="http://schemas.openxmlformats.org/presentationml/2006/main">
   <p:tag name="NUM" val="36"/>
 </p:tagLst>
 </file>
 
-<file path=ppt/tags/tag125.xml><?xml version="1.0" encoding="utf-8"?>
+<file path=ppt/tags/tag299.xml><?xml version="1.0" encoding="utf-8"?>
 <p:tagLst xmlns:a="http://schemas.openxmlformats.org/drawingml/2006/main" xmlns:r="http://schemas.openxmlformats.org/officeDocument/2006/relationships" xmlns:p="http://schemas.openxmlformats.org/presentationml/2006/main">
   <p:tag name="NUM" val="37"/>
 </p:tagLst>
 </file>
 
-<file path=ppt/tags/tag126.xml><?xml version="1.0" encoding="utf-8"?>
+<file path=ppt/tags/tag3.xml><?xml version="1.0" encoding="utf-8"?>
+<p:tagLst xmlns:a="http://schemas.openxmlformats.org/drawingml/2006/main" xmlns:r="http://schemas.openxmlformats.org/officeDocument/2006/relationships" xmlns:p="http://schemas.openxmlformats.org/presentationml/2006/main">
+  <p:tag name="NUM" val="3"/>
+</p:tagLst>
+</file>
+
+<file path=ppt/tags/tag30.xml><?xml version="1.0" encoding="utf-8"?>
+<p:tagLst xmlns:a="http://schemas.openxmlformats.org/drawingml/2006/main" xmlns:r="http://schemas.openxmlformats.org/officeDocument/2006/relationships" xmlns:p="http://schemas.openxmlformats.org/presentationml/2006/main">
+  <p:tag name="NUM" val="5"/>
+</p:tagLst>
+</file>
+
+<file path=ppt/tags/tag300.xml><?xml version="1.0" encoding="utf-8"?>
 <p:tagLst xmlns:a="http://schemas.openxmlformats.org/drawingml/2006/main" xmlns:r="http://schemas.openxmlformats.org/officeDocument/2006/relationships" xmlns:p="http://schemas.openxmlformats.org/presentationml/2006/main">
   <p:tag name="NUM" val="38"/>
 </p:tagLst>
 </file>
 
-<file path=ppt/tags/tag127.xml><?xml version="1.0" encoding="utf-8"?>
+<file path=ppt/tags/tag301.xml><?xml version="1.0" encoding="utf-8"?>
 <p:tagLst xmlns:a="http://schemas.openxmlformats.org/drawingml/2006/main" xmlns:r="http://schemas.openxmlformats.org/officeDocument/2006/relationships" xmlns:p="http://schemas.openxmlformats.org/presentationml/2006/main">
   <p:tag name="NUM" val="39"/>
 </p:tagLst>
 </file>
 
-<file path=ppt/tags/tag128.xml><?xml version="1.0" encoding="utf-8"?>
-<p:tagLst xmlns:a="http://schemas.openxmlformats.org/drawingml/2006/main" xmlns:r="http://schemas.openxmlformats.org/officeDocument/2006/relationships" xmlns:p="http://schemas.openxmlformats.org/presentationml/2006/main">
-  <p:tag name="NUM" val="40"/>
-</p:tagLst>
-</file>
-
-<file path=ppt/tags/tag129.xml><?xml version="1.0" encoding="utf-8"?>
-<p:tagLst xmlns:a="http://schemas.openxmlformats.org/drawingml/2006/main" xmlns:r="http://schemas.openxmlformats.org/officeDocument/2006/relationships" xmlns:p="http://schemas.openxmlformats.org/presentationml/2006/main">
-  <p:tag name="NUM" val="41"/>
-</p:tagLst>
-</file>
-
-<file path=ppt/tags/tag13.xml><?xml version="1.0" encoding="utf-8"?>
+<file path=ppt/tags/tag302.xml><?xml version="1.0" encoding="utf-8"?>
+<p:tagLst xmlns:a="http://schemas.openxmlformats.org/drawingml/2006/main" xmlns:r="http://schemas.openxmlformats.org/officeDocument/2006/relationships" xmlns:p="http://schemas.openxmlformats.org/presentationml/2006/main">
+  <p:tag name="NUM" val="1"/>
+</p:tagLst>
+</file>
+
+<file path=ppt/tags/tag303.xml><?xml version="1.0" encoding="utf-8"?>
+<p:tagLst xmlns:a="http://schemas.openxmlformats.org/drawingml/2006/main" xmlns:r="http://schemas.openxmlformats.org/officeDocument/2006/relationships" xmlns:p="http://schemas.openxmlformats.org/presentationml/2006/main">
+  <p:tag name="NUM" val="2"/>
+</p:tagLst>
+</file>
+
+<file path=ppt/tags/tag304.xml><?xml version="1.0" encoding="utf-8"?>
+<p:tagLst xmlns:a="http://schemas.openxmlformats.org/drawingml/2006/main" xmlns:r="http://schemas.openxmlformats.org/officeDocument/2006/relationships" xmlns:p="http://schemas.openxmlformats.org/presentationml/2006/main">
+  <p:tag name="NUM" val="3"/>
+</p:tagLst>
+</file>
+
+<file path=ppt/tags/tag305.xml><?xml version="1.0" encoding="utf-8"?>
+<p:tagLst xmlns:a="http://schemas.openxmlformats.org/drawingml/2006/main" xmlns:r="http://schemas.openxmlformats.org/officeDocument/2006/relationships" xmlns:p="http://schemas.openxmlformats.org/presentationml/2006/main">
+  <p:tag name="NUM" val="4"/>
+</p:tagLst>
+</file>
+
+<file path=ppt/tags/tag306.xml><?xml version="1.0" encoding="utf-8"?>
+<p:tagLst xmlns:a="http://schemas.openxmlformats.org/drawingml/2006/main" xmlns:r="http://schemas.openxmlformats.org/officeDocument/2006/relationships" xmlns:p="http://schemas.openxmlformats.org/presentationml/2006/main">
+  <p:tag name="NUM" val="5"/>
+</p:tagLst>
+</file>
+
+<file path=ppt/tags/tag307.xml><?xml version="1.0" encoding="utf-8"?>
+<p:tagLst xmlns:a="http://schemas.openxmlformats.org/drawingml/2006/main" xmlns:r="http://schemas.openxmlformats.org/officeDocument/2006/relationships" xmlns:p="http://schemas.openxmlformats.org/presentationml/2006/main">
+  <p:tag name="NUM" val="6"/>
+</p:tagLst>
+</file>
+
+<file path=ppt/tags/tag308.xml><?xml version="1.0" encoding="utf-8"?>
+<p:tagLst xmlns:a="http://schemas.openxmlformats.org/drawingml/2006/main" xmlns:r="http://schemas.openxmlformats.org/officeDocument/2006/relationships" xmlns:p="http://schemas.openxmlformats.org/presentationml/2006/main">
+  <p:tag name="NUM" val="7"/>
+</p:tagLst>
+</file>
+
+<file path=ppt/tags/tag309.xml><?xml version="1.0" encoding="utf-8"?>
+<p:tagLst xmlns:a="http://schemas.openxmlformats.org/drawingml/2006/main" xmlns:r="http://schemas.openxmlformats.org/officeDocument/2006/relationships" xmlns:p="http://schemas.openxmlformats.org/presentationml/2006/main">
+  <p:tag name="NUM" val="8"/>
+</p:tagLst>
+</file>
+
+<file path=ppt/tags/tag31.xml><?xml version="1.0" encoding="utf-8"?>
+<p:tagLst xmlns:a="http://schemas.openxmlformats.org/drawingml/2006/main" xmlns:r="http://schemas.openxmlformats.org/officeDocument/2006/relationships" xmlns:p="http://schemas.openxmlformats.org/presentationml/2006/main">
+  <p:tag name="NUM" val="6"/>
+</p:tagLst>
+</file>
+
+<file path=ppt/tags/tag310.xml><?xml version="1.0" encoding="utf-8"?>
+<p:tagLst xmlns:a="http://schemas.openxmlformats.org/drawingml/2006/main" xmlns:r="http://schemas.openxmlformats.org/officeDocument/2006/relationships" xmlns:p="http://schemas.openxmlformats.org/presentationml/2006/main">
+  <p:tag name="NUM" val="9"/>
+</p:tagLst>
+</file>
+
+<file path=ppt/tags/tag311.xml><?xml version="1.0" encoding="utf-8"?>
+<p:tagLst xmlns:a="http://schemas.openxmlformats.org/drawingml/2006/main" xmlns:r="http://schemas.openxmlformats.org/officeDocument/2006/relationships" xmlns:p="http://schemas.openxmlformats.org/presentationml/2006/main">
+  <p:tag name="NUM" val="10"/>
+</p:tagLst>
+</file>
+
+<file path=ppt/tags/tag312.xml><?xml version="1.0" encoding="utf-8"?>
+<p:tagLst xmlns:a="http://schemas.openxmlformats.org/drawingml/2006/main" xmlns:r="http://schemas.openxmlformats.org/officeDocument/2006/relationships" xmlns:p="http://schemas.openxmlformats.org/presentationml/2006/main">
+  <p:tag name="NUM" val="11"/>
+</p:tagLst>
+</file>
+
+<file path=ppt/tags/tag313.xml><?xml version="1.0" encoding="utf-8"?>
+<p:tagLst xmlns:a="http://schemas.openxmlformats.org/drawingml/2006/main" xmlns:r="http://schemas.openxmlformats.org/officeDocument/2006/relationships" xmlns:p="http://schemas.openxmlformats.org/presentationml/2006/main">
+  <p:tag name="NUM" val="12"/>
+</p:tagLst>
+</file>
+
+<file path=ppt/tags/tag314.xml><?xml version="1.0" encoding="utf-8"?>
 <p:tagLst xmlns:a="http://schemas.openxmlformats.org/drawingml/2006/main" xmlns:r="http://schemas.openxmlformats.org/officeDocument/2006/relationships" xmlns:p="http://schemas.openxmlformats.org/presentationml/2006/main">
   <p:tag name="NUM" val="13"/>
 </p:tagLst>
 </file>
 
-<file path=ppt/tags/tag130.xml><?xml version="1.0" encoding="utf-8"?>
-<p:tagLst xmlns:a="http://schemas.openxmlformats.org/drawingml/2006/main" xmlns:r="http://schemas.openxmlformats.org/officeDocument/2006/relationships" xmlns:p="http://schemas.openxmlformats.org/presentationml/2006/main">
-  <p:tag name="NUM" val="42"/>
-</p:tagLst>
-</file>
-
-<file path=ppt/tags/tag131.xml><?xml version="1.0" encoding="utf-8"?>
-<p:tagLst xmlns:a="http://schemas.openxmlformats.org/drawingml/2006/main" xmlns:r="http://schemas.openxmlformats.org/officeDocument/2006/relationships" xmlns:p="http://schemas.openxmlformats.org/presentationml/2006/main">
-  <p:tag name="NUM" val="43"/>
-</p:tagLst>
-</file>
-
-<file path=ppt/tags/tag132.xml><?xml version="1.0" encoding="utf-8"?>
-<p:tagLst xmlns:a="http://schemas.openxmlformats.org/drawingml/2006/main" xmlns:r="http://schemas.openxmlformats.org/officeDocument/2006/relationships" xmlns:p="http://schemas.openxmlformats.org/presentationml/2006/main">
-  <p:tag name="NUM" val="44"/>
-</p:tagLst>
-</file>
-
-<file path=ppt/tags/tag133.xml><?xml version="1.0" encoding="utf-8"?>
-<p:tagLst xmlns:a="http://schemas.openxmlformats.org/drawingml/2006/main" xmlns:r="http://schemas.openxmlformats.org/officeDocument/2006/relationships" xmlns:p="http://schemas.openxmlformats.org/presentationml/2006/main">
-  <p:tag name="NUM" val="45"/>
-</p:tagLst>
-</file>
-
-<file path=ppt/tags/tag134.xml><?xml version="1.0" encoding="utf-8"?>
-<p:tagLst xmlns:a="http://schemas.openxmlformats.org/drawingml/2006/main" xmlns:r="http://schemas.openxmlformats.org/officeDocument/2006/relationships" xmlns:p="http://schemas.openxmlformats.org/presentationml/2006/main">
-  <p:tag name="NUM" val="46"/>
-</p:tagLst>
-</file>
-
-<file path=ppt/tags/tag135.xml><?xml version="1.0" encoding="utf-8"?>
-<p:tagLst xmlns:a="http://schemas.openxmlformats.org/drawingml/2006/main" xmlns:r="http://schemas.openxmlformats.org/officeDocument/2006/relationships" xmlns:p="http://schemas.openxmlformats.org/presentationml/2006/main">
-  <p:tag name="NUM" val="47"/>
-</p:tagLst>
-</file>
-
-<file path=ppt/tags/tag136.xml><?xml version="1.0" encoding="utf-8"?>
-<p:tagLst xmlns:a="http://schemas.openxmlformats.org/drawingml/2006/main" xmlns:r="http://schemas.openxmlformats.org/officeDocument/2006/relationships" xmlns:p="http://schemas.openxmlformats.org/presentationml/2006/main">
-  <p:tag name="NUM" val="48"/>
-</p:tagLst>
-</file>
-
-<file path=ppt/tags/tag137.xml><?xml version="1.0" encoding="utf-8"?>
-<p:tagLst xmlns:a="http://schemas.openxmlformats.org/drawingml/2006/main" xmlns:r="http://schemas.openxmlformats.org/officeDocument/2006/relationships" xmlns:p="http://schemas.openxmlformats.org/presentationml/2006/main">
-  <p:tag name="NUM" val="49"/>
-</p:tagLst>
-</file>
-
-<file path=ppt/tags/tag138.xml><?xml version="1.0" encoding="utf-8"?>
-<p:tagLst xmlns:a="http://schemas.openxmlformats.org/drawingml/2006/main" xmlns:r="http://schemas.openxmlformats.org/officeDocument/2006/relationships" xmlns:p="http://schemas.openxmlformats.org/presentationml/2006/main">
-  <p:tag name="NUM" val="50"/>
-</p:tagLst>
-</file>
-
-<file path=ppt/tags/tag139.xml><?xml version="1.0" encoding="utf-8"?>
-<p:tagLst xmlns:a="http://schemas.openxmlformats.org/drawingml/2006/main" xmlns:r="http://schemas.openxmlformats.org/officeDocument/2006/relationships" xmlns:p="http://schemas.openxmlformats.org/presentationml/2006/main">
-  <p:tag name="NUM" val="51"/>
-</p:tagLst>
-</file>
-
-<file path=ppt/tags/tag14.xml><?xml version="1.0" encoding="utf-8"?>
+<file path=ppt/tags/tag315.xml><?xml version="1.0" encoding="utf-8"?>
 <p:tagLst xmlns:a="http://schemas.openxmlformats.org/drawingml/2006/main" xmlns:r="http://schemas.openxmlformats.org/officeDocument/2006/relationships" xmlns:p="http://schemas.openxmlformats.org/presentationml/2006/main">
   <p:tag name="NUM" val="14"/>
 </p:tagLst>
 </file>
 
-<file path=ppt/tags/tag140.xml><?xml version="1.0" encoding="utf-8"?>
-<p:tagLst xmlns:a="http://schemas.openxmlformats.org/drawingml/2006/main" xmlns:r="http://schemas.openxmlformats.org/officeDocument/2006/relationships" xmlns:p="http://schemas.openxmlformats.org/presentationml/2006/main">
-  <p:tag name="NUM" val="52"/>
-</p:tagLst>
-</file>
-
-<file path=ppt/tags/tag141.xml><?xml version="1.0" encoding="utf-8"?>
-<p:tagLst xmlns:a="http://schemas.openxmlformats.org/drawingml/2006/main" xmlns:r="http://schemas.openxmlformats.org/officeDocument/2006/relationships" xmlns:p="http://schemas.openxmlformats.org/presentationml/2006/main">
-  <p:tag name="NUM" val="47"/>
-</p:tagLst>
-</file>
-
-<file path=ppt/tags/tag142.xml><?xml version="1.0" encoding="utf-8"?>
+<file path=ppt/tags/tag316.xml><?xml version="1.0" encoding="utf-8"?>
+<p:tagLst xmlns:a="http://schemas.openxmlformats.org/drawingml/2006/main" xmlns:r="http://schemas.openxmlformats.org/officeDocument/2006/relationships" xmlns:p="http://schemas.openxmlformats.org/presentationml/2006/main">
+  <p:tag name="NUM" val="15"/>
+</p:tagLst>
+</file>
+
+<file path=ppt/tags/tag317.xml><?xml version="1.0" encoding="utf-8"?>
+<p:tagLst xmlns:a="http://schemas.openxmlformats.org/drawingml/2006/main" xmlns:r="http://schemas.openxmlformats.org/officeDocument/2006/relationships" xmlns:p="http://schemas.openxmlformats.org/presentationml/2006/main">
+  <p:tag name="NUM" val="17"/>
+</p:tagLst>
+</file>
+
+<file path=ppt/tags/tag318.xml><?xml version="1.0" encoding="utf-8"?>
+<p:tagLst xmlns:a="http://schemas.openxmlformats.org/drawingml/2006/main" xmlns:r="http://schemas.openxmlformats.org/officeDocument/2006/relationships" xmlns:p="http://schemas.openxmlformats.org/presentationml/2006/main">
+  <p:tag name="NUM" val="18"/>
+</p:tagLst>
+</file>
+
+<file path=ppt/tags/tag319.xml><?xml version="1.0" encoding="utf-8"?>
+<p:tagLst xmlns:a="http://schemas.openxmlformats.org/drawingml/2006/main" xmlns:r="http://schemas.openxmlformats.org/officeDocument/2006/relationships" xmlns:p="http://schemas.openxmlformats.org/presentationml/2006/main">
+  <p:tag name="NUM" val="19"/>
+</p:tagLst>
+</file>
+
+<file path=ppt/tags/tag32.xml><?xml version="1.0" encoding="utf-8"?>
+<p:tagLst xmlns:a="http://schemas.openxmlformats.org/drawingml/2006/main" xmlns:r="http://schemas.openxmlformats.org/officeDocument/2006/relationships" xmlns:p="http://schemas.openxmlformats.org/presentationml/2006/main">
+  <p:tag name="NUM" val="7"/>
+</p:tagLst>
+</file>
+
+<file path=ppt/tags/tag320.xml><?xml version="1.0" encoding="utf-8"?>
+<p:tagLst xmlns:a="http://schemas.openxmlformats.org/drawingml/2006/main" xmlns:r="http://schemas.openxmlformats.org/officeDocument/2006/relationships" xmlns:p="http://schemas.openxmlformats.org/presentationml/2006/main">
+  <p:tag name="NUM" val="20"/>
+</p:tagLst>
+</file>
+
+<file path=ppt/tags/tag321.xml><?xml version="1.0" encoding="utf-8"?>
+<p:tagLst xmlns:a="http://schemas.openxmlformats.org/drawingml/2006/main" xmlns:r="http://schemas.openxmlformats.org/officeDocument/2006/relationships" xmlns:p="http://schemas.openxmlformats.org/presentationml/2006/main">
+  <p:tag name="NUM" val="21"/>
+</p:tagLst>
+</file>
+
+<file path=ppt/tags/tag322.xml><?xml version="1.0" encoding="utf-8"?>
+<p:tagLst xmlns:a="http://schemas.openxmlformats.org/drawingml/2006/main" xmlns:r="http://schemas.openxmlformats.org/officeDocument/2006/relationships" xmlns:p="http://schemas.openxmlformats.org/presentationml/2006/main">
+  <p:tag name="NUM" val="22"/>
+</p:tagLst>
+</file>
+
+<file path=ppt/tags/tag323.xml><?xml version="1.0" encoding="utf-8"?>
+<p:tagLst xmlns:a="http://schemas.openxmlformats.org/drawingml/2006/main" xmlns:r="http://schemas.openxmlformats.org/officeDocument/2006/relationships" xmlns:p="http://schemas.openxmlformats.org/presentationml/2006/main">
+  <p:tag name="NUM" val="24"/>
+</p:tagLst>
+</file>
+
+<file path=ppt/tags/tag324.xml><?xml version="1.0" encoding="utf-8"?>
+<p:tagLst xmlns:a="http://schemas.openxmlformats.org/drawingml/2006/main" xmlns:r="http://schemas.openxmlformats.org/officeDocument/2006/relationships" xmlns:p="http://schemas.openxmlformats.org/presentationml/2006/main">
+  <p:tag name="NUM" val="25"/>
+</p:tagLst>
+</file>
+
+<file path=ppt/tags/tag325.xml><?xml version="1.0" encoding="utf-8"?>
+<p:tagLst xmlns:a="http://schemas.openxmlformats.org/drawingml/2006/main" xmlns:r="http://schemas.openxmlformats.org/officeDocument/2006/relationships" xmlns:p="http://schemas.openxmlformats.org/presentationml/2006/main">
+  <p:tag name="NUM" val="26"/>
+</p:tagLst>
+</file>
+
+<file path=ppt/tags/tag326.xml><?xml version="1.0" encoding="utf-8"?>
+<p:tagLst xmlns:a="http://schemas.openxmlformats.org/drawingml/2006/main" xmlns:r="http://schemas.openxmlformats.org/officeDocument/2006/relationships" xmlns:p="http://schemas.openxmlformats.org/presentationml/2006/main">
+  <p:tag name="NUM" val="27"/>
+</p:tagLst>
+</file>
+
+<file path=ppt/tags/tag327.xml><?xml version="1.0" encoding="utf-8"?>
+<p:tagLst xmlns:a="http://schemas.openxmlformats.org/drawingml/2006/main" xmlns:r="http://schemas.openxmlformats.org/officeDocument/2006/relationships" xmlns:p="http://schemas.openxmlformats.org/presentationml/2006/main">
+  <p:tag name="NUM" val="28"/>
+</p:tagLst>
+</file>
+
+<file path=ppt/tags/tag328.xml><?xml version="1.0" encoding="utf-8"?>
+<p:tagLst xmlns:a="http://schemas.openxmlformats.org/drawingml/2006/main" xmlns:r="http://schemas.openxmlformats.org/officeDocument/2006/relationships" xmlns:p="http://schemas.openxmlformats.org/presentationml/2006/main">
+  <p:tag name="NUM" val="29"/>
+</p:tagLst>
+</file>
+
+<file path=ppt/tags/tag329.xml><?xml version="1.0" encoding="utf-8"?>
+<p:tagLst xmlns:a="http://schemas.openxmlformats.org/drawingml/2006/main" xmlns:r="http://schemas.openxmlformats.org/officeDocument/2006/relationships" xmlns:p="http://schemas.openxmlformats.org/presentationml/2006/main">
+  <p:tag name="NUM" val="20"/>
+</p:tagLst>
+</file>
+
+<file path=ppt/tags/tag33.xml><?xml version="1.0" encoding="utf-8"?>
+<p:tagLst xmlns:a="http://schemas.openxmlformats.org/drawingml/2006/main" xmlns:r="http://schemas.openxmlformats.org/officeDocument/2006/relationships" xmlns:p="http://schemas.openxmlformats.org/presentationml/2006/main">
+  <p:tag name="NUM" val="8"/>
+</p:tagLst>
+</file>
+
+<file path=ppt/tags/tag330.xml><?xml version="1.0" encoding="utf-8"?>
+<p:tagLst xmlns:a="http://schemas.openxmlformats.org/drawingml/2006/main" xmlns:r="http://schemas.openxmlformats.org/officeDocument/2006/relationships" xmlns:p="http://schemas.openxmlformats.org/presentationml/2006/main">
+  <p:tag name="NUM" val="16"/>
+</p:tagLst>
+</file>
+
+<file path=ppt/tags/tag331.xml><?xml version="1.0" encoding="utf-8"?>
+<p:tagLst xmlns:a="http://schemas.openxmlformats.org/drawingml/2006/main" xmlns:r="http://schemas.openxmlformats.org/officeDocument/2006/relationships" xmlns:p="http://schemas.openxmlformats.org/presentationml/2006/main">
+  <p:tag name="NUM" val="23"/>
+</p:tagLst>
+</file>
+
+<file path=ppt/tags/tag332.xml><?xml version="1.0" encoding="utf-8"?>
 <p:tagLst xmlns:a="http://schemas.openxmlformats.org/drawingml/2006/main" xmlns:r="http://schemas.openxmlformats.org/officeDocument/2006/relationships" xmlns:p="http://schemas.openxmlformats.org/presentationml/2006/main">
   <p:tag name="NUM" val="1"/>
 </p:tagLst>
 </file>
 
-<file path=ppt/tags/tag143.xml><?xml version="1.0" encoding="utf-8"?>
+<file path=ppt/tags/tag333.xml><?xml version="1.0" encoding="utf-8"?>
 <p:tagLst xmlns:a="http://schemas.openxmlformats.org/drawingml/2006/main" xmlns:r="http://schemas.openxmlformats.org/officeDocument/2006/relationships" xmlns:p="http://schemas.openxmlformats.org/presentationml/2006/main">
   <p:tag name="NUM" val="2"/>
 </p:tagLst>
 </file>
 
-<file path=ppt/tags/tag144.xml><?xml version="1.0" encoding="utf-8"?>
+<file path=ppt/tags/tag334.xml><?xml version="1.0" encoding="utf-8"?>
 <p:tagLst xmlns:a="http://schemas.openxmlformats.org/drawingml/2006/main" xmlns:r="http://schemas.openxmlformats.org/officeDocument/2006/relationships" xmlns:p="http://schemas.openxmlformats.org/presentationml/2006/main">
   <p:tag name="NUM" val="3"/>
 </p:tagLst>
 </file>
 
-<file path=ppt/tags/tag145.xml><?xml version="1.0" encoding="utf-8"?>
+<file path=ppt/tags/tag335.xml><?xml version="1.0" encoding="utf-8"?>
 <p:tagLst xmlns:a="http://schemas.openxmlformats.org/drawingml/2006/main" xmlns:r="http://schemas.openxmlformats.org/officeDocument/2006/relationships" xmlns:p="http://schemas.openxmlformats.org/presentationml/2006/main">
   <p:tag name="NUM" val="4"/>
 </p:tagLst>
 </file>
 
-<file path=ppt/tags/tag146.xml><?xml version="1.0" encoding="utf-8"?>
+<file path=ppt/tags/tag336.xml><?xml version="1.0" encoding="utf-8"?>
 <p:tagLst xmlns:a="http://schemas.openxmlformats.org/drawingml/2006/main" xmlns:r="http://schemas.openxmlformats.org/officeDocument/2006/relationships" xmlns:p="http://schemas.openxmlformats.org/presentationml/2006/main">
   <p:tag name="NUM" val="5"/>
 </p:tagLst>
 </file>
 
-<file path=ppt/tags/tag147.xml><?xml version="1.0" encoding="utf-8"?>
+<file path=ppt/tags/tag337.xml><?xml version="1.0" encoding="utf-8"?>
 <p:tagLst xmlns:a="http://schemas.openxmlformats.org/drawingml/2006/main" xmlns:r="http://schemas.openxmlformats.org/officeDocument/2006/relationships" xmlns:p="http://schemas.openxmlformats.org/presentationml/2006/main">
   <p:tag name="NUM" val="6"/>
 </p:tagLst>
 </file>
 
-<file path=ppt/tags/tag148.xml><?xml version="1.0" encoding="utf-8"?>
+<file path=ppt/tags/tag338.xml><?xml version="1.0" encoding="utf-8"?>
 <p:tagLst xmlns:a="http://schemas.openxmlformats.org/drawingml/2006/main" xmlns:r="http://schemas.openxmlformats.org/officeDocument/2006/relationships" xmlns:p="http://schemas.openxmlformats.org/presentationml/2006/main">
   <p:tag name="NUM" val="7"/>
 </p:tagLst>
 </file>
 
-<file path=ppt/tags/tag149.xml><?xml version="1.0" encoding="utf-8"?>
+<file path=ppt/tags/tag339.xml><?xml version="1.0" encoding="utf-8"?>
 <p:tagLst xmlns:a="http://schemas.openxmlformats.org/drawingml/2006/main" xmlns:r="http://schemas.openxmlformats.org/officeDocument/2006/relationships" xmlns:p="http://schemas.openxmlformats.org/presentationml/2006/main">
   <p:tag name="NUM" val="8"/>
 </p:tagLst>
 </file>
 
-<file path=ppt/tags/tag15.xml><?xml version="1.0" encoding="utf-8"?>
+<file path=ppt/tags/tag34.xml><?xml version="1.0" encoding="utf-8"?>
+<p:tagLst xmlns:a="http://schemas.openxmlformats.org/drawingml/2006/main" xmlns:r="http://schemas.openxmlformats.org/officeDocument/2006/relationships" xmlns:p="http://schemas.openxmlformats.org/presentationml/2006/main">
+  <p:tag name="NUM" val="9"/>
+</p:tagLst>
+</file>
+
+<file path=ppt/tags/tag340.xml><?xml version="1.0" encoding="utf-8"?>
+<p:tagLst xmlns:a="http://schemas.openxmlformats.org/drawingml/2006/main" xmlns:r="http://schemas.openxmlformats.org/officeDocument/2006/relationships" xmlns:p="http://schemas.openxmlformats.org/presentationml/2006/main">
+  <p:tag name="NUM" val="9"/>
+</p:tagLst>
+</file>
+
+<file path=ppt/tags/tag341.xml><?xml version="1.0" encoding="utf-8"?>
+<p:tagLst xmlns:a="http://schemas.openxmlformats.org/drawingml/2006/main" xmlns:r="http://schemas.openxmlformats.org/officeDocument/2006/relationships" xmlns:p="http://schemas.openxmlformats.org/presentationml/2006/main">
+  <p:tag name="NUM" val="10"/>
+</p:tagLst>
+</file>
+
+<file path=ppt/tags/tag342.xml><?xml version="1.0" encoding="utf-8"?>
+<p:tagLst xmlns:a="http://schemas.openxmlformats.org/drawingml/2006/main" xmlns:r="http://schemas.openxmlformats.org/officeDocument/2006/relationships" xmlns:p="http://schemas.openxmlformats.org/presentationml/2006/main">
+  <p:tag name="NUM" val="11"/>
+</p:tagLst>
+</file>
+
+<file path=ppt/tags/tag343.xml><?xml version="1.0" encoding="utf-8"?>
+<p:tagLst xmlns:a="http://schemas.openxmlformats.org/drawingml/2006/main" xmlns:r="http://schemas.openxmlformats.org/officeDocument/2006/relationships" xmlns:p="http://schemas.openxmlformats.org/presentationml/2006/main">
+  <p:tag name="NUM" val="12"/>
+</p:tagLst>
+</file>
+
+<file path=ppt/tags/tag344.xml><?xml version="1.0" encoding="utf-8"?>
+<p:tagLst xmlns:a="http://schemas.openxmlformats.org/drawingml/2006/main" xmlns:r="http://schemas.openxmlformats.org/officeDocument/2006/relationships" xmlns:p="http://schemas.openxmlformats.org/presentationml/2006/main">
+  <p:tag name="NUM" val="13"/>
+</p:tagLst>
+</file>
+
+<file path=ppt/tags/tag345.xml><?xml version="1.0" encoding="utf-8"?>
+<p:tagLst xmlns:a="http://schemas.openxmlformats.org/drawingml/2006/main" xmlns:r="http://schemas.openxmlformats.org/officeDocument/2006/relationships" xmlns:p="http://schemas.openxmlformats.org/presentationml/2006/main">
+  <p:tag name="NUM" val="14"/>
+</p:tagLst>
+</file>
+
+<file path=ppt/tags/tag346.xml><?xml version="1.0" encoding="utf-8"?>
 <p:tagLst xmlns:a="http://schemas.openxmlformats.org/drawingml/2006/main" xmlns:r="http://schemas.openxmlformats.org/officeDocument/2006/relationships" xmlns:p="http://schemas.openxmlformats.org/presentationml/2006/main">
   <p:tag name="NUM" val="15"/>
 </p:tagLst>
 </file>
 
-<file path=ppt/tags/tag150.xml><?xml version="1.0" encoding="utf-8"?>
+<file path=ppt/tags/tag347.xml><?xml version="1.0" encoding="utf-8"?>
+<p:tagLst xmlns:a="http://schemas.openxmlformats.org/drawingml/2006/main" xmlns:r="http://schemas.openxmlformats.org/officeDocument/2006/relationships" xmlns:p="http://schemas.openxmlformats.org/presentationml/2006/main">
+  <p:tag name="NUM" val="16"/>
+</p:tagLst>
+</file>
+
+<file path=ppt/tags/tag348.xml><?xml version="1.0" encoding="utf-8"?>
+<p:tagLst xmlns:a="http://schemas.openxmlformats.org/drawingml/2006/main" xmlns:r="http://schemas.openxmlformats.org/officeDocument/2006/relationships" xmlns:p="http://schemas.openxmlformats.org/presentationml/2006/main">
+  <p:tag name="NUM" val="17"/>
+</p:tagLst>
+</file>
+
+<file path=ppt/tags/tag349.xml><?xml version="1.0" encoding="utf-8"?>
+<p:tagLst xmlns:a="http://schemas.openxmlformats.org/drawingml/2006/main" xmlns:r="http://schemas.openxmlformats.org/officeDocument/2006/relationships" xmlns:p="http://schemas.openxmlformats.org/presentationml/2006/main">
+  <p:tag name="NUM" val="18"/>
+</p:tagLst>
+</file>
+
+<file path=ppt/tags/tag35.xml><?xml version="1.0" encoding="utf-8"?>
+<p:tagLst xmlns:a="http://schemas.openxmlformats.org/drawingml/2006/main" xmlns:r="http://schemas.openxmlformats.org/officeDocument/2006/relationships" xmlns:p="http://schemas.openxmlformats.org/presentationml/2006/main">
+  <p:tag name="NUM" val="10"/>
+</p:tagLst>
+</file>
+
+<file path=ppt/tags/tag350.xml><?xml version="1.0" encoding="utf-8"?>
+<p:tagLst xmlns:a="http://schemas.openxmlformats.org/drawingml/2006/main" xmlns:r="http://schemas.openxmlformats.org/officeDocument/2006/relationships" xmlns:p="http://schemas.openxmlformats.org/presentationml/2006/main">
+  <p:tag name="NUM" val="19"/>
+</p:tagLst>
+</file>
+
+<file path=ppt/tags/tag351.xml><?xml version="1.0" encoding="utf-8"?>
+<p:tagLst xmlns:a="http://schemas.openxmlformats.org/drawingml/2006/main" xmlns:r="http://schemas.openxmlformats.org/officeDocument/2006/relationships" xmlns:p="http://schemas.openxmlformats.org/presentationml/2006/main">
+  <p:tag name="NUM" val="20"/>
+</p:tagLst>
+</file>
+
+<file path=ppt/tags/tag352.xml><?xml version="1.0" encoding="utf-8"?>
+<p:tagLst xmlns:a="http://schemas.openxmlformats.org/drawingml/2006/main" xmlns:r="http://schemas.openxmlformats.org/officeDocument/2006/relationships" xmlns:p="http://schemas.openxmlformats.org/presentationml/2006/main">
+  <p:tag name="NUM" val="1"/>
+</p:tagLst>
+</file>
+
+<file path=ppt/tags/tag353.xml><?xml version="1.0" encoding="utf-8"?>
+<p:tagLst xmlns:a="http://schemas.openxmlformats.org/drawingml/2006/main" xmlns:r="http://schemas.openxmlformats.org/officeDocument/2006/relationships" xmlns:p="http://schemas.openxmlformats.org/presentationml/2006/main">
+  <p:tag name="NUM" val="2"/>
+</p:tagLst>
+</file>
+
+<file path=ppt/tags/tag354.xml><?xml version="1.0" encoding="utf-8"?>
+<p:tagLst xmlns:a="http://schemas.openxmlformats.org/drawingml/2006/main" xmlns:r="http://schemas.openxmlformats.org/officeDocument/2006/relationships" xmlns:p="http://schemas.openxmlformats.org/presentationml/2006/main">
+  <p:tag name="NUM" val="3"/>
+</p:tagLst>
+</file>
+
+<file path=ppt/tags/tag355.xml><?xml version="1.0" encoding="utf-8"?>
+<p:tagLst xmlns:a="http://schemas.openxmlformats.org/drawingml/2006/main" xmlns:r="http://schemas.openxmlformats.org/officeDocument/2006/relationships" xmlns:p="http://schemas.openxmlformats.org/presentationml/2006/main">
+  <p:tag name="NUM" val="4"/>
+</p:tagLst>
+</file>
+
+<file path=ppt/tags/tag356.xml><?xml version="1.0" encoding="utf-8"?>
+<p:tagLst xmlns:a="http://schemas.openxmlformats.org/drawingml/2006/main" xmlns:r="http://schemas.openxmlformats.org/officeDocument/2006/relationships" xmlns:p="http://schemas.openxmlformats.org/presentationml/2006/main">
+  <p:tag name="NUM" val="5"/>
+</p:tagLst>
+</file>
+
+<file path=ppt/tags/tag357.xml><?xml version="1.0" encoding="utf-8"?>
+<p:tagLst xmlns:a="http://schemas.openxmlformats.org/drawingml/2006/main" xmlns:r="http://schemas.openxmlformats.org/officeDocument/2006/relationships" xmlns:p="http://schemas.openxmlformats.org/presentationml/2006/main">
+  <p:tag name="NUM" val="6"/>
+</p:tagLst>
+</file>
+
+<file path=ppt/tags/tag358.xml><?xml version="1.0" encoding="utf-8"?>
+<p:tagLst xmlns:a="http://schemas.openxmlformats.org/drawingml/2006/main" xmlns:r="http://schemas.openxmlformats.org/officeDocument/2006/relationships" xmlns:p="http://schemas.openxmlformats.org/presentationml/2006/main">
+  <p:tag name="NUM" val="7"/>
+</p:tagLst>
+</file>
+
+<file path=ppt/tags/tag359.xml><?xml version="1.0" encoding="utf-8"?>
+<p:tagLst xmlns:a="http://schemas.openxmlformats.org/drawingml/2006/main" xmlns:r="http://schemas.openxmlformats.org/officeDocument/2006/relationships" xmlns:p="http://schemas.openxmlformats.org/presentationml/2006/main">
+  <p:tag name="NUM" val="8"/>
+</p:tagLst>
+</file>
+
+<file path=ppt/tags/tag36.xml><?xml version="1.0" encoding="utf-8"?>
+<p:tagLst xmlns:a="http://schemas.openxmlformats.org/drawingml/2006/main" xmlns:r="http://schemas.openxmlformats.org/officeDocument/2006/relationships" xmlns:p="http://schemas.openxmlformats.org/presentationml/2006/main">
+  <p:tag name="NUM" val="11"/>
+</p:tagLst>
+</file>
+
+<file path=ppt/tags/tag360.xml><?xml version="1.0" encoding="utf-8"?>
 <p:tagLst xmlns:a="http://schemas.openxmlformats.org/drawingml/2006/main" xmlns:r="http://schemas.openxmlformats.org/officeDocument/2006/relationships" xmlns:p="http://schemas.openxmlformats.org/presentationml/2006/main">
   <p:tag name="NUM" val="9"/>
 </p:tagLst>
 </file>
 
-<file path=ppt/tags/tag151.xml><?xml version="1.0" encoding="utf-8"?>
+<file path=ppt/tags/tag361.xml><?xml version="1.0" encoding="utf-8"?>
 <p:tagLst xmlns:a="http://schemas.openxmlformats.org/drawingml/2006/main" xmlns:r="http://schemas.openxmlformats.org/officeDocument/2006/relationships" xmlns:p="http://schemas.openxmlformats.org/presentationml/2006/main">
   <p:tag name="NUM" val="10"/>
 </p:tagLst>
 </file>
 
-<file path=ppt/tags/tag152.xml><?xml version="1.0" encoding="utf-8"?>
+<file path=ppt/tags/tag362.xml><?xml version="1.0" encoding="utf-8"?>
 <p:tagLst xmlns:a="http://schemas.openxmlformats.org/drawingml/2006/main" xmlns:r="http://schemas.openxmlformats.org/officeDocument/2006/relationships" xmlns:p="http://schemas.openxmlformats.org/presentationml/2006/main">
   <p:tag name="NUM" val="11"/>
 </p:tagLst>
 </file>
 
-<file path=ppt/tags/tag153.xml><?xml version="1.0" encoding="utf-8"?>
+<file path=ppt/tags/tag363.xml><?xml version="1.0" encoding="utf-8"?>
 <p:tagLst xmlns:a="http://schemas.openxmlformats.org/drawingml/2006/main" xmlns:r="http://schemas.openxmlformats.org/officeDocument/2006/relationships" xmlns:p="http://schemas.openxmlformats.org/presentationml/2006/main">
   <p:tag name="NUM" val="12"/>
 </p:tagLst>
 </file>
 
-<file path=ppt/tags/tag154.xml><?xml version="1.0" encoding="utf-8"?>
+<file path=ppt/tags/tag364.xml><?xml version="1.0" encoding="utf-8"?>
 <p:tagLst xmlns:a="http://schemas.openxmlformats.org/drawingml/2006/main" xmlns:r="http://schemas.openxmlformats.org/officeDocument/2006/relationships" xmlns:p="http://schemas.openxmlformats.org/presentationml/2006/main">
   <p:tag name="NUM" val="13"/>
 </p:tagLst>
 </file>
 
-<file path=ppt/tags/tag155.xml><?xml version="1.0" encoding="utf-8"?>
+<file path=ppt/tags/tag365.xml><?xml version="1.0" encoding="utf-8"?>
 <p:tagLst xmlns:a="http://schemas.openxmlformats.org/drawingml/2006/main" xmlns:r="http://schemas.openxmlformats.org/officeDocument/2006/relationships" xmlns:p="http://schemas.openxmlformats.org/presentationml/2006/main">
   <p:tag name="NUM" val="14"/>
 </p:tagLst>
 </file>
 
-<file path=ppt/tags/tag156.xml><?xml version="1.0" encoding="utf-8"?>
+<file path=ppt/tags/tag366.xml><?xml version="1.0" encoding="utf-8"?>
 <p:tagLst xmlns:a="http://schemas.openxmlformats.org/drawingml/2006/main" xmlns:r="http://schemas.openxmlformats.org/officeDocument/2006/relationships" xmlns:p="http://schemas.openxmlformats.org/presentationml/2006/main">
   <p:tag name="NUM" val="15"/>
 </p:tagLst>
 </file>
 
-<file path=ppt/tags/tag157.xml><?xml version="1.0" encoding="utf-8"?>
+<file path=ppt/tags/tag367.xml><?xml version="1.0" encoding="utf-8"?>
 <p:tagLst xmlns:a="http://schemas.openxmlformats.org/drawingml/2006/main" xmlns:r="http://schemas.openxmlformats.org/officeDocument/2006/relationships" xmlns:p="http://schemas.openxmlformats.org/presentationml/2006/main">
   <p:tag name="NUM" val="16"/>
 </p:tagLst>
 </file>
 
-<file path=ppt/tags/tag158.xml><?xml version="1.0" encoding="utf-8"?>
+<file path=ppt/tags/tag368.xml><?xml version="1.0" encoding="utf-8"?>
 <p:tagLst xmlns:a="http://schemas.openxmlformats.org/drawingml/2006/main" xmlns:r="http://schemas.openxmlformats.org/officeDocument/2006/relationships" xmlns:p="http://schemas.openxmlformats.org/presentationml/2006/main">
   <p:tag name="NUM" val="17"/>
 </p:tagLst>
 </file>
 
-<file path=ppt/tags/tag159.xml><?xml version="1.0" encoding="utf-8"?>
+<file path=ppt/tags/tag369.xml><?xml version="1.0" encoding="utf-8"?>
 <p:tagLst xmlns:a="http://schemas.openxmlformats.org/drawingml/2006/main" xmlns:r="http://schemas.openxmlformats.org/officeDocument/2006/relationships" xmlns:p="http://schemas.openxmlformats.org/presentationml/2006/main">
   <p:tag name="NUM" val="18"/>
 </p:tagLst>
 </file>
 
-<file path=ppt/tags/tag16.xml><?xml version="1.0" encoding="utf-8"?>
+<file path=ppt/tags/tag37.xml><?xml version="1.0" encoding="utf-8"?>
+<p:tagLst xmlns:a="http://schemas.openxmlformats.org/drawingml/2006/main" xmlns:r="http://schemas.openxmlformats.org/officeDocument/2006/relationships" xmlns:p="http://schemas.openxmlformats.org/presentationml/2006/main">
+  <p:tag name="NUM" val="12"/>
+</p:tagLst>
+</file>
+
+<file path=ppt/tags/tag370.xml><?xml version="1.0" encoding="utf-8"?>
+<p:tagLst xmlns:a="http://schemas.openxmlformats.org/drawingml/2006/main" xmlns:r="http://schemas.openxmlformats.org/officeDocument/2006/relationships" xmlns:p="http://schemas.openxmlformats.org/presentationml/2006/main">
+  <p:tag name="NUM" val="19"/>
+</p:tagLst>
+</file>
+
+<file path=ppt/tags/tag371.xml><?xml version="1.0" encoding="utf-8"?>
+<p:tagLst xmlns:a="http://schemas.openxmlformats.org/drawingml/2006/main" xmlns:r="http://schemas.openxmlformats.org/officeDocument/2006/relationships" xmlns:p="http://schemas.openxmlformats.org/presentationml/2006/main">
+  <p:tag name="NUM" val="20"/>
+</p:tagLst>
+</file>
+
+<file path=ppt/tags/tag372.xml><?xml version="1.0" encoding="utf-8"?>
+<p:tagLst xmlns:a="http://schemas.openxmlformats.org/drawingml/2006/main" xmlns:r="http://schemas.openxmlformats.org/officeDocument/2006/relationships" xmlns:p="http://schemas.openxmlformats.org/presentationml/2006/main">
+  <p:tag name="NUM" val="21"/>
+</p:tagLst>
+</file>
+
+<file path=ppt/tags/tag373.xml><?xml version="1.0" encoding="utf-8"?>
+<p:tagLst xmlns:a="http://schemas.openxmlformats.org/drawingml/2006/main" xmlns:r="http://schemas.openxmlformats.org/officeDocument/2006/relationships" xmlns:p="http://schemas.openxmlformats.org/presentationml/2006/main">
+  <p:tag name="NUM" val="22"/>
+</p:tagLst>
+</file>
+
+<file path=ppt/tags/tag374.xml><?xml version="1.0" encoding="utf-8"?>
+<p:tagLst xmlns:a="http://schemas.openxmlformats.org/drawingml/2006/main" xmlns:r="http://schemas.openxmlformats.org/officeDocument/2006/relationships" xmlns:p="http://schemas.openxmlformats.org/presentationml/2006/main">
+  <p:tag name="NUM" val="23"/>
+</p:tagLst>
+</file>
+
+<file path=ppt/tags/tag375.xml><?xml version="1.0" encoding="utf-8"?>
+<p:tagLst xmlns:a="http://schemas.openxmlformats.org/drawingml/2006/main" xmlns:r="http://schemas.openxmlformats.org/officeDocument/2006/relationships" xmlns:p="http://schemas.openxmlformats.org/presentationml/2006/main">
+  <p:tag name="NUM" val="24"/>
+</p:tagLst>
+</file>
+
+<file path=ppt/tags/tag376.xml><?xml version="1.0" encoding="utf-8"?>
+<p:tagLst xmlns:a="http://schemas.openxmlformats.org/drawingml/2006/main" xmlns:r="http://schemas.openxmlformats.org/officeDocument/2006/relationships" xmlns:p="http://schemas.openxmlformats.org/presentationml/2006/main">
+  <p:tag name="NUM" val="25"/>
+</p:tagLst>
+</file>
+
+<file path=ppt/tags/tag377.xml><?xml version="1.0" encoding="utf-8"?>
+<p:tagLst xmlns:a="http://schemas.openxmlformats.org/drawingml/2006/main" xmlns:r="http://schemas.openxmlformats.org/officeDocument/2006/relationships" xmlns:p="http://schemas.openxmlformats.org/presentationml/2006/main">
+  <p:tag name="NUM" val="26"/>
+</p:tagLst>
+</file>
+
+<file path=ppt/tags/tag378.xml><?xml version="1.0" encoding="utf-8"?>
+<p:tagLst xmlns:a="http://schemas.openxmlformats.org/drawingml/2006/main" xmlns:r="http://schemas.openxmlformats.org/officeDocument/2006/relationships" xmlns:p="http://schemas.openxmlformats.org/presentationml/2006/main">
+  <p:tag name="NUM" val="27"/>
+</p:tagLst>
+</file>
+
+<file path=ppt/tags/tag379.xml><?xml version="1.0" encoding="utf-8"?>
+<p:tagLst xmlns:a="http://schemas.openxmlformats.org/drawingml/2006/main" xmlns:r="http://schemas.openxmlformats.org/officeDocument/2006/relationships" xmlns:p="http://schemas.openxmlformats.org/presentationml/2006/main">
+  <p:tag name="NUM" val="28"/>
+</p:tagLst>
+</file>
+
+<file path=ppt/tags/tag38.xml><?xml version="1.0" encoding="utf-8"?>
+<p:tagLst xmlns:a="http://schemas.openxmlformats.org/drawingml/2006/main" xmlns:r="http://schemas.openxmlformats.org/officeDocument/2006/relationships" xmlns:p="http://schemas.openxmlformats.org/presentationml/2006/main">
+  <p:tag name="NUM" val="13"/>
+</p:tagLst>
+</file>
+
+<file path=ppt/tags/tag380.xml><?xml version="1.0" encoding="utf-8"?>
+<p:tagLst xmlns:a="http://schemas.openxmlformats.org/drawingml/2006/main" xmlns:r="http://schemas.openxmlformats.org/officeDocument/2006/relationships" xmlns:p="http://schemas.openxmlformats.org/presentationml/2006/main">
+  <p:tag name="NUM" val="29"/>
+</p:tagLst>
+</file>
+
+<file path=ppt/tags/tag381.xml><?xml version="1.0" encoding="utf-8"?>
+<p:tagLst xmlns:a="http://schemas.openxmlformats.org/drawingml/2006/main" xmlns:r="http://schemas.openxmlformats.org/officeDocument/2006/relationships" xmlns:p="http://schemas.openxmlformats.org/presentationml/2006/main">
+  <p:tag name="NUM" val="30"/>
+</p:tagLst>
+</file>
+
+<file path=ppt/tags/tag382.xml><?xml version="1.0" encoding="utf-8"?>
+<p:tagLst xmlns:a="http://schemas.openxmlformats.org/drawingml/2006/main" xmlns:r="http://schemas.openxmlformats.org/officeDocument/2006/relationships" xmlns:p="http://schemas.openxmlformats.org/presentationml/2006/main">
+  <p:tag name="NUM" val="31"/>
+</p:tagLst>
+</file>
+
+<file path=ppt/tags/tag383.xml><?xml version="1.0" encoding="utf-8"?>
+<p:tagLst xmlns:a="http://schemas.openxmlformats.org/drawingml/2006/main" xmlns:r="http://schemas.openxmlformats.org/officeDocument/2006/relationships" xmlns:p="http://schemas.openxmlformats.org/presentationml/2006/main">
+  <p:tag name="NUM" val="32"/>
+</p:tagLst>
+</file>
+
+<file path=ppt/tags/tag39.xml><?xml version="1.0" encoding="utf-8"?>
+<p:tagLst xmlns:a="http://schemas.openxmlformats.org/drawingml/2006/main" xmlns:r="http://schemas.openxmlformats.org/officeDocument/2006/relationships" xmlns:p="http://schemas.openxmlformats.org/presentationml/2006/main">
+  <p:tag name="NUM" val="14"/>
+</p:tagLst>
+</file>
+
+<file path=ppt/tags/tag4.xml><?xml version="1.0" encoding="utf-8"?>
+<p:tagLst xmlns:a="http://schemas.openxmlformats.org/drawingml/2006/main" xmlns:r="http://schemas.openxmlformats.org/officeDocument/2006/relationships" xmlns:p="http://schemas.openxmlformats.org/presentationml/2006/main">
+  <p:tag name="NUM" val="4"/>
+</p:tagLst>
+</file>
+
+<file path=ppt/tags/tag40.xml><?xml version="1.0" encoding="utf-8"?>
+<p:tagLst xmlns:a="http://schemas.openxmlformats.org/drawingml/2006/main" xmlns:r="http://schemas.openxmlformats.org/officeDocument/2006/relationships" xmlns:p="http://schemas.openxmlformats.org/presentationml/2006/main">
+  <p:tag name="NUM" val="15"/>
+</p:tagLst>
+</file>
+
+<file path=ppt/tags/tag41.xml><?xml version="1.0" encoding="utf-8"?>
 <p:tagLst xmlns:a="http://schemas.openxmlformats.org/drawingml/2006/main" xmlns:r="http://schemas.openxmlformats.org/officeDocument/2006/relationships" xmlns:p="http://schemas.openxmlformats.org/presentationml/2006/main">
   <p:tag name="NUM" val="16"/>
 </p:tagLst>
 </file>
 
-<file path=ppt/tags/tag160.xml><?xml version="1.0" encoding="utf-8"?>
+<file path=ppt/tags/tag42.xml><?xml version="1.0" encoding="utf-8"?>
+<p:tagLst xmlns:a="http://schemas.openxmlformats.org/drawingml/2006/main" xmlns:r="http://schemas.openxmlformats.org/officeDocument/2006/relationships" xmlns:p="http://schemas.openxmlformats.org/presentationml/2006/main">
+  <p:tag name="NUM" val="17"/>
+</p:tagLst>
+</file>
+
+<file path=ppt/tags/tag43.xml><?xml version="1.0" encoding="utf-8"?>
+<p:tagLst xmlns:a="http://schemas.openxmlformats.org/drawingml/2006/main" xmlns:r="http://schemas.openxmlformats.org/officeDocument/2006/relationships" xmlns:p="http://schemas.openxmlformats.org/presentationml/2006/main">
+  <p:tag name="NUM" val="18"/>
+</p:tagLst>
+</file>
+
+<file path=ppt/tags/tag44.xml><?xml version="1.0" encoding="utf-8"?>
 <p:tagLst xmlns:a="http://schemas.openxmlformats.org/drawingml/2006/main" xmlns:r="http://schemas.openxmlformats.org/officeDocument/2006/relationships" xmlns:p="http://schemas.openxmlformats.org/presentationml/2006/main">
   <p:tag name="NUM" val="19"/>
 </p:tagLst>
 </file>
 
-<file path=ppt/tags/tag161.xml><?xml version="1.0" encoding="utf-8"?>
+<file path=ppt/tags/tag45.xml><?xml version="1.0" encoding="utf-8"?>
 <p:tagLst xmlns:a="http://schemas.openxmlformats.org/drawingml/2006/main" xmlns:r="http://schemas.openxmlformats.org/officeDocument/2006/relationships" xmlns:p="http://schemas.openxmlformats.org/presentationml/2006/main">
   <p:tag name="NUM" val="20"/>
 </p:tagLst>
 </file>
 
-<file path=ppt/tags/tag162.xml><?xml version="1.0" encoding="utf-8"?>
+<file path=ppt/tags/tag46.xml><?xml version="1.0" encoding="utf-8"?>
 <p:tagLst xmlns:a="http://schemas.openxmlformats.org/drawingml/2006/main" xmlns:r="http://schemas.openxmlformats.org/officeDocument/2006/relationships" xmlns:p="http://schemas.openxmlformats.org/presentationml/2006/main">
   <p:tag name="NUM" val="21"/>
 </p:tagLst>
 </file>
 
-<file path=ppt/tags/tag163.xml><?xml version="1.0" encoding="utf-8"?>
+<file path=ppt/tags/tag47.xml><?xml version="1.0" encoding="utf-8"?>
 <p:tagLst xmlns:a="http://schemas.openxmlformats.org/drawingml/2006/main" xmlns:r="http://schemas.openxmlformats.org/officeDocument/2006/relationships" xmlns:p="http://schemas.openxmlformats.org/presentationml/2006/main">
   <p:tag name="NUM" val="22"/>
 </p:tagLst>
 </file>
 
-<file path=ppt/tags/tag164.xml><?xml version="1.0" encoding="utf-8"?>
+<file path=ppt/tags/tag48.xml><?xml version="1.0" encoding="utf-8"?>
 <p:tagLst xmlns:a="http://schemas.openxmlformats.org/drawingml/2006/main" xmlns:r="http://schemas.openxmlformats.org/officeDocument/2006/relationships" xmlns:p="http://schemas.openxmlformats.org/presentationml/2006/main">
   <p:tag name="NUM" val="23"/>
 </p:tagLst>
 </file>
 
-<file path=ppt/tags/tag165.xml><?xml version="1.0" encoding="utf-8"?>
+<file path=ppt/tags/tag49.xml><?xml version="1.0" encoding="utf-8"?>
 <p:tagLst xmlns:a="http://schemas.openxmlformats.org/drawingml/2006/main" xmlns:r="http://schemas.openxmlformats.org/officeDocument/2006/relationships" xmlns:p="http://schemas.openxmlformats.org/presentationml/2006/main">
   <p:tag name="NUM" val="24"/>
 </p:tagLst>
 </file>
 
-<file path=ppt/tags/tag166.xml><?xml version="1.0" encoding="utf-8"?>
+<file path=ppt/tags/tag5.xml><?xml version="1.0" encoding="utf-8"?>
+<p:tagLst xmlns:a="http://schemas.openxmlformats.org/drawingml/2006/main" xmlns:r="http://schemas.openxmlformats.org/officeDocument/2006/relationships" xmlns:p="http://schemas.openxmlformats.org/presentationml/2006/main">
+  <p:tag name="NUM" val="5"/>
+</p:tagLst>
+</file>
+
+<file path=ppt/tags/tag50.xml><?xml version="1.0" encoding="utf-8"?>
 <p:tagLst xmlns:a="http://schemas.openxmlformats.org/drawingml/2006/main" xmlns:r="http://schemas.openxmlformats.org/officeDocument/2006/relationships" xmlns:p="http://schemas.openxmlformats.org/presentationml/2006/main">
   <p:tag name="NUM" val="25"/>
 </p:tagLst>
 </file>
 
-<file path=ppt/tags/tag167.xml><?xml version="1.0" encoding="utf-8"?>
+<file path=ppt/tags/tag51.xml><?xml version="1.0" encoding="utf-8"?>
 <p:tagLst xmlns:a="http://schemas.openxmlformats.org/drawingml/2006/main" xmlns:r="http://schemas.openxmlformats.org/officeDocument/2006/relationships" xmlns:p="http://schemas.openxmlformats.org/presentationml/2006/main">
   <p:tag name="NUM" val="26"/>
 </p:tagLst>
 </file>
 
-<file path=ppt/tags/tag168.xml><?xml version="1.0" encoding="utf-8"?>
+<file path=ppt/tags/tag52.xml><?xml version="1.0" encoding="utf-8"?>
+<p:tagLst xmlns:a="http://schemas.openxmlformats.org/drawingml/2006/main" xmlns:r="http://schemas.openxmlformats.org/officeDocument/2006/relationships" xmlns:p="http://schemas.openxmlformats.org/presentationml/2006/main">
+  <p:tag name="NUM" val="28"/>
+</p:tagLst>
+</file>
+
+<file path=ppt/tags/tag53.xml><?xml version="1.0" encoding="utf-8"?>
+<p:tagLst xmlns:a="http://schemas.openxmlformats.org/drawingml/2006/main" xmlns:r="http://schemas.openxmlformats.org/officeDocument/2006/relationships" xmlns:p="http://schemas.openxmlformats.org/presentationml/2006/main">
+  <p:tag name="NUM" val="29"/>
+</p:tagLst>
+</file>
+
+<file path=ppt/tags/tag54.xml><?xml version="1.0" encoding="utf-8"?>
+<p:tagLst xmlns:a="http://schemas.openxmlformats.org/drawingml/2006/main" xmlns:r="http://schemas.openxmlformats.org/officeDocument/2006/relationships" xmlns:p="http://schemas.openxmlformats.org/presentationml/2006/main">
+  <p:tag name="NUM" val="30"/>
+</p:tagLst>
+</file>
+
+<file path=ppt/tags/tag55.xml><?xml version="1.0" encoding="utf-8"?>
+<p:tagLst xmlns:a="http://schemas.openxmlformats.org/drawingml/2006/main" xmlns:r="http://schemas.openxmlformats.org/officeDocument/2006/relationships" xmlns:p="http://schemas.openxmlformats.org/presentationml/2006/main">
+  <p:tag name="NUM" val="31"/>
+</p:tagLst>
+</file>
+
+<file path=ppt/tags/tag56.xml><?xml version="1.0" encoding="utf-8"?>
+<p:tagLst xmlns:a="http://schemas.openxmlformats.org/drawingml/2006/main" xmlns:r="http://schemas.openxmlformats.org/officeDocument/2006/relationships" xmlns:p="http://schemas.openxmlformats.org/presentationml/2006/main">
+  <p:tag name="NUM" val="32"/>
+</p:tagLst>
+</file>
+
+<file path=ppt/tags/tag57.xml><?xml version="1.0" encoding="utf-8"?>
+<p:tagLst xmlns:a="http://schemas.openxmlformats.org/drawingml/2006/main" xmlns:r="http://schemas.openxmlformats.org/officeDocument/2006/relationships" xmlns:p="http://schemas.openxmlformats.org/presentationml/2006/main">
+  <p:tag name="NUM" val="1"/>
+</p:tagLst>
+</file>
+
+<file path=ppt/tags/tag58.xml><?xml version="1.0" encoding="utf-8"?>
+<p:tagLst xmlns:a="http://schemas.openxmlformats.org/drawingml/2006/main" xmlns:r="http://schemas.openxmlformats.org/officeDocument/2006/relationships" xmlns:p="http://schemas.openxmlformats.org/presentationml/2006/main">
+  <p:tag name="NUM" val="2"/>
+</p:tagLst>
+</file>
+
+<file path=ppt/tags/tag59.xml><?xml version="1.0" encoding="utf-8"?>
+<p:tagLst xmlns:a="http://schemas.openxmlformats.org/drawingml/2006/main" xmlns:r="http://schemas.openxmlformats.org/officeDocument/2006/relationships" xmlns:p="http://schemas.openxmlformats.org/presentationml/2006/main">
+  <p:tag name="NUM" val="3"/>
+</p:tagLst>
+</file>
+
+<file path=ppt/tags/tag6.xml><?xml version="1.0" encoding="utf-8"?>
+<p:tagLst xmlns:a="http://schemas.openxmlformats.org/drawingml/2006/main" xmlns:r="http://schemas.openxmlformats.org/officeDocument/2006/relationships" xmlns:p="http://schemas.openxmlformats.org/presentationml/2006/main">
+  <p:tag name="NUM" val="6"/>
+</p:tagLst>
+</file>
+
+<file path=ppt/tags/tag60.xml><?xml version="1.0" encoding="utf-8"?>
+<p:tagLst xmlns:a="http://schemas.openxmlformats.org/drawingml/2006/main" xmlns:r="http://schemas.openxmlformats.org/officeDocument/2006/relationships" xmlns:p="http://schemas.openxmlformats.org/presentationml/2006/main">
+  <p:tag name="NUM" val="4"/>
+</p:tagLst>
+</file>
+
+<file path=ppt/tags/tag61.xml><?xml version="1.0" encoding="utf-8"?>
+<p:tagLst xmlns:a="http://schemas.openxmlformats.org/drawingml/2006/main" xmlns:r="http://schemas.openxmlformats.org/officeDocument/2006/relationships" xmlns:p="http://schemas.openxmlformats.org/presentationml/2006/main">
+  <p:tag name="NUM" val="5"/>
+</p:tagLst>
+</file>
+
+<file path=ppt/tags/tag62.xml><?xml version="1.0" encoding="utf-8"?>
+<p:tagLst xmlns:a="http://schemas.openxmlformats.org/drawingml/2006/main" xmlns:r="http://schemas.openxmlformats.org/officeDocument/2006/relationships" xmlns:p="http://schemas.openxmlformats.org/presentationml/2006/main">
+  <p:tag name="NUM" val="6"/>
+</p:tagLst>
+</file>
+
+<file path=ppt/tags/tag63.xml><?xml version="1.0" encoding="utf-8"?>
+<p:tagLst xmlns:a="http://schemas.openxmlformats.org/drawingml/2006/main" xmlns:r="http://schemas.openxmlformats.org/officeDocument/2006/relationships" xmlns:p="http://schemas.openxmlformats.org/presentationml/2006/main">
+  <p:tag name="NUM" val="7"/>
+</p:tagLst>
+</file>
+
+<file path=ppt/tags/tag64.xml><?xml version="1.0" encoding="utf-8"?>
+<p:tagLst xmlns:a="http://schemas.openxmlformats.org/drawingml/2006/main" xmlns:r="http://schemas.openxmlformats.org/officeDocument/2006/relationships" xmlns:p="http://schemas.openxmlformats.org/presentationml/2006/main">
+  <p:tag name="NUM" val="8"/>
+</p:tagLst>
+</file>
+
+<file path=ppt/tags/tag65.xml><?xml version="1.0" encoding="utf-8"?>
+<p:tagLst xmlns:a="http://schemas.openxmlformats.org/drawingml/2006/main" xmlns:r="http://schemas.openxmlformats.org/officeDocument/2006/relationships" xmlns:p="http://schemas.openxmlformats.org/presentationml/2006/main">
+  <p:tag name="NUM" val="9"/>
+</p:tagLst>
+</file>
+
+<file path=ppt/tags/tag66.xml><?xml version="1.0" encoding="utf-8"?>
+<p:tagLst xmlns:a="http://schemas.openxmlformats.org/drawingml/2006/main" xmlns:r="http://schemas.openxmlformats.org/officeDocument/2006/relationships" xmlns:p="http://schemas.openxmlformats.org/presentationml/2006/main">
+  <p:tag name="NUM" val="10"/>
+</p:tagLst>
+</file>
+
+<file path=ppt/tags/tag67.xml><?xml version="1.0" encoding="utf-8"?>
+<p:tagLst xmlns:a="http://schemas.openxmlformats.org/drawingml/2006/main" xmlns:r="http://schemas.openxmlformats.org/officeDocument/2006/relationships" xmlns:p="http://schemas.openxmlformats.org/presentationml/2006/main">
+  <p:tag name="NUM" val="11"/>
+</p:tagLst>
+</file>
+
+<file path=ppt/tags/tag68.xml><?xml version="1.0" encoding="utf-8"?>
+<p:tagLst xmlns:a="http://schemas.openxmlformats.org/drawingml/2006/main" xmlns:r="http://schemas.openxmlformats.org/officeDocument/2006/relationships" xmlns:p="http://schemas.openxmlformats.org/presentationml/2006/main">
+  <p:tag name="NUM" val="12"/>
+</p:tagLst>
+</file>
+
+<file path=ppt/tags/tag69.xml><?xml version="1.0" encoding="utf-8"?>
+<p:tagLst xmlns:a="http://schemas.openxmlformats.org/drawingml/2006/main" xmlns:r="http://schemas.openxmlformats.org/officeDocument/2006/relationships" xmlns:p="http://schemas.openxmlformats.org/presentationml/2006/main">
+  <p:tag name="NUM" val="13"/>
+</p:tagLst>
+</file>
+
+<file path=ppt/tags/tag7.xml><?xml version="1.0" encoding="utf-8"?>
+<p:tagLst xmlns:a="http://schemas.openxmlformats.org/drawingml/2006/main" xmlns:r="http://schemas.openxmlformats.org/officeDocument/2006/relationships" xmlns:p="http://schemas.openxmlformats.org/presentationml/2006/main">
+  <p:tag name="NUM" val="7"/>
+</p:tagLst>
+</file>
+
+<file path=ppt/tags/tag70.xml><?xml version="1.0" encoding="utf-8"?>
+<p:tagLst xmlns:a="http://schemas.openxmlformats.org/drawingml/2006/main" xmlns:r="http://schemas.openxmlformats.org/officeDocument/2006/relationships" xmlns:p="http://schemas.openxmlformats.org/presentationml/2006/main">
+  <p:tag name="NUM" val="14"/>
+</p:tagLst>
+</file>
+
+<file path=ppt/tags/tag71.xml><?xml version="1.0" encoding="utf-8"?>
+<p:tagLst xmlns:a="http://schemas.openxmlformats.org/drawingml/2006/main" xmlns:r="http://schemas.openxmlformats.org/officeDocument/2006/relationships" xmlns:p="http://schemas.openxmlformats.org/presentationml/2006/main">
+  <p:tag name="NUM" val="15"/>
+</p:tagLst>
+</file>
+
+<file path=ppt/tags/tag72.xml><?xml version="1.0" encoding="utf-8"?>
+<p:tagLst xmlns:a="http://schemas.openxmlformats.org/drawingml/2006/main" xmlns:r="http://schemas.openxmlformats.org/officeDocument/2006/relationships" xmlns:p="http://schemas.openxmlformats.org/presentationml/2006/main">
+  <p:tag name="NUM" val="16"/>
+</p:tagLst>
+</file>
+
+<file path=ppt/tags/tag73.xml><?xml version="1.0" encoding="utf-8"?>
+<p:tagLst xmlns:a="http://schemas.openxmlformats.org/drawingml/2006/main" xmlns:r="http://schemas.openxmlformats.org/officeDocument/2006/relationships" xmlns:p="http://schemas.openxmlformats.org/presentationml/2006/main">
+  <p:tag name="NUM" val="17"/>
+</p:tagLst>
+</file>
+
+<file path=ppt/tags/tag74.xml><?xml version="1.0" encoding="utf-8"?>
+<p:tagLst xmlns:a="http://schemas.openxmlformats.org/drawingml/2006/main" xmlns:r="http://schemas.openxmlformats.org/officeDocument/2006/relationships" xmlns:p="http://schemas.openxmlformats.org/presentationml/2006/main">
+  <p:tag name="NUM" val="18"/>
+</p:tagLst>
+</file>
+
+<file path=ppt/tags/tag75.xml><?xml version="1.0" encoding="utf-8"?>
+<p:tagLst xmlns:a="http://schemas.openxmlformats.org/drawingml/2006/main" xmlns:r="http://schemas.openxmlformats.org/officeDocument/2006/relationships" xmlns:p="http://schemas.openxmlformats.org/presentationml/2006/main">
+  <p:tag name="NUM" val="19"/>
+</p:tagLst>
+</file>
+
+<file path=ppt/tags/tag76.xml><?xml version="1.0" encoding="utf-8"?>
+<p:tagLst xmlns:a="http://schemas.openxmlformats.org/drawingml/2006/main" xmlns:r="http://schemas.openxmlformats.org/officeDocument/2006/relationships" xmlns:p="http://schemas.openxmlformats.org/presentationml/2006/main">
+  <p:tag name="NUM" val="20"/>
+</p:tagLst>
+</file>
+
+<file path=ppt/tags/tag77.xml><?xml version="1.0" encoding="utf-8"?>
+<p:tagLst xmlns:a="http://schemas.openxmlformats.org/drawingml/2006/main" xmlns:r="http://schemas.openxmlformats.org/officeDocument/2006/relationships" xmlns:p="http://schemas.openxmlformats.org/presentationml/2006/main">
+  <p:tag name="NUM" val="21"/>
+</p:tagLst>
+</file>
+
+<file path=ppt/tags/tag78.xml><?xml version="1.0" encoding="utf-8"?>
+<p:tagLst xmlns:a="http://schemas.openxmlformats.org/drawingml/2006/main" xmlns:r="http://schemas.openxmlformats.org/officeDocument/2006/relationships" xmlns:p="http://schemas.openxmlformats.org/presentationml/2006/main">
+  <p:tag name="NUM" val="22"/>
+</p:tagLst>
+</file>
+
+<file path=ppt/tags/tag79.xml><?xml version="1.0" encoding="utf-8"?>
+<p:tagLst xmlns:a="http://schemas.openxmlformats.org/drawingml/2006/main" xmlns:r="http://schemas.openxmlformats.org/officeDocument/2006/relationships" xmlns:p="http://schemas.openxmlformats.org/presentationml/2006/main">
+  <p:tag name="NUM" val="23"/>
+</p:tagLst>
+</file>
+
+<file path=ppt/tags/tag8.xml><?xml version="1.0" encoding="utf-8"?>
+<p:tagLst xmlns:a="http://schemas.openxmlformats.org/drawingml/2006/main" xmlns:r="http://schemas.openxmlformats.org/officeDocument/2006/relationships" xmlns:p="http://schemas.openxmlformats.org/presentationml/2006/main">
+  <p:tag name="NUM" val="8"/>
+</p:tagLst>
+</file>
+
+<file path=ppt/tags/tag80.xml><?xml version="1.0" encoding="utf-8"?>
+<p:tagLst xmlns:a="http://schemas.openxmlformats.org/drawingml/2006/main" xmlns:r="http://schemas.openxmlformats.org/officeDocument/2006/relationships" xmlns:p="http://schemas.openxmlformats.org/presentationml/2006/main">
+  <p:tag name="NUM" val="24"/>
+</p:tagLst>
+</file>
+
+<file path=ppt/tags/tag81.xml><?xml version="1.0" encoding="utf-8"?>
+<p:tagLst xmlns:a="http://schemas.openxmlformats.org/drawingml/2006/main" xmlns:r="http://schemas.openxmlformats.org/officeDocument/2006/relationships" xmlns:p="http://schemas.openxmlformats.org/presentationml/2006/main">
+  <p:tag name="NUM" val="25"/>
+</p:tagLst>
+</file>
+
+<file path=ppt/tags/tag82.xml><?xml version="1.0" encoding="utf-8"?>
+<p:tagLst xmlns:a="http://schemas.openxmlformats.org/drawingml/2006/main" xmlns:r="http://schemas.openxmlformats.org/officeDocument/2006/relationships" xmlns:p="http://schemas.openxmlformats.org/presentationml/2006/main">
+  <p:tag name="NUM" val="26"/>
+</p:tagLst>
+</file>
+
+<file path=ppt/tags/tag83.xml><?xml version="1.0" encoding="utf-8"?>
+<p:tagLst xmlns:a="http://schemas.openxmlformats.org/drawingml/2006/main" xmlns:r="http://schemas.openxmlformats.org/officeDocument/2006/relationships" xmlns:p="http://schemas.openxmlformats.org/presentationml/2006/main">
+  <p:tag name="NUM" val="29"/>
+</p:tagLst>
+</file>
+
+<file path=ppt/tags/tag84.xml><?xml version="1.0" encoding="utf-8"?>
+<p:tagLst xmlns:a="http://schemas.openxmlformats.org/drawingml/2006/main" xmlns:r="http://schemas.openxmlformats.org/officeDocument/2006/relationships" xmlns:p="http://schemas.openxmlformats.org/presentationml/2006/main">
+  <p:tag name="NUM" val="30"/>
+</p:tagLst>
+</file>
+
+<file path=ppt/tags/tag85.xml><?xml version="1.0" encoding="utf-8"?>
+<p:tagLst xmlns:a="http://schemas.openxmlformats.org/drawingml/2006/main" xmlns:r="http://schemas.openxmlformats.org/officeDocument/2006/relationships" xmlns:p="http://schemas.openxmlformats.org/presentationml/2006/main">
+  <p:tag name="NUM" val="31"/>
+</p:tagLst>
+</file>
+
+<file path=ppt/tags/tag86.xml><?xml version="1.0" encoding="utf-8"?>
+<p:tagLst xmlns:a="http://schemas.openxmlformats.org/drawingml/2006/main" xmlns:r="http://schemas.openxmlformats.org/officeDocument/2006/relationships" xmlns:p="http://schemas.openxmlformats.org/presentationml/2006/main">
+  <p:tag name="NUM" val="32"/>
+</p:tagLst>
+</file>
+
+<file path=ppt/tags/tag87.xml><?xml version="1.0" encoding="utf-8"?>
 <p:tagLst xmlns:a="http://schemas.openxmlformats.org/drawingml/2006/main" xmlns:r="http://schemas.openxmlformats.org/officeDocument/2006/relationships" xmlns:p="http://schemas.openxmlformats.org/presentationml/2006/main">
   <p:tag name="NUM" val="27"/>
 </p:tagLst>
 </file>
 
-<file path=ppt/tags/tag169.xml><?xml version="1.0" encoding="utf-8"?>
-<p:tagLst xmlns:a="http://schemas.openxmlformats.org/drawingml/2006/main" xmlns:r="http://schemas.openxmlformats.org/officeDocument/2006/relationships" xmlns:p="http://schemas.openxmlformats.org/presentationml/2006/main">
-  <p:tag name="NUM" val="28"/>
-</p:tagLst>
-</file>
-
-<file path=ppt/tags/tag17.xml><?xml version="1.0" encoding="utf-8"?>
-<p:tagLst xmlns:a="http://schemas.openxmlformats.org/drawingml/2006/main" xmlns:r="http://schemas.openxmlformats.org/officeDocument/2006/relationships" xmlns:p="http://schemas.openxmlformats.org/presentationml/2006/main">
-  <p:tag name="NUM" val="17"/>
-</p:tagLst>
-</file>
-
-<file path=ppt/tags/tag170.xml><?xml version="1.0" encoding="utf-8"?>
-<p:tagLst xmlns:a="http://schemas.openxmlformats.org/drawingml/2006/main" xmlns:r="http://schemas.openxmlformats.org/officeDocument/2006/relationships" xmlns:p="http://schemas.openxmlformats.org/presentationml/2006/main">
-  <p:tag name="NUM" val="29"/>
-</p:tagLst>
-</file>
-
-<file path=ppt/tags/tag171.xml><?xml version="1.0" encoding="utf-8"?>
-<p:tagLst xmlns:a="http://schemas.openxmlformats.org/drawingml/2006/main" xmlns:r="http://schemas.openxmlformats.org/officeDocument/2006/relationships" xmlns:p="http://schemas.openxmlformats.org/presentationml/2006/main">
-  <p:tag name="NUM" val="30"/>
-</p:tagLst>
-</file>
-
-<file path=ppt/tags/tag172.xml><?xml version="1.0" encoding="utf-8"?>
-<p:tagLst xmlns:a="http://schemas.openxmlformats.org/drawingml/2006/main" xmlns:r="http://schemas.openxmlformats.org/officeDocument/2006/relationships" xmlns:p="http://schemas.openxmlformats.org/presentationml/2006/main">
-  <p:tag name="NUM" val="31"/>
-</p:tagLst>
-</file>
-
-<file path=ppt/tags/tag173.xml><?xml version="1.0" encoding="utf-8"?>
-<p:tagLst xmlns:a="http://schemas.openxmlformats.org/drawingml/2006/main" xmlns:r="http://schemas.openxmlformats.org/officeDocument/2006/relationships" xmlns:p="http://schemas.openxmlformats.org/presentationml/2006/main">
-  <p:tag name="NUM" val="32"/>
-</p:tagLst>
-</file>
-
-<file path=ppt/tags/tag174.xml><?xml version="1.0" encoding="utf-8"?>
-<p:tagLst xmlns:a="http://schemas.openxmlformats.org/drawingml/2006/main" xmlns:r="http://schemas.openxmlformats.org/officeDocument/2006/relationships" xmlns:p="http://schemas.openxmlformats.org/presentationml/2006/main">
-  <p:tag name="NUM" val="33"/>
-</p:tagLst>
-</file>
-
-<file path=ppt/tags/tag175.xml><?xml version="1.0" encoding="utf-8"?>
-<p:tagLst xmlns:a="http://schemas.openxmlformats.org/drawingml/2006/main" xmlns:r="http://schemas.openxmlformats.org/officeDocument/2006/relationships" xmlns:p="http://schemas.openxmlformats.org/presentationml/2006/main">
-  <p:tag name="NUM" val="34"/>
-</p:tagLst>
-</file>
-
-<file path=ppt/tags/tag176.xml><?xml version="1.0" encoding="utf-8"?>
-<p:tagLst xmlns:a="http://schemas.openxmlformats.org/drawingml/2006/main" xmlns:r="http://schemas.openxmlformats.org/officeDocument/2006/relationships" xmlns:p="http://schemas.openxmlformats.org/presentationml/2006/main">
-  <p:tag name="NUM" val="35"/>
-</p:tagLst>
-</file>
-
-<file path=ppt/tags/tag177.xml><?xml version="1.0" encoding="utf-8"?>
-<p:tagLst xmlns:a="http://schemas.openxmlformats.org/drawingml/2006/main" xmlns:r="http://schemas.openxmlformats.org/officeDocument/2006/relationships" xmlns:p="http://schemas.openxmlformats.org/presentationml/2006/main">
-  <p:tag name="NUM" val="36"/>
-</p:tagLst>
-</file>
-
-<file path=ppt/tags/tag178.xml><?xml version="1.0" encoding="utf-8"?>
-<p:tagLst xmlns:a="http://schemas.openxmlformats.org/drawingml/2006/main" xmlns:r="http://schemas.openxmlformats.org/officeDocument/2006/relationships" xmlns:p="http://schemas.openxmlformats.org/presentationml/2006/main">
-  <p:tag name="NUM" val="37"/>
-</p:tagLst>
-</file>
-
-<file path=ppt/tags/tag179.xml><?xml version="1.0" encoding="utf-8"?>
-<p:tagLst xmlns:a="http://schemas.openxmlformats.org/drawingml/2006/main" xmlns:r="http://schemas.openxmlformats.org/officeDocument/2006/relationships" xmlns:p="http://schemas.openxmlformats.org/presentationml/2006/main">
-  <p:tag name="NUM" val="38"/>
-</p:tagLst>
-</file>
-
-<file path=ppt/tags/tag18.xml><?xml version="1.0" encoding="utf-8"?>
-<p:tagLst xmlns:a="http://schemas.openxmlformats.org/drawingml/2006/main" xmlns:r="http://schemas.openxmlformats.org/officeDocument/2006/relationships" xmlns:p="http://schemas.openxmlformats.org/presentationml/2006/main">
-  <p:tag name="NUM" val="18"/>
-</p:tagLst>
-</file>
-
-<file path=ppt/tags/tag180.xml><?xml version="1.0" encoding="utf-8"?>
-<p:tagLst xmlns:a="http://schemas.openxmlformats.org/drawingml/2006/main" xmlns:r="http://schemas.openxmlformats.org/officeDocument/2006/relationships" xmlns:p="http://schemas.openxmlformats.org/presentationml/2006/main">
-  <p:tag name="NUM" val="39"/>
-</p:tagLst>
-</file>
-
-<file path=ppt/tags/tag181.xml><?xml version="1.0" encoding="utf-8"?>
-<p:tagLst xmlns:a="http://schemas.openxmlformats.org/drawingml/2006/main" xmlns:r="http://schemas.openxmlformats.org/officeDocument/2006/relationships" xmlns:p="http://schemas.openxmlformats.org/presentationml/2006/main">
-  <p:tag name="NUM" val="40"/>
-</p:tagLst>
-</file>
-
-<file path=ppt/tags/tag182.xml><?xml version="1.0" encoding="utf-8"?>
-<p:tagLst xmlns:a="http://schemas.openxmlformats.org/drawingml/2006/main" xmlns:r="http://schemas.openxmlformats.org/officeDocument/2006/relationships" xmlns:p="http://schemas.openxmlformats.org/presentationml/2006/main">
-  <p:tag name="NUM" val="41"/>
-</p:tagLst>
-</file>
-
-<file path=ppt/tags/tag183.xml><?xml version="1.0" encoding="utf-8"?>
-<p:tagLst xmlns:a="http://schemas.openxmlformats.org/drawingml/2006/main" xmlns:r="http://schemas.openxmlformats.org/officeDocument/2006/relationships" xmlns:p="http://schemas.openxmlformats.org/presentationml/2006/main">
-  <p:tag name="NUM" val="42"/>
-</p:tagLst>
-</file>
-
-<file path=ppt/tags/tag184.xml><?xml version="1.0" encoding="utf-8"?>
-<p:tagLst xmlns:a="http://schemas.openxmlformats.org/drawingml/2006/main" xmlns:r="http://schemas.openxmlformats.org/officeDocument/2006/relationships" xmlns:p="http://schemas.openxmlformats.org/presentationml/2006/main">
-  <p:tag name="NUM" val="43"/>
-</p:tagLst>
-</file>
-
-<file path=ppt/tags/tag185.xml><?xml version="1.0" encoding="utf-8"?>
-<p:tagLst xmlns:a="http://schemas.openxmlformats.org/drawingml/2006/main" xmlns:r="http://schemas.openxmlformats.org/officeDocument/2006/relationships" xmlns:p="http://schemas.openxmlformats.org/presentationml/2006/main">
-  <p:tag name="NUM" val="44"/>
-</p:tagLst>
-</file>
-
-<file path=ppt/tags/tag186.xml><?xml version="1.0" encoding="utf-8"?>
-<p:tagLst xmlns:a="http://schemas.openxmlformats.org/drawingml/2006/main" xmlns:r="http://schemas.openxmlformats.org/officeDocument/2006/relationships" xmlns:p="http://schemas.openxmlformats.org/presentationml/2006/main">
-  <p:tag name="NUM" val="45"/>
-</p:tagLst>
-</file>
-
-<file path=ppt/tags/tag187.xml><?xml version="1.0" encoding="utf-8"?>
-<p:tagLst xmlns:a="http://schemas.openxmlformats.org/drawingml/2006/main" xmlns:r="http://schemas.openxmlformats.org/officeDocument/2006/relationships" xmlns:p="http://schemas.openxmlformats.org/presentationml/2006/main">
-  <p:tag name="NUM" val="46"/>
-</p:tagLst>
-</file>
-
-<file path=ppt/tags/tag188.xml><?xml version="1.0" encoding="utf-8"?>
-<p:tagLst xmlns:a="http://schemas.openxmlformats.org/drawingml/2006/main" xmlns:r="http://schemas.openxmlformats.org/officeDocument/2006/relationships" xmlns:p="http://schemas.openxmlformats.org/presentationml/2006/main">
-  <p:tag name="NUM" val="47"/>
-</p:tagLst>
-</file>
-
-<file path=ppt/tags/tag189.xml><?xml version="1.0" encoding="utf-8"?>
-<p:tagLst xmlns:a="http://schemas.openxmlformats.org/drawingml/2006/main" xmlns:r="http://schemas.openxmlformats.org/officeDocument/2006/relationships" xmlns:p="http://schemas.openxmlformats.org/presentationml/2006/main">
-  <p:tag name="NUM" val="48"/>
-</p:tagLst>
-</file>
-
-<file path=ppt/tags/tag19.xml><?xml version="1.0" encoding="utf-8"?>
-<p:tagLst xmlns:a="http://schemas.openxmlformats.org/drawingml/2006/main" xmlns:r="http://schemas.openxmlformats.org/officeDocument/2006/relationships" xmlns:p="http://schemas.openxmlformats.org/presentationml/2006/main">
-  <p:tag name="NUM" val="19"/>
-</p:tagLst>
-</file>
-
-<file path=ppt/tags/tag190.xml><?xml version="1.0" encoding="utf-8"?>
-<p:tagLst xmlns:a="http://schemas.openxmlformats.org/drawingml/2006/main" xmlns:r="http://schemas.openxmlformats.org/officeDocument/2006/relationships" xmlns:p="http://schemas.openxmlformats.org/presentationml/2006/main">
-  <p:tag name="NUM" val="49"/>
-</p:tagLst>
-</file>
-
-<file path=ppt/tags/tag191.xml><?xml version="1.0" encoding="utf-8"?>
-<p:tagLst xmlns:a="http://schemas.openxmlformats.org/drawingml/2006/main" xmlns:r="http://schemas.openxmlformats.org/officeDocument/2006/relationships" xmlns:p="http://schemas.openxmlformats.org/presentationml/2006/main">
-  <p:tag name="NUM" val="50"/>
-</p:tagLst>
-</file>
-
-<file path=ppt/tags/tag192.xml><?xml version="1.0" encoding="utf-8"?>
+<file path=ppt/tags/tag88.xml><?xml version="1.0" encoding="utf-8"?>
 <p:tagLst xmlns:a="http://schemas.openxmlformats.org/drawingml/2006/main" xmlns:r="http://schemas.openxmlformats.org/officeDocument/2006/relationships" xmlns:p="http://schemas.openxmlformats.org/presentationml/2006/main">
   <p:tag name="NUM" val="1"/>
 </p:tagLst>
 </file>
 
-<file path=ppt/tags/tag193.xml><?xml version="1.0" encoding="utf-8"?>
+<file path=ppt/tags/tag89.xml><?xml version="1.0" encoding="utf-8"?>
 <p:tagLst xmlns:a="http://schemas.openxmlformats.org/drawingml/2006/main" xmlns:r="http://schemas.openxmlformats.org/officeDocument/2006/relationships" xmlns:p="http://schemas.openxmlformats.org/presentationml/2006/main">
   <p:tag name="NUM" val="2"/>
 </p:tagLst>
 </file>
 
-<file path=ppt/tags/tag194.xml><?xml version="1.0" encoding="utf-8"?>
+<file path=ppt/tags/tag9.xml><?xml version="1.0" encoding="utf-8"?>
+<p:tagLst xmlns:a="http://schemas.openxmlformats.org/drawingml/2006/main" xmlns:r="http://schemas.openxmlformats.org/officeDocument/2006/relationships" xmlns:p="http://schemas.openxmlformats.org/presentationml/2006/main">
+  <p:tag name="NUM" val="9"/>
+</p:tagLst>
+</file>
+
+<file path=ppt/tags/tag90.xml><?xml version="1.0" encoding="utf-8"?>
 <p:tagLst xmlns:a="http://schemas.openxmlformats.org/drawingml/2006/main" xmlns:r="http://schemas.openxmlformats.org/officeDocument/2006/relationships" xmlns:p="http://schemas.openxmlformats.org/presentationml/2006/main">
   <p:tag name="NUM" val="3"/>
 </p:tagLst>
 </file>
 
-<file path=ppt/tags/tag195.xml><?xml version="1.0" encoding="utf-8"?>
+<file path=ppt/tags/tag91.xml><?xml version="1.0" encoding="utf-8"?>
 <p:tagLst xmlns:a="http://schemas.openxmlformats.org/drawingml/2006/main" xmlns:r="http://schemas.openxmlformats.org/officeDocument/2006/relationships" xmlns:p="http://schemas.openxmlformats.org/presentationml/2006/main">
   <p:tag name="NUM" val="4"/>
 </p:tagLst>
 </file>
 
-<file path=ppt/tags/tag196.xml><?xml version="1.0" encoding="utf-8"?>
+<file path=ppt/tags/tag92.xml><?xml version="1.0" encoding="utf-8"?>
 <p:tagLst xmlns:a="http://schemas.openxmlformats.org/drawingml/2006/main" xmlns:r="http://schemas.openxmlformats.org/officeDocument/2006/relationships" xmlns:p="http://schemas.openxmlformats.org/presentationml/2006/main">
   <p:tag name="NUM" val="5"/>
 </p:tagLst>
 </file>
 
-<file path=ppt/tags/tag197.xml><?xml version="1.0" encoding="utf-8"?>
+<file path=ppt/tags/tag93.xml><?xml version="1.0" encoding="utf-8"?>
 <p:tagLst xmlns:a="http://schemas.openxmlformats.org/drawingml/2006/main" xmlns:r="http://schemas.openxmlformats.org/officeDocument/2006/relationships" xmlns:p="http://schemas.openxmlformats.org/presentationml/2006/main">
   <p:tag name="NUM" val="6"/>
 </p:tagLst>
 </file>
 
-<file path=ppt/tags/tag198.xml><?xml version="1.0" encoding="utf-8"?>
+<file path=ppt/tags/tag94.xml><?xml version="1.0" encoding="utf-8"?>
 <p:tagLst xmlns:a="http://schemas.openxmlformats.org/drawingml/2006/main" xmlns:r="http://schemas.openxmlformats.org/officeDocument/2006/relationships" xmlns:p="http://schemas.openxmlformats.org/presentationml/2006/main">
   <p:tag name="NUM" val="7"/>
 </p:tagLst>
 </file>
 
-<file path=ppt/tags/tag199.xml><?xml version="1.0" encoding="utf-8"?>
+<file path=ppt/tags/tag95.xml><?xml version="1.0" encoding="utf-8"?>
 <p:tagLst xmlns:a="http://schemas.openxmlformats.org/drawingml/2006/main" xmlns:r="http://schemas.openxmlformats.org/officeDocument/2006/relationships" xmlns:p="http://schemas.openxmlformats.org/presentationml/2006/main">
   <p:tag name="NUM" val="8"/>
 </p:tagLst>
 </file>
 
-<file path=ppt/tags/tag2.xml><?xml version="1.0" encoding="utf-8"?>
-<p:tagLst xmlns:a="http://schemas.openxmlformats.org/drawingml/2006/main" xmlns:r="http://schemas.openxmlformats.org/officeDocument/2006/relationships" xmlns:p="http://schemas.openxmlformats.org/presentationml/2006/main">
-  <p:tag name="NUM" val="2"/>
-</p:tagLst>
-</file>
-
-<file path=ppt/tags/tag20.xml><?xml version="1.0" encoding="utf-8"?>
-<p:tagLst xmlns:a="http://schemas.openxmlformats.org/drawingml/2006/main" xmlns:r="http://schemas.openxmlformats.org/officeDocument/2006/relationships" xmlns:p="http://schemas.openxmlformats.org/presentationml/2006/main">
-  <p:tag name="NUM" val="20"/>
-</p:tagLst>
-</file>
-
-<file path=ppt/tags/tag200.xml><?xml version="1.0" encoding="utf-8"?>
+<file path=ppt/tags/tag96.xml><?xml version="1.0" encoding="utf-8"?>
 <p:tagLst xmlns:a="http://schemas.openxmlformats.org/drawingml/2006/main" xmlns:r="http://schemas.openxmlformats.org/officeDocument/2006/relationships" xmlns:p="http://schemas.openxmlformats.org/presentationml/2006/main">
   <p:tag name="NUM" val="9"/>
 </p:tagLst>
 </file>
 
-<file path=ppt/tags/tag201.xml><?xml version="1.0" encoding="utf-8"?>
+<file path=ppt/tags/tag97.xml><?xml version="1.0" encoding="utf-8"?>
 <p:tagLst xmlns:a="http://schemas.openxmlformats.org/drawingml/2006/main" xmlns:r="http://schemas.openxmlformats.org/officeDocument/2006/relationships" xmlns:p="http://schemas.openxmlformats.org/presentationml/2006/main">
   <p:tag name="NUM" val="10"/>
 </p:tagLst>
 </file>
 
-<file path=ppt/tags/tag202.xml><?xml version="1.0" encoding="utf-8"?>
+<file path=ppt/tags/tag98.xml><?xml version="1.0" encoding="utf-8"?>
 <p:tagLst xmlns:a="http://schemas.openxmlformats.org/drawingml/2006/main" xmlns:r="http://schemas.openxmlformats.org/officeDocument/2006/relationships" xmlns:p="http://schemas.openxmlformats.org/presentationml/2006/main">
   <p:tag name="NUM" val="11"/>
 </p:tagLst>
 </file>
 
-<file path=ppt/tags/tag203.xml><?xml version="1.0" encoding="utf-8"?>
+<file path=ppt/tags/tag99.xml><?xml version="1.0" encoding="utf-8"?>
 <p:tagLst xmlns:a="http://schemas.openxmlformats.org/drawingml/2006/main" xmlns:r="http://schemas.openxmlformats.org/officeDocument/2006/relationships" xmlns:p="http://schemas.openxmlformats.org/presentationml/2006/main">
   <p:tag name="NUM" val="12"/>
-</p:tagLst>
-</file>
-
-<file path=ppt/tags/tag204.xml><?xml version="1.0" encoding="utf-8"?>
-<p:tagLst xmlns:a="http://schemas.openxmlformats.org/drawingml/2006/main" xmlns:r="http://schemas.openxmlformats.org/officeDocument/2006/relationships" xmlns:p="http://schemas.openxmlformats.org/presentationml/2006/main">
-  <p:tag name="NUM" val="13"/>
-</p:tagLst>
-</file>
-
-<file path=ppt/tags/tag205.xml><?xml version="1.0" encoding="utf-8"?>
-<p:tagLst xmlns:a="http://schemas.openxmlformats.org/drawingml/2006/main" xmlns:r="http://schemas.openxmlformats.org/officeDocument/2006/relationships" xmlns:p="http://schemas.openxmlformats.org/presentationml/2006/main">
-  <p:tag name="NUM" val="14"/>
-</p:tagLst>
-</file>
-
-<file path=ppt/tags/tag206.xml><?xml version="1.0" encoding="utf-8"?>
-<p:tagLst xmlns:a="http://schemas.openxmlformats.org/drawingml/2006/main" xmlns:r="http://schemas.openxmlformats.org/officeDocument/2006/relationships" xmlns:p="http://schemas.openxmlformats.org/presentationml/2006/main">
-  <p:tag name="NUM" val="15"/>
-</p:tagLst>
-</file>
-
-<file path=ppt/tags/tag207.xml><?xml version="1.0" encoding="utf-8"?>
-<p:tagLst xmlns:a="http://schemas.openxmlformats.org/drawingml/2006/main" xmlns:r="http://schemas.openxmlformats.org/officeDocument/2006/relationships" xmlns:p="http://schemas.openxmlformats.org/presentationml/2006/main">
-  <p:tag name="NUM" val="16"/>
-</p:tagLst>
-</file>
-
-<file path=ppt/tags/tag208.xml><?xml version="1.0" encoding="utf-8"?>
-<p:tagLst xmlns:a="http://schemas.openxmlformats.org/drawingml/2006/main" xmlns:r="http://schemas.openxmlformats.org/officeDocument/2006/relationships" xmlns:p="http://schemas.openxmlformats.org/presentationml/2006/main">
-  <p:tag name="NUM" val="17"/>
-</p:tagLst>
-</file>
-
-<file path=ppt/tags/tag209.xml><?xml version="1.0" encoding="utf-8"?>
-<p:tagLst xmlns:a="http://schemas.openxmlformats.org/drawingml/2006/main" xmlns:r="http://schemas.openxmlformats.org/officeDocument/2006/relationships" xmlns:p="http://schemas.openxmlformats.org/presentationml/2006/main">
-  <p:tag name="NUM" val="18"/>
-</p:tagLst>
-</file>
-
-<file path=ppt/tags/tag21.xml><?xml version="1.0" encoding="utf-8"?>
-<p:tagLst xmlns:a="http://schemas.openxmlformats.org/drawingml/2006/main" xmlns:r="http://schemas.openxmlformats.org/officeDocument/2006/relationships" xmlns:p="http://schemas.openxmlformats.org/presentationml/2006/main">
-  <p:tag name="NUM" val="21"/>
-</p:tagLst>
-</file>
-
-<file path=ppt/tags/tag210.xml><?xml version="1.0" encoding="utf-8"?>
-<p:tagLst xmlns:a="http://schemas.openxmlformats.org/drawingml/2006/main" xmlns:r="http://schemas.openxmlformats.org/officeDocument/2006/relationships" xmlns:p="http://schemas.openxmlformats.org/presentationml/2006/main">
-  <p:tag name="NUM" val="19"/>
-</p:tagLst>
-</file>
-
-<file path=ppt/tags/tag211.xml><?xml version="1.0" encoding="utf-8"?>
-<p:tagLst xmlns:a="http://schemas.openxmlformats.org/drawingml/2006/main" xmlns:r="http://schemas.openxmlformats.org/officeDocument/2006/relationships" xmlns:p="http://schemas.openxmlformats.org/presentationml/2006/main">
-  <p:tag name="NUM" val="20"/>
-</p:tagLst>
-</file>
-
-<file path=ppt/tags/tag212.xml><?xml version="1.0" encoding="utf-8"?>
-<p:tagLst xmlns:a="http://schemas.openxmlformats.org/drawingml/2006/main" xmlns:r="http://schemas.openxmlformats.org/officeDocument/2006/relationships" xmlns:p="http://schemas.openxmlformats.org/presentationml/2006/main">
-  <p:tag name="NUM" val="21"/>
-</p:tagLst>
-</file>
-
-<file path=ppt/tags/tag213.xml><?xml version="1.0" encoding="utf-8"?>
-<p:tagLst xmlns:a="http://schemas.openxmlformats.org/drawingml/2006/main" xmlns:r="http://schemas.openxmlformats.org/officeDocument/2006/relationships" xmlns:p="http://schemas.openxmlformats.org/presentationml/2006/main">
-  <p:tag name="NUM" val="22"/>
-</p:tagLst>
-</file>
-
-<file path=ppt/tags/tag214.xml><?xml version="1.0" encoding="utf-8"?>
-<p:tagLst xmlns:a="http://schemas.openxmlformats.org/drawingml/2006/main" xmlns:r="http://schemas.openxmlformats.org/officeDocument/2006/relationships" xmlns:p="http://schemas.openxmlformats.org/presentationml/2006/main">
-  <p:tag name="NUM" val="23"/>
-</p:tagLst>
-</file>
-
-<file path=ppt/tags/tag215.xml><?xml version="1.0" encoding="utf-8"?>
-<p:tagLst xmlns:a="http://schemas.openxmlformats.org/drawingml/2006/main" xmlns:r="http://schemas.openxmlformats.org/officeDocument/2006/relationships" xmlns:p="http://schemas.openxmlformats.org/presentationml/2006/main">
-  <p:tag name="NUM" val="24"/>
-</p:tagLst>
-</file>
-
-<file path=ppt/tags/tag216.xml><?xml version="1.0" encoding="utf-8"?>
-<p:tagLst xmlns:a="http://schemas.openxmlformats.org/drawingml/2006/main" xmlns:r="http://schemas.openxmlformats.org/officeDocument/2006/relationships" xmlns:p="http://schemas.openxmlformats.org/presentationml/2006/main">
-  <p:tag name="NUM" val="25"/>
-</p:tagLst>
-</file>
-
-<file path=ppt/tags/tag217.xml><?xml version="1.0" encoding="utf-8"?>
-<p:tagLst xmlns:a="http://schemas.openxmlformats.org/drawingml/2006/main" xmlns:r="http://schemas.openxmlformats.org/officeDocument/2006/relationships" xmlns:p="http://schemas.openxmlformats.org/presentationml/2006/main">
-  <p:tag name="NUM" val="27"/>
-</p:tagLst>
-</file>
-
-<file path=ppt/tags/tag218.xml><?xml version="1.0" encoding="utf-8"?>
-<p:tagLst xmlns:a="http://schemas.openxmlformats.org/drawingml/2006/main" xmlns:r="http://schemas.openxmlformats.org/officeDocument/2006/relationships" xmlns:p="http://schemas.openxmlformats.org/presentationml/2006/main">
-  <p:tag name="NUM" val="28"/>
-</p:tagLst>
-</file>
-
-<file path=ppt/tags/tag219.xml><?xml version="1.0" encoding="utf-8"?>
-<p:tagLst xmlns:a="http://schemas.openxmlformats.org/drawingml/2006/main" xmlns:r="http://schemas.openxmlformats.org/officeDocument/2006/relationships" xmlns:p="http://schemas.openxmlformats.org/presentationml/2006/main">
-  <p:tag name="NUM" val="29"/>
-</p:tagLst>
-</file>
-
-<file path=ppt/tags/tag22.xml><?xml version="1.0" encoding="utf-8"?>
-<p:tagLst xmlns:a="http://schemas.openxmlformats.org/drawingml/2006/main" xmlns:r="http://schemas.openxmlformats.org/officeDocument/2006/relationships" xmlns:p="http://schemas.openxmlformats.org/presentationml/2006/main">
-  <p:tag name="NUM" val="22"/>
-</p:tagLst>
-</file>
-
-<file path=ppt/tags/tag220.xml><?xml version="1.0" encoding="utf-8"?>
-<p:tagLst xmlns:a="http://schemas.openxmlformats.org/drawingml/2006/main" xmlns:r="http://schemas.openxmlformats.org/officeDocument/2006/relationships" xmlns:p="http://schemas.openxmlformats.org/presentationml/2006/main">
-  <p:tag name="NUM" val="30"/>
-</p:tagLst>
-</file>
-
-<file path=ppt/tags/tag221.xml><?xml version="1.0" encoding="utf-8"?>
-<p:tagLst xmlns:a="http://schemas.openxmlformats.org/drawingml/2006/main" xmlns:r="http://schemas.openxmlformats.org/officeDocument/2006/relationships" xmlns:p="http://schemas.openxmlformats.org/presentationml/2006/main">
-  <p:tag name="NUM" val="31"/>
-</p:tagLst>
-</file>
-
-<file path=ppt/tags/tag222.xml><?xml version="1.0" encoding="utf-8"?>
-<p:tagLst xmlns:a="http://schemas.openxmlformats.org/drawingml/2006/main" xmlns:r="http://schemas.openxmlformats.org/officeDocument/2006/relationships" xmlns:p="http://schemas.openxmlformats.org/presentationml/2006/main">
-  <p:tag name="NUM" val="32"/>
-</p:tagLst>
-</file>
-
-<file path=ppt/tags/tag223.xml><?xml version="1.0" encoding="utf-8"?>
-<p:tagLst xmlns:a="http://schemas.openxmlformats.org/drawingml/2006/main" xmlns:r="http://schemas.openxmlformats.org/officeDocument/2006/relationships" xmlns:p="http://schemas.openxmlformats.org/presentationml/2006/main">
-  <p:tag name="NUM" val="33"/>
-</p:tagLst>
-</file>
-
-<file path=ppt/tags/tag224.xml><?xml version="1.0" encoding="utf-8"?>
-<p:tagLst xmlns:a="http://schemas.openxmlformats.org/drawingml/2006/main" xmlns:r="http://schemas.openxmlformats.org/officeDocument/2006/relationships" xmlns:p="http://schemas.openxmlformats.org/presentationml/2006/main">
-  <p:tag name="NUM" val="34"/>
-</p:tagLst>
-</file>
-
-<file path=ppt/tags/tag225.xml><?xml version="1.0" encoding="utf-8"?>
-<p:tagLst xmlns:a="http://schemas.openxmlformats.org/drawingml/2006/main" xmlns:r="http://schemas.openxmlformats.org/officeDocument/2006/relationships" xmlns:p="http://schemas.openxmlformats.org/presentationml/2006/main">
-  <p:tag name="NUM" val="35"/>
-</p:tagLst>
-</file>
-
-<file path=ppt/tags/tag226.xml><?xml version="1.0" encoding="utf-8"?>
-<p:tagLst xmlns:a="http://schemas.openxmlformats.org/drawingml/2006/main" xmlns:r="http://schemas.openxmlformats.org/officeDocument/2006/relationships" xmlns:p="http://schemas.openxmlformats.org/presentationml/2006/main">
-  <p:tag name="NUM" val="36"/>
-</p:tagLst>
-</file>
-
-<file path=ppt/tags/tag227.xml><?xml version="1.0" encoding="utf-8"?>
-<p:tagLst xmlns:a="http://schemas.openxmlformats.org/drawingml/2006/main" xmlns:r="http://schemas.openxmlformats.org/officeDocument/2006/relationships" xmlns:p="http://schemas.openxmlformats.org/presentationml/2006/main">
-  <p:tag name="NUM" val="37"/>
-</p:tagLst>
-</file>
-
-<file path=ppt/tags/tag228.xml><?xml version="1.0" encoding="utf-8"?>
-<p:tagLst xmlns:a="http://schemas.openxmlformats.org/drawingml/2006/main" xmlns:r="http://schemas.openxmlformats.org/officeDocument/2006/relationships" xmlns:p="http://schemas.openxmlformats.org/presentationml/2006/main">
-  <p:tag name="NUM" val="1"/>
-</p:tagLst>
-</file>
-
-<file path=ppt/tags/tag229.xml><?xml version="1.0" encoding="utf-8"?>
-<p:tagLst xmlns:a="http://schemas.openxmlformats.org/drawingml/2006/main" xmlns:r="http://schemas.openxmlformats.org/officeDocument/2006/relationships" xmlns:p="http://schemas.openxmlformats.org/presentationml/2006/main">
-  <p:tag name="NUM" val="2"/>
-</p:tagLst>
-</file>
-
-<file path=ppt/tags/tag23.xml><?xml version="1.0" encoding="utf-8"?>
-<p:tagLst xmlns:a="http://schemas.openxmlformats.org/drawingml/2006/main" xmlns:r="http://schemas.openxmlformats.org/officeDocument/2006/relationships" xmlns:p="http://schemas.openxmlformats.org/presentationml/2006/main">
-  <p:tag name="NUM" val="23"/>
-</p:tagLst>
-</file>
-
-<file path=ppt/tags/tag230.xml><?xml version="1.0" encoding="utf-8"?>
-<p:tagLst xmlns:a="http://schemas.openxmlformats.org/drawingml/2006/main" xmlns:r="http://schemas.openxmlformats.org/officeDocument/2006/relationships" xmlns:p="http://schemas.openxmlformats.org/presentationml/2006/main">
-  <p:tag name="NUM" val="3"/>
-</p:tagLst>
-</file>
-
-<file path=ppt/tags/tag231.xml><?xml version="1.0" encoding="utf-8"?>
-<p:tagLst xmlns:a="http://schemas.openxmlformats.org/drawingml/2006/main" xmlns:r="http://schemas.openxmlformats.org/officeDocument/2006/relationships" xmlns:p="http://schemas.openxmlformats.org/presentationml/2006/main">
-  <p:tag name="NUM" val="4"/>
-</p:tagLst>
-</file>
-
-<file path=ppt/tags/tag232.xml><?xml version="1.0" encoding="utf-8"?>
-<p:tagLst xmlns:a="http://schemas.openxmlformats.org/drawingml/2006/main" xmlns:r="http://schemas.openxmlformats.org/officeDocument/2006/relationships" xmlns:p="http://schemas.openxmlformats.org/presentationml/2006/main">
-  <p:tag name="NUM" val="5"/>
-</p:tagLst>
-</file>
-
-<file path=ppt/tags/tag233.xml><?xml version="1.0" encoding="utf-8"?>
-<p:tagLst xmlns:a="http://schemas.openxmlformats.org/drawingml/2006/main" xmlns:r="http://schemas.openxmlformats.org/officeDocument/2006/relationships" xmlns:p="http://schemas.openxmlformats.org/presentationml/2006/main">
-  <p:tag name="NUM" val="6"/>
-</p:tagLst>
-</file>
-
-<file path=ppt/tags/tag234.xml><?xml version="1.0" encoding="utf-8"?>
-<p:tagLst xmlns:a="http://schemas.openxmlformats.org/drawingml/2006/main" xmlns:r="http://schemas.openxmlformats.org/officeDocument/2006/relationships" xmlns:p="http://schemas.openxmlformats.org/presentationml/2006/main">
-  <p:tag name="NUM" val="7"/>
-</p:tagLst>
-</file>
-
-<file path=ppt/tags/tag235.xml><?xml version="1.0" encoding="utf-8"?>
-<p:tagLst xmlns:a="http://schemas.openxmlformats.org/drawingml/2006/main" xmlns:r="http://schemas.openxmlformats.org/officeDocument/2006/relationships" xmlns:p="http://schemas.openxmlformats.org/presentationml/2006/main">
-  <p:tag name="NUM" val="8"/>
-</p:tagLst>
-</file>
-
-<file path=ppt/tags/tag236.xml><?xml version="1.0" encoding="utf-8"?>
-<p:tagLst xmlns:a="http://schemas.openxmlformats.org/drawingml/2006/main" xmlns:r="http://schemas.openxmlformats.org/officeDocument/2006/relationships" xmlns:p="http://schemas.openxmlformats.org/presentationml/2006/main">
-  <p:tag name="NUM" val="9"/>
-</p:tagLst>
-</file>
-
-<file path=ppt/tags/tag237.xml><?xml version="1.0" encoding="utf-8"?>
-<p:tagLst xmlns:a="http://schemas.openxmlformats.org/drawingml/2006/main" xmlns:r="http://schemas.openxmlformats.org/officeDocument/2006/relationships" xmlns:p="http://schemas.openxmlformats.org/presentationml/2006/main">
-  <p:tag name="NUM" val="10"/>
-</p:tagLst>
-</file>
-
-<file path=ppt/tags/tag238.xml><?xml version="1.0" encoding="utf-8"?>
-<p:tagLst xmlns:a="http://schemas.openxmlformats.org/drawingml/2006/main" xmlns:r="http://schemas.openxmlformats.org/officeDocument/2006/relationships" xmlns:p="http://schemas.openxmlformats.org/presentationml/2006/main">
-  <p:tag name="NUM" val="11"/>
-</p:tagLst>
-</file>
-
-<file path=ppt/tags/tag239.xml><?xml version="1.0" encoding="utf-8"?>
-<p:tagLst xmlns:a="http://schemas.openxmlformats.org/drawingml/2006/main" xmlns:r="http://schemas.openxmlformats.org/officeDocument/2006/relationships" xmlns:p="http://schemas.openxmlformats.org/presentationml/2006/main">
-  <p:tag name="NUM" val="12"/>
-</p:tagLst>
-</file>
-
-<file path=ppt/tags/tag24.xml><?xml version="1.0" encoding="utf-8"?>
-<p:tagLst xmlns:a="http://schemas.openxmlformats.org/drawingml/2006/main" xmlns:r="http://schemas.openxmlformats.org/officeDocument/2006/relationships" xmlns:p="http://schemas.openxmlformats.org/presentationml/2006/main">
-  <p:tag name="NUM" val="24"/>
-</p:tagLst>
-</file>
-
-<file path=ppt/tags/tag240.xml><?xml version="1.0" encoding="utf-8"?>
-<p:tagLst xmlns:a="http://schemas.openxmlformats.org/drawingml/2006/main" xmlns:r="http://schemas.openxmlformats.org/officeDocument/2006/relationships" xmlns:p="http://schemas.openxmlformats.org/presentationml/2006/main">
-  <p:tag name="NUM" val="13"/>
-</p:tagLst>
-</file>
-
-<file path=ppt/tags/tag241.xml><?xml version="1.0" encoding="utf-8"?>
-<p:tagLst xmlns:a="http://schemas.openxmlformats.org/drawingml/2006/main" xmlns:r="http://schemas.openxmlformats.org/officeDocument/2006/relationships" xmlns:p="http://schemas.openxmlformats.org/presentationml/2006/main">
-  <p:tag name="NUM" val="14"/>
-</p:tagLst>
-</file>
-
-<file path=ppt/tags/tag242.xml><?xml version="1.0" encoding="utf-8"?>
-<p:tagLst xmlns:a="http://schemas.openxmlformats.org/drawingml/2006/main" xmlns:r="http://schemas.openxmlformats.org/officeDocument/2006/relationships" xmlns:p="http://schemas.openxmlformats.org/presentationml/2006/main">
-  <p:tag name="NUM" val="15"/>
-</p:tagLst>
-</file>
-
-<file path=ppt/tags/tag243.xml><?xml version="1.0" encoding="utf-8"?>
-<p:tagLst xmlns:a="http://schemas.openxmlformats.org/drawingml/2006/main" xmlns:r="http://schemas.openxmlformats.org/officeDocument/2006/relationships" xmlns:p="http://schemas.openxmlformats.org/presentationml/2006/main">
-  <p:tag name="NUM" val="16"/>
-</p:tagLst>
-</file>
-
-<file path=ppt/tags/tag244.xml><?xml version="1.0" encoding="utf-8"?>
-<p:tagLst xmlns:a="http://schemas.openxmlformats.org/drawingml/2006/main" xmlns:r="http://schemas.openxmlformats.org/officeDocument/2006/relationships" xmlns:p="http://schemas.openxmlformats.org/presentationml/2006/main">
-  <p:tag name="NUM" val="17"/>
-</p:tagLst>
-</file>
-
-<file path=ppt/tags/tag245.xml><?xml version="1.0" encoding="utf-8"?>
-<p:tagLst xmlns:a="http://schemas.openxmlformats.org/drawingml/2006/main" xmlns:r="http://schemas.openxmlformats.org/officeDocument/2006/relationships" xmlns:p="http://schemas.openxmlformats.org/presentationml/2006/main">
-  <p:tag name="NUM" val="18"/>
-</p:tagLst>
-</file>
-
-<file path=ppt/tags/tag246.xml><?xml version="1.0" encoding="utf-8"?>
-<p:tagLst xmlns:a="http://schemas.openxmlformats.org/drawingml/2006/main" xmlns:r="http://schemas.openxmlformats.org/officeDocument/2006/relationships" xmlns:p="http://schemas.openxmlformats.org/presentationml/2006/main">
-  <p:tag name="NUM" val="19"/>
-</p:tagLst>
-</file>
-
-<file path=ppt/tags/tag247.xml><?xml version="1.0" encoding="utf-8"?>
-<p:tagLst xmlns:a="http://schemas.openxmlformats.org/drawingml/2006/main" xmlns:r="http://schemas.openxmlformats.org/officeDocument/2006/relationships" xmlns:p="http://schemas.openxmlformats.org/presentationml/2006/main">
-  <p:tag name="NUM" val="20"/>
-</p:tagLst>
-</file>
-
-<file path=ppt/tags/tag248.xml><?xml version="1.0" encoding="utf-8"?>
-<p:tagLst xmlns:a="http://schemas.openxmlformats.org/drawingml/2006/main" xmlns:r="http://schemas.openxmlformats.org/officeDocument/2006/relationships" xmlns:p="http://schemas.openxmlformats.org/presentationml/2006/main">
-  <p:tag name="NUM" val="21"/>
-</p:tagLst>
-</file>
-
-<file path=ppt/tags/tag249.xml><?xml version="1.0" encoding="utf-8"?>
-<p:tagLst xmlns:a="http://schemas.openxmlformats.org/drawingml/2006/main" xmlns:r="http://schemas.openxmlformats.org/officeDocument/2006/relationships" xmlns:p="http://schemas.openxmlformats.org/presentationml/2006/main">
-  <p:tag name="NUM" val="22"/>
-</p:tagLst>
-</file>
-
-<file path=ppt/tags/tag25.xml><?xml version="1.0" encoding="utf-8"?>
-<p:tagLst xmlns:a="http://schemas.openxmlformats.org/drawingml/2006/main" xmlns:r="http://schemas.openxmlformats.org/officeDocument/2006/relationships" xmlns:p="http://schemas.openxmlformats.org/presentationml/2006/main">
-  <p:tag name="NUM" val="25"/>
-</p:tagLst>
-</file>
-
-<file path=ppt/tags/tag250.xml><?xml version="1.0" encoding="utf-8"?>
-<p:tagLst xmlns:a="http://schemas.openxmlformats.org/drawingml/2006/main" xmlns:r="http://schemas.openxmlformats.org/officeDocument/2006/relationships" xmlns:p="http://schemas.openxmlformats.org/presentationml/2006/main">
-  <p:tag name="NUM" val="23"/>
-</p:tagLst>
-</file>
-
-<file path=ppt/tags/tag251.xml><?xml version="1.0" encoding="utf-8"?>
-<p:tagLst xmlns:a="http://schemas.openxmlformats.org/drawingml/2006/main" xmlns:r="http://schemas.openxmlformats.org/officeDocument/2006/relationships" xmlns:p="http://schemas.openxmlformats.org/presentationml/2006/main">
-  <p:tag name="NUM" val="24"/>
-</p:tagLst>
-</file>
-
-<file path=ppt/tags/tag252.xml><?xml version="1.0" encoding="utf-8"?>
-<p:tagLst xmlns:a="http://schemas.openxmlformats.org/drawingml/2006/main" xmlns:r="http://schemas.openxmlformats.org/officeDocument/2006/relationships" xmlns:p="http://schemas.openxmlformats.org/presentationml/2006/main">
-  <p:tag name="NUM" val="25"/>
-</p:tagLst>
-</file>
-
-<file path=ppt/tags/tag253.xml><?xml version="1.0" encoding="utf-8"?>
-<p:tagLst xmlns:a="http://schemas.openxmlformats.org/drawingml/2006/main" xmlns:r="http://schemas.openxmlformats.org/officeDocument/2006/relationships" xmlns:p="http://schemas.openxmlformats.org/presentationml/2006/main">
-  <p:tag name="NUM" val="27"/>
-</p:tagLst>
-</file>
-
-<file path=ppt/tags/tag254.xml><?xml version="1.0" encoding="utf-8"?>
-<p:tagLst xmlns:a="http://schemas.openxmlformats.org/drawingml/2006/main" xmlns:r="http://schemas.openxmlformats.org/officeDocument/2006/relationships" xmlns:p="http://schemas.openxmlformats.org/presentationml/2006/main">
-  <p:tag name="NUM" val="28"/>
-</p:tagLst>
-</file>
-
-<file path=ppt/tags/tag255.xml><?xml version="1.0" encoding="utf-8"?>
-<p:tagLst xmlns:a="http://schemas.openxmlformats.org/drawingml/2006/main" xmlns:r="http://schemas.openxmlformats.org/officeDocument/2006/relationships" xmlns:p="http://schemas.openxmlformats.org/presentationml/2006/main">
-  <p:tag name="NUM" val="29"/>
-</p:tagLst>
-</file>
-
-<file path=ppt/tags/tag256.xml><?xml version="1.0" encoding="utf-8"?>
-<p:tagLst xmlns:a="http://schemas.openxmlformats.org/drawingml/2006/main" xmlns:r="http://schemas.openxmlformats.org/officeDocument/2006/relationships" xmlns:p="http://schemas.openxmlformats.org/presentationml/2006/main">
-  <p:tag name="NUM" val="30"/>
-</p:tagLst>
-</file>
-
-<file path=ppt/tags/tag257.xml><?xml version="1.0" encoding="utf-8"?>
-<p:tagLst xmlns:a="http://schemas.openxmlformats.org/drawingml/2006/main" xmlns:r="http://schemas.openxmlformats.org/officeDocument/2006/relationships" xmlns:p="http://schemas.openxmlformats.org/presentationml/2006/main">
-  <p:tag name="NUM" val="31"/>
-</p:tagLst>
-</file>
-
-<file path=ppt/tags/tag258.xml><?xml version="1.0" encoding="utf-8"?>
-<p:tagLst xmlns:a="http://schemas.openxmlformats.org/drawingml/2006/main" xmlns:r="http://schemas.openxmlformats.org/officeDocument/2006/relationships" xmlns:p="http://schemas.openxmlformats.org/presentationml/2006/main">
-  <p:tag name="NUM" val="32"/>
-</p:tagLst>
-</file>
-
-<file path=ppt/tags/tag259.xml><?xml version="1.0" encoding="utf-8"?>
-<p:tagLst xmlns:a="http://schemas.openxmlformats.org/drawingml/2006/main" xmlns:r="http://schemas.openxmlformats.org/officeDocument/2006/relationships" xmlns:p="http://schemas.openxmlformats.org/presentationml/2006/main">
-  <p:tag name="NUM" val="34"/>
-</p:tagLst>
-</file>
-
-<file path=ppt/tags/tag26.xml><?xml version="1.0" encoding="utf-8"?>
-<p:tagLst xmlns:a="http://schemas.openxmlformats.org/drawingml/2006/main" xmlns:r="http://schemas.openxmlformats.org/officeDocument/2006/relationships" xmlns:p="http://schemas.openxmlformats.org/presentationml/2006/main">
-  <p:tag name="NUM" val="26"/>
-</p:tagLst>
-</file>
-
-<file path=ppt/tags/tag260.xml><?xml version="1.0" encoding="utf-8"?>
-<p:tagLst xmlns:a="http://schemas.openxmlformats.org/drawingml/2006/main" xmlns:r="http://schemas.openxmlformats.org/officeDocument/2006/relationships" xmlns:p="http://schemas.openxmlformats.org/presentationml/2006/main">
-  <p:tag name="NUM" val="35"/>
-</p:tagLst>
-</file>
-
-<file path=ppt/tags/tag261.xml><?xml version="1.0" encoding="utf-8"?>
-<p:tagLst xmlns:a="http://schemas.openxmlformats.org/drawingml/2006/main" xmlns:r="http://schemas.openxmlformats.org/officeDocument/2006/relationships" xmlns:p="http://schemas.openxmlformats.org/presentationml/2006/main">
-  <p:tag name="NUM" val="36"/>
-</p:tagLst>
-</file>
-
-<file path=ppt/tags/tag262.xml><?xml version="1.0" encoding="utf-8"?>
-<p:tagLst xmlns:a="http://schemas.openxmlformats.org/drawingml/2006/main" xmlns:r="http://schemas.openxmlformats.org/officeDocument/2006/relationships" xmlns:p="http://schemas.openxmlformats.org/presentationml/2006/main">
-  <p:tag name="NUM" val="37"/>
-</p:tagLst>
-</file>
-
-<file path=ppt/tags/tag263.xml><?xml version="1.0" encoding="utf-8"?>
-<p:tagLst xmlns:a="http://schemas.openxmlformats.org/drawingml/2006/main" xmlns:r="http://schemas.openxmlformats.org/officeDocument/2006/relationships" xmlns:p="http://schemas.openxmlformats.org/presentationml/2006/main">
-  <p:tag name="NUM" val="27"/>
-</p:tagLst>
-</file>
-
-<file path=ppt/tags/tag264.xml><?xml version="1.0" encoding="utf-8"?>
-<p:tagLst xmlns:a="http://schemas.openxmlformats.org/drawingml/2006/main" xmlns:r="http://schemas.openxmlformats.org/officeDocument/2006/relationships" xmlns:p="http://schemas.openxmlformats.org/presentationml/2006/main">
-  <p:tag name="NUM" val="1"/>
-</p:tagLst>
-</file>
-
-<file path=ppt/tags/tag265.xml><?xml version="1.0" encoding="utf-8"?>
-<p:tagLst xmlns:a="http://schemas.openxmlformats.org/drawingml/2006/main" xmlns:r="http://schemas.openxmlformats.org/officeDocument/2006/relationships" xmlns:p="http://schemas.openxmlformats.org/presentationml/2006/main">
-  <p:tag name="NUM" val="2"/>
-</p:tagLst>
-</file>
-
-<file path=ppt/tags/tag266.xml><?xml version="1.0" encoding="utf-8"?>
-<p:tagLst xmlns:a="http://schemas.openxmlformats.org/drawingml/2006/main" xmlns:r="http://schemas.openxmlformats.org/officeDocument/2006/relationships" xmlns:p="http://schemas.openxmlformats.org/presentationml/2006/main">
-  <p:tag name="NUM" val="3"/>
-</p:tagLst>
-</file>
-
-<file path=ppt/tags/tag267.xml><?xml version="1.0" encoding="utf-8"?>
-<p:tagLst xmlns:a="http://schemas.openxmlformats.org/drawingml/2006/main" xmlns:r="http://schemas.openxmlformats.org/officeDocument/2006/relationships" xmlns:p="http://schemas.openxmlformats.org/presentationml/2006/main">
-  <p:tag name="NUM" val="4"/>
-</p:tagLst>
-</file>
-
-<file path=ppt/tags/tag268.xml><?xml version="1.0" encoding="utf-8"?>
-<p:tagLst xmlns:a="http://schemas.openxmlformats.org/drawingml/2006/main" xmlns:r="http://schemas.openxmlformats.org/officeDocument/2006/relationships" xmlns:p="http://schemas.openxmlformats.org/presentationml/2006/main">
-  <p:tag name="NUM" val="5"/>
-</p:tagLst>
-</file>
-
-<file path=ppt/tags/tag269.xml><?xml version="1.0" encoding="utf-8"?>
-<p:tagLst xmlns:a="http://schemas.openxmlformats.org/drawingml/2006/main" xmlns:r="http://schemas.openxmlformats.org/officeDocument/2006/relationships" xmlns:p="http://schemas.openxmlformats.org/presentationml/2006/main">
-  <p:tag name="NUM" val="6"/>
-</p:tagLst>
-</file>
-
-<file path=ppt/tags/tag27.xml><?xml version="1.0" encoding="utf-8"?>
-<p:tagLst xmlns:a="http://schemas.openxmlformats.org/drawingml/2006/main" xmlns:r="http://schemas.openxmlformats.org/officeDocument/2006/relationships" xmlns:p="http://schemas.openxmlformats.org/presentationml/2006/main">
-  <p:tag name="NUM" val="1"/>
-</p:tagLst>
-</file>
-
-<file path=ppt/tags/tag270.xml><?xml version="1.0" encoding="utf-8"?>
-<p:tagLst xmlns:a="http://schemas.openxmlformats.org/drawingml/2006/main" xmlns:r="http://schemas.openxmlformats.org/officeDocument/2006/relationships" xmlns:p="http://schemas.openxmlformats.org/presentationml/2006/main">
-  <p:tag name="NUM" val="7"/>
-</p:tagLst>
-</file>
-
-<file path=ppt/tags/tag271.xml><?xml version="1.0" encoding="utf-8"?>
-<p:tagLst xmlns:a="http://schemas.openxmlformats.org/drawingml/2006/main" xmlns:r="http://schemas.openxmlformats.org/officeDocument/2006/relationships" xmlns:p="http://schemas.openxmlformats.org/presentationml/2006/main">
-  <p:tag name="NUM" val="8"/>
-</p:tagLst>
-</file>
-
-<file path=ppt/tags/tag272.xml><?xml version="1.0" encoding="utf-8"?>
-<p:tagLst xmlns:a="http://schemas.openxmlformats.org/drawingml/2006/main" xmlns:r="http://schemas.openxmlformats.org/officeDocument/2006/relationships" xmlns:p="http://schemas.openxmlformats.org/presentationml/2006/main">
-  <p:tag name="NUM" val="9"/>
-</p:tagLst>
-</file>
-
-<file path=ppt/tags/tag273.xml><?xml version="1.0" encoding="utf-8"?>
-<p:tagLst xmlns:a="http://schemas.openxmlformats.org/drawingml/2006/main" xmlns:r="http://schemas.openxmlformats.org/officeDocument/2006/relationships" xmlns:p="http://schemas.openxmlformats.org/presentationml/2006/main">
-  <p:tag name="NUM" val="10"/>
-</p:tagLst>
-</file>
-
-<file path=ppt/tags/tag274.xml><?xml version="1.0" encoding="utf-8"?>
-<p:tagLst xmlns:a="http://schemas.openxmlformats.org/drawingml/2006/main" xmlns:r="http://schemas.openxmlformats.org/officeDocument/2006/relationships" xmlns:p="http://schemas.openxmlformats.org/presentationml/2006/main">
-  <p:tag name="NUM" val="11"/>
-</p:tagLst>
-</file>
-
-<file path=ppt/tags/tag275.xml><?xml version="1.0" encoding="utf-8"?>
-<p:tagLst xmlns:a="http://schemas.openxmlformats.org/drawingml/2006/main" xmlns:r="http://schemas.openxmlformats.org/officeDocument/2006/relationships" xmlns:p="http://schemas.openxmlformats.org/presentationml/2006/main">
-  <p:tag name="NUM" val="12"/>
-</p:tagLst>
-</file>
-
-<file path=ppt/tags/tag276.xml><?xml version="1.0" encoding="utf-8"?>
-<p:tagLst xmlns:a="http://schemas.openxmlformats.org/drawingml/2006/main" xmlns:r="http://schemas.openxmlformats.org/officeDocument/2006/relationships" xmlns:p="http://schemas.openxmlformats.org/presentationml/2006/main">
-  <p:tag name="NUM" val="13"/>
-</p:tagLst>
-</file>
-
-<file path=ppt/tags/tag277.xml><?xml version="1.0" encoding="utf-8"?>
-<p:tagLst xmlns:a="http://schemas.openxmlformats.org/drawingml/2006/main" xmlns:r="http://schemas.openxmlformats.org/officeDocument/2006/relationships" xmlns:p="http://schemas.openxmlformats.org/presentationml/2006/main">
-  <p:tag name="NUM" val="14"/>
-</p:tagLst>
-</file>
-
-<file path=ppt/tags/tag278.xml><?xml version="1.0" encoding="utf-8"?>
-<p:tagLst xmlns:a="http://schemas.openxmlformats.org/drawingml/2006/main" xmlns:r="http://schemas.openxmlformats.org/officeDocument/2006/relationships" xmlns:p="http://schemas.openxmlformats.org/presentationml/2006/main">
-  <p:tag name="NUM" val="15"/>
-</p:tagLst>
-</file>
-
-<file path=ppt/tags/tag279.xml><?xml version="1.0" encoding="utf-8"?>
-<p:tagLst xmlns:a="http://schemas.openxmlformats.org/drawingml/2006/main" xmlns:r="http://schemas.openxmlformats.org/officeDocument/2006/relationships" xmlns:p="http://schemas.openxmlformats.org/presentationml/2006/main">
-  <p:tag name="NUM" val="16"/>
-</p:tagLst>
-</file>
-
-<file path=ppt/tags/tag28.xml><?xml version="1.0" encoding="utf-8"?>
-<p:tagLst xmlns:a="http://schemas.openxmlformats.org/drawingml/2006/main" xmlns:r="http://schemas.openxmlformats.org/officeDocument/2006/relationships" xmlns:p="http://schemas.openxmlformats.org/presentationml/2006/main">
-  <p:tag name="NUM" val="2"/>
-</p:tagLst>
-</file>
-
-<file path=ppt/tags/tag280.xml><?xml version="1.0" encoding="utf-8"?>
-<p:tagLst xmlns:a="http://schemas.openxmlformats.org/drawingml/2006/main" xmlns:r="http://schemas.openxmlformats.org/officeDocument/2006/relationships" xmlns:p="http://schemas.openxmlformats.org/presentationml/2006/main">
-  <p:tag name="NUM" val="17"/>
-</p:tagLst>
-</file>
-
-<file path=ppt/tags/tag281.xml><?xml version="1.0" encoding="utf-8"?>
-<p:tagLst xmlns:a="http://schemas.openxmlformats.org/drawingml/2006/main" xmlns:r="http://schemas.openxmlformats.org/officeDocument/2006/relationships" xmlns:p="http://schemas.openxmlformats.org/presentationml/2006/main">
-  <p:tag name="NUM" val="18"/>
-</p:tagLst>
-</file>
-
-<file path=ppt/tags/tag282.xml><?xml version="1.0" encoding="utf-8"?>
-<p:tagLst xmlns:a="http://schemas.openxmlformats.org/drawingml/2006/main" xmlns:r="http://schemas.openxmlformats.org/officeDocument/2006/relationships" xmlns:p="http://schemas.openxmlformats.org/presentationml/2006/main">
-  <p:tag name="NUM" val="19"/>
-</p:tagLst>
-</file>
-
-<file path=ppt/tags/tag283.xml><?xml version="1.0" encoding="utf-8"?>
-<p:tagLst xmlns:a="http://schemas.openxmlformats.org/drawingml/2006/main" xmlns:r="http://schemas.openxmlformats.org/officeDocument/2006/relationships" xmlns:p="http://schemas.openxmlformats.org/presentationml/2006/main">
-  <p:tag name="NUM" val="20"/>
-</p:tagLst>
-</file>
-
-<file path=ppt/tags/tag284.xml><?xml version="1.0" encoding="utf-8"?>
-<p:tagLst xmlns:a="http://schemas.openxmlformats.org/drawingml/2006/main" xmlns:r="http://schemas.openxmlformats.org/officeDocument/2006/relationships" xmlns:p="http://schemas.openxmlformats.org/presentationml/2006/main">
-  <p:tag name="NUM" val="21"/>
-</p:tagLst>
-</file>
-
-<file path=ppt/tags/tag285.xml><?xml version="1.0" encoding="utf-8"?>
-<p:tagLst xmlns:a="http://schemas.openxmlformats.org/drawingml/2006/main" xmlns:r="http://schemas.openxmlformats.org/officeDocument/2006/relationships" xmlns:p="http://schemas.openxmlformats.org/presentationml/2006/main">
-  <p:tag name="NUM" val="22"/>
-</p:tagLst>
-</file>
-
-<file path=ppt/tags/tag286.xml><?xml version="1.0" encoding="utf-8"?>
-<p:tagLst xmlns:a="http://schemas.openxmlformats.org/drawingml/2006/main" xmlns:r="http://schemas.openxmlformats.org/officeDocument/2006/relationships" xmlns:p="http://schemas.openxmlformats.org/presentationml/2006/main">
-  <p:tag name="NUM" val="23"/>
-</p:tagLst>
-</file>
-
-<file path=ppt/tags/tag287.xml><?xml version="1.0" encoding="utf-8"?>
-<p:tagLst xmlns:a="http://schemas.openxmlformats.org/drawingml/2006/main" xmlns:r="http://schemas.openxmlformats.org/officeDocument/2006/relationships" xmlns:p="http://schemas.openxmlformats.org/presentationml/2006/main">
-  <p:tag name="NUM" val="24"/>
-</p:tagLst>
-</file>
-
-<file path=ppt/tags/tag288.xml><?xml version="1.0" encoding="utf-8"?>
-<p:tagLst xmlns:a="http://schemas.openxmlformats.org/drawingml/2006/main" xmlns:r="http://schemas.openxmlformats.org/officeDocument/2006/relationships" xmlns:p="http://schemas.openxmlformats.org/presentationml/2006/main">
-  <p:tag name="NUM" val="25"/>
-</p:tagLst>
-</file>
-
-<file path=ppt/tags/tag289.xml><?xml version="1.0" encoding="utf-8"?>
-<p:tagLst xmlns:a="http://schemas.openxmlformats.org/drawingml/2006/main" xmlns:r="http://schemas.openxmlformats.org/officeDocument/2006/relationships" xmlns:p="http://schemas.openxmlformats.org/presentationml/2006/main">
-  <p:tag name="NUM" val="26"/>
-</p:tagLst>
-</file>
-
-<file path=ppt/tags/tag29.xml><?xml version="1.0" encoding="utf-8"?>
-<p:tagLst xmlns:a="http://schemas.openxmlformats.org/drawingml/2006/main" xmlns:r="http://schemas.openxmlformats.org/officeDocument/2006/relationships" xmlns:p="http://schemas.openxmlformats.org/presentationml/2006/main">
-  <p:tag name="NUM" val="3"/>
-</p:tagLst>
-</file>
-
-<file path=ppt/tags/tag290.xml><?xml version="1.0" encoding="utf-8"?>
-<p:tagLst xmlns:a="http://schemas.openxmlformats.org/drawingml/2006/main" xmlns:r="http://schemas.openxmlformats.org/officeDocument/2006/relationships" xmlns:p="http://schemas.openxmlformats.org/presentationml/2006/main">
-  <p:tag name="NUM" val="27"/>
-</p:tagLst>
-</file>
-
-<file path=ppt/tags/tag291.xml><?xml version="1.0" encoding="utf-8"?>
-<p:tagLst xmlns:a="http://schemas.openxmlformats.org/drawingml/2006/main" xmlns:r="http://schemas.openxmlformats.org/officeDocument/2006/relationships" xmlns:p="http://schemas.openxmlformats.org/presentationml/2006/main">
-  <p:tag name="NUM" val="28"/>
-</p:tagLst>
-</file>
-
-<file path=ppt/tags/tag292.xml><?xml version="1.0" encoding="utf-8"?>
-<p:tagLst xmlns:a="http://schemas.openxmlformats.org/drawingml/2006/main" xmlns:r="http://schemas.openxmlformats.org/officeDocument/2006/relationships" xmlns:p="http://schemas.openxmlformats.org/presentationml/2006/main">
-  <p:tag name="NUM" val="29"/>
-</p:tagLst>
-</file>
-
-<file path=ppt/tags/tag293.xml><?xml version="1.0" encoding="utf-8"?>
-<p:tagLst xmlns:a="http://schemas.openxmlformats.org/drawingml/2006/main" xmlns:r="http://schemas.openxmlformats.org/officeDocument/2006/relationships" xmlns:p="http://schemas.openxmlformats.org/presentationml/2006/main">
-  <p:tag name="NUM" val="30"/>
-</p:tagLst>
-</file>
-
-<file path=ppt/tags/tag294.xml><?xml version="1.0" encoding="utf-8"?>
-<p:tagLst xmlns:a="http://schemas.openxmlformats.org/drawingml/2006/main" xmlns:r="http://schemas.openxmlformats.org/officeDocument/2006/relationships" xmlns:p="http://schemas.openxmlformats.org/presentationml/2006/main">
-  <p:tag name="NUM" val="31"/>
-</p:tagLst>
-</file>
-
-<file path=ppt/tags/tag295.xml><?xml version="1.0" encoding="utf-8"?>
-<p:tagLst xmlns:a="http://schemas.openxmlformats.org/drawingml/2006/main" xmlns:r="http://schemas.openxmlformats.org/officeDocument/2006/relationships" xmlns:p="http://schemas.openxmlformats.org/presentationml/2006/main">
-  <p:tag name="NUM" val="32"/>
-</p:tagLst>
-</file>
-
-<file path=ppt/tags/tag296.xml><?xml version="1.0" encoding="utf-8"?>
-<p:tagLst xmlns:a="http://schemas.openxmlformats.org/drawingml/2006/main" xmlns:r="http://schemas.openxmlformats.org/officeDocument/2006/relationships" xmlns:p="http://schemas.openxmlformats.org/presentationml/2006/main">
-  <p:tag name="NUM" val="33"/>
-</p:tagLst>
-</file>
-
-<file path=ppt/tags/tag297.xml><?xml version="1.0" encoding="utf-8"?>
-<p:tagLst xmlns:a="http://schemas.openxmlformats.org/drawingml/2006/main" xmlns:r="http://schemas.openxmlformats.org/officeDocument/2006/relationships" xmlns:p="http://schemas.openxmlformats.org/presentationml/2006/main">
-  <p:tag name="NUM" val="34"/>
-</p:tagLst>
-</file>
-
-<file path=ppt/tags/tag298.xml><?xml version="1.0" encoding="utf-8"?>
-<p:tagLst xmlns:a="http://schemas.openxmlformats.org/drawingml/2006/main" xmlns:r="http://schemas.openxmlformats.org/officeDocument/2006/relationships" xmlns:p="http://schemas.openxmlformats.org/presentationml/2006/main">
-  <p:tag name="NUM" val="35"/>
-</p:tagLst>
-</file>
-
-<file path=ppt/tags/tag299.xml><?xml version="1.0" encoding="utf-8"?>
-<p:tagLst xmlns:a="http://schemas.openxmlformats.org/drawingml/2006/main" xmlns:r="http://schemas.openxmlformats.org/officeDocument/2006/relationships" xmlns:p="http://schemas.openxmlformats.org/presentationml/2006/main">
-  <p:tag name="NUM" val="36"/>
-</p:tagLst>
-</file>
-
-<file path=ppt/tags/tag3.xml><?xml version="1.0" encoding="utf-8"?>
-<p:tagLst xmlns:a="http://schemas.openxmlformats.org/drawingml/2006/main" xmlns:r="http://schemas.openxmlformats.org/officeDocument/2006/relationships" xmlns:p="http://schemas.openxmlformats.org/presentationml/2006/main">
-  <p:tag name="NUM" val="3"/>
-</p:tagLst>
-</file>
-
-<file path=ppt/tags/tag30.xml><?xml version="1.0" encoding="utf-8"?>
-<p:tagLst xmlns:a="http://schemas.openxmlformats.org/drawingml/2006/main" xmlns:r="http://schemas.openxmlformats.org/officeDocument/2006/relationships" xmlns:p="http://schemas.openxmlformats.org/presentationml/2006/main">
-  <p:tag name="NUM" val="4"/>
-</p:tagLst>
-</file>
-
-<file path=ppt/tags/tag300.xml><?xml version="1.0" encoding="utf-8"?>
-<p:tagLst xmlns:a="http://schemas.openxmlformats.org/drawingml/2006/main" xmlns:r="http://schemas.openxmlformats.org/officeDocument/2006/relationships" xmlns:p="http://schemas.openxmlformats.org/presentationml/2006/main">
-  <p:tag name="NUM" val="37"/>
-</p:tagLst>
-</file>
-
-<file path=ppt/tags/tag301.xml><?xml version="1.0" encoding="utf-8"?>
-<p:tagLst xmlns:a="http://schemas.openxmlformats.org/drawingml/2006/main" xmlns:r="http://schemas.openxmlformats.org/officeDocument/2006/relationships" xmlns:p="http://schemas.openxmlformats.org/presentationml/2006/main">
-  <p:tag name="NUM" val="38"/>
-</p:tagLst>
-</file>
-
-<file path=ppt/tags/tag302.xml><?xml version="1.0" encoding="utf-8"?>
-<p:tagLst xmlns:a="http://schemas.openxmlformats.org/drawingml/2006/main" xmlns:r="http://schemas.openxmlformats.org/officeDocument/2006/relationships" xmlns:p="http://schemas.openxmlformats.org/presentationml/2006/main">
-  <p:tag name="NUM" val="39"/>
-</p:tagLst>
-</file>
-
-<file path=ppt/tags/tag303.xml><?xml version="1.0" encoding="utf-8"?>
-<p:tagLst xmlns:a="http://schemas.openxmlformats.org/drawingml/2006/main" xmlns:r="http://schemas.openxmlformats.org/officeDocument/2006/relationships" xmlns:p="http://schemas.openxmlformats.org/presentationml/2006/main">
-  <p:tag name="NUM" val="1"/>
-</p:tagLst>
-</file>
-
-<file path=ppt/tags/tag304.xml><?xml version="1.0" encoding="utf-8"?>
-<p:tagLst xmlns:a="http://schemas.openxmlformats.org/drawingml/2006/main" xmlns:r="http://schemas.openxmlformats.org/officeDocument/2006/relationships" xmlns:p="http://schemas.openxmlformats.org/presentationml/2006/main">
-  <p:tag name="NUM" val="2"/>
-</p:tagLst>
-</file>
-
-<file path=ppt/tags/tag305.xml><?xml version="1.0" encoding="utf-8"?>
-<p:tagLst xmlns:a="http://schemas.openxmlformats.org/drawingml/2006/main" xmlns:r="http://schemas.openxmlformats.org/officeDocument/2006/relationships" xmlns:p="http://schemas.openxmlformats.org/presentationml/2006/main">
-  <p:tag name="NUM" val="3"/>
-</p:tagLst>
-</file>
-
-<file path=ppt/tags/tag306.xml><?xml version="1.0" encoding="utf-8"?>
-<p:tagLst xmlns:a="http://schemas.openxmlformats.org/drawingml/2006/main" xmlns:r="http://schemas.openxmlformats.org/officeDocument/2006/relationships" xmlns:p="http://schemas.openxmlformats.org/presentationml/2006/main">
-  <p:tag name="NUM" val="4"/>
-</p:tagLst>
-</file>
-
-<file path=ppt/tags/tag307.xml><?xml version="1.0" encoding="utf-8"?>
-<p:tagLst xmlns:a="http://schemas.openxmlformats.org/drawingml/2006/main" xmlns:r="http://schemas.openxmlformats.org/officeDocument/2006/relationships" xmlns:p="http://schemas.openxmlformats.org/presentationml/2006/main">
-  <p:tag name="NUM" val="5"/>
-</p:tagLst>
-</file>
-
-<file path=ppt/tags/tag308.xml><?xml version="1.0" encoding="utf-8"?>
-<p:tagLst xmlns:a="http://schemas.openxmlformats.org/drawingml/2006/main" xmlns:r="http://schemas.openxmlformats.org/officeDocument/2006/relationships" xmlns:p="http://schemas.openxmlformats.org/presentationml/2006/main">
-  <p:tag name="NUM" val="6"/>
-</p:tagLst>
-</file>
-
-<file path=ppt/tags/tag309.xml><?xml version="1.0" encoding="utf-8"?>
-<p:tagLst xmlns:a="http://schemas.openxmlformats.org/drawingml/2006/main" xmlns:r="http://schemas.openxmlformats.org/officeDocument/2006/relationships" xmlns:p="http://schemas.openxmlformats.org/presentationml/2006/main">
-  <p:tag name="NUM" val="7"/>
-</p:tagLst>
-</file>
-
-<file path=ppt/tags/tag31.xml><?xml version="1.0" encoding="utf-8"?>
-<p:tagLst xmlns:a="http://schemas.openxmlformats.org/drawingml/2006/main" xmlns:r="http://schemas.openxmlformats.org/officeDocument/2006/relationships" xmlns:p="http://schemas.openxmlformats.org/presentationml/2006/main">
-  <p:tag name="NUM" val="5"/>
-</p:tagLst>
-</file>
-
-<file path=ppt/tags/tag310.xml><?xml version="1.0" encoding="utf-8"?>
-<p:tagLst xmlns:a="http://schemas.openxmlformats.org/drawingml/2006/main" xmlns:r="http://schemas.openxmlformats.org/officeDocument/2006/relationships" xmlns:p="http://schemas.openxmlformats.org/presentationml/2006/main">
-  <p:tag name="NUM" val="8"/>
-</p:tagLst>
-</file>
-
-<file path=ppt/tags/tag311.xml><?xml version="1.0" encoding="utf-8"?>
-<p:tagLst xmlns:a="http://schemas.openxmlformats.org/drawingml/2006/main" xmlns:r="http://schemas.openxmlformats.org/officeDocument/2006/relationships" xmlns:p="http://schemas.openxmlformats.org/presentationml/2006/main">
-  <p:tag name="NUM" val="9"/>
-</p:tagLst>
-</file>
-
-<file path=ppt/tags/tag312.xml><?xml version="1.0" encoding="utf-8"?>
-<p:tagLst xmlns:a="http://schemas.openxmlformats.org/drawingml/2006/main" xmlns:r="http://schemas.openxmlformats.org/officeDocument/2006/relationships" xmlns:p="http://schemas.openxmlformats.org/presentationml/2006/main">
-  <p:tag name="NUM" val="10"/>
-</p:tagLst>
-</file>
-
-<file path=ppt/tags/tag313.xml><?xml version="1.0" encoding="utf-8"?>
-<p:tagLst xmlns:a="http://schemas.openxmlformats.org/drawingml/2006/main" xmlns:r="http://schemas.openxmlformats.org/officeDocument/2006/relationships" xmlns:p="http://schemas.openxmlformats.org/presentationml/2006/main">
-  <p:tag name="NUM" val="11"/>
-</p:tagLst>
-</file>
-
-<file path=ppt/tags/tag314.xml><?xml version="1.0" encoding="utf-8"?>
-<p:tagLst xmlns:a="http://schemas.openxmlformats.org/drawingml/2006/main" xmlns:r="http://schemas.openxmlformats.org/officeDocument/2006/relationships" xmlns:p="http://schemas.openxmlformats.org/presentationml/2006/main">
-  <p:tag name="NUM" val="12"/>
-</p:tagLst>
-</file>
-
-<file path=ppt/tags/tag315.xml><?xml version="1.0" encoding="utf-8"?>
-<p:tagLst xmlns:a="http://schemas.openxmlformats.org/drawingml/2006/main" xmlns:r="http://schemas.openxmlformats.org/officeDocument/2006/relationships" xmlns:p="http://schemas.openxmlformats.org/presentationml/2006/main">
-  <p:tag name="NUM" val="13"/>
-</p:tagLst>
-</file>
-
-<file path=ppt/tags/tag316.xml><?xml version="1.0" encoding="utf-8"?>
-<p:tagLst xmlns:a="http://schemas.openxmlformats.org/drawingml/2006/main" xmlns:r="http://schemas.openxmlformats.org/officeDocument/2006/relationships" xmlns:p="http://schemas.openxmlformats.org/presentationml/2006/main">
-  <p:tag name="NUM" val="14"/>
-</p:tagLst>
-</file>
-
-<file path=ppt/tags/tag317.xml><?xml version="1.0" encoding="utf-8"?>
-<p:tagLst xmlns:a="http://schemas.openxmlformats.org/drawingml/2006/main" xmlns:r="http://schemas.openxmlformats.org/officeDocument/2006/relationships" xmlns:p="http://schemas.openxmlformats.org/presentationml/2006/main">
-  <p:tag name="NUM" val="15"/>
-</p:tagLst>
-</file>
-
-<file path=ppt/tags/tag318.xml><?xml version="1.0" encoding="utf-8"?>
-<p:tagLst xmlns:a="http://schemas.openxmlformats.org/drawingml/2006/main" xmlns:r="http://schemas.openxmlformats.org/officeDocument/2006/relationships" xmlns:p="http://schemas.openxmlformats.org/presentationml/2006/main">
-  <p:tag name="NUM" val="16"/>
-</p:tagLst>
-</file>
-
-<file path=ppt/tags/tag319.xml><?xml version="1.0" encoding="utf-8"?>
-<p:tagLst xmlns:a="http://schemas.openxmlformats.org/drawingml/2006/main" xmlns:r="http://schemas.openxmlformats.org/officeDocument/2006/relationships" xmlns:p="http://schemas.openxmlformats.org/presentationml/2006/main">
-  <p:tag name="NUM" val="17"/>
-</p:tagLst>
-</file>
-
-<file path=ppt/tags/tag32.xml><?xml version="1.0" encoding="utf-8"?>
-<p:tagLst xmlns:a="http://schemas.openxmlformats.org/drawingml/2006/main" xmlns:r="http://schemas.openxmlformats.org/officeDocument/2006/relationships" xmlns:p="http://schemas.openxmlformats.org/presentationml/2006/main">
-  <p:tag name="NUM" val="6"/>
-</p:tagLst>
-</file>
-
-<file path=ppt/tags/tag320.xml><?xml version="1.0" encoding="utf-8"?>
-<p:tagLst xmlns:a="http://schemas.openxmlformats.org/drawingml/2006/main" xmlns:r="http://schemas.openxmlformats.org/officeDocument/2006/relationships" xmlns:p="http://schemas.openxmlformats.org/presentationml/2006/main">
-  <p:tag name="NUM" val="18"/>
-</p:tagLst>
-</file>
-
-<file path=ppt/tags/tag321.xml><?xml version="1.0" encoding="utf-8"?>
-<p:tagLst xmlns:a="http://schemas.openxmlformats.org/drawingml/2006/main" xmlns:r="http://schemas.openxmlformats.org/officeDocument/2006/relationships" xmlns:p="http://schemas.openxmlformats.org/presentationml/2006/main">
-  <p:tag name="NUM" val="19"/>
-</p:tagLst>
-</file>
-
-<file path=ppt/tags/tag322.xml><?xml version="1.0" encoding="utf-8"?>
-<p:tagLst xmlns:a="http://schemas.openxmlformats.org/drawingml/2006/main" xmlns:r="http://schemas.openxmlformats.org/officeDocument/2006/relationships" xmlns:p="http://schemas.openxmlformats.org/presentationml/2006/main">
-  <p:tag name="NUM" val="20"/>
-</p:tagLst>
-</file>
-
-<file path=ppt/tags/tag323.xml><?xml version="1.0" encoding="utf-8"?>
-<p:tagLst xmlns:a="http://schemas.openxmlformats.org/drawingml/2006/main" xmlns:r="http://schemas.openxmlformats.org/officeDocument/2006/relationships" xmlns:p="http://schemas.openxmlformats.org/presentationml/2006/main">
-  <p:tag name="NUM" val="21"/>
-</p:tagLst>
-</file>
-
-<file path=ppt/tags/tag324.xml><?xml version="1.0" encoding="utf-8"?>
-<p:tagLst xmlns:a="http://schemas.openxmlformats.org/drawingml/2006/main" xmlns:r="http://schemas.openxmlformats.org/officeDocument/2006/relationships" xmlns:p="http://schemas.openxmlformats.org/presentationml/2006/main">
-  <p:tag name="NUM" val="22"/>
-</p:tagLst>
-</file>
-
-<file path=ppt/tags/tag325.xml><?xml version="1.0" encoding="utf-8"?>
-<p:tagLst xmlns:a="http://schemas.openxmlformats.org/drawingml/2006/main" xmlns:r="http://schemas.openxmlformats.org/officeDocument/2006/relationships" xmlns:p="http://schemas.openxmlformats.org/presentationml/2006/main">
-  <p:tag name="NUM" val="23"/>
-</p:tagLst>
-</file>
-
-<file path=ppt/tags/tag326.xml><?xml version="1.0" encoding="utf-8"?>
-<p:tagLst xmlns:a="http://schemas.openxmlformats.org/drawingml/2006/main" xmlns:r="http://schemas.openxmlformats.org/officeDocument/2006/relationships" xmlns:p="http://schemas.openxmlformats.org/presentationml/2006/main">
-  <p:tag name="NUM" val="24"/>
-</p:tagLst>
-</file>
-
-<file path=ppt/tags/tag327.xml><?xml version="1.0" encoding="utf-8"?>
-<p:tagLst xmlns:a="http://schemas.openxmlformats.org/drawingml/2006/main" xmlns:r="http://schemas.openxmlformats.org/officeDocument/2006/relationships" xmlns:p="http://schemas.openxmlformats.org/presentationml/2006/main">
-  <p:tag name="NUM" val="25"/>
-</p:tagLst>
-</file>
-
-<file path=ppt/tags/tag328.xml><?xml version="1.0" encoding="utf-8"?>
-<p:tagLst xmlns:a="http://schemas.openxmlformats.org/drawingml/2006/main" xmlns:r="http://schemas.openxmlformats.org/officeDocument/2006/relationships" xmlns:p="http://schemas.openxmlformats.org/presentationml/2006/main">
-  <p:tag name="NUM" val="26"/>
-</p:tagLst>
-</file>
-
-<file path=ppt/tags/tag329.xml><?xml version="1.0" encoding="utf-8"?>
-<p:tagLst xmlns:a="http://schemas.openxmlformats.org/drawingml/2006/main" xmlns:r="http://schemas.openxmlformats.org/officeDocument/2006/relationships" xmlns:p="http://schemas.openxmlformats.org/presentationml/2006/main">
-  <p:tag name="NUM" val="27"/>
-</p:tagLst>
-</file>
-
-<file path=ppt/tags/tag33.xml><?xml version="1.0" encoding="utf-8"?>
-<p:tagLst xmlns:a="http://schemas.openxmlformats.org/drawingml/2006/main" xmlns:r="http://schemas.openxmlformats.org/officeDocument/2006/relationships" xmlns:p="http://schemas.openxmlformats.org/presentationml/2006/main">
-  <p:tag name="NUM" val="7"/>
-</p:tagLst>
-</file>
-
-<file path=ppt/tags/tag330.xml><?xml version="1.0" encoding="utf-8"?>
-<p:tagLst xmlns:a="http://schemas.openxmlformats.org/drawingml/2006/main" xmlns:r="http://schemas.openxmlformats.org/officeDocument/2006/relationships" xmlns:p="http://schemas.openxmlformats.org/presentationml/2006/main">
-  <p:tag name="NUM" val="28"/>
-</p:tagLst>
-</file>
-
-<file path=ppt/tags/tag331.xml><?xml version="1.0" encoding="utf-8"?>
-<p:tagLst xmlns:a="http://schemas.openxmlformats.org/drawingml/2006/main" xmlns:r="http://schemas.openxmlformats.org/officeDocument/2006/relationships" xmlns:p="http://schemas.openxmlformats.org/presentationml/2006/main">
-  <p:tag name="NUM" val="29"/>
-</p:tagLst>
-</file>
-
-<file path=ppt/tags/tag332.xml><?xml version="1.0" encoding="utf-8"?>
-<p:tagLst xmlns:a="http://schemas.openxmlformats.org/drawingml/2006/main" xmlns:r="http://schemas.openxmlformats.org/officeDocument/2006/relationships" xmlns:p="http://schemas.openxmlformats.org/presentationml/2006/main">
-  <p:tag name="NUM" val="1"/>
-</p:tagLst>
-</file>
-
-<file path=ppt/tags/tag333.xml><?xml version="1.0" encoding="utf-8"?>
-<p:tagLst xmlns:a="http://schemas.openxmlformats.org/drawingml/2006/main" xmlns:r="http://schemas.openxmlformats.org/officeDocument/2006/relationships" xmlns:p="http://schemas.openxmlformats.org/presentationml/2006/main">
-  <p:tag name="NUM" val="2"/>
-</p:tagLst>
-</file>
-
-<file path=ppt/tags/tag334.xml><?xml version="1.0" encoding="utf-8"?>
-<p:tagLst xmlns:a="http://schemas.openxmlformats.org/drawingml/2006/main" xmlns:r="http://schemas.openxmlformats.org/officeDocument/2006/relationships" xmlns:p="http://schemas.openxmlformats.org/presentationml/2006/main">
-  <p:tag name="NUM" val="3"/>
-</p:tagLst>
-</file>
-
-<file path=ppt/tags/tag335.xml><?xml version="1.0" encoding="utf-8"?>
-<p:tagLst xmlns:a="http://schemas.openxmlformats.org/drawingml/2006/main" xmlns:r="http://schemas.openxmlformats.org/officeDocument/2006/relationships" xmlns:p="http://schemas.openxmlformats.org/presentationml/2006/main">
-  <p:tag name="NUM" val="4"/>
-</p:tagLst>
-</file>
-
-<file path=ppt/tags/tag336.xml><?xml version="1.0" encoding="utf-8"?>
-<p:tagLst xmlns:a="http://schemas.openxmlformats.org/drawingml/2006/main" xmlns:r="http://schemas.openxmlformats.org/officeDocument/2006/relationships" xmlns:p="http://schemas.openxmlformats.org/presentationml/2006/main">
-  <p:tag name="NUM" val="5"/>
-</p:tagLst>
-</file>
-
-<file path=ppt/tags/tag337.xml><?xml version="1.0" encoding="utf-8"?>
-<p:tagLst xmlns:a="http://schemas.openxmlformats.org/drawingml/2006/main" xmlns:r="http://schemas.openxmlformats.org/officeDocument/2006/relationships" xmlns:p="http://schemas.openxmlformats.org/presentationml/2006/main">
-  <p:tag name="NUM" val="6"/>
-</p:tagLst>
-</file>
-
-<file path=ppt/tags/tag338.xml><?xml version="1.0" encoding="utf-8"?>
-<p:tagLst xmlns:a="http://schemas.openxmlformats.org/drawingml/2006/main" xmlns:r="http://schemas.openxmlformats.org/officeDocument/2006/relationships" xmlns:p="http://schemas.openxmlformats.org/presentationml/2006/main">
-  <p:tag name="NUM" val="7"/>
-</p:tagLst>
-</file>
-
-<file path=ppt/tags/tag339.xml><?xml version="1.0" encoding="utf-8"?>
-<p:tagLst xmlns:a="http://schemas.openxmlformats.org/drawingml/2006/main" xmlns:r="http://schemas.openxmlformats.org/officeDocument/2006/relationships" xmlns:p="http://schemas.openxmlformats.org/presentationml/2006/main">
-  <p:tag name="NUM" val="8"/>
-</p:tagLst>
-</file>
-
-<file path=ppt/tags/tag34.xml><?xml version="1.0" encoding="utf-8"?>
-<p:tagLst xmlns:a="http://schemas.openxmlformats.org/drawingml/2006/main" xmlns:r="http://schemas.openxmlformats.org/officeDocument/2006/relationships" xmlns:p="http://schemas.openxmlformats.org/presentationml/2006/main">
-  <p:tag name="NUM" val="8"/>
-</p:tagLst>
-</file>
-
-<file path=ppt/tags/tag340.xml><?xml version="1.0" encoding="utf-8"?>
-<p:tagLst xmlns:a="http://schemas.openxmlformats.org/drawingml/2006/main" xmlns:r="http://schemas.openxmlformats.org/officeDocument/2006/relationships" xmlns:p="http://schemas.openxmlformats.org/presentationml/2006/main">
-  <p:tag name="NUM" val="9"/>
-</p:tagLst>
-</file>
-
-<file path=ppt/tags/tag341.xml><?xml version="1.0" encoding="utf-8"?>
-<p:tagLst xmlns:a="http://schemas.openxmlformats.org/drawingml/2006/main" xmlns:r="http://schemas.openxmlformats.org/officeDocument/2006/relationships" xmlns:p="http://schemas.openxmlformats.org/presentationml/2006/main">
-  <p:tag name="NUM" val="10"/>
-</p:tagLst>
-</file>
-
-<file path=ppt/tags/tag342.xml><?xml version="1.0" encoding="utf-8"?>
-<p:tagLst xmlns:a="http://schemas.openxmlformats.org/drawingml/2006/main" xmlns:r="http://schemas.openxmlformats.org/officeDocument/2006/relationships" xmlns:p="http://schemas.openxmlformats.org/presentationml/2006/main">
-  <p:tag name="NUM" val="11"/>
-</p:tagLst>
-</file>
-
-<file path=ppt/tags/tag343.xml><?xml version="1.0" encoding="utf-8"?>
-<p:tagLst xmlns:a="http://schemas.openxmlformats.org/drawingml/2006/main" xmlns:r="http://schemas.openxmlformats.org/officeDocument/2006/relationships" xmlns:p="http://schemas.openxmlformats.org/presentationml/2006/main">
-  <p:tag name="NUM" val="12"/>
-</p:tagLst>
-</file>
-
-<file path=ppt/tags/tag344.xml><?xml version="1.0" encoding="utf-8"?>
-<p:tagLst xmlns:a="http://schemas.openxmlformats.org/drawingml/2006/main" xmlns:r="http://schemas.openxmlformats.org/officeDocument/2006/relationships" xmlns:p="http://schemas.openxmlformats.org/presentationml/2006/main">
-  <p:tag name="NUM" val="13"/>
-</p:tagLst>
-</file>
-
-<file path=ppt/tags/tag345.xml><?xml version="1.0" encoding="utf-8"?>
-<p:tagLst xmlns:a="http://schemas.openxmlformats.org/drawingml/2006/main" xmlns:r="http://schemas.openxmlformats.org/officeDocument/2006/relationships" xmlns:p="http://schemas.openxmlformats.org/presentationml/2006/main">
-  <p:tag name="NUM" val="14"/>
-</p:tagLst>
-</file>
-
-<file path=ppt/tags/tag346.xml><?xml version="1.0" encoding="utf-8"?>
-<p:tagLst xmlns:a="http://schemas.openxmlformats.org/drawingml/2006/main" xmlns:r="http://schemas.openxmlformats.org/officeDocument/2006/relationships" xmlns:p="http://schemas.openxmlformats.org/presentationml/2006/main">
-  <p:tag name="NUM" val="15"/>
-</p:tagLst>
-</file>
-
-<file path=ppt/tags/tag347.xml><?xml version="1.0" encoding="utf-8"?>
-<p:tagLst xmlns:a="http://schemas.openxmlformats.org/drawingml/2006/main" xmlns:r="http://schemas.openxmlformats.org/officeDocument/2006/relationships" xmlns:p="http://schemas.openxmlformats.org/presentationml/2006/main">
-  <p:tag name="NUM" val="16"/>
-</p:tagLst>
-</file>
-
-<file path=ppt/tags/tag348.xml><?xml version="1.0" encoding="utf-8"?>
-<p:tagLst xmlns:a="http://schemas.openxmlformats.org/drawingml/2006/main" xmlns:r="http://schemas.openxmlformats.org/officeDocument/2006/relationships" xmlns:p="http://schemas.openxmlformats.org/presentationml/2006/main">
-  <p:tag name="NUM" val="17"/>
-</p:tagLst>
-</file>
-
-<file path=ppt/tags/tag349.xml><?xml version="1.0" encoding="utf-8"?>
-<p:tagLst xmlns:a="http://schemas.openxmlformats.org/drawingml/2006/main" xmlns:r="http://schemas.openxmlformats.org/officeDocument/2006/relationships" xmlns:p="http://schemas.openxmlformats.org/presentationml/2006/main">
-  <p:tag name="NUM" val="18"/>
-</p:tagLst>
-</file>
-
-<file path=ppt/tags/tag35.xml><?xml version="1.0" encoding="utf-8"?>
-<p:tagLst xmlns:a="http://schemas.openxmlformats.org/drawingml/2006/main" xmlns:r="http://schemas.openxmlformats.org/officeDocument/2006/relationships" xmlns:p="http://schemas.openxmlformats.org/presentationml/2006/main">
-  <p:tag name="NUM" val="9"/>
-</p:tagLst>
-</file>
-
-<file path=ppt/tags/tag350.xml><?xml version="1.0" encoding="utf-8"?>
-<p:tagLst xmlns:a="http://schemas.openxmlformats.org/drawingml/2006/main" xmlns:r="http://schemas.openxmlformats.org/officeDocument/2006/relationships" xmlns:p="http://schemas.openxmlformats.org/presentationml/2006/main">
-  <p:tag name="NUM" val="19"/>
-</p:tagLst>
-</file>
-
-<file path=ppt/tags/tag351.xml><?xml version="1.0" encoding="utf-8"?>
-<p:tagLst xmlns:a="http://schemas.openxmlformats.org/drawingml/2006/main" xmlns:r="http://schemas.openxmlformats.org/officeDocument/2006/relationships" xmlns:p="http://schemas.openxmlformats.org/presentationml/2006/main">
-  <p:tag name="NUM" val="20"/>
-</p:tagLst>
-</file>
-
-<file path=ppt/tags/tag352.xml><?xml version="1.0" encoding="utf-8"?>
-<p:tagLst xmlns:a="http://schemas.openxmlformats.org/drawingml/2006/main" xmlns:r="http://schemas.openxmlformats.org/officeDocument/2006/relationships" xmlns:p="http://schemas.openxmlformats.org/presentationml/2006/main">
-  <p:tag name="NUM" val="1"/>
-</p:tagLst>
-</file>
-
-<file path=ppt/tags/tag353.xml><?xml version="1.0" encoding="utf-8"?>
-<p:tagLst xmlns:a="http://schemas.openxmlformats.org/drawingml/2006/main" xmlns:r="http://schemas.openxmlformats.org/officeDocument/2006/relationships" xmlns:p="http://schemas.openxmlformats.org/presentationml/2006/main">
-  <p:tag name="NUM" val="2"/>
-</p:tagLst>
-</file>
-
-<file path=ppt/tags/tag354.xml><?xml version="1.0" encoding="utf-8"?>
-<p:tagLst xmlns:a="http://schemas.openxmlformats.org/drawingml/2006/main" xmlns:r="http://schemas.openxmlformats.org/officeDocument/2006/relationships" xmlns:p="http://schemas.openxmlformats.org/presentationml/2006/main">
-  <p:tag name="NUM" val="3"/>
-</p:tagLst>
-</file>
-
-<file path=ppt/tags/tag355.xml><?xml version="1.0" encoding="utf-8"?>
-<p:tagLst xmlns:a="http://schemas.openxmlformats.org/drawingml/2006/main" xmlns:r="http://schemas.openxmlformats.org/officeDocument/2006/relationships" xmlns:p="http://schemas.openxmlformats.org/presentationml/2006/main">
-  <p:tag name="NUM" val="4"/>
-</p:tagLst>
-</file>
-
-<file path=ppt/tags/tag356.xml><?xml version="1.0" encoding="utf-8"?>
-<p:tagLst xmlns:a="http://schemas.openxmlformats.org/drawingml/2006/main" xmlns:r="http://schemas.openxmlformats.org/officeDocument/2006/relationships" xmlns:p="http://schemas.openxmlformats.org/presentationml/2006/main">
-  <p:tag name="NUM" val="5"/>
-</p:tagLst>
-</file>
-
-<file path=ppt/tags/tag357.xml><?xml version="1.0" encoding="utf-8"?>
-<p:tagLst xmlns:a="http://schemas.openxmlformats.org/drawingml/2006/main" xmlns:r="http://schemas.openxmlformats.org/officeDocument/2006/relationships" xmlns:p="http://schemas.openxmlformats.org/presentationml/2006/main">
-  <p:tag name="NUM" val="6"/>
-</p:tagLst>
-</file>
-
-<file path=ppt/tags/tag358.xml><?xml version="1.0" encoding="utf-8"?>
-<p:tagLst xmlns:a="http://schemas.openxmlformats.org/drawingml/2006/main" xmlns:r="http://schemas.openxmlformats.org/officeDocument/2006/relationships" xmlns:p="http://schemas.openxmlformats.org/presentationml/2006/main">
-  <p:tag name="NUM" val="7"/>
-</p:tagLst>
-</file>
-
-<file path=ppt/tags/tag359.xml><?xml version="1.0" encoding="utf-8"?>
-<p:tagLst xmlns:a="http://schemas.openxmlformats.org/drawingml/2006/main" xmlns:r="http://schemas.openxmlformats.org/officeDocument/2006/relationships" xmlns:p="http://schemas.openxmlformats.org/presentationml/2006/main">
-  <p:tag name="NUM" val="8"/>
-</p:tagLst>
-</file>
-
-<file path=ppt/tags/tag36.xml><?xml version="1.0" encoding="utf-8"?>
-<p:tagLst xmlns:a="http://schemas.openxmlformats.org/drawingml/2006/main" xmlns:r="http://schemas.openxmlformats.org/officeDocument/2006/relationships" xmlns:p="http://schemas.openxmlformats.org/presentationml/2006/main">
-  <p:tag name="NUM" val="10"/>
-</p:tagLst>
-</file>
-
-<file path=ppt/tags/tag360.xml><?xml version="1.0" encoding="utf-8"?>
-<p:tagLst xmlns:a="http://schemas.openxmlformats.org/drawingml/2006/main" xmlns:r="http://schemas.openxmlformats.org/officeDocument/2006/relationships" xmlns:p="http://schemas.openxmlformats.org/presentationml/2006/main">
-  <p:tag name="NUM" val="9"/>
-</p:tagLst>
-</file>
-
-<file path=ppt/tags/tag361.xml><?xml version="1.0" encoding="utf-8"?>
-<p:tagLst xmlns:a="http://schemas.openxmlformats.org/drawingml/2006/main" xmlns:r="http://schemas.openxmlformats.org/officeDocument/2006/relationships" xmlns:p="http://schemas.openxmlformats.org/presentationml/2006/main">
-  <p:tag name="NUM" val="10"/>
-</p:tagLst>
-</file>
-
-<file path=ppt/tags/tag362.xml><?xml version="1.0" encoding="utf-8"?>
-<p:tagLst xmlns:a="http://schemas.openxmlformats.org/drawingml/2006/main" xmlns:r="http://schemas.openxmlformats.org/officeDocument/2006/relationships" xmlns:p="http://schemas.openxmlformats.org/presentationml/2006/main">
-  <p:tag name="NUM" val="11"/>
-</p:tagLst>
-</file>
-
-<file path=ppt/tags/tag363.xml><?xml version="1.0" encoding="utf-8"?>
-<p:tagLst xmlns:a="http://schemas.openxmlformats.org/drawingml/2006/main" xmlns:r="http://schemas.openxmlformats.org/officeDocument/2006/relationships" xmlns:p="http://schemas.openxmlformats.org/presentationml/2006/main">
-  <p:tag name="NUM" val="12"/>
-</p:tagLst>
-</file>
-
-<file path=ppt/tags/tag364.xml><?xml version="1.0" encoding="utf-8"?>
-<p:tagLst xmlns:a="http://schemas.openxmlformats.org/drawingml/2006/main" xmlns:r="http://schemas.openxmlformats.org/officeDocument/2006/relationships" xmlns:p="http://schemas.openxmlformats.org/presentationml/2006/main">
-  <p:tag name="NUM" val="13"/>
-</p:tagLst>
-</file>
-
-<file path=ppt/tags/tag365.xml><?xml version="1.0" encoding="utf-8"?>
-<p:tagLst xmlns:a="http://schemas.openxmlformats.org/drawingml/2006/main" xmlns:r="http://schemas.openxmlformats.org/officeDocument/2006/relationships" xmlns:p="http://schemas.openxmlformats.org/presentationml/2006/main">
-  <p:tag name="NUM" val="14"/>
-</p:tagLst>
-</file>
-
-<file path=ppt/tags/tag366.xml><?xml version="1.0" encoding="utf-8"?>
-<p:tagLst xmlns:a="http://schemas.openxmlformats.org/drawingml/2006/main" xmlns:r="http://schemas.openxmlformats.org/officeDocument/2006/relationships" xmlns:p="http://schemas.openxmlformats.org/presentationml/2006/main">
-  <p:tag name="NUM" val="15"/>
-</p:tagLst>
-</file>
-
-<file path=ppt/tags/tag367.xml><?xml version="1.0" encoding="utf-8"?>
-<p:tagLst xmlns:a="http://schemas.openxmlformats.org/drawingml/2006/main" xmlns:r="http://schemas.openxmlformats.org/officeDocument/2006/relationships" xmlns:p="http://schemas.openxmlformats.org/presentationml/2006/main">
-  <p:tag name="NUM" val="16"/>
-</p:tagLst>
-</file>
-
-<file path=ppt/tags/tag368.xml><?xml version="1.0" encoding="utf-8"?>
-<p:tagLst xmlns:a="http://schemas.openxmlformats.org/drawingml/2006/main" xmlns:r="http://schemas.openxmlformats.org/officeDocument/2006/relationships" xmlns:p="http://schemas.openxmlformats.org/presentationml/2006/main">
-  <p:tag name="NUM" val="17"/>
-</p:tagLst>
-</file>
-
-<file path=ppt/tags/tag369.xml><?xml version="1.0" encoding="utf-8"?>
-<p:tagLst xmlns:a="http://schemas.openxmlformats.org/drawingml/2006/main" xmlns:r="http://schemas.openxmlformats.org/officeDocument/2006/relationships" xmlns:p="http://schemas.openxmlformats.org/presentationml/2006/main">
-  <p:tag name="NUM" val="18"/>
-</p:tagLst>
-</file>
-
-<file path=ppt/tags/tag37.xml><?xml version="1.0" encoding="utf-8"?>
-<p:tagLst xmlns:a="http://schemas.openxmlformats.org/drawingml/2006/main" xmlns:r="http://schemas.openxmlformats.org/officeDocument/2006/relationships" xmlns:p="http://schemas.openxmlformats.org/presentationml/2006/main">
-  <p:tag name="NUM" val="11"/>
-</p:tagLst>
-</file>
-
-<file path=ppt/tags/tag370.xml><?xml version="1.0" encoding="utf-8"?>
-<p:tagLst xmlns:a="http://schemas.openxmlformats.org/drawingml/2006/main" xmlns:r="http://schemas.openxmlformats.org/officeDocument/2006/relationships" xmlns:p="http://schemas.openxmlformats.org/presentationml/2006/main">
-  <p:tag name="NUM" val="19"/>
-</p:tagLst>
-</file>
-
-<file path=ppt/tags/tag371.xml><?xml version="1.0" encoding="utf-8"?>
-<p:tagLst xmlns:a="http://schemas.openxmlformats.org/drawingml/2006/main" xmlns:r="http://schemas.openxmlformats.org/officeDocument/2006/relationships" xmlns:p="http://schemas.openxmlformats.org/presentationml/2006/main">
-  <p:tag name="NUM" val="20"/>
-</p:tagLst>
-</file>
-
-<file path=ppt/tags/tag372.xml><?xml version="1.0" encoding="utf-8"?>
-<p:tagLst xmlns:a="http://schemas.openxmlformats.org/drawingml/2006/main" xmlns:r="http://schemas.openxmlformats.org/officeDocument/2006/relationships" xmlns:p="http://schemas.openxmlformats.org/presentationml/2006/main">
-  <p:tag name="NUM" val="21"/>
-</p:tagLst>
-</file>
-
-<file path=ppt/tags/tag373.xml><?xml version="1.0" encoding="utf-8"?>
-<p:tagLst xmlns:a="http://schemas.openxmlformats.org/drawingml/2006/main" xmlns:r="http://schemas.openxmlformats.org/officeDocument/2006/relationships" xmlns:p="http://schemas.openxmlformats.org/presentationml/2006/main">
-  <p:tag name="NUM" val="22"/>
-</p:tagLst>
-</file>
-
-<file path=ppt/tags/tag374.xml><?xml version="1.0" encoding="utf-8"?>
-<p:tagLst xmlns:a="http://schemas.openxmlformats.org/drawingml/2006/main" xmlns:r="http://schemas.openxmlformats.org/officeDocument/2006/relationships" xmlns:p="http://schemas.openxmlformats.org/presentationml/2006/main">
-  <p:tag name="NUM" val="23"/>
-</p:tagLst>
-</file>
-
-<file path=ppt/tags/tag375.xml><?xml version="1.0" encoding="utf-8"?>
-<p:tagLst xmlns:a="http://schemas.openxmlformats.org/drawingml/2006/main" xmlns:r="http://schemas.openxmlformats.org/officeDocument/2006/relationships" xmlns:p="http://schemas.openxmlformats.org/presentationml/2006/main">
-  <p:tag name="NUM" val="24"/>
-</p:tagLst>
-</file>
-
-<file path=ppt/tags/tag376.xml><?xml version="1.0" encoding="utf-8"?>
-<p:tagLst xmlns:a="http://schemas.openxmlformats.org/drawingml/2006/main" xmlns:r="http://schemas.openxmlformats.org/officeDocument/2006/relationships" xmlns:p="http://schemas.openxmlformats.org/presentationml/2006/main">
-  <p:tag name="NUM" val="25"/>
-</p:tagLst>
-</file>
-
-<file path=ppt/tags/tag377.xml><?xml version="1.0" encoding="utf-8"?>
-<p:tagLst xmlns:a="http://schemas.openxmlformats.org/drawingml/2006/main" xmlns:r="http://schemas.openxmlformats.org/officeDocument/2006/relationships" xmlns:p="http://schemas.openxmlformats.org/presentationml/2006/main">
-  <p:tag name="NUM" val="26"/>
-</p:tagLst>
-</file>
-
-<file path=ppt/tags/tag378.xml><?xml version="1.0" encoding="utf-8"?>
-<p:tagLst xmlns:a="http://schemas.openxmlformats.org/drawingml/2006/main" xmlns:r="http://schemas.openxmlformats.org/officeDocument/2006/relationships" xmlns:p="http://schemas.openxmlformats.org/presentationml/2006/main">
-  <p:tag name="NUM" val="27"/>
-</p:tagLst>
-</file>
-
-<file path=ppt/tags/tag379.xml><?xml version="1.0" encoding="utf-8"?>
-<p:tagLst xmlns:a="http://schemas.openxmlformats.org/drawingml/2006/main" xmlns:r="http://schemas.openxmlformats.org/officeDocument/2006/relationships" xmlns:p="http://schemas.openxmlformats.org/presentationml/2006/main">
-  <p:tag name="NUM" val="28"/>
-</p:tagLst>
-</file>
-
-<file path=ppt/tags/tag38.xml><?xml version="1.0" encoding="utf-8"?>
-<p:tagLst xmlns:a="http://schemas.openxmlformats.org/drawingml/2006/main" xmlns:r="http://schemas.openxmlformats.org/officeDocument/2006/relationships" xmlns:p="http://schemas.openxmlformats.org/presentationml/2006/main">
-  <p:tag name="NUM" val="12"/>
-</p:tagLst>
-</file>
-
-<file path=ppt/tags/tag380.xml><?xml version="1.0" encoding="utf-8"?>
-<p:tagLst xmlns:a="http://schemas.openxmlformats.org/drawingml/2006/main" xmlns:r="http://schemas.openxmlformats.org/officeDocument/2006/relationships" xmlns:p="http://schemas.openxmlformats.org/presentationml/2006/main">
-  <p:tag name="NUM" val="29"/>
-</p:tagLst>
-</file>
-
-<file path=ppt/tags/tag381.xml><?xml version="1.0" encoding="utf-8"?>
-<p:tagLst xmlns:a="http://schemas.openxmlformats.org/drawingml/2006/main" xmlns:r="http://schemas.openxmlformats.org/officeDocument/2006/relationships" xmlns:p="http://schemas.openxmlformats.org/presentationml/2006/main">
-  <p:tag name="NUM" val="30"/>
-</p:tagLst>
-</file>
-
-<file path=ppt/tags/tag382.xml><?xml version="1.0" encoding="utf-8"?>
-<p:tagLst xmlns:a="http://schemas.openxmlformats.org/drawingml/2006/main" xmlns:r="http://schemas.openxmlformats.org/officeDocument/2006/relationships" xmlns:p="http://schemas.openxmlformats.org/presentationml/2006/main">
-  <p:tag name="NUM" val="31"/>
-</p:tagLst>
-</file>
-
-<file path=ppt/tags/tag383.xml><?xml version="1.0" encoding="utf-8"?>
-<p:tagLst xmlns:a="http://schemas.openxmlformats.org/drawingml/2006/main" xmlns:r="http://schemas.openxmlformats.org/officeDocument/2006/relationships" xmlns:p="http://schemas.openxmlformats.org/presentationml/2006/main">
-  <p:tag name="NUM" val="32"/>
-</p:tagLst>
-</file>
-
-<file path=ppt/tags/tag39.xml><?xml version="1.0" encoding="utf-8"?>
-<p:tagLst xmlns:a="http://schemas.openxmlformats.org/drawingml/2006/main" xmlns:r="http://schemas.openxmlformats.org/officeDocument/2006/relationships" xmlns:p="http://schemas.openxmlformats.org/presentationml/2006/main">
-  <p:tag name="NUM" val="13"/>
-</p:tagLst>
-</file>
-
-<file path=ppt/tags/tag4.xml><?xml version="1.0" encoding="utf-8"?>
-<p:tagLst xmlns:a="http://schemas.openxmlformats.org/drawingml/2006/main" xmlns:r="http://schemas.openxmlformats.org/officeDocument/2006/relationships" xmlns:p="http://schemas.openxmlformats.org/presentationml/2006/main">
-  <p:tag name="NUM" val="4"/>
-</p:tagLst>
-</file>
-
-<file path=ppt/tags/tag40.xml><?xml version="1.0" encoding="utf-8"?>
-<p:tagLst xmlns:a="http://schemas.openxmlformats.org/drawingml/2006/main" xmlns:r="http://schemas.openxmlformats.org/officeDocument/2006/relationships" xmlns:p="http://schemas.openxmlformats.org/presentationml/2006/main">
-  <p:tag name="NUM" val="14"/>
-</p:tagLst>
-</file>
-
-<file path=ppt/tags/tag41.xml><?xml version="1.0" encoding="utf-8"?>
-<p:tagLst xmlns:a="http://schemas.openxmlformats.org/drawingml/2006/main" xmlns:r="http://schemas.openxmlformats.org/officeDocument/2006/relationships" xmlns:p="http://schemas.openxmlformats.org/presentationml/2006/main">
-  <p:tag name="NUM" val="15"/>
-</p:tagLst>
-</file>
-
-<file path=ppt/tags/tag42.xml><?xml version="1.0" encoding="utf-8"?>
-<p:tagLst xmlns:a="http://schemas.openxmlformats.org/drawingml/2006/main" xmlns:r="http://schemas.openxmlformats.org/officeDocument/2006/relationships" xmlns:p="http://schemas.openxmlformats.org/presentationml/2006/main">
-  <p:tag name="NUM" val="16"/>
-</p:tagLst>
-</file>
-
-<file path=ppt/tags/tag43.xml><?xml version="1.0" encoding="utf-8"?>
-<p:tagLst xmlns:a="http://schemas.openxmlformats.org/drawingml/2006/main" xmlns:r="http://schemas.openxmlformats.org/officeDocument/2006/relationships" xmlns:p="http://schemas.openxmlformats.org/presentationml/2006/main">
-  <p:tag name="NUM" val="17"/>
-</p:tagLst>
-</file>
-
-<file path=ppt/tags/tag44.xml><?xml version="1.0" encoding="utf-8"?>
-<p:tagLst xmlns:a="http://schemas.openxmlformats.org/drawingml/2006/main" xmlns:r="http://schemas.openxmlformats.org/officeDocument/2006/relationships" xmlns:p="http://schemas.openxmlformats.org/presentationml/2006/main">
-  <p:tag name="NUM" val="18"/>
-</p:tagLst>
-</file>
-
-<file path=ppt/tags/tag45.xml><?xml version="1.0" encoding="utf-8"?>
-<p:tagLst xmlns:a="http://schemas.openxmlformats.org/drawingml/2006/main" xmlns:r="http://schemas.openxmlformats.org/officeDocument/2006/relationships" xmlns:p="http://schemas.openxmlformats.org/presentationml/2006/main">
-  <p:tag name="NUM" val="19"/>
-</p:tagLst>
-</file>
-
-<file path=ppt/tags/tag46.xml><?xml version="1.0" encoding="utf-8"?>
-<p:tagLst xmlns:a="http://schemas.openxmlformats.org/drawingml/2006/main" xmlns:r="http://schemas.openxmlformats.org/officeDocument/2006/relationships" xmlns:p="http://schemas.openxmlformats.org/presentationml/2006/main">
-  <p:tag name="NUM" val="20"/>
-</p:tagLst>
-</file>
-
-<file path=ppt/tags/tag47.xml><?xml version="1.0" encoding="utf-8"?>
-<p:tagLst xmlns:a="http://schemas.openxmlformats.org/drawingml/2006/main" xmlns:r="http://schemas.openxmlformats.org/officeDocument/2006/relationships" xmlns:p="http://schemas.openxmlformats.org/presentationml/2006/main">
-  <p:tag name="NUM" val="21"/>
-</p:tagLst>
-</file>
-
-<file path=ppt/tags/tag48.xml><?xml version="1.0" encoding="utf-8"?>
-<p:tagLst xmlns:a="http://schemas.openxmlformats.org/drawingml/2006/main" xmlns:r="http://schemas.openxmlformats.org/officeDocument/2006/relationships" xmlns:p="http://schemas.openxmlformats.org/presentationml/2006/main">
-  <p:tag name="NUM" val="22"/>
-</p:tagLst>
-</file>
-
-<file path=ppt/tags/tag49.xml><?xml version="1.0" encoding="utf-8"?>
-<p:tagLst xmlns:a="http://schemas.openxmlformats.org/drawingml/2006/main" xmlns:r="http://schemas.openxmlformats.org/officeDocument/2006/relationships" xmlns:p="http://schemas.openxmlformats.org/presentationml/2006/main">
-  <p:tag name="NUM" val="23"/>
-</p:tagLst>
-</file>
-
-<file path=ppt/tags/tag5.xml><?xml version="1.0" encoding="utf-8"?>
-<p:tagLst xmlns:a="http://schemas.openxmlformats.org/drawingml/2006/main" xmlns:r="http://schemas.openxmlformats.org/officeDocument/2006/relationships" xmlns:p="http://schemas.openxmlformats.org/presentationml/2006/main">
-  <p:tag name="NUM" val="5"/>
-</p:tagLst>
-</file>
-
-<file path=ppt/tags/tag50.xml><?xml version="1.0" encoding="utf-8"?>
-<p:tagLst xmlns:a="http://schemas.openxmlformats.org/drawingml/2006/main" xmlns:r="http://schemas.openxmlformats.org/officeDocument/2006/relationships" xmlns:p="http://schemas.openxmlformats.org/presentationml/2006/main">
-  <p:tag name="NUM" val="24"/>
-</p:tagLst>
-</file>
-
-<file path=ppt/tags/tag51.xml><?xml version="1.0" encoding="utf-8"?>
-<p:tagLst xmlns:a="http://schemas.openxmlformats.org/drawingml/2006/main" xmlns:r="http://schemas.openxmlformats.org/officeDocument/2006/relationships" xmlns:p="http://schemas.openxmlformats.org/presentationml/2006/main">
-  <p:tag name="NUM" val="25"/>
-</p:tagLst>
-</file>
-
-<file path=ppt/tags/tag52.xml><?xml version="1.0" encoding="utf-8"?>
-<p:tagLst xmlns:a="http://schemas.openxmlformats.org/drawingml/2006/main" xmlns:r="http://schemas.openxmlformats.org/officeDocument/2006/relationships" xmlns:p="http://schemas.openxmlformats.org/presentationml/2006/main">
-  <p:tag name="NUM" val="26"/>
-</p:tagLst>
-</file>
-
-<file path=ppt/tags/tag53.xml><?xml version="1.0" encoding="utf-8"?>
-<p:tagLst xmlns:a="http://schemas.openxmlformats.org/drawingml/2006/main" xmlns:r="http://schemas.openxmlformats.org/officeDocument/2006/relationships" xmlns:p="http://schemas.openxmlformats.org/presentationml/2006/main">
-  <p:tag name="NUM" val="28"/>
-</p:tagLst>
-</file>
-
-<file path=ppt/tags/tag54.xml><?xml version="1.0" encoding="utf-8"?>
-<p:tagLst xmlns:a="http://schemas.openxmlformats.org/drawingml/2006/main" xmlns:r="http://schemas.openxmlformats.org/officeDocument/2006/relationships" xmlns:p="http://schemas.openxmlformats.org/presentationml/2006/main">
-  <p:tag name="NUM" val="29"/>
-</p:tagLst>
-</file>
-
-<file path=ppt/tags/tag55.xml><?xml version="1.0" encoding="utf-8"?>
-<p:tagLst xmlns:a="http://schemas.openxmlformats.org/drawingml/2006/main" xmlns:r="http://schemas.openxmlformats.org/officeDocument/2006/relationships" xmlns:p="http://schemas.openxmlformats.org/presentationml/2006/main">
-  <p:tag name="NUM" val="30"/>
-</p:tagLst>
-</file>
-
-<file path=ppt/tags/tag56.xml><?xml version="1.0" encoding="utf-8"?>
-<p:tagLst xmlns:a="http://schemas.openxmlformats.org/drawingml/2006/main" xmlns:r="http://schemas.openxmlformats.org/officeDocument/2006/relationships" xmlns:p="http://schemas.openxmlformats.org/presentationml/2006/main">
-  <p:tag name="NUM" val="31"/>
-</p:tagLst>
-</file>
-
-<file path=ppt/tags/tag57.xml><?xml version="1.0" encoding="utf-8"?>
-<p:tagLst xmlns:a="http://schemas.openxmlformats.org/drawingml/2006/main" xmlns:r="http://schemas.openxmlformats.org/officeDocument/2006/relationships" xmlns:p="http://schemas.openxmlformats.org/presentationml/2006/main">
-  <p:tag name="NUM" val="32"/>
-</p:tagLst>
-</file>
-
-<file path=ppt/tags/tag58.xml><?xml version="1.0" encoding="utf-8"?>
-<p:tagLst xmlns:a="http://schemas.openxmlformats.org/drawingml/2006/main" xmlns:r="http://schemas.openxmlformats.org/officeDocument/2006/relationships" xmlns:p="http://schemas.openxmlformats.org/presentationml/2006/main">
-  <p:tag name="NUM" val="1"/>
-</p:tagLst>
-</file>
-
-<file path=ppt/tags/tag59.xml><?xml version="1.0" encoding="utf-8"?>
-<p:tagLst xmlns:a="http://schemas.openxmlformats.org/drawingml/2006/main" xmlns:r="http://schemas.openxmlformats.org/officeDocument/2006/relationships" xmlns:p="http://schemas.openxmlformats.org/presentationml/2006/main">
-  <p:tag name="NUM" val="2"/>
-</p:tagLst>
-</file>
-
-<file path=ppt/tags/tag6.xml><?xml version="1.0" encoding="utf-8"?>
-<p:tagLst xmlns:a="http://schemas.openxmlformats.org/drawingml/2006/main" xmlns:r="http://schemas.openxmlformats.org/officeDocument/2006/relationships" xmlns:p="http://schemas.openxmlformats.org/presentationml/2006/main">
-  <p:tag name="NUM" val="6"/>
-</p:tagLst>
-</file>
-
-<file path=ppt/tags/tag60.xml><?xml version="1.0" encoding="utf-8"?>
-<p:tagLst xmlns:a="http://schemas.openxmlformats.org/drawingml/2006/main" xmlns:r="http://schemas.openxmlformats.org/officeDocument/2006/relationships" xmlns:p="http://schemas.openxmlformats.org/presentationml/2006/main">
-  <p:tag name="NUM" val="3"/>
-</p:tagLst>
-</file>
-
-<file path=ppt/tags/tag61.xml><?xml version="1.0" encoding="utf-8"?>
-<p:tagLst xmlns:a="http://schemas.openxmlformats.org/drawingml/2006/main" xmlns:r="http://schemas.openxmlformats.org/officeDocument/2006/relationships" xmlns:p="http://schemas.openxmlformats.org/presentationml/2006/main">
-  <p:tag name="NUM" val="4"/>
-</p:tagLst>
-</file>
-
-<file path=ppt/tags/tag62.xml><?xml version="1.0" encoding="utf-8"?>
-<p:tagLst xmlns:a="http://schemas.openxmlformats.org/drawingml/2006/main" xmlns:r="http://schemas.openxmlformats.org/officeDocument/2006/relationships" xmlns:p="http://schemas.openxmlformats.org/presentationml/2006/main">
-  <p:tag name="NUM" val="5"/>
-</p:tagLst>
-</file>
-
-<file path=ppt/tags/tag63.xml><?xml version="1.0" encoding="utf-8"?>
-<p:tagLst xmlns:a="http://schemas.openxmlformats.org/drawingml/2006/main" xmlns:r="http://schemas.openxmlformats.org/officeDocument/2006/relationships" xmlns:p="http://schemas.openxmlformats.org/presentationml/2006/main">
-  <p:tag name="NUM" val="6"/>
-</p:tagLst>
-</file>
-
-<file path=ppt/tags/tag64.xml><?xml version="1.0" encoding="utf-8"?>
-<p:tagLst xmlns:a="http://schemas.openxmlformats.org/drawingml/2006/main" xmlns:r="http://schemas.openxmlformats.org/officeDocument/2006/relationships" xmlns:p="http://schemas.openxmlformats.org/presentationml/2006/main">
-  <p:tag name="NUM" val="7"/>
-</p:tagLst>
-</file>
-
-<file path=ppt/tags/tag65.xml><?xml version="1.0" encoding="utf-8"?>
-<p:tagLst xmlns:a="http://schemas.openxmlformats.org/drawingml/2006/main" xmlns:r="http://schemas.openxmlformats.org/officeDocument/2006/relationships" xmlns:p="http://schemas.openxmlformats.org/presentationml/2006/main">
-  <p:tag name="NUM" val="8"/>
-</p:tagLst>
-</file>
-
-<file path=ppt/tags/tag66.xml><?xml version="1.0" encoding="utf-8"?>
-<p:tagLst xmlns:a="http://schemas.openxmlformats.org/drawingml/2006/main" xmlns:r="http://schemas.openxmlformats.org/officeDocument/2006/relationships" xmlns:p="http://schemas.openxmlformats.org/presentationml/2006/main">
-  <p:tag name="NUM" val="9"/>
-</p:tagLst>
-</file>
-
-<file path=ppt/tags/tag67.xml><?xml version="1.0" encoding="utf-8"?>
-<p:tagLst xmlns:a="http://schemas.openxmlformats.org/drawingml/2006/main" xmlns:r="http://schemas.openxmlformats.org/officeDocument/2006/relationships" xmlns:p="http://schemas.openxmlformats.org/presentationml/2006/main">
-  <p:tag name="NUM" val="10"/>
-</p:tagLst>
-</file>
-
-<file path=ppt/tags/tag68.xml><?xml version="1.0" encoding="utf-8"?>
-<p:tagLst xmlns:a="http://schemas.openxmlformats.org/drawingml/2006/main" xmlns:r="http://schemas.openxmlformats.org/officeDocument/2006/relationships" xmlns:p="http://schemas.openxmlformats.org/presentationml/2006/main">
-  <p:tag name="NUM" val="11"/>
-</p:tagLst>
-</file>
-
-<file path=ppt/tags/tag69.xml><?xml version="1.0" encoding="utf-8"?>
-<p:tagLst xmlns:a="http://schemas.openxmlformats.org/drawingml/2006/main" xmlns:r="http://schemas.openxmlformats.org/officeDocument/2006/relationships" xmlns:p="http://schemas.openxmlformats.org/presentationml/2006/main">
-  <p:tag name="NUM" val="12"/>
-</p:tagLst>
-</file>
-
-<file path=ppt/tags/tag7.xml><?xml version="1.0" encoding="utf-8"?>
-<p:tagLst xmlns:a="http://schemas.openxmlformats.org/drawingml/2006/main" xmlns:r="http://schemas.openxmlformats.org/officeDocument/2006/relationships" xmlns:p="http://schemas.openxmlformats.org/presentationml/2006/main">
-  <p:tag name="NUM" val="7"/>
-</p:tagLst>
-</file>
-
-<file path=ppt/tags/tag70.xml><?xml version="1.0" encoding="utf-8"?>
-<p:tagLst xmlns:a="http://schemas.openxmlformats.org/drawingml/2006/main" xmlns:r="http://schemas.openxmlformats.org/officeDocument/2006/relationships" xmlns:p="http://schemas.openxmlformats.org/presentationml/2006/main">
-  <p:tag name="NUM" val="13"/>
-</p:tagLst>
-</file>
-
-<file path=ppt/tags/tag71.xml><?xml version="1.0" encoding="utf-8"?>
-<p:tagLst xmlns:a="http://schemas.openxmlformats.org/drawingml/2006/main" xmlns:r="http://schemas.openxmlformats.org/officeDocument/2006/relationships" xmlns:p="http://schemas.openxmlformats.org/presentationml/2006/main">
-  <p:tag name="NUM" val="14"/>
-</p:tagLst>
-</file>
-
-<file path=ppt/tags/tag72.xml><?xml version="1.0" encoding="utf-8"?>
-<p:tagLst xmlns:a="http://schemas.openxmlformats.org/drawingml/2006/main" xmlns:r="http://schemas.openxmlformats.org/officeDocument/2006/relationships" xmlns:p="http://schemas.openxmlformats.org/presentationml/2006/main">
-  <p:tag name="NUM" val="15"/>
-</p:tagLst>
-</file>
-
-<file path=ppt/tags/tag73.xml><?xml version="1.0" encoding="utf-8"?>
-<p:tagLst xmlns:a="http://schemas.openxmlformats.org/drawingml/2006/main" xmlns:r="http://schemas.openxmlformats.org/officeDocument/2006/relationships" xmlns:p="http://schemas.openxmlformats.org/presentationml/2006/main">
-  <p:tag name="NUM" val="16"/>
-</p:tagLst>
-</file>
-
-<file path=ppt/tags/tag74.xml><?xml version="1.0" encoding="utf-8"?>
-<p:tagLst xmlns:a="http://schemas.openxmlformats.org/drawingml/2006/main" xmlns:r="http://schemas.openxmlformats.org/officeDocument/2006/relationships" xmlns:p="http://schemas.openxmlformats.org/presentationml/2006/main">
-  <p:tag name="NUM" val="17"/>
-</p:tagLst>
-</file>
-
-<file path=ppt/tags/tag75.xml><?xml version="1.0" encoding="utf-8"?>
-<p:tagLst xmlns:a="http://schemas.openxmlformats.org/drawingml/2006/main" xmlns:r="http://schemas.openxmlformats.org/officeDocument/2006/relationships" xmlns:p="http://schemas.openxmlformats.org/presentationml/2006/main">
-  <p:tag name="NUM" val="18"/>
-</p:tagLst>
-</file>
-
-<file path=ppt/tags/tag76.xml><?xml version="1.0" encoding="utf-8"?>
-<p:tagLst xmlns:a="http://schemas.openxmlformats.org/drawingml/2006/main" xmlns:r="http://schemas.openxmlformats.org/officeDocument/2006/relationships" xmlns:p="http://schemas.openxmlformats.org/presentationml/2006/main">
-  <p:tag name="NUM" val="19"/>
-</p:tagLst>
-</file>
-
-<file path=ppt/tags/tag77.xml><?xml version="1.0" encoding="utf-8"?>
-<p:tagLst xmlns:a="http://schemas.openxmlformats.org/drawingml/2006/main" xmlns:r="http://schemas.openxmlformats.org/officeDocument/2006/relationships" xmlns:p="http://schemas.openxmlformats.org/presentationml/2006/main">
-  <p:tag name="NUM" val="20"/>
-</p:tagLst>
-</file>
-
-<file path=ppt/tags/tag78.xml><?xml version="1.0" encoding="utf-8"?>
-<p:tagLst xmlns:a="http://schemas.openxmlformats.org/drawingml/2006/main" xmlns:r="http://schemas.openxmlformats.org/officeDocument/2006/relationships" xmlns:p="http://schemas.openxmlformats.org/presentationml/2006/main">
-  <p:tag name="NUM" val="21"/>
-</p:tagLst>
-</file>
-
-<file path=ppt/tags/tag79.xml><?xml version="1.0" encoding="utf-8"?>
-<p:tagLst xmlns:a="http://schemas.openxmlformats.org/drawingml/2006/main" xmlns:r="http://schemas.openxmlformats.org/officeDocument/2006/relationships" xmlns:p="http://schemas.openxmlformats.org/presentationml/2006/main">
-  <p:tag name="NUM" val="22"/>
-</p:tagLst>
-</file>
-
-<file path=ppt/tags/tag8.xml><?xml version="1.0" encoding="utf-8"?>
-<p:tagLst xmlns:a="http://schemas.openxmlformats.org/drawingml/2006/main" xmlns:r="http://schemas.openxmlformats.org/officeDocument/2006/relationships" xmlns:p="http://schemas.openxmlformats.org/presentationml/2006/main">
-  <p:tag name="NUM" val="8"/>
-</p:tagLst>
-</file>
-
-<file path=ppt/tags/tag80.xml><?xml version="1.0" encoding="utf-8"?>
-<p:tagLst xmlns:a="http://schemas.openxmlformats.org/drawingml/2006/main" xmlns:r="http://schemas.openxmlformats.org/officeDocument/2006/relationships" xmlns:p="http://schemas.openxmlformats.org/presentationml/2006/main">
-  <p:tag name="NUM" val="23"/>
-</p:tagLst>
-</file>
-
-<file path=ppt/tags/tag81.xml><?xml version="1.0" encoding="utf-8"?>
-<p:tagLst xmlns:a="http://schemas.openxmlformats.org/drawingml/2006/main" xmlns:r="http://schemas.openxmlformats.org/officeDocument/2006/relationships" xmlns:p="http://schemas.openxmlformats.org/presentationml/2006/main">
-  <p:tag name="NUM" val="24"/>
-</p:tagLst>
-</file>
-
-<file path=ppt/tags/tag82.xml><?xml version="1.0" encoding="utf-8"?>
-<p:tagLst xmlns:a="http://schemas.openxmlformats.org/drawingml/2006/main" xmlns:r="http://schemas.openxmlformats.org/officeDocument/2006/relationships" xmlns:p="http://schemas.openxmlformats.org/presentationml/2006/main">
-  <p:tag name="NUM" val="25"/>
-</p:tagLst>
-</file>
-
-<file path=ppt/tags/tag83.xml><?xml version="1.0" encoding="utf-8"?>
-<p:tagLst xmlns:a="http://schemas.openxmlformats.org/drawingml/2006/main" xmlns:r="http://schemas.openxmlformats.org/officeDocument/2006/relationships" xmlns:p="http://schemas.openxmlformats.org/presentationml/2006/main">
-  <p:tag name="NUM" val="26"/>
-</p:tagLst>
-</file>
-
-<file path=ppt/tags/tag84.xml><?xml version="1.0" encoding="utf-8"?>
-<p:tagLst xmlns:a="http://schemas.openxmlformats.org/drawingml/2006/main" xmlns:r="http://schemas.openxmlformats.org/officeDocument/2006/relationships" xmlns:p="http://schemas.openxmlformats.org/presentationml/2006/main">
-  <p:tag name="NUM" val="29"/>
-</p:tagLst>
-</file>
-
-<file path=ppt/tags/tag85.xml><?xml version="1.0" encoding="utf-8"?>
-<p:tagLst xmlns:a="http://schemas.openxmlformats.org/drawingml/2006/main" xmlns:r="http://schemas.openxmlformats.org/officeDocument/2006/relationships" xmlns:p="http://schemas.openxmlformats.org/presentationml/2006/main">
-  <p:tag name="NUM" val="30"/>
-</p:tagLst>
-</file>
-
-<file path=ppt/tags/tag86.xml><?xml version="1.0" encoding="utf-8"?>
-<p:tagLst xmlns:a="http://schemas.openxmlformats.org/drawingml/2006/main" xmlns:r="http://schemas.openxmlformats.org/officeDocument/2006/relationships" xmlns:p="http://schemas.openxmlformats.org/presentationml/2006/main">
-  <p:tag name="NUM" val="31"/>
-</p:tagLst>
-</file>
-
-<file path=ppt/tags/tag87.xml><?xml version="1.0" encoding="utf-8"?>
-<p:tagLst xmlns:a="http://schemas.openxmlformats.org/drawingml/2006/main" xmlns:r="http://schemas.openxmlformats.org/officeDocument/2006/relationships" xmlns:p="http://schemas.openxmlformats.org/presentationml/2006/main">
-  <p:tag name="NUM" val="32"/>
-</p:tagLst>
-</file>
-
-<file path=ppt/tags/tag88.xml><?xml version="1.0" encoding="utf-8"?>
-<p:tagLst xmlns:a="http://schemas.openxmlformats.org/drawingml/2006/main" xmlns:r="http://schemas.openxmlformats.org/officeDocument/2006/relationships" xmlns:p="http://schemas.openxmlformats.org/presentationml/2006/main">
-  <p:tag name="NUM" val="27"/>
-</p:tagLst>
-</file>
-
-<file path=ppt/tags/tag89.xml><?xml version="1.0" encoding="utf-8"?>
-<p:tagLst xmlns:a="http://schemas.openxmlformats.org/drawingml/2006/main" xmlns:r="http://schemas.openxmlformats.org/officeDocument/2006/relationships" xmlns:p="http://schemas.openxmlformats.org/presentationml/2006/main">
-  <p:tag name="NUM" val="1"/>
-</p:tagLst>
-</file>
-
-<file path=ppt/tags/tag9.xml><?xml version="1.0" encoding="utf-8"?>
-<p:tagLst xmlns:a="http://schemas.openxmlformats.org/drawingml/2006/main" xmlns:r="http://schemas.openxmlformats.org/officeDocument/2006/relationships" xmlns:p="http://schemas.openxmlformats.org/presentationml/2006/main">
-  <p:tag name="NUM" val="9"/>
-</p:tagLst>
-</file>
-
-<file path=ppt/tags/tag90.xml><?xml version="1.0" encoding="utf-8"?>
-<p:tagLst xmlns:a="http://schemas.openxmlformats.org/drawingml/2006/main" xmlns:r="http://schemas.openxmlformats.org/officeDocument/2006/relationships" xmlns:p="http://schemas.openxmlformats.org/presentationml/2006/main">
-  <p:tag name="NUM" val="2"/>
-</p:tagLst>
-</file>
-
-<file path=ppt/tags/tag91.xml><?xml version="1.0" encoding="utf-8"?>
-<p:tagLst xmlns:a="http://schemas.openxmlformats.org/drawingml/2006/main" xmlns:r="http://schemas.openxmlformats.org/officeDocument/2006/relationships" xmlns:p="http://schemas.openxmlformats.org/presentationml/2006/main">
-  <p:tag name="NUM" val="3"/>
-</p:tagLst>
-</file>
-
-<file path=ppt/tags/tag92.xml><?xml version="1.0" encoding="utf-8"?>
-<p:tagLst xmlns:a="http://schemas.openxmlformats.org/drawingml/2006/main" xmlns:r="http://schemas.openxmlformats.org/officeDocument/2006/relationships" xmlns:p="http://schemas.openxmlformats.org/presentationml/2006/main">
-  <p:tag name="NUM" val="4"/>
-</p:tagLst>
-</file>
-
-<file path=ppt/tags/tag93.xml><?xml version="1.0" encoding="utf-8"?>
-<p:tagLst xmlns:a="http://schemas.openxmlformats.org/drawingml/2006/main" xmlns:r="http://schemas.openxmlformats.org/officeDocument/2006/relationships" xmlns:p="http://schemas.openxmlformats.org/presentationml/2006/main">
-  <p:tag name="NUM" val="5"/>
-</p:tagLst>
-</file>
-
-<file path=ppt/tags/tag94.xml><?xml version="1.0" encoding="utf-8"?>
-<p:tagLst xmlns:a="http://schemas.openxmlformats.org/drawingml/2006/main" xmlns:r="http://schemas.openxmlformats.org/officeDocument/2006/relationships" xmlns:p="http://schemas.openxmlformats.org/presentationml/2006/main">
-  <p:tag name="NUM" val="6"/>
-</p:tagLst>
-</file>
-
-<file path=ppt/tags/tag95.xml><?xml version="1.0" encoding="utf-8"?>
-<p:tagLst xmlns:a="http://schemas.openxmlformats.org/drawingml/2006/main" xmlns:r="http://schemas.openxmlformats.org/officeDocument/2006/relationships" xmlns:p="http://schemas.openxmlformats.org/presentationml/2006/main">
-  <p:tag name="NUM" val="7"/>
-</p:tagLst>
-</file>
-
-<file path=ppt/tags/tag96.xml><?xml version="1.0" encoding="utf-8"?>
-<p:tagLst xmlns:a="http://schemas.openxmlformats.org/drawingml/2006/main" xmlns:r="http://schemas.openxmlformats.org/officeDocument/2006/relationships" xmlns:p="http://schemas.openxmlformats.org/presentationml/2006/main">
-  <p:tag name="NUM" val="8"/>
-</p:tagLst>
-</file>
-
-<file path=ppt/tags/tag97.xml><?xml version="1.0" encoding="utf-8"?>
-<p:tagLst xmlns:a="http://schemas.openxmlformats.org/drawingml/2006/main" xmlns:r="http://schemas.openxmlformats.org/officeDocument/2006/relationships" xmlns:p="http://schemas.openxmlformats.org/presentationml/2006/main">
-  <p:tag name="NUM" val="9"/>
-</p:tagLst>
-</file>
-
-<file path=ppt/tags/tag98.xml><?xml version="1.0" encoding="utf-8"?>
-<p:tagLst xmlns:a="http://schemas.openxmlformats.org/drawingml/2006/main" xmlns:r="http://schemas.openxmlformats.org/officeDocument/2006/relationships" xmlns:p="http://schemas.openxmlformats.org/presentationml/2006/main">
-  <p:tag name="NUM" val="10"/>
-</p:tagLst>
-</file>
-
-<file path=ppt/tags/tag99.xml><?xml version="1.0" encoding="utf-8"?>
-<p:tagLst xmlns:a="http://schemas.openxmlformats.org/drawingml/2006/main" xmlns:r="http://schemas.openxmlformats.org/officeDocument/2006/relationships" xmlns:p="http://schemas.openxmlformats.org/presentationml/2006/main">
-  <p:tag name="NUM" val="11"/>
 </p:tagLst>
 </file>
 
